--- a/presentation/LORA-RPoenaru.pptx
+++ b/presentation/LORA-RPoenaru.pptx
@@ -6,18 +6,19 @@
     <p:sldMasterId id="2147483658" r:id="rId5"/>
   </p:sldMasterIdLst>
   <p:notesMasterIdLst>
-    <p:notesMasterId r:id="rId15"/>
+    <p:notesMasterId r:id="rId16"/>
   </p:notesMasterIdLst>
   <p:sldIdLst>
     <p:sldId id="300" r:id="rId6"/>
     <p:sldId id="289" r:id="rId7"/>
     <p:sldId id="288" r:id="rId8"/>
-    <p:sldId id="291" r:id="rId9"/>
-    <p:sldId id="292" r:id="rId10"/>
-    <p:sldId id="293" r:id="rId11"/>
-    <p:sldId id="294" r:id="rId12"/>
-    <p:sldId id="298" r:id="rId13"/>
-    <p:sldId id="287" r:id="rId14"/>
+    <p:sldId id="301" r:id="rId9"/>
+    <p:sldId id="302" r:id="rId10"/>
+    <p:sldId id="292" r:id="rId11"/>
+    <p:sldId id="293" r:id="rId12"/>
+    <p:sldId id="294" r:id="rId13"/>
+    <p:sldId id="298" r:id="rId14"/>
+    <p:sldId id="287" r:id="rId15"/>
   </p:sldIdLst>
   <p:sldSz cx="9144000" cy="5143500" type="screen16x9"/>
   <p:notesSz cx="6858000" cy="9144000"/>
@@ -1244,6 +1245,3174 @@
 </c:chartSpace>
 </file>
 
+<file path=ppt/diagrams/colors1.xml><?xml version="1.0" encoding="utf-8"?>
+<dgm:colorsDef xmlns:dgm="http://schemas.openxmlformats.org/drawingml/2006/diagram" xmlns:a="http://schemas.openxmlformats.org/drawingml/2006/main" uniqueId="urn:microsoft.com/office/officeart/2005/8/colors/accent1_1">
+  <dgm:title val=""/>
+  <dgm:desc val=""/>
+  <dgm:catLst>
+    <dgm:cat type="accent1" pri="11100"/>
+  </dgm:catLst>
+  <dgm:styleLbl name="node0">
+    <dgm:fillClrLst meth="repeat">
+      <a:schemeClr val="lt1"/>
+    </dgm:fillClrLst>
+    <dgm:linClrLst meth="repeat">
+      <a:schemeClr val="accent1">
+        <a:shade val="80000"/>
+      </a:schemeClr>
+    </dgm:linClrLst>
+    <dgm:effectClrLst/>
+    <dgm:txLinClrLst/>
+    <dgm:txFillClrLst meth="repeat">
+      <a:schemeClr val="dk1"/>
+    </dgm:txFillClrLst>
+    <dgm:txEffectClrLst/>
+  </dgm:styleLbl>
+  <dgm:styleLbl name="alignNode1">
+    <dgm:fillClrLst meth="repeat">
+      <a:schemeClr val="lt1"/>
+    </dgm:fillClrLst>
+    <dgm:linClrLst meth="repeat">
+      <a:schemeClr val="accent1">
+        <a:shade val="80000"/>
+      </a:schemeClr>
+    </dgm:linClrLst>
+    <dgm:effectClrLst/>
+    <dgm:txLinClrLst/>
+    <dgm:txFillClrLst meth="repeat">
+      <a:schemeClr val="dk1"/>
+    </dgm:txFillClrLst>
+    <dgm:txEffectClrLst/>
+  </dgm:styleLbl>
+  <dgm:styleLbl name="node1">
+    <dgm:fillClrLst meth="repeat">
+      <a:schemeClr val="lt1"/>
+    </dgm:fillClrLst>
+    <dgm:linClrLst meth="repeat">
+      <a:schemeClr val="accent1">
+        <a:shade val="80000"/>
+      </a:schemeClr>
+    </dgm:linClrLst>
+    <dgm:effectClrLst/>
+    <dgm:txLinClrLst/>
+    <dgm:txFillClrLst meth="repeat">
+      <a:schemeClr val="dk1"/>
+    </dgm:txFillClrLst>
+    <dgm:txEffectClrLst/>
+  </dgm:styleLbl>
+  <dgm:styleLbl name="lnNode1">
+    <dgm:fillClrLst meth="repeat">
+      <a:schemeClr val="lt1"/>
+    </dgm:fillClrLst>
+    <dgm:linClrLst meth="repeat">
+      <a:schemeClr val="accent1">
+        <a:shade val="80000"/>
+      </a:schemeClr>
+    </dgm:linClrLst>
+    <dgm:effectClrLst/>
+    <dgm:txLinClrLst/>
+    <dgm:txFillClrLst meth="repeat">
+      <a:schemeClr val="dk1"/>
+    </dgm:txFillClrLst>
+    <dgm:txEffectClrLst/>
+  </dgm:styleLbl>
+  <dgm:styleLbl name="vennNode1">
+    <dgm:fillClrLst meth="repeat">
+      <a:schemeClr val="lt1">
+        <a:alpha val="50000"/>
+      </a:schemeClr>
+    </dgm:fillClrLst>
+    <dgm:linClrLst meth="repeat">
+      <a:schemeClr val="accent1">
+        <a:shade val="80000"/>
+      </a:schemeClr>
+    </dgm:linClrLst>
+    <dgm:effectClrLst/>
+    <dgm:txLinClrLst/>
+    <dgm:txFillClrLst/>
+    <dgm:txEffectClrLst/>
+  </dgm:styleLbl>
+  <dgm:styleLbl name="node2">
+    <dgm:fillClrLst meth="repeat">
+      <a:schemeClr val="lt1"/>
+    </dgm:fillClrLst>
+    <dgm:linClrLst meth="repeat">
+      <a:schemeClr val="accent1">
+        <a:shade val="80000"/>
+      </a:schemeClr>
+    </dgm:linClrLst>
+    <dgm:effectClrLst/>
+    <dgm:txLinClrLst/>
+    <dgm:txFillClrLst meth="repeat">
+      <a:schemeClr val="dk1"/>
+    </dgm:txFillClrLst>
+    <dgm:txEffectClrLst/>
+  </dgm:styleLbl>
+  <dgm:styleLbl name="node3">
+    <dgm:fillClrLst meth="repeat">
+      <a:schemeClr val="lt1"/>
+    </dgm:fillClrLst>
+    <dgm:linClrLst meth="repeat">
+      <a:schemeClr val="accent1">
+        <a:shade val="80000"/>
+      </a:schemeClr>
+    </dgm:linClrLst>
+    <dgm:effectClrLst/>
+    <dgm:txLinClrLst/>
+    <dgm:txFillClrLst meth="repeat">
+      <a:schemeClr val="dk1"/>
+    </dgm:txFillClrLst>
+    <dgm:txEffectClrLst/>
+  </dgm:styleLbl>
+  <dgm:styleLbl name="node4">
+    <dgm:fillClrLst meth="repeat">
+      <a:schemeClr val="lt1"/>
+    </dgm:fillClrLst>
+    <dgm:linClrLst meth="repeat">
+      <a:schemeClr val="accent1">
+        <a:shade val="80000"/>
+      </a:schemeClr>
+    </dgm:linClrLst>
+    <dgm:effectClrLst/>
+    <dgm:txLinClrLst/>
+    <dgm:txFillClrLst meth="repeat">
+      <a:schemeClr val="dk1"/>
+    </dgm:txFillClrLst>
+    <dgm:txEffectClrLst/>
+  </dgm:styleLbl>
+  <dgm:styleLbl name="fgImgPlace1">
+    <dgm:fillClrLst meth="repeat">
+      <a:schemeClr val="accent1">
+        <a:tint val="40000"/>
+      </a:schemeClr>
+    </dgm:fillClrLst>
+    <dgm:linClrLst meth="repeat">
+      <a:schemeClr val="accent1">
+        <a:shade val="80000"/>
+      </a:schemeClr>
+    </dgm:linClrLst>
+    <dgm:effectClrLst/>
+    <dgm:txLinClrLst/>
+    <dgm:txFillClrLst meth="repeat">
+      <a:schemeClr val="lt1"/>
+    </dgm:txFillClrLst>
+    <dgm:txEffectClrLst/>
+  </dgm:styleLbl>
+  <dgm:styleLbl name="alignImgPlace1">
+    <dgm:fillClrLst meth="repeat">
+      <a:schemeClr val="accent1">
+        <a:tint val="40000"/>
+      </a:schemeClr>
+    </dgm:fillClrLst>
+    <dgm:linClrLst meth="repeat">
+      <a:schemeClr val="accent1">
+        <a:shade val="80000"/>
+      </a:schemeClr>
+    </dgm:linClrLst>
+    <dgm:effectClrLst/>
+    <dgm:txLinClrLst/>
+    <dgm:txFillClrLst meth="repeat">
+      <a:schemeClr val="lt1"/>
+    </dgm:txFillClrLst>
+    <dgm:txEffectClrLst/>
+  </dgm:styleLbl>
+  <dgm:styleLbl name="bgImgPlace1">
+    <dgm:fillClrLst meth="repeat">
+      <a:schemeClr val="accent1">
+        <a:tint val="40000"/>
+      </a:schemeClr>
+    </dgm:fillClrLst>
+    <dgm:linClrLst meth="repeat">
+      <a:schemeClr val="accent1">
+        <a:shade val="80000"/>
+      </a:schemeClr>
+    </dgm:linClrLst>
+    <dgm:effectClrLst/>
+    <dgm:txLinClrLst/>
+    <dgm:txFillClrLst meth="repeat">
+      <a:schemeClr val="lt1"/>
+    </dgm:txFillClrLst>
+    <dgm:txEffectClrLst/>
+  </dgm:styleLbl>
+  <dgm:styleLbl name="sibTrans2D1">
+    <dgm:fillClrLst meth="repeat">
+      <a:schemeClr val="accent1">
+        <a:tint val="60000"/>
+      </a:schemeClr>
+    </dgm:fillClrLst>
+    <dgm:linClrLst meth="repeat">
+      <a:schemeClr val="accent1">
+        <a:tint val="60000"/>
+      </a:schemeClr>
+    </dgm:linClrLst>
+    <dgm:effectClrLst/>
+    <dgm:txLinClrLst/>
+    <dgm:txFillClrLst meth="repeat">
+      <a:schemeClr val="dk1"/>
+    </dgm:txFillClrLst>
+    <dgm:txEffectClrLst/>
+  </dgm:styleLbl>
+  <dgm:styleLbl name="fgSibTrans2D1">
+    <dgm:fillClrLst meth="repeat">
+      <a:schemeClr val="accent1">
+        <a:tint val="60000"/>
+      </a:schemeClr>
+    </dgm:fillClrLst>
+    <dgm:linClrLst meth="repeat">
+      <a:schemeClr val="accent1">
+        <a:tint val="60000"/>
+      </a:schemeClr>
+    </dgm:linClrLst>
+    <dgm:effectClrLst/>
+    <dgm:txLinClrLst/>
+    <dgm:txFillClrLst meth="repeat">
+      <a:schemeClr val="dk1"/>
+    </dgm:txFillClrLst>
+    <dgm:txEffectClrLst/>
+  </dgm:styleLbl>
+  <dgm:styleLbl name="bgSibTrans2D1">
+    <dgm:fillClrLst meth="repeat">
+      <a:schemeClr val="accent1">
+        <a:tint val="60000"/>
+      </a:schemeClr>
+    </dgm:fillClrLst>
+    <dgm:linClrLst meth="repeat">
+      <a:schemeClr val="accent1">
+        <a:tint val="60000"/>
+      </a:schemeClr>
+    </dgm:linClrLst>
+    <dgm:effectClrLst/>
+    <dgm:txLinClrLst/>
+    <dgm:txFillClrLst meth="repeat">
+      <a:schemeClr val="dk1"/>
+    </dgm:txFillClrLst>
+    <dgm:txEffectClrLst/>
+  </dgm:styleLbl>
+  <dgm:styleLbl name="sibTrans1D1">
+    <dgm:fillClrLst meth="repeat">
+      <a:schemeClr val="accent1"/>
+    </dgm:fillClrLst>
+    <dgm:linClrLst meth="repeat">
+      <a:schemeClr val="accent1"/>
+    </dgm:linClrLst>
+    <dgm:effectClrLst/>
+    <dgm:txLinClrLst/>
+    <dgm:txFillClrLst meth="repeat">
+      <a:schemeClr val="tx1"/>
+    </dgm:txFillClrLst>
+    <dgm:txEffectClrLst/>
+  </dgm:styleLbl>
+  <dgm:styleLbl name="callout">
+    <dgm:fillClrLst meth="repeat">
+      <a:schemeClr val="accent1"/>
+    </dgm:fillClrLst>
+    <dgm:linClrLst meth="repeat">
+      <a:schemeClr val="accent1"/>
+    </dgm:linClrLst>
+    <dgm:effectClrLst/>
+    <dgm:txLinClrLst/>
+    <dgm:txFillClrLst meth="repeat">
+      <a:schemeClr val="tx1"/>
+    </dgm:txFillClrLst>
+    <dgm:txEffectClrLst/>
+  </dgm:styleLbl>
+  <dgm:styleLbl name="asst0">
+    <dgm:fillClrLst meth="repeat">
+      <a:schemeClr val="lt1"/>
+    </dgm:fillClrLst>
+    <dgm:linClrLst meth="repeat">
+      <a:schemeClr val="accent1">
+        <a:shade val="80000"/>
+      </a:schemeClr>
+    </dgm:linClrLst>
+    <dgm:effectClrLst/>
+    <dgm:txLinClrLst/>
+    <dgm:txFillClrLst meth="repeat">
+      <a:schemeClr val="dk1"/>
+    </dgm:txFillClrLst>
+    <dgm:txEffectClrLst/>
+  </dgm:styleLbl>
+  <dgm:styleLbl name="asst1">
+    <dgm:fillClrLst meth="repeat">
+      <a:schemeClr val="lt1"/>
+    </dgm:fillClrLst>
+    <dgm:linClrLst meth="repeat">
+      <a:schemeClr val="accent1">
+        <a:shade val="80000"/>
+      </a:schemeClr>
+    </dgm:linClrLst>
+    <dgm:effectClrLst/>
+    <dgm:txLinClrLst/>
+    <dgm:txFillClrLst meth="repeat">
+      <a:schemeClr val="dk1"/>
+    </dgm:txFillClrLst>
+    <dgm:txEffectClrLst/>
+  </dgm:styleLbl>
+  <dgm:styleLbl name="asst2">
+    <dgm:fillClrLst meth="repeat">
+      <a:schemeClr val="lt1"/>
+    </dgm:fillClrLst>
+    <dgm:linClrLst meth="repeat">
+      <a:schemeClr val="accent1">
+        <a:shade val="80000"/>
+      </a:schemeClr>
+    </dgm:linClrLst>
+    <dgm:effectClrLst/>
+    <dgm:txLinClrLst/>
+    <dgm:txFillClrLst meth="repeat">
+      <a:schemeClr val="dk1"/>
+    </dgm:txFillClrLst>
+    <dgm:txEffectClrLst/>
+  </dgm:styleLbl>
+  <dgm:styleLbl name="asst3">
+    <dgm:fillClrLst meth="repeat">
+      <a:schemeClr val="lt1"/>
+    </dgm:fillClrLst>
+    <dgm:linClrLst meth="repeat">
+      <a:schemeClr val="accent1">
+        <a:shade val="80000"/>
+      </a:schemeClr>
+    </dgm:linClrLst>
+    <dgm:effectClrLst/>
+    <dgm:txLinClrLst/>
+    <dgm:txFillClrLst meth="repeat">
+      <a:schemeClr val="dk1"/>
+    </dgm:txFillClrLst>
+    <dgm:txEffectClrLst/>
+  </dgm:styleLbl>
+  <dgm:styleLbl name="asst4">
+    <dgm:fillClrLst meth="repeat">
+      <a:schemeClr val="lt1"/>
+    </dgm:fillClrLst>
+    <dgm:linClrLst meth="repeat">
+      <a:schemeClr val="accent1">
+        <a:shade val="80000"/>
+      </a:schemeClr>
+    </dgm:linClrLst>
+    <dgm:effectClrLst/>
+    <dgm:txLinClrLst/>
+    <dgm:txFillClrLst meth="repeat">
+      <a:schemeClr val="dk1"/>
+    </dgm:txFillClrLst>
+    <dgm:txEffectClrLst/>
+  </dgm:styleLbl>
+  <dgm:styleLbl name="parChTrans2D1">
+    <dgm:fillClrLst meth="repeat">
+      <a:schemeClr val="accent1">
+        <a:tint val="60000"/>
+      </a:schemeClr>
+    </dgm:fillClrLst>
+    <dgm:linClrLst meth="repeat">
+      <a:schemeClr val="accent1">
+        <a:tint val="60000"/>
+      </a:schemeClr>
+    </dgm:linClrLst>
+    <dgm:effectClrLst/>
+    <dgm:txLinClrLst/>
+    <dgm:txFillClrLst/>
+    <dgm:txEffectClrLst/>
+  </dgm:styleLbl>
+  <dgm:styleLbl name="parChTrans2D2">
+    <dgm:fillClrLst meth="repeat">
+      <a:schemeClr val="accent1"/>
+    </dgm:fillClrLst>
+    <dgm:linClrLst meth="repeat">
+      <a:schemeClr val="accent1"/>
+    </dgm:linClrLst>
+    <dgm:effectClrLst/>
+    <dgm:txLinClrLst/>
+    <dgm:txFillClrLst/>
+    <dgm:txEffectClrLst/>
+  </dgm:styleLbl>
+  <dgm:styleLbl name="parChTrans2D3">
+    <dgm:fillClrLst meth="repeat">
+      <a:schemeClr val="accent1"/>
+    </dgm:fillClrLst>
+    <dgm:linClrLst meth="repeat">
+      <a:schemeClr val="accent1"/>
+    </dgm:linClrLst>
+    <dgm:effectClrLst/>
+    <dgm:txLinClrLst/>
+    <dgm:txFillClrLst/>
+    <dgm:txEffectClrLst/>
+  </dgm:styleLbl>
+  <dgm:styleLbl name="parChTrans2D4">
+    <dgm:fillClrLst meth="repeat">
+      <a:schemeClr val="accent1"/>
+    </dgm:fillClrLst>
+    <dgm:linClrLst meth="repeat">
+      <a:schemeClr val="accent1"/>
+    </dgm:linClrLst>
+    <dgm:effectClrLst/>
+    <dgm:txLinClrLst/>
+    <dgm:txFillClrLst meth="repeat">
+      <a:schemeClr val="lt1"/>
+    </dgm:txFillClrLst>
+    <dgm:txEffectClrLst/>
+  </dgm:styleLbl>
+  <dgm:styleLbl name="parChTrans1D1">
+    <dgm:fillClrLst meth="repeat">
+      <a:schemeClr val="accent1"/>
+    </dgm:fillClrLst>
+    <dgm:linClrLst meth="repeat">
+      <a:schemeClr val="accent1">
+        <a:shade val="60000"/>
+      </a:schemeClr>
+    </dgm:linClrLst>
+    <dgm:effectClrLst/>
+    <dgm:txLinClrLst/>
+    <dgm:txFillClrLst meth="repeat">
+      <a:schemeClr val="tx1"/>
+    </dgm:txFillClrLst>
+    <dgm:txEffectClrLst/>
+  </dgm:styleLbl>
+  <dgm:styleLbl name="parChTrans1D2">
+    <dgm:fillClrLst meth="repeat">
+      <a:schemeClr val="accent1"/>
+    </dgm:fillClrLst>
+    <dgm:linClrLst meth="repeat">
+      <a:schemeClr val="accent1">
+        <a:shade val="60000"/>
+      </a:schemeClr>
+    </dgm:linClrLst>
+    <dgm:effectClrLst/>
+    <dgm:txLinClrLst/>
+    <dgm:txFillClrLst meth="repeat">
+      <a:schemeClr val="tx1"/>
+    </dgm:txFillClrLst>
+    <dgm:txEffectClrLst/>
+  </dgm:styleLbl>
+  <dgm:styleLbl name="parChTrans1D3">
+    <dgm:fillClrLst meth="repeat">
+      <a:schemeClr val="accent1"/>
+    </dgm:fillClrLst>
+    <dgm:linClrLst meth="repeat">
+      <a:schemeClr val="accent1">
+        <a:shade val="80000"/>
+      </a:schemeClr>
+    </dgm:linClrLst>
+    <dgm:effectClrLst/>
+    <dgm:txLinClrLst/>
+    <dgm:txFillClrLst meth="repeat">
+      <a:schemeClr val="tx1"/>
+    </dgm:txFillClrLst>
+    <dgm:txEffectClrLst/>
+  </dgm:styleLbl>
+  <dgm:styleLbl name="parChTrans1D4">
+    <dgm:fillClrLst meth="repeat">
+      <a:schemeClr val="accent1"/>
+    </dgm:fillClrLst>
+    <dgm:linClrLst meth="repeat">
+      <a:schemeClr val="accent1">
+        <a:shade val="80000"/>
+      </a:schemeClr>
+    </dgm:linClrLst>
+    <dgm:effectClrLst/>
+    <dgm:txLinClrLst/>
+    <dgm:txFillClrLst meth="repeat">
+      <a:schemeClr val="tx1"/>
+    </dgm:txFillClrLst>
+    <dgm:txEffectClrLst/>
+  </dgm:styleLbl>
+  <dgm:styleLbl name="fgAcc1">
+    <dgm:fillClrLst meth="repeat">
+      <a:schemeClr val="accent1">
+        <a:alpha val="90000"/>
+        <a:tint val="40000"/>
+      </a:schemeClr>
+    </dgm:fillClrLst>
+    <dgm:linClrLst meth="repeat">
+      <a:schemeClr val="accent1"/>
+    </dgm:linClrLst>
+    <dgm:effectClrLst/>
+    <dgm:txLinClrLst/>
+    <dgm:txFillClrLst meth="repeat">
+      <a:schemeClr val="dk1"/>
+    </dgm:txFillClrLst>
+    <dgm:txEffectClrLst/>
+  </dgm:styleLbl>
+  <dgm:styleLbl name="conFgAcc1">
+    <dgm:fillClrLst meth="repeat">
+      <a:schemeClr val="accent1">
+        <a:alpha val="90000"/>
+        <a:tint val="40000"/>
+      </a:schemeClr>
+    </dgm:fillClrLst>
+    <dgm:linClrLst meth="repeat">
+      <a:schemeClr val="accent1"/>
+    </dgm:linClrLst>
+    <dgm:effectClrLst/>
+    <dgm:txLinClrLst/>
+    <dgm:txFillClrLst meth="repeat">
+      <a:schemeClr val="dk1"/>
+    </dgm:txFillClrLst>
+    <dgm:txEffectClrLst/>
+  </dgm:styleLbl>
+  <dgm:styleLbl name="alignAcc1">
+    <dgm:fillClrLst meth="repeat">
+      <a:schemeClr val="accent1">
+        <a:alpha val="90000"/>
+        <a:tint val="40000"/>
+      </a:schemeClr>
+    </dgm:fillClrLst>
+    <dgm:linClrLst meth="repeat">
+      <a:schemeClr val="accent1"/>
+    </dgm:linClrLst>
+    <dgm:effectClrLst/>
+    <dgm:txLinClrLst/>
+    <dgm:txFillClrLst meth="repeat">
+      <a:schemeClr val="dk1"/>
+    </dgm:txFillClrLst>
+    <dgm:txEffectClrLst/>
+  </dgm:styleLbl>
+  <dgm:styleLbl name="trAlignAcc1">
+    <dgm:fillClrLst meth="repeat">
+      <a:schemeClr val="accent1">
+        <a:alpha val="40000"/>
+        <a:tint val="40000"/>
+      </a:schemeClr>
+    </dgm:fillClrLst>
+    <dgm:linClrLst meth="repeat">
+      <a:schemeClr val="accent1"/>
+    </dgm:linClrLst>
+    <dgm:effectClrLst/>
+    <dgm:txLinClrLst/>
+    <dgm:txFillClrLst meth="repeat">
+      <a:schemeClr val="dk1"/>
+    </dgm:txFillClrLst>
+    <dgm:txEffectClrLst/>
+  </dgm:styleLbl>
+  <dgm:styleLbl name="bgAcc1">
+    <dgm:fillClrLst meth="repeat">
+      <a:schemeClr val="accent1">
+        <a:alpha val="90000"/>
+        <a:tint val="40000"/>
+      </a:schemeClr>
+    </dgm:fillClrLst>
+    <dgm:linClrLst meth="repeat">
+      <a:schemeClr val="accent1"/>
+    </dgm:linClrLst>
+    <dgm:effectClrLst/>
+    <dgm:txLinClrLst/>
+    <dgm:txFillClrLst meth="repeat">
+      <a:schemeClr val="dk1"/>
+    </dgm:txFillClrLst>
+    <dgm:txEffectClrLst/>
+  </dgm:styleLbl>
+  <dgm:styleLbl name="solidFgAcc1">
+    <dgm:fillClrLst meth="repeat">
+      <a:schemeClr val="lt1"/>
+    </dgm:fillClrLst>
+    <dgm:linClrLst meth="repeat">
+      <a:schemeClr val="accent1"/>
+    </dgm:linClrLst>
+    <dgm:effectClrLst/>
+    <dgm:txLinClrLst/>
+    <dgm:txFillClrLst meth="repeat">
+      <a:schemeClr val="dk1"/>
+    </dgm:txFillClrLst>
+    <dgm:txEffectClrLst/>
+  </dgm:styleLbl>
+  <dgm:styleLbl name="solidAlignAcc1">
+    <dgm:fillClrLst meth="repeat">
+      <a:schemeClr val="lt1"/>
+    </dgm:fillClrLst>
+    <dgm:linClrLst meth="repeat">
+      <a:schemeClr val="accent1"/>
+    </dgm:linClrLst>
+    <dgm:effectClrLst/>
+    <dgm:txLinClrLst/>
+    <dgm:txFillClrLst meth="repeat">
+      <a:schemeClr val="dk1"/>
+    </dgm:txFillClrLst>
+    <dgm:txEffectClrLst/>
+  </dgm:styleLbl>
+  <dgm:styleLbl name="solidBgAcc1">
+    <dgm:fillClrLst meth="repeat">
+      <a:schemeClr val="lt1"/>
+    </dgm:fillClrLst>
+    <dgm:linClrLst meth="repeat">
+      <a:schemeClr val="accent1"/>
+    </dgm:linClrLst>
+    <dgm:effectClrLst/>
+    <dgm:txLinClrLst/>
+    <dgm:txFillClrLst meth="repeat">
+      <a:schemeClr val="dk1"/>
+    </dgm:txFillClrLst>
+    <dgm:txEffectClrLst/>
+  </dgm:styleLbl>
+  <dgm:styleLbl name="fgAccFollowNode1">
+    <dgm:fillClrLst meth="repeat">
+      <a:schemeClr val="lt1">
+        <a:alpha val="90000"/>
+        <a:tint val="40000"/>
+      </a:schemeClr>
+    </dgm:fillClrLst>
+    <dgm:linClrLst meth="repeat">
+      <a:schemeClr val="accent1">
+        <a:alpha val="90000"/>
+      </a:schemeClr>
+    </dgm:linClrLst>
+    <dgm:effectClrLst/>
+    <dgm:txLinClrLst/>
+    <dgm:txFillClrLst meth="repeat">
+      <a:schemeClr val="dk1"/>
+    </dgm:txFillClrLst>
+    <dgm:txEffectClrLst/>
+  </dgm:styleLbl>
+  <dgm:styleLbl name="alignAccFollowNode1">
+    <dgm:fillClrLst meth="repeat">
+      <a:schemeClr val="lt1">
+        <a:alpha val="90000"/>
+        <a:tint val="40000"/>
+      </a:schemeClr>
+    </dgm:fillClrLst>
+    <dgm:linClrLst meth="repeat">
+      <a:schemeClr val="accent1">
+        <a:alpha val="90000"/>
+      </a:schemeClr>
+    </dgm:linClrLst>
+    <dgm:effectClrLst/>
+    <dgm:txLinClrLst/>
+    <dgm:txFillClrLst meth="repeat">
+      <a:schemeClr val="dk1"/>
+    </dgm:txFillClrLst>
+    <dgm:txEffectClrLst/>
+  </dgm:styleLbl>
+  <dgm:styleLbl name="bgAccFollowNode1">
+    <dgm:fillClrLst meth="repeat">
+      <a:schemeClr val="lt1">
+        <a:alpha val="90000"/>
+        <a:tint val="40000"/>
+      </a:schemeClr>
+    </dgm:fillClrLst>
+    <dgm:linClrLst meth="repeat">
+      <a:schemeClr val="accent1">
+        <a:alpha val="90000"/>
+      </a:schemeClr>
+    </dgm:linClrLst>
+    <dgm:effectClrLst/>
+    <dgm:txLinClrLst/>
+    <dgm:txFillClrLst meth="repeat">
+      <a:schemeClr val="dk1"/>
+    </dgm:txFillClrLst>
+    <dgm:txEffectClrLst/>
+  </dgm:styleLbl>
+  <dgm:styleLbl name="fgAcc0">
+    <dgm:fillClrLst meth="repeat">
+      <a:schemeClr val="accent1">
+        <a:alpha val="90000"/>
+        <a:tint val="40000"/>
+      </a:schemeClr>
+    </dgm:fillClrLst>
+    <dgm:linClrLst meth="repeat">
+      <a:schemeClr val="accent1"/>
+    </dgm:linClrLst>
+    <dgm:effectClrLst/>
+    <dgm:txLinClrLst/>
+    <dgm:txFillClrLst meth="repeat">
+      <a:schemeClr val="dk1"/>
+    </dgm:txFillClrLst>
+    <dgm:txEffectClrLst/>
+  </dgm:styleLbl>
+  <dgm:styleLbl name="fgAcc2">
+    <dgm:fillClrLst meth="repeat">
+      <a:schemeClr val="accent1">
+        <a:alpha val="90000"/>
+        <a:tint val="40000"/>
+      </a:schemeClr>
+    </dgm:fillClrLst>
+    <dgm:linClrLst meth="repeat">
+      <a:schemeClr val="accent1"/>
+    </dgm:linClrLst>
+    <dgm:effectClrLst/>
+    <dgm:txLinClrLst/>
+    <dgm:txFillClrLst meth="repeat">
+      <a:schemeClr val="dk1"/>
+    </dgm:txFillClrLst>
+    <dgm:txEffectClrLst/>
+  </dgm:styleLbl>
+  <dgm:styleLbl name="fgAcc3">
+    <dgm:fillClrLst meth="repeat">
+      <a:schemeClr val="accent1">
+        <a:alpha val="90000"/>
+        <a:tint val="40000"/>
+      </a:schemeClr>
+    </dgm:fillClrLst>
+    <dgm:linClrLst meth="repeat">
+      <a:schemeClr val="accent1"/>
+    </dgm:linClrLst>
+    <dgm:effectClrLst/>
+    <dgm:txLinClrLst/>
+    <dgm:txFillClrLst meth="repeat">
+      <a:schemeClr val="dk1"/>
+    </dgm:txFillClrLst>
+    <dgm:txEffectClrLst/>
+  </dgm:styleLbl>
+  <dgm:styleLbl name="fgAcc4">
+    <dgm:fillClrLst meth="repeat">
+      <a:schemeClr val="accent1">
+        <a:alpha val="90000"/>
+        <a:tint val="40000"/>
+      </a:schemeClr>
+    </dgm:fillClrLst>
+    <dgm:linClrLst meth="repeat">
+      <a:schemeClr val="accent1"/>
+    </dgm:linClrLst>
+    <dgm:effectClrLst/>
+    <dgm:txLinClrLst/>
+    <dgm:txFillClrLst meth="repeat">
+      <a:schemeClr val="dk1"/>
+    </dgm:txFillClrLst>
+    <dgm:txEffectClrLst/>
+  </dgm:styleLbl>
+  <dgm:styleLbl name="bgShp">
+    <dgm:fillClrLst meth="repeat">
+      <a:schemeClr val="accent1">
+        <a:tint val="40000"/>
+      </a:schemeClr>
+    </dgm:fillClrLst>
+    <dgm:linClrLst meth="repeat">
+      <a:schemeClr val="accent1"/>
+    </dgm:linClrLst>
+    <dgm:effectClrLst/>
+    <dgm:txLinClrLst/>
+    <dgm:txFillClrLst meth="repeat">
+      <a:schemeClr val="dk1"/>
+    </dgm:txFillClrLst>
+    <dgm:txEffectClrLst/>
+  </dgm:styleLbl>
+  <dgm:styleLbl name="dkBgShp">
+    <dgm:fillClrLst meth="repeat">
+      <a:schemeClr val="accent1">
+        <a:shade val="80000"/>
+      </a:schemeClr>
+    </dgm:fillClrLst>
+    <dgm:linClrLst meth="repeat">
+      <a:schemeClr val="accent1"/>
+    </dgm:linClrLst>
+    <dgm:effectClrLst/>
+    <dgm:txLinClrLst/>
+    <dgm:txFillClrLst meth="repeat">
+      <a:schemeClr val="lt1"/>
+    </dgm:txFillClrLst>
+    <dgm:txEffectClrLst/>
+  </dgm:styleLbl>
+  <dgm:styleLbl name="trBgShp">
+    <dgm:fillClrLst meth="repeat">
+      <a:schemeClr val="accent1">
+        <a:tint val="50000"/>
+        <a:alpha val="40000"/>
+      </a:schemeClr>
+    </dgm:fillClrLst>
+    <dgm:linClrLst meth="repeat">
+      <a:schemeClr val="accent1"/>
+    </dgm:linClrLst>
+    <dgm:effectClrLst/>
+    <dgm:txLinClrLst/>
+    <dgm:txFillClrLst meth="repeat">
+      <a:schemeClr val="lt1"/>
+    </dgm:txFillClrLst>
+    <dgm:txEffectClrLst/>
+  </dgm:styleLbl>
+  <dgm:styleLbl name="fgShp">
+    <dgm:fillClrLst meth="repeat">
+      <a:schemeClr val="accent1">
+        <a:tint val="60000"/>
+      </a:schemeClr>
+    </dgm:fillClrLst>
+    <dgm:linClrLst meth="repeat">
+      <a:schemeClr val="lt1"/>
+    </dgm:linClrLst>
+    <dgm:effectClrLst/>
+    <dgm:txLinClrLst/>
+    <dgm:txFillClrLst meth="repeat">
+      <a:schemeClr val="dk1"/>
+    </dgm:txFillClrLst>
+    <dgm:txEffectClrLst/>
+  </dgm:styleLbl>
+  <dgm:styleLbl name="revTx">
+    <dgm:fillClrLst meth="repeat">
+      <a:schemeClr val="lt1">
+        <a:alpha val="0"/>
+      </a:schemeClr>
+    </dgm:fillClrLst>
+    <dgm:linClrLst meth="repeat">
+      <a:schemeClr val="dk1">
+        <a:alpha val="0"/>
+      </a:schemeClr>
+    </dgm:linClrLst>
+    <dgm:effectClrLst/>
+    <dgm:txLinClrLst/>
+    <dgm:txFillClrLst meth="repeat">
+      <a:schemeClr val="tx1"/>
+    </dgm:txFillClrLst>
+    <dgm:txEffectClrLst/>
+  </dgm:styleLbl>
+</dgm:colorsDef>
+</file>
+
+<file path=ppt/diagrams/data1.xml><?xml version="1.0" encoding="utf-8"?>
+<dgm:dataModel xmlns:dgm="http://schemas.openxmlformats.org/drawingml/2006/diagram" xmlns:a="http://schemas.openxmlformats.org/drawingml/2006/main">
+  <dgm:ptLst>
+    <dgm:pt modelId="{EC6E8345-DD62-EF4C-90F3-78C13CBD9424}" type="doc">
+      <dgm:prSet loTypeId="urn:microsoft.com/office/officeart/2005/8/layout/venn1" loCatId="" qsTypeId="urn:microsoft.com/office/officeart/2005/8/quickstyle/simple1" qsCatId="simple" csTypeId="urn:microsoft.com/office/officeart/2005/8/colors/accent1_1" csCatId="accent1" phldr="1"/>
+      <dgm:spPr/>
+      <dgm:t>
+        <a:bodyPr/>
+        <a:lstStyle/>
+        <a:p>
+          <a:endParaRPr lang="en-US"/>
+        </a:p>
+      </dgm:t>
+    </dgm:pt>
+    <dgm:pt modelId="{34313B08-246B-874B-BDD9-D47ADE2E7CB3}">
+      <dgm:prSet phldrT="[Text]"/>
+      <dgm:spPr/>
+      <dgm:t>
+        <a:bodyPr/>
+        <a:lstStyle/>
+        <a:p>
+          <a:r>
+            <a:rPr lang="en-US" dirty="0"/>
+            <a:t>Research</a:t>
+          </a:r>
+        </a:p>
+      </dgm:t>
+    </dgm:pt>
+    <dgm:pt modelId="{F5AB3F26-072D-DE48-BD2C-7DD2DC6E6618}" type="parTrans" cxnId="{23666729-37AE-1546-914B-D66B3ECD37A5}">
+      <dgm:prSet/>
+      <dgm:spPr/>
+      <dgm:t>
+        <a:bodyPr/>
+        <a:lstStyle/>
+        <a:p>
+          <a:endParaRPr lang="en-US"/>
+        </a:p>
+      </dgm:t>
+    </dgm:pt>
+    <dgm:pt modelId="{7714FDDD-591A-3848-AD68-4BDC5C297B92}" type="sibTrans" cxnId="{23666729-37AE-1546-914B-D66B3ECD37A5}">
+      <dgm:prSet/>
+      <dgm:spPr/>
+      <dgm:t>
+        <a:bodyPr/>
+        <a:lstStyle/>
+        <a:p>
+          <a:endParaRPr lang="en-US"/>
+        </a:p>
+      </dgm:t>
+    </dgm:pt>
+    <dgm:pt modelId="{28D54D7B-C06B-1F44-A905-5ED91B779622}">
+      <dgm:prSet phldrT="[Text]"/>
+      <dgm:spPr/>
+      <dgm:t>
+        <a:bodyPr/>
+        <a:lstStyle/>
+        <a:p>
+          <a:r>
+            <a:rPr lang="en-US" dirty="0"/>
+            <a:t>Industry</a:t>
+          </a:r>
+        </a:p>
+      </dgm:t>
+    </dgm:pt>
+    <dgm:pt modelId="{E416F4AF-728F-3141-8A49-D87B82EDF317}" type="parTrans" cxnId="{34E7BE25-3D89-1847-85E9-59BB075168FE}">
+      <dgm:prSet/>
+      <dgm:spPr/>
+      <dgm:t>
+        <a:bodyPr/>
+        <a:lstStyle/>
+        <a:p>
+          <a:endParaRPr lang="en-US"/>
+        </a:p>
+      </dgm:t>
+    </dgm:pt>
+    <dgm:pt modelId="{654D4A87-6C08-034A-A240-C5FD0DBB1DA3}" type="sibTrans" cxnId="{34E7BE25-3D89-1847-85E9-59BB075168FE}">
+      <dgm:prSet/>
+      <dgm:spPr/>
+      <dgm:t>
+        <a:bodyPr/>
+        <a:lstStyle/>
+        <a:p>
+          <a:endParaRPr lang="en-US"/>
+        </a:p>
+      </dgm:t>
+    </dgm:pt>
+    <dgm:pt modelId="{0C8B5EAD-7F7F-5343-9C03-F3D4664725BC}">
+      <dgm:prSet phldrT="[Text]"/>
+      <dgm:spPr/>
+      <dgm:t>
+        <a:bodyPr/>
+        <a:lstStyle/>
+        <a:p>
+          <a:r>
+            <a:rPr lang="en-US" dirty="0"/>
+            <a:t>Education</a:t>
+          </a:r>
+        </a:p>
+      </dgm:t>
+    </dgm:pt>
+    <dgm:pt modelId="{EA45BD07-EDB7-9A46-AE29-CC5332B671EA}" type="parTrans" cxnId="{3A723FBE-2DBD-1345-8E43-87F93F2767F1}">
+      <dgm:prSet/>
+      <dgm:spPr/>
+      <dgm:t>
+        <a:bodyPr/>
+        <a:lstStyle/>
+        <a:p>
+          <a:endParaRPr lang="en-US"/>
+        </a:p>
+      </dgm:t>
+    </dgm:pt>
+    <dgm:pt modelId="{974A6284-FF14-AA4B-BD26-4943C4FCFF0D}" type="sibTrans" cxnId="{3A723FBE-2DBD-1345-8E43-87F93F2767F1}">
+      <dgm:prSet/>
+      <dgm:spPr/>
+      <dgm:t>
+        <a:bodyPr/>
+        <a:lstStyle/>
+        <a:p>
+          <a:endParaRPr lang="en-US"/>
+        </a:p>
+      </dgm:t>
+    </dgm:pt>
+    <dgm:pt modelId="{6954227C-F9FE-A74E-89EC-CA4265E934FC}" type="pres">
+      <dgm:prSet presAssocID="{EC6E8345-DD62-EF4C-90F3-78C13CBD9424}" presName="compositeShape" presStyleCnt="0">
+        <dgm:presLayoutVars>
+          <dgm:chMax val="7"/>
+          <dgm:dir/>
+          <dgm:resizeHandles val="exact"/>
+        </dgm:presLayoutVars>
+      </dgm:prSet>
+      <dgm:spPr/>
+    </dgm:pt>
+    <dgm:pt modelId="{B7843D6B-27AA-7940-90BF-65B6B2054A18}" type="pres">
+      <dgm:prSet presAssocID="{34313B08-246B-874B-BDD9-D47ADE2E7CB3}" presName="circ1" presStyleLbl="vennNode1" presStyleIdx="0" presStyleCnt="3"/>
+      <dgm:spPr/>
+    </dgm:pt>
+    <dgm:pt modelId="{87440183-3AEE-A14E-B5C0-298E9A9BBD46}" type="pres">
+      <dgm:prSet presAssocID="{34313B08-246B-874B-BDD9-D47ADE2E7CB3}" presName="circ1Tx" presStyleLbl="revTx" presStyleIdx="0" presStyleCnt="0">
+        <dgm:presLayoutVars>
+          <dgm:chMax val="0"/>
+          <dgm:chPref val="0"/>
+          <dgm:bulletEnabled val="1"/>
+        </dgm:presLayoutVars>
+      </dgm:prSet>
+      <dgm:spPr/>
+    </dgm:pt>
+    <dgm:pt modelId="{EC48AA6D-75D3-6A47-B795-E8B85FEC3050}" type="pres">
+      <dgm:prSet presAssocID="{28D54D7B-C06B-1F44-A905-5ED91B779622}" presName="circ2" presStyleLbl="vennNode1" presStyleIdx="1" presStyleCnt="3"/>
+      <dgm:spPr/>
+    </dgm:pt>
+    <dgm:pt modelId="{C71D7E2B-D22D-4C41-A5F2-D84B223929C7}" type="pres">
+      <dgm:prSet presAssocID="{28D54D7B-C06B-1F44-A905-5ED91B779622}" presName="circ2Tx" presStyleLbl="revTx" presStyleIdx="0" presStyleCnt="0">
+        <dgm:presLayoutVars>
+          <dgm:chMax val="0"/>
+          <dgm:chPref val="0"/>
+          <dgm:bulletEnabled val="1"/>
+        </dgm:presLayoutVars>
+      </dgm:prSet>
+      <dgm:spPr/>
+    </dgm:pt>
+    <dgm:pt modelId="{22C113AD-E1FB-3448-AFAE-FC3C74728CBA}" type="pres">
+      <dgm:prSet presAssocID="{0C8B5EAD-7F7F-5343-9C03-F3D4664725BC}" presName="circ3" presStyleLbl="vennNode1" presStyleIdx="2" presStyleCnt="3"/>
+      <dgm:spPr/>
+    </dgm:pt>
+    <dgm:pt modelId="{B11FDBB4-079B-2548-A0A0-C243F4342194}" type="pres">
+      <dgm:prSet presAssocID="{0C8B5EAD-7F7F-5343-9C03-F3D4664725BC}" presName="circ3Tx" presStyleLbl="revTx" presStyleIdx="0" presStyleCnt="0">
+        <dgm:presLayoutVars>
+          <dgm:chMax val="0"/>
+          <dgm:chPref val="0"/>
+          <dgm:bulletEnabled val="1"/>
+        </dgm:presLayoutVars>
+      </dgm:prSet>
+      <dgm:spPr/>
+    </dgm:pt>
+  </dgm:ptLst>
+  <dgm:cxnLst>
+    <dgm:cxn modelId="{34E7BE25-3D89-1847-85E9-59BB075168FE}" srcId="{EC6E8345-DD62-EF4C-90F3-78C13CBD9424}" destId="{28D54D7B-C06B-1F44-A905-5ED91B779622}" srcOrd="1" destOrd="0" parTransId="{E416F4AF-728F-3141-8A49-D87B82EDF317}" sibTransId="{654D4A87-6C08-034A-A240-C5FD0DBB1DA3}"/>
+    <dgm:cxn modelId="{C006EC26-EF52-484C-8CC5-9AB896D95D5C}" type="presOf" srcId="{28D54D7B-C06B-1F44-A905-5ED91B779622}" destId="{C71D7E2B-D22D-4C41-A5F2-D84B223929C7}" srcOrd="1" destOrd="0" presId="urn:microsoft.com/office/officeart/2005/8/layout/venn1"/>
+    <dgm:cxn modelId="{23666729-37AE-1546-914B-D66B3ECD37A5}" srcId="{EC6E8345-DD62-EF4C-90F3-78C13CBD9424}" destId="{34313B08-246B-874B-BDD9-D47ADE2E7CB3}" srcOrd="0" destOrd="0" parTransId="{F5AB3F26-072D-DE48-BD2C-7DD2DC6E6618}" sibTransId="{7714FDDD-591A-3848-AD68-4BDC5C297B92}"/>
+    <dgm:cxn modelId="{DEF59F34-4FA0-AF47-B759-3CFED336784C}" type="presOf" srcId="{34313B08-246B-874B-BDD9-D47ADE2E7CB3}" destId="{B7843D6B-27AA-7940-90BF-65B6B2054A18}" srcOrd="0" destOrd="0" presId="urn:microsoft.com/office/officeart/2005/8/layout/venn1"/>
+    <dgm:cxn modelId="{404E3F52-8327-574B-9377-B1F42850DC05}" type="presOf" srcId="{0C8B5EAD-7F7F-5343-9C03-F3D4664725BC}" destId="{22C113AD-E1FB-3448-AFAE-FC3C74728CBA}" srcOrd="0" destOrd="0" presId="urn:microsoft.com/office/officeart/2005/8/layout/venn1"/>
+    <dgm:cxn modelId="{3A723FBE-2DBD-1345-8E43-87F93F2767F1}" srcId="{EC6E8345-DD62-EF4C-90F3-78C13CBD9424}" destId="{0C8B5EAD-7F7F-5343-9C03-F3D4664725BC}" srcOrd="2" destOrd="0" parTransId="{EA45BD07-EDB7-9A46-AE29-CC5332B671EA}" sibTransId="{974A6284-FF14-AA4B-BD26-4943C4FCFF0D}"/>
+    <dgm:cxn modelId="{67ED08CD-3658-124C-A365-A64579DABE45}" type="presOf" srcId="{34313B08-246B-874B-BDD9-D47ADE2E7CB3}" destId="{87440183-3AEE-A14E-B5C0-298E9A9BBD46}" srcOrd="1" destOrd="0" presId="urn:microsoft.com/office/officeart/2005/8/layout/venn1"/>
+    <dgm:cxn modelId="{248E0AEC-5094-1D46-84D8-C707F6BFF40F}" type="presOf" srcId="{0C8B5EAD-7F7F-5343-9C03-F3D4664725BC}" destId="{B11FDBB4-079B-2548-A0A0-C243F4342194}" srcOrd="1" destOrd="0" presId="urn:microsoft.com/office/officeart/2005/8/layout/venn1"/>
+    <dgm:cxn modelId="{60C2EAFE-8A9C-734F-851A-6A0D27C67EB9}" type="presOf" srcId="{EC6E8345-DD62-EF4C-90F3-78C13CBD9424}" destId="{6954227C-F9FE-A74E-89EC-CA4265E934FC}" srcOrd="0" destOrd="0" presId="urn:microsoft.com/office/officeart/2005/8/layout/venn1"/>
+    <dgm:cxn modelId="{9CF02FFF-9623-B245-8712-0CCC1C76AF97}" type="presOf" srcId="{28D54D7B-C06B-1F44-A905-5ED91B779622}" destId="{EC48AA6D-75D3-6A47-B795-E8B85FEC3050}" srcOrd="0" destOrd="0" presId="urn:microsoft.com/office/officeart/2005/8/layout/venn1"/>
+    <dgm:cxn modelId="{1C2673B2-51AE-8C4A-9C35-6205367F245F}" type="presParOf" srcId="{6954227C-F9FE-A74E-89EC-CA4265E934FC}" destId="{B7843D6B-27AA-7940-90BF-65B6B2054A18}" srcOrd="0" destOrd="0" presId="urn:microsoft.com/office/officeart/2005/8/layout/venn1"/>
+    <dgm:cxn modelId="{EE588491-FA34-8442-B398-C39F290128E8}" type="presParOf" srcId="{6954227C-F9FE-A74E-89EC-CA4265E934FC}" destId="{87440183-3AEE-A14E-B5C0-298E9A9BBD46}" srcOrd="1" destOrd="0" presId="urn:microsoft.com/office/officeart/2005/8/layout/venn1"/>
+    <dgm:cxn modelId="{9675ACB3-A24C-1744-84A0-50EBFD3F12DD}" type="presParOf" srcId="{6954227C-F9FE-A74E-89EC-CA4265E934FC}" destId="{EC48AA6D-75D3-6A47-B795-E8B85FEC3050}" srcOrd="2" destOrd="0" presId="urn:microsoft.com/office/officeart/2005/8/layout/venn1"/>
+    <dgm:cxn modelId="{5E85DFC6-5CE4-344F-9A0D-D2B04E9C21AF}" type="presParOf" srcId="{6954227C-F9FE-A74E-89EC-CA4265E934FC}" destId="{C71D7E2B-D22D-4C41-A5F2-D84B223929C7}" srcOrd="3" destOrd="0" presId="urn:microsoft.com/office/officeart/2005/8/layout/venn1"/>
+    <dgm:cxn modelId="{ECCFA870-46E0-254D-9CC7-0AA144165161}" type="presParOf" srcId="{6954227C-F9FE-A74E-89EC-CA4265E934FC}" destId="{22C113AD-E1FB-3448-AFAE-FC3C74728CBA}" srcOrd="4" destOrd="0" presId="urn:microsoft.com/office/officeart/2005/8/layout/venn1"/>
+    <dgm:cxn modelId="{7B300072-DBC4-D047-B6A7-53C476CABF96}" type="presParOf" srcId="{6954227C-F9FE-A74E-89EC-CA4265E934FC}" destId="{B11FDBB4-079B-2548-A0A0-C243F4342194}" srcOrd="5" destOrd="0" presId="urn:microsoft.com/office/officeart/2005/8/layout/venn1"/>
+  </dgm:cxnLst>
+  <dgm:bg/>
+  <dgm:whole/>
+  <dgm:extLst>
+    <a:ext uri="http://schemas.microsoft.com/office/drawing/2008/diagram">
+      <dsp:dataModelExt xmlns:dsp="http://schemas.microsoft.com/office/drawing/2008/diagram" relId="rId6" minVer="http://schemas.openxmlformats.org/drawingml/2006/diagram"/>
+    </a:ext>
+  </dgm:extLst>
+</dgm:dataModel>
+</file>
+
+<file path=ppt/diagrams/drawing1.xml><?xml version="1.0" encoding="utf-8"?>
+<dsp:drawing xmlns:dgm="http://schemas.openxmlformats.org/drawingml/2006/diagram" xmlns:dsp="http://schemas.microsoft.com/office/drawing/2008/diagram" xmlns:a="http://schemas.openxmlformats.org/drawingml/2006/main">
+  <dsp:spTree>
+    <dsp:nvGrpSpPr>
+      <dsp:cNvPr id="0" name=""/>
+      <dsp:cNvGrpSpPr/>
+    </dsp:nvGrpSpPr>
+    <dsp:grpSpPr/>
+    <dsp:sp modelId="{B7843D6B-27AA-7940-90BF-65B6B2054A18}">
+      <dsp:nvSpPr>
+        <dsp:cNvPr id="0" name=""/>
+        <dsp:cNvSpPr/>
+      </dsp:nvSpPr>
+      <dsp:spPr>
+        <a:xfrm>
+          <a:off x="746908" y="114418"/>
+          <a:ext cx="2069952" cy="2069952"/>
+        </a:xfrm>
+        <a:prstGeom prst="ellipse">
+          <a:avLst/>
+        </a:prstGeom>
+        <a:solidFill>
+          <a:schemeClr val="lt1">
+            <a:alpha val="50000"/>
+            <a:hueOff val="0"/>
+            <a:satOff val="0"/>
+            <a:lumOff val="0"/>
+            <a:alphaOff val="0"/>
+          </a:schemeClr>
+        </a:solidFill>
+        <a:ln w="25400" cap="flat" cmpd="sng" algn="ctr">
+          <a:solidFill>
+            <a:schemeClr val="accent1">
+              <a:shade val="80000"/>
+              <a:hueOff val="0"/>
+              <a:satOff val="0"/>
+              <a:lumOff val="0"/>
+              <a:alphaOff val="0"/>
+            </a:schemeClr>
+          </a:solidFill>
+          <a:prstDash val="solid"/>
+        </a:ln>
+        <a:effectLst/>
+      </dsp:spPr>
+      <dsp:style>
+        <a:lnRef idx="2">
+          <a:scrgbClr r="0" g="0" b="0"/>
+        </a:lnRef>
+        <a:fillRef idx="1">
+          <a:scrgbClr r="0" g="0" b="0"/>
+        </a:fillRef>
+        <a:effectRef idx="0">
+          <a:scrgbClr r="0" g="0" b="0"/>
+        </a:effectRef>
+        <a:fontRef idx="minor">
+          <a:schemeClr val="tx1"/>
+        </a:fontRef>
+      </dsp:style>
+      <dsp:txBody>
+        <a:bodyPr spcFirstLastPara="0" vert="horz" wrap="square" lIns="0" tIns="0" rIns="0" bIns="0" numCol="1" spcCol="1270" anchor="ctr" anchorCtr="0">
+          <a:noAutofit/>
+        </a:bodyPr>
+        <a:lstStyle/>
+        <a:p>
+          <a:pPr marL="0" lvl="0" indent="0" algn="ctr" defTabSz="889000">
+            <a:lnSpc>
+              <a:spcPct val="90000"/>
+            </a:lnSpc>
+            <a:spcBef>
+              <a:spcPct val="0"/>
+            </a:spcBef>
+            <a:spcAft>
+              <a:spcPct val="35000"/>
+            </a:spcAft>
+            <a:buNone/>
+          </a:pPr>
+          <a:r>
+            <a:rPr lang="en-US" sz="2000" kern="1200" dirty="0"/>
+            <a:t>Research</a:t>
+          </a:r>
+        </a:p>
+      </dsp:txBody>
+      <dsp:txXfrm>
+        <a:off x="1022901" y="476660"/>
+        <a:ext cx="1517965" cy="931478"/>
+      </dsp:txXfrm>
+    </dsp:sp>
+    <dsp:sp modelId="{EC48AA6D-75D3-6A47-B795-E8B85FEC3050}">
+      <dsp:nvSpPr>
+        <dsp:cNvPr id="0" name=""/>
+        <dsp:cNvSpPr/>
+      </dsp:nvSpPr>
+      <dsp:spPr>
+        <a:xfrm>
+          <a:off x="1493816" y="1408139"/>
+          <a:ext cx="2069952" cy="2069952"/>
+        </a:xfrm>
+        <a:prstGeom prst="ellipse">
+          <a:avLst/>
+        </a:prstGeom>
+        <a:solidFill>
+          <a:schemeClr val="lt1">
+            <a:alpha val="50000"/>
+            <a:hueOff val="0"/>
+            <a:satOff val="0"/>
+            <a:lumOff val="0"/>
+            <a:alphaOff val="0"/>
+          </a:schemeClr>
+        </a:solidFill>
+        <a:ln w="25400" cap="flat" cmpd="sng" algn="ctr">
+          <a:solidFill>
+            <a:schemeClr val="accent1">
+              <a:shade val="80000"/>
+              <a:hueOff val="0"/>
+              <a:satOff val="0"/>
+              <a:lumOff val="0"/>
+              <a:alphaOff val="0"/>
+            </a:schemeClr>
+          </a:solidFill>
+          <a:prstDash val="solid"/>
+        </a:ln>
+        <a:effectLst/>
+      </dsp:spPr>
+      <dsp:style>
+        <a:lnRef idx="2">
+          <a:scrgbClr r="0" g="0" b="0"/>
+        </a:lnRef>
+        <a:fillRef idx="1">
+          <a:scrgbClr r="0" g="0" b="0"/>
+        </a:fillRef>
+        <a:effectRef idx="0">
+          <a:scrgbClr r="0" g="0" b="0"/>
+        </a:effectRef>
+        <a:fontRef idx="minor">
+          <a:schemeClr val="tx1"/>
+        </a:fontRef>
+      </dsp:style>
+      <dsp:txBody>
+        <a:bodyPr spcFirstLastPara="0" vert="horz" wrap="square" lIns="0" tIns="0" rIns="0" bIns="0" numCol="1" spcCol="1270" anchor="ctr" anchorCtr="0">
+          <a:noAutofit/>
+        </a:bodyPr>
+        <a:lstStyle/>
+        <a:p>
+          <a:pPr marL="0" lvl="0" indent="0" algn="ctr" defTabSz="889000">
+            <a:lnSpc>
+              <a:spcPct val="90000"/>
+            </a:lnSpc>
+            <a:spcBef>
+              <a:spcPct val="0"/>
+            </a:spcBef>
+            <a:spcAft>
+              <a:spcPct val="35000"/>
+            </a:spcAft>
+            <a:buNone/>
+          </a:pPr>
+          <a:r>
+            <a:rPr lang="en-US" sz="2000" kern="1200" dirty="0"/>
+            <a:t>Industry</a:t>
+          </a:r>
+        </a:p>
+      </dsp:txBody>
+      <dsp:txXfrm>
+        <a:off x="2126876" y="1942877"/>
+        <a:ext cx="1241971" cy="1138474"/>
+      </dsp:txXfrm>
+    </dsp:sp>
+    <dsp:sp modelId="{22C113AD-E1FB-3448-AFAE-FC3C74728CBA}">
+      <dsp:nvSpPr>
+        <dsp:cNvPr id="0" name=""/>
+        <dsp:cNvSpPr/>
+      </dsp:nvSpPr>
+      <dsp:spPr>
+        <a:xfrm>
+          <a:off x="0" y="1408139"/>
+          <a:ext cx="2069952" cy="2069952"/>
+        </a:xfrm>
+        <a:prstGeom prst="ellipse">
+          <a:avLst/>
+        </a:prstGeom>
+        <a:solidFill>
+          <a:schemeClr val="lt1">
+            <a:alpha val="50000"/>
+            <a:hueOff val="0"/>
+            <a:satOff val="0"/>
+            <a:lumOff val="0"/>
+            <a:alphaOff val="0"/>
+          </a:schemeClr>
+        </a:solidFill>
+        <a:ln w="25400" cap="flat" cmpd="sng" algn="ctr">
+          <a:solidFill>
+            <a:schemeClr val="accent1">
+              <a:shade val="80000"/>
+              <a:hueOff val="0"/>
+              <a:satOff val="0"/>
+              <a:lumOff val="0"/>
+              <a:alphaOff val="0"/>
+            </a:schemeClr>
+          </a:solidFill>
+          <a:prstDash val="solid"/>
+        </a:ln>
+        <a:effectLst/>
+      </dsp:spPr>
+      <dsp:style>
+        <a:lnRef idx="2">
+          <a:scrgbClr r="0" g="0" b="0"/>
+        </a:lnRef>
+        <a:fillRef idx="1">
+          <a:scrgbClr r="0" g="0" b="0"/>
+        </a:fillRef>
+        <a:effectRef idx="0">
+          <a:scrgbClr r="0" g="0" b="0"/>
+        </a:effectRef>
+        <a:fontRef idx="minor">
+          <a:schemeClr val="tx1"/>
+        </a:fontRef>
+      </dsp:style>
+      <dsp:txBody>
+        <a:bodyPr spcFirstLastPara="0" vert="horz" wrap="square" lIns="0" tIns="0" rIns="0" bIns="0" numCol="1" spcCol="1270" anchor="ctr" anchorCtr="0">
+          <a:noAutofit/>
+        </a:bodyPr>
+        <a:lstStyle/>
+        <a:p>
+          <a:pPr marL="0" lvl="0" indent="0" algn="ctr" defTabSz="889000">
+            <a:lnSpc>
+              <a:spcPct val="90000"/>
+            </a:lnSpc>
+            <a:spcBef>
+              <a:spcPct val="0"/>
+            </a:spcBef>
+            <a:spcAft>
+              <a:spcPct val="35000"/>
+            </a:spcAft>
+            <a:buNone/>
+          </a:pPr>
+          <a:r>
+            <a:rPr lang="en-US" sz="2000" kern="1200" dirty="0"/>
+            <a:t>Education</a:t>
+          </a:r>
+        </a:p>
+      </dsp:txBody>
+      <dsp:txXfrm>
+        <a:off x="194920" y="1942877"/>
+        <a:ext cx="1241971" cy="1138474"/>
+      </dsp:txXfrm>
+    </dsp:sp>
+  </dsp:spTree>
+</dsp:drawing>
+</file>
+
+<file path=ppt/diagrams/layout1.xml><?xml version="1.0" encoding="utf-8"?>
+<dgm:layoutDef xmlns:dgm="http://schemas.openxmlformats.org/drawingml/2006/diagram" xmlns:a="http://schemas.openxmlformats.org/drawingml/2006/main" uniqueId="urn:microsoft.com/office/officeart/2005/8/layout/venn1">
+  <dgm:title val=""/>
+  <dgm:desc val=""/>
+  <dgm:catLst>
+    <dgm:cat type="relationship" pri="28000"/>
+    <dgm:cat type="convert" pri="19000"/>
+  </dgm:catLst>
+  <dgm:sampData useDef="1">
+    <dgm:dataModel>
+      <dgm:ptLst/>
+      <dgm:bg/>
+      <dgm:whole/>
+    </dgm:dataModel>
+  </dgm:sampData>
+  <dgm:styleData useDef="1">
+    <dgm:dataModel>
+      <dgm:ptLst/>
+      <dgm:bg/>
+      <dgm:whole/>
+    </dgm:dataModel>
+  </dgm:styleData>
+  <dgm:clrData>
+    <dgm:dataModel>
+      <dgm:ptLst>
+        <dgm:pt modelId="0" type="doc"/>
+        <dgm:pt modelId="1"/>
+        <dgm:pt modelId="2"/>
+        <dgm:pt modelId="3"/>
+        <dgm:pt modelId="4"/>
+      </dgm:ptLst>
+      <dgm:cxnLst>
+        <dgm:cxn modelId="7" srcId="0" destId="1" srcOrd="0" destOrd="0"/>
+        <dgm:cxn modelId="8" srcId="0" destId="2" srcOrd="1" destOrd="0"/>
+        <dgm:cxn modelId="9" srcId="0" destId="3" srcOrd="2" destOrd="0"/>
+        <dgm:cxn modelId="10" srcId="0" destId="4" srcOrd="3" destOrd="0"/>
+      </dgm:cxnLst>
+      <dgm:bg/>
+      <dgm:whole/>
+    </dgm:dataModel>
+  </dgm:clrData>
+  <dgm:layoutNode name="compositeShape">
+    <dgm:varLst>
+      <dgm:chMax val="7"/>
+      <dgm:dir/>
+      <dgm:resizeHandles val="exact"/>
+    </dgm:varLst>
+    <dgm:choose name="Name0">
+      <dgm:if name="Name1" axis="ch" ptType="node" func="cnt" op="equ" val="1">
+        <dgm:alg type="composite">
+          <dgm:param type="ar" val="1"/>
+        </dgm:alg>
+      </dgm:if>
+      <dgm:if name="Name2" axis="ch" ptType="node" func="cnt" op="equ" val="2">
+        <dgm:alg type="composite">
+          <dgm:param type="ar" val="1.792"/>
+        </dgm:alg>
+      </dgm:if>
+      <dgm:if name="Name3" axis="ch" ptType="node" func="cnt" op="equ" val="3">
+        <dgm:alg type="composite">
+          <dgm:param type="ar" val="1"/>
+        </dgm:alg>
+      </dgm:if>
+      <dgm:if name="Name4" axis="ch" ptType="node" func="cnt" op="equ" val="4">
+        <dgm:alg type="composite">
+          <dgm:param type="ar" val="1"/>
+        </dgm:alg>
+      </dgm:if>
+      <dgm:if name="Name5" axis="ch" ptType="node" func="cnt" op="equ" val="5">
+        <dgm:alg type="composite">
+          <dgm:param type="ar" val="1.4"/>
+        </dgm:alg>
+      </dgm:if>
+      <dgm:if name="Name6" axis="ch" ptType="node" func="cnt" op="equ" val="6">
+        <dgm:alg type="composite">
+          <dgm:param type="ar" val="1.285"/>
+        </dgm:alg>
+      </dgm:if>
+      <dgm:if name="Name7" axis="ch" ptType="node" func="cnt" op="equ" val="7">
+        <dgm:alg type="composite">
+          <dgm:param type="ar" val="1.359"/>
+        </dgm:alg>
+      </dgm:if>
+      <dgm:else name="Name8">
+        <dgm:alg type="composite">
+          <dgm:param type="ar" val="1.359"/>
+        </dgm:alg>
+      </dgm:else>
+    </dgm:choose>
+    <dgm:shape xmlns:r="http://schemas.openxmlformats.org/officeDocument/2006/relationships" r:blip="">
+      <dgm:adjLst/>
+    </dgm:shape>
+    <dgm:presOf/>
+    <dgm:choose name="Name9">
+      <dgm:if name="Name10" axis="ch" ptType="node" func="cnt" op="equ" val="1">
+        <dgm:constrLst>
+          <dgm:constr type="ctrX" for="ch" forName="circ1TxSh" refType="w" fact="0.5"/>
+          <dgm:constr type="ctrY" for="ch" forName="circ1TxSh" refType="h" fact="0.5"/>
+          <dgm:constr type="w" for="ch" forName="circ1TxSh" refType="w"/>
+          <dgm:constr type="h" for="ch" forName="circ1TxSh" refType="h"/>
+          <dgm:constr type="primFontSz" for="ch" ptType="node" op="equ"/>
+        </dgm:constrLst>
+      </dgm:if>
+      <dgm:if name="Name11" axis="ch" ptType="node" func="cnt" op="equ" val="2">
+        <dgm:constrLst>
+          <dgm:constr type="ctrX" for="ch" forName="circ1" refType="w" fact="0.3"/>
+          <dgm:constr type="ctrY" for="ch" forName="circ1" refType="h" fact="0.5"/>
+          <dgm:constr type="w" for="ch" forName="circ1" refType="w" fact="0.555"/>
+          <dgm:constr type="h" for="ch" forName="circ1" refType="h" fact="0.99456"/>
+          <dgm:constr type="l" for="ch" forName="circ1Tx" refType="w" fact="0.1"/>
+          <dgm:constr type="t" for="ch" forName="circ1Tx" refType="h" fact="0.12"/>
+          <dgm:constr type="w" for="ch" forName="circ1Tx" refType="w" fact="0.32"/>
+          <dgm:constr type="h" for="ch" forName="circ1Tx" refType="h" fact="0.76"/>
+          <dgm:constr type="ctrX" for="ch" forName="circ2" refType="w" fact="0.7"/>
+          <dgm:constr type="ctrY" for="ch" forName="circ2" refType="h" fact="0.5"/>
+          <dgm:constr type="w" for="ch" forName="circ2" refType="w" fact="0.555"/>
+          <dgm:constr type="h" for="ch" forName="circ2" refType="h" fact="0.99456"/>
+          <dgm:constr type="l" for="ch" forName="circ2Tx" refType="w" fact="0.58"/>
+          <dgm:constr type="t" for="ch" forName="circ2Tx" refType="h" fact="0.12"/>
+          <dgm:constr type="w" for="ch" forName="circ2Tx" refType="w" fact="0.32"/>
+          <dgm:constr type="h" for="ch" forName="circ2Tx" refType="h" fact="0.76"/>
+          <dgm:constr type="primFontSz" for="ch" ptType="node" op="equ"/>
+        </dgm:constrLst>
+      </dgm:if>
+      <dgm:if name="Name12" axis="ch" ptType="node" func="cnt" op="equ" val="3">
+        <dgm:constrLst>
+          <dgm:constr type="ctrX" for="ch" forName="circ1" refType="w" fact="0.5"/>
+          <dgm:constr type="ctrY" for="ch" forName="circ1" refType="w" fact="0.25"/>
+          <dgm:constr type="w" for="ch" forName="circ1" refType="w" fact="0.6"/>
+          <dgm:constr type="h" for="ch" forName="circ1" refType="h" fact="0.6"/>
+          <dgm:constr type="l" for="ch" forName="circ1Tx" refType="w" fact="0.28"/>
+          <dgm:constr type="t" for="ch" forName="circ1Tx" refType="h" fact="0.055"/>
+          <dgm:constr type="w" for="ch" forName="circ1Tx" refType="w" fact="0.44"/>
+          <dgm:constr type="h" for="ch" forName="circ1Tx" refType="h" fact="0.27"/>
+          <dgm:constr type="ctrX" for="ch" forName="circ2" refType="w" fact="0.7165"/>
+          <dgm:constr type="ctrY" for="ch" forName="circ2" refType="w" fact="0.625"/>
+          <dgm:constr type="w" for="ch" forName="circ2" refType="w" fact="0.6"/>
+          <dgm:constr type="h" for="ch" forName="circ2" refType="h" fact="0.6"/>
+          <dgm:constr type="l" for="ch" forName="circ2Tx" refType="w" fact="0.6"/>
+          <dgm:constr type="t" for="ch" forName="circ2Tx" refType="h" fact="0.48"/>
+          <dgm:constr type="w" for="ch" forName="circ2Tx" refType="w" fact="0.36"/>
+          <dgm:constr type="h" for="ch" forName="circ2Tx" refType="h" fact="0.33"/>
+          <dgm:constr type="ctrX" for="ch" forName="circ3" refType="w" fact="0.2835"/>
+          <dgm:constr type="ctrY" for="ch" forName="circ3" refType="w" fact="0.625"/>
+          <dgm:constr type="w" for="ch" forName="circ3" refType="w" fact="0.6"/>
+          <dgm:constr type="h" for="ch" forName="circ3" refType="h" fact="0.6"/>
+          <dgm:constr type="l" for="ch" forName="circ3Tx" refType="w" fact="0.04"/>
+          <dgm:constr type="t" for="ch" forName="circ3Tx" refType="h" fact="0.48"/>
+          <dgm:constr type="w" for="ch" forName="circ3Tx" refType="w" fact="0.36"/>
+          <dgm:constr type="h" for="ch" forName="circ3Tx" refType="h" fact="0.33"/>
+          <dgm:constr type="primFontSz" for="ch" ptType="node" op="equ"/>
+        </dgm:constrLst>
+      </dgm:if>
+      <dgm:if name="Name13" axis="ch" ptType="node" func="cnt" op="equ" val="4">
+        <dgm:constrLst>
+          <dgm:constr type="ctrX" for="ch" forName="circ1" refType="w" fact="0.5"/>
+          <dgm:constr type="ctrY" for="ch" forName="circ1" refType="w" fact="0.27"/>
+          <dgm:constr type="w" for="ch" forName="circ1" refType="w" fact="0.52"/>
+          <dgm:constr type="h" for="ch" forName="circ1" refType="h" fact="0.52"/>
+          <dgm:constr type="l" for="ch" forName="circ1Tx" refType="w" fact="0.3"/>
+          <dgm:constr type="t" for="ch" forName="circ1Tx" refType="h" fact="0.08"/>
+          <dgm:constr type="w" for="ch" forName="circ1Tx" refType="w" fact="0.4"/>
+          <dgm:constr type="h" for="ch" forName="circ1Tx" refType="h" fact="0.165"/>
+          <dgm:constr type="ctrX" for="ch" forName="circ2" refType="w" fact="0.73"/>
+          <dgm:constr type="ctrY" for="ch" forName="circ2" refType="w" fact="0.5"/>
+          <dgm:constr type="w" for="ch" forName="circ2" refType="w" fact="0.52"/>
+          <dgm:constr type="h" for="ch" forName="circ2" refType="h" fact="0.52"/>
+          <dgm:constr type="r" for="ch" forName="circ2Tx" refType="w" fact="0.95"/>
+          <dgm:constr type="t" for="ch" forName="circ2Tx" refType="h" fact="0.3"/>
+          <dgm:constr type="w" for="ch" forName="circ2Tx" refType="w" fact="0.2"/>
+          <dgm:constr type="h" for="ch" forName="circ2Tx" refType="h" fact="0.4"/>
+          <dgm:constr type="ctrX" for="ch" forName="circ3" refType="w" fact="0.5"/>
+          <dgm:constr type="ctrY" for="ch" forName="circ3" refType="w" fact="0.73"/>
+          <dgm:constr type="w" for="ch" forName="circ3" refType="w" fact="0.52"/>
+          <dgm:constr type="h" for="ch" forName="circ3" refType="h" fact="0.52"/>
+          <dgm:constr type="l" for="ch" forName="circ3Tx" refType="w" fact="0.3"/>
+          <dgm:constr type="b" for="ch" forName="circ3Tx" refType="h" fact="0.92"/>
+          <dgm:constr type="w" for="ch" forName="circ3Tx" refType="w" fact="0.4"/>
+          <dgm:constr type="h" for="ch" forName="circ3Tx" refType="h" fact="0.165"/>
+          <dgm:constr type="ctrX" for="ch" forName="circ4" refType="w" fact="0.27"/>
+          <dgm:constr type="ctrY" for="ch" forName="circ4" refType="h" fact="0.5"/>
+          <dgm:constr type="w" for="ch" forName="circ4" refType="w" fact="0.52"/>
+          <dgm:constr type="h" for="ch" forName="circ4" refType="h" fact="0.52"/>
+          <dgm:constr type="l" for="ch" forName="circ4Tx" refType="w" fact="0.05"/>
+          <dgm:constr type="t" for="ch" forName="circ4Tx" refType="h" fact="0.3"/>
+          <dgm:constr type="w" for="ch" forName="circ4Tx" refType="w" fact="0.2"/>
+          <dgm:constr type="h" for="ch" forName="circ4Tx" refType="h" fact="0.4"/>
+          <dgm:constr type="primFontSz" for="ch" ptType="node" op="equ"/>
+        </dgm:constrLst>
+      </dgm:if>
+      <dgm:if name="Name14" axis="ch" ptType="node" func="cnt" op="equ" val="5">
+        <dgm:constrLst>
+          <dgm:constr type="ctrX" for="ch" forName="circ1" refType="w" fact="0.5"/>
+          <dgm:constr type="ctrY" for="ch" forName="circ1" refType="h" fact="0.46"/>
+          <dgm:constr type="w" for="ch" forName="circ1" refType="w" fact="0.25"/>
+          <dgm:constr type="h" for="ch" forName="circ1" refType="h" fact="0.35"/>
+          <dgm:constr type="l" for="ch" forName="circ1Tx" refType="w" fact="0.355"/>
+          <dgm:constr type="t" for="ch" forName="circ1Tx"/>
+          <dgm:constr type="w" for="ch" forName="circ1Tx" refType="w" fact="0.29"/>
+          <dgm:constr type="h" for="ch" forName="circ1Tx" refType="h" fact="0.235"/>
+          <dgm:constr type="ctrX" for="ch" forName="circ2" refType="w" fact="0.5951"/>
+          <dgm:constr type="ctrY" for="ch" forName="circ2" refType="h" fact="0.5567"/>
+          <dgm:constr type="w" for="ch" forName="circ2" refType="w" fact="0.25"/>
+          <dgm:constr type="h" for="ch" forName="circ2" refType="h" fact="0.35"/>
+          <dgm:constr type="l" for="ch" forName="circ2Tx" refType="w" fact="0.74"/>
+          <dgm:constr type="t" for="ch" forName="circ2Tx" refType="h" fact="0.31"/>
+          <dgm:constr type="w" for="ch" forName="circ2Tx" refType="w" fact="0.26"/>
+          <dgm:constr type="h" for="ch" forName="circ2Tx" refType="h" fact="0.255"/>
+          <dgm:constr type="ctrX" for="ch" forName="circ3" refType="w" fact="0.5588"/>
+          <dgm:constr type="ctrY" for="ch" forName="circ3" refType="h" fact="0.7133"/>
+          <dgm:constr type="w" for="ch" forName="circ3" refType="w" fact="0.25"/>
+          <dgm:constr type="h" for="ch" forName="circ3" refType="h" fact="0.35"/>
+          <dgm:constr type="l" for="ch" forName="circ3Tx" refType="w" fact="0.7"/>
+          <dgm:constr type="t" for="ch" forName="circ3Tx" refType="h" fact="0.745"/>
+          <dgm:constr type="w" for="ch" forName="circ3Tx" refType="w" fact="0.26"/>
+          <dgm:constr type="h" for="ch" forName="circ3Tx" refType="h" fact="0.255"/>
+          <dgm:constr type="ctrX" for="ch" forName="circ4" refType="w" fact="0.4412"/>
+          <dgm:constr type="ctrY" for="ch" forName="circ4" refType="h" fact="0.7133"/>
+          <dgm:constr type="w" for="ch" forName="circ4" refType="w" fact="0.25"/>
+          <dgm:constr type="h" for="ch" forName="circ4" refType="h" fact="0.35"/>
+          <dgm:constr type="l" for="ch" forName="circ4Tx" refType="w" fact="0.04"/>
+          <dgm:constr type="t" for="ch" forName="circ4Tx" refType="h" fact="0.745"/>
+          <dgm:constr type="w" for="ch" forName="circ4Tx" refType="w" fact="0.26"/>
+          <dgm:constr type="h" for="ch" forName="circ4Tx" refType="h" fact="0.255"/>
+          <dgm:constr type="ctrX" for="ch" forName="circ5" refType="w" fact="0.4049"/>
+          <dgm:constr type="ctrY" for="ch" forName="circ5" refType="h" fact="0.5567"/>
+          <dgm:constr type="w" for="ch" forName="circ5" refType="w" fact="0.25"/>
+          <dgm:constr type="h" for="ch" forName="circ5" refType="h" fact="0.35"/>
+          <dgm:constr type="l" for="ch" forName="circ5Tx"/>
+          <dgm:constr type="t" for="ch" forName="circ5Tx" refType="h" fact="0.31"/>
+          <dgm:constr type="w" for="ch" forName="circ5Tx" refType="w" fact="0.26"/>
+          <dgm:constr type="h" for="ch" forName="circ5Tx" refType="h" fact="0.255"/>
+          <dgm:constr type="primFontSz" for="ch" ptType="node" op="equ"/>
+        </dgm:constrLst>
+      </dgm:if>
+      <dgm:if name="Name15" axis="ch" ptType="node" func="cnt" op="equ" val="6">
+        <dgm:constrLst>
+          <dgm:constr type="ctrX" for="ch" forName="circ1" refType="w" fact="0.5"/>
+          <dgm:constr type="ctrY" for="ch" forName="circ1" refType="h" fact="0.3844"/>
+          <dgm:constr type="w" for="ch" forName="circ1" refType="w" fact="0.24"/>
+          <dgm:constr type="h" for="ch" forName="circ1" refType="h" fact="0.3084"/>
+          <dgm:constr type="l" for="ch" forName="circ1Tx" refType="w" fact="0.35"/>
+          <dgm:constr type="t" for="ch" forName="circ1Tx"/>
+          <dgm:constr type="w" for="ch" forName="circ1Tx" refType="w" fact="0.3"/>
+          <dgm:constr type="h" for="ch" forName="circ1Tx" refType="h" fact="0.21"/>
+          <dgm:constr type="ctrX" for="ch" forName="circ2" refType="w" fact="0.5779"/>
+          <dgm:constr type="ctrY" for="ch" forName="circ2" refType="h" fact="0.4422"/>
+          <dgm:constr type="w" for="ch" forName="circ2" refType="w" fact="0.24"/>
+          <dgm:constr type="h" for="ch" forName="circ2" refType="h" fact="0.3084"/>
+          <dgm:constr type="l" for="ch" forName="circ2Tx" refType="w" fact="0.7157"/>
+          <dgm:constr type="t" for="ch" forName="circ2Tx" refType="h" fact="0.2"/>
+          <dgm:constr type="w" for="ch" forName="circ2Tx" refType="w" fact="0.2843"/>
+          <dgm:constr type="h" for="ch" forName="circ2Tx" refType="h" fact="0.23"/>
+          <dgm:constr type="ctrX" for="ch" forName="circ3" refType="w" fact="0.5779"/>
+          <dgm:constr type="ctrY" for="ch" forName="circ3" refType="h" fact="0.5578"/>
+          <dgm:constr type="w" for="ch" forName="circ3" refType="w" fact="0.24"/>
+          <dgm:constr type="h" for="ch" forName="circ3" refType="h" fact="0.3084"/>
+          <dgm:constr type="l" for="ch" forName="circ3Tx" refType="w" fact="0.7157"/>
+          <dgm:constr type="t" for="ch" forName="circ3Tx" refType="h" fact="0.543"/>
+          <dgm:constr type="w" for="ch" forName="circ3Tx" refType="w" fact="0.2843"/>
+          <dgm:constr type="h" for="ch" forName="circ3Tx" refType="h" fact="0.257"/>
+          <dgm:constr type="ctrX" for="ch" forName="circ4" refType="w" fact="0.5"/>
+          <dgm:constr type="ctrY" for="ch" forName="circ4" refType="h" fact="0.6157"/>
+          <dgm:constr type="w" for="ch" forName="circ4" refType="w" fact="0.24"/>
+          <dgm:constr type="h" for="ch" forName="circ4" refType="h" fact="0.3084"/>
+          <dgm:constr type="l" for="ch" forName="circ4Tx" refType="w" fact="0.35"/>
+          <dgm:constr type="t" for="ch" forName="circ4Tx" refType="h" fact="0.79"/>
+          <dgm:constr type="w" for="ch" forName="circ4Tx" refType="w" fact="0.3"/>
+          <dgm:constr type="h" for="ch" forName="circ4Tx" refType="h" fact="0.21"/>
+          <dgm:constr type="ctrX" for="ch" forName="circ5" refType="w" fact="0.4221"/>
+          <dgm:constr type="ctrY" for="ch" forName="circ5" refType="h" fact="0.5578"/>
+          <dgm:constr type="w" for="ch" forName="circ5" refType="w" fact="0.24"/>
+          <dgm:constr type="h" for="ch" forName="circ5" refType="h" fact="0.3084"/>
+          <dgm:constr type="l" for="ch" forName="circ5Tx" refType="w" fact="0"/>
+          <dgm:constr type="t" for="ch" forName="circ5Tx" refType="h" fact="0.543"/>
+          <dgm:constr type="w" for="ch" forName="circ5Tx" refType="w" fact="0.2843"/>
+          <dgm:constr type="h" for="ch" forName="circ5Tx" refType="h" fact="0.257"/>
+          <dgm:constr type="ctrX" for="ch" forName="circ6" refType="w" fact="0.4221"/>
+          <dgm:constr type="ctrY" for="ch" forName="circ6" refType="h" fact="0.4422"/>
+          <dgm:constr type="w" for="ch" forName="circ6" refType="w" fact="0.24"/>
+          <dgm:constr type="h" for="ch" forName="circ6" refType="h" fact="0.3084"/>
+          <dgm:constr type="l" for="ch" forName="circ6Tx" refType="w" fact="0"/>
+          <dgm:constr type="t" for="ch" forName="circ6Tx" refType="h" fact="0.2"/>
+          <dgm:constr type="w" for="ch" forName="circ6Tx" refType="w" fact="0.2843"/>
+          <dgm:constr type="h" for="ch" forName="circ6Tx" refType="h" fact="0.257"/>
+          <dgm:constr type="primFontSz" for="ch" ptType="node" op="equ"/>
+        </dgm:constrLst>
+      </dgm:if>
+      <dgm:else name="Name16">
+        <dgm:constrLst>
+          <dgm:constr type="ctrX" for="ch" forName="circ1" refType="w" fact="0.5"/>
+          <dgm:constr type="ctrY" for="ch" forName="circ1" refType="h" fact="0.4177"/>
+          <dgm:constr type="w" for="ch" forName="circ1" refType="w" fact="0.24"/>
+          <dgm:constr type="h" for="ch" forName="circ1" refType="h" fact="0.3262"/>
+          <dgm:constr type="l" for="ch" forName="circ1Tx" refType="w" fact="0.3625"/>
+          <dgm:constr type="t" for="ch" forName="circ1Tx"/>
+          <dgm:constr type="w" for="ch" forName="circ1Tx" refType="w" fact="0.275"/>
+          <dgm:constr type="h" for="ch" forName="circ1Tx" refType="h" fact="0.2"/>
+          <dgm:constr type="ctrX" for="ch" forName="circ2" refType="w" fact="0.5704"/>
+          <dgm:constr type="ctrY" for="ch" forName="circ2" refType="h" fact="0.4637"/>
+          <dgm:constr type="w" for="ch" forName="circ2" refType="w" fact="0.24"/>
+          <dgm:constr type="h" for="ch" forName="circ2" refType="h" fact="0.3262"/>
+          <dgm:constr type="l" for="ch" forName="circ2Tx" refType="w" fact="0.72"/>
+          <dgm:constr type="t" for="ch" forName="circ2Tx" refType="h" fact="0.19"/>
+          <dgm:constr type="w" for="ch" forName="circ2Tx" refType="w" fact="0.26"/>
+          <dgm:constr type="h" for="ch" forName="circ2Tx" refType="h" fact="0.22"/>
+          <dgm:constr type="ctrX" for="ch" forName="circ3" refType="w" fact="0.5877"/>
+          <dgm:constr type="ctrY" for="ch" forName="circ3" refType="h" fact="0.5672"/>
+          <dgm:constr type="w" for="ch" forName="circ3" refType="w" fact="0.24"/>
+          <dgm:constr type="h" for="ch" forName="circ3" refType="h" fact="0.3262"/>
+          <dgm:constr type="l" for="ch" forName="circ3Tx" refType="w" fact="0.745"/>
+          <dgm:constr type="t" for="ch" forName="circ3Tx" refType="h" fact="0.47"/>
+          <dgm:constr type="w" for="ch" forName="circ3Tx" refType="w" fact="0.255"/>
+          <dgm:constr type="h" for="ch" forName="circ3Tx" refType="h" fact="0.235"/>
+          <dgm:constr type="ctrX" for="ch" forName="circ4" refType="w" fact="0.539"/>
+          <dgm:constr type="ctrY" for="ch" forName="circ4" refType="h" fact="0.6502"/>
+          <dgm:constr type="w" for="ch" forName="circ4" refType="w" fact="0.24"/>
+          <dgm:constr type="h" for="ch" forName="circ4" refType="h" fact="0.3262"/>
+          <dgm:constr type="l" for="ch" forName="circ4Tx" refType="w" fact="0.635"/>
+          <dgm:constr type="t" for="ch" forName="circ4Tx" refType="h" fact="0.785"/>
+          <dgm:constr type="w" for="ch" forName="circ4Tx" refType="w" fact="0.275"/>
+          <dgm:constr type="h" for="ch" forName="circ4Tx" refType="h" fact="0.215"/>
+          <dgm:constr type="ctrX" for="ch" forName="circ5" refType="w" fact="0.461"/>
+          <dgm:constr type="ctrY" for="ch" forName="circ5" refType="h" fact="0.6502"/>
+          <dgm:constr type="w" for="ch" forName="circ5" refType="w" fact="0.24"/>
+          <dgm:constr type="h" for="ch" forName="circ5" refType="h" fact="0.3262"/>
+          <dgm:constr type="l" for="ch" forName="circ5Tx" refType="w" fact="0.09"/>
+          <dgm:constr type="t" for="ch" forName="circ5Tx" refType="h" fact="0.785"/>
+          <dgm:constr type="w" for="ch" forName="circ5Tx" refType="w" fact="0.275"/>
+          <dgm:constr type="h" for="ch" forName="circ5Tx" refType="h" fact="0.215"/>
+          <dgm:constr type="ctrX" for="ch" forName="circ6" refType="w" fact="0.4123"/>
+          <dgm:constr type="ctrY" for="ch" forName="circ6" refType="h" fact="0.5672"/>
+          <dgm:constr type="w" for="ch" forName="circ6" refType="w" fact="0.24"/>
+          <dgm:constr type="h" for="ch" forName="circ6" refType="h" fact="0.3262"/>
+          <dgm:constr type="l" for="ch" forName="circ6Tx"/>
+          <dgm:constr type="t" for="ch" forName="circ6Tx" refType="h" fact="0.47"/>
+          <dgm:constr type="w" for="ch" forName="circ6Tx" refType="w" fact="0.255"/>
+          <dgm:constr type="h" for="ch" forName="circ6Tx" refType="h" fact="0.235"/>
+          <dgm:constr type="ctrX" for="ch" forName="circ7" refType="w" fact="0.4296"/>
+          <dgm:constr type="ctrY" for="ch" forName="circ7" refType="h" fact="0.4637"/>
+          <dgm:constr type="w" for="ch" forName="circ7" refType="w" fact="0.24"/>
+          <dgm:constr type="h" for="ch" forName="circ7" refType="h" fact="0.3262"/>
+          <dgm:constr type="l" for="ch" forName="circ7Tx" refType="w" fact="0.02"/>
+          <dgm:constr type="t" for="ch" forName="circ7Tx" refType="h" fact="0.19"/>
+          <dgm:constr type="w" for="ch" forName="circ7Tx" refType="w" fact="0.26"/>
+          <dgm:constr type="h" for="ch" forName="circ7Tx" refType="h" fact="0.22"/>
+          <dgm:constr type="primFontSz" for="ch" ptType="node" op="equ"/>
+        </dgm:constrLst>
+      </dgm:else>
+    </dgm:choose>
+    <dgm:ruleLst/>
+    <dgm:forEach name="Name17" axis="ch" ptType="node" cnt="1">
+      <dgm:choose name="Name18">
+        <dgm:if name="Name19" axis="root ch" ptType="all node" func="cnt" op="equ" val="1">
+          <dgm:layoutNode name="circ1TxSh" styleLbl="vennNode1">
+            <dgm:alg type="tx">
+              <dgm:param type="txAnchorHorzCh" val="ctr"/>
+              <dgm:param type="txAnchorVertCh" val="mid"/>
+            </dgm:alg>
+            <dgm:shape xmlns:r="http://schemas.openxmlformats.org/officeDocument/2006/relationships" type="ellipse" r:blip="">
+              <dgm:adjLst/>
+            </dgm:shape>
+            <dgm:choose name="Name20">
+              <dgm:if name="Name21" func="var" arg="dir" op="equ" val="norm">
+                <dgm:choose name="Name22">
+                  <dgm:if name="Name23" axis="root ch" ptType="all node" func="cnt" op="lte" val="4">
+                    <dgm:presOf axis="desOrSelf" ptType="node"/>
+                  </dgm:if>
+                  <dgm:else name="Name24">
+                    <dgm:presOf/>
+                  </dgm:else>
+                </dgm:choose>
+              </dgm:if>
+              <dgm:else name="Name25">
+                <dgm:choose name="Name26">
+                  <dgm:if name="Name27" axis="root ch" ptType="all node" func="cnt" op="equ" val="2">
+                    <dgm:presOf axis="root ch desOrSelf" ptType="all node node" st="1 2 1" cnt="1 1 0"/>
+                  </dgm:if>
+                  <dgm:else name="Name28">
+                    <dgm:presOf axis="desOrSelf" ptType="node"/>
+                  </dgm:else>
+                </dgm:choose>
+              </dgm:else>
+            </dgm:choose>
+            <dgm:constrLst>
+              <dgm:constr type="tMarg"/>
+              <dgm:constr type="bMarg"/>
+              <dgm:constr type="lMarg"/>
+              <dgm:constr type="rMarg"/>
+              <dgm:constr type="primFontSz" val="65"/>
+            </dgm:constrLst>
+            <dgm:ruleLst>
+              <dgm:rule type="primFontSz" val="5" fact="NaN" max="NaN"/>
+            </dgm:ruleLst>
+          </dgm:layoutNode>
+        </dgm:if>
+        <dgm:else name="Name29">
+          <dgm:layoutNode name="circ1" styleLbl="vennNode1">
+            <dgm:alg type="sp"/>
+            <dgm:shape xmlns:r="http://schemas.openxmlformats.org/officeDocument/2006/relationships" type="ellipse" r:blip="">
+              <dgm:adjLst/>
+            </dgm:shape>
+            <dgm:choose name="Name30">
+              <dgm:if name="Name31" func="var" arg="dir" op="equ" val="norm">
+                <dgm:choose name="Name32">
+                  <dgm:if name="Name33" axis="root ch" ptType="all node" func="cnt" op="lte" val="4">
+                    <dgm:presOf axis="desOrSelf" ptType="node"/>
+                  </dgm:if>
+                  <dgm:else name="Name34">
+                    <dgm:presOf/>
+                  </dgm:else>
+                </dgm:choose>
+              </dgm:if>
+              <dgm:else name="Name35">
+                <dgm:choose name="Name36">
+                  <dgm:if name="Name37" axis="root ch" ptType="all node" func="cnt" op="equ" val="2">
+                    <dgm:presOf axis="root ch desOrSelf" ptType="all node node" st="1 2 1" cnt="1 1 0"/>
+                  </dgm:if>
+                  <dgm:else name="Name38">
+                    <dgm:choose name="Name39">
+                      <dgm:if name="Name40" axis="root ch" ptType="all node" func="cnt" op="lte" val="4">
+                        <dgm:presOf axis="desOrSelf" ptType="node"/>
+                      </dgm:if>
+                      <dgm:else name="Name41">
+                        <dgm:presOf/>
+                      </dgm:else>
+                    </dgm:choose>
+                  </dgm:else>
+                </dgm:choose>
+              </dgm:else>
+            </dgm:choose>
+            <dgm:constrLst/>
+            <dgm:ruleLst/>
+          </dgm:layoutNode>
+          <dgm:layoutNode name="circ1Tx" styleLbl="revTx">
+            <dgm:varLst>
+              <dgm:chMax val="0"/>
+              <dgm:chPref val="0"/>
+              <dgm:bulletEnabled val="1"/>
+            </dgm:varLst>
+            <dgm:alg type="tx">
+              <dgm:param type="txAnchorHorzCh" val="ctr"/>
+              <dgm:param type="txAnchorVertCh" val="mid"/>
+            </dgm:alg>
+            <dgm:shape xmlns:r="http://schemas.openxmlformats.org/officeDocument/2006/relationships" type="rect" r:blip="" hideGeom="1">
+              <dgm:adjLst/>
+            </dgm:shape>
+            <dgm:choose name="Name42">
+              <dgm:if name="Name43" func="var" arg="dir" op="equ" val="norm">
+                <dgm:presOf axis="desOrSelf" ptType="node"/>
+              </dgm:if>
+              <dgm:else name="Name44">
+                <dgm:choose name="Name45">
+                  <dgm:if name="Name46" axis="root ch" ptType="all node" func="cnt" op="equ" val="2">
+                    <dgm:presOf axis="root ch desOrSelf" ptType="all node node" st="1 2 1" cnt="1 1 0"/>
+                  </dgm:if>
+                  <dgm:else name="Name47">
+                    <dgm:presOf axis="desOrSelf" ptType="node"/>
+                  </dgm:else>
+                </dgm:choose>
+              </dgm:else>
+            </dgm:choose>
+            <dgm:constrLst>
+              <dgm:constr type="tMarg"/>
+              <dgm:constr type="bMarg"/>
+              <dgm:constr type="lMarg"/>
+              <dgm:constr type="rMarg"/>
+              <dgm:constr type="primFontSz" val="65"/>
+            </dgm:constrLst>
+            <dgm:ruleLst>
+              <dgm:rule type="primFontSz" val="5" fact="NaN" max="NaN"/>
+            </dgm:ruleLst>
+          </dgm:layoutNode>
+        </dgm:else>
+      </dgm:choose>
+    </dgm:forEach>
+    <dgm:forEach name="Name48" axis="ch" ptType="node" st="2" cnt="1">
+      <dgm:layoutNode name="circ2" styleLbl="vennNode1">
+        <dgm:alg type="sp"/>
+        <dgm:shape xmlns:r="http://schemas.openxmlformats.org/officeDocument/2006/relationships" type="ellipse" r:blip="">
+          <dgm:adjLst/>
+        </dgm:shape>
+        <dgm:choose name="Name49">
+          <dgm:if name="Name50" func="var" arg="dir" op="equ" val="norm">
+            <dgm:choose name="Name51">
+              <dgm:if name="Name52" axis="root ch" ptType="all node" func="cnt" op="lte" val="4">
+                <dgm:presOf axis="desOrSelf" ptType="node"/>
+              </dgm:if>
+              <dgm:else name="Name53">
+                <dgm:presOf/>
+              </dgm:else>
+            </dgm:choose>
+          </dgm:if>
+          <dgm:else name="Name54">
+            <dgm:choose name="Name55">
+              <dgm:if name="Name56" axis="root ch" ptType="all node" func="cnt" op="equ" val="2">
+                <dgm:presOf axis="root ch desOrSelf" ptType="all node node" st="1 1 1" cnt="1 1 0"/>
+              </dgm:if>
+              <dgm:if name="Name57" axis="root ch" ptType="all node" func="cnt" op="equ" val="3">
+                <dgm:presOf axis="root ch desOrSelf" ptType="all node node" st="1 3 1" cnt="1 1 0"/>
+              </dgm:if>
+              <dgm:if name="Name58" axis="root ch" ptType="all node" func="cnt" op="equ" val="4">
+                <dgm:presOf axis="root ch desOrSelf" ptType="all node node" st="1 4 1" cnt="1 1 0"/>
+              </dgm:if>
+              <dgm:else name="Name59">
+                <dgm:presOf/>
+              </dgm:else>
+            </dgm:choose>
+          </dgm:else>
+        </dgm:choose>
+        <dgm:constrLst/>
+        <dgm:ruleLst/>
+      </dgm:layoutNode>
+      <dgm:layoutNode name="circ2Tx" styleLbl="revTx">
+        <dgm:varLst>
+          <dgm:chMax val="0"/>
+          <dgm:chPref val="0"/>
+          <dgm:bulletEnabled val="1"/>
+        </dgm:varLst>
+        <dgm:alg type="tx">
+          <dgm:param type="txAnchorHorzCh" val="ctr"/>
+          <dgm:param type="txAnchorVertCh" val="mid"/>
+        </dgm:alg>
+        <dgm:shape xmlns:r="http://schemas.openxmlformats.org/officeDocument/2006/relationships" type="rect" r:blip="" hideGeom="1">
+          <dgm:adjLst/>
+        </dgm:shape>
+        <dgm:choose name="Name60">
+          <dgm:if name="Name61" func="var" arg="dir" op="equ" val="norm">
+            <dgm:presOf axis="desOrSelf" ptType="node"/>
+          </dgm:if>
+          <dgm:else name="Name62">
+            <dgm:choose name="Name63">
+              <dgm:if name="Name64" axis="root ch" ptType="all node" func="cnt" op="equ" val="2">
+                <dgm:presOf axis="root ch desOrSelf" ptType="all node node" st="1 1 1" cnt="1 1 0"/>
+              </dgm:if>
+              <dgm:if name="Name65" axis="root ch" ptType="all node" func="cnt" op="equ" val="3">
+                <dgm:presOf axis="root ch desOrSelf" ptType="all node node" st="1 3 1" cnt="1 1 0"/>
+              </dgm:if>
+              <dgm:if name="Name66" axis="root ch" ptType="all node" func="cnt" op="equ" val="4">
+                <dgm:presOf axis="root ch desOrSelf" ptType="all node node" st="1 4 1" cnt="1 1 0"/>
+              </dgm:if>
+              <dgm:if name="Name67" axis="root ch" ptType="all node" func="cnt" op="equ" val="5">
+                <dgm:presOf axis="root ch desOrSelf" ptType="all node node" st="1 5 1" cnt="1 1 0"/>
+              </dgm:if>
+              <dgm:if name="Name68" axis="root ch" ptType="all node" func="cnt" op="equ" val="6">
+                <dgm:presOf axis="root ch desOrSelf" ptType="all node node" st="1 6 1" cnt="1 1 0"/>
+              </dgm:if>
+              <dgm:else name="Name69">
+                <dgm:presOf axis="root ch desOrSelf" ptType="all node node" st="1 7 1" cnt="1 1 0"/>
+              </dgm:else>
+            </dgm:choose>
+          </dgm:else>
+        </dgm:choose>
+        <dgm:constrLst>
+          <dgm:constr type="tMarg"/>
+          <dgm:constr type="bMarg"/>
+          <dgm:constr type="lMarg"/>
+          <dgm:constr type="rMarg"/>
+          <dgm:constr type="primFontSz" val="65"/>
+        </dgm:constrLst>
+        <dgm:ruleLst>
+          <dgm:rule type="primFontSz" val="5" fact="NaN" max="NaN"/>
+        </dgm:ruleLst>
+      </dgm:layoutNode>
+    </dgm:forEach>
+    <dgm:forEach name="Name70" axis="ch" ptType="node" st="3" cnt="1">
+      <dgm:layoutNode name="circ3" styleLbl="vennNode1">
+        <dgm:alg type="sp"/>
+        <dgm:shape xmlns:r="http://schemas.openxmlformats.org/officeDocument/2006/relationships" type="ellipse" r:blip="">
+          <dgm:adjLst/>
+        </dgm:shape>
+        <dgm:choose name="Name71">
+          <dgm:if name="Name72" func="var" arg="dir" op="equ" val="norm">
+            <dgm:choose name="Name73">
+              <dgm:if name="Name74" axis="root ch" ptType="all node" func="cnt" op="lte" val="4">
+                <dgm:presOf axis="desOrSelf" ptType="node"/>
+              </dgm:if>
+              <dgm:else name="Name75">
+                <dgm:presOf/>
+              </dgm:else>
+            </dgm:choose>
+          </dgm:if>
+          <dgm:else name="Name76">
+            <dgm:choose name="Name77">
+              <dgm:if name="Name78" axis="root ch" ptType="all node" func="cnt" op="equ" val="3">
+                <dgm:presOf axis="root ch desOrSelf" ptType="all node node" st="1 2 1" cnt="1 1 0"/>
+              </dgm:if>
+              <dgm:if name="Name79" axis="root ch" ptType="all node" func="cnt" op="equ" val="4">
+                <dgm:presOf axis="root ch desOrSelf" ptType="all node node" st="1 3 1" cnt="1 1 0"/>
+              </dgm:if>
+              <dgm:else name="Name80">
+                <dgm:presOf/>
+              </dgm:else>
+            </dgm:choose>
+          </dgm:else>
+        </dgm:choose>
+        <dgm:constrLst/>
+        <dgm:ruleLst/>
+      </dgm:layoutNode>
+      <dgm:layoutNode name="circ3Tx" styleLbl="revTx">
+        <dgm:varLst>
+          <dgm:chMax val="0"/>
+          <dgm:chPref val="0"/>
+          <dgm:bulletEnabled val="1"/>
+        </dgm:varLst>
+        <dgm:alg type="tx">
+          <dgm:param type="txAnchorHorzCh" val="ctr"/>
+          <dgm:param type="txAnchorVertCh" val="mid"/>
+        </dgm:alg>
+        <dgm:shape xmlns:r="http://schemas.openxmlformats.org/officeDocument/2006/relationships" type="rect" r:blip="" hideGeom="1">
+          <dgm:adjLst/>
+        </dgm:shape>
+        <dgm:choose name="Name81">
+          <dgm:if name="Name82" func="var" arg="dir" op="equ" val="norm">
+            <dgm:presOf axis="desOrSelf" ptType="node"/>
+          </dgm:if>
+          <dgm:else name="Name83">
+            <dgm:choose name="Name84">
+              <dgm:if name="Name85" axis="root ch" ptType="all node" func="cnt" op="equ" val="3">
+                <dgm:presOf axis="root ch desOrSelf" ptType="all node node" st="1 2 1" cnt="1 1 0"/>
+              </dgm:if>
+              <dgm:if name="Name86" axis="root ch" ptType="all node" func="cnt" op="equ" val="4">
+                <dgm:presOf axis="root ch desOrSelf" ptType="all node node" st="1 3 1" cnt="1 1 0"/>
+              </dgm:if>
+              <dgm:if name="Name87" axis="root ch" ptType="all node" func="cnt" op="equ" val="5">
+                <dgm:presOf axis="root ch desOrSelf" ptType="all node node" st="1 4 1" cnt="1 1 0"/>
+              </dgm:if>
+              <dgm:if name="Name88" axis="root ch" ptType="all node" func="cnt" op="equ" val="6">
+                <dgm:presOf axis="root ch desOrSelf" ptType="all node node" st="1 5 1" cnt="1 1 0"/>
+              </dgm:if>
+              <dgm:else name="Name89">
+                <dgm:presOf axis="root ch desOrSelf" ptType="all node node" st="1 6 1" cnt="1 1 0"/>
+              </dgm:else>
+            </dgm:choose>
+          </dgm:else>
+        </dgm:choose>
+        <dgm:constrLst>
+          <dgm:constr type="tMarg"/>
+          <dgm:constr type="bMarg"/>
+          <dgm:constr type="lMarg"/>
+          <dgm:constr type="rMarg"/>
+          <dgm:constr type="primFontSz" val="65"/>
+        </dgm:constrLst>
+        <dgm:ruleLst>
+          <dgm:rule type="primFontSz" val="5" fact="NaN" max="NaN"/>
+        </dgm:ruleLst>
+      </dgm:layoutNode>
+    </dgm:forEach>
+    <dgm:forEach name="Name90" axis="ch" ptType="node" st="4" cnt="1">
+      <dgm:layoutNode name="circ4" styleLbl="vennNode1">
+        <dgm:alg type="sp"/>
+        <dgm:shape xmlns:r="http://schemas.openxmlformats.org/officeDocument/2006/relationships" type="ellipse" r:blip="">
+          <dgm:adjLst/>
+        </dgm:shape>
+        <dgm:choose name="Name91">
+          <dgm:if name="Name92" func="var" arg="dir" op="equ" val="norm">
+            <dgm:choose name="Name93">
+              <dgm:if name="Name94" axis="root ch" ptType="all node" func="cnt" op="lte" val="4">
+                <dgm:presOf axis="desOrSelf" ptType="node"/>
+              </dgm:if>
+              <dgm:else name="Name95">
+                <dgm:presOf/>
+              </dgm:else>
+            </dgm:choose>
+          </dgm:if>
+          <dgm:else name="Name96">
+            <dgm:choose name="Name97">
+              <dgm:if name="Name98" axis="root ch" ptType="all node" func="cnt" op="equ" val="4">
+                <dgm:presOf axis="root ch desOrSelf" ptType="all node node" st="1 2 1" cnt="1 1 0"/>
+              </dgm:if>
+              <dgm:else name="Name99">
+                <dgm:presOf/>
+              </dgm:else>
+            </dgm:choose>
+          </dgm:else>
+        </dgm:choose>
+        <dgm:constrLst/>
+        <dgm:ruleLst/>
+      </dgm:layoutNode>
+      <dgm:layoutNode name="circ4Tx" styleLbl="revTx">
+        <dgm:varLst>
+          <dgm:chMax val="0"/>
+          <dgm:chPref val="0"/>
+          <dgm:bulletEnabled val="1"/>
+        </dgm:varLst>
+        <dgm:alg type="tx">
+          <dgm:param type="txAnchorHorzCh" val="ctr"/>
+          <dgm:param type="txAnchorVertCh" val="mid"/>
+        </dgm:alg>
+        <dgm:shape xmlns:r="http://schemas.openxmlformats.org/officeDocument/2006/relationships" type="rect" r:blip="" hideGeom="1">
+          <dgm:adjLst/>
+        </dgm:shape>
+        <dgm:choose name="Name100">
+          <dgm:if name="Name101" func="var" arg="dir" op="equ" val="norm">
+            <dgm:presOf axis="desOrSelf" ptType="node"/>
+          </dgm:if>
+          <dgm:else name="Name102">
+            <dgm:choose name="Name103">
+              <dgm:if name="Name104" axis="root ch" ptType="all node" func="cnt" op="equ" val="4">
+                <dgm:presOf axis="root ch desOrSelf" ptType="all node node" st="1 2 1" cnt="1 1 0"/>
+              </dgm:if>
+              <dgm:if name="Name105" axis="root ch" ptType="all node" func="cnt" op="equ" val="5">
+                <dgm:presOf axis="root ch desOrSelf" ptType="all node node" st="1 3 1" cnt="1 1 0"/>
+              </dgm:if>
+              <dgm:if name="Name106" axis="root ch" ptType="all node" func="cnt" op="equ" val="6">
+                <dgm:presOf axis="root ch desOrSelf" ptType="all node node" st="1 4 1" cnt="1 1 0"/>
+              </dgm:if>
+              <dgm:else name="Name107">
+                <dgm:presOf axis="root ch desOrSelf" ptType="all node node" st="1 5 1" cnt="1 1 0"/>
+              </dgm:else>
+            </dgm:choose>
+          </dgm:else>
+        </dgm:choose>
+        <dgm:constrLst>
+          <dgm:constr type="tMarg"/>
+          <dgm:constr type="bMarg"/>
+          <dgm:constr type="lMarg"/>
+          <dgm:constr type="rMarg"/>
+          <dgm:constr type="primFontSz" val="65"/>
+        </dgm:constrLst>
+        <dgm:ruleLst>
+          <dgm:rule type="primFontSz" val="5" fact="NaN" max="NaN"/>
+        </dgm:ruleLst>
+      </dgm:layoutNode>
+    </dgm:forEach>
+    <dgm:forEach name="Name108" axis="ch" ptType="node" st="5" cnt="1">
+      <dgm:layoutNode name="circ5" styleLbl="vennNode1">
+        <dgm:alg type="sp"/>
+        <dgm:shape xmlns:r="http://schemas.openxmlformats.org/officeDocument/2006/relationships" type="ellipse" r:blip="">
+          <dgm:adjLst/>
+        </dgm:shape>
+        <dgm:presOf/>
+        <dgm:constrLst/>
+        <dgm:ruleLst/>
+      </dgm:layoutNode>
+      <dgm:layoutNode name="circ5Tx" styleLbl="revTx">
+        <dgm:varLst>
+          <dgm:chMax val="0"/>
+          <dgm:chPref val="0"/>
+          <dgm:bulletEnabled val="1"/>
+        </dgm:varLst>
+        <dgm:alg type="tx">
+          <dgm:param type="txAnchorHorzCh" val="ctr"/>
+          <dgm:param type="txAnchorVertCh" val="mid"/>
+        </dgm:alg>
+        <dgm:shape xmlns:r="http://schemas.openxmlformats.org/officeDocument/2006/relationships" type="rect" r:blip="" hideGeom="1">
+          <dgm:adjLst/>
+        </dgm:shape>
+        <dgm:choose name="Name109">
+          <dgm:if name="Name110" func="var" arg="dir" op="equ" val="norm">
+            <dgm:presOf axis="desOrSelf" ptType="node"/>
+          </dgm:if>
+          <dgm:else name="Name111">
+            <dgm:choose name="Name112">
+              <dgm:if name="Name113" axis="root ch" ptType="all node" func="cnt" op="equ" val="5">
+                <dgm:presOf axis="root ch desOrSelf" ptType="all node node" st="1 2 1" cnt="1 1 0"/>
+              </dgm:if>
+              <dgm:if name="Name114" axis="root ch" ptType="all node" func="cnt" op="equ" val="6">
+                <dgm:presOf axis="root ch desOrSelf" ptType="all node node" st="1 3 1" cnt="1 1 0"/>
+              </dgm:if>
+              <dgm:else name="Name115">
+                <dgm:presOf axis="root ch desOrSelf" ptType="all node node" st="1 4 1" cnt="1 1 0"/>
+              </dgm:else>
+            </dgm:choose>
+          </dgm:else>
+        </dgm:choose>
+        <dgm:constrLst>
+          <dgm:constr type="tMarg"/>
+          <dgm:constr type="bMarg"/>
+          <dgm:constr type="lMarg"/>
+          <dgm:constr type="rMarg"/>
+          <dgm:constr type="primFontSz" val="65"/>
+        </dgm:constrLst>
+        <dgm:ruleLst>
+          <dgm:rule type="primFontSz" val="5" fact="NaN" max="NaN"/>
+        </dgm:ruleLst>
+      </dgm:layoutNode>
+    </dgm:forEach>
+    <dgm:forEach name="Name116" axis="ch" ptType="node" st="6" cnt="1">
+      <dgm:layoutNode name="circ6" styleLbl="vennNode1">
+        <dgm:alg type="sp"/>
+        <dgm:shape xmlns:r="http://schemas.openxmlformats.org/officeDocument/2006/relationships" type="ellipse" r:blip="">
+          <dgm:adjLst/>
+        </dgm:shape>
+        <dgm:presOf/>
+        <dgm:constrLst/>
+        <dgm:ruleLst/>
+      </dgm:layoutNode>
+      <dgm:layoutNode name="circ6Tx" styleLbl="revTx">
+        <dgm:varLst>
+          <dgm:chMax val="0"/>
+          <dgm:chPref val="0"/>
+          <dgm:bulletEnabled val="1"/>
+        </dgm:varLst>
+        <dgm:alg type="tx">
+          <dgm:param type="txAnchorHorzCh" val="ctr"/>
+          <dgm:param type="txAnchorVertCh" val="mid"/>
+        </dgm:alg>
+        <dgm:shape xmlns:r="http://schemas.openxmlformats.org/officeDocument/2006/relationships" type="rect" r:blip="" hideGeom="1">
+          <dgm:adjLst/>
+        </dgm:shape>
+        <dgm:choose name="Name117">
+          <dgm:if name="Name118" func="var" arg="dir" op="equ" val="norm">
+            <dgm:presOf axis="desOrSelf" ptType="node"/>
+          </dgm:if>
+          <dgm:else name="Name119">
+            <dgm:choose name="Name120">
+              <dgm:if name="Name121" axis="root ch" ptType="all node" func="cnt" op="equ" val="6">
+                <dgm:presOf axis="root ch desOrSelf" ptType="all node node" st="1 2 1" cnt="1 1 0"/>
+              </dgm:if>
+              <dgm:else name="Name122">
+                <dgm:presOf axis="root ch desOrSelf" ptType="all node node" st="1 3 1" cnt="1 1 0"/>
+              </dgm:else>
+            </dgm:choose>
+          </dgm:else>
+        </dgm:choose>
+        <dgm:constrLst>
+          <dgm:constr type="tMarg"/>
+          <dgm:constr type="bMarg"/>
+          <dgm:constr type="lMarg"/>
+          <dgm:constr type="rMarg"/>
+          <dgm:constr type="primFontSz" val="65"/>
+        </dgm:constrLst>
+        <dgm:ruleLst>
+          <dgm:rule type="primFontSz" val="5" fact="NaN" max="NaN"/>
+        </dgm:ruleLst>
+      </dgm:layoutNode>
+    </dgm:forEach>
+    <dgm:forEach name="Name123" axis="ch" ptType="node" st="7" cnt="1">
+      <dgm:layoutNode name="circ7" styleLbl="vennNode1">
+        <dgm:alg type="sp"/>
+        <dgm:shape xmlns:r="http://schemas.openxmlformats.org/officeDocument/2006/relationships" type="ellipse" r:blip="">
+          <dgm:adjLst/>
+        </dgm:shape>
+        <dgm:presOf/>
+        <dgm:constrLst/>
+        <dgm:ruleLst/>
+      </dgm:layoutNode>
+      <dgm:layoutNode name="circ7Tx" styleLbl="revTx">
+        <dgm:varLst>
+          <dgm:chMax val="0"/>
+          <dgm:chPref val="0"/>
+          <dgm:bulletEnabled val="1"/>
+        </dgm:varLst>
+        <dgm:alg type="tx">
+          <dgm:param type="txAnchorHorzCh" val="ctr"/>
+          <dgm:param type="txAnchorVertCh" val="mid"/>
+        </dgm:alg>
+        <dgm:shape xmlns:r="http://schemas.openxmlformats.org/officeDocument/2006/relationships" type="rect" r:blip="" hideGeom="1">
+          <dgm:adjLst/>
+        </dgm:shape>
+        <dgm:choose name="Name124">
+          <dgm:if name="Name125" func="var" arg="dir" op="equ" val="norm">
+            <dgm:presOf axis="desOrSelf" ptType="node"/>
+          </dgm:if>
+          <dgm:else name="Name126">
+            <dgm:presOf axis="root ch desOrSelf" ptType="all node node" st="1 2 1" cnt="1 1 0"/>
+          </dgm:else>
+        </dgm:choose>
+        <dgm:constrLst>
+          <dgm:constr type="tMarg"/>
+          <dgm:constr type="bMarg"/>
+          <dgm:constr type="lMarg"/>
+          <dgm:constr type="rMarg"/>
+          <dgm:constr type="primFontSz" val="65"/>
+        </dgm:constrLst>
+        <dgm:ruleLst>
+          <dgm:rule type="primFontSz" val="5" fact="NaN" max="NaN"/>
+        </dgm:ruleLst>
+      </dgm:layoutNode>
+    </dgm:forEach>
+  </dgm:layoutNode>
+</dgm:layoutDef>
+</file>
+
+<file path=ppt/diagrams/quickStyle1.xml><?xml version="1.0" encoding="utf-8"?>
+<dgm:styleDef xmlns:dgm="http://schemas.openxmlformats.org/drawingml/2006/diagram" xmlns:a="http://schemas.openxmlformats.org/drawingml/2006/main" uniqueId="urn:microsoft.com/office/officeart/2005/8/quickstyle/simple1">
+  <dgm:title val=""/>
+  <dgm:desc val=""/>
+  <dgm:catLst>
+    <dgm:cat type="simple" pri="10100"/>
+  </dgm:catLst>
+  <dgm:scene3d>
+    <a:camera prst="orthographicFront"/>
+    <a:lightRig rig="threePt" dir="t"/>
+  </dgm:scene3d>
+  <dgm:styleLbl name="node0">
+    <dgm:scene3d>
+      <a:camera prst="orthographicFront"/>
+      <a:lightRig rig="threePt" dir="t"/>
+    </dgm:scene3d>
+    <dgm:sp3d/>
+    <dgm:txPr/>
+    <dgm:style>
+      <a:lnRef idx="2">
+        <a:scrgbClr r="0" g="0" b="0"/>
+      </a:lnRef>
+      <a:fillRef idx="1">
+        <a:scrgbClr r="0" g="0" b="0"/>
+      </a:fillRef>
+      <a:effectRef idx="0">
+        <a:scrgbClr r="0" g="0" b="0"/>
+      </a:effectRef>
+      <a:fontRef idx="minor">
+        <a:schemeClr val="lt1"/>
+      </a:fontRef>
+    </dgm:style>
+  </dgm:styleLbl>
+  <dgm:styleLbl name="lnNode1">
+    <dgm:scene3d>
+      <a:camera prst="orthographicFront"/>
+      <a:lightRig rig="threePt" dir="t"/>
+    </dgm:scene3d>
+    <dgm:sp3d/>
+    <dgm:txPr/>
+    <dgm:style>
+      <a:lnRef idx="2">
+        <a:scrgbClr r="0" g="0" b="0"/>
+      </a:lnRef>
+      <a:fillRef idx="1">
+        <a:scrgbClr r="0" g="0" b="0"/>
+      </a:fillRef>
+      <a:effectRef idx="0">
+        <a:scrgbClr r="0" g="0" b="0"/>
+      </a:effectRef>
+      <a:fontRef idx="minor">
+        <a:schemeClr val="lt1"/>
+      </a:fontRef>
+    </dgm:style>
+  </dgm:styleLbl>
+  <dgm:styleLbl name="vennNode1">
+    <dgm:scene3d>
+      <a:camera prst="orthographicFront"/>
+      <a:lightRig rig="threePt" dir="t"/>
+    </dgm:scene3d>
+    <dgm:sp3d/>
+    <dgm:txPr/>
+    <dgm:style>
+      <a:lnRef idx="2">
+        <a:scrgbClr r="0" g="0" b="0"/>
+      </a:lnRef>
+      <a:fillRef idx="1">
+        <a:scrgbClr r="0" g="0" b="0"/>
+      </a:fillRef>
+      <a:effectRef idx="0">
+        <a:scrgbClr r="0" g="0" b="0"/>
+      </a:effectRef>
+      <a:fontRef idx="minor">
+        <a:schemeClr val="tx1"/>
+      </a:fontRef>
+    </dgm:style>
+  </dgm:styleLbl>
+  <dgm:styleLbl name="alignNode1">
+    <dgm:scene3d>
+      <a:camera prst="orthographicFront"/>
+      <a:lightRig rig="threePt" dir="t"/>
+    </dgm:scene3d>
+    <dgm:sp3d/>
+    <dgm:txPr/>
+    <dgm:style>
+      <a:lnRef idx="2">
+        <a:scrgbClr r="0" g="0" b="0"/>
+      </a:lnRef>
+      <a:fillRef idx="1">
+        <a:scrgbClr r="0" g="0" b="0"/>
+      </a:fillRef>
+      <a:effectRef idx="0">
+        <a:scrgbClr r="0" g="0" b="0"/>
+      </a:effectRef>
+      <a:fontRef idx="minor">
+        <a:schemeClr val="lt1"/>
+      </a:fontRef>
+    </dgm:style>
+  </dgm:styleLbl>
+  <dgm:styleLbl name="node1">
+    <dgm:scene3d>
+      <a:camera prst="orthographicFront"/>
+      <a:lightRig rig="threePt" dir="t"/>
+    </dgm:scene3d>
+    <dgm:sp3d/>
+    <dgm:txPr/>
+    <dgm:style>
+      <a:lnRef idx="2">
+        <a:scrgbClr r="0" g="0" b="0"/>
+      </a:lnRef>
+      <a:fillRef idx="1">
+        <a:scrgbClr r="0" g="0" b="0"/>
+      </a:fillRef>
+      <a:effectRef idx="0">
+        <a:scrgbClr r="0" g="0" b="0"/>
+      </a:effectRef>
+      <a:fontRef idx="minor">
+        <a:schemeClr val="lt1"/>
+      </a:fontRef>
+    </dgm:style>
+  </dgm:styleLbl>
+  <dgm:styleLbl name="node2">
+    <dgm:scene3d>
+      <a:camera prst="orthographicFront"/>
+      <a:lightRig rig="threePt" dir="t"/>
+    </dgm:scene3d>
+    <dgm:sp3d/>
+    <dgm:txPr/>
+    <dgm:style>
+      <a:lnRef idx="2">
+        <a:scrgbClr r="0" g="0" b="0"/>
+      </a:lnRef>
+      <a:fillRef idx="1">
+        <a:scrgbClr r="0" g="0" b="0"/>
+      </a:fillRef>
+      <a:effectRef idx="0">
+        <a:scrgbClr r="0" g="0" b="0"/>
+      </a:effectRef>
+      <a:fontRef idx="minor">
+        <a:schemeClr val="lt1"/>
+      </a:fontRef>
+    </dgm:style>
+  </dgm:styleLbl>
+  <dgm:styleLbl name="node3">
+    <dgm:scene3d>
+      <a:camera prst="orthographicFront"/>
+      <a:lightRig rig="threePt" dir="t"/>
+    </dgm:scene3d>
+    <dgm:sp3d/>
+    <dgm:txPr/>
+    <dgm:style>
+      <a:lnRef idx="2">
+        <a:scrgbClr r="0" g="0" b="0"/>
+      </a:lnRef>
+      <a:fillRef idx="1">
+        <a:scrgbClr r="0" g="0" b="0"/>
+      </a:fillRef>
+      <a:effectRef idx="0">
+        <a:scrgbClr r="0" g="0" b="0"/>
+      </a:effectRef>
+      <a:fontRef idx="minor">
+        <a:schemeClr val="lt1"/>
+      </a:fontRef>
+    </dgm:style>
+  </dgm:styleLbl>
+  <dgm:styleLbl name="node4">
+    <dgm:scene3d>
+      <a:camera prst="orthographicFront"/>
+      <a:lightRig rig="threePt" dir="t"/>
+    </dgm:scene3d>
+    <dgm:sp3d/>
+    <dgm:txPr/>
+    <dgm:style>
+      <a:lnRef idx="2">
+        <a:scrgbClr r="0" g="0" b="0"/>
+      </a:lnRef>
+      <a:fillRef idx="1">
+        <a:scrgbClr r="0" g="0" b="0"/>
+      </a:fillRef>
+      <a:effectRef idx="0">
+        <a:scrgbClr r="0" g="0" b="0"/>
+      </a:effectRef>
+      <a:fontRef idx="minor">
+        <a:schemeClr val="lt1"/>
+      </a:fontRef>
+    </dgm:style>
+  </dgm:styleLbl>
+  <dgm:styleLbl name="fgImgPlace1">
+    <dgm:scene3d>
+      <a:camera prst="orthographicFront"/>
+      <a:lightRig rig="threePt" dir="t"/>
+    </dgm:scene3d>
+    <dgm:sp3d/>
+    <dgm:txPr/>
+    <dgm:style>
+      <a:lnRef idx="2">
+        <a:scrgbClr r="0" g="0" b="0"/>
+      </a:lnRef>
+      <a:fillRef idx="1">
+        <a:scrgbClr r="0" g="0" b="0"/>
+      </a:fillRef>
+      <a:effectRef idx="0">
+        <a:scrgbClr r="0" g="0" b="0"/>
+      </a:effectRef>
+      <a:fontRef idx="minor"/>
+    </dgm:style>
+  </dgm:styleLbl>
+  <dgm:styleLbl name="alignImgPlace1">
+    <dgm:scene3d>
+      <a:camera prst="orthographicFront"/>
+      <a:lightRig rig="threePt" dir="t"/>
+    </dgm:scene3d>
+    <dgm:sp3d/>
+    <dgm:txPr/>
+    <dgm:style>
+      <a:lnRef idx="2">
+        <a:scrgbClr r="0" g="0" b="0"/>
+      </a:lnRef>
+      <a:fillRef idx="1">
+        <a:scrgbClr r="0" g="0" b="0"/>
+      </a:fillRef>
+      <a:effectRef idx="0">
+        <a:scrgbClr r="0" g="0" b="0"/>
+      </a:effectRef>
+      <a:fontRef idx="minor"/>
+    </dgm:style>
+  </dgm:styleLbl>
+  <dgm:styleLbl name="bgImgPlace1">
+    <dgm:scene3d>
+      <a:camera prst="orthographicFront"/>
+      <a:lightRig rig="threePt" dir="t"/>
+    </dgm:scene3d>
+    <dgm:sp3d/>
+    <dgm:txPr/>
+    <dgm:style>
+      <a:lnRef idx="2">
+        <a:scrgbClr r="0" g="0" b="0"/>
+      </a:lnRef>
+      <a:fillRef idx="1">
+        <a:scrgbClr r="0" g="0" b="0"/>
+      </a:fillRef>
+      <a:effectRef idx="0">
+        <a:scrgbClr r="0" g="0" b="0"/>
+      </a:effectRef>
+      <a:fontRef idx="minor"/>
+    </dgm:style>
+  </dgm:styleLbl>
+  <dgm:styleLbl name="sibTrans2D1">
+    <dgm:scene3d>
+      <a:camera prst="orthographicFront"/>
+      <a:lightRig rig="threePt" dir="t"/>
+    </dgm:scene3d>
+    <dgm:sp3d/>
+    <dgm:txPr/>
+    <dgm:style>
+      <a:lnRef idx="0">
+        <a:scrgbClr r="0" g="0" b="0"/>
+      </a:lnRef>
+      <a:fillRef idx="1">
+        <a:scrgbClr r="0" g="0" b="0"/>
+      </a:fillRef>
+      <a:effectRef idx="0">
+        <a:scrgbClr r="0" g="0" b="0"/>
+      </a:effectRef>
+      <a:fontRef idx="minor">
+        <a:schemeClr val="lt1"/>
+      </a:fontRef>
+    </dgm:style>
+  </dgm:styleLbl>
+  <dgm:styleLbl name="fgSibTrans2D1">
+    <dgm:scene3d>
+      <a:camera prst="orthographicFront"/>
+      <a:lightRig rig="threePt" dir="t"/>
+    </dgm:scene3d>
+    <dgm:sp3d/>
+    <dgm:txPr/>
+    <dgm:style>
+      <a:lnRef idx="0">
+        <a:scrgbClr r="0" g="0" b="0"/>
+      </a:lnRef>
+      <a:fillRef idx="1">
+        <a:scrgbClr r="0" g="0" b="0"/>
+      </a:fillRef>
+      <a:effectRef idx="0">
+        <a:scrgbClr r="0" g="0" b="0"/>
+      </a:effectRef>
+      <a:fontRef idx="minor">
+        <a:schemeClr val="lt1"/>
+      </a:fontRef>
+    </dgm:style>
+  </dgm:styleLbl>
+  <dgm:styleLbl name="bgSibTrans2D1">
+    <dgm:scene3d>
+      <a:camera prst="orthographicFront"/>
+      <a:lightRig rig="threePt" dir="t"/>
+    </dgm:scene3d>
+    <dgm:sp3d/>
+    <dgm:txPr/>
+    <dgm:style>
+      <a:lnRef idx="0">
+        <a:scrgbClr r="0" g="0" b="0"/>
+      </a:lnRef>
+      <a:fillRef idx="1">
+        <a:scrgbClr r="0" g="0" b="0"/>
+      </a:fillRef>
+      <a:effectRef idx="0">
+        <a:scrgbClr r="0" g="0" b="0"/>
+      </a:effectRef>
+      <a:fontRef idx="minor">
+        <a:schemeClr val="lt1"/>
+      </a:fontRef>
+    </dgm:style>
+  </dgm:styleLbl>
+  <dgm:styleLbl name="sibTrans1D1">
+    <dgm:scene3d>
+      <a:camera prst="orthographicFront"/>
+      <a:lightRig rig="threePt" dir="t"/>
+    </dgm:scene3d>
+    <dgm:sp3d/>
+    <dgm:txPr/>
+    <dgm:style>
+      <a:lnRef idx="1">
+        <a:scrgbClr r="0" g="0" b="0"/>
+      </a:lnRef>
+      <a:fillRef idx="0">
+        <a:scrgbClr r="0" g="0" b="0"/>
+      </a:fillRef>
+      <a:effectRef idx="0">
+        <a:scrgbClr r="0" g="0" b="0"/>
+      </a:effectRef>
+      <a:fontRef idx="minor"/>
+    </dgm:style>
+  </dgm:styleLbl>
+  <dgm:styleLbl name="callout">
+    <dgm:scene3d>
+      <a:camera prst="orthographicFront"/>
+      <a:lightRig rig="threePt" dir="t"/>
+    </dgm:scene3d>
+    <dgm:sp3d/>
+    <dgm:txPr/>
+    <dgm:style>
+      <a:lnRef idx="2">
+        <a:scrgbClr r="0" g="0" b="0"/>
+      </a:lnRef>
+      <a:fillRef idx="1">
+        <a:scrgbClr r="0" g="0" b="0"/>
+      </a:fillRef>
+      <a:effectRef idx="0">
+        <a:scrgbClr r="0" g="0" b="0"/>
+      </a:effectRef>
+      <a:fontRef idx="minor"/>
+    </dgm:style>
+  </dgm:styleLbl>
+  <dgm:styleLbl name="asst0">
+    <dgm:scene3d>
+      <a:camera prst="orthographicFront"/>
+      <a:lightRig rig="threePt" dir="t"/>
+    </dgm:scene3d>
+    <dgm:sp3d/>
+    <dgm:txPr/>
+    <dgm:style>
+      <a:lnRef idx="2">
+        <a:scrgbClr r="0" g="0" b="0"/>
+      </a:lnRef>
+      <a:fillRef idx="1">
+        <a:scrgbClr r="0" g="0" b="0"/>
+      </a:fillRef>
+      <a:effectRef idx="0">
+        <a:scrgbClr r="0" g="0" b="0"/>
+      </a:effectRef>
+      <a:fontRef idx="minor">
+        <a:schemeClr val="lt1"/>
+      </a:fontRef>
+    </dgm:style>
+  </dgm:styleLbl>
+  <dgm:styleLbl name="asst1">
+    <dgm:scene3d>
+      <a:camera prst="orthographicFront"/>
+      <a:lightRig rig="threePt" dir="t"/>
+    </dgm:scene3d>
+    <dgm:sp3d/>
+    <dgm:txPr/>
+    <dgm:style>
+      <a:lnRef idx="2">
+        <a:scrgbClr r="0" g="0" b="0"/>
+      </a:lnRef>
+      <a:fillRef idx="1">
+        <a:scrgbClr r="0" g="0" b="0"/>
+      </a:fillRef>
+      <a:effectRef idx="0">
+        <a:scrgbClr r="0" g="0" b="0"/>
+      </a:effectRef>
+      <a:fontRef idx="minor">
+        <a:schemeClr val="lt1"/>
+      </a:fontRef>
+    </dgm:style>
+  </dgm:styleLbl>
+  <dgm:styleLbl name="asst2">
+    <dgm:scene3d>
+      <a:camera prst="orthographicFront"/>
+      <a:lightRig rig="threePt" dir="t"/>
+    </dgm:scene3d>
+    <dgm:sp3d/>
+    <dgm:txPr/>
+    <dgm:style>
+      <a:lnRef idx="2">
+        <a:scrgbClr r="0" g="0" b="0"/>
+      </a:lnRef>
+      <a:fillRef idx="1">
+        <a:scrgbClr r="0" g="0" b="0"/>
+      </a:fillRef>
+      <a:effectRef idx="0">
+        <a:scrgbClr r="0" g="0" b="0"/>
+      </a:effectRef>
+      <a:fontRef idx="minor">
+        <a:schemeClr val="lt1"/>
+      </a:fontRef>
+    </dgm:style>
+  </dgm:styleLbl>
+  <dgm:styleLbl name="asst3">
+    <dgm:scene3d>
+      <a:camera prst="orthographicFront"/>
+      <a:lightRig rig="threePt" dir="t"/>
+    </dgm:scene3d>
+    <dgm:sp3d/>
+    <dgm:txPr/>
+    <dgm:style>
+      <a:lnRef idx="2">
+        <a:scrgbClr r="0" g="0" b="0"/>
+      </a:lnRef>
+      <a:fillRef idx="1">
+        <a:scrgbClr r="0" g="0" b="0"/>
+      </a:fillRef>
+      <a:effectRef idx="0">
+        <a:scrgbClr r="0" g="0" b="0"/>
+      </a:effectRef>
+      <a:fontRef idx="minor">
+        <a:schemeClr val="lt1"/>
+      </a:fontRef>
+    </dgm:style>
+  </dgm:styleLbl>
+  <dgm:styleLbl name="asst4">
+    <dgm:scene3d>
+      <a:camera prst="orthographicFront"/>
+      <a:lightRig rig="threePt" dir="t"/>
+    </dgm:scene3d>
+    <dgm:sp3d/>
+    <dgm:txPr/>
+    <dgm:style>
+      <a:lnRef idx="2">
+        <a:scrgbClr r="0" g="0" b="0"/>
+      </a:lnRef>
+      <a:fillRef idx="1">
+        <a:scrgbClr r="0" g="0" b="0"/>
+      </a:fillRef>
+      <a:effectRef idx="0">
+        <a:scrgbClr r="0" g="0" b="0"/>
+      </a:effectRef>
+      <a:fontRef idx="minor">
+        <a:schemeClr val="lt1"/>
+      </a:fontRef>
+    </dgm:style>
+  </dgm:styleLbl>
+  <dgm:styleLbl name="parChTrans2D1">
+    <dgm:scene3d>
+      <a:camera prst="orthographicFront"/>
+      <a:lightRig rig="threePt" dir="t"/>
+    </dgm:scene3d>
+    <dgm:sp3d/>
+    <dgm:txPr/>
+    <dgm:style>
+      <a:lnRef idx="2">
+        <a:scrgbClr r="0" g="0" b="0"/>
+      </a:lnRef>
+      <a:fillRef idx="1">
+        <a:scrgbClr r="0" g="0" b="0"/>
+      </a:fillRef>
+      <a:effectRef idx="0">
+        <a:scrgbClr r="0" g="0" b="0"/>
+      </a:effectRef>
+      <a:fontRef idx="minor">
+        <a:schemeClr val="lt1"/>
+      </a:fontRef>
+    </dgm:style>
+  </dgm:styleLbl>
+  <dgm:styleLbl name="parChTrans2D2">
+    <dgm:scene3d>
+      <a:camera prst="orthographicFront"/>
+      <a:lightRig rig="threePt" dir="t"/>
+    </dgm:scene3d>
+    <dgm:sp3d/>
+    <dgm:txPr/>
+    <dgm:style>
+      <a:lnRef idx="2">
+        <a:scrgbClr r="0" g="0" b="0"/>
+      </a:lnRef>
+      <a:fillRef idx="1">
+        <a:scrgbClr r="0" g="0" b="0"/>
+      </a:fillRef>
+      <a:effectRef idx="0">
+        <a:scrgbClr r="0" g="0" b="0"/>
+      </a:effectRef>
+      <a:fontRef idx="minor">
+        <a:schemeClr val="lt1"/>
+      </a:fontRef>
+    </dgm:style>
+  </dgm:styleLbl>
+  <dgm:styleLbl name="parChTrans2D3">
+    <dgm:scene3d>
+      <a:camera prst="orthographicFront"/>
+      <a:lightRig rig="threePt" dir="t"/>
+    </dgm:scene3d>
+    <dgm:sp3d/>
+    <dgm:txPr/>
+    <dgm:style>
+      <a:lnRef idx="2">
+        <a:scrgbClr r="0" g="0" b="0"/>
+      </a:lnRef>
+      <a:fillRef idx="1">
+        <a:scrgbClr r="0" g="0" b="0"/>
+      </a:fillRef>
+      <a:effectRef idx="0">
+        <a:scrgbClr r="0" g="0" b="0"/>
+      </a:effectRef>
+      <a:fontRef idx="minor">
+        <a:schemeClr val="lt1"/>
+      </a:fontRef>
+    </dgm:style>
+  </dgm:styleLbl>
+  <dgm:styleLbl name="parChTrans2D4">
+    <dgm:scene3d>
+      <a:camera prst="orthographicFront"/>
+      <a:lightRig rig="threePt" dir="t"/>
+    </dgm:scene3d>
+    <dgm:sp3d/>
+    <dgm:txPr/>
+    <dgm:style>
+      <a:lnRef idx="2">
+        <a:scrgbClr r="0" g="0" b="0"/>
+      </a:lnRef>
+      <a:fillRef idx="1">
+        <a:scrgbClr r="0" g="0" b="0"/>
+      </a:fillRef>
+      <a:effectRef idx="0">
+        <a:scrgbClr r="0" g="0" b="0"/>
+      </a:effectRef>
+      <a:fontRef idx="minor">
+        <a:schemeClr val="lt1"/>
+      </a:fontRef>
+    </dgm:style>
+  </dgm:styleLbl>
+  <dgm:styleLbl name="parChTrans1D1">
+    <dgm:scene3d>
+      <a:camera prst="orthographicFront"/>
+      <a:lightRig rig="threePt" dir="t"/>
+    </dgm:scene3d>
+    <dgm:sp3d/>
+    <dgm:txPr/>
+    <dgm:style>
+      <a:lnRef idx="2">
+        <a:scrgbClr r="0" g="0" b="0"/>
+      </a:lnRef>
+      <a:fillRef idx="0">
+        <a:scrgbClr r="0" g="0" b="0"/>
+      </a:fillRef>
+      <a:effectRef idx="0">
+        <a:scrgbClr r="0" g="0" b="0"/>
+      </a:effectRef>
+      <a:fontRef idx="minor"/>
+    </dgm:style>
+  </dgm:styleLbl>
+  <dgm:styleLbl name="parChTrans1D2">
+    <dgm:scene3d>
+      <a:camera prst="orthographicFront"/>
+      <a:lightRig rig="threePt" dir="t"/>
+    </dgm:scene3d>
+    <dgm:sp3d/>
+    <dgm:txPr/>
+    <dgm:style>
+      <a:lnRef idx="2">
+        <a:scrgbClr r="0" g="0" b="0"/>
+      </a:lnRef>
+      <a:fillRef idx="0">
+        <a:scrgbClr r="0" g="0" b="0"/>
+      </a:fillRef>
+      <a:effectRef idx="0">
+        <a:scrgbClr r="0" g="0" b="0"/>
+      </a:effectRef>
+      <a:fontRef idx="minor"/>
+    </dgm:style>
+  </dgm:styleLbl>
+  <dgm:styleLbl name="parChTrans1D3">
+    <dgm:scene3d>
+      <a:camera prst="orthographicFront"/>
+      <a:lightRig rig="threePt" dir="t"/>
+    </dgm:scene3d>
+    <dgm:sp3d/>
+    <dgm:txPr/>
+    <dgm:style>
+      <a:lnRef idx="2">
+        <a:scrgbClr r="0" g="0" b="0"/>
+      </a:lnRef>
+      <a:fillRef idx="0">
+        <a:scrgbClr r="0" g="0" b="0"/>
+      </a:fillRef>
+      <a:effectRef idx="0">
+        <a:scrgbClr r="0" g="0" b="0"/>
+      </a:effectRef>
+      <a:fontRef idx="minor"/>
+    </dgm:style>
+  </dgm:styleLbl>
+  <dgm:styleLbl name="parChTrans1D4">
+    <dgm:scene3d>
+      <a:camera prst="orthographicFront"/>
+      <a:lightRig rig="threePt" dir="t"/>
+    </dgm:scene3d>
+    <dgm:sp3d/>
+    <dgm:txPr/>
+    <dgm:style>
+      <a:lnRef idx="2">
+        <a:scrgbClr r="0" g="0" b="0"/>
+      </a:lnRef>
+      <a:fillRef idx="0">
+        <a:scrgbClr r="0" g="0" b="0"/>
+      </a:fillRef>
+      <a:effectRef idx="0">
+        <a:scrgbClr r="0" g="0" b="0"/>
+      </a:effectRef>
+      <a:fontRef idx="minor"/>
+    </dgm:style>
+  </dgm:styleLbl>
+  <dgm:styleLbl name="fgAcc1">
+    <dgm:scene3d>
+      <a:camera prst="orthographicFront"/>
+      <a:lightRig rig="threePt" dir="t"/>
+    </dgm:scene3d>
+    <dgm:sp3d/>
+    <dgm:txPr/>
+    <dgm:style>
+      <a:lnRef idx="2">
+        <a:scrgbClr r="0" g="0" b="0"/>
+      </a:lnRef>
+      <a:fillRef idx="1">
+        <a:scrgbClr r="0" g="0" b="0"/>
+      </a:fillRef>
+      <a:effectRef idx="0">
+        <a:scrgbClr r="0" g="0" b="0"/>
+      </a:effectRef>
+      <a:fontRef idx="minor"/>
+    </dgm:style>
+  </dgm:styleLbl>
+  <dgm:styleLbl name="conFgAcc1">
+    <dgm:scene3d>
+      <a:camera prst="orthographicFront"/>
+      <a:lightRig rig="threePt" dir="t"/>
+    </dgm:scene3d>
+    <dgm:sp3d/>
+    <dgm:txPr/>
+    <dgm:style>
+      <a:lnRef idx="2">
+        <a:scrgbClr r="0" g="0" b="0"/>
+      </a:lnRef>
+      <a:fillRef idx="1">
+        <a:scrgbClr r="0" g="0" b="0"/>
+      </a:fillRef>
+      <a:effectRef idx="0">
+        <a:scrgbClr r="0" g="0" b="0"/>
+      </a:effectRef>
+      <a:fontRef idx="minor"/>
+    </dgm:style>
+  </dgm:styleLbl>
+  <dgm:styleLbl name="alignAcc1">
+    <dgm:scene3d>
+      <a:camera prst="orthographicFront"/>
+      <a:lightRig rig="threePt" dir="t"/>
+    </dgm:scene3d>
+    <dgm:sp3d/>
+    <dgm:txPr/>
+    <dgm:style>
+      <a:lnRef idx="2">
+        <a:scrgbClr r="0" g="0" b="0"/>
+      </a:lnRef>
+      <a:fillRef idx="1">
+        <a:scrgbClr r="0" g="0" b="0"/>
+      </a:fillRef>
+      <a:effectRef idx="0">
+        <a:scrgbClr r="0" g="0" b="0"/>
+      </a:effectRef>
+      <a:fontRef idx="minor"/>
+    </dgm:style>
+  </dgm:styleLbl>
+  <dgm:styleLbl name="trAlignAcc1">
+    <dgm:scene3d>
+      <a:camera prst="orthographicFront"/>
+      <a:lightRig rig="threePt" dir="t"/>
+    </dgm:scene3d>
+    <dgm:sp3d/>
+    <dgm:txPr/>
+    <dgm:style>
+      <a:lnRef idx="1">
+        <a:scrgbClr r="0" g="0" b="0"/>
+      </a:lnRef>
+      <a:fillRef idx="1">
+        <a:scrgbClr r="0" g="0" b="0"/>
+      </a:fillRef>
+      <a:effectRef idx="0">
+        <a:scrgbClr r="0" g="0" b="0"/>
+      </a:effectRef>
+      <a:fontRef idx="minor"/>
+    </dgm:style>
+  </dgm:styleLbl>
+  <dgm:styleLbl name="bgAcc1">
+    <dgm:scene3d>
+      <a:camera prst="orthographicFront"/>
+      <a:lightRig rig="threePt" dir="t"/>
+    </dgm:scene3d>
+    <dgm:sp3d/>
+    <dgm:txPr/>
+    <dgm:style>
+      <a:lnRef idx="2">
+        <a:scrgbClr r="0" g="0" b="0"/>
+      </a:lnRef>
+      <a:fillRef idx="1">
+        <a:scrgbClr r="0" g="0" b="0"/>
+      </a:fillRef>
+      <a:effectRef idx="0">
+        <a:scrgbClr r="0" g="0" b="0"/>
+      </a:effectRef>
+      <a:fontRef idx="minor"/>
+    </dgm:style>
+  </dgm:styleLbl>
+  <dgm:styleLbl name="solidFgAcc1">
+    <dgm:scene3d>
+      <a:camera prst="orthographicFront"/>
+      <a:lightRig rig="threePt" dir="t"/>
+    </dgm:scene3d>
+    <dgm:sp3d/>
+    <dgm:txPr/>
+    <dgm:style>
+      <a:lnRef idx="2">
+        <a:scrgbClr r="0" g="0" b="0"/>
+      </a:lnRef>
+      <a:fillRef idx="1">
+        <a:scrgbClr r="0" g="0" b="0"/>
+      </a:fillRef>
+      <a:effectRef idx="0">
+        <a:scrgbClr r="0" g="0" b="0"/>
+      </a:effectRef>
+      <a:fontRef idx="minor"/>
+    </dgm:style>
+  </dgm:styleLbl>
+  <dgm:styleLbl name="solidAlignAcc1">
+    <dgm:scene3d>
+      <a:camera prst="orthographicFront"/>
+      <a:lightRig rig="threePt" dir="t"/>
+    </dgm:scene3d>
+    <dgm:sp3d/>
+    <dgm:txPr/>
+    <dgm:style>
+      <a:lnRef idx="2">
+        <a:scrgbClr r="0" g="0" b="0"/>
+      </a:lnRef>
+      <a:fillRef idx="1">
+        <a:scrgbClr r="0" g="0" b="0"/>
+      </a:fillRef>
+      <a:effectRef idx="0">
+        <a:scrgbClr r="0" g="0" b="0"/>
+      </a:effectRef>
+      <a:fontRef idx="minor"/>
+    </dgm:style>
+  </dgm:styleLbl>
+  <dgm:styleLbl name="solidBgAcc1">
+    <dgm:scene3d>
+      <a:camera prst="orthographicFront"/>
+      <a:lightRig rig="threePt" dir="t"/>
+    </dgm:scene3d>
+    <dgm:sp3d/>
+    <dgm:txPr/>
+    <dgm:style>
+      <a:lnRef idx="2">
+        <a:scrgbClr r="0" g="0" b="0"/>
+      </a:lnRef>
+      <a:fillRef idx="1">
+        <a:scrgbClr r="0" g="0" b="0"/>
+      </a:fillRef>
+      <a:effectRef idx="0">
+        <a:scrgbClr r="0" g="0" b="0"/>
+      </a:effectRef>
+      <a:fontRef idx="minor"/>
+    </dgm:style>
+  </dgm:styleLbl>
+  <dgm:styleLbl name="fgAccFollowNode1">
+    <dgm:scene3d>
+      <a:camera prst="orthographicFront"/>
+      <a:lightRig rig="threePt" dir="t"/>
+    </dgm:scene3d>
+    <dgm:sp3d/>
+    <dgm:txPr/>
+    <dgm:style>
+      <a:lnRef idx="2">
+        <a:scrgbClr r="0" g="0" b="0"/>
+      </a:lnRef>
+      <a:fillRef idx="1">
+        <a:scrgbClr r="0" g="0" b="0"/>
+      </a:fillRef>
+      <a:effectRef idx="0">
+        <a:scrgbClr r="0" g="0" b="0"/>
+      </a:effectRef>
+      <a:fontRef idx="minor"/>
+    </dgm:style>
+  </dgm:styleLbl>
+  <dgm:styleLbl name="alignAccFollowNode1">
+    <dgm:scene3d>
+      <a:camera prst="orthographicFront"/>
+      <a:lightRig rig="threePt" dir="t"/>
+    </dgm:scene3d>
+    <dgm:sp3d/>
+    <dgm:txPr/>
+    <dgm:style>
+      <a:lnRef idx="2">
+        <a:scrgbClr r="0" g="0" b="0"/>
+      </a:lnRef>
+      <a:fillRef idx="1">
+        <a:scrgbClr r="0" g="0" b="0"/>
+      </a:fillRef>
+      <a:effectRef idx="0">
+        <a:scrgbClr r="0" g="0" b="0"/>
+      </a:effectRef>
+      <a:fontRef idx="minor"/>
+    </dgm:style>
+  </dgm:styleLbl>
+  <dgm:styleLbl name="bgAccFollowNode1">
+    <dgm:scene3d>
+      <a:camera prst="orthographicFront"/>
+      <a:lightRig rig="threePt" dir="t"/>
+    </dgm:scene3d>
+    <dgm:sp3d/>
+    <dgm:txPr/>
+    <dgm:style>
+      <a:lnRef idx="2">
+        <a:scrgbClr r="0" g="0" b="0"/>
+      </a:lnRef>
+      <a:fillRef idx="1">
+        <a:scrgbClr r="0" g="0" b="0"/>
+      </a:fillRef>
+      <a:effectRef idx="0">
+        <a:scrgbClr r="0" g="0" b="0"/>
+      </a:effectRef>
+      <a:fontRef idx="minor"/>
+    </dgm:style>
+  </dgm:styleLbl>
+  <dgm:styleLbl name="fgAcc0">
+    <dgm:scene3d>
+      <a:camera prst="orthographicFront"/>
+      <a:lightRig rig="threePt" dir="t"/>
+    </dgm:scene3d>
+    <dgm:sp3d/>
+    <dgm:txPr/>
+    <dgm:style>
+      <a:lnRef idx="2">
+        <a:scrgbClr r="0" g="0" b="0"/>
+      </a:lnRef>
+      <a:fillRef idx="1">
+        <a:scrgbClr r="0" g="0" b="0"/>
+      </a:fillRef>
+      <a:effectRef idx="0">
+        <a:scrgbClr r="0" g="0" b="0"/>
+      </a:effectRef>
+      <a:fontRef idx="minor"/>
+    </dgm:style>
+  </dgm:styleLbl>
+  <dgm:styleLbl name="fgAcc2">
+    <dgm:scene3d>
+      <a:camera prst="orthographicFront"/>
+      <a:lightRig rig="threePt" dir="t"/>
+    </dgm:scene3d>
+    <dgm:sp3d/>
+    <dgm:txPr/>
+    <dgm:style>
+      <a:lnRef idx="2">
+        <a:scrgbClr r="0" g="0" b="0"/>
+      </a:lnRef>
+      <a:fillRef idx="1">
+        <a:scrgbClr r="0" g="0" b="0"/>
+      </a:fillRef>
+      <a:effectRef idx="0">
+        <a:scrgbClr r="0" g="0" b="0"/>
+      </a:effectRef>
+      <a:fontRef idx="minor"/>
+    </dgm:style>
+  </dgm:styleLbl>
+  <dgm:styleLbl name="fgAcc3">
+    <dgm:scene3d>
+      <a:camera prst="orthographicFront"/>
+      <a:lightRig rig="threePt" dir="t"/>
+    </dgm:scene3d>
+    <dgm:sp3d/>
+    <dgm:txPr/>
+    <dgm:style>
+      <a:lnRef idx="2">
+        <a:scrgbClr r="0" g="0" b="0"/>
+      </a:lnRef>
+      <a:fillRef idx="1">
+        <a:scrgbClr r="0" g="0" b="0"/>
+      </a:fillRef>
+      <a:effectRef idx="0">
+        <a:scrgbClr r="0" g="0" b="0"/>
+      </a:effectRef>
+      <a:fontRef idx="minor"/>
+    </dgm:style>
+  </dgm:styleLbl>
+  <dgm:styleLbl name="fgAcc4">
+    <dgm:scene3d>
+      <a:camera prst="orthographicFront"/>
+      <a:lightRig rig="threePt" dir="t"/>
+    </dgm:scene3d>
+    <dgm:sp3d/>
+    <dgm:txPr/>
+    <dgm:style>
+      <a:lnRef idx="2">
+        <a:scrgbClr r="0" g="0" b="0"/>
+      </a:lnRef>
+      <a:fillRef idx="1">
+        <a:scrgbClr r="0" g="0" b="0"/>
+      </a:fillRef>
+      <a:effectRef idx="0">
+        <a:scrgbClr r="0" g="0" b="0"/>
+      </a:effectRef>
+      <a:fontRef idx="minor"/>
+    </dgm:style>
+  </dgm:styleLbl>
+  <dgm:styleLbl name="bgShp">
+    <dgm:scene3d>
+      <a:camera prst="orthographicFront"/>
+      <a:lightRig rig="threePt" dir="t"/>
+    </dgm:scene3d>
+    <dgm:sp3d/>
+    <dgm:txPr/>
+    <dgm:style>
+      <a:lnRef idx="0">
+        <a:scrgbClr r="0" g="0" b="0"/>
+      </a:lnRef>
+      <a:fillRef idx="1">
+        <a:scrgbClr r="0" g="0" b="0"/>
+      </a:fillRef>
+      <a:effectRef idx="0">
+        <a:scrgbClr r="0" g="0" b="0"/>
+      </a:effectRef>
+      <a:fontRef idx="minor"/>
+    </dgm:style>
+  </dgm:styleLbl>
+  <dgm:styleLbl name="dkBgShp">
+    <dgm:scene3d>
+      <a:camera prst="orthographicFront"/>
+      <a:lightRig rig="threePt" dir="t"/>
+    </dgm:scene3d>
+    <dgm:sp3d/>
+    <dgm:txPr/>
+    <dgm:style>
+      <a:lnRef idx="0">
+        <a:scrgbClr r="0" g="0" b="0"/>
+      </a:lnRef>
+      <a:fillRef idx="1">
+        <a:scrgbClr r="0" g="0" b="0"/>
+      </a:fillRef>
+      <a:effectRef idx="0">
+        <a:scrgbClr r="0" g="0" b="0"/>
+      </a:effectRef>
+      <a:fontRef idx="minor"/>
+    </dgm:style>
+  </dgm:styleLbl>
+  <dgm:styleLbl name="trBgShp">
+    <dgm:scene3d>
+      <a:camera prst="orthographicFront"/>
+      <a:lightRig rig="threePt" dir="t"/>
+    </dgm:scene3d>
+    <dgm:sp3d/>
+    <dgm:txPr/>
+    <dgm:style>
+      <a:lnRef idx="0">
+        <a:scrgbClr r="0" g="0" b="0"/>
+      </a:lnRef>
+      <a:fillRef idx="1">
+        <a:scrgbClr r="0" g="0" b="0"/>
+      </a:fillRef>
+      <a:effectRef idx="0">
+        <a:scrgbClr r="0" g="0" b="0"/>
+      </a:effectRef>
+      <a:fontRef idx="minor"/>
+    </dgm:style>
+  </dgm:styleLbl>
+  <dgm:styleLbl name="fgShp">
+    <dgm:scene3d>
+      <a:camera prst="orthographicFront"/>
+      <a:lightRig rig="threePt" dir="t"/>
+    </dgm:scene3d>
+    <dgm:sp3d/>
+    <dgm:txPr/>
+    <dgm:style>
+      <a:lnRef idx="2">
+        <a:scrgbClr r="0" g="0" b="0"/>
+      </a:lnRef>
+      <a:fillRef idx="1">
+        <a:scrgbClr r="0" g="0" b="0"/>
+      </a:fillRef>
+      <a:effectRef idx="0">
+        <a:scrgbClr r="0" g="0" b="0"/>
+      </a:effectRef>
+      <a:fontRef idx="minor"/>
+    </dgm:style>
+  </dgm:styleLbl>
+  <dgm:styleLbl name="revTx">
+    <dgm:scene3d>
+      <a:camera prst="orthographicFront"/>
+      <a:lightRig rig="threePt" dir="t"/>
+    </dgm:scene3d>
+    <dgm:sp3d/>
+    <dgm:txPr/>
+    <dgm:style>
+      <a:lnRef idx="0">
+        <a:scrgbClr r="0" g="0" b="0"/>
+      </a:lnRef>
+      <a:fillRef idx="0">
+        <a:scrgbClr r="0" g="0" b="0"/>
+      </a:fillRef>
+      <a:effectRef idx="0">
+        <a:scrgbClr r="0" g="0" b="0"/>
+      </a:effectRef>
+      <a:fontRef idx="minor"/>
+    </dgm:style>
+  </dgm:styleLbl>
+</dgm:styleDef>
+</file>
+
 <file path=ppt/notesMasters/notesMaster1.xml><?xml version="1.0" encoding="utf-8"?>
 <p:notesMaster xmlns:a="http://schemas.openxmlformats.org/drawingml/2006/main" xmlns:r="http://schemas.openxmlformats.org/officeDocument/2006/relationships" xmlns:p="http://schemas.openxmlformats.org/presentationml/2006/main">
   <p:cSld>
@@ -2076,7 +5245,7 @@
                 </a:solidFill>
               </a:rPr>
               <a:pPr/>
-              <a:t>8</a:t>
+              <a:t>9</a:t>
             </a:fld>
             <a:endParaRPr lang="en-GB">
               <a:solidFill>
@@ -4017,7 +7186,6 @@
       </p:transition>
     </mc:Fallback>
   </mc:AlternateContent>
-  <p:hf sldNum="0" hdr="0"/>
   <p:extLst>
     <p:ext uri="{DCECCB84-F9BA-43D5-87BE-67443E8EF086}">
       <p15:sldGuideLst xmlns:p15="http://schemas.microsoft.com/office/powerpoint/2012/main">
@@ -6660,7 +9828,6 @@
       </p:transition>
     </mc:Fallback>
   </mc:AlternateContent>
-  <p:hf sldNum="0" hdr="0"/>
   <p:extLst>
     <p:ext uri="{DCECCB84-F9BA-43D5-87BE-67443E8EF086}">
       <p15:sldGuideLst xmlns:p15="http://schemas.microsoft.com/office/powerpoint/2012/main">
@@ -8674,7 +11841,6 @@
       </p:transition>
     </mc:Fallback>
   </mc:AlternateContent>
-  <p:hf sldNum="0" hdr="0"/>
   <p:extLst>
     <p:ext uri="{DCECCB84-F9BA-43D5-87BE-67443E8EF086}">
       <p15:sldGuideLst xmlns:p15="http://schemas.microsoft.com/office/powerpoint/2012/main">
@@ -10264,7 +13430,7 @@
       </p:transition>
     </mc:Fallback>
   </mc:AlternateContent>
-  <p:hf sldNum="0" hdr="0" dt="0"/>
+  <p:hf hdr="0" ftr="0" dt="0"/>
   <p:txStyles>
     <p:titleStyle>
       <a:lvl1pPr marL="0" indent="0" algn="l" defTabSz="914400" rtl="0" eaLnBrk="1" latinLnBrk="0" hangingPunct="1">
@@ -11019,7 +14185,7 @@
       </p:transition>
     </mc:Fallback>
   </mc:AlternateContent>
-  <p:hf sldNum="0" hdr="0" dt="0"/>
+  <p:hf hdr="0" ftr="0" dt="0"/>
   <p:txStyles>
     <p:titleStyle>
       <a:lvl1pPr marL="0" indent="0" algn="l" defTabSz="914400" rtl="0" eaLnBrk="1" latinLnBrk="0" hangingPunct="1">
@@ -11555,6 +14721,392 @@
 </p:sld>
 </file>
 
+<file path=ppt/slides/slide10.xml><?xml version="1.0" encoding="utf-8"?>
+<p:sld xmlns:a="http://schemas.openxmlformats.org/drawingml/2006/main" xmlns:r="http://schemas.openxmlformats.org/officeDocument/2006/relationships" xmlns:p="http://schemas.openxmlformats.org/presentationml/2006/main">
+  <p:cSld>
+    <p:spTree>
+      <p:nvGrpSpPr>
+        <p:cNvPr id="1" name=""/>
+        <p:cNvGrpSpPr/>
+        <p:nvPr/>
+      </p:nvGrpSpPr>
+      <p:grpSpPr>
+        <a:xfrm>
+          <a:off x="0" y="0"/>
+          <a:ext cx="0" cy="0"/>
+          <a:chOff x="0" y="0"/>
+          <a:chExt cx="0" cy="0"/>
+        </a:xfrm>
+      </p:grpSpPr>
+      <p:sp>
+        <p:nvSpPr>
+          <p:cNvPr id="10" name="Titre 1"/>
+          <p:cNvSpPr>
+            <a:spLocks noGrp="1"/>
+          </p:cNvSpPr>
+          <p:nvPr>
+            <p:ph type="ctrTitle"/>
+          </p:nvPr>
+        </p:nvSpPr>
+        <p:spPr>
+          <a:xfrm>
+            <a:off x="966546" y="2044926"/>
+            <a:ext cx="7060580" cy="592936"/>
+          </a:xfrm>
+        </p:spPr>
+        <p:txBody>
+          <a:bodyPr/>
+          <a:lstStyle/>
+          <a:p>
+            <a:r>
+              <a:rPr lang="en-US" sz="4000" noProof="0" dirty="0"/>
+              <a:t>Thank you for your attention!</a:t>
+            </a:r>
+          </a:p>
+        </p:txBody>
+      </p:sp>
+      <p:sp>
+        <p:nvSpPr>
+          <p:cNvPr id="6" name="ZoneTexte 5">
+            <a:extLst>
+              <a:ext uri="{FF2B5EF4-FFF2-40B4-BE49-F238E27FC236}">
+                <a16:creationId xmlns:a16="http://schemas.microsoft.com/office/drawing/2014/main" id="{14E03C28-6479-4B73-85F6-57F7D3D3765F}"/>
+              </a:ext>
+            </a:extLst>
+          </p:cNvPr>
+          <p:cNvSpPr txBox="1"/>
+          <p:nvPr/>
+        </p:nvSpPr>
+        <p:spPr>
+          <a:xfrm>
+            <a:off x="351226" y="369720"/>
+            <a:ext cx="8520271" cy="584775"/>
+          </a:xfrm>
+          <a:prstGeom prst="rect">
+            <a:avLst/>
+          </a:prstGeom>
+          <a:noFill/>
+        </p:spPr>
+        <p:txBody>
+          <a:bodyPr wrap="square" rtlCol="0">
+            <a:spAutoFit/>
+          </a:bodyPr>
+          <a:lstStyle/>
+          <a:p>
+            <a:r>
+              <a:rPr lang="en-US" sz="3200" noProof="0" dirty="0">
+                <a:solidFill>
+                  <a:schemeClr val="bg2"/>
+                </a:solidFill>
+                <a:latin typeface="Helvetica 75 Bold" panose="020B0804020202020204" pitchFamily="34" charset="0"/>
+              </a:rPr>
+              <a:t>Dev Test </a:t>
+            </a:r>
+            <a:r>
+              <a:rPr lang="en-US" sz="3200" noProof="0" dirty="0">
+                <a:latin typeface="Helvetica 75 Bold" panose="020B0804020202020204" pitchFamily="34" charset="0"/>
+              </a:rPr>
+              <a:t>Days </a:t>
+            </a:r>
+            <a:r>
+              <a:rPr lang="en-US" sz="3200" noProof="0" dirty="0">
+                <a:solidFill>
+                  <a:schemeClr val="bg2"/>
+                </a:solidFill>
+                <a:latin typeface="Helvetica 75 Bold" panose="020B0804020202020204" pitchFamily="34" charset="0"/>
+              </a:rPr>
+              <a:t>2025 </a:t>
+            </a:r>
+            <a:r>
+              <a:rPr lang="en-US" sz="3200" noProof="0" dirty="0">
+                <a:latin typeface="Helvetica 75 Bold" panose="020B0804020202020204" pitchFamily="34" charset="0"/>
+              </a:rPr>
+              <a:t>Edition</a:t>
+            </a:r>
+            <a:endParaRPr lang="en-US" sz="3200" noProof="0" dirty="0">
+              <a:solidFill>
+                <a:schemeClr val="bg2"/>
+              </a:solidFill>
+              <a:latin typeface="Helvetica 75 Bold" panose="020B0804020202020204" pitchFamily="34" charset="0"/>
+            </a:endParaRPr>
+          </a:p>
+        </p:txBody>
+      </p:sp>
+      <p:sp>
+        <p:nvSpPr>
+          <p:cNvPr id="13" name="Rectangle 12">
+            <a:extLst>
+              <a:ext uri="{FF2B5EF4-FFF2-40B4-BE49-F238E27FC236}">
+                <a16:creationId xmlns:a16="http://schemas.microsoft.com/office/drawing/2014/main" id="{A8ACE433-BD23-3F53-9F4E-9577F747BCA0}"/>
+              </a:ext>
+            </a:extLst>
+          </p:cNvPr>
+          <p:cNvSpPr/>
+          <p:nvPr/>
+        </p:nvSpPr>
+        <p:spPr>
+          <a:xfrm>
+            <a:off x="8027126" y="3520440"/>
+            <a:ext cx="1005840" cy="1489166"/>
+          </a:xfrm>
+          <a:prstGeom prst="rect">
+            <a:avLst/>
+          </a:prstGeom>
+          <a:solidFill>
+            <a:schemeClr val="bg1"/>
+          </a:solidFill>
+          <a:ln>
+            <a:noFill/>
+          </a:ln>
+        </p:spPr>
+        <p:style>
+          <a:lnRef idx="2">
+            <a:schemeClr val="accent1">
+              <a:shade val="50000"/>
+            </a:schemeClr>
+          </a:lnRef>
+          <a:fillRef idx="1">
+            <a:schemeClr val="accent1"/>
+          </a:fillRef>
+          <a:effectRef idx="0">
+            <a:schemeClr val="accent1"/>
+          </a:effectRef>
+          <a:fontRef idx="minor">
+            <a:schemeClr val="lt1"/>
+          </a:fontRef>
+        </p:style>
+        <p:txBody>
+          <a:bodyPr rtlCol="0" anchor="ctr"/>
+          <a:lstStyle/>
+          <a:p>
+            <a:pPr algn="ctr"/>
+            <a:endParaRPr lang="en-US" sz="1600" noProof="0" dirty="0">
+              <a:solidFill>
+                <a:srgbClr val="000000"/>
+              </a:solidFill>
+            </a:endParaRPr>
+          </a:p>
+        </p:txBody>
+      </p:sp>
+      <p:sp>
+        <p:nvSpPr>
+          <p:cNvPr id="2" name="TextBox 1">
+            <a:extLst>
+              <a:ext uri="{FF2B5EF4-FFF2-40B4-BE49-F238E27FC236}">
+                <a16:creationId xmlns:a16="http://schemas.microsoft.com/office/drawing/2014/main" id="{ADB43214-688B-965E-6394-B7B317C00600}"/>
+              </a:ext>
+            </a:extLst>
+          </p:cNvPr>
+          <p:cNvSpPr txBox="1"/>
+          <p:nvPr/>
+        </p:nvSpPr>
+        <p:spPr>
+          <a:xfrm>
+            <a:off x="1284046" y="4312101"/>
+            <a:ext cx="676467" cy="215444"/>
+          </a:xfrm>
+          <a:prstGeom prst="rect">
+            <a:avLst/>
+          </a:prstGeom>
+        </p:spPr>
+        <p:txBody>
+          <a:bodyPr wrap="none" lIns="0" tIns="0" rIns="0" bIns="0" rtlCol="0">
+            <a:spAutoFit/>
+          </a:bodyPr>
+          <a:lstStyle/>
+          <a:p>
+            <a:r>
+              <a:rPr lang="en-US" sz="1400" noProof="0" dirty="0" err="1"/>
+              <a:t>basavyr</a:t>
+            </a:r>
+            <a:endParaRPr lang="en-US" sz="1400" noProof="0" dirty="0"/>
+          </a:p>
+        </p:txBody>
+      </p:sp>
+      <p:sp>
+        <p:nvSpPr>
+          <p:cNvPr id="4" name="TextBox 3">
+            <a:extLst>
+              <a:ext uri="{FF2B5EF4-FFF2-40B4-BE49-F238E27FC236}">
+                <a16:creationId xmlns:a16="http://schemas.microsoft.com/office/drawing/2014/main" id="{238B7662-69EC-D19C-60F1-7CCE2688215D}"/>
+              </a:ext>
+            </a:extLst>
+          </p:cNvPr>
+          <p:cNvSpPr txBox="1"/>
+          <p:nvPr/>
+        </p:nvSpPr>
+        <p:spPr>
+          <a:xfrm>
+            <a:off x="3442591" y="4312101"/>
+            <a:ext cx="2462213" cy="215444"/>
+          </a:xfrm>
+          <a:prstGeom prst="rect">
+            <a:avLst/>
+          </a:prstGeom>
+        </p:spPr>
+        <p:txBody>
+          <a:bodyPr wrap="none" lIns="0" tIns="0" rIns="0" bIns="0" rtlCol="0">
+            <a:spAutoFit/>
+          </a:bodyPr>
+          <a:lstStyle/>
+          <a:p>
+            <a:r>
+              <a:rPr lang="en-US" sz="1400" noProof="0" dirty="0" err="1"/>
+              <a:t>robert.poenaru@orange.com</a:t>
+            </a:r>
+            <a:endParaRPr lang="en-US" sz="1400" noProof="0" dirty="0"/>
+          </a:p>
+        </p:txBody>
+      </p:sp>
+      <p:pic>
+        <p:nvPicPr>
+          <p:cNvPr id="5" name="Picture 4">
+            <a:extLst>
+              <a:ext uri="{FF2B5EF4-FFF2-40B4-BE49-F238E27FC236}">
+                <a16:creationId xmlns:a16="http://schemas.microsoft.com/office/drawing/2014/main" id="{8D38A1BA-B72A-B025-52C2-AC9B394AF29B}"/>
+              </a:ext>
+            </a:extLst>
+          </p:cNvPr>
+          <p:cNvPicPr>
+            <a:picLocks noChangeAspect="1"/>
+          </p:cNvPicPr>
+          <p:nvPr/>
+        </p:nvPicPr>
+        <p:blipFill>
+          <a:blip r:embed="rId2"/>
+          <a:stretch>
+            <a:fillRect/>
+          </a:stretch>
+        </p:blipFill>
+        <p:spPr>
+          <a:xfrm>
+            <a:off x="2742277" y="4102323"/>
+            <a:ext cx="635000" cy="635000"/>
+          </a:xfrm>
+          <a:prstGeom prst="rect">
+            <a:avLst/>
+          </a:prstGeom>
+        </p:spPr>
+      </p:pic>
+      <p:pic>
+        <p:nvPicPr>
+          <p:cNvPr id="7" name="Picture 6">
+            <a:extLst>
+              <a:ext uri="{FF2B5EF4-FFF2-40B4-BE49-F238E27FC236}">
+                <a16:creationId xmlns:a16="http://schemas.microsoft.com/office/drawing/2014/main" id="{0C52C980-6C91-BE40-1E35-6D583738C996}"/>
+              </a:ext>
+            </a:extLst>
+          </p:cNvPr>
+          <p:cNvPicPr>
+            <a:picLocks noChangeAspect="1"/>
+          </p:cNvPicPr>
+          <p:nvPr/>
+        </p:nvPicPr>
+        <p:blipFill>
+          <a:blip r:embed="rId3"/>
+          <a:stretch>
+            <a:fillRect/>
+          </a:stretch>
+        </p:blipFill>
+        <p:spPr>
+          <a:xfrm>
+            <a:off x="649046" y="4102323"/>
+            <a:ext cx="635000" cy="635000"/>
+          </a:xfrm>
+          <a:prstGeom prst="rect">
+            <a:avLst/>
+          </a:prstGeom>
+        </p:spPr>
+      </p:pic>
+      <p:pic>
+        <p:nvPicPr>
+          <p:cNvPr id="8" name="Picture 7">
+            <a:extLst>
+              <a:ext uri="{FF2B5EF4-FFF2-40B4-BE49-F238E27FC236}">
+                <a16:creationId xmlns:a16="http://schemas.microsoft.com/office/drawing/2014/main" id="{628D7A90-F140-4483-8CEB-4340B5104571}"/>
+              </a:ext>
+            </a:extLst>
+          </p:cNvPr>
+          <p:cNvPicPr>
+            <a:picLocks noChangeAspect="1"/>
+          </p:cNvPicPr>
+          <p:nvPr/>
+        </p:nvPicPr>
+        <p:blipFill>
+          <a:blip r:embed="rId4"/>
+          <a:stretch>
+            <a:fillRect/>
+          </a:stretch>
+        </p:blipFill>
+        <p:spPr>
+          <a:xfrm>
+            <a:off x="6334562" y="4134980"/>
+            <a:ext cx="569686" cy="569686"/>
+          </a:xfrm>
+          <a:prstGeom prst="rect">
+            <a:avLst/>
+          </a:prstGeom>
+        </p:spPr>
+      </p:pic>
+      <p:sp>
+        <p:nvSpPr>
+          <p:cNvPr id="9" name="TextBox 8">
+            <a:extLst>
+              <a:ext uri="{FF2B5EF4-FFF2-40B4-BE49-F238E27FC236}">
+                <a16:creationId xmlns:a16="http://schemas.microsoft.com/office/drawing/2014/main" id="{DDB73FF7-418F-6C1E-BFB9-661C559FA8F5}"/>
+              </a:ext>
+            </a:extLst>
+          </p:cNvPr>
+          <p:cNvSpPr txBox="1"/>
+          <p:nvPr/>
+        </p:nvSpPr>
+        <p:spPr>
+          <a:xfrm>
+            <a:off x="7006207" y="4332714"/>
+            <a:ext cx="1352934" cy="215444"/>
+          </a:xfrm>
+          <a:prstGeom prst="rect">
+            <a:avLst/>
+          </a:prstGeom>
+        </p:spPr>
+        <p:txBody>
+          <a:bodyPr wrap="none" lIns="0" tIns="0" rIns="0" bIns="0" rtlCol="0">
+            <a:spAutoFit/>
+          </a:bodyPr>
+          <a:lstStyle/>
+          <a:p>
+            <a:r>
+              <a:rPr lang="en-US" sz="1400" noProof="0" dirty="0"/>
+              <a:t>Robert-Poenaru</a:t>
+            </a:r>
+          </a:p>
+        </p:txBody>
+      </p:sp>
+    </p:spTree>
+    <p:extLst>
+      <p:ext uri="{BB962C8B-B14F-4D97-AF65-F5344CB8AC3E}">
+        <p14:creationId xmlns:p14="http://schemas.microsoft.com/office/powerpoint/2010/main" val="985760704"/>
+      </p:ext>
+    </p:extLst>
+  </p:cSld>
+  <p:clrMapOvr>
+    <a:masterClrMapping/>
+  </p:clrMapOvr>
+  <mc:AlternateContent xmlns:mc="http://schemas.openxmlformats.org/markup-compatibility/2006" xmlns:p14="http://schemas.microsoft.com/office/powerpoint/2010/main">
+    <mc:Choice Requires="p14">
+      <p:transition spd="med" p14:dur="700">
+        <p:fade/>
+      </p:transition>
+    </mc:Choice>
+    <mc:Fallback xmlns="">
+      <p:transition spd="med">
+        <p:fade/>
+      </p:transition>
+    </mc:Fallback>
+  </mc:AlternateContent>
+</p:sld>
+</file>
+
 <file path=ppt/slides/slide2.xml><?xml version="1.0" encoding="utf-8"?>
 <p:sld xmlns:a="http://schemas.openxmlformats.org/drawingml/2006/main" xmlns:r="http://schemas.openxmlformats.org/officeDocument/2006/relationships" xmlns:p="http://schemas.openxmlformats.org/presentationml/2006/main">
   <p:cSld>
@@ -12233,7 +15785,62 @@
       </p:grpSpPr>
       <p:sp>
         <p:nvSpPr>
-          <p:cNvPr id="3" name="Titre 2"/>
+          <p:cNvPr id="2" name="Content Placeholder 1">
+            <a:extLst>
+              <a:ext uri="{FF2B5EF4-FFF2-40B4-BE49-F238E27FC236}">
+                <a16:creationId xmlns:a16="http://schemas.microsoft.com/office/drawing/2014/main" id="{47B89439-7B76-FD91-E828-D02AD1B8A100}"/>
+              </a:ext>
+            </a:extLst>
+          </p:cNvPr>
+          <p:cNvSpPr>
+            <a:spLocks noGrp="1"/>
+          </p:cNvSpPr>
+          <p:nvPr>
+            <p:ph idx="1"/>
+          </p:nvPr>
+        </p:nvSpPr>
+        <p:spPr>
+          <a:xfrm>
+            <a:off x="314325" y="1184275"/>
+            <a:ext cx="4951579" cy="2656205"/>
+          </a:xfrm>
+        </p:spPr>
+        <p:txBody>
+          <a:bodyPr/>
+          <a:lstStyle/>
+          <a:p>
+            <a:pPr lvl="2">
+              <a:buClr>
+                <a:srgbClr val="FF7900"/>
+              </a:buClr>
+            </a:pPr>
+            <a:r>
+              <a:rPr lang="en-US" dirty="0"/>
+              <a:t>Artificial Intelligence (AI) integrates in many products</a:t>
+            </a:r>
+          </a:p>
+          <a:p>
+            <a:pPr lvl="2">
+              <a:buClr>
+                <a:srgbClr val="FF7900"/>
+              </a:buClr>
+            </a:pPr>
+            <a:r>
+              <a:rPr lang="en-US" dirty="0"/>
+              <a:t>Large Language Models are its foundational components</a:t>
+            </a:r>
+          </a:p>
+        </p:txBody>
+      </p:sp>
+      <p:sp>
+        <p:nvSpPr>
+          <p:cNvPr id="3" name="Title 2">
+            <a:extLst>
+              <a:ext uri="{FF2B5EF4-FFF2-40B4-BE49-F238E27FC236}">
+                <a16:creationId xmlns:a16="http://schemas.microsoft.com/office/drawing/2014/main" id="{6321E93D-084F-C2C0-D5C6-5B356A30ABD6}"/>
+              </a:ext>
+            </a:extLst>
+          </p:cNvPr>
           <p:cNvSpPr>
             <a:spLocks noGrp="1"/>
           </p:cNvSpPr>
@@ -12241,1105 +15848,27 @@
             <p:ph type="title"/>
           </p:nvPr>
         </p:nvSpPr>
-        <p:spPr>
-          <a:xfrm>
-            <a:off x="467544" y="411510"/>
-            <a:ext cx="8362131" cy="360040"/>
-          </a:xfrm>
-        </p:spPr>
+        <p:spPr/>
         <p:txBody>
           <a:bodyPr/>
           <a:lstStyle/>
           <a:p>
             <a:r>
-              <a:rPr lang="en-US" sz="2800" noProof="0" dirty="0"/>
-              <a:t>Title</a:t>
-            </a:r>
-            <a:endParaRPr lang="en-US" sz="2800" noProof="0" dirty="0">
-              <a:solidFill>
-                <a:schemeClr val="bg1"/>
-              </a:solidFill>
-            </a:endParaRPr>
+              <a:rPr lang="en-US" sz="2800" dirty="0"/>
+              <a:t>AI</a:t>
+            </a:r>
           </a:p>
         </p:txBody>
       </p:sp>
       <p:sp>
         <p:nvSpPr>
-          <p:cNvPr id="8" name="Espace réservé du contenu 2"/>
-          <p:cNvSpPr txBox="1">
-            <a:spLocks/>
-          </p:cNvSpPr>
-          <p:nvPr/>
-        </p:nvSpPr>
-        <p:spPr>
-          <a:xfrm>
-            <a:off x="467544" y="1419622"/>
-            <a:ext cx="4104457" cy="1555109"/>
-          </a:xfrm>
-          <a:prstGeom prst="rect">
-            <a:avLst/>
-          </a:prstGeom>
-        </p:spPr>
-        <p:txBody>
-          <a:bodyPr vert="horz" lIns="0" tIns="0" rIns="0" bIns="0" rtlCol="0">
-            <a:noAutofit/>
-          </a:bodyPr>
-          <a:lstStyle>
-            <a:lvl1pPr marL="0" indent="0" algn="l" defTabSz="914400" rtl="0" eaLnBrk="1" latinLnBrk="0" hangingPunct="1">
-              <a:lnSpc>
-                <a:spcPct val="90000"/>
-              </a:lnSpc>
-              <a:spcBef>
-                <a:spcPts val="600"/>
-              </a:spcBef>
-              <a:buClr>
-                <a:schemeClr val="bg1"/>
-              </a:buClr>
-              <a:buSzPct val="25000"/>
-              <a:buFont typeface="Calibri" panose="020F0502020204030204" pitchFamily="34" charset="0"/>
-              <a:buNone/>
-              <a:tabLst/>
-              <a:defRPr sz="1400" kern="1200" spc="-20" baseline="0">
-                <a:solidFill>
-                  <a:schemeClr val="bg2"/>
-                </a:solidFill>
-                <a:latin typeface="Helvetica 75 Bold" panose="020B0804020202020204" pitchFamily="34" charset="0"/>
-                <a:ea typeface="+mn-ea"/>
-                <a:cs typeface="+mn-cs"/>
-              </a:defRPr>
-            </a:lvl1pPr>
-            <a:lvl2pPr marL="0" indent="0" algn="l" defTabSz="914400" rtl="0" eaLnBrk="1" latinLnBrk="0" hangingPunct="1">
-              <a:lnSpc>
-                <a:spcPct val="90000"/>
-              </a:lnSpc>
-              <a:spcBef>
-                <a:spcPts val="600"/>
-              </a:spcBef>
-              <a:buClr>
-                <a:schemeClr val="bg1"/>
-              </a:buClr>
-              <a:buSzPct val="25000"/>
-              <a:buFont typeface="Calibri" panose="020F0502020204030204" pitchFamily="34" charset="0"/>
-              <a:buNone/>
-              <a:defRPr sz="1400" kern="1200" spc="-20" baseline="0">
-                <a:solidFill>
-                  <a:schemeClr val="tx1"/>
-                </a:solidFill>
-                <a:latin typeface="Helvetica 75 Bold" panose="020B0804020202020204" pitchFamily="34" charset="0"/>
-                <a:ea typeface="+mn-ea"/>
-                <a:cs typeface="+mn-cs"/>
-              </a:defRPr>
-            </a:lvl2pPr>
-            <a:lvl3pPr marL="180975" indent="-180975" algn="l" defTabSz="914400" rtl="0" eaLnBrk="1" latinLnBrk="0" hangingPunct="1">
-              <a:lnSpc>
-                <a:spcPct val="90000"/>
-              </a:lnSpc>
-              <a:spcBef>
-                <a:spcPts val="600"/>
-              </a:spcBef>
-              <a:buClr>
-                <a:schemeClr val="bg2"/>
-              </a:buClr>
-              <a:buFont typeface="Wingdings" panose="05000000000000000000" pitchFamily="2" charset="2"/>
-              <a:buChar char="§"/>
-              <a:defRPr sz="1400" kern="1200" spc="-20" baseline="0">
-                <a:solidFill>
-                  <a:schemeClr val="tx1"/>
-                </a:solidFill>
-                <a:latin typeface="Helvetica 75 Bold" panose="020B0804020202020204" pitchFamily="34" charset="0"/>
-                <a:ea typeface="+mn-ea"/>
-                <a:cs typeface="+mn-cs"/>
-              </a:defRPr>
-            </a:lvl3pPr>
-            <a:lvl4pPr marL="407988" indent="-190500" algn="l" defTabSz="914400" rtl="0" eaLnBrk="1" latinLnBrk="0" hangingPunct="1">
-              <a:lnSpc>
-                <a:spcPct val="90000"/>
-              </a:lnSpc>
-              <a:spcBef>
-                <a:spcPct val="20000"/>
-              </a:spcBef>
-              <a:buFont typeface="Arial" panose="020B0604020202020204" pitchFamily="34" charset="0"/>
-              <a:buChar char="–"/>
-              <a:defRPr sz="1400" kern="1200" spc="-20" baseline="0">
-                <a:solidFill>
-                  <a:schemeClr val="tx1"/>
-                </a:solidFill>
-                <a:latin typeface="Helvetica 55 Roman" panose="000B0500000000000000" pitchFamily="34" charset="0"/>
-                <a:ea typeface="+mn-ea"/>
-                <a:cs typeface="+mn-cs"/>
-              </a:defRPr>
-            </a:lvl4pPr>
-            <a:lvl5pPr marL="595313" indent="-173038" algn="l" defTabSz="914400" rtl="0" eaLnBrk="1" latinLnBrk="0" hangingPunct="1">
-              <a:lnSpc>
-                <a:spcPct val="90000"/>
-              </a:lnSpc>
-              <a:spcBef>
-                <a:spcPct val="20000"/>
-              </a:spcBef>
-              <a:buClr>
-                <a:schemeClr val="tx1"/>
-              </a:buClr>
-              <a:buFont typeface="Arial" panose="020B0604020202020204" pitchFamily="34" charset="0"/>
-              <a:buChar char="–"/>
-              <a:defRPr sz="1400" kern="1200" spc="-20" baseline="0">
-                <a:solidFill>
-                  <a:schemeClr val="tx1"/>
-                </a:solidFill>
-                <a:latin typeface="Helvetica 55 Roman" panose="000B0500000000000000" pitchFamily="34" charset="0"/>
-                <a:ea typeface="+mn-ea"/>
-                <a:cs typeface="+mn-cs"/>
-              </a:defRPr>
-            </a:lvl5pPr>
-            <a:lvl6pPr marL="800100" indent="-190500" algn="l" defTabSz="914400" rtl="0" eaLnBrk="1" latinLnBrk="0" hangingPunct="1">
-              <a:spcBef>
-                <a:spcPct val="20000"/>
-              </a:spcBef>
-              <a:buFont typeface="Arial" panose="020B0604020202020204" pitchFamily="34" charset="0"/>
-              <a:buChar char="–"/>
-              <a:defRPr sz="1400" kern="1200">
-                <a:solidFill>
-                  <a:schemeClr val="tx1"/>
-                </a:solidFill>
-                <a:latin typeface="Helvetica 55 Roman" panose="020B0604020202020204" pitchFamily="34" charset="0"/>
-                <a:ea typeface="+mn-ea"/>
-                <a:cs typeface="+mn-cs"/>
-              </a:defRPr>
-            </a:lvl6pPr>
-            <a:lvl7pPr marL="2971800" indent="-228600" algn="l" defTabSz="914400" rtl="0" eaLnBrk="1" latinLnBrk="0" hangingPunct="1">
-              <a:spcBef>
-                <a:spcPct val="20000"/>
-              </a:spcBef>
-              <a:buFont typeface="Arial" panose="020B0604020202020204" pitchFamily="34" charset="0"/>
-              <a:buChar char="•"/>
-              <a:defRPr sz="2000" kern="1200">
-                <a:solidFill>
-                  <a:schemeClr val="tx1"/>
-                </a:solidFill>
-                <a:latin typeface="+mn-lt"/>
-                <a:ea typeface="+mn-ea"/>
-                <a:cs typeface="+mn-cs"/>
-              </a:defRPr>
-            </a:lvl7pPr>
-            <a:lvl8pPr marL="3429000" indent="-228600" algn="l" defTabSz="914400" rtl="0" eaLnBrk="1" latinLnBrk="0" hangingPunct="1">
-              <a:spcBef>
-                <a:spcPct val="20000"/>
-              </a:spcBef>
-              <a:buFont typeface="Arial" panose="020B0604020202020204" pitchFamily="34" charset="0"/>
-              <a:buChar char="•"/>
-              <a:defRPr sz="2000" kern="1200">
-                <a:solidFill>
-                  <a:schemeClr val="tx1"/>
-                </a:solidFill>
-                <a:latin typeface="+mn-lt"/>
-                <a:ea typeface="+mn-ea"/>
-                <a:cs typeface="+mn-cs"/>
-              </a:defRPr>
-            </a:lvl8pPr>
-            <a:lvl9pPr marL="3886200" indent="-228600" algn="l" defTabSz="914400" rtl="0" eaLnBrk="1" latinLnBrk="0" hangingPunct="1">
-              <a:spcBef>
-                <a:spcPct val="20000"/>
-              </a:spcBef>
-              <a:buFont typeface="Arial" panose="020B0604020202020204" pitchFamily="34" charset="0"/>
-              <a:buChar char="•"/>
-              <a:defRPr sz="2000" kern="1200">
-                <a:solidFill>
-                  <a:schemeClr val="tx1"/>
-                </a:solidFill>
-                <a:latin typeface="+mn-lt"/>
-                <a:ea typeface="+mn-ea"/>
-                <a:cs typeface="+mn-cs"/>
-              </a:defRPr>
-            </a:lvl9pPr>
-          </a:lstStyle>
-          <a:p>
-            <a:r>
-              <a:rPr lang="en-US" sz="2200" b="1" noProof="0" dirty="0">
-                <a:solidFill>
-                  <a:schemeClr val="tx1"/>
-                </a:solidFill>
-              </a:rPr>
-              <a:t>Lorem ipsum dolor sit </a:t>
-            </a:r>
-            <a:r>
-              <a:rPr lang="en-US" sz="2200" b="1" noProof="0" dirty="0" err="1">
-                <a:solidFill>
-                  <a:schemeClr val="tx1"/>
-                </a:solidFill>
-              </a:rPr>
-              <a:t>amet</a:t>
-            </a:r>
-            <a:r>
-              <a:rPr lang="en-US" sz="2200" b="1" noProof="0" dirty="0">
-                <a:solidFill>
-                  <a:schemeClr val="tx1"/>
-                </a:solidFill>
-              </a:rPr>
-              <a:t>, </a:t>
-            </a:r>
-            <a:r>
-              <a:rPr lang="en-US" sz="2200" b="1" noProof="0" dirty="0" err="1">
-                <a:solidFill>
-                  <a:schemeClr val="tx1"/>
-                </a:solidFill>
-              </a:rPr>
-              <a:t>consectetur</a:t>
-            </a:r>
-            <a:r>
-              <a:rPr lang="en-US" sz="2200" b="1" noProof="0" dirty="0">
-                <a:solidFill>
-                  <a:schemeClr val="tx1"/>
-                </a:solidFill>
-              </a:rPr>
-              <a:t> </a:t>
-            </a:r>
-            <a:r>
-              <a:rPr lang="en-US" sz="2200" b="1" noProof="0" dirty="0" err="1">
-                <a:solidFill>
-                  <a:schemeClr val="tx1"/>
-                </a:solidFill>
-              </a:rPr>
-              <a:t>adipiscing</a:t>
-            </a:r>
-            <a:r>
-              <a:rPr lang="en-US" sz="2200" b="1" noProof="0" dirty="0">
-                <a:solidFill>
-                  <a:schemeClr val="tx1"/>
-                </a:solidFill>
-              </a:rPr>
-              <a:t> </a:t>
-            </a:r>
-            <a:r>
-              <a:rPr lang="en-US" sz="2200" b="1" noProof="0" dirty="0" err="1">
-                <a:solidFill>
-                  <a:schemeClr val="tx1"/>
-                </a:solidFill>
-              </a:rPr>
-              <a:t>elit</a:t>
-            </a:r>
-            <a:r>
-              <a:rPr lang="en-US" sz="2200" b="1" noProof="0" dirty="0">
-                <a:solidFill>
-                  <a:schemeClr val="tx1"/>
-                </a:solidFill>
-              </a:rPr>
-              <a:t>. </a:t>
-            </a:r>
-            <a:br>
-              <a:rPr lang="en-US" sz="2200" b="1" noProof="0" dirty="0">
-                <a:solidFill>
-                  <a:schemeClr val="tx1"/>
-                </a:solidFill>
-              </a:rPr>
-            </a:br>
-            <a:r>
-              <a:rPr lang="en-US" sz="2200" b="1" noProof="0" dirty="0">
-                <a:solidFill>
-                  <a:schemeClr val="tx1"/>
-                </a:solidFill>
-              </a:rPr>
-              <a:t>Sed </a:t>
-            </a:r>
-            <a:r>
-              <a:rPr lang="en-US" sz="2200" b="1" noProof="0" dirty="0" err="1">
-                <a:solidFill>
-                  <a:schemeClr val="tx1"/>
-                </a:solidFill>
-              </a:rPr>
-              <a:t>rhoncus</a:t>
-            </a:r>
-            <a:r>
-              <a:rPr lang="en-US" sz="2200" b="1" noProof="0" dirty="0">
-                <a:solidFill>
-                  <a:schemeClr val="tx1"/>
-                </a:solidFill>
-              </a:rPr>
-              <a:t>, nisi </a:t>
-            </a:r>
-            <a:r>
-              <a:rPr lang="en-US" sz="2200" b="1" noProof="0" dirty="0" err="1">
-                <a:solidFill>
-                  <a:schemeClr val="tx1"/>
-                </a:solidFill>
-              </a:rPr>
-              <a:t>eu</a:t>
-            </a:r>
-            <a:r>
-              <a:rPr lang="en-US" sz="2200" b="1" noProof="0" dirty="0">
-                <a:solidFill>
-                  <a:schemeClr val="tx1"/>
-                </a:solidFill>
-              </a:rPr>
-              <a:t> </a:t>
-            </a:r>
-            <a:r>
-              <a:rPr lang="en-US" sz="2200" b="1" noProof="0" dirty="0" err="1">
-                <a:solidFill>
-                  <a:schemeClr val="tx1"/>
-                </a:solidFill>
-              </a:rPr>
-              <a:t>facilisis</a:t>
-            </a:r>
-            <a:r>
-              <a:rPr lang="en-US" sz="2200" b="1" noProof="0" dirty="0">
-                <a:solidFill>
-                  <a:schemeClr val="tx1"/>
-                </a:solidFill>
-              </a:rPr>
-              <a:t> </a:t>
-            </a:r>
-            <a:r>
-              <a:rPr lang="en-US" sz="2200" b="1" noProof="0" dirty="0" err="1">
-                <a:solidFill>
-                  <a:schemeClr val="tx1"/>
-                </a:solidFill>
-              </a:rPr>
-              <a:t>condimentum</a:t>
-            </a:r>
-            <a:r>
-              <a:rPr lang="en-US" sz="2200" b="1" noProof="0" dirty="0">
-                <a:solidFill>
-                  <a:schemeClr val="tx1"/>
-                </a:solidFill>
-              </a:rPr>
-              <a:t>, ligula </a:t>
-            </a:r>
-            <a:r>
-              <a:rPr lang="en-US" sz="2200" b="1" noProof="0" dirty="0" err="1">
-                <a:solidFill>
-                  <a:schemeClr val="tx1"/>
-                </a:solidFill>
-              </a:rPr>
-              <a:t>augue</a:t>
-            </a:r>
-            <a:r>
-              <a:rPr lang="en-US" sz="2200" b="1" noProof="0" dirty="0">
-                <a:solidFill>
-                  <a:schemeClr val="tx1"/>
-                </a:solidFill>
-              </a:rPr>
-              <a:t> </a:t>
-            </a:r>
-            <a:br>
-              <a:rPr lang="en-US" sz="2200" b="1" noProof="0" dirty="0">
-                <a:solidFill>
-                  <a:schemeClr val="tx1"/>
-                </a:solidFill>
-              </a:rPr>
-            </a:br>
-            <a:r>
-              <a:rPr lang="en-US" sz="2200" b="1" noProof="0" dirty="0" err="1">
-                <a:solidFill>
-                  <a:schemeClr val="tx1"/>
-                </a:solidFill>
-              </a:rPr>
-              <a:t>porttitor</a:t>
-            </a:r>
-            <a:r>
-              <a:rPr lang="en-US" sz="2200" b="1" noProof="0" dirty="0">
-                <a:solidFill>
-                  <a:schemeClr val="tx1"/>
-                </a:solidFill>
-              </a:rPr>
-              <a:t> </a:t>
-            </a:r>
-            <a:r>
-              <a:rPr lang="en-US" sz="2200" b="1" noProof="0" dirty="0" err="1">
-                <a:solidFill>
-                  <a:schemeClr val="tx1"/>
-                </a:solidFill>
-              </a:rPr>
-              <a:t>lacus</a:t>
-            </a:r>
-            <a:r>
-              <a:rPr lang="en-US" sz="2200" b="1" noProof="0" dirty="0">
-                <a:solidFill>
-                  <a:schemeClr val="tx1"/>
-                </a:solidFill>
-              </a:rPr>
-              <a:t>.</a:t>
-            </a:r>
-          </a:p>
-        </p:txBody>
-      </p:sp>
-      <p:sp>
-        <p:nvSpPr>
-          <p:cNvPr id="18" name="Espace réservé du contenu 2"/>
-          <p:cNvSpPr txBox="1">
-            <a:spLocks/>
-          </p:cNvSpPr>
-          <p:nvPr/>
-        </p:nvSpPr>
-        <p:spPr>
-          <a:xfrm>
-            <a:off x="467544" y="3363838"/>
-            <a:ext cx="4608512" cy="1008112"/>
-          </a:xfrm>
-          <a:prstGeom prst="rect">
-            <a:avLst/>
-          </a:prstGeom>
-        </p:spPr>
-        <p:txBody>
-          <a:bodyPr vert="horz" lIns="0" tIns="0" rIns="0" bIns="0" rtlCol="0">
-            <a:noAutofit/>
-          </a:bodyPr>
-          <a:lstStyle>
-            <a:lvl1pPr marL="0" indent="0" algn="l" defTabSz="914400" rtl="0" eaLnBrk="1" latinLnBrk="0" hangingPunct="1">
-              <a:lnSpc>
-                <a:spcPct val="90000"/>
-              </a:lnSpc>
-              <a:spcBef>
-                <a:spcPts val="600"/>
-              </a:spcBef>
-              <a:buClr>
-                <a:schemeClr val="bg1"/>
-              </a:buClr>
-              <a:buSzPct val="25000"/>
-              <a:buFont typeface="Calibri" panose="020F0502020204030204" pitchFamily="34" charset="0"/>
-              <a:buNone/>
-              <a:tabLst/>
-              <a:defRPr sz="1400" kern="1200" spc="-20" baseline="0">
-                <a:solidFill>
-                  <a:schemeClr val="bg2"/>
-                </a:solidFill>
-                <a:latin typeface="Helvetica 75 Bold" panose="020B0804020202020204" pitchFamily="34" charset="0"/>
-                <a:ea typeface="+mn-ea"/>
-                <a:cs typeface="+mn-cs"/>
-              </a:defRPr>
-            </a:lvl1pPr>
-            <a:lvl2pPr marL="0" indent="0" algn="l" defTabSz="914400" rtl="0" eaLnBrk="1" latinLnBrk="0" hangingPunct="1">
-              <a:lnSpc>
-                <a:spcPct val="90000"/>
-              </a:lnSpc>
-              <a:spcBef>
-                <a:spcPts val="600"/>
-              </a:spcBef>
-              <a:buClr>
-                <a:schemeClr val="bg1"/>
-              </a:buClr>
-              <a:buSzPct val="25000"/>
-              <a:buFont typeface="Calibri" panose="020F0502020204030204" pitchFamily="34" charset="0"/>
-              <a:buNone/>
-              <a:defRPr sz="1400" kern="1200" spc="-20" baseline="0">
-                <a:solidFill>
-                  <a:schemeClr val="tx1"/>
-                </a:solidFill>
-                <a:latin typeface="Helvetica 75 Bold" panose="020B0804020202020204" pitchFamily="34" charset="0"/>
-                <a:ea typeface="+mn-ea"/>
-                <a:cs typeface="+mn-cs"/>
-              </a:defRPr>
-            </a:lvl2pPr>
-            <a:lvl3pPr marL="180975" indent="-180975" algn="l" defTabSz="914400" rtl="0" eaLnBrk="1" latinLnBrk="0" hangingPunct="1">
-              <a:lnSpc>
-                <a:spcPct val="90000"/>
-              </a:lnSpc>
-              <a:spcBef>
-                <a:spcPts val="600"/>
-              </a:spcBef>
-              <a:buClr>
-                <a:schemeClr val="bg2"/>
-              </a:buClr>
-              <a:buFont typeface="Wingdings" panose="05000000000000000000" pitchFamily="2" charset="2"/>
-              <a:buChar char="§"/>
-              <a:defRPr sz="1400" kern="1200" spc="-20" baseline="0">
-                <a:solidFill>
-                  <a:schemeClr val="tx1"/>
-                </a:solidFill>
-                <a:latin typeface="Helvetica 75 Bold" panose="020B0804020202020204" pitchFamily="34" charset="0"/>
-                <a:ea typeface="+mn-ea"/>
-                <a:cs typeface="+mn-cs"/>
-              </a:defRPr>
-            </a:lvl3pPr>
-            <a:lvl4pPr marL="407988" indent="-190500" algn="l" defTabSz="914400" rtl="0" eaLnBrk="1" latinLnBrk="0" hangingPunct="1">
-              <a:lnSpc>
-                <a:spcPct val="90000"/>
-              </a:lnSpc>
-              <a:spcBef>
-                <a:spcPct val="20000"/>
-              </a:spcBef>
-              <a:buFont typeface="Arial" panose="020B0604020202020204" pitchFamily="34" charset="0"/>
-              <a:buChar char="–"/>
-              <a:defRPr sz="1400" kern="1200" spc="-20" baseline="0">
-                <a:solidFill>
-                  <a:schemeClr val="tx1"/>
-                </a:solidFill>
-                <a:latin typeface="Helvetica 55 Roman" panose="000B0500000000000000" pitchFamily="34" charset="0"/>
-                <a:ea typeface="+mn-ea"/>
-                <a:cs typeface="+mn-cs"/>
-              </a:defRPr>
-            </a:lvl4pPr>
-            <a:lvl5pPr marL="595313" indent="-173038" algn="l" defTabSz="914400" rtl="0" eaLnBrk="1" latinLnBrk="0" hangingPunct="1">
-              <a:lnSpc>
-                <a:spcPct val="90000"/>
-              </a:lnSpc>
-              <a:spcBef>
-                <a:spcPct val="20000"/>
-              </a:spcBef>
-              <a:buClr>
-                <a:schemeClr val="tx1"/>
-              </a:buClr>
-              <a:buFont typeface="Arial" panose="020B0604020202020204" pitchFamily="34" charset="0"/>
-              <a:buChar char="–"/>
-              <a:defRPr sz="1400" kern="1200" spc="-20" baseline="0">
-                <a:solidFill>
-                  <a:schemeClr val="tx1"/>
-                </a:solidFill>
-                <a:latin typeface="Helvetica 55 Roman" panose="000B0500000000000000" pitchFamily="34" charset="0"/>
-                <a:ea typeface="+mn-ea"/>
-                <a:cs typeface="+mn-cs"/>
-              </a:defRPr>
-            </a:lvl5pPr>
-            <a:lvl6pPr marL="800100" indent="-190500" algn="l" defTabSz="914400" rtl="0" eaLnBrk="1" latinLnBrk="0" hangingPunct="1">
-              <a:spcBef>
-                <a:spcPct val="20000"/>
-              </a:spcBef>
-              <a:buFont typeface="Arial" panose="020B0604020202020204" pitchFamily="34" charset="0"/>
-              <a:buChar char="–"/>
-              <a:defRPr sz="1400" kern="1200">
-                <a:solidFill>
-                  <a:schemeClr val="tx1"/>
-                </a:solidFill>
-                <a:latin typeface="Helvetica 55 Roman" panose="020B0604020202020204" pitchFamily="34" charset="0"/>
-                <a:ea typeface="+mn-ea"/>
-                <a:cs typeface="+mn-cs"/>
-              </a:defRPr>
-            </a:lvl6pPr>
-            <a:lvl7pPr marL="2971800" indent="-228600" algn="l" defTabSz="914400" rtl="0" eaLnBrk="1" latinLnBrk="0" hangingPunct="1">
-              <a:spcBef>
-                <a:spcPct val="20000"/>
-              </a:spcBef>
-              <a:buFont typeface="Arial" panose="020B0604020202020204" pitchFamily="34" charset="0"/>
-              <a:buChar char="•"/>
-              <a:defRPr sz="2000" kern="1200">
-                <a:solidFill>
-                  <a:schemeClr val="tx1"/>
-                </a:solidFill>
-                <a:latin typeface="+mn-lt"/>
-                <a:ea typeface="+mn-ea"/>
-                <a:cs typeface="+mn-cs"/>
-              </a:defRPr>
-            </a:lvl7pPr>
-            <a:lvl8pPr marL="3429000" indent="-228600" algn="l" defTabSz="914400" rtl="0" eaLnBrk="1" latinLnBrk="0" hangingPunct="1">
-              <a:spcBef>
-                <a:spcPct val="20000"/>
-              </a:spcBef>
-              <a:buFont typeface="Arial" panose="020B0604020202020204" pitchFamily="34" charset="0"/>
-              <a:buChar char="•"/>
-              <a:defRPr sz="2000" kern="1200">
-                <a:solidFill>
-                  <a:schemeClr val="tx1"/>
-                </a:solidFill>
-                <a:latin typeface="+mn-lt"/>
-                <a:ea typeface="+mn-ea"/>
-                <a:cs typeface="+mn-cs"/>
-              </a:defRPr>
-            </a:lvl8pPr>
-            <a:lvl9pPr marL="3886200" indent="-228600" algn="l" defTabSz="914400" rtl="0" eaLnBrk="1" latinLnBrk="0" hangingPunct="1">
-              <a:spcBef>
-                <a:spcPct val="20000"/>
-              </a:spcBef>
-              <a:buFont typeface="Arial" panose="020B0604020202020204" pitchFamily="34" charset="0"/>
-              <a:buChar char="•"/>
-              <a:defRPr sz="2000" kern="1200">
-                <a:solidFill>
-                  <a:schemeClr val="tx1"/>
-                </a:solidFill>
-                <a:latin typeface="+mn-lt"/>
-                <a:ea typeface="+mn-ea"/>
-                <a:cs typeface="+mn-cs"/>
-              </a:defRPr>
-            </a:lvl9pPr>
-          </a:lstStyle>
-          <a:p>
-            <a:r>
-              <a:rPr lang="en-US" sz="1200" noProof="0" dirty="0">
-                <a:solidFill>
-                  <a:schemeClr val="tx1"/>
-                </a:solidFill>
-                <a:latin typeface="Helvetica 55 Roman" panose="020B0604020202020204" pitchFamily="34" charset="0"/>
-              </a:rPr>
-              <a:t>Lorem ipsum dolor sit </a:t>
-            </a:r>
-            <a:r>
-              <a:rPr lang="en-US" sz="1200" noProof="0" dirty="0" err="1">
-                <a:solidFill>
-                  <a:schemeClr val="tx1"/>
-                </a:solidFill>
-                <a:latin typeface="Helvetica 55 Roman" panose="020B0604020202020204" pitchFamily="34" charset="0"/>
-              </a:rPr>
-              <a:t>amet</a:t>
-            </a:r>
-            <a:r>
-              <a:rPr lang="en-US" sz="1200" noProof="0" dirty="0">
-                <a:solidFill>
-                  <a:schemeClr val="tx1"/>
-                </a:solidFill>
-                <a:latin typeface="Helvetica 55 Roman" panose="020B0604020202020204" pitchFamily="34" charset="0"/>
-              </a:rPr>
-              <a:t>, </a:t>
-            </a:r>
-            <a:r>
-              <a:rPr lang="en-US" sz="1200" noProof="0" dirty="0" err="1">
-                <a:solidFill>
-                  <a:schemeClr val="tx1"/>
-                </a:solidFill>
-                <a:latin typeface="Helvetica 55 Roman" panose="020B0604020202020204" pitchFamily="34" charset="0"/>
-              </a:rPr>
-              <a:t>consectetur</a:t>
-            </a:r>
-            <a:r>
-              <a:rPr lang="en-US" sz="1200" noProof="0" dirty="0">
-                <a:solidFill>
-                  <a:schemeClr val="tx1"/>
-                </a:solidFill>
-                <a:latin typeface="Helvetica 55 Roman" panose="020B0604020202020204" pitchFamily="34" charset="0"/>
-              </a:rPr>
-              <a:t> </a:t>
-            </a:r>
-            <a:r>
-              <a:rPr lang="en-US" sz="1200" noProof="0" dirty="0" err="1">
-                <a:solidFill>
-                  <a:schemeClr val="tx1"/>
-                </a:solidFill>
-                <a:latin typeface="Helvetica 55 Roman" panose="020B0604020202020204" pitchFamily="34" charset="0"/>
-              </a:rPr>
-              <a:t>adipiscing</a:t>
-            </a:r>
-            <a:r>
-              <a:rPr lang="en-US" sz="1200" noProof="0" dirty="0">
-                <a:solidFill>
-                  <a:schemeClr val="tx1"/>
-                </a:solidFill>
-                <a:latin typeface="Helvetica 55 Roman" panose="020B0604020202020204" pitchFamily="34" charset="0"/>
-              </a:rPr>
-              <a:t> </a:t>
-            </a:r>
-            <a:r>
-              <a:rPr lang="en-US" sz="1200" noProof="0" dirty="0" err="1">
-                <a:solidFill>
-                  <a:schemeClr val="tx1"/>
-                </a:solidFill>
-                <a:latin typeface="Helvetica 55 Roman" panose="020B0604020202020204" pitchFamily="34" charset="0"/>
-              </a:rPr>
-              <a:t>elit</a:t>
-            </a:r>
-            <a:r>
-              <a:rPr lang="en-US" sz="1200" noProof="0" dirty="0">
-                <a:solidFill>
-                  <a:schemeClr val="tx1"/>
-                </a:solidFill>
-                <a:latin typeface="Helvetica 55 Roman" panose="020B0604020202020204" pitchFamily="34" charset="0"/>
-              </a:rPr>
-              <a:t>. </a:t>
-            </a:r>
-            <a:br>
-              <a:rPr lang="en-US" sz="1200" noProof="0" dirty="0">
-                <a:solidFill>
-                  <a:schemeClr val="tx1"/>
-                </a:solidFill>
-                <a:latin typeface="Helvetica 55 Roman" panose="020B0604020202020204" pitchFamily="34" charset="0"/>
-              </a:rPr>
-            </a:br>
-            <a:r>
-              <a:rPr lang="en-US" sz="1200" noProof="0" dirty="0">
-                <a:solidFill>
-                  <a:schemeClr val="tx1"/>
-                </a:solidFill>
-                <a:latin typeface="Helvetica 55 Roman" panose="020B0604020202020204" pitchFamily="34" charset="0"/>
-              </a:rPr>
-              <a:t>Sed </a:t>
-            </a:r>
-            <a:r>
-              <a:rPr lang="en-US" sz="1200" noProof="0" dirty="0" err="1">
-                <a:solidFill>
-                  <a:schemeClr val="tx1"/>
-                </a:solidFill>
-                <a:latin typeface="Helvetica 55 Roman" panose="020B0604020202020204" pitchFamily="34" charset="0"/>
-              </a:rPr>
-              <a:t>rhoncus</a:t>
-            </a:r>
-            <a:r>
-              <a:rPr lang="en-US" sz="1200" noProof="0" dirty="0">
-                <a:solidFill>
-                  <a:schemeClr val="tx1"/>
-                </a:solidFill>
-                <a:latin typeface="Helvetica 55 Roman" panose="020B0604020202020204" pitchFamily="34" charset="0"/>
-              </a:rPr>
-              <a:t>, nisi </a:t>
-            </a:r>
-            <a:r>
-              <a:rPr lang="en-US" sz="1200" noProof="0" dirty="0" err="1">
-                <a:solidFill>
-                  <a:schemeClr val="tx1"/>
-                </a:solidFill>
-                <a:latin typeface="Helvetica 55 Roman" panose="020B0604020202020204" pitchFamily="34" charset="0"/>
-              </a:rPr>
-              <a:t>eu</a:t>
-            </a:r>
-            <a:r>
-              <a:rPr lang="en-US" sz="1200" noProof="0" dirty="0">
-                <a:solidFill>
-                  <a:schemeClr val="tx1"/>
-                </a:solidFill>
-                <a:latin typeface="Helvetica 55 Roman" panose="020B0604020202020204" pitchFamily="34" charset="0"/>
-              </a:rPr>
-              <a:t> </a:t>
-            </a:r>
-            <a:r>
-              <a:rPr lang="en-US" sz="1200" noProof="0" dirty="0" err="1">
-                <a:solidFill>
-                  <a:schemeClr val="tx1"/>
-                </a:solidFill>
-                <a:latin typeface="Helvetica 55 Roman" panose="020B0604020202020204" pitchFamily="34" charset="0"/>
-              </a:rPr>
-              <a:t>facilisis</a:t>
-            </a:r>
-            <a:r>
-              <a:rPr lang="en-US" sz="1200" noProof="0" dirty="0">
-                <a:solidFill>
-                  <a:schemeClr val="tx1"/>
-                </a:solidFill>
-                <a:latin typeface="Helvetica 55 Roman" panose="020B0604020202020204" pitchFamily="34" charset="0"/>
-              </a:rPr>
-              <a:t> </a:t>
-            </a:r>
-            <a:r>
-              <a:rPr lang="en-US" sz="1200" noProof="0" dirty="0" err="1">
-                <a:solidFill>
-                  <a:schemeClr val="tx1"/>
-                </a:solidFill>
-                <a:latin typeface="Helvetica 55 Roman" panose="020B0604020202020204" pitchFamily="34" charset="0"/>
-              </a:rPr>
-              <a:t>condimentum</a:t>
-            </a:r>
-            <a:r>
-              <a:rPr lang="en-US" sz="1200" noProof="0" dirty="0">
-                <a:solidFill>
-                  <a:schemeClr val="tx1"/>
-                </a:solidFill>
-                <a:latin typeface="Helvetica 55 Roman" panose="020B0604020202020204" pitchFamily="34" charset="0"/>
-              </a:rPr>
-              <a:t>, ligula </a:t>
-            </a:r>
-            <a:r>
-              <a:rPr lang="en-US" sz="1200" noProof="0" dirty="0" err="1">
-                <a:solidFill>
-                  <a:schemeClr val="tx1"/>
-                </a:solidFill>
-                <a:latin typeface="Helvetica 55 Roman" panose="020B0604020202020204" pitchFamily="34" charset="0"/>
-              </a:rPr>
-              <a:t>augue</a:t>
-            </a:r>
-            <a:r>
-              <a:rPr lang="en-US" sz="1200" noProof="0" dirty="0">
-                <a:solidFill>
-                  <a:schemeClr val="tx1"/>
-                </a:solidFill>
-                <a:latin typeface="Helvetica 55 Roman" panose="020B0604020202020204" pitchFamily="34" charset="0"/>
-              </a:rPr>
-              <a:t> </a:t>
-            </a:r>
-            <a:br>
-              <a:rPr lang="en-US" sz="1200" noProof="0" dirty="0">
-                <a:solidFill>
-                  <a:schemeClr val="tx1"/>
-                </a:solidFill>
-                <a:latin typeface="Helvetica 55 Roman" panose="020B0604020202020204" pitchFamily="34" charset="0"/>
-              </a:rPr>
-            </a:br>
-            <a:r>
-              <a:rPr lang="en-US" sz="1200" noProof="0" dirty="0" err="1">
-                <a:solidFill>
-                  <a:schemeClr val="tx1"/>
-                </a:solidFill>
-                <a:latin typeface="Helvetica 55 Roman" panose="020B0604020202020204" pitchFamily="34" charset="0"/>
-              </a:rPr>
-              <a:t>porttitor</a:t>
-            </a:r>
-            <a:r>
-              <a:rPr lang="en-US" sz="1200" noProof="0" dirty="0">
-                <a:solidFill>
-                  <a:schemeClr val="tx1"/>
-                </a:solidFill>
-                <a:latin typeface="Helvetica 55 Roman" panose="020B0604020202020204" pitchFamily="34" charset="0"/>
-              </a:rPr>
-              <a:t> </a:t>
-            </a:r>
-            <a:r>
-              <a:rPr lang="en-US" sz="1200" noProof="0" dirty="0" err="1">
-                <a:solidFill>
-                  <a:schemeClr val="tx1"/>
-                </a:solidFill>
-                <a:latin typeface="Helvetica 55 Roman" panose="020B0604020202020204" pitchFamily="34" charset="0"/>
-              </a:rPr>
-              <a:t>lacus</a:t>
-            </a:r>
-            <a:r>
-              <a:rPr lang="en-US" sz="1200" noProof="0" dirty="0">
-                <a:solidFill>
-                  <a:schemeClr val="tx1"/>
-                </a:solidFill>
-                <a:latin typeface="Helvetica 55 Roman" panose="020B0604020202020204" pitchFamily="34" charset="0"/>
-              </a:rPr>
-              <a:t>.</a:t>
-            </a:r>
-          </a:p>
-          <a:p>
-            <a:r>
-              <a:rPr lang="en-US" sz="1200" noProof="0" dirty="0" err="1">
-                <a:solidFill>
-                  <a:schemeClr val="tx1"/>
-                </a:solidFill>
-                <a:latin typeface="Helvetica 55 Roman" panose="020B0604020202020204" pitchFamily="34" charset="0"/>
-              </a:rPr>
-              <a:t>Nulla</a:t>
-            </a:r>
-            <a:r>
-              <a:rPr lang="en-US" sz="1200" noProof="0" dirty="0">
-                <a:solidFill>
-                  <a:schemeClr val="tx1"/>
-                </a:solidFill>
-                <a:latin typeface="Helvetica 55 Roman" panose="020B0604020202020204" pitchFamily="34" charset="0"/>
-              </a:rPr>
-              <a:t> sit </a:t>
-            </a:r>
-            <a:r>
-              <a:rPr lang="en-US" sz="1200" noProof="0" dirty="0" err="1">
-                <a:solidFill>
-                  <a:schemeClr val="tx1"/>
-                </a:solidFill>
-                <a:latin typeface="Helvetica 55 Roman" panose="020B0604020202020204" pitchFamily="34" charset="0"/>
-              </a:rPr>
-              <a:t>amet</a:t>
-            </a:r>
-            <a:r>
-              <a:rPr lang="en-US" sz="1200" noProof="0" dirty="0">
-                <a:solidFill>
-                  <a:schemeClr val="tx1"/>
-                </a:solidFill>
-                <a:latin typeface="Helvetica 55 Roman" panose="020B0604020202020204" pitchFamily="34" charset="0"/>
-              </a:rPr>
-              <a:t> </a:t>
-            </a:r>
-            <a:r>
-              <a:rPr lang="en-US" sz="1200" noProof="0" dirty="0" err="1">
-                <a:solidFill>
-                  <a:schemeClr val="tx1"/>
-                </a:solidFill>
-                <a:latin typeface="Helvetica 55 Roman" panose="020B0604020202020204" pitchFamily="34" charset="0"/>
-              </a:rPr>
-              <a:t>quam</a:t>
-            </a:r>
-            <a:r>
-              <a:rPr lang="en-US" sz="1200" noProof="0" dirty="0">
-                <a:solidFill>
-                  <a:schemeClr val="tx1"/>
-                </a:solidFill>
-                <a:latin typeface="Helvetica 55 Roman" panose="020B0604020202020204" pitchFamily="34" charset="0"/>
-              </a:rPr>
-              <a:t> </a:t>
-            </a:r>
-            <a:r>
-              <a:rPr lang="en-US" sz="1200" noProof="0" dirty="0" err="1">
-                <a:solidFill>
-                  <a:schemeClr val="tx1"/>
-                </a:solidFill>
-                <a:latin typeface="Helvetica 55 Roman" panose="020B0604020202020204" pitchFamily="34" charset="0"/>
-              </a:rPr>
-              <a:t>justo</a:t>
-            </a:r>
-            <a:r>
-              <a:rPr lang="en-US" sz="1200" noProof="0" dirty="0">
-                <a:solidFill>
-                  <a:schemeClr val="tx1"/>
-                </a:solidFill>
-                <a:latin typeface="Helvetica 55 Roman" panose="020B0604020202020204" pitchFamily="34" charset="0"/>
-              </a:rPr>
-              <a:t> </a:t>
-            </a:r>
-            <a:r>
-              <a:rPr lang="en-US" sz="1200" noProof="0" dirty="0" err="1">
-                <a:solidFill>
-                  <a:schemeClr val="tx1"/>
-                </a:solidFill>
-                <a:latin typeface="Helvetica 55 Roman" panose="020B0604020202020204" pitchFamily="34" charset="0"/>
-              </a:rPr>
-              <a:t>eu</a:t>
-            </a:r>
-            <a:r>
-              <a:rPr lang="en-US" sz="1200" noProof="0" dirty="0">
-                <a:solidFill>
-                  <a:schemeClr val="tx1"/>
-                </a:solidFill>
-                <a:latin typeface="Helvetica 55 Roman" panose="020B0604020202020204" pitchFamily="34" charset="0"/>
-              </a:rPr>
-              <a:t> </a:t>
-            </a:r>
-            <a:br>
-              <a:rPr lang="en-US" sz="1200" noProof="0" dirty="0">
-                <a:solidFill>
-                  <a:schemeClr val="tx1"/>
-                </a:solidFill>
-                <a:latin typeface="Helvetica 55 Roman" panose="020B0604020202020204" pitchFamily="34" charset="0"/>
-              </a:rPr>
-            </a:br>
-            <a:r>
-              <a:rPr lang="en-US" sz="1200" noProof="0" dirty="0" err="1">
-                <a:solidFill>
-                  <a:schemeClr val="tx1"/>
-                </a:solidFill>
-                <a:latin typeface="Helvetica 55 Roman" panose="020B0604020202020204" pitchFamily="34" charset="0"/>
-              </a:rPr>
-              <a:t>iaculis</a:t>
-            </a:r>
-            <a:r>
-              <a:rPr lang="en-US" sz="1200" noProof="0" dirty="0">
-                <a:solidFill>
-                  <a:schemeClr val="tx1"/>
-                </a:solidFill>
-                <a:latin typeface="Helvetica 55 Roman" panose="020B0604020202020204" pitchFamily="34" charset="0"/>
-              </a:rPr>
-              <a:t> </a:t>
-            </a:r>
-            <a:r>
-              <a:rPr lang="en-US" sz="1200" noProof="0" dirty="0" err="1">
-                <a:solidFill>
-                  <a:schemeClr val="tx1"/>
-                </a:solidFill>
-                <a:latin typeface="Helvetica 55 Roman" panose="020B0604020202020204" pitchFamily="34" charset="0"/>
-              </a:rPr>
-              <a:t>tortor</a:t>
-            </a:r>
-            <a:r>
-              <a:rPr lang="en-US" sz="1200" noProof="0" dirty="0">
-                <a:solidFill>
-                  <a:schemeClr val="tx1"/>
-                </a:solidFill>
-                <a:latin typeface="Helvetica 55 Roman" panose="020B0604020202020204" pitchFamily="34" charset="0"/>
-              </a:rPr>
-              <a:t> nisi a </a:t>
-            </a:r>
-            <a:r>
-              <a:rPr lang="en-US" sz="1200" noProof="0" dirty="0" err="1">
-                <a:solidFill>
-                  <a:schemeClr val="tx1"/>
-                </a:solidFill>
-                <a:latin typeface="Helvetica 55 Roman" panose="020B0604020202020204" pitchFamily="34" charset="0"/>
-              </a:rPr>
-              <a:t>augue</a:t>
-            </a:r>
-            <a:r>
-              <a:rPr lang="en-US" sz="1200" noProof="0" dirty="0">
-                <a:solidFill>
-                  <a:schemeClr val="tx1"/>
-                </a:solidFill>
-                <a:latin typeface="Helvetica 55 Roman" panose="020B0604020202020204" pitchFamily="34" charset="0"/>
-              </a:rPr>
-              <a:t>.</a:t>
-            </a:r>
-          </a:p>
-        </p:txBody>
-      </p:sp>
-      <p:grpSp>
-        <p:nvGrpSpPr>
-          <p:cNvPr id="20" name="Groupe 19"/>
-          <p:cNvGrpSpPr/>
-          <p:nvPr/>
-        </p:nvGrpSpPr>
-        <p:grpSpPr>
-          <a:xfrm>
-            <a:off x="5869842" y="1419622"/>
-            <a:ext cx="2671177" cy="2952328"/>
-            <a:chOff x="6386272" y="1150492"/>
-            <a:chExt cx="2767338" cy="3217473"/>
-          </a:xfrm>
-          <a:solidFill>
-            <a:schemeClr val="tx1"/>
-          </a:solidFill>
-        </p:grpSpPr>
-        <p:sp>
-          <p:nvSpPr>
-            <p:cNvPr id="22" name="Rectangle 21"/>
-            <p:cNvSpPr/>
-            <p:nvPr/>
-          </p:nvSpPr>
-          <p:spPr>
-            <a:xfrm>
-              <a:off x="6386272" y="1150492"/>
-              <a:ext cx="2767338" cy="3217473"/>
-            </a:xfrm>
-            <a:prstGeom prst="rect">
-              <a:avLst/>
-            </a:prstGeom>
-            <a:grpFill/>
-            <a:ln>
-              <a:noFill/>
-            </a:ln>
-          </p:spPr>
-          <p:style>
-            <a:lnRef idx="2">
-              <a:schemeClr val="accent1">
-                <a:shade val="50000"/>
-              </a:schemeClr>
-            </a:lnRef>
-            <a:fillRef idx="1">
-              <a:schemeClr val="accent1"/>
-            </a:fillRef>
-            <a:effectRef idx="0">
-              <a:schemeClr val="accent1"/>
-            </a:effectRef>
-            <a:fontRef idx="minor">
-              <a:schemeClr val="lt1"/>
-            </a:fontRef>
-          </p:style>
-          <p:txBody>
-            <a:bodyPr rtlCol="0" anchor="ctr"/>
-            <a:lstStyle/>
-            <a:p>
-              <a:pPr algn="ctr"/>
-              <a:endParaRPr lang="en-US" noProof="0" dirty="0"/>
-            </a:p>
-          </p:txBody>
-        </p:sp>
-        <p:sp>
-          <p:nvSpPr>
-            <p:cNvPr id="23" name="ZoneTexte 22"/>
-            <p:cNvSpPr txBox="1"/>
-            <p:nvPr/>
-          </p:nvSpPr>
-          <p:spPr>
-            <a:xfrm>
-              <a:off x="6386272" y="2507665"/>
-              <a:ext cx="2758449" cy="503127"/>
-            </a:xfrm>
-            <a:prstGeom prst="rect">
-              <a:avLst/>
-            </a:prstGeom>
-            <a:grpFill/>
-          </p:spPr>
-          <p:txBody>
-            <a:bodyPr wrap="square" rtlCol="0">
-              <a:spAutoFit/>
-            </a:bodyPr>
-            <a:lstStyle/>
-            <a:p>
-              <a:pPr algn="ctr"/>
-              <a:r>
-                <a:rPr lang="en-US" sz="2400" noProof="0" dirty="0">
-                  <a:solidFill>
-                    <a:schemeClr val="bg2"/>
-                  </a:solidFill>
-                  <a:latin typeface="Helvetica 75 Bold" panose="020B0804020202020204" pitchFamily="34" charset="0"/>
-                </a:rPr>
-                <a:t>Image</a:t>
-              </a:r>
-              <a:endParaRPr lang="en-US" sz="1600" noProof="0" dirty="0"/>
-            </a:p>
-          </p:txBody>
-        </p:sp>
-      </p:grpSp>
-      <p:sp>
-        <p:nvSpPr>
-          <p:cNvPr id="9" name="Rectangle 8"/>
+          <p:cNvPr id="8" name="Rectangle 7">
+            <a:extLst>
+              <a:ext uri="{FF2B5EF4-FFF2-40B4-BE49-F238E27FC236}">
+                <a16:creationId xmlns:a16="http://schemas.microsoft.com/office/drawing/2014/main" id="{01BFB8E7-AF36-38A8-268B-FB0DCB7F6A0B}"/>
+              </a:ext>
+            </a:extLst>
+          </p:cNvPr>
           <p:cNvSpPr/>
           <p:nvPr/>
         </p:nvSpPr>
@@ -13387,10 +15916,38 @@
           </a:p>
         </p:txBody>
       </p:sp>
+      <p:graphicFrame>
+        <p:nvGraphicFramePr>
+          <p:cNvPr id="12" name="Diagram 11">
+            <a:extLst>
+              <a:ext uri="{FF2B5EF4-FFF2-40B4-BE49-F238E27FC236}">
+                <a16:creationId xmlns:a16="http://schemas.microsoft.com/office/drawing/2014/main" id="{EE1F472D-F2D0-DDED-720A-8A6ADA254A1D}"/>
+              </a:ext>
+            </a:extLst>
+          </p:cNvPr>
+          <p:cNvGraphicFramePr/>
+          <p:nvPr>
+            <p:extLst>
+              <p:ext uri="{D42A27DB-BD31-4B8C-83A1-F6EECF244321}">
+                <p14:modId xmlns:p14="http://schemas.microsoft.com/office/powerpoint/2010/main" val="3933196721"/>
+              </p:ext>
+            </p:extLst>
+          </p:nvPr>
+        </p:nvGraphicFramePr>
+        <p:xfrm>
+          <a:off x="5265905" y="1011238"/>
+          <a:ext cx="3563769" cy="3592511"/>
+        </p:xfrm>
+        <a:graphic>
+          <a:graphicData uri="http://schemas.openxmlformats.org/drawingml/2006/diagram">
+            <dgm:relIds xmlns:dgm="http://schemas.openxmlformats.org/drawingml/2006/diagram" xmlns:r="http://schemas.openxmlformats.org/officeDocument/2006/relationships" r:dm="rId2" r:lo="rId3" r:qs="rId4" r:cs="rId5"/>
+          </a:graphicData>
+        </a:graphic>
+      </p:graphicFrame>
     </p:spTree>
     <p:extLst>
       <p:ext uri="{BB962C8B-B14F-4D97-AF65-F5344CB8AC3E}">
-        <p14:creationId xmlns:p14="http://schemas.microsoft.com/office/powerpoint/2010/main" val="2042496074"/>
+        <p14:creationId xmlns:p14="http://schemas.microsoft.com/office/powerpoint/2010/main" val="3081209618"/>
       </p:ext>
     </p:extLst>
   </p:cSld>
@@ -13413,6 +15970,245 @@
 </file>
 
 <file path=ppt/slides/slide5.xml><?xml version="1.0" encoding="utf-8"?>
+<p:sld xmlns:a="http://schemas.openxmlformats.org/drawingml/2006/main" xmlns:r="http://schemas.openxmlformats.org/officeDocument/2006/relationships" xmlns:p="http://schemas.openxmlformats.org/presentationml/2006/main">
+  <p:cSld>
+    <p:spTree>
+      <p:nvGrpSpPr>
+        <p:cNvPr id="1" name="">
+          <a:extLst>
+            <a:ext uri="{FF2B5EF4-FFF2-40B4-BE49-F238E27FC236}">
+              <a16:creationId xmlns:a16="http://schemas.microsoft.com/office/drawing/2014/main" id="{74FFC732-EA2A-16F5-DB28-99C5C387232B}"/>
+            </a:ext>
+          </a:extLst>
+        </p:cNvPr>
+        <p:cNvGrpSpPr/>
+        <p:nvPr/>
+      </p:nvGrpSpPr>
+      <p:grpSpPr>
+        <a:xfrm>
+          <a:off x="0" y="0"/>
+          <a:ext cx="0" cy="0"/>
+          <a:chOff x="0" y="0"/>
+          <a:chExt cx="0" cy="0"/>
+        </a:xfrm>
+      </p:grpSpPr>
+      <p:sp>
+        <p:nvSpPr>
+          <p:cNvPr id="2" name="Content Placeholder 1">
+            <a:extLst>
+              <a:ext uri="{FF2B5EF4-FFF2-40B4-BE49-F238E27FC236}">
+                <a16:creationId xmlns:a16="http://schemas.microsoft.com/office/drawing/2014/main" id="{EB0B0DE7-C2EB-16AC-F8E3-6DD5CA18861C}"/>
+              </a:ext>
+            </a:extLst>
+          </p:cNvPr>
+          <p:cNvSpPr>
+            <a:spLocks noGrp="1"/>
+          </p:cNvSpPr>
+          <p:nvPr>
+            <p:ph idx="1"/>
+          </p:nvPr>
+        </p:nvSpPr>
+        <p:spPr>
+          <a:xfrm>
+            <a:off x="314325" y="1184275"/>
+            <a:ext cx="8515350" cy="2656205"/>
+          </a:xfrm>
+        </p:spPr>
+        <p:txBody>
+          <a:bodyPr/>
+          <a:lstStyle/>
+          <a:p>
+            <a:pPr lvl="2">
+              <a:buClr>
+                <a:srgbClr val="FF7900"/>
+              </a:buClr>
+            </a:pPr>
+            <a:r>
+              <a:rPr lang="en-US" dirty="0"/>
+              <a:t>Large Language Models are the foundational  </a:t>
+            </a:r>
+          </a:p>
+          <a:p>
+            <a:pPr lvl="2">
+              <a:buClr>
+                <a:srgbClr val="FF7900"/>
+              </a:buClr>
+            </a:pPr>
+            <a:r>
+              <a:rPr lang="en-US" dirty="0"/>
+              <a:t>Most modern AI features are based on the Transformer architecture</a:t>
+            </a:r>
+            <a:r>
+              <a:rPr lang="en-US" baseline="30000" dirty="0"/>
+              <a:t>1</a:t>
+            </a:r>
+            <a:endParaRPr lang="en-US" dirty="0"/>
+          </a:p>
+          <a:p>
+            <a:pPr lvl="2">
+              <a:buClr>
+                <a:srgbClr val="FF7900"/>
+              </a:buClr>
+            </a:pPr>
+            <a:r>
+              <a:rPr lang="en-US" dirty="0"/>
+              <a:t>Generative AI requires a lot of effort to be adapted for each downstream task</a:t>
+            </a:r>
+          </a:p>
+        </p:txBody>
+      </p:sp>
+      <p:sp>
+        <p:nvSpPr>
+          <p:cNvPr id="3" name="Title 2">
+            <a:extLst>
+              <a:ext uri="{FF2B5EF4-FFF2-40B4-BE49-F238E27FC236}">
+                <a16:creationId xmlns:a16="http://schemas.microsoft.com/office/drawing/2014/main" id="{03880D30-D853-85D0-20DA-0F7E8A6AD6BB}"/>
+              </a:ext>
+            </a:extLst>
+          </p:cNvPr>
+          <p:cNvSpPr>
+            <a:spLocks noGrp="1"/>
+          </p:cNvSpPr>
+          <p:nvPr>
+            <p:ph type="title"/>
+          </p:nvPr>
+        </p:nvSpPr>
+        <p:spPr/>
+        <p:txBody>
+          <a:bodyPr/>
+          <a:lstStyle/>
+          <a:p>
+            <a:r>
+              <a:rPr lang="en-US" sz="2800" dirty="0"/>
+              <a:t>The Transformer Era</a:t>
+            </a:r>
+          </a:p>
+        </p:txBody>
+      </p:sp>
+      <p:sp>
+        <p:nvSpPr>
+          <p:cNvPr id="8" name="Rectangle 7">
+            <a:extLst>
+              <a:ext uri="{FF2B5EF4-FFF2-40B4-BE49-F238E27FC236}">
+                <a16:creationId xmlns:a16="http://schemas.microsoft.com/office/drawing/2014/main" id="{D9F18339-6388-1AED-594A-47CD22272BAC}"/>
+              </a:ext>
+            </a:extLst>
+          </p:cNvPr>
+          <p:cNvSpPr/>
+          <p:nvPr/>
+        </p:nvSpPr>
+        <p:spPr>
+          <a:xfrm>
+            <a:off x="310142" y="4548158"/>
+            <a:ext cx="1305910" cy="378330"/>
+          </a:xfrm>
+          <a:prstGeom prst="rect">
+            <a:avLst/>
+          </a:prstGeom>
+          <a:solidFill>
+            <a:schemeClr val="bg1"/>
+          </a:solidFill>
+          <a:ln>
+            <a:noFill/>
+          </a:ln>
+        </p:spPr>
+        <p:style>
+          <a:lnRef idx="2">
+            <a:schemeClr val="accent1">
+              <a:shade val="50000"/>
+            </a:schemeClr>
+          </a:lnRef>
+          <a:fillRef idx="1">
+            <a:schemeClr val="accent1"/>
+          </a:fillRef>
+          <a:effectRef idx="0">
+            <a:schemeClr val="accent1"/>
+          </a:effectRef>
+          <a:fontRef idx="minor">
+            <a:schemeClr val="lt1"/>
+          </a:fontRef>
+        </p:style>
+        <p:txBody>
+          <a:bodyPr rtlCol="0" anchor="ctr"/>
+          <a:lstStyle/>
+          <a:p>
+            <a:pPr algn="ctr"/>
+            <a:endParaRPr lang="en-US" sz="1600" noProof="0" dirty="0">
+              <a:solidFill>
+                <a:srgbClr val="000000"/>
+              </a:solidFill>
+            </a:endParaRPr>
+          </a:p>
+        </p:txBody>
+      </p:sp>
+      <p:sp>
+        <p:nvSpPr>
+          <p:cNvPr id="4" name="TextBox 3">
+            <a:extLst>
+              <a:ext uri="{FF2B5EF4-FFF2-40B4-BE49-F238E27FC236}">
+                <a16:creationId xmlns:a16="http://schemas.microsoft.com/office/drawing/2014/main" id="{2983B231-56B5-B034-EF8D-997B0CDF3733}"/>
+              </a:ext>
+            </a:extLst>
+          </p:cNvPr>
+          <p:cNvSpPr txBox="1"/>
+          <p:nvPr/>
+        </p:nvSpPr>
+        <p:spPr>
+          <a:xfrm>
+            <a:off x="310142" y="4722118"/>
+            <a:ext cx="3058530" cy="153888"/>
+          </a:xfrm>
+          <a:prstGeom prst="rect">
+            <a:avLst/>
+          </a:prstGeom>
+        </p:spPr>
+        <p:txBody>
+          <a:bodyPr wrap="none" lIns="0" tIns="0" rIns="0" bIns="0" rtlCol="0">
+            <a:spAutoFit/>
+          </a:bodyPr>
+          <a:lstStyle/>
+          <a:p>
+            <a:r>
+              <a:rPr lang="en-US" sz="1000" dirty="0"/>
+              <a:t>1 Vaswani et. al. (2017) - arXiv:1706.03762 [</a:t>
+            </a:r>
+            <a:r>
+              <a:rPr lang="en-US" sz="1000" dirty="0" err="1"/>
+              <a:t>cs.CL</a:t>
+            </a:r>
+            <a:r>
+              <a:rPr lang="en-US" sz="1000" dirty="0"/>
+              <a:t>] </a:t>
+            </a:r>
+          </a:p>
+        </p:txBody>
+      </p:sp>
+    </p:spTree>
+    <p:extLst>
+      <p:ext uri="{BB962C8B-B14F-4D97-AF65-F5344CB8AC3E}">
+        <p14:creationId xmlns:p14="http://schemas.microsoft.com/office/powerpoint/2010/main" val="2690360247"/>
+      </p:ext>
+    </p:extLst>
+  </p:cSld>
+  <p:clrMapOvr>
+    <a:masterClrMapping/>
+  </p:clrMapOvr>
+  <mc:AlternateContent xmlns:mc="http://schemas.openxmlformats.org/markup-compatibility/2006" xmlns:p14="http://schemas.microsoft.com/office/powerpoint/2010/main">
+    <mc:Choice Requires="p14">
+      <p:transition spd="med" p14:dur="700">
+        <p:fade/>
+      </p:transition>
+    </mc:Choice>
+    <mc:Fallback xmlns="">
+      <p:transition spd="med">
+        <p:fade/>
+      </p:transition>
+    </mc:Fallback>
+  </mc:AlternateContent>
+</p:sld>
+</file>
+
+<file path=ppt/slides/slide6.xml><?xml version="1.0" encoding="utf-8"?>
 <p:sld xmlns:a="http://schemas.openxmlformats.org/drawingml/2006/main" xmlns:r="http://schemas.openxmlformats.org/officeDocument/2006/relationships" xmlns:p="http://schemas.openxmlformats.org/presentationml/2006/main">
   <p:cSld>
     <p:spTree>
@@ -14849,7 +17645,7 @@
 </p:sld>
 </file>
 
-<file path=ppt/slides/slide6.xml><?xml version="1.0" encoding="utf-8"?>
+<file path=ppt/slides/slide7.xml><?xml version="1.0" encoding="utf-8"?>
 <p:sld xmlns:a="http://schemas.openxmlformats.org/drawingml/2006/main" xmlns:r="http://schemas.openxmlformats.org/officeDocument/2006/relationships" xmlns:p="http://schemas.openxmlformats.org/presentationml/2006/main">
   <p:cSld>
     <p:spTree>
@@ -15467,7 +18263,7 @@
 </p:sld>
 </file>
 
-<file path=ppt/slides/slide7.xml><?xml version="1.0" encoding="utf-8"?>
+<file path=ppt/slides/slide8.xml><?xml version="1.0" encoding="utf-8"?>
 <p:sld xmlns:a="http://schemas.openxmlformats.org/drawingml/2006/main" xmlns:r="http://schemas.openxmlformats.org/officeDocument/2006/relationships" xmlns:p="http://schemas.openxmlformats.org/presentationml/2006/main">
   <p:cSld>
     <p:spTree>
@@ -16960,7 +19756,7 @@
 </p:sld>
 </file>
 
-<file path=ppt/slides/slide8.xml><?xml version="1.0" encoding="utf-8"?>
+<file path=ppt/slides/slide9.xml><?xml version="1.0" encoding="utf-8"?>
 <p:sld xmlns:a="http://schemas.openxmlformats.org/drawingml/2006/main" xmlns:r="http://schemas.openxmlformats.org/officeDocument/2006/relationships" xmlns:p="http://schemas.openxmlformats.org/presentationml/2006/main">
   <p:cSld>
     <p:spTree>
@@ -17096,392 +19892,6 @@
     <p:extLst>
       <p:ext uri="{BB962C8B-B14F-4D97-AF65-F5344CB8AC3E}">
         <p14:creationId xmlns:p14="http://schemas.microsoft.com/office/powerpoint/2010/main" val="850927282"/>
-      </p:ext>
-    </p:extLst>
-  </p:cSld>
-  <p:clrMapOvr>
-    <a:masterClrMapping/>
-  </p:clrMapOvr>
-  <mc:AlternateContent xmlns:mc="http://schemas.openxmlformats.org/markup-compatibility/2006" xmlns:p14="http://schemas.microsoft.com/office/powerpoint/2010/main">
-    <mc:Choice Requires="p14">
-      <p:transition spd="med" p14:dur="700">
-        <p:fade/>
-      </p:transition>
-    </mc:Choice>
-    <mc:Fallback xmlns="">
-      <p:transition spd="med">
-        <p:fade/>
-      </p:transition>
-    </mc:Fallback>
-  </mc:AlternateContent>
-</p:sld>
-</file>
-
-<file path=ppt/slides/slide9.xml><?xml version="1.0" encoding="utf-8"?>
-<p:sld xmlns:a="http://schemas.openxmlformats.org/drawingml/2006/main" xmlns:r="http://schemas.openxmlformats.org/officeDocument/2006/relationships" xmlns:p="http://schemas.openxmlformats.org/presentationml/2006/main">
-  <p:cSld>
-    <p:spTree>
-      <p:nvGrpSpPr>
-        <p:cNvPr id="1" name=""/>
-        <p:cNvGrpSpPr/>
-        <p:nvPr/>
-      </p:nvGrpSpPr>
-      <p:grpSpPr>
-        <a:xfrm>
-          <a:off x="0" y="0"/>
-          <a:ext cx="0" cy="0"/>
-          <a:chOff x="0" y="0"/>
-          <a:chExt cx="0" cy="0"/>
-        </a:xfrm>
-      </p:grpSpPr>
-      <p:sp>
-        <p:nvSpPr>
-          <p:cNvPr id="10" name="Titre 1"/>
-          <p:cNvSpPr>
-            <a:spLocks noGrp="1"/>
-          </p:cNvSpPr>
-          <p:nvPr>
-            <p:ph type="ctrTitle"/>
-          </p:nvPr>
-        </p:nvSpPr>
-        <p:spPr>
-          <a:xfrm>
-            <a:off x="966546" y="2044926"/>
-            <a:ext cx="7060580" cy="592936"/>
-          </a:xfrm>
-        </p:spPr>
-        <p:txBody>
-          <a:bodyPr/>
-          <a:lstStyle/>
-          <a:p>
-            <a:r>
-              <a:rPr lang="en-US" sz="4000" noProof="0" dirty="0"/>
-              <a:t>Thank you for your attention!</a:t>
-            </a:r>
-          </a:p>
-        </p:txBody>
-      </p:sp>
-      <p:sp>
-        <p:nvSpPr>
-          <p:cNvPr id="6" name="ZoneTexte 5">
-            <a:extLst>
-              <a:ext uri="{FF2B5EF4-FFF2-40B4-BE49-F238E27FC236}">
-                <a16:creationId xmlns:a16="http://schemas.microsoft.com/office/drawing/2014/main" id="{14E03C28-6479-4B73-85F6-57F7D3D3765F}"/>
-              </a:ext>
-            </a:extLst>
-          </p:cNvPr>
-          <p:cNvSpPr txBox="1"/>
-          <p:nvPr/>
-        </p:nvSpPr>
-        <p:spPr>
-          <a:xfrm>
-            <a:off x="351226" y="369720"/>
-            <a:ext cx="8520271" cy="584775"/>
-          </a:xfrm>
-          <a:prstGeom prst="rect">
-            <a:avLst/>
-          </a:prstGeom>
-          <a:noFill/>
-        </p:spPr>
-        <p:txBody>
-          <a:bodyPr wrap="square" rtlCol="0">
-            <a:spAutoFit/>
-          </a:bodyPr>
-          <a:lstStyle/>
-          <a:p>
-            <a:r>
-              <a:rPr lang="en-US" sz="3200" noProof="0" dirty="0">
-                <a:solidFill>
-                  <a:schemeClr val="bg2"/>
-                </a:solidFill>
-                <a:latin typeface="Helvetica 75 Bold" panose="020B0804020202020204" pitchFamily="34" charset="0"/>
-              </a:rPr>
-              <a:t>Dev Test </a:t>
-            </a:r>
-            <a:r>
-              <a:rPr lang="en-US" sz="3200" noProof="0" dirty="0">
-                <a:latin typeface="Helvetica 75 Bold" panose="020B0804020202020204" pitchFamily="34" charset="0"/>
-              </a:rPr>
-              <a:t>Days </a:t>
-            </a:r>
-            <a:r>
-              <a:rPr lang="en-US" sz="3200" noProof="0" dirty="0">
-                <a:solidFill>
-                  <a:schemeClr val="bg2"/>
-                </a:solidFill>
-                <a:latin typeface="Helvetica 75 Bold" panose="020B0804020202020204" pitchFamily="34" charset="0"/>
-              </a:rPr>
-              <a:t>2025 </a:t>
-            </a:r>
-            <a:r>
-              <a:rPr lang="en-US" sz="3200" noProof="0" dirty="0">
-                <a:latin typeface="Helvetica 75 Bold" panose="020B0804020202020204" pitchFamily="34" charset="0"/>
-              </a:rPr>
-              <a:t>Edition</a:t>
-            </a:r>
-            <a:endParaRPr lang="en-US" sz="3200" noProof="0" dirty="0">
-              <a:solidFill>
-                <a:schemeClr val="bg2"/>
-              </a:solidFill>
-              <a:latin typeface="Helvetica 75 Bold" panose="020B0804020202020204" pitchFamily="34" charset="0"/>
-            </a:endParaRPr>
-          </a:p>
-        </p:txBody>
-      </p:sp>
-      <p:sp>
-        <p:nvSpPr>
-          <p:cNvPr id="13" name="Rectangle 12">
-            <a:extLst>
-              <a:ext uri="{FF2B5EF4-FFF2-40B4-BE49-F238E27FC236}">
-                <a16:creationId xmlns:a16="http://schemas.microsoft.com/office/drawing/2014/main" id="{A8ACE433-BD23-3F53-9F4E-9577F747BCA0}"/>
-              </a:ext>
-            </a:extLst>
-          </p:cNvPr>
-          <p:cNvSpPr/>
-          <p:nvPr/>
-        </p:nvSpPr>
-        <p:spPr>
-          <a:xfrm>
-            <a:off x="8027126" y="3520440"/>
-            <a:ext cx="1005840" cy="1489166"/>
-          </a:xfrm>
-          <a:prstGeom prst="rect">
-            <a:avLst/>
-          </a:prstGeom>
-          <a:solidFill>
-            <a:schemeClr val="bg1"/>
-          </a:solidFill>
-          <a:ln>
-            <a:noFill/>
-          </a:ln>
-        </p:spPr>
-        <p:style>
-          <a:lnRef idx="2">
-            <a:schemeClr val="accent1">
-              <a:shade val="50000"/>
-            </a:schemeClr>
-          </a:lnRef>
-          <a:fillRef idx="1">
-            <a:schemeClr val="accent1"/>
-          </a:fillRef>
-          <a:effectRef idx="0">
-            <a:schemeClr val="accent1"/>
-          </a:effectRef>
-          <a:fontRef idx="minor">
-            <a:schemeClr val="lt1"/>
-          </a:fontRef>
-        </p:style>
-        <p:txBody>
-          <a:bodyPr rtlCol="0" anchor="ctr"/>
-          <a:lstStyle/>
-          <a:p>
-            <a:pPr algn="ctr"/>
-            <a:endParaRPr lang="en-US" sz="1600" noProof="0" dirty="0">
-              <a:solidFill>
-                <a:srgbClr val="000000"/>
-              </a:solidFill>
-            </a:endParaRPr>
-          </a:p>
-        </p:txBody>
-      </p:sp>
-      <p:sp>
-        <p:nvSpPr>
-          <p:cNvPr id="2" name="TextBox 1">
-            <a:extLst>
-              <a:ext uri="{FF2B5EF4-FFF2-40B4-BE49-F238E27FC236}">
-                <a16:creationId xmlns:a16="http://schemas.microsoft.com/office/drawing/2014/main" id="{ADB43214-688B-965E-6394-B7B317C00600}"/>
-              </a:ext>
-            </a:extLst>
-          </p:cNvPr>
-          <p:cNvSpPr txBox="1"/>
-          <p:nvPr/>
-        </p:nvSpPr>
-        <p:spPr>
-          <a:xfrm>
-            <a:off x="1284046" y="4312101"/>
-            <a:ext cx="676467" cy="215444"/>
-          </a:xfrm>
-          <a:prstGeom prst="rect">
-            <a:avLst/>
-          </a:prstGeom>
-        </p:spPr>
-        <p:txBody>
-          <a:bodyPr wrap="none" lIns="0" tIns="0" rIns="0" bIns="0" rtlCol="0">
-            <a:spAutoFit/>
-          </a:bodyPr>
-          <a:lstStyle/>
-          <a:p>
-            <a:r>
-              <a:rPr lang="en-US" sz="1400" noProof="0" dirty="0" err="1"/>
-              <a:t>basavyr</a:t>
-            </a:r>
-            <a:endParaRPr lang="en-US" sz="1400" noProof="0" dirty="0"/>
-          </a:p>
-        </p:txBody>
-      </p:sp>
-      <p:sp>
-        <p:nvSpPr>
-          <p:cNvPr id="4" name="TextBox 3">
-            <a:extLst>
-              <a:ext uri="{FF2B5EF4-FFF2-40B4-BE49-F238E27FC236}">
-                <a16:creationId xmlns:a16="http://schemas.microsoft.com/office/drawing/2014/main" id="{238B7662-69EC-D19C-60F1-7CCE2688215D}"/>
-              </a:ext>
-            </a:extLst>
-          </p:cNvPr>
-          <p:cNvSpPr txBox="1"/>
-          <p:nvPr/>
-        </p:nvSpPr>
-        <p:spPr>
-          <a:xfrm>
-            <a:off x="3442591" y="4312101"/>
-            <a:ext cx="2462213" cy="215444"/>
-          </a:xfrm>
-          <a:prstGeom prst="rect">
-            <a:avLst/>
-          </a:prstGeom>
-        </p:spPr>
-        <p:txBody>
-          <a:bodyPr wrap="none" lIns="0" tIns="0" rIns="0" bIns="0" rtlCol="0">
-            <a:spAutoFit/>
-          </a:bodyPr>
-          <a:lstStyle/>
-          <a:p>
-            <a:r>
-              <a:rPr lang="en-US" sz="1400" noProof="0" dirty="0" err="1"/>
-              <a:t>robert.poenaru@orange.com</a:t>
-            </a:r>
-            <a:endParaRPr lang="en-US" sz="1400" noProof="0" dirty="0"/>
-          </a:p>
-        </p:txBody>
-      </p:sp>
-      <p:pic>
-        <p:nvPicPr>
-          <p:cNvPr id="5" name="Picture 4">
-            <a:extLst>
-              <a:ext uri="{FF2B5EF4-FFF2-40B4-BE49-F238E27FC236}">
-                <a16:creationId xmlns:a16="http://schemas.microsoft.com/office/drawing/2014/main" id="{8D38A1BA-B72A-B025-52C2-AC9B394AF29B}"/>
-              </a:ext>
-            </a:extLst>
-          </p:cNvPr>
-          <p:cNvPicPr>
-            <a:picLocks noChangeAspect="1"/>
-          </p:cNvPicPr>
-          <p:nvPr/>
-        </p:nvPicPr>
-        <p:blipFill>
-          <a:blip r:embed="rId2"/>
-          <a:stretch>
-            <a:fillRect/>
-          </a:stretch>
-        </p:blipFill>
-        <p:spPr>
-          <a:xfrm>
-            <a:off x="2742277" y="4102323"/>
-            <a:ext cx="635000" cy="635000"/>
-          </a:xfrm>
-          <a:prstGeom prst="rect">
-            <a:avLst/>
-          </a:prstGeom>
-        </p:spPr>
-      </p:pic>
-      <p:pic>
-        <p:nvPicPr>
-          <p:cNvPr id="7" name="Picture 6">
-            <a:extLst>
-              <a:ext uri="{FF2B5EF4-FFF2-40B4-BE49-F238E27FC236}">
-                <a16:creationId xmlns:a16="http://schemas.microsoft.com/office/drawing/2014/main" id="{0C52C980-6C91-BE40-1E35-6D583738C996}"/>
-              </a:ext>
-            </a:extLst>
-          </p:cNvPr>
-          <p:cNvPicPr>
-            <a:picLocks noChangeAspect="1"/>
-          </p:cNvPicPr>
-          <p:nvPr/>
-        </p:nvPicPr>
-        <p:blipFill>
-          <a:blip r:embed="rId3"/>
-          <a:stretch>
-            <a:fillRect/>
-          </a:stretch>
-        </p:blipFill>
-        <p:spPr>
-          <a:xfrm>
-            <a:off x="649046" y="4102323"/>
-            <a:ext cx="635000" cy="635000"/>
-          </a:xfrm>
-          <a:prstGeom prst="rect">
-            <a:avLst/>
-          </a:prstGeom>
-        </p:spPr>
-      </p:pic>
-      <p:pic>
-        <p:nvPicPr>
-          <p:cNvPr id="8" name="Picture 7">
-            <a:extLst>
-              <a:ext uri="{FF2B5EF4-FFF2-40B4-BE49-F238E27FC236}">
-                <a16:creationId xmlns:a16="http://schemas.microsoft.com/office/drawing/2014/main" id="{628D7A90-F140-4483-8CEB-4340B5104571}"/>
-              </a:ext>
-            </a:extLst>
-          </p:cNvPr>
-          <p:cNvPicPr>
-            <a:picLocks noChangeAspect="1"/>
-          </p:cNvPicPr>
-          <p:nvPr/>
-        </p:nvPicPr>
-        <p:blipFill>
-          <a:blip r:embed="rId4"/>
-          <a:stretch>
-            <a:fillRect/>
-          </a:stretch>
-        </p:blipFill>
-        <p:spPr>
-          <a:xfrm>
-            <a:off x="6334562" y="4134980"/>
-            <a:ext cx="569686" cy="569686"/>
-          </a:xfrm>
-          <a:prstGeom prst="rect">
-            <a:avLst/>
-          </a:prstGeom>
-        </p:spPr>
-      </p:pic>
-      <p:sp>
-        <p:nvSpPr>
-          <p:cNvPr id="9" name="TextBox 8">
-            <a:extLst>
-              <a:ext uri="{FF2B5EF4-FFF2-40B4-BE49-F238E27FC236}">
-                <a16:creationId xmlns:a16="http://schemas.microsoft.com/office/drawing/2014/main" id="{DDB73FF7-418F-6C1E-BFB9-661C559FA8F5}"/>
-              </a:ext>
-            </a:extLst>
-          </p:cNvPr>
-          <p:cNvSpPr txBox="1"/>
-          <p:nvPr/>
-        </p:nvSpPr>
-        <p:spPr>
-          <a:xfrm>
-            <a:off x="7006207" y="4332714"/>
-            <a:ext cx="1352934" cy="215444"/>
-          </a:xfrm>
-          <a:prstGeom prst="rect">
-            <a:avLst/>
-          </a:prstGeom>
-        </p:spPr>
-        <p:txBody>
-          <a:bodyPr wrap="none" lIns="0" tIns="0" rIns="0" bIns="0" rtlCol="0">
-            <a:spAutoFit/>
-          </a:bodyPr>
-          <a:lstStyle/>
-          <a:p>
-            <a:r>
-              <a:rPr lang="en-US" sz="1400" noProof="0" dirty="0"/>
-              <a:t>Robert-Poenaru</a:t>
-            </a:r>
-          </a:p>
-        </p:txBody>
-      </p:sp>
-    </p:spTree>
-    <p:extLst>
-      <p:ext uri="{BB962C8B-B14F-4D97-AF65-F5344CB8AC3E}">
-        <p14:creationId xmlns:p14="http://schemas.microsoft.com/office/powerpoint/2010/main" val="985760704"/>
       </p:ext>
     </p:extLst>
   </p:cSld>
@@ -18389,26 +20799,6 @@
 </file>
 
 <file path=customXml/item1.xml><?xml version="1.0" encoding="utf-8"?>
-<?mso-contentType ?>
-<FormTemplates xmlns="http://schemas.microsoft.com/sharepoint/v3/contenttype/forms">
-  <Display>DocumentLibraryForm</Display>
-  <Edit>DocumentLibraryForm</Edit>
-  <New>DocumentLibraryForm</New>
-</FormTemplates>
-</file>
-
-<file path=customXml/item2.xml><?xml version="1.0" encoding="utf-8"?>
-<p:properties xmlns:p="http://schemas.microsoft.com/office/2006/metadata/properties" xmlns:xsi="http://www.w3.org/2001/XMLSchema-instance" xmlns:pc="http://schemas.microsoft.com/office/infopath/2007/PartnerControls">
-  <documentManagement>
-    <TaxCatchAll xmlns="eff491a8-9e89-43ed-bdac-cae08270df65" xsi:nil="true"/>
-    <lcf76f155ced4ddcb4097134ff3c332f xmlns="171f1213-7bf6-4d86-990a-6b8ce816bd43">
-      <Terms xmlns="http://schemas.microsoft.com/office/infopath/2007/PartnerControls"/>
-    </lcf76f155ced4ddcb4097134ff3c332f>
-  </documentManagement>
-</p:properties>
-</file>
-
-<file path=customXml/item3.xml><?xml version="1.0" encoding="utf-8"?>
 <ct:contentTypeSchema xmlns:ct="http://schemas.microsoft.com/office/2006/metadata/contentType" xmlns:ma="http://schemas.microsoft.com/office/2006/metadata/properties/metaAttributes" ct:_="" ma:_="" ma:contentTypeName="Document" ma:contentTypeID="0x0101001CA32C140A078341B5F80E20CC80637A" ma:contentTypeVersion="16" ma:contentTypeDescription="Crée un document." ma:contentTypeScope="" ma:versionID="546d018dda1d24d933136aa4939ad88f">
   <xsd:schema xmlns:xsd="http://www.w3.org/2001/XMLSchema" xmlns:xs="http://www.w3.org/2001/XMLSchema" xmlns:p="http://schemas.microsoft.com/office/2006/metadata/properties" xmlns:ns2="171f1213-7bf6-4d86-990a-6b8ce816bd43" xmlns:ns3="eff491a8-9e89-43ed-bdac-cae08270df65" targetNamespace="http://schemas.microsoft.com/office/2006/metadata/properties" ma:root="true" ma:fieldsID="6e1ae2b7d1eaf98eb406aedefb875955" ns2:_="" ns3:_="">
     <xsd:import namespace="171f1213-7bf6-4d86-990a-6b8ce816bd43"/>
@@ -18649,10 +21039,41 @@
 </ct:contentTypeSchema>
 </file>
 
+<file path=customXml/item2.xml><?xml version="1.0" encoding="utf-8"?>
+<p:properties xmlns:p="http://schemas.microsoft.com/office/2006/metadata/properties" xmlns:xsi="http://www.w3.org/2001/XMLSchema-instance" xmlns:pc="http://schemas.microsoft.com/office/infopath/2007/PartnerControls">
+  <documentManagement>
+    <TaxCatchAll xmlns="eff491a8-9e89-43ed-bdac-cae08270df65" xsi:nil="true"/>
+    <lcf76f155ced4ddcb4097134ff3c332f xmlns="171f1213-7bf6-4d86-990a-6b8ce816bd43">
+      <Terms xmlns="http://schemas.microsoft.com/office/infopath/2007/PartnerControls"/>
+    </lcf76f155ced4ddcb4097134ff3c332f>
+  </documentManagement>
+</p:properties>
+</file>
+
+<file path=customXml/item3.xml><?xml version="1.0" encoding="utf-8"?>
+<?mso-contentType ?>
+<FormTemplates xmlns="http://schemas.microsoft.com/sharepoint/v3/contenttype/forms">
+  <Display>DocumentLibraryForm</Display>
+  <Edit>DocumentLibraryForm</Edit>
+  <New>DocumentLibraryForm</New>
+</FormTemplates>
+</file>
+
 <file path=customXml/itemProps1.xml><?xml version="1.0" encoding="utf-8"?>
-<ds:datastoreItem xmlns:ds="http://schemas.openxmlformats.org/officeDocument/2006/customXml" ds:itemID="{7BC9E46E-2939-4C92-A847-189854327AFD}">
+<ds:datastoreItem xmlns:ds="http://schemas.openxmlformats.org/officeDocument/2006/customXml" ds:itemID="{702E500B-C12C-4E9E-A03B-EBA9A45F5EED}">
   <ds:schemaRefs>
-    <ds:schemaRef ds:uri="http://schemas.microsoft.com/sharepoint/v3/contenttype/forms"/>
+    <ds:schemaRef ds:uri="http://schemas.microsoft.com/office/2006/metadata/contentType"/>
+    <ds:schemaRef ds:uri="http://schemas.microsoft.com/office/2006/metadata/properties/metaAttributes"/>
+    <ds:schemaRef ds:uri="http://www.w3.org/2001/XMLSchema"/>
+    <ds:schemaRef ds:uri="http://schemas.microsoft.com/office/2006/metadata/properties"/>
+    <ds:schemaRef ds:uri="171f1213-7bf6-4d86-990a-6b8ce816bd43"/>
+    <ds:schemaRef ds:uri="eff491a8-9e89-43ed-bdac-cae08270df65"/>
+    <ds:schemaRef ds:uri="http://schemas.microsoft.com/office/2006/documentManagement/types"/>
+    <ds:schemaRef ds:uri="http://schemas.microsoft.com/office/infopath/2007/PartnerControls"/>
+    <ds:schemaRef ds:uri="http://schemas.openxmlformats.org/package/2006/metadata/core-properties"/>
+    <ds:schemaRef ds:uri="http://purl.org/dc/elements/1.1/"/>
+    <ds:schemaRef ds:uri="http://purl.org/dc/terms/"/>
+    <ds:schemaRef ds:uri="http://schemas.microsoft.com/internal/obd"/>
   </ds:schemaRefs>
 </ds:datastoreItem>
 </file>
@@ -18676,20 +21097,9 @@
 </file>
 
 <file path=customXml/itemProps3.xml><?xml version="1.0" encoding="utf-8"?>
-<ds:datastoreItem xmlns:ds="http://schemas.openxmlformats.org/officeDocument/2006/customXml" ds:itemID="{702E500B-C12C-4E9E-A03B-EBA9A45F5EED}">
+<ds:datastoreItem xmlns:ds="http://schemas.openxmlformats.org/officeDocument/2006/customXml" ds:itemID="{7BC9E46E-2939-4C92-A847-189854327AFD}">
   <ds:schemaRefs>
-    <ds:schemaRef ds:uri="http://schemas.microsoft.com/office/2006/metadata/contentType"/>
-    <ds:schemaRef ds:uri="http://schemas.microsoft.com/office/2006/metadata/properties/metaAttributes"/>
-    <ds:schemaRef ds:uri="http://www.w3.org/2001/XMLSchema"/>
-    <ds:schemaRef ds:uri="http://schemas.microsoft.com/office/2006/metadata/properties"/>
-    <ds:schemaRef ds:uri="171f1213-7bf6-4d86-990a-6b8ce816bd43"/>
-    <ds:schemaRef ds:uri="eff491a8-9e89-43ed-bdac-cae08270df65"/>
-    <ds:schemaRef ds:uri="http://schemas.microsoft.com/office/2006/documentManagement/types"/>
-    <ds:schemaRef ds:uri="http://schemas.microsoft.com/office/infopath/2007/PartnerControls"/>
-    <ds:schemaRef ds:uri="http://schemas.openxmlformats.org/package/2006/metadata/core-properties"/>
-    <ds:schemaRef ds:uri="http://purl.org/dc/elements/1.1/"/>
-    <ds:schemaRef ds:uri="http://purl.org/dc/terms/"/>
-    <ds:schemaRef ds:uri="http://schemas.microsoft.com/internal/obd"/>
+    <ds:schemaRef ds:uri="http://schemas.microsoft.com/sharepoint/v3/contenttype/forms"/>
   </ds:schemaRefs>
 </ds:datastoreItem>
 </file>

--- a/presentation/LORA-RPoenaru.pptx
+++ b/presentation/LORA-RPoenaru.pptx
@@ -15802,7 +15802,7 @@
         <p:spPr>
           <a:xfrm>
             <a:off x="314325" y="1184275"/>
-            <a:ext cx="4951579" cy="2656205"/>
+            <a:ext cx="5242413" cy="2656205"/>
           </a:xfrm>
         </p:spPr>
         <p:txBody>
@@ -15815,8 +15815,16 @@
               </a:buClr>
             </a:pPr>
             <a:r>
+              <a:rPr lang="en-US" dirty="0">
+                <a:solidFill>
+                  <a:schemeClr val="bg2"/>
+                </a:solidFill>
+              </a:rPr>
+              <a:t>Artificial Intelligence</a:t>
+            </a:r>
+            <a:r>
               <a:rPr lang="en-US" dirty="0"/>
-              <a:t>Artificial Intelligence (AI) integrates in many products</a:t>
+              <a:t> (AI) integrates in many products</a:t>
             </a:r>
           </a:p>
           <a:p>
@@ -15826,9 +15834,133 @@
               </a:buClr>
             </a:pPr>
             <a:r>
+              <a:rPr lang="en-US" dirty="0">
+                <a:solidFill>
+                  <a:schemeClr val="bg2"/>
+                </a:solidFill>
+              </a:rPr>
+              <a:t>Large Language Models </a:t>
+            </a:r>
+            <a:r>
               <a:rPr lang="en-US" dirty="0"/>
-              <a:t>Large Language Models are its foundational components</a:t>
-            </a:r>
+              <a:t>are its most innovative components</a:t>
+            </a:r>
+          </a:p>
+          <a:p>
+            <a:pPr lvl="2">
+              <a:buClr>
+                <a:srgbClr val="FF7900"/>
+              </a:buClr>
+            </a:pPr>
+            <a:r>
+              <a:rPr lang="en-US" dirty="0"/>
+              <a:t>Modern LLMs have achieved </a:t>
+            </a:r>
+            <a:r>
+              <a:rPr lang="en-US" dirty="0">
+                <a:solidFill>
+                  <a:schemeClr val="bg2"/>
+                </a:solidFill>
+              </a:rPr>
+              <a:t>multimodality</a:t>
+            </a:r>
+            <a:r>
+              <a:rPr lang="en-US" dirty="0"/>
+              <a:t>, increased flexibility and use case scenarios:</a:t>
+            </a:r>
+          </a:p>
+          <a:p>
+            <a:pPr lvl="3">
+              <a:buClr>
+                <a:srgbClr val="FF7900"/>
+              </a:buClr>
+            </a:pPr>
+            <a:r>
+              <a:rPr lang="en-US" dirty="0"/>
+              <a:t>Healthcare</a:t>
+            </a:r>
+          </a:p>
+          <a:p>
+            <a:pPr lvl="3">
+              <a:buClr>
+                <a:srgbClr val="FF7900"/>
+              </a:buClr>
+            </a:pPr>
+            <a:r>
+              <a:rPr lang="en-US" dirty="0"/>
+              <a:t>Software Development</a:t>
+            </a:r>
+          </a:p>
+          <a:p>
+            <a:pPr lvl="3">
+              <a:buClr>
+                <a:srgbClr val="FF7900"/>
+              </a:buClr>
+            </a:pPr>
+            <a:r>
+              <a:rPr lang="en-US" dirty="0"/>
+              <a:t>Automotive</a:t>
+            </a:r>
+          </a:p>
+          <a:p>
+            <a:pPr lvl="3">
+              <a:buClr>
+                <a:srgbClr val="FF7900"/>
+              </a:buClr>
+            </a:pPr>
+            <a:r>
+              <a:rPr lang="en-US" dirty="0"/>
+              <a:t>Content Creation</a:t>
+            </a:r>
+          </a:p>
+          <a:p>
+            <a:pPr lvl="3">
+              <a:buClr>
+                <a:srgbClr val="FF7900"/>
+              </a:buClr>
+            </a:pPr>
+            <a:r>
+              <a:rPr lang="en-US" dirty="0"/>
+              <a:t>Marketing</a:t>
+            </a:r>
+          </a:p>
+          <a:p>
+            <a:pPr lvl="3">
+              <a:buClr>
+                <a:srgbClr val="FF7900"/>
+              </a:buClr>
+            </a:pPr>
+            <a:r>
+              <a:rPr lang="en-US" dirty="0"/>
+              <a:t>Robotics</a:t>
+            </a:r>
+          </a:p>
+          <a:p>
+            <a:pPr lvl="3">
+              <a:buClr>
+                <a:srgbClr val="FF7900"/>
+              </a:buClr>
+            </a:pPr>
+            <a:r>
+              <a:rPr lang="en-US" i="1" dirty="0"/>
+              <a:t>and much more…</a:t>
+            </a:r>
+          </a:p>
+          <a:p>
+            <a:pPr lvl="3">
+              <a:buClr>
+                <a:srgbClr val="FF7900"/>
+              </a:buClr>
+            </a:pPr>
+            <a:endParaRPr lang="en-US" dirty="0"/>
+          </a:p>
+          <a:p>
+            <a:pPr lvl="2">
+              <a:buClr>
+                <a:srgbClr val="FF7900"/>
+              </a:buClr>
+            </a:pPr>
+            <a:endParaRPr lang="en-US" dirty="0"/>
           </a:p>
         </p:txBody>
       </p:sp>
@@ -15855,7 +15987,7 @@
           <a:p>
             <a:r>
               <a:rPr lang="en-US" sz="2800" dirty="0"/>
-              <a:t>AI</a:t>
+              <a:t>Artificial Intelligence</a:t>
             </a:r>
           </a:p>
         </p:txBody>
@@ -15944,6 +16076,40 @@
           </a:graphicData>
         </a:graphic>
       </p:graphicFrame>
+      <p:sp>
+        <p:nvSpPr>
+          <p:cNvPr id="4" name="TextBox 3">
+            <a:extLst>
+              <a:ext uri="{FF2B5EF4-FFF2-40B4-BE49-F238E27FC236}">
+                <a16:creationId xmlns:a16="http://schemas.microsoft.com/office/drawing/2014/main" id="{0AB77885-BEA1-DB7B-D95C-B995F33B4044}"/>
+              </a:ext>
+            </a:extLst>
+          </p:cNvPr>
+          <p:cNvSpPr txBox="1"/>
+          <p:nvPr/>
+        </p:nvSpPr>
+        <p:spPr>
+          <a:xfrm>
+            <a:off x="6138629" y="4603749"/>
+            <a:ext cx="1657505" cy="215444"/>
+          </a:xfrm>
+          <a:prstGeom prst="rect">
+            <a:avLst/>
+          </a:prstGeom>
+        </p:spPr>
+        <p:txBody>
+          <a:bodyPr wrap="none" lIns="0" tIns="0" rIns="0" bIns="0" rtlCol="0">
+            <a:spAutoFit/>
+          </a:bodyPr>
+          <a:lstStyle/>
+          <a:p>
+            <a:r>
+              <a:rPr lang="en-US" sz="1400" dirty="0"/>
+              <a:t>Innovation lifecycle</a:t>
+            </a:r>
+          </a:p>
+        </p:txBody>
+      </p:sp>
     </p:spTree>
     <p:extLst>
       <p:ext uri="{BB962C8B-B14F-4D97-AF65-F5344CB8AC3E}">
@@ -16025,8 +16191,17 @@
             </a:pPr>
             <a:r>
               <a:rPr lang="en-US" dirty="0"/>
-              <a:t>Large Language Models are the foundational  </a:t>
-            </a:r>
+              <a:t>For tasks such as </a:t>
+            </a:r>
+            <a:r>
+              <a:rPr lang="en-US" dirty="0">
+                <a:solidFill>
+                  <a:schemeClr val="bg2"/>
+                </a:solidFill>
+              </a:rPr>
+              <a:t>Natural Language Processing</a:t>
+            </a:r>
+            <a:endParaRPr lang="en-US" b="1" dirty="0"/>
           </a:p>
           <a:p>
             <a:pPr lvl="2">
@@ -16036,24 +16211,13 @@
             </a:pPr>
             <a:r>
               <a:rPr lang="en-US" dirty="0"/>
-              <a:t>Most modern AI features are based on the Transformer architecture</a:t>
+              <a:t>All modern LLMs are based on the Transformer architecture</a:t>
             </a:r>
             <a:r>
               <a:rPr lang="en-US" baseline="30000" dirty="0"/>
               <a:t>1</a:t>
             </a:r>
             <a:endParaRPr lang="en-US" dirty="0"/>
-          </a:p>
-          <a:p>
-            <a:pPr lvl="2">
-              <a:buClr>
-                <a:srgbClr val="FF7900"/>
-              </a:buClr>
-            </a:pPr>
-            <a:r>
-              <a:rPr lang="en-US" dirty="0"/>
-              <a:t>Generative AI requires a lot of effort to be adapted for each downstream task</a:t>
-            </a:r>
           </a:p>
         </p:txBody>
       </p:sp>
@@ -16080,7 +16244,7 @@
           <a:p>
             <a:r>
               <a:rPr lang="en-US" sz="2800" dirty="0"/>
-              <a:t>The Transformer Era</a:t>
+              <a:t>Language Models</a:t>
             </a:r>
           </a:p>
         </p:txBody>
@@ -20799,6 +20963,17 @@
 </file>
 
 <file path=customXml/item1.xml><?xml version="1.0" encoding="utf-8"?>
+<p:properties xmlns:p="http://schemas.microsoft.com/office/2006/metadata/properties" xmlns:xsi="http://www.w3.org/2001/XMLSchema-instance" xmlns:pc="http://schemas.microsoft.com/office/infopath/2007/PartnerControls">
+  <documentManagement>
+    <TaxCatchAll xmlns="eff491a8-9e89-43ed-bdac-cae08270df65" xsi:nil="true"/>
+    <lcf76f155ced4ddcb4097134ff3c332f xmlns="171f1213-7bf6-4d86-990a-6b8ce816bd43">
+      <Terms xmlns="http://schemas.microsoft.com/office/infopath/2007/PartnerControls"/>
+    </lcf76f155ced4ddcb4097134ff3c332f>
+  </documentManagement>
+</p:properties>
+</file>
+
+<file path=customXml/item2.xml><?xml version="1.0" encoding="utf-8"?>
 <ct:contentTypeSchema xmlns:ct="http://schemas.microsoft.com/office/2006/metadata/contentType" xmlns:ma="http://schemas.microsoft.com/office/2006/metadata/properties/metaAttributes" ct:_="" ma:_="" ma:contentTypeName="Document" ma:contentTypeID="0x0101001CA32C140A078341B5F80E20CC80637A" ma:contentTypeVersion="16" ma:contentTypeDescription="Crée un document." ma:contentTypeScope="" ma:versionID="546d018dda1d24d933136aa4939ad88f">
   <xsd:schema xmlns:xsd="http://www.w3.org/2001/XMLSchema" xmlns:xs="http://www.w3.org/2001/XMLSchema" xmlns:p="http://schemas.microsoft.com/office/2006/metadata/properties" xmlns:ns2="171f1213-7bf6-4d86-990a-6b8ce816bd43" xmlns:ns3="eff491a8-9e89-43ed-bdac-cae08270df65" targetNamespace="http://schemas.microsoft.com/office/2006/metadata/properties" ma:root="true" ma:fieldsID="6e1ae2b7d1eaf98eb406aedefb875955" ns2:_="" ns3:_="">
     <xsd:import namespace="171f1213-7bf6-4d86-990a-6b8ce816bd43"/>
@@ -21039,17 +21214,6 @@
 </ct:contentTypeSchema>
 </file>
 
-<file path=customXml/item2.xml><?xml version="1.0" encoding="utf-8"?>
-<p:properties xmlns:p="http://schemas.microsoft.com/office/2006/metadata/properties" xmlns:xsi="http://www.w3.org/2001/XMLSchema-instance" xmlns:pc="http://schemas.microsoft.com/office/infopath/2007/PartnerControls">
-  <documentManagement>
-    <TaxCatchAll xmlns="eff491a8-9e89-43ed-bdac-cae08270df65" xsi:nil="true"/>
-    <lcf76f155ced4ddcb4097134ff3c332f xmlns="171f1213-7bf6-4d86-990a-6b8ce816bd43">
-      <Terms xmlns="http://schemas.microsoft.com/office/infopath/2007/PartnerControls"/>
-    </lcf76f155ced4ddcb4097134ff3c332f>
-  </documentManagement>
-</p:properties>
-</file>
-
 <file path=customXml/item3.xml><?xml version="1.0" encoding="utf-8"?>
 <?mso-contentType ?>
 <FormTemplates xmlns="http://schemas.microsoft.com/sharepoint/v3/contenttype/forms">
@@ -21060,6 +21224,24 @@
 </file>
 
 <file path=customXml/itemProps1.xml><?xml version="1.0" encoding="utf-8"?>
+<ds:datastoreItem xmlns:ds="http://schemas.openxmlformats.org/officeDocument/2006/customXml" ds:itemID="{54B223DC-0EA2-4B5D-8283-CB961A092825}">
+  <ds:schemaRefs>
+    <ds:schemaRef ds:uri="http://schemas.microsoft.com/office/2006/documentManagement/types"/>
+    <ds:schemaRef ds:uri="http://purl.org/dc/elements/1.1/"/>
+    <ds:schemaRef ds:uri="http://schemas.microsoft.com/office/2006/metadata/properties"/>
+    <ds:schemaRef ds:uri="http://schemas.microsoft.com/sharepoint/v3"/>
+    <ds:schemaRef ds:uri="http://purl.org/dc/terms/"/>
+    <ds:schemaRef ds:uri="http://schemas.openxmlformats.org/package/2006/metadata/core-properties"/>
+    <ds:schemaRef ds:uri="http://purl.org/dc/dcmitype/"/>
+    <ds:schemaRef ds:uri="http://schemas.microsoft.com/office/infopath/2007/PartnerControls"/>
+    <ds:schemaRef ds:uri="http://www.w3.org/XML/1998/namespace"/>
+    <ds:schemaRef ds:uri="eff491a8-9e89-43ed-bdac-cae08270df65"/>
+    <ds:schemaRef ds:uri="171f1213-7bf6-4d86-990a-6b8ce816bd43"/>
+  </ds:schemaRefs>
+</ds:datastoreItem>
+</file>
+
+<file path=customXml/itemProps2.xml><?xml version="1.0" encoding="utf-8"?>
 <ds:datastoreItem xmlns:ds="http://schemas.openxmlformats.org/officeDocument/2006/customXml" ds:itemID="{702E500B-C12C-4E9E-A03B-EBA9A45F5EED}">
   <ds:schemaRefs>
     <ds:schemaRef ds:uri="http://schemas.microsoft.com/office/2006/metadata/contentType"/>
@@ -21078,24 +21260,6 @@
 </ds:datastoreItem>
 </file>
 
-<file path=customXml/itemProps2.xml><?xml version="1.0" encoding="utf-8"?>
-<ds:datastoreItem xmlns:ds="http://schemas.openxmlformats.org/officeDocument/2006/customXml" ds:itemID="{54B223DC-0EA2-4B5D-8283-CB961A092825}">
-  <ds:schemaRefs>
-    <ds:schemaRef ds:uri="http://schemas.microsoft.com/office/2006/documentManagement/types"/>
-    <ds:schemaRef ds:uri="http://purl.org/dc/elements/1.1/"/>
-    <ds:schemaRef ds:uri="http://schemas.microsoft.com/office/2006/metadata/properties"/>
-    <ds:schemaRef ds:uri="http://schemas.microsoft.com/sharepoint/v3"/>
-    <ds:schemaRef ds:uri="http://purl.org/dc/terms/"/>
-    <ds:schemaRef ds:uri="http://schemas.openxmlformats.org/package/2006/metadata/core-properties"/>
-    <ds:schemaRef ds:uri="http://purl.org/dc/dcmitype/"/>
-    <ds:schemaRef ds:uri="http://schemas.microsoft.com/office/infopath/2007/PartnerControls"/>
-    <ds:schemaRef ds:uri="http://www.w3.org/XML/1998/namespace"/>
-    <ds:schemaRef ds:uri="eff491a8-9e89-43ed-bdac-cae08270df65"/>
-    <ds:schemaRef ds:uri="171f1213-7bf6-4d86-990a-6b8ce816bd43"/>
-  </ds:schemaRefs>
-</ds:datastoreItem>
-</file>
-
 <file path=customXml/itemProps3.xml><?xml version="1.0" encoding="utf-8"?>
 <ds:datastoreItem xmlns:ds="http://schemas.openxmlformats.org/officeDocument/2006/customXml" ds:itemID="{7BC9E46E-2939-4C92-A847-189854327AFD}">
   <ds:schemaRefs>

--- a/presentation/LORA-RPoenaru.pptx
+++ b/presentation/LORA-RPoenaru.pptx
@@ -6,7 +6,7 @@
     <p:sldMasterId id="2147483658" r:id="rId5"/>
   </p:sldMasterIdLst>
   <p:notesMasterIdLst>
-    <p:notesMasterId r:id="rId16"/>
+    <p:notesMasterId r:id="rId18"/>
   </p:notesMasterIdLst>
   <p:sldIdLst>
     <p:sldId id="300" r:id="rId6"/>
@@ -14,11 +14,13 @@
     <p:sldId id="288" r:id="rId8"/>
     <p:sldId id="301" r:id="rId9"/>
     <p:sldId id="302" r:id="rId10"/>
-    <p:sldId id="292" r:id="rId11"/>
-    <p:sldId id="293" r:id="rId12"/>
-    <p:sldId id="294" r:id="rId13"/>
-    <p:sldId id="298" r:id="rId14"/>
-    <p:sldId id="287" r:id="rId15"/>
+    <p:sldId id="303" r:id="rId11"/>
+    <p:sldId id="304" r:id="rId12"/>
+    <p:sldId id="292" r:id="rId13"/>
+    <p:sldId id="293" r:id="rId14"/>
+    <p:sldId id="294" r:id="rId15"/>
+    <p:sldId id="298" r:id="rId16"/>
+    <p:sldId id="287" r:id="rId17"/>
   </p:sldIdLst>
   <p:sldSz cx="9144000" cy="5143500" type="screen16x9"/>
   <p:notesSz cx="6858000" cy="9144000"/>
@@ -2052,6 +2054,753 @@
 </dgm:colorsDef>
 </file>
 
+<file path=ppt/diagrams/colors2.xml><?xml version="1.0" encoding="utf-8"?>
+<dgm:colorsDef xmlns:dgm="http://schemas.openxmlformats.org/drawingml/2006/diagram" xmlns:a="http://schemas.openxmlformats.org/drawingml/2006/main" uniqueId="urn:microsoft.com/office/officeart/2005/8/colors/accent1_2">
+  <dgm:title val=""/>
+  <dgm:desc val=""/>
+  <dgm:catLst>
+    <dgm:cat type="accent1" pri="11200"/>
+  </dgm:catLst>
+  <dgm:styleLbl name="node0">
+    <dgm:fillClrLst meth="repeat">
+      <a:schemeClr val="accent1"/>
+    </dgm:fillClrLst>
+    <dgm:linClrLst meth="repeat">
+      <a:schemeClr val="lt1"/>
+    </dgm:linClrLst>
+    <dgm:effectClrLst/>
+    <dgm:txLinClrLst/>
+    <dgm:txFillClrLst/>
+    <dgm:txEffectClrLst/>
+  </dgm:styleLbl>
+  <dgm:styleLbl name="alignNode1">
+    <dgm:fillClrLst meth="repeat">
+      <a:schemeClr val="accent1"/>
+    </dgm:fillClrLst>
+    <dgm:linClrLst meth="repeat">
+      <a:schemeClr val="accent1"/>
+    </dgm:linClrLst>
+    <dgm:effectClrLst/>
+    <dgm:txLinClrLst/>
+    <dgm:txFillClrLst/>
+    <dgm:txEffectClrLst/>
+  </dgm:styleLbl>
+  <dgm:styleLbl name="node1">
+    <dgm:fillClrLst meth="repeat">
+      <a:schemeClr val="accent1"/>
+    </dgm:fillClrLst>
+    <dgm:linClrLst meth="repeat">
+      <a:schemeClr val="lt1"/>
+    </dgm:linClrLst>
+    <dgm:effectClrLst/>
+    <dgm:txLinClrLst/>
+    <dgm:txFillClrLst/>
+    <dgm:txEffectClrLst/>
+  </dgm:styleLbl>
+  <dgm:styleLbl name="lnNode1">
+    <dgm:fillClrLst meth="repeat">
+      <a:schemeClr val="accent1"/>
+    </dgm:fillClrLst>
+    <dgm:linClrLst meth="repeat">
+      <a:schemeClr val="lt1"/>
+    </dgm:linClrLst>
+    <dgm:effectClrLst/>
+    <dgm:txLinClrLst/>
+    <dgm:txFillClrLst/>
+    <dgm:txEffectClrLst/>
+  </dgm:styleLbl>
+  <dgm:styleLbl name="vennNode1">
+    <dgm:fillClrLst meth="repeat">
+      <a:schemeClr val="accent1">
+        <a:alpha val="50000"/>
+      </a:schemeClr>
+    </dgm:fillClrLst>
+    <dgm:linClrLst meth="repeat">
+      <a:schemeClr val="lt1"/>
+    </dgm:linClrLst>
+    <dgm:effectClrLst/>
+    <dgm:txLinClrLst/>
+    <dgm:txFillClrLst/>
+    <dgm:txEffectClrLst/>
+  </dgm:styleLbl>
+  <dgm:styleLbl name="node2">
+    <dgm:fillClrLst meth="repeat">
+      <a:schemeClr val="accent1"/>
+    </dgm:fillClrLst>
+    <dgm:linClrLst meth="repeat">
+      <a:schemeClr val="lt1"/>
+    </dgm:linClrLst>
+    <dgm:effectClrLst/>
+    <dgm:txLinClrLst/>
+    <dgm:txFillClrLst/>
+    <dgm:txEffectClrLst/>
+  </dgm:styleLbl>
+  <dgm:styleLbl name="node3">
+    <dgm:fillClrLst meth="repeat">
+      <a:schemeClr val="accent1"/>
+    </dgm:fillClrLst>
+    <dgm:linClrLst meth="repeat">
+      <a:schemeClr val="lt1"/>
+    </dgm:linClrLst>
+    <dgm:effectClrLst/>
+    <dgm:txLinClrLst/>
+    <dgm:txFillClrLst/>
+    <dgm:txEffectClrLst/>
+  </dgm:styleLbl>
+  <dgm:styleLbl name="node4">
+    <dgm:fillClrLst meth="repeat">
+      <a:schemeClr val="accent1"/>
+    </dgm:fillClrLst>
+    <dgm:linClrLst meth="repeat">
+      <a:schemeClr val="lt1"/>
+    </dgm:linClrLst>
+    <dgm:effectClrLst/>
+    <dgm:txLinClrLst/>
+    <dgm:txFillClrLst/>
+    <dgm:txEffectClrLst/>
+  </dgm:styleLbl>
+  <dgm:styleLbl name="fgImgPlace1">
+    <dgm:fillClrLst meth="repeat">
+      <a:schemeClr val="accent1">
+        <a:tint val="50000"/>
+      </a:schemeClr>
+    </dgm:fillClrLst>
+    <dgm:linClrLst meth="repeat">
+      <a:schemeClr val="lt1"/>
+    </dgm:linClrLst>
+    <dgm:effectClrLst/>
+    <dgm:txLinClrLst/>
+    <dgm:txFillClrLst meth="repeat">
+      <a:schemeClr val="lt1"/>
+    </dgm:txFillClrLst>
+    <dgm:txEffectClrLst/>
+  </dgm:styleLbl>
+  <dgm:styleLbl name="alignImgPlace1">
+    <dgm:fillClrLst meth="repeat">
+      <a:schemeClr val="accent1">
+        <a:tint val="50000"/>
+      </a:schemeClr>
+    </dgm:fillClrLst>
+    <dgm:linClrLst meth="repeat">
+      <a:schemeClr val="lt1"/>
+    </dgm:linClrLst>
+    <dgm:effectClrLst/>
+    <dgm:txLinClrLst/>
+    <dgm:txFillClrLst meth="repeat">
+      <a:schemeClr val="lt1"/>
+    </dgm:txFillClrLst>
+    <dgm:txEffectClrLst/>
+  </dgm:styleLbl>
+  <dgm:styleLbl name="bgImgPlace1">
+    <dgm:fillClrLst meth="repeat">
+      <a:schemeClr val="accent1">
+        <a:tint val="50000"/>
+      </a:schemeClr>
+    </dgm:fillClrLst>
+    <dgm:linClrLst meth="repeat">
+      <a:schemeClr val="lt1"/>
+    </dgm:linClrLst>
+    <dgm:effectClrLst/>
+    <dgm:txLinClrLst/>
+    <dgm:txFillClrLst meth="repeat">
+      <a:schemeClr val="lt1"/>
+    </dgm:txFillClrLst>
+    <dgm:txEffectClrLst/>
+  </dgm:styleLbl>
+  <dgm:styleLbl name="sibTrans2D1">
+    <dgm:fillClrLst meth="repeat">
+      <a:schemeClr val="accent1">
+        <a:tint val="60000"/>
+      </a:schemeClr>
+    </dgm:fillClrLst>
+    <dgm:linClrLst meth="repeat">
+      <a:schemeClr val="accent1">
+        <a:tint val="60000"/>
+      </a:schemeClr>
+    </dgm:linClrLst>
+    <dgm:effectClrLst/>
+    <dgm:txLinClrLst/>
+    <dgm:txFillClrLst/>
+    <dgm:txEffectClrLst/>
+  </dgm:styleLbl>
+  <dgm:styleLbl name="fgSibTrans2D1">
+    <dgm:fillClrLst meth="repeat">
+      <a:schemeClr val="accent1">
+        <a:tint val="60000"/>
+      </a:schemeClr>
+    </dgm:fillClrLst>
+    <dgm:linClrLst meth="repeat">
+      <a:schemeClr val="accent1">
+        <a:tint val="60000"/>
+      </a:schemeClr>
+    </dgm:linClrLst>
+    <dgm:effectClrLst/>
+    <dgm:txLinClrLst/>
+    <dgm:txFillClrLst/>
+    <dgm:txEffectClrLst/>
+  </dgm:styleLbl>
+  <dgm:styleLbl name="bgSibTrans2D1">
+    <dgm:fillClrLst meth="repeat">
+      <a:schemeClr val="accent1">
+        <a:tint val="60000"/>
+      </a:schemeClr>
+    </dgm:fillClrLst>
+    <dgm:linClrLst meth="repeat">
+      <a:schemeClr val="accent1">
+        <a:tint val="60000"/>
+      </a:schemeClr>
+    </dgm:linClrLst>
+    <dgm:effectClrLst/>
+    <dgm:txLinClrLst/>
+    <dgm:txFillClrLst/>
+    <dgm:txEffectClrLst/>
+  </dgm:styleLbl>
+  <dgm:styleLbl name="sibTrans1D1">
+    <dgm:fillClrLst meth="repeat">
+      <a:schemeClr val="accent1"/>
+    </dgm:fillClrLst>
+    <dgm:linClrLst meth="repeat">
+      <a:schemeClr val="accent1"/>
+    </dgm:linClrLst>
+    <dgm:effectClrLst/>
+    <dgm:txLinClrLst/>
+    <dgm:txFillClrLst meth="repeat">
+      <a:schemeClr val="tx1"/>
+    </dgm:txFillClrLst>
+    <dgm:txEffectClrLst/>
+  </dgm:styleLbl>
+  <dgm:styleLbl name="callout">
+    <dgm:fillClrLst meth="repeat">
+      <a:schemeClr val="accent1"/>
+    </dgm:fillClrLst>
+    <dgm:linClrLst meth="repeat">
+      <a:schemeClr val="accent1">
+        <a:tint val="50000"/>
+      </a:schemeClr>
+    </dgm:linClrLst>
+    <dgm:effectClrLst/>
+    <dgm:txLinClrLst/>
+    <dgm:txFillClrLst meth="repeat">
+      <a:schemeClr val="tx1"/>
+    </dgm:txFillClrLst>
+    <dgm:txEffectClrLst/>
+  </dgm:styleLbl>
+  <dgm:styleLbl name="asst0">
+    <dgm:fillClrLst meth="repeat">
+      <a:schemeClr val="accent1"/>
+    </dgm:fillClrLst>
+    <dgm:linClrLst meth="repeat">
+      <a:schemeClr val="lt1"/>
+    </dgm:linClrLst>
+    <dgm:effectClrLst/>
+    <dgm:txLinClrLst/>
+    <dgm:txFillClrLst/>
+    <dgm:txEffectClrLst/>
+  </dgm:styleLbl>
+  <dgm:styleLbl name="asst1">
+    <dgm:fillClrLst meth="repeat">
+      <a:schemeClr val="accent1"/>
+    </dgm:fillClrLst>
+    <dgm:linClrLst meth="repeat">
+      <a:schemeClr val="lt1"/>
+    </dgm:linClrLst>
+    <dgm:effectClrLst/>
+    <dgm:txLinClrLst/>
+    <dgm:txFillClrLst/>
+    <dgm:txEffectClrLst/>
+  </dgm:styleLbl>
+  <dgm:styleLbl name="asst2">
+    <dgm:fillClrLst meth="repeat">
+      <a:schemeClr val="accent1"/>
+    </dgm:fillClrLst>
+    <dgm:linClrLst meth="repeat">
+      <a:schemeClr val="lt1"/>
+    </dgm:linClrLst>
+    <dgm:effectClrLst/>
+    <dgm:txLinClrLst/>
+    <dgm:txFillClrLst/>
+    <dgm:txEffectClrLst/>
+  </dgm:styleLbl>
+  <dgm:styleLbl name="asst3">
+    <dgm:fillClrLst meth="repeat">
+      <a:schemeClr val="accent1"/>
+    </dgm:fillClrLst>
+    <dgm:linClrLst meth="repeat">
+      <a:schemeClr val="lt1"/>
+    </dgm:linClrLst>
+    <dgm:effectClrLst/>
+    <dgm:txLinClrLst/>
+    <dgm:txFillClrLst/>
+    <dgm:txEffectClrLst/>
+  </dgm:styleLbl>
+  <dgm:styleLbl name="asst4">
+    <dgm:fillClrLst meth="repeat">
+      <a:schemeClr val="accent1"/>
+    </dgm:fillClrLst>
+    <dgm:linClrLst meth="repeat">
+      <a:schemeClr val="lt1"/>
+    </dgm:linClrLst>
+    <dgm:effectClrLst/>
+    <dgm:txLinClrLst/>
+    <dgm:txFillClrLst/>
+    <dgm:txEffectClrLst/>
+  </dgm:styleLbl>
+  <dgm:styleLbl name="parChTrans2D1">
+    <dgm:fillClrLst meth="repeat">
+      <a:schemeClr val="accent1">
+        <a:tint val="60000"/>
+      </a:schemeClr>
+    </dgm:fillClrLst>
+    <dgm:linClrLst meth="repeat">
+      <a:schemeClr val="accent1">
+        <a:tint val="60000"/>
+      </a:schemeClr>
+    </dgm:linClrLst>
+    <dgm:effectClrLst/>
+    <dgm:txLinClrLst/>
+    <dgm:txFillClrLst meth="repeat">
+      <a:schemeClr val="lt1"/>
+    </dgm:txFillClrLst>
+    <dgm:txEffectClrLst/>
+  </dgm:styleLbl>
+  <dgm:styleLbl name="parChTrans2D2">
+    <dgm:fillClrLst meth="repeat">
+      <a:schemeClr val="accent1"/>
+    </dgm:fillClrLst>
+    <dgm:linClrLst meth="repeat">
+      <a:schemeClr val="accent1"/>
+    </dgm:linClrLst>
+    <dgm:effectClrLst/>
+    <dgm:txLinClrLst/>
+    <dgm:txFillClrLst meth="repeat">
+      <a:schemeClr val="lt1"/>
+    </dgm:txFillClrLst>
+    <dgm:txEffectClrLst/>
+  </dgm:styleLbl>
+  <dgm:styleLbl name="parChTrans2D3">
+    <dgm:fillClrLst meth="repeat">
+      <a:schemeClr val="accent1"/>
+    </dgm:fillClrLst>
+    <dgm:linClrLst meth="repeat">
+      <a:schemeClr val="accent1"/>
+    </dgm:linClrLst>
+    <dgm:effectClrLst/>
+    <dgm:txLinClrLst/>
+    <dgm:txFillClrLst meth="repeat">
+      <a:schemeClr val="lt1"/>
+    </dgm:txFillClrLst>
+    <dgm:txEffectClrLst/>
+  </dgm:styleLbl>
+  <dgm:styleLbl name="parChTrans2D4">
+    <dgm:fillClrLst meth="repeat">
+      <a:schemeClr val="accent1"/>
+    </dgm:fillClrLst>
+    <dgm:linClrLst meth="repeat">
+      <a:schemeClr val="accent1"/>
+    </dgm:linClrLst>
+    <dgm:effectClrLst/>
+    <dgm:txLinClrLst/>
+    <dgm:txFillClrLst meth="repeat">
+      <a:schemeClr val="lt1"/>
+    </dgm:txFillClrLst>
+    <dgm:txEffectClrLst/>
+  </dgm:styleLbl>
+  <dgm:styleLbl name="parChTrans1D1">
+    <dgm:fillClrLst meth="repeat">
+      <a:schemeClr val="accent1"/>
+    </dgm:fillClrLst>
+    <dgm:linClrLst meth="repeat">
+      <a:schemeClr val="accent1">
+        <a:shade val="60000"/>
+      </a:schemeClr>
+    </dgm:linClrLst>
+    <dgm:effectClrLst/>
+    <dgm:txLinClrLst/>
+    <dgm:txFillClrLst meth="repeat">
+      <a:schemeClr val="tx1"/>
+    </dgm:txFillClrLst>
+    <dgm:txEffectClrLst/>
+  </dgm:styleLbl>
+  <dgm:styleLbl name="parChTrans1D2">
+    <dgm:fillClrLst meth="repeat">
+      <a:schemeClr val="accent1"/>
+    </dgm:fillClrLst>
+    <dgm:linClrLst meth="repeat">
+      <a:schemeClr val="accent1">
+        <a:shade val="60000"/>
+      </a:schemeClr>
+    </dgm:linClrLst>
+    <dgm:effectClrLst/>
+    <dgm:txLinClrLst/>
+    <dgm:txFillClrLst meth="repeat">
+      <a:schemeClr val="tx1"/>
+    </dgm:txFillClrLst>
+    <dgm:txEffectClrLst/>
+  </dgm:styleLbl>
+  <dgm:styleLbl name="parChTrans1D3">
+    <dgm:fillClrLst meth="repeat">
+      <a:schemeClr val="accent1"/>
+    </dgm:fillClrLst>
+    <dgm:linClrLst meth="repeat">
+      <a:schemeClr val="accent1">
+        <a:shade val="80000"/>
+      </a:schemeClr>
+    </dgm:linClrLst>
+    <dgm:effectClrLst/>
+    <dgm:txLinClrLst/>
+    <dgm:txFillClrLst meth="repeat">
+      <a:schemeClr val="tx1"/>
+    </dgm:txFillClrLst>
+    <dgm:txEffectClrLst/>
+  </dgm:styleLbl>
+  <dgm:styleLbl name="parChTrans1D4">
+    <dgm:fillClrLst meth="repeat">
+      <a:schemeClr val="accent1"/>
+    </dgm:fillClrLst>
+    <dgm:linClrLst meth="repeat">
+      <a:schemeClr val="accent1">
+        <a:shade val="80000"/>
+      </a:schemeClr>
+    </dgm:linClrLst>
+    <dgm:effectClrLst/>
+    <dgm:txLinClrLst/>
+    <dgm:txFillClrLst meth="repeat">
+      <a:schemeClr val="tx1"/>
+    </dgm:txFillClrLst>
+    <dgm:txEffectClrLst/>
+  </dgm:styleLbl>
+  <dgm:styleLbl name="fgAcc1">
+    <dgm:fillClrLst meth="repeat">
+      <a:schemeClr val="lt1">
+        <a:alpha val="90000"/>
+      </a:schemeClr>
+    </dgm:fillClrLst>
+    <dgm:linClrLst meth="repeat">
+      <a:schemeClr val="accent1"/>
+    </dgm:linClrLst>
+    <dgm:effectClrLst/>
+    <dgm:txLinClrLst/>
+    <dgm:txFillClrLst meth="repeat">
+      <a:schemeClr val="dk1"/>
+    </dgm:txFillClrLst>
+    <dgm:txEffectClrLst/>
+  </dgm:styleLbl>
+  <dgm:styleLbl name="conFgAcc1">
+    <dgm:fillClrLst meth="repeat">
+      <a:schemeClr val="lt1">
+        <a:alpha val="90000"/>
+      </a:schemeClr>
+    </dgm:fillClrLst>
+    <dgm:linClrLst meth="repeat">
+      <a:schemeClr val="accent1"/>
+    </dgm:linClrLst>
+    <dgm:effectClrLst/>
+    <dgm:txLinClrLst/>
+    <dgm:txFillClrLst meth="repeat">
+      <a:schemeClr val="dk1"/>
+    </dgm:txFillClrLst>
+    <dgm:txEffectClrLst/>
+  </dgm:styleLbl>
+  <dgm:styleLbl name="alignAcc1">
+    <dgm:fillClrLst meth="repeat">
+      <a:schemeClr val="lt1">
+        <a:alpha val="90000"/>
+      </a:schemeClr>
+    </dgm:fillClrLst>
+    <dgm:linClrLst meth="repeat">
+      <a:schemeClr val="accent1"/>
+    </dgm:linClrLst>
+    <dgm:effectClrLst/>
+    <dgm:txLinClrLst/>
+    <dgm:txFillClrLst meth="repeat">
+      <a:schemeClr val="dk1"/>
+    </dgm:txFillClrLst>
+    <dgm:txEffectClrLst/>
+  </dgm:styleLbl>
+  <dgm:styleLbl name="trAlignAcc1">
+    <dgm:fillClrLst meth="repeat">
+      <a:schemeClr val="lt1">
+        <a:alpha val="40000"/>
+      </a:schemeClr>
+    </dgm:fillClrLst>
+    <dgm:linClrLst meth="repeat">
+      <a:schemeClr val="accent1"/>
+    </dgm:linClrLst>
+    <dgm:effectClrLst/>
+    <dgm:txLinClrLst/>
+    <dgm:txFillClrLst meth="repeat">
+      <a:schemeClr val="dk1"/>
+    </dgm:txFillClrLst>
+    <dgm:txEffectClrLst/>
+  </dgm:styleLbl>
+  <dgm:styleLbl name="bgAcc1">
+    <dgm:fillClrLst meth="repeat">
+      <a:schemeClr val="lt1">
+        <a:alpha val="90000"/>
+      </a:schemeClr>
+    </dgm:fillClrLst>
+    <dgm:linClrLst meth="repeat">
+      <a:schemeClr val="accent1"/>
+    </dgm:linClrLst>
+    <dgm:effectClrLst/>
+    <dgm:txLinClrLst/>
+    <dgm:txFillClrLst meth="repeat">
+      <a:schemeClr val="dk1"/>
+    </dgm:txFillClrLst>
+    <dgm:txEffectClrLst/>
+  </dgm:styleLbl>
+  <dgm:styleLbl name="solidFgAcc1">
+    <dgm:fillClrLst meth="repeat">
+      <a:schemeClr val="lt1"/>
+    </dgm:fillClrLst>
+    <dgm:linClrLst meth="repeat">
+      <a:schemeClr val="accent1"/>
+    </dgm:linClrLst>
+    <dgm:effectClrLst/>
+    <dgm:txLinClrLst/>
+    <dgm:txFillClrLst meth="repeat">
+      <a:schemeClr val="dk1"/>
+    </dgm:txFillClrLst>
+    <dgm:txEffectClrLst/>
+  </dgm:styleLbl>
+  <dgm:styleLbl name="solidAlignAcc1">
+    <dgm:fillClrLst meth="repeat">
+      <a:schemeClr val="lt1"/>
+    </dgm:fillClrLst>
+    <dgm:linClrLst meth="repeat">
+      <a:schemeClr val="accent1"/>
+    </dgm:linClrLst>
+    <dgm:effectClrLst/>
+    <dgm:txLinClrLst/>
+    <dgm:txFillClrLst meth="repeat">
+      <a:schemeClr val="dk1"/>
+    </dgm:txFillClrLst>
+    <dgm:txEffectClrLst/>
+  </dgm:styleLbl>
+  <dgm:styleLbl name="solidBgAcc1">
+    <dgm:fillClrLst meth="repeat">
+      <a:schemeClr val="lt1"/>
+    </dgm:fillClrLst>
+    <dgm:linClrLst meth="repeat">
+      <a:schemeClr val="accent1"/>
+    </dgm:linClrLst>
+    <dgm:effectClrLst/>
+    <dgm:txLinClrLst/>
+    <dgm:txFillClrLst meth="repeat">
+      <a:schemeClr val="dk1"/>
+    </dgm:txFillClrLst>
+    <dgm:txEffectClrLst/>
+  </dgm:styleLbl>
+  <dgm:styleLbl name="fgAccFollowNode1">
+    <dgm:fillClrLst meth="repeat">
+      <a:schemeClr val="accent1">
+        <a:alpha val="90000"/>
+        <a:tint val="40000"/>
+      </a:schemeClr>
+    </dgm:fillClrLst>
+    <dgm:linClrLst meth="repeat">
+      <a:schemeClr val="accent1">
+        <a:alpha val="90000"/>
+        <a:tint val="40000"/>
+      </a:schemeClr>
+    </dgm:linClrLst>
+    <dgm:effectClrLst/>
+    <dgm:txLinClrLst/>
+    <dgm:txFillClrLst meth="repeat">
+      <a:schemeClr val="dk1"/>
+    </dgm:txFillClrLst>
+    <dgm:txEffectClrLst/>
+  </dgm:styleLbl>
+  <dgm:styleLbl name="alignAccFollowNode1">
+    <dgm:fillClrLst meth="repeat">
+      <a:schemeClr val="accent1">
+        <a:alpha val="90000"/>
+        <a:tint val="40000"/>
+      </a:schemeClr>
+    </dgm:fillClrLst>
+    <dgm:linClrLst meth="repeat">
+      <a:schemeClr val="accent1">
+        <a:alpha val="90000"/>
+        <a:tint val="40000"/>
+      </a:schemeClr>
+    </dgm:linClrLst>
+    <dgm:effectClrLst/>
+    <dgm:txLinClrLst/>
+    <dgm:txFillClrLst meth="repeat">
+      <a:schemeClr val="dk1"/>
+    </dgm:txFillClrLst>
+    <dgm:txEffectClrLst/>
+  </dgm:styleLbl>
+  <dgm:styleLbl name="bgAccFollowNode1">
+    <dgm:fillClrLst meth="repeat">
+      <a:schemeClr val="accent1">
+        <a:alpha val="90000"/>
+        <a:tint val="40000"/>
+      </a:schemeClr>
+    </dgm:fillClrLst>
+    <dgm:linClrLst meth="repeat">
+      <a:schemeClr val="accent1">
+        <a:alpha val="90000"/>
+        <a:tint val="40000"/>
+      </a:schemeClr>
+    </dgm:linClrLst>
+    <dgm:effectClrLst/>
+    <dgm:txLinClrLst/>
+    <dgm:txFillClrLst meth="repeat">
+      <a:schemeClr val="dk1"/>
+    </dgm:txFillClrLst>
+    <dgm:txEffectClrLst/>
+  </dgm:styleLbl>
+  <dgm:styleLbl name="fgAcc0">
+    <dgm:fillClrLst meth="repeat">
+      <a:schemeClr val="lt1">
+        <a:alpha val="90000"/>
+      </a:schemeClr>
+    </dgm:fillClrLst>
+    <dgm:linClrLst meth="repeat">
+      <a:schemeClr val="accent1"/>
+    </dgm:linClrLst>
+    <dgm:effectClrLst/>
+    <dgm:txLinClrLst/>
+    <dgm:txFillClrLst meth="repeat">
+      <a:schemeClr val="dk1"/>
+    </dgm:txFillClrLst>
+    <dgm:txEffectClrLst/>
+  </dgm:styleLbl>
+  <dgm:styleLbl name="fgAcc2">
+    <dgm:fillClrLst meth="repeat">
+      <a:schemeClr val="lt1">
+        <a:alpha val="90000"/>
+      </a:schemeClr>
+    </dgm:fillClrLst>
+    <dgm:linClrLst meth="repeat">
+      <a:schemeClr val="accent1"/>
+    </dgm:linClrLst>
+    <dgm:effectClrLst/>
+    <dgm:txLinClrLst/>
+    <dgm:txFillClrLst meth="repeat">
+      <a:schemeClr val="dk1"/>
+    </dgm:txFillClrLst>
+    <dgm:txEffectClrLst/>
+  </dgm:styleLbl>
+  <dgm:styleLbl name="fgAcc3">
+    <dgm:fillClrLst meth="repeat">
+      <a:schemeClr val="lt1">
+        <a:alpha val="90000"/>
+      </a:schemeClr>
+    </dgm:fillClrLst>
+    <dgm:linClrLst meth="repeat">
+      <a:schemeClr val="accent1"/>
+    </dgm:linClrLst>
+    <dgm:effectClrLst/>
+    <dgm:txLinClrLst/>
+    <dgm:txFillClrLst meth="repeat">
+      <a:schemeClr val="dk1"/>
+    </dgm:txFillClrLst>
+    <dgm:txEffectClrLst/>
+  </dgm:styleLbl>
+  <dgm:styleLbl name="fgAcc4">
+    <dgm:fillClrLst meth="repeat">
+      <a:schemeClr val="lt1">
+        <a:alpha val="90000"/>
+      </a:schemeClr>
+    </dgm:fillClrLst>
+    <dgm:linClrLst meth="repeat">
+      <a:schemeClr val="accent1"/>
+    </dgm:linClrLst>
+    <dgm:effectClrLst/>
+    <dgm:txLinClrLst/>
+    <dgm:txFillClrLst meth="repeat">
+      <a:schemeClr val="dk1"/>
+    </dgm:txFillClrLst>
+    <dgm:txEffectClrLst/>
+  </dgm:styleLbl>
+  <dgm:styleLbl name="bgShp">
+    <dgm:fillClrLst meth="repeat">
+      <a:schemeClr val="accent1">
+        <a:tint val="40000"/>
+      </a:schemeClr>
+    </dgm:fillClrLst>
+    <dgm:linClrLst meth="repeat">
+      <a:schemeClr val="accent1"/>
+    </dgm:linClrLst>
+    <dgm:effectClrLst/>
+    <dgm:txLinClrLst/>
+    <dgm:txFillClrLst meth="repeat">
+      <a:schemeClr val="dk1"/>
+    </dgm:txFillClrLst>
+    <dgm:txEffectClrLst/>
+  </dgm:styleLbl>
+  <dgm:styleLbl name="dkBgShp">
+    <dgm:fillClrLst meth="repeat">
+      <a:schemeClr val="accent1">
+        <a:shade val="80000"/>
+      </a:schemeClr>
+    </dgm:fillClrLst>
+    <dgm:linClrLst meth="repeat">
+      <a:schemeClr val="accent1"/>
+    </dgm:linClrLst>
+    <dgm:effectClrLst/>
+    <dgm:txLinClrLst/>
+    <dgm:txFillClrLst meth="repeat">
+      <a:schemeClr val="lt1"/>
+    </dgm:txFillClrLst>
+    <dgm:txEffectClrLst/>
+  </dgm:styleLbl>
+  <dgm:styleLbl name="trBgShp">
+    <dgm:fillClrLst meth="repeat">
+      <a:schemeClr val="accent1">
+        <a:tint val="50000"/>
+        <a:alpha val="40000"/>
+      </a:schemeClr>
+    </dgm:fillClrLst>
+    <dgm:linClrLst meth="repeat">
+      <a:schemeClr val="accent1"/>
+    </dgm:linClrLst>
+    <dgm:effectClrLst/>
+    <dgm:txLinClrLst/>
+    <dgm:txFillClrLst meth="repeat">
+      <a:schemeClr val="lt1"/>
+    </dgm:txFillClrLst>
+    <dgm:txEffectClrLst/>
+  </dgm:styleLbl>
+  <dgm:styleLbl name="fgShp">
+    <dgm:fillClrLst meth="repeat">
+      <a:schemeClr val="accent1">
+        <a:tint val="60000"/>
+      </a:schemeClr>
+    </dgm:fillClrLst>
+    <dgm:linClrLst meth="repeat">
+      <a:schemeClr val="lt1"/>
+    </dgm:linClrLst>
+    <dgm:effectClrLst/>
+    <dgm:txLinClrLst/>
+    <dgm:txFillClrLst meth="repeat">
+      <a:schemeClr val="dk1"/>
+    </dgm:txFillClrLst>
+    <dgm:txEffectClrLst/>
+  </dgm:styleLbl>
+  <dgm:styleLbl name="revTx">
+    <dgm:fillClrLst meth="repeat">
+      <a:schemeClr val="lt1">
+        <a:alpha val="0"/>
+      </a:schemeClr>
+    </dgm:fillClrLst>
+    <dgm:linClrLst meth="repeat">
+      <a:schemeClr val="dk1">
+        <a:alpha val="0"/>
+      </a:schemeClr>
+    </dgm:linClrLst>
+    <dgm:effectClrLst/>
+    <dgm:txLinClrLst/>
+    <dgm:txFillClrLst meth="repeat">
+      <a:schemeClr val="tx1"/>
+    </dgm:txFillClrLst>
+    <dgm:txEffectClrLst/>
+  </dgm:styleLbl>
+</dgm:colorsDef>
+</file>
+
 <file path=ppt/diagrams/data1.xml><?xml version="1.0" encoding="utf-8"?>
 <dgm:dataModel xmlns:dgm="http://schemas.openxmlformats.org/drawingml/2006/diagram" xmlns:a="http://schemas.openxmlformats.org/drawingml/2006/main">
   <dgm:ptLst>
@@ -2255,6 +3004,272 @@
 </dgm:dataModel>
 </file>
 
+<file path=ppt/diagrams/data2.xml><?xml version="1.0" encoding="utf-8"?>
+<dgm:dataModel xmlns:dgm="http://schemas.openxmlformats.org/drawingml/2006/diagram" xmlns:a="http://schemas.openxmlformats.org/drawingml/2006/main">
+  <dgm:ptLst>
+    <dgm:pt modelId="{EF092976-5524-0645-80C9-E16ED49D103C}" type="doc">
+      <dgm:prSet loTypeId="urn:microsoft.com/office/officeart/2005/8/layout/equation1" loCatId="" qsTypeId="urn:microsoft.com/office/officeart/2005/8/quickstyle/simple1" qsCatId="simple" csTypeId="urn:microsoft.com/office/officeart/2005/8/colors/accent1_2" csCatId="accent1" phldr="1"/>
+      <dgm:spPr/>
+    </dgm:pt>
+    <dgm:pt modelId="{B72CEE0B-1CF3-E44E-BDD2-9F35C6C2F141}">
+      <dgm:prSet phldrT="[Text]"/>
+      <dgm:spPr/>
+      <dgm:t>
+        <a:bodyPr/>
+        <a:lstStyle/>
+        <a:p>
+          <a:r>
+            <a:rPr lang="en-US" dirty="0"/>
+            <a:t>Encoder-Decoder</a:t>
+          </a:r>
+        </a:p>
+      </dgm:t>
+    </dgm:pt>
+    <dgm:pt modelId="{A61C5C4D-2AD4-5940-8E7B-1D48FAF472C3}" type="parTrans" cxnId="{E3F25B73-B5EA-DB44-B030-B983FBED7603}">
+      <dgm:prSet/>
+      <dgm:spPr/>
+      <dgm:t>
+        <a:bodyPr/>
+        <a:lstStyle/>
+        <a:p>
+          <a:endParaRPr lang="en-US"/>
+        </a:p>
+      </dgm:t>
+    </dgm:pt>
+    <dgm:pt modelId="{99B94C76-A57D-F440-99D5-E75676B4ABED}" type="sibTrans" cxnId="{E3F25B73-B5EA-DB44-B030-B983FBED7603}">
+      <dgm:prSet/>
+      <dgm:spPr/>
+      <dgm:t>
+        <a:bodyPr/>
+        <a:lstStyle/>
+        <a:p>
+          <a:endParaRPr lang="en-US"/>
+        </a:p>
+      </dgm:t>
+    </dgm:pt>
+    <dgm:pt modelId="{A7B29EA7-285F-8B48-A297-A0EB887B5F4B}">
+      <dgm:prSet phldrT="[Text]"/>
+      <dgm:spPr/>
+      <dgm:t>
+        <a:bodyPr/>
+        <a:lstStyle/>
+        <a:p>
+          <a:r>
+            <a:rPr lang="en-US" dirty="0"/>
+            <a:t>Attention Mechanism</a:t>
+          </a:r>
+        </a:p>
+      </dgm:t>
+    </dgm:pt>
+    <dgm:pt modelId="{2C44798C-8F39-6041-B409-1E4D783A6C4E}" type="parTrans" cxnId="{BE5C8981-83A6-154E-BFD5-4ED313939918}">
+      <dgm:prSet/>
+      <dgm:spPr/>
+      <dgm:t>
+        <a:bodyPr/>
+        <a:lstStyle/>
+        <a:p>
+          <a:endParaRPr lang="en-US"/>
+        </a:p>
+      </dgm:t>
+    </dgm:pt>
+    <dgm:pt modelId="{0B09D535-42FC-A544-9DBF-5CF48C3C8EF3}" type="sibTrans" cxnId="{BE5C8981-83A6-154E-BFD5-4ED313939918}">
+      <dgm:prSet/>
+      <dgm:spPr/>
+      <dgm:t>
+        <a:bodyPr/>
+        <a:lstStyle/>
+        <a:p>
+          <a:endParaRPr lang="en-US"/>
+        </a:p>
+      </dgm:t>
+    </dgm:pt>
+    <dgm:pt modelId="{14754254-D469-0A4A-BB2F-6A0803E14B6F}">
+      <dgm:prSet phldrT="[Text]"/>
+      <dgm:spPr/>
+      <dgm:t>
+        <a:bodyPr/>
+        <a:lstStyle/>
+        <a:p>
+          <a:r>
+            <a:rPr lang="en-US" dirty="0"/>
+            <a:t>Transformer</a:t>
+          </a:r>
+        </a:p>
+      </dgm:t>
+    </dgm:pt>
+    <dgm:pt modelId="{66950B76-0A94-1A42-8F45-F394F8C44156}" type="parTrans" cxnId="{A7B26651-F464-6547-894C-C6FA98A99A0C}">
+      <dgm:prSet/>
+      <dgm:spPr/>
+      <dgm:t>
+        <a:bodyPr/>
+        <a:lstStyle/>
+        <a:p>
+          <a:endParaRPr lang="en-US"/>
+        </a:p>
+      </dgm:t>
+    </dgm:pt>
+    <dgm:pt modelId="{C6A82C50-72E6-FC4E-A463-FBD0592D39A1}" type="sibTrans" cxnId="{A7B26651-F464-6547-894C-C6FA98A99A0C}">
+      <dgm:prSet/>
+      <dgm:spPr/>
+      <dgm:t>
+        <a:bodyPr/>
+        <a:lstStyle/>
+        <a:p>
+          <a:endParaRPr lang="en-US"/>
+        </a:p>
+      </dgm:t>
+    </dgm:pt>
+    <dgm:pt modelId="{1165FA31-3AFC-CD4C-A3B8-B4952A8B8722}">
+      <dgm:prSet/>
+      <dgm:spPr/>
+      <dgm:t>
+        <a:bodyPr/>
+        <a:lstStyle/>
+        <a:p>
+          <a:r>
+            <a:rPr lang="en-US" dirty="0"/>
+            <a:t>Positional encodings</a:t>
+          </a:r>
+        </a:p>
+      </dgm:t>
+    </dgm:pt>
+    <dgm:pt modelId="{54F538FA-6F49-124C-99F1-25FD3BD84145}" type="parTrans" cxnId="{9B229E9A-E850-5E41-99CE-CBDFFA73D134}">
+      <dgm:prSet/>
+      <dgm:spPr/>
+      <dgm:t>
+        <a:bodyPr/>
+        <a:lstStyle/>
+        <a:p>
+          <a:endParaRPr lang="en-US"/>
+        </a:p>
+      </dgm:t>
+    </dgm:pt>
+    <dgm:pt modelId="{B57CDE92-5BA9-134A-AF58-94972F992C67}" type="sibTrans" cxnId="{9B229E9A-E850-5E41-99CE-CBDFFA73D134}">
+      <dgm:prSet/>
+      <dgm:spPr/>
+      <dgm:t>
+        <a:bodyPr/>
+        <a:lstStyle/>
+        <a:p>
+          <a:endParaRPr lang="en-US"/>
+        </a:p>
+      </dgm:t>
+    </dgm:pt>
+    <dgm:pt modelId="{498C34AD-8AA0-AA43-918D-19500ABAADB1}" type="pres">
+      <dgm:prSet presAssocID="{EF092976-5524-0645-80C9-E16ED49D103C}" presName="linearFlow" presStyleCnt="0">
+        <dgm:presLayoutVars>
+          <dgm:dir/>
+          <dgm:resizeHandles val="exact"/>
+        </dgm:presLayoutVars>
+      </dgm:prSet>
+      <dgm:spPr/>
+    </dgm:pt>
+    <dgm:pt modelId="{B71958BF-454F-4749-8E4B-633592DDD9F1}" type="pres">
+      <dgm:prSet presAssocID="{B72CEE0B-1CF3-E44E-BDD2-9F35C6C2F141}" presName="node" presStyleLbl="node1" presStyleIdx="0" presStyleCnt="4">
+        <dgm:presLayoutVars>
+          <dgm:bulletEnabled val="1"/>
+        </dgm:presLayoutVars>
+      </dgm:prSet>
+      <dgm:spPr/>
+    </dgm:pt>
+    <dgm:pt modelId="{D693A182-A00D-4047-8D13-ADED29E68C2A}" type="pres">
+      <dgm:prSet presAssocID="{99B94C76-A57D-F440-99D5-E75676B4ABED}" presName="spacerL" presStyleCnt="0"/>
+      <dgm:spPr/>
+    </dgm:pt>
+    <dgm:pt modelId="{2ADDABE5-119C-594E-970A-174662E64F48}" type="pres">
+      <dgm:prSet presAssocID="{99B94C76-A57D-F440-99D5-E75676B4ABED}" presName="sibTrans" presStyleLbl="sibTrans2D1" presStyleIdx="0" presStyleCnt="3"/>
+      <dgm:spPr/>
+    </dgm:pt>
+    <dgm:pt modelId="{03FE9E16-E37C-CC41-999B-C884D859A78D}" type="pres">
+      <dgm:prSet presAssocID="{99B94C76-A57D-F440-99D5-E75676B4ABED}" presName="spacerR" presStyleCnt="0"/>
+      <dgm:spPr/>
+    </dgm:pt>
+    <dgm:pt modelId="{8C80A022-C02C-4A48-9D80-03AB584DB2AA}" type="pres">
+      <dgm:prSet presAssocID="{A7B29EA7-285F-8B48-A297-A0EB887B5F4B}" presName="node" presStyleLbl="node1" presStyleIdx="1" presStyleCnt="4">
+        <dgm:presLayoutVars>
+          <dgm:bulletEnabled val="1"/>
+        </dgm:presLayoutVars>
+      </dgm:prSet>
+      <dgm:spPr/>
+    </dgm:pt>
+    <dgm:pt modelId="{090E0A1E-820D-F643-B81D-0AA3CCBC0423}" type="pres">
+      <dgm:prSet presAssocID="{0B09D535-42FC-A544-9DBF-5CF48C3C8EF3}" presName="spacerL" presStyleCnt="0"/>
+      <dgm:spPr/>
+    </dgm:pt>
+    <dgm:pt modelId="{DDDD92F2-F7F6-294D-AD33-7CA7BFD788B1}" type="pres">
+      <dgm:prSet presAssocID="{0B09D535-42FC-A544-9DBF-5CF48C3C8EF3}" presName="sibTrans" presStyleLbl="sibTrans2D1" presStyleIdx="1" presStyleCnt="3"/>
+      <dgm:spPr/>
+    </dgm:pt>
+    <dgm:pt modelId="{F9FC5870-C237-AD40-B6C5-8D7517A2EE74}" type="pres">
+      <dgm:prSet presAssocID="{0B09D535-42FC-A544-9DBF-5CF48C3C8EF3}" presName="spacerR" presStyleCnt="0"/>
+      <dgm:spPr/>
+    </dgm:pt>
+    <dgm:pt modelId="{4A74D852-8C3C-684F-B780-4A5F2A1DC43F}" type="pres">
+      <dgm:prSet presAssocID="{1165FA31-3AFC-CD4C-A3B8-B4952A8B8722}" presName="node" presStyleLbl="node1" presStyleIdx="2" presStyleCnt="4">
+        <dgm:presLayoutVars>
+          <dgm:bulletEnabled val="1"/>
+        </dgm:presLayoutVars>
+      </dgm:prSet>
+      <dgm:spPr/>
+    </dgm:pt>
+    <dgm:pt modelId="{4FBF214B-F420-D54A-A0F7-0B22DF4C9CD4}" type="pres">
+      <dgm:prSet presAssocID="{B57CDE92-5BA9-134A-AF58-94972F992C67}" presName="spacerL" presStyleCnt="0"/>
+      <dgm:spPr/>
+    </dgm:pt>
+    <dgm:pt modelId="{70C9FE04-3020-2F42-9CD3-01F5CE2AE0C9}" type="pres">
+      <dgm:prSet presAssocID="{B57CDE92-5BA9-134A-AF58-94972F992C67}" presName="sibTrans" presStyleLbl="sibTrans2D1" presStyleIdx="2" presStyleCnt="3"/>
+      <dgm:spPr/>
+    </dgm:pt>
+    <dgm:pt modelId="{3A113356-64A8-1142-A20A-24B21362DA62}" type="pres">
+      <dgm:prSet presAssocID="{B57CDE92-5BA9-134A-AF58-94972F992C67}" presName="spacerR" presStyleCnt="0"/>
+      <dgm:spPr/>
+    </dgm:pt>
+    <dgm:pt modelId="{09CCBB1A-F9EA-4C45-9DFD-4E135789DD1F}" type="pres">
+      <dgm:prSet presAssocID="{14754254-D469-0A4A-BB2F-6A0803E14B6F}" presName="node" presStyleLbl="node1" presStyleIdx="3" presStyleCnt="4">
+        <dgm:presLayoutVars>
+          <dgm:bulletEnabled val="1"/>
+        </dgm:presLayoutVars>
+      </dgm:prSet>
+      <dgm:spPr/>
+    </dgm:pt>
+  </dgm:ptLst>
+  <dgm:cxnLst>
+    <dgm:cxn modelId="{1FC46407-0BF0-C346-8849-FE6905279E04}" type="presOf" srcId="{14754254-D469-0A4A-BB2F-6A0803E14B6F}" destId="{09CCBB1A-F9EA-4C45-9DFD-4E135789DD1F}" srcOrd="0" destOrd="0" presId="urn:microsoft.com/office/officeart/2005/8/layout/equation1"/>
+    <dgm:cxn modelId="{3C952611-15D1-244E-B195-5A46AF074344}" type="presOf" srcId="{0B09D535-42FC-A544-9DBF-5CF48C3C8EF3}" destId="{DDDD92F2-F7F6-294D-AD33-7CA7BFD788B1}" srcOrd="0" destOrd="0" presId="urn:microsoft.com/office/officeart/2005/8/layout/equation1"/>
+    <dgm:cxn modelId="{51EB2C1D-B97E-414E-9DCD-A8D94E1EB31C}" type="presOf" srcId="{A7B29EA7-285F-8B48-A297-A0EB887B5F4B}" destId="{8C80A022-C02C-4A48-9D80-03AB584DB2AA}" srcOrd="0" destOrd="0" presId="urn:microsoft.com/office/officeart/2005/8/layout/equation1"/>
+    <dgm:cxn modelId="{2E7F2D44-D83D-0342-AE7D-F20D6335BDC0}" type="presOf" srcId="{EF092976-5524-0645-80C9-E16ED49D103C}" destId="{498C34AD-8AA0-AA43-918D-19500ABAADB1}" srcOrd="0" destOrd="0" presId="urn:microsoft.com/office/officeart/2005/8/layout/equation1"/>
+    <dgm:cxn modelId="{A7B26651-F464-6547-894C-C6FA98A99A0C}" srcId="{EF092976-5524-0645-80C9-E16ED49D103C}" destId="{14754254-D469-0A4A-BB2F-6A0803E14B6F}" srcOrd="3" destOrd="0" parTransId="{66950B76-0A94-1A42-8F45-F394F8C44156}" sibTransId="{C6A82C50-72E6-FC4E-A463-FBD0592D39A1}"/>
+    <dgm:cxn modelId="{ADB98057-B595-234B-8807-ADA8B19285C0}" type="presOf" srcId="{B72CEE0B-1CF3-E44E-BDD2-9F35C6C2F141}" destId="{B71958BF-454F-4749-8E4B-633592DDD9F1}" srcOrd="0" destOrd="0" presId="urn:microsoft.com/office/officeart/2005/8/layout/equation1"/>
+    <dgm:cxn modelId="{194F8168-7009-6C48-B0F6-AA6A1A50DB13}" type="presOf" srcId="{B57CDE92-5BA9-134A-AF58-94972F992C67}" destId="{70C9FE04-3020-2F42-9CD3-01F5CE2AE0C9}" srcOrd="0" destOrd="0" presId="urn:microsoft.com/office/officeart/2005/8/layout/equation1"/>
+    <dgm:cxn modelId="{E3F25B73-B5EA-DB44-B030-B983FBED7603}" srcId="{EF092976-5524-0645-80C9-E16ED49D103C}" destId="{B72CEE0B-1CF3-E44E-BDD2-9F35C6C2F141}" srcOrd="0" destOrd="0" parTransId="{A61C5C4D-2AD4-5940-8E7B-1D48FAF472C3}" sibTransId="{99B94C76-A57D-F440-99D5-E75676B4ABED}"/>
+    <dgm:cxn modelId="{BE5C8981-83A6-154E-BFD5-4ED313939918}" srcId="{EF092976-5524-0645-80C9-E16ED49D103C}" destId="{A7B29EA7-285F-8B48-A297-A0EB887B5F4B}" srcOrd="1" destOrd="0" parTransId="{2C44798C-8F39-6041-B409-1E4D783A6C4E}" sibTransId="{0B09D535-42FC-A544-9DBF-5CF48C3C8EF3}"/>
+    <dgm:cxn modelId="{9B229E9A-E850-5E41-99CE-CBDFFA73D134}" srcId="{EF092976-5524-0645-80C9-E16ED49D103C}" destId="{1165FA31-3AFC-CD4C-A3B8-B4952A8B8722}" srcOrd="2" destOrd="0" parTransId="{54F538FA-6F49-124C-99F1-25FD3BD84145}" sibTransId="{B57CDE92-5BA9-134A-AF58-94972F992C67}"/>
+    <dgm:cxn modelId="{96F3C5B5-0D67-EF46-8FE1-C0A8A637B2D9}" type="presOf" srcId="{99B94C76-A57D-F440-99D5-E75676B4ABED}" destId="{2ADDABE5-119C-594E-970A-174662E64F48}" srcOrd="0" destOrd="0" presId="urn:microsoft.com/office/officeart/2005/8/layout/equation1"/>
+    <dgm:cxn modelId="{CF164ADB-7AAC-9F40-8898-37634ED63CDA}" type="presOf" srcId="{1165FA31-3AFC-CD4C-A3B8-B4952A8B8722}" destId="{4A74D852-8C3C-684F-B780-4A5F2A1DC43F}" srcOrd="0" destOrd="0" presId="urn:microsoft.com/office/officeart/2005/8/layout/equation1"/>
+    <dgm:cxn modelId="{8B4C058A-C0E0-3847-855B-6325010074AE}" type="presParOf" srcId="{498C34AD-8AA0-AA43-918D-19500ABAADB1}" destId="{B71958BF-454F-4749-8E4B-633592DDD9F1}" srcOrd="0" destOrd="0" presId="urn:microsoft.com/office/officeart/2005/8/layout/equation1"/>
+    <dgm:cxn modelId="{EA70C583-76DE-5348-8C84-B04076A012D8}" type="presParOf" srcId="{498C34AD-8AA0-AA43-918D-19500ABAADB1}" destId="{D693A182-A00D-4047-8D13-ADED29E68C2A}" srcOrd="1" destOrd="0" presId="urn:microsoft.com/office/officeart/2005/8/layout/equation1"/>
+    <dgm:cxn modelId="{136911A2-C573-D54B-8518-2A8D509A974E}" type="presParOf" srcId="{498C34AD-8AA0-AA43-918D-19500ABAADB1}" destId="{2ADDABE5-119C-594E-970A-174662E64F48}" srcOrd="2" destOrd="0" presId="urn:microsoft.com/office/officeart/2005/8/layout/equation1"/>
+    <dgm:cxn modelId="{3A1E51E0-6CC9-2C49-AC4F-8ABB42DBA15E}" type="presParOf" srcId="{498C34AD-8AA0-AA43-918D-19500ABAADB1}" destId="{03FE9E16-E37C-CC41-999B-C884D859A78D}" srcOrd="3" destOrd="0" presId="urn:microsoft.com/office/officeart/2005/8/layout/equation1"/>
+    <dgm:cxn modelId="{7F6BF6C8-49AD-4748-B5AC-3EB5A608103F}" type="presParOf" srcId="{498C34AD-8AA0-AA43-918D-19500ABAADB1}" destId="{8C80A022-C02C-4A48-9D80-03AB584DB2AA}" srcOrd="4" destOrd="0" presId="urn:microsoft.com/office/officeart/2005/8/layout/equation1"/>
+    <dgm:cxn modelId="{B7E790B4-C1AC-F04F-9239-7EFB9182E58D}" type="presParOf" srcId="{498C34AD-8AA0-AA43-918D-19500ABAADB1}" destId="{090E0A1E-820D-F643-B81D-0AA3CCBC0423}" srcOrd="5" destOrd="0" presId="urn:microsoft.com/office/officeart/2005/8/layout/equation1"/>
+    <dgm:cxn modelId="{4CDC162E-0E7F-F84E-BE7B-B0F43E6CFD9A}" type="presParOf" srcId="{498C34AD-8AA0-AA43-918D-19500ABAADB1}" destId="{DDDD92F2-F7F6-294D-AD33-7CA7BFD788B1}" srcOrd="6" destOrd="0" presId="urn:microsoft.com/office/officeart/2005/8/layout/equation1"/>
+    <dgm:cxn modelId="{429E6F9F-F920-5C41-9845-14947EAB3684}" type="presParOf" srcId="{498C34AD-8AA0-AA43-918D-19500ABAADB1}" destId="{F9FC5870-C237-AD40-B6C5-8D7517A2EE74}" srcOrd="7" destOrd="0" presId="urn:microsoft.com/office/officeart/2005/8/layout/equation1"/>
+    <dgm:cxn modelId="{E8278D88-F22D-2641-A1B9-0AEB816F7EB6}" type="presParOf" srcId="{498C34AD-8AA0-AA43-918D-19500ABAADB1}" destId="{4A74D852-8C3C-684F-B780-4A5F2A1DC43F}" srcOrd="8" destOrd="0" presId="urn:microsoft.com/office/officeart/2005/8/layout/equation1"/>
+    <dgm:cxn modelId="{8EE66ACE-4568-2A43-9ED5-8E12E434C63D}" type="presParOf" srcId="{498C34AD-8AA0-AA43-918D-19500ABAADB1}" destId="{4FBF214B-F420-D54A-A0F7-0B22DF4C9CD4}" srcOrd="9" destOrd="0" presId="urn:microsoft.com/office/officeart/2005/8/layout/equation1"/>
+    <dgm:cxn modelId="{24CE5F9A-28C9-2B47-BA87-C5105ADBC407}" type="presParOf" srcId="{498C34AD-8AA0-AA43-918D-19500ABAADB1}" destId="{70C9FE04-3020-2F42-9CD3-01F5CE2AE0C9}" srcOrd="10" destOrd="0" presId="urn:microsoft.com/office/officeart/2005/8/layout/equation1"/>
+    <dgm:cxn modelId="{145A5C3A-9D75-6740-A760-AF415458A6D6}" type="presParOf" srcId="{498C34AD-8AA0-AA43-918D-19500ABAADB1}" destId="{3A113356-64A8-1142-A20A-24B21362DA62}" srcOrd="11" destOrd="0" presId="urn:microsoft.com/office/officeart/2005/8/layout/equation1"/>
+    <dgm:cxn modelId="{3D0DC295-E346-7C43-AA02-1BE689AD774E}" type="presParOf" srcId="{498C34AD-8AA0-AA43-918D-19500ABAADB1}" destId="{09CCBB1A-F9EA-4C45-9DFD-4E135789DD1F}" srcOrd="12" destOrd="0" presId="urn:microsoft.com/office/officeart/2005/8/layout/equation1"/>
+  </dgm:cxnLst>
+  <dgm:bg/>
+  <dgm:whole/>
+  <dgm:extLst>
+    <a:ext uri="http://schemas.microsoft.com/office/drawing/2008/diagram">
+      <dsp:dataModelExt xmlns:dsp="http://schemas.microsoft.com/office/drawing/2008/diagram" relId="rId6" minVer="http://schemas.openxmlformats.org/drawingml/2006/diagram"/>
+    </a:ext>
+  </dgm:extLst>
+</dgm:dataModel>
+</file>
+
 <file path=ppt/diagrams/drawing1.xml><?xml version="1.0" encoding="utf-8"?>
 <dsp:drawing xmlns:dgm="http://schemas.openxmlformats.org/drawingml/2006/diagram" xmlns:dsp="http://schemas.microsoft.com/office/drawing/2008/diagram" xmlns:a="http://schemas.openxmlformats.org/drawingml/2006/main">
   <dsp:spTree>
@@ -2270,8 +3285,8 @@
       </dsp:nvSpPr>
       <dsp:spPr>
         <a:xfrm>
-          <a:off x="746908" y="114418"/>
-          <a:ext cx="2069952" cy="2069952"/>
+          <a:off x="809098" y="46596"/>
+          <a:ext cx="2236628" cy="2236628"/>
         </a:xfrm>
         <a:prstGeom prst="ellipse">
           <a:avLst/>
@@ -2319,7 +3334,7 @@
         </a:bodyPr>
         <a:lstStyle/>
         <a:p>
-          <a:pPr marL="0" lvl="0" indent="0" algn="ctr" defTabSz="889000">
+          <a:pPr marL="0" lvl="0" indent="0" algn="ctr" defTabSz="933450">
             <a:lnSpc>
               <a:spcPct val="90000"/>
             </a:lnSpc>
@@ -2332,14 +3347,14 @@
             <a:buNone/>
           </a:pPr>
           <a:r>
-            <a:rPr lang="en-US" sz="2000" kern="1200" dirty="0"/>
+            <a:rPr lang="en-US" sz="2100" kern="1200" dirty="0"/>
             <a:t>Research</a:t>
           </a:r>
         </a:p>
       </dsp:txBody>
       <dsp:txXfrm>
-        <a:off x="1022901" y="476660"/>
-        <a:ext cx="1517965" cy="931478"/>
+        <a:off x="1107315" y="438006"/>
+        <a:ext cx="1640194" cy="1006483"/>
       </dsp:txXfrm>
     </dsp:sp>
     <dsp:sp modelId="{EC48AA6D-75D3-6A47-B795-E8B85FEC3050}">
@@ -2349,8 +3364,8 @@
       </dsp:nvSpPr>
       <dsp:spPr>
         <a:xfrm>
-          <a:off x="1493816" y="1408139"/>
-          <a:ext cx="2069952" cy="2069952"/>
+          <a:off x="1616148" y="1444489"/>
+          <a:ext cx="2236628" cy="2236628"/>
         </a:xfrm>
         <a:prstGeom prst="ellipse">
           <a:avLst/>
@@ -2398,7 +3413,7 @@
         </a:bodyPr>
         <a:lstStyle/>
         <a:p>
-          <a:pPr marL="0" lvl="0" indent="0" algn="ctr" defTabSz="889000">
+          <a:pPr marL="0" lvl="0" indent="0" algn="ctr" defTabSz="933450">
             <a:lnSpc>
               <a:spcPct val="90000"/>
             </a:lnSpc>
@@ -2411,14 +3426,14 @@
             <a:buNone/>
           </a:pPr>
           <a:r>
-            <a:rPr lang="en-US" sz="2000" kern="1200" dirty="0"/>
+            <a:rPr lang="en-US" sz="2100" kern="1200" dirty="0"/>
             <a:t>Industry</a:t>
           </a:r>
         </a:p>
       </dsp:txBody>
       <dsp:txXfrm>
-        <a:off x="2126876" y="1942877"/>
-        <a:ext cx="1241971" cy="1138474"/>
+        <a:off x="2300184" y="2022285"/>
+        <a:ext cx="1341977" cy="1230145"/>
       </dsp:txXfrm>
     </dsp:sp>
     <dsp:sp modelId="{22C113AD-E1FB-3448-AFAE-FC3C74728CBA}">
@@ -2428,8 +3443,8 @@
       </dsp:nvSpPr>
       <dsp:spPr>
         <a:xfrm>
-          <a:off x="0" y="1408139"/>
-          <a:ext cx="2069952" cy="2069952"/>
+          <a:off x="2048" y="1444489"/>
+          <a:ext cx="2236628" cy="2236628"/>
         </a:xfrm>
         <a:prstGeom prst="ellipse">
           <a:avLst/>
@@ -2477,7 +3492,7 @@
         </a:bodyPr>
         <a:lstStyle/>
         <a:p>
-          <a:pPr marL="0" lvl="0" indent="0" algn="ctr" defTabSz="889000">
+          <a:pPr marL="0" lvl="0" indent="0" algn="ctr" defTabSz="933450">
             <a:lnSpc>
               <a:spcPct val="90000"/>
             </a:lnSpc>
@@ -2490,14 +3505,535 @@
             <a:buNone/>
           </a:pPr>
           <a:r>
-            <a:rPr lang="en-US" sz="2000" kern="1200" dirty="0"/>
+            <a:rPr lang="en-US" sz="2100" kern="1200" dirty="0"/>
             <a:t>Education</a:t>
           </a:r>
         </a:p>
       </dsp:txBody>
       <dsp:txXfrm>
-        <a:off x="194920" y="1942877"/>
-        <a:ext cx="1241971" cy="1138474"/>
+        <a:off x="212664" y="2022285"/>
+        <a:ext cx="1341977" cy="1230145"/>
+      </dsp:txXfrm>
+    </dsp:sp>
+  </dsp:spTree>
+</dsp:drawing>
+</file>
+
+<file path=ppt/diagrams/drawing2.xml><?xml version="1.0" encoding="utf-8"?>
+<dsp:drawing xmlns:dgm="http://schemas.openxmlformats.org/drawingml/2006/diagram" xmlns:dsp="http://schemas.microsoft.com/office/drawing/2008/diagram" xmlns:a="http://schemas.openxmlformats.org/drawingml/2006/main">
+  <dsp:spTree>
+    <dsp:nvGrpSpPr>
+      <dsp:cNvPr id="0" name=""/>
+      <dsp:cNvGrpSpPr/>
+    </dsp:nvGrpSpPr>
+    <dsp:grpSpPr/>
+    <dsp:sp modelId="{B71958BF-454F-4749-8E4B-633592DDD9F1}">
+      <dsp:nvSpPr>
+        <dsp:cNvPr id="0" name=""/>
+        <dsp:cNvSpPr/>
+      </dsp:nvSpPr>
+      <dsp:spPr>
+        <a:xfrm>
+          <a:off x="4010" y="527242"/>
+          <a:ext cx="1114323" cy="1114323"/>
+        </a:xfrm>
+        <a:prstGeom prst="ellipse">
+          <a:avLst/>
+        </a:prstGeom>
+        <a:solidFill>
+          <a:schemeClr val="accent1">
+            <a:hueOff val="0"/>
+            <a:satOff val="0"/>
+            <a:lumOff val="0"/>
+            <a:alphaOff val="0"/>
+          </a:schemeClr>
+        </a:solidFill>
+        <a:ln w="25400" cap="flat" cmpd="sng" algn="ctr">
+          <a:solidFill>
+            <a:schemeClr val="lt1">
+              <a:hueOff val="0"/>
+              <a:satOff val="0"/>
+              <a:lumOff val="0"/>
+              <a:alphaOff val="0"/>
+            </a:schemeClr>
+          </a:solidFill>
+          <a:prstDash val="solid"/>
+        </a:ln>
+        <a:effectLst/>
+      </dsp:spPr>
+      <dsp:style>
+        <a:lnRef idx="2">
+          <a:scrgbClr r="0" g="0" b="0"/>
+        </a:lnRef>
+        <a:fillRef idx="1">
+          <a:scrgbClr r="0" g="0" b="0"/>
+        </a:fillRef>
+        <a:effectRef idx="0">
+          <a:scrgbClr r="0" g="0" b="0"/>
+        </a:effectRef>
+        <a:fontRef idx="minor">
+          <a:schemeClr val="lt1"/>
+        </a:fontRef>
+      </dsp:style>
+      <dsp:txBody>
+        <a:bodyPr spcFirstLastPara="0" vert="horz" wrap="square" lIns="12700" tIns="12700" rIns="12700" bIns="12700" numCol="1" spcCol="1270" anchor="ctr" anchorCtr="0">
+          <a:noAutofit/>
+        </a:bodyPr>
+        <a:lstStyle/>
+        <a:p>
+          <a:pPr marL="0" lvl="0" indent="0" algn="ctr" defTabSz="444500">
+            <a:lnSpc>
+              <a:spcPct val="90000"/>
+            </a:lnSpc>
+            <a:spcBef>
+              <a:spcPct val="0"/>
+            </a:spcBef>
+            <a:spcAft>
+              <a:spcPct val="35000"/>
+            </a:spcAft>
+            <a:buNone/>
+          </a:pPr>
+          <a:r>
+            <a:rPr lang="en-US" sz="1000" kern="1200" dirty="0"/>
+            <a:t>Encoder-Decoder</a:t>
+          </a:r>
+        </a:p>
+      </dsp:txBody>
+      <dsp:txXfrm>
+        <a:off x="167199" y="690431"/>
+        <a:ext cx="787945" cy="787945"/>
+      </dsp:txXfrm>
+    </dsp:sp>
+    <dsp:sp modelId="{2ADDABE5-119C-594E-970A-174662E64F48}">
+      <dsp:nvSpPr>
+        <dsp:cNvPr id="0" name=""/>
+        <dsp:cNvSpPr/>
+      </dsp:nvSpPr>
+      <dsp:spPr>
+        <a:xfrm>
+          <a:off x="1208817" y="761250"/>
+          <a:ext cx="646307" cy="646307"/>
+        </a:xfrm>
+        <a:prstGeom prst="mathPlus">
+          <a:avLst/>
+        </a:prstGeom>
+        <a:solidFill>
+          <a:schemeClr val="accent1">
+            <a:tint val="60000"/>
+            <a:hueOff val="0"/>
+            <a:satOff val="0"/>
+            <a:lumOff val="0"/>
+            <a:alphaOff val="0"/>
+          </a:schemeClr>
+        </a:solidFill>
+        <a:ln>
+          <a:noFill/>
+        </a:ln>
+        <a:effectLst/>
+      </dsp:spPr>
+      <dsp:style>
+        <a:lnRef idx="0">
+          <a:scrgbClr r="0" g="0" b="0"/>
+        </a:lnRef>
+        <a:fillRef idx="1">
+          <a:scrgbClr r="0" g="0" b="0"/>
+        </a:fillRef>
+        <a:effectRef idx="0">
+          <a:scrgbClr r="0" g="0" b="0"/>
+        </a:effectRef>
+        <a:fontRef idx="minor">
+          <a:schemeClr val="lt1"/>
+        </a:fontRef>
+      </dsp:style>
+      <dsp:txBody>
+        <a:bodyPr spcFirstLastPara="0" vert="horz" wrap="square" lIns="0" tIns="0" rIns="0" bIns="0" numCol="1" spcCol="1270" anchor="ctr" anchorCtr="0">
+          <a:noAutofit/>
+        </a:bodyPr>
+        <a:lstStyle/>
+        <a:p>
+          <a:pPr marL="0" lvl="0" indent="0" algn="ctr" defTabSz="355600">
+            <a:lnSpc>
+              <a:spcPct val="90000"/>
+            </a:lnSpc>
+            <a:spcBef>
+              <a:spcPct val="0"/>
+            </a:spcBef>
+            <a:spcAft>
+              <a:spcPct val="35000"/>
+            </a:spcAft>
+            <a:buNone/>
+          </a:pPr>
+          <a:endParaRPr lang="en-US" sz="800" kern="1200"/>
+        </a:p>
+      </dsp:txBody>
+      <dsp:txXfrm>
+        <a:off x="1294485" y="1008398"/>
+        <a:ext cx="474971" cy="152011"/>
+      </dsp:txXfrm>
+    </dsp:sp>
+    <dsp:sp modelId="{8C80A022-C02C-4A48-9D80-03AB584DB2AA}">
+      <dsp:nvSpPr>
+        <dsp:cNvPr id="0" name=""/>
+        <dsp:cNvSpPr/>
+      </dsp:nvSpPr>
+      <dsp:spPr>
+        <a:xfrm>
+          <a:off x="1945608" y="527242"/>
+          <a:ext cx="1114323" cy="1114323"/>
+        </a:xfrm>
+        <a:prstGeom prst="ellipse">
+          <a:avLst/>
+        </a:prstGeom>
+        <a:solidFill>
+          <a:schemeClr val="accent1">
+            <a:hueOff val="0"/>
+            <a:satOff val="0"/>
+            <a:lumOff val="0"/>
+            <a:alphaOff val="0"/>
+          </a:schemeClr>
+        </a:solidFill>
+        <a:ln w="25400" cap="flat" cmpd="sng" algn="ctr">
+          <a:solidFill>
+            <a:schemeClr val="lt1">
+              <a:hueOff val="0"/>
+              <a:satOff val="0"/>
+              <a:lumOff val="0"/>
+              <a:alphaOff val="0"/>
+            </a:schemeClr>
+          </a:solidFill>
+          <a:prstDash val="solid"/>
+        </a:ln>
+        <a:effectLst/>
+      </dsp:spPr>
+      <dsp:style>
+        <a:lnRef idx="2">
+          <a:scrgbClr r="0" g="0" b="0"/>
+        </a:lnRef>
+        <a:fillRef idx="1">
+          <a:scrgbClr r="0" g="0" b="0"/>
+        </a:fillRef>
+        <a:effectRef idx="0">
+          <a:scrgbClr r="0" g="0" b="0"/>
+        </a:effectRef>
+        <a:fontRef idx="minor">
+          <a:schemeClr val="lt1"/>
+        </a:fontRef>
+      </dsp:style>
+      <dsp:txBody>
+        <a:bodyPr spcFirstLastPara="0" vert="horz" wrap="square" lIns="12700" tIns="12700" rIns="12700" bIns="12700" numCol="1" spcCol="1270" anchor="ctr" anchorCtr="0">
+          <a:noAutofit/>
+        </a:bodyPr>
+        <a:lstStyle/>
+        <a:p>
+          <a:pPr marL="0" lvl="0" indent="0" algn="ctr" defTabSz="444500">
+            <a:lnSpc>
+              <a:spcPct val="90000"/>
+            </a:lnSpc>
+            <a:spcBef>
+              <a:spcPct val="0"/>
+            </a:spcBef>
+            <a:spcAft>
+              <a:spcPct val="35000"/>
+            </a:spcAft>
+            <a:buNone/>
+          </a:pPr>
+          <a:r>
+            <a:rPr lang="en-US" sz="1000" kern="1200" dirty="0"/>
+            <a:t>Attention Mechanism</a:t>
+          </a:r>
+        </a:p>
+      </dsp:txBody>
+      <dsp:txXfrm>
+        <a:off x="2108797" y="690431"/>
+        <a:ext cx="787945" cy="787945"/>
+      </dsp:txXfrm>
+    </dsp:sp>
+    <dsp:sp modelId="{DDDD92F2-F7F6-294D-AD33-7CA7BFD788B1}">
+      <dsp:nvSpPr>
+        <dsp:cNvPr id="0" name=""/>
+        <dsp:cNvSpPr/>
+      </dsp:nvSpPr>
+      <dsp:spPr>
+        <a:xfrm>
+          <a:off x="3150416" y="761250"/>
+          <a:ext cx="646307" cy="646307"/>
+        </a:xfrm>
+        <a:prstGeom prst="mathPlus">
+          <a:avLst/>
+        </a:prstGeom>
+        <a:solidFill>
+          <a:schemeClr val="accent1">
+            <a:tint val="60000"/>
+            <a:hueOff val="0"/>
+            <a:satOff val="0"/>
+            <a:lumOff val="0"/>
+            <a:alphaOff val="0"/>
+          </a:schemeClr>
+        </a:solidFill>
+        <a:ln>
+          <a:noFill/>
+        </a:ln>
+        <a:effectLst/>
+      </dsp:spPr>
+      <dsp:style>
+        <a:lnRef idx="0">
+          <a:scrgbClr r="0" g="0" b="0"/>
+        </a:lnRef>
+        <a:fillRef idx="1">
+          <a:scrgbClr r="0" g="0" b="0"/>
+        </a:fillRef>
+        <a:effectRef idx="0">
+          <a:scrgbClr r="0" g="0" b="0"/>
+        </a:effectRef>
+        <a:fontRef idx="minor">
+          <a:schemeClr val="lt1"/>
+        </a:fontRef>
+      </dsp:style>
+      <dsp:txBody>
+        <a:bodyPr spcFirstLastPara="0" vert="horz" wrap="square" lIns="0" tIns="0" rIns="0" bIns="0" numCol="1" spcCol="1270" anchor="ctr" anchorCtr="0">
+          <a:noAutofit/>
+        </a:bodyPr>
+        <a:lstStyle/>
+        <a:p>
+          <a:pPr marL="0" lvl="0" indent="0" algn="ctr" defTabSz="355600">
+            <a:lnSpc>
+              <a:spcPct val="90000"/>
+            </a:lnSpc>
+            <a:spcBef>
+              <a:spcPct val="0"/>
+            </a:spcBef>
+            <a:spcAft>
+              <a:spcPct val="35000"/>
+            </a:spcAft>
+            <a:buNone/>
+          </a:pPr>
+          <a:endParaRPr lang="en-US" sz="800" kern="1200"/>
+        </a:p>
+      </dsp:txBody>
+      <dsp:txXfrm>
+        <a:off x="3236084" y="1008398"/>
+        <a:ext cx="474971" cy="152011"/>
+      </dsp:txXfrm>
+    </dsp:sp>
+    <dsp:sp modelId="{4A74D852-8C3C-684F-B780-4A5F2A1DC43F}">
+      <dsp:nvSpPr>
+        <dsp:cNvPr id="0" name=""/>
+        <dsp:cNvSpPr/>
+      </dsp:nvSpPr>
+      <dsp:spPr>
+        <a:xfrm>
+          <a:off x="3887207" y="527242"/>
+          <a:ext cx="1114323" cy="1114323"/>
+        </a:xfrm>
+        <a:prstGeom prst="ellipse">
+          <a:avLst/>
+        </a:prstGeom>
+        <a:solidFill>
+          <a:schemeClr val="accent1">
+            <a:hueOff val="0"/>
+            <a:satOff val="0"/>
+            <a:lumOff val="0"/>
+            <a:alphaOff val="0"/>
+          </a:schemeClr>
+        </a:solidFill>
+        <a:ln w="25400" cap="flat" cmpd="sng" algn="ctr">
+          <a:solidFill>
+            <a:schemeClr val="lt1">
+              <a:hueOff val="0"/>
+              <a:satOff val="0"/>
+              <a:lumOff val="0"/>
+              <a:alphaOff val="0"/>
+            </a:schemeClr>
+          </a:solidFill>
+          <a:prstDash val="solid"/>
+        </a:ln>
+        <a:effectLst/>
+      </dsp:spPr>
+      <dsp:style>
+        <a:lnRef idx="2">
+          <a:scrgbClr r="0" g="0" b="0"/>
+        </a:lnRef>
+        <a:fillRef idx="1">
+          <a:scrgbClr r="0" g="0" b="0"/>
+        </a:fillRef>
+        <a:effectRef idx="0">
+          <a:scrgbClr r="0" g="0" b="0"/>
+        </a:effectRef>
+        <a:fontRef idx="minor">
+          <a:schemeClr val="lt1"/>
+        </a:fontRef>
+      </dsp:style>
+      <dsp:txBody>
+        <a:bodyPr spcFirstLastPara="0" vert="horz" wrap="square" lIns="12700" tIns="12700" rIns="12700" bIns="12700" numCol="1" spcCol="1270" anchor="ctr" anchorCtr="0">
+          <a:noAutofit/>
+        </a:bodyPr>
+        <a:lstStyle/>
+        <a:p>
+          <a:pPr marL="0" lvl="0" indent="0" algn="ctr" defTabSz="444500">
+            <a:lnSpc>
+              <a:spcPct val="90000"/>
+            </a:lnSpc>
+            <a:spcBef>
+              <a:spcPct val="0"/>
+            </a:spcBef>
+            <a:spcAft>
+              <a:spcPct val="35000"/>
+            </a:spcAft>
+            <a:buNone/>
+          </a:pPr>
+          <a:r>
+            <a:rPr lang="en-US" sz="1000" kern="1200" dirty="0"/>
+            <a:t>Positional encodings</a:t>
+          </a:r>
+        </a:p>
+      </dsp:txBody>
+      <dsp:txXfrm>
+        <a:off x="4050396" y="690431"/>
+        <a:ext cx="787945" cy="787945"/>
+      </dsp:txXfrm>
+    </dsp:sp>
+    <dsp:sp modelId="{70C9FE04-3020-2F42-9CD3-01F5CE2AE0C9}">
+      <dsp:nvSpPr>
+        <dsp:cNvPr id="0" name=""/>
+        <dsp:cNvSpPr/>
+      </dsp:nvSpPr>
+      <dsp:spPr>
+        <a:xfrm>
+          <a:off x="5092014" y="761250"/>
+          <a:ext cx="646307" cy="646307"/>
+        </a:xfrm>
+        <a:prstGeom prst="mathEqual">
+          <a:avLst/>
+        </a:prstGeom>
+        <a:solidFill>
+          <a:schemeClr val="accent1">
+            <a:tint val="60000"/>
+            <a:hueOff val="0"/>
+            <a:satOff val="0"/>
+            <a:lumOff val="0"/>
+            <a:alphaOff val="0"/>
+          </a:schemeClr>
+        </a:solidFill>
+        <a:ln>
+          <a:noFill/>
+        </a:ln>
+        <a:effectLst/>
+      </dsp:spPr>
+      <dsp:style>
+        <a:lnRef idx="0">
+          <a:scrgbClr r="0" g="0" b="0"/>
+        </a:lnRef>
+        <a:fillRef idx="1">
+          <a:scrgbClr r="0" g="0" b="0"/>
+        </a:fillRef>
+        <a:effectRef idx="0">
+          <a:scrgbClr r="0" g="0" b="0"/>
+        </a:effectRef>
+        <a:fontRef idx="minor">
+          <a:schemeClr val="lt1"/>
+        </a:fontRef>
+      </dsp:style>
+      <dsp:txBody>
+        <a:bodyPr spcFirstLastPara="0" vert="horz" wrap="square" lIns="0" tIns="0" rIns="0" bIns="0" numCol="1" spcCol="1270" anchor="ctr" anchorCtr="0">
+          <a:noAutofit/>
+        </a:bodyPr>
+        <a:lstStyle/>
+        <a:p>
+          <a:pPr marL="0" lvl="0" indent="0" algn="ctr" defTabSz="355600">
+            <a:lnSpc>
+              <a:spcPct val="90000"/>
+            </a:lnSpc>
+            <a:spcBef>
+              <a:spcPct val="0"/>
+            </a:spcBef>
+            <a:spcAft>
+              <a:spcPct val="35000"/>
+            </a:spcAft>
+            <a:buNone/>
+          </a:pPr>
+          <a:endParaRPr lang="en-US" sz="800" kern="1200"/>
+        </a:p>
+      </dsp:txBody>
+      <dsp:txXfrm>
+        <a:off x="5177682" y="894389"/>
+        <a:ext cx="474971" cy="380029"/>
+      </dsp:txXfrm>
+    </dsp:sp>
+    <dsp:sp modelId="{09CCBB1A-F9EA-4C45-9DFD-4E135789DD1F}">
+      <dsp:nvSpPr>
+        <dsp:cNvPr id="0" name=""/>
+        <dsp:cNvSpPr/>
+      </dsp:nvSpPr>
+      <dsp:spPr>
+        <a:xfrm>
+          <a:off x="5828805" y="527242"/>
+          <a:ext cx="1114323" cy="1114323"/>
+        </a:xfrm>
+        <a:prstGeom prst="ellipse">
+          <a:avLst/>
+        </a:prstGeom>
+        <a:solidFill>
+          <a:schemeClr val="accent1">
+            <a:hueOff val="0"/>
+            <a:satOff val="0"/>
+            <a:lumOff val="0"/>
+            <a:alphaOff val="0"/>
+          </a:schemeClr>
+        </a:solidFill>
+        <a:ln w="25400" cap="flat" cmpd="sng" algn="ctr">
+          <a:solidFill>
+            <a:schemeClr val="lt1">
+              <a:hueOff val="0"/>
+              <a:satOff val="0"/>
+              <a:lumOff val="0"/>
+              <a:alphaOff val="0"/>
+            </a:schemeClr>
+          </a:solidFill>
+          <a:prstDash val="solid"/>
+        </a:ln>
+        <a:effectLst/>
+      </dsp:spPr>
+      <dsp:style>
+        <a:lnRef idx="2">
+          <a:scrgbClr r="0" g="0" b="0"/>
+        </a:lnRef>
+        <a:fillRef idx="1">
+          <a:scrgbClr r="0" g="0" b="0"/>
+        </a:fillRef>
+        <a:effectRef idx="0">
+          <a:scrgbClr r="0" g="0" b="0"/>
+        </a:effectRef>
+        <a:fontRef idx="minor">
+          <a:schemeClr val="lt1"/>
+        </a:fontRef>
+      </dsp:style>
+      <dsp:txBody>
+        <a:bodyPr spcFirstLastPara="0" vert="horz" wrap="square" lIns="12700" tIns="12700" rIns="12700" bIns="12700" numCol="1" spcCol="1270" anchor="ctr" anchorCtr="0">
+          <a:noAutofit/>
+        </a:bodyPr>
+        <a:lstStyle/>
+        <a:p>
+          <a:pPr marL="0" lvl="0" indent="0" algn="ctr" defTabSz="444500">
+            <a:lnSpc>
+              <a:spcPct val="90000"/>
+            </a:lnSpc>
+            <a:spcBef>
+              <a:spcPct val="0"/>
+            </a:spcBef>
+            <a:spcAft>
+              <a:spcPct val="35000"/>
+            </a:spcAft>
+            <a:buNone/>
+          </a:pPr>
+          <a:r>
+            <a:rPr lang="en-US" sz="1000" kern="1200" dirty="0"/>
+            <a:t>Transformer</a:t>
+          </a:r>
+        </a:p>
+      </dsp:txBody>
+      <dsp:txXfrm>
+        <a:off x="5991994" y="690431"/>
+        <a:ext cx="787945" cy="787945"/>
       </dsp:txXfrm>
     </dsp:sp>
   </dsp:spTree>
@@ -3379,7 +4915,1196 @@
 </dgm:layoutDef>
 </file>
 
+<file path=ppt/diagrams/layout2.xml><?xml version="1.0" encoding="utf-8"?>
+<dgm:layoutDef xmlns:dgm="http://schemas.openxmlformats.org/drawingml/2006/diagram" xmlns:a="http://schemas.openxmlformats.org/drawingml/2006/main" uniqueId="urn:microsoft.com/office/officeart/2005/8/layout/equation1">
+  <dgm:title val=""/>
+  <dgm:desc val=""/>
+  <dgm:catLst>
+    <dgm:cat type="relationship" pri="17000"/>
+    <dgm:cat type="process" pri="25000"/>
+  </dgm:catLst>
+  <dgm:sampData useDef="1">
+    <dgm:dataModel>
+      <dgm:ptLst/>
+      <dgm:bg/>
+      <dgm:whole/>
+    </dgm:dataModel>
+  </dgm:sampData>
+  <dgm:styleData>
+    <dgm:dataModel>
+      <dgm:ptLst>
+        <dgm:pt modelId="0" type="doc"/>
+        <dgm:pt modelId="1"/>
+        <dgm:pt modelId="2"/>
+      </dgm:ptLst>
+      <dgm:cxnLst>
+        <dgm:cxn modelId="3" srcId="0" destId="1" srcOrd="0" destOrd="0"/>
+        <dgm:cxn modelId="4" srcId="0" destId="2" srcOrd="1" destOrd="0"/>
+      </dgm:cxnLst>
+      <dgm:bg/>
+      <dgm:whole/>
+    </dgm:dataModel>
+  </dgm:styleData>
+  <dgm:clrData>
+    <dgm:dataModel>
+      <dgm:ptLst>
+        <dgm:pt modelId="0" type="doc"/>
+        <dgm:pt modelId="1"/>
+        <dgm:pt modelId="2"/>
+        <dgm:pt modelId="3"/>
+        <dgm:pt modelId="4"/>
+      </dgm:ptLst>
+      <dgm:cxnLst>
+        <dgm:cxn modelId="5" srcId="0" destId="1" srcOrd="0" destOrd="0"/>
+        <dgm:cxn modelId="6" srcId="0" destId="2" srcOrd="1" destOrd="0"/>
+        <dgm:cxn modelId="7" srcId="0" destId="3" srcOrd="2" destOrd="0"/>
+        <dgm:cxn modelId="8" srcId="0" destId="4" srcOrd="3" destOrd="0"/>
+      </dgm:cxnLst>
+      <dgm:bg/>
+      <dgm:whole/>
+    </dgm:dataModel>
+  </dgm:clrData>
+  <dgm:layoutNode name="linearFlow">
+    <dgm:varLst>
+      <dgm:dir/>
+      <dgm:resizeHandles val="exact"/>
+    </dgm:varLst>
+    <dgm:choose name="Name0">
+      <dgm:if name="Name1" func="var" arg="dir" op="equ" val="norm">
+        <dgm:alg type="lin">
+          <dgm:param type="fallback" val="2D"/>
+        </dgm:alg>
+      </dgm:if>
+      <dgm:else name="Name2">
+        <dgm:alg type="lin">
+          <dgm:param type="linDir" val="fromR"/>
+          <dgm:param type="fallback" val="2D"/>
+        </dgm:alg>
+      </dgm:else>
+    </dgm:choose>
+    <dgm:shape xmlns:r="http://schemas.openxmlformats.org/officeDocument/2006/relationships" r:blip="">
+      <dgm:adjLst/>
+    </dgm:shape>
+    <dgm:presOf/>
+    <dgm:constrLst>
+      <dgm:constr type="w" for="ch" ptType="node" refType="w"/>
+      <dgm:constr type="w" for="ch" ptType="sibTrans" refType="w" refFor="ch" refPtType="node" fact="0.58"/>
+      <dgm:constr type="primFontSz" for="ch" ptType="node" op="equ" val="65"/>
+      <dgm:constr type="primFontSz" for="ch" ptType="sibTrans" op="equ" val="55"/>
+      <dgm:constr type="primFontSz" for="ch" ptType="sibTrans" refType="primFontSz" refFor="ch" refPtType="node" op="lte" fact="0.8"/>
+      <dgm:constr type="w" for="ch" forName="spacerL" refType="w" refFor="ch" refPtType="sibTrans" fact="0.14"/>
+      <dgm:constr type="w" for="ch" forName="spacerR" refType="w" refFor="ch" refPtType="sibTrans" fact="0.14"/>
+    </dgm:constrLst>
+    <dgm:ruleLst/>
+    <dgm:forEach name="nodesForEach" axis="ch" ptType="node">
+      <dgm:layoutNode name="node">
+        <dgm:varLst>
+          <dgm:bulletEnabled val="1"/>
+        </dgm:varLst>
+        <dgm:alg type="tx">
+          <dgm:param type="txAnchorVertCh" val="mid"/>
+        </dgm:alg>
+        <dgm:shape xmlns:r="http://schemas.openxmlformats.org/officeDocument/2006/relationships" type="ellipse" r:blip="">
+          <dgm:adjLst/>
+        </dgm:shape>
+        <dgm:presOf axis="desOrSelf" ptType="node"/>
+        <dgm:constrLst>
+          <dgm:constr type="h" refType="w"/>
+          <dgm:constr type="tMarg" refType="primFontSz" fact="0.1"/>
+          <dgm:constr type="bMarg" refType="primFontSz" fact="0.1"/>
+          <dgm:constr type="lMarg" refType="primFontSz" fact="0.1"/>
+          <dgm:constr type="rMarg" refType="primFontSz" fact="0.1"/>
+        </dgm:constrLst>
+        <dgm:ruleLst>
+          <dgm:rule type="primFontSz" val="5" fact="NaN" max="NaN"/>
+        </dgm:ruleLst>
+      </dgm:layoutNode>
+      <dgm:forEach name="sibTransForEach" axis="followSib" ptType="sibTrans" cnt="1">
+        <dgm:layoutNode name="spacerL">
+          <dgm:alg type="sp"/>
+          <dgm:shape xmlns:r="http://schemas.openxmlformats.org/officeDocument/2006/relationships" r:blip="">
+            <dgm:adjLst/>
+          </dgm:shape>
+          <dgm:presOf/>
+          <dgm:constrLst/>
+          <dgm:ruleLst/>
+        </dgm:layoutNode>
+        <dgm:layoutNode name="sibTrans">
+          <dgm:alg type="tx"/>
+          <dgm:choose name="Name3">
+            <dgm:if name="Name4" axis="followSib" ptType="sibTrans" func="cnt" op="equ" val="0">
+              <dgm:shape xmlns:r="http://schemas.openxmlformats.org/officeDocument/2006/relationships" type="mathEqual" r:blip="">
+                <dgm:adjLst/>
+              </dgm:shape>
+            </dgm:if>
+            <dgm:else name="Name5">
+              <dgm:shape xmlns:r="http://schemas.openxmlformats.org/officeDocument/2006/relationships" type="mathPlus" r:blip="">
+                <dgm:adjLst/>
+              </dgm:shape>
+            </dgm:else>
+          </dgm:choose>
+          <dgm:presOf axis="self"/>
+          <dgm:constrLst>
+            <dgm:constr type="h" refType="w"/>
+            <dgm:constr type="lMarg"/>
+            <dgm:constr type="rMarg"/>
+            <dgm:constr type="tMarg"/>
+            <dgm:constr type="bMarg"/>
+          </dgm:constrLst>
+          <dgm:ruleLst>
+            <dgm:rule type="primFontSz" val="5" fact="NaN" max="NaN"/>
+          </dgm:ruleLst>
+        </dgm:layoutNode>
+        <dgm:layoutNode name="spacerR">
+          <dgm:alg type="sp"/>
+          <dgm:shape xmlns:r="http://schemas.openxmlformats.org/officeDocument/2006/relationships" r:blip="">
+            <dgm:adjLst/>
+          </dgm:shape>
+          <dgm:presOf/>
+          <dgm:constrLst/>
+          <dgm:ruleLst/>
+        </dgm:layoutNode>
+      </dgm:forEach>
+    </dgm:forEach>
+  </dgm:layoutNode>
+</dgm:layoutDef>
+</file>
+
 <file path=ppt/diagrams/quickStyle1.xml><?xml version="1.0" encoding="utf-8"?>
+<dgm:styleDef xmlns:dgm="http://schemas.openxmlformats.org/drawingml/2006/diagram" xmlns:a="http://schemas.openxmlformats.org/drawingml/2006/main" uniqueId="urn:microsoft.com/office/officeart/2005/8/quickstyle/simple1">
+  <dgm:title val=""/>
+  <dgm:desc val=""/>
+  <dgm:catLst>
+    <dgm:cat type="simple" pri="10100"/>
+  </dgm:catLst>
+  <dgm:scene3d>
+    <a:camera prst="orthographicFront"/>
+    <a:lightRig rig="threePt" dir="t"/>
+  </dgm:scene3d>
+  <dgm:styleLbl name="node0">
+    <dgm:scene3d>
+      <a:camera prst="orthographicFront"/>
+      <a:lightRig rig="threePt" dir="t"/>
+    </dgm:scene3d>
+    <dgm:sp3d/>
+    <dgm:txPr/>
+    <dgm:style>
+      <a:lnRef idx="2">
+        <a:scrgbClr r="0" g="0" b="0"/>
+      </a:lnRef>
+      <a:fillRef idx="1">
+        <a:scrgbClr r="0" g="0" b="0"/>
+      </a:fillRef>
+      <a:effectRef idx="0">
+        <a:scrgbClr r="0" g="0" b="0"/>
+      </a:effectRef>
+      <a:fontRef idx="minor">
+        <a:schemeClr val="lt1"/>
+      </a:fontRef>
+    </dgm:style>
+  </dgm:styleLbl>
+  <dgm:styleLbl name="lnNode1">
+    <dgm:scene3d>
+      <a:camera prst="orthographicFront"/>
+      <a:lightRig rig="threePt" dir="t"/>
+    </dgm:scene3d>
+    <dgm:sp3d/>
+    <dgm:txPr/>
+    <dgm:style>
+      <a:lnRef idx="2">
+        <a:scrgbClr r="0" g="0" b="0"/>
+      </a:lnRef>
+      <a:fillRef idx="1">
+        <a:scrgbClr r="0" g="0" b="0"/>
+      </a:fillRef>
+      <a:effectRef idx="0">
+        <a:scrgbClr r="0" g="0" b="0"/>
+      </a:effectRef>
+      <a:fontRef idx="minor">
+        <a:schemeClr val="lt1"/>
+      </a:fontRef>
+    </dgm:style>
+  </dgm:styleLbl>
+  <dgm:styleLbl name="vennNode1">
+    <dgm:scene3d>
+      <a:camera prst="orthographicFront"/>
+      <a:lightRig rig="threePt" dir="t"/>
+    </dgm:scene3d>
+    <dgm:sp3d/>
+    <dgm:txPr/>
+    <dgm:style>
+      <a:lnRef idx="2">
+        <a:scrgbClr r="0" g="0" b="0"/>
+      </a:lnRef>
+      <a:fillRef idx="1">
+        <a:scrgbClr r="0" g="0" b="0"/>
+      </a:fillRef>
+      <a:effectRef idx="0">
+        <a:scrgbClr r="0" g="0" b="0"/>
+      </a:effectRef>
+      <a:fontRef idx="minor">
+        <a:schemeClr val="tx1"/>
+      </a:fontRef>
+    </dgm:style>
+  </dgm:styleLbl>
+  <dgm:styleLbl name="alignNode1">
+    <dgm:scene3d>
+      <a:camera prst="orthographicFront"/>
+      <a:lightRig rig="threePt" dir="t"/>
+    </dgm:scene3d>
+    <dgm:sp3d/>
+    <dgm:txPr/>
+    <dgm:style>
+      <a:lnRef idx="2">
+        <a:scrgbClr r="0" g="0" b="0"/>
+      </a:lnRef>
+      <a:fillRef idx="1">
+        <a:scrgbClr r="0" g="0" b="0"/>
+      </a:fillRef>
+      <a:effectRef idx="0">
+        <a:scrgbClr r="0" g="0" b="0"/>
+      </a:effectRef>
+      <a:fontRef idx="minor">
+        <a:schemeClr val="lt1"/>
+      </a:fontRef>
+    </dgm:style>
+  </dgm:styleLbl>
+  <dgm:styleLbl name="node1">
+    <dgm:scene3d>
+      <a:camera prst="orthographicFront"/>
+      <a:lightRig rig="threePt" dir="t"/>
+    </dgm:scene3d>
+    <dgm:sp3d/>
+    <dgm:txPr/>
+    <dgm:style>
+      <a:lnRef idx="2">
+        <a:scrgbClr r="0" g="0" b="0"/>
+      </a:lnRef>
+      <a:fillRef idx="1">
+        <a:scrgbClr r="0" g="0" b="0"/>
+      </a:fillRef>
+      <a:effectRef idx="0">
+        <a:scrgbClr r="0" g="0" b="0"/>
+      </a:effectRef>
+      <a:fontRef idx="minor">
+        <a:schemeClr val="lt1"/>
+      </a:fontRef>
+    </dgm:style>
+  </dgm:styleLbl>
+  <dgm:styleLbl name="node2">
+    <dgm:scene3d>
+      <a:camera prst="orthographicFront"/>
+      <a:lightRig rig="threePt" dir="t"/>
+    </dgm:scene3d>
+    <dgm:sp3d/>
+    <dgm:txPr/>
+    <dgm:style>
+      <a:lnRef idx="2">
+        <a:scrgbClr r="0" g="0" b="0"/>
+      </a:lnRef>
+      <a:fillRef idx="1">
+        <a:scrgbClr r="0" g="0" b="0"/>
+      </a:fillRef>
+      <a:effectRef idx="0">
+        <a:scrgbClr r="0" g="0" b="0"/>
+      </a:effectRef>
+      <a:fontRef idx="minor">
+        <a:schemeClr val="lt1"/>
+      </a:fontRef>
+    </dgm:style>
+  </dgm:styleLbl>
+  <dgm:styleLbl name="node3">
+    <dgm:scene3d>
+      <a:camera prst="orthographicFront"/>
+      <a:lightRig rig="threePt" dir="t"/>
+    </dgm:scene3d>
+    <dgm:sp3d/>
+    <dgm:txPr/>
+    <dgm:style>
+      <a:lnRef idx="2">
+        <a:scrgbClr r="0" g="0" b="0"/>
+      </a:lnRef>
+      <a:fillRef idx="1">
+        <a:scrgbClr r="0" g="0" b="0"/>
+      </a:fillRef>
+      <a:effectRef idx="0">
+        <a:scrgbClr r="0" g="0" b="0"/>
+      </a:effectRef>
+      <a:fontRef idx="minor">
+        <a:schemeClr val="lt1"/>
+      </a:fontRef>
+    </dgm:style>
+  </dgm:styleLbl>
+  <dgm:styleLbl name="node4">
+    <dgm:scene3d>
+      <a:camera prst="orthographicFront"/>
+      <a:lightRig rig="threePt" dir="t"/>
+    </dgm:scene3d>
+    <dgm:sp3d/>
+    <dgm:txPr/>
+    <dgm:style>
+      <a:lnRef idx="2">
+        <a:scrgbClr r="0" g="0" b="0"/>
+      </a:lnRef>
+      <a:fillRef idx="1">
+        <a:scrgbClr r="0" g="0" b="0"/>
+      </a:fillRef>
+      <a:effectRef idx="0">
+        <a:scrgbClr r="0" g="0" b="0"/>
+      </a:effectRef>
+      <a:fontRef idx="minor">
+        <a:schemeClr val="lt1"/>
+      </a:fontRef>
+    </dgm:style>
+  </dgm:styleLbl>
+  <dgm:styleLbl name="fgImgPlace1">
+    <dgm:scene3d>
+      <a:camera prst="orthographicFront"/>
+      <a:lightRig rig="threePt" dir="t"/>
+    </dgm:scene3d>
+    <dgm:sp3d/>
+    <dgm:txPr/>
+    <dgm:style>
+      <a:lnRef idx="2">
+        <a:scrgbClr r="0" g="0" b="0"/>
+      </a:lnRef>
+      <a:fillRef idx="1">
+        <a:scrgbClr r="0" g="0" b="0"/>
+      </a:fillRef>
+      <a:effectRef idx="0">
+        <a:scrgbClr r="0" g="0" b="0"/>
+      </a:effectRef>
+      <a:fontRef idx="minor"/>
+    </dgm:style>
+  </dgm:styleLbl>
+  <dgm:styleLbl name="alignImgPlace1">
+    <dgm:scene3d>
+      <a:camera prst="orthographicFront"/>
+      <a:lightRig rig="threePt" dir="t"/>
+    </dgm:scene3d>
+    <dgm:sp3d/>
+    <dgm:txPr/>
+    <dgm:style>
+      <a:lnRef idx="2">
+        <a:scrgbClr r="0" g="0" b="0"/>
+      </a:lnRef>
+      <a:fillRef idx="1">
+        <a:scrgbClr r="0" g="0" b="0"/>
+      </a:fillRef>
+      <a:effectRef idx="0">
+        <a:scrgbClr r="0" g="0" b="0"/>
+      </a:effectRef>
+      <a:fontRef idx="minor"/>
+    </dgm:style>
+  </dgm:styleLbl>
+  <dgm:styleLbl name="bgImgPlace1">
+    <dgm:scene3d>
+      <a:camera prst="orthographicFront"/>
+      <a:lightRig rig="threePt" dir="t"/>
+    </dgm:scene3d>
+    <dgm:sp3d/>
+    <dgm:txPr/>
+    <dgm:style>
+      <a:lnRef idx="2">
+        <a:scrgbClr r="0" g="0" b="0"/>
+      </a:lnRef>
+      <a:fillRef idx="1">
+        <a:scrgbClr r="0" g="0" b="0"/>
+      </a:fillRef>
+      <a:effectRef idx="0">
+        <a:scrgbClr r="0" g="0" b="0"/>
+      </a:effectRef>
+      <a:fontRef idx="minor"/>
+    </dgm:style>
+  </dgm:styleLbl>
+  <dgm:styleLbl name="sibTrans2D1">
+    <dgm:scene3d>
+      <a:camera prst="orthographicFront"/>
+      <a:lightRig rig="threePt" dir="t"/>
+    </dgm:scene3d>
+    <dgm:sp3d/>
+    <dgm:txPr/>
+    <dgm:style>
+      <a:lnRef idx="0">
+        <a:scrgbClr r="0" g="0" b="0"/>
+      </a:lnRef>
+      <a:fillRef idx="1">
+        <a:scrgbClr r="0" g="0" b="0"/>
+      </a:fillRef>
+      <a:effectRef idx="0">
+        <a:scrgbClr r="0" g="0" b="0"/>
+      </a:effectRef>
+      <a:fontRef idx="minor">
+        <a:schemeClr val="lt1"/>
+      </a:fontRef>
+    </dgm:style>
+  </dgm:styleLbl>
+  <dgm:styleLbl name="fgSibTrans2D1">
+    <dgm:scene3d>
+      <a:camera prst="orthographicFront"/>
+      <a:lightRig rig="threePt" dir="t"/>
+    </dgm:scene3d>
+    <dgm:sp3d/>
+    <dgm:txPr/>
+    <dgm:style>
+      <a:lnRef idx="0">
+        <a:scrgbClr r="0" g="0" b="0"/>
+      </a:lnRef>
+      <a:fillRef idx="1">
+        <a:scrgbClr r="0" g="0" b="0"/>
+      </a:fillRef>
+      <a:effectRef idx="0">
+        <a:scrgbClr r="0" g="0" b="0"/>
+      </a:effectRef>
+      <a:fontRef idx="minor">
+        <a:schemeClr val="lt1"/>
+      </a:fontRef>
+    </dgm:style>
+  </dgm:styleLbl>
+  <dgm:styleLbl name="bgSibTrans2D1">
+    <dgm:scene3d>
+      <a:camera prst="orthographicFront"/>
+      <a:lightRig rig="threePt" dir="t"/>
+    </dgm:scene3d>
+    <dgm:sp3d/>
+    <dgm:txPr/>
+    <dgm:style>
+      <a:lnRef idx="0">
+        <a:scrgbClr r="0" g="0" b="0"/>
+      </a:lnRef>
+      <a:fillRef idx="1">
+        <a:scrgbClr r="0" g="0" b="0"/>
+      </a:fillRef>
+      <a:effectRef idx="0">
+        <a:scrgbClr r="0" g="0" b="0"/>
+      </a:effectRef>
+      <a:fontRef idx="minor">
+        <a:schemeClr val="lt1"/>
+      </a:fontRef>
+    </dgm:style>
+  </dgm:styleLbl>
+  <dgm:styleLbl name="sibTrans1D1">
+    <dgm:scene3d>
+      <a:camera prst="orthographicFront"/>
+      <a:lightRig rig="threePt" dir="t"/>
+    </dgm:scene3d>
+    <dgm:sp3d/>
+    <dgm:txPr/>
+    <dgm:style>
+      <a:lnRef idx="1">
+        <a:scrgbClr r="0" g="0" b="0"/>
+      </a:lnRef>
+      <a:fillRef idx="0">
+        <a:scrgbClr r="0" g="0" b="0"/>
+      </a:fillRef>
+      <a:effectRef idx="0">
+        <a:scrgbClr r="0" g="0" b="0"/>
+      </a:effectRef>
+      <a:fontRef idx="minor"/>
+    </dgm:style>
+  </dgm:styleLbl>
+  <dgm:styleLbl name="callout">
+    <dgm:scene3d>
+      <a:camera prst="orthographicFront"/>
+      <a:lightRig rig="threePt" dir="t"/>
+    </dgm:scene3d>
+    <dgm:sp3d/>
+    <dgm:txPr/>
+    <dgm:style>
+      <a:lnRef idx="2">
+        <a:scrgbClr r="0" g="0" b="0"/>
+      </a:lnRef>
+      <a:fillRef idx="1">
+        <a:scrgbClr r="0" g="0" b="0"/>
+      </a:fillRef>
+      <a:effectRef idx="0">
+        <a:scrgbClr r="0" g="0" b="0"/>
+      </a:effectRef>
+      <a:fontRef idx="minor"/>
+    </dgm:style>
+  </dgm:styleLbl>
+  <dgm:styleLbl name="asst0">
+    <dgm:scene3d>
+      <a:camera prst="orthographicFront"/>
+      <a:lightRig rig="threePt" dir="t"/>
+    </dgm:scene3d>
+    <dgm:sp3d/>
+    <dgm:txPr/>
+    <dgm:style>
+      <a:lnRef idx="2">
+        <a:scrgbClr r="0" g="0" b="0"/>
+      </a:lnRef>
+      <a:fillRef idx="1">
+        <a:scrgbClr r="0" g="0" b="0"/>
+      </a:fillRef>
+      <a:effectRef idx="0">
+        <a:scrgbClr r="0" g="0" b="0"/>
+      </a:effectRef>
+      <a:fontRef idx="minor">
+        <a:schemeClr val="lt1"/>
+      </a:fontRef>
+    </dgm:style>
+  </dgm:styleLbl>
+  <dgm:styleLbl name="asst1">
+    <dgm:scene3d>
+      <a:camera prst="orthographicFront"/>
+      <a:lightRig rig="threePt" dir="t"/>
+    </dgm:scene3d>
+    <dgm:sp3d/>
+    <dgm:txPr/>
+    <dgm:style>
+      <a:lnRef idx="2">
+        <a:scrgbClr r="0" g="0" b="0"/>
+      </a:lnRef>
+      <a:fillRef idx="1">
+        <a:scrgbClr r="0" g="0" b="0"/>
+      </a:fillRef>
+      <a:effectRef idx="0">
+        <a:scrgbClr r="0" g="0" b="0"/>
+      </a:effectRef>
+      <a:fontRef idx="minor">
+        <a:schemeClr val="lt1"/>
+      </a:fontRef>
+    </dgm:style>
+  </dgm:styleLbl>
+  <dgm:styleLbl name="asst2">
+    <dgm:scene3d>
+      <a:camera prst="orthographicFront"/>
+      <a:lightRig rig="threePt" dir="t"/>
+    </dgm:scene3d>
+    <dgm:sp3d/>
+    <dgm:txPr/>
+    <dgm:style>
+      <a:lnRef idx="2">
+        <a:scrgbClr r="0" g="0" b="0"/>
+      </a:lnRef>
+      <a:fillRef idx="1">
+        <a:scrgbClr r="0" g="0" b="0"/>
+      </a:fillRef>
+      <a:effectRef idx="0">
+        <a:scrgbClr r="0" g="0" b="0"/>
+      </a:effectRef>
+      <a:fontRef idx="minor">
+        <a:schemeClr val="lt1"/>
+      </a:fontRef>
+    </dgm:style>
+  </dgm:styleLbl>
+  <dgm:styleLbl name="asst3">
+    <dgm:scene3d>
+      <a:camera prst="orthographicFront"/>
+      <a:lightRig rig="threePt" dir="t"/>
+    </dgm:scene3d>
+    <dgm:sp3d/>
+    <dgm:txPr/>
+    <dgm:style>
+      <a:lnRef idx="2">
+        <a:scrgbClr r="0" g="0" b="0"/>
+      </a:lnRef>
+      <a:fillRef idx="1">
+        <a:scrgbClr r="0" g="0" b="0"/>
+      </a:fillRef>
+      <a:effectRef idx="0">
+        <a:scrgbClr r="0" g="0" b="0"/>
+      </a:effectRef>
+      <a:fontRef idx="minor">
+        <a:schemeClr val="lt1"/>
+      </a:fontRef>
+    </dgm:style>
+  </dgm:styleLbl>
+  <dgm:styleLbl name="asst4">
+    <dgm:scene3d>
+      <a:camera prst="orthographicFront"/>
+      <a:lightRig rig="threePt" dir="t"/>
+    </dgm:scene3d>
+    <dgm:sp3d/>
+    <dgm:txPr/>
+    <dgm:style>
+      <a:lnRef idx="2">
+        <a:scrgbClr r="0" g="0" b="0"/>
+      </a:lnRef>
+      <a:fillRef idx="1">
+        <a:scrgbClr r="0" g="0" b="0"/>
+      </a:fillRef>
+      <a:effectRef idx="0">
+        <a:scrgbClr r="0" g="0" b="0"/>
+      </a:effectRef>
+      <a:fontRef idx="minor">
+        <a:schemeClr val="lt1"/>
+      </a:fontRef>
+    </dgm:style>
+  </dgm:styleLbl>
+  <dgm:styleLbl name="parChTrans2D1">
+    <dgm:scene3d>
+      <a:camera prst="orthographicFront"/>
+      <a:lightRig rig="threePt" dir="t"/>
+    </dgm:scene3d>
+    <dgm:sp3d/>
+    <dgm:txPr/>
+    <dgm:style>
+      <a:lnRef idx="2">
+        <a:scrgbClr r="0" g="0" b="0"/>
+      </a:lnRef>
+      <a:fillRef idx="1">
+        <a:scrgbClr r="0" g="0" b="0"/>
+      </a:fillRef>
+      <a:effectRef idx="0">
+        <a:scrgbClr r="0" g="0" b="0"/>
+      </a:effectRef>
+      <a:fontRef idx="minor">
+        <a:schemeClr val="lt1"/>
+      </a:fontRef>
+    </dgm:style>
+  </dgm:styleLbl>
+  <dgm:styleLbl name="parChTrans2D2">
+    <dgm:scene3d>
+      <a:camera prst="orthographicFront"/>
+      <a:lightRig rig="threePt" dir="t"/>
+    </dgm:scene3d>
+    <dgm:sp3d/>
+    <dgm:txPr/>
+    <dgm:style>
+      <a:lnRef idx="2">
+        <a:scrgbClr r="0" g="0" b="0"/>
+      </a:lnRef>
+      <a:fillRef idx="1">
+        <a:scrgbClr r="0" g="0" b="0"/>
+      </a:fillRef>
+      <a:effectRef idx="0">
+        <a:scrgbClr r="0" g="0" b="0"/>
+      </a:effectRef>
+      <a:fontRef idx="minor">
+        <a:schemeClr val="lt1"/>
+      </a:fontRef>
+    </dgm:style>
+  </dgm:styleLbl>
+  <dgm:styleLbl name="parChTrans2D3">
+    <dgm:scene3d>
+      <a:camera prst="orthographicFront"/>
+      <a:lightRig rig="threePt" dir="t"/>
+    </dgm:scene3d>
+    <dgm:sp3d/>
+    <dgm:txPr/>
+    <dgm:style>
+      <a:lnRef idx="2">
+        <a:scrgbClr r="0" g="0" b="0"/>
+      </a:lnRef>
+      <a:fillRef idx="1">
+        <a:scrgbClr r="0" g="0" b="0"/>
+      </a:fillRef>
+      <a:effectRef idx="0">
+        <a:scrgbClr r="0" g="0" b="0"/>
+      </a:effectRef>
+      <a:fontRef idx="minor">
+        <a:schemeClr val="lt1"/>
+      </a:fontRef>
+    </dgm:style>
+  </dgm:styleLbl>
+  <dgm:styleLbl name="parChTrans2D4">
+    <dgm:scene3d>
+      <a:camera prst="orthographicFront"/>
+      <a:lightRig rig="threePt" dir="t"/>
+    </dgm:scene3d>
+    <dgm:sp3d/>
+    <dgm:txPr/>
+    <dgm:style>
+      <a:lnRef idx="2">
+        <a:scrgbClr r="0" g="0" b="0"/>
+      </a:lnRef>
+      <a:fillRef idx="1">
+        <a:scrgbClr r="0" g="0" b="0"/>
+      </a:fillRef>
+      <a:effectRef idx="0">
+        <a:scrgbClr r="0" g="0" b="0"/>
+      </a:effectRef>
+      <a:fontRef idx="minor">
+        <a:schemeClr val="lt1"/>
+      </a:fontRef>
+    </dgm:style>
+  </dgm:styleLbl>
+  <dgm:styleLbl name="parChTrans1D1">
+    <dgm:scene3d>
+      <a:camera prst="orthographicFront"/>
+      <a:lightRig rig="threePt" dir="t"/>
+    </dgm:scene3d>
+    <dgm:sp3d/>
+    <dgm:txPr/>
+    <dgm:style>
+      <a:lnRef idx="2">
+        <a:scrgbClr r="0" g="0" b="0"/>
+      </a:lnRef>
+      <a:fillRef idx="0">
+        <a:scrgbClr r="0" g="0" b="0"/>
+      </a:fillRef>
+      <a:effectRef idx="0">
+        <a:scrgbClr r="0" g="0" b="0"/>
+      </a:effectRef>
+      <a:fontRef idx="minor"/>
+    </dgm:style>
+  </dgm:styleLbl>
+  <dgm:styleLbl name="parChTrans1D2">
+    <dgm:scene3d>
+      <a:camera prst="orthographicFront"/>
+      <a:lightRig rig="threePt" dir="t"/>
+    </dgm:scene3d>
+    <dgm:sp3d/>
+    <dgm:txPr/>
+    <dgm:style>
+      <a:lnRef idx="2">
+        <a:scrgbClr r="0" g="0" b="0"/>
+      </a:lnRef>
+      <a:fillRef idx="0">
+        <a:scrgbClr r="0" g="0" b="0"/>
+      </a:fillRef>
+      <a:effectRef idx="0">
+        <a:scrgbClr r="0" g="0" b="0"/>
+      </a:effectRef>
+      <a:fontRef idx="minor"/>
+    </dgm:style>
+  </dgm:styleLbl>
+  <dgm:styleLbl name="parChTrans1D3">
+    <dgm:scene3d>
+      <a:camera prst="orthographicFront"/>
+      <a:lightRig rig="threePt" dir="t"/>
+    </dgm:scene3d>
+    <dgm:sp3d/>
+    <dgm:txPr/>
+    <dgm:style>
+      <a:lnRef idx="2">
+        <a:scrgbClr r="0" g="0" b="0"/>
+      </a:lnRef>
+      <a:fillRef idx="0">
+        <a:scrgbClr r="0" g="0" b="0"/>
+      </a:fillRef>
+      <a:effectRef idx="0">
+        <a:scrgbClr r="0" g="0" b="0"/>
+      </a:effectRef>
+      <a:fontRef idx="minor"/>
+    </dgm:style>
+  </dgm:styleLbl>
+  <dgm:styleLbl name="parChTrans1D4">
+    <dgm:scene3d>
+      <a:camera prst="orthographicFront"/>
+      <a:lightRig rig="threePt" dir="t"/>
+    </dgm:scene3d>
+    <dgm:sp3d/>
+    <dgm:txPr/>
+    <dgm:style>
+      <a:lnRef idx="2">
+        <a:scrgbClr r="0" g="0" b="0"/>
+      </a:lnRef>
+      <a:fillRef idx="0">
+        <a:scrgbClr r="0" g="0" b="0"/>
+      </a:fillRef>
+      <a:effectRef idx="0">
+        <a:scrgbClr r="0" g="0" b="0"/>
+      </a:effectRef>
+      <a:fontRef idx="minor"/>
+    </dgm:style>
+  </dgm:styleLbl>
+  <dgm:styleLbl name="fgAcc1">
+    <dgm:scene3d>
+      <a:camera prst="orthographicFront"/>
+      <a:lightRig rig="threePt" dir="t"/>
+    </dgm:scene3d>
+    <dgm:sp3d/>
+    <dgm:txPr/>
+    <dgm:style>
+      <a:lnRef idx="2">
+        <a:scrgbClr r="0" g="0" b="0"/>
+      </a:lnRef>
+      <a:fillRef idx="1">
+        <a:scrgbClr r="0" g="0" b="0"/>
+      </a:fillRef>
+      <a:effectRef idx="0">
+        <a:scrgbClr r="0" g="0" b="0"/>
+      </a:effectRef>
+      <a:fontRef idx="minor"/>
+    </dgm:style>
+  </dgm:styleLbl>
+  <dgm:styleLbl name="conFgAcc1">
+    <dgm:scene3d>
+      <a:camera prst="orthographicFront"/>
+      <a:lightRig rig="threePt" dir="t"/>
+    </dgm:scene3d>
+    <dgm:sp3d/>
+    <dgm:txPr/>
+    <dgm:style>
+      <a:lnRef idx="2">
+        <a:scrgbClr r="0" g="0" b="0"/>
+      </a:lnRef>
+      <a:fillRef idx="1">
+        <a:scrgbClr r="0" g="0" b="0"/>
+      </a:fillRef>
+      <a:effectRef idx="0">
+        <a:scrgbClr r="0" g="0" b="0"/>
+      </a:effectRef>
+      <a:fontRef idx="minor"/>
+    </dgm:style>
+  </dgm:styleLbl>
+  <dgm:styleLbl name="alignAcc1">
+    <dgm:scene3d>
+      <a:camera prst="orthographicFront"/>
+      <a:lightRig rig="threePt" dir="t"/>
+    </dgm:scene3d>
+    <dgm:sp3d/>
+    <dgm:txPr/>
+    <dgm:style>
+      <a:lnRef idx="2">
+        <a:scrgbClr r="0" g="0" b="0"/>
+      </a:lnRef>
+      <a:fillRef idx="1">
+        <a:scrgbClr r="0" g="0" b="0"/>
+      </a:fillRef>
+      <a:effectRef idx="0">
+        <a:scrgbClr r="0" g="0" b="0"/>
+      </a:effectRef>
+      <a:fontRef idx="minor"/>
+    </dgm:style>
+  </dgm:styleLbl>
+  <dgm:styleLbl name="trAlignAcc1">
+    <dgm:scene3d>
+      <a:camera prst="orthographicFront"/>
+      <a:lightRig rig="threePt" dir="t"/>
+    </dgm:scene3d>
+    <dgm:sp3d/>
+    <dgm:txPr/>
+    <dgm:style>
+      <a:lnRef idx="1">
+        <a:scrgbClr r="0" g="0" b="0"/>
+      </a:lnRef>
+      <a:fillRef idx="1">
+        <a:scrgbClr r="0" g="0" b="0"/>
+      </a:fillRef>
+      <a:effectRef idx="0">
+        <a:scrgbClr r="0" g="0" b="0"/>
+      </a:effectRef>
+      <a:fontRef idx="minor"/>
+    </dgm:style>
+  </dgm:styleLbl>
+  <dgm:styleLbl name="bgAcc1">
+    <dgm:scene3d>
+      <a:camera prst="orthographicFront"/>
+      <a:lightRig rig="threePt" dir="t"/>
+    </dgm:scene3d>
+    <dgm:sp3d/>
+    <dgm:txPr/>
+    <dgm:style>
+      <a:lnRef idx="2">
+        <a:scrgbClr r="0" g="0" b="0"/>
+      </a:lnRef>
+      <a:fillRef idx="1">
+        <a:scrgbClr r="0" g="0" b="0"/>
+      </a:fillRef>
+      <a:effectRef idx="0">
+        <a:scrgbClr r="0" g="0" b="0"/>
+      </a:effectRef>
+      <a:fontRef idx="minor"/>
+    </dgm:style>
+  </dgm:styleLbl>
+  <dgm:styleLbl name="solidFgAcc1">
+    <dgm:scene3d>
+      <a:camera prst="orthographicFront"/>
+      <a:lightRig rig="threePt" dir="t"/>
+    </dgm:scene3d>
+    <dgm:sp3d/>
+    <dgm:txPr/>
+    <dgm:style>
+      <a:lnRef idx="2">
+        <a:scrgbClr r="0" g="0" b="0"/>
+      </a:lnRef>
+      <a:fillRef idx="1">
+        <a:scrgbClr r="0" g="0" b="0"/>
+      </a:fillRef>
+      <a:effectRef idx="0">
+        <a:scrgbClr r="0" g="0" b="0"/>
+      </a:effectRef>
+      <a:fontRef idx="minor"/>
+    </dgm:style>
+  </dgm:styleLbl>
+  <dgm:styleLbl name="solidAlignAcc1">
+    <dgm:scene3d>
+      <a:camera prst="orthographicFront"/>
+      <a:lightRig rig="threePt" dir="t"/>
+    </dgm:scene3d>
+    <dgm:sp3d/>
+    <dgm:txPr/>
+    <dgm:style>
+      <a:lnRef idx="2">
+        <a:scrgbClr r="0" g="0" b="0"/>
+      </a:lnRef>
+      <a:fillRef idx="1">
+        <a:scrgbClr r="0" g="0" b="0"/>
+      </a:fillRef>
+      <a:effectRef idx="0">
+        <a:scrgbClr r="0" g="0" b="0"/>
+      </a:effectRef>
+      <a:fontRef idx="minor"/>
+    </dgm:style>
+  </dgm:styleLbl>
+  <dgm:styleLbl name="solidBgAcc1">
+    <dgm:scene3d>
+      <a:camera prst="orthographicFront"/>
+      <a:lightRig rig="threePt" dir="t"/>
+    </dgm:scene3d>
+    <dgm:sp3d/>
+    <dgm:txPr/>
+    <dgm:style>
+      <a:lnRef idx="2">
+        <a:scrgbClr r="0" g="0" b="0"/>
+      </a:lnRef>
+      <a:fillRef idx="1">
+        <a:scrgbClr r="0" g="0" b="0"/>
+      </a:fillRef>
+      <a:effectRef idx="0">
+        <a:scrgbClr r="0" g="0" b="0"/>
+      </a:effectRef>
+      <a:fontRef idx="minor"/>
+    </dgm:style>
+  </dgm:styleLbl>
+  <dgm:styleLbl name="fgAccFollowNode1">
+    <dgm:scene3d>
+      <a:camera prst="orthographicFront"/>
+      <a:lightRig rig="threePt" dir="t"/>
+    </dgm:scene3d>
+    <dgm:sp3d/>
+    <dgm:txPr/>
+    <dgm:style>
+      <a:lnRef idx="2">
+        <a:scrgbClr r="0" g="0" b="0"/>
+      </a:lnRef>
+      <a:fillRef idx="1">
+        <a:scrgbClr r="0" g="0" b="0"/>
+      </a:fillRef>
+      <a:effectRef idx="0">
+        <a:scrgbClr r="0" g="0" b="0"/>
+      </a:effectRef>
+      <a:fontRef idx="minor"/>
+    </dgm:style>
+  </dgm:styleLbl>
+  <dgm:styleLbl name="alignAccFollowNode1">
+    <dgm:scene3d>
+      <a:camera prst="orthographicFront"/>
+      <a:lightRig rig="threePt" dir="t"/>
+    </dgm:scene3d>
+    <dgm:sp3d/>
+    <dgm:txPr/>
+    <dgm:style>
+      <a:lnRef idx="2">
+        <a:scrgbClr r="0" g="0" b="0"/>
+      </a:lnRef>
+      <a:fillRef idx="1">
+        <a:scrgbClr r="0" g="0" b="0"/>
+      </a:fillRef>
+      <a:effectRef idx="0">
+        <a:scrgbClr r="0" g="0" b="0"/>
+      </a:effectRef>
+      <a:fontRef idx="minor"/>
+    </dgm:style>
+  </dgm:styleLbl>
+  <dgm:styleLbl name="bgAccFollowNode1">
+    <dgm:scene3d>
+      <a:camera prst="orthographicFront"/>
+      <a:lightRig rig="threePt" dir="t"/>
+    </dgm:scene3d>
+    <dgm:sp3d/>
+    <dgm:txPr/>
+    <dgm:style>
+      <a:lnRef idx="2">
+        <a:scrgbClr r="0" g="0" b="0"/>
+      </a:lnRef>
+      <a:fillRef idx="1">
+        <a:scrgbClr r="0" g="0" b="0"/>
+      </a:fillRef>
+      <a:effectRef idx="0">
+        <a:scrgbClr r="0" g="0" b="0"/>
+      </a:effectRef>
+      <a:fontRef idx="minor"/>
+    </dgm:style>
+  </dgm:styleLbl>
+  <dgm:styleLbl name="fgAcc0">
+    <dgm:scene3d>
+      <a:camera prst="orthographicFront"/>
+      <a:lightRig rig="threePt" dir="t"/>
+    </dgm:scene3d>
+    <dgm:sp3d/>
+    <dgm:txPr/>
+    <dgm:style>
+      <a:lnRef idx="2">
+        <a:scrgbClr r="0" g="0" b="0"/>
+      </a:lnRef>
+      <a:fillRef idx="1">
+        <a:scrgbClr r="0" g="0" b="0"/>
+      </a:fillRef>
+      <a:effectRef idx="0">
+        <a:scrgbClr r="0" g="0" b="0"/>
+      </a:effectRef>
+      <a:fontRef idx="minor"/>
+    </dgm:style>
+  </dgm:styleLbl>
+  <dgm:styleLbl name="fgAcc2">
+    <dgm:scene3d>
+      <a:camera prst="orthographicFront"/>
+      <a:lightRig rig="threePt" dir="t"/>
+    </dgm:scene3d>
+    <dgm:sp3d/>
+    <dgm:txPr/>
+    <dgm:style>
+      <a:lnRef idx="2">
+        <a:scrgbClr r="0" g="0" b="0"/>
+      </a:lnRef>
+      <a:fillRef idx="1">
+        <a:scrgbClr r="0" g="0" b="0"/>
+      </a:fillRef>
+      <a:effectRef idx="0">
+        <a:scrgbClr r="0" g="0" b="0"/>
+      </a:effectRef>
+      <a:fontRef idx="minor"/>
+    </dgm:style>
+  </dgm:styleLbl>
+  <dgm:styleLbl name="fgAcc3">
+    <dgm:scene3d>
+      <a:camera prst="orthographicFront"/>
+      <a:lightRig rig="threePt" dir="t"/>
+    </dgm:scene3d>
+    <dgm:sp3d/>
+    <dgm:txPr/>
+    <dgm:style>
+      <a:lnRef idx="2">
+        <a:scrgbClr r="0" g="0" b="0"/>
+      </a:lnRef>
+      <a:fillRef idx="1">
+        <a:scrgbClr r="0" g="0" b="0"/>
+      </a:fillRef>
+      <a:effectRef idx="0">
+        <a:scrgbClr r="0" g="0" b="0"/>
+      </a:effectRef>
+      <a:fontRef idx="minor"/>
+    </dgm:style>
+  </dgm:styleLbl>
+  <dgm:styleLbl name="fgAcc4">
+    <dgm:scene3d>
+      <a:camera prst="orthographicFront"/>
+      <a:lightRig rig="threePt" dir="t"/>
+    </dgm:scene3d>
+    <dgm:sp3d/>
+    <dgm:txPr/>
+    <dgm:style>
+      <a:lnRef idx="2">
+        <a:scrgbClr r="0" g="0" b="0"/>
+      </a:lnRef>
+      <a:fillRef idx="1">
+        <a:scrgbClr r="0" g="0" b="0"/>
+      </a:fillRef>
+      <a:effectRef idx="0">
+        <a:scrgbClr r="0" g="0" b="0"/>
+      </a:effectRef>
+      <a:fontRef idx="minor"/>
+    </dgm:style>
+  </dgm:styleLbl>
+  <dgm:styleLbl name="bgShp">
+    <dgm:scene3d>
+      <a:camera prst="orthographicFront"/>
+      <a:lightRig rig="threePt" dir="t"/>
+    </dgm:scene3d>
+    <dgm:sp3d/>
+    <dgm:txPr/>
+    <dgm:style>
+      <a:lnRef idx="0">
+        <a:scrgbClr r="0" g="0" b="0"/>
+      </a:lnRef>
+      <a:fillRef idx="1">
+        <a:scrgbClr r="0" g="0" b="0"/>
+      </a:fillRef>
+      <a:effectRef idx="0">
+        <a:scrgbClr r="0" g="0" b="0"/>
+      </a:effectRef>
+      <a:fontRef idx="minor"/>
+    </dgm:style>
+  </dgm:styleLbl>
+  <dgm:styleLbl name="dkBgShp">
+    <dgm:scene3d>
+      <a:camera prst="orthographicFront"/>
+      <a:lightRig rig="threePt" dir="t"/>
+    </dgm:scene3d>
+    <dgm:sp3d/>
+    <dgm:txPr/>
+    <dgm:style>
+      <a:lnRef idx="0">
+        <a:scrgbClr r="0" g="0" b="0"/>
+      </a:lnRef>
+      <a:fillRef idx="1">
+        <a:scrgbClr r="0" g="0" b="0"/>
+      </a:fillRef>
+      <a:effectRef idx="0">
+        <a:scrgbClr r="0" g="0" b="0"/>
+      </a:effectRef>
+      <a:fontRef idx="minor"/>
+    </dgm:style>
+  </dgm:styleLbl>
+  <dgm:styleLbl name="trBgShp">
+    <dgm:scene3d>
+      <a:camera prst="orthographicFront"/>
+      <a:lightRig rig="threePt" dir="t"/>
+    </dgm:scene3d>
+    <dgm:sp3d/>
+    <dgm:txPr/>
+    <dgm:style>
+      <a:lnRef idx="0">
+        <a:scrgbClr r="0" g="0" b="0"/>
+      </a:lnRef>
+      <a:fillRef idx="1">
+        <a:scrgbClr r="0" g="0" b="0"/>
+      </a:fillRef>
+      <a:effectRef idx="0">
+        <a:scrgbClr r="0" g="0" b="0"/>
+      </a:effectRef>
+      <a:fontRef idx="minor"/>
+    </dgm:style>
+  </dgm:styleLbl>
+  <dgm:styleLbl name="fgShp">
+    <dgm:scene3d>
+      <a:camera prst="orthographicFront"/>
+      <a:lightRig rig="threePt" dir="t"/>
+    </dgm:scene3d>
+    <dgm:sp3d/>
+    <dgm:txPr/>
+    <dgm:style>
+      <a:lnRef idx="2">
+        <a:scrgbClr r="0" g="0" b="0"/>
+      </a:lnRef>
+      <a:fillRef idx="1">
+        <a:scrgbClr r="0" g="0" b="0"/>
+      </a:fillRef>
+      <a:effectRef idx="0">
+        <a:scrgbClr r="0" g="0" b="0"/>
+      </a:effectRef>
+      <a:fontRef idx="minor"/>
+    </dgm:style>
+  </dgm:styleLbl>
+  <dgm:styleLbl name="revTx">
+    <dgm:scene3d>
+      <a:camera prst="orthographicFront"/>
+      <a:lightRig rig="threePt" dir="t"/>
+    </dgm:scene3d>
+    <dgm:sp3d/>
+    <dgm:txPr/>
+    <dgm:style>
+      <a:lnRef idx="0">
+        <a:scrgbClr r="0" g="0" b="0"/>
+      </a:lnRef>
+      <a:fillRef idx="0">
+        <a:scrgbClr r="0" g="0" b="0"/>
+      </a:fillRef>
+      <a:effectRef idx="0">
+        <a:scrgbClr r="0" g="0" b="0"/>
+      </a:effectRef>
+      <a:fontRef idx="minor"/>
+    </dgm:style>
+  </dgm:styleLbl>
+</dgm:styleDef>
+</file>
+
+<file path=ppt/diagrams/quickStyle2.xml><?xml version="1.0" encoding="utf-8"?>
 <dgm:styleDef xmlns:dgm="http://schemas.openxmlformats.org/drawingml/2006/diagram" xmlns:a="http://schemas.openxmlformats.org/drawingml/2006/main" uniqueId="urn:microsoft.com/office/officeart/2005/8/quickstyle/simple1">
   <dgm:title val=""/>
   <dgm:desc val=""/>
@@ -5245,7 +7970,7 @@
                 </a:solidFill>
               </a:rPr>
               <a:pPr/>
-              <a:t>9</a:t>
+              <a:t>11</a:t>
             </a:fld>
             <a:endParaRPr lang="en-GB">
               <a:solidFill>
@@ -14591,7 +17316,7 @@
         </p:nvSpPr>
         <p:spPr>
           <a:xfrm>
-            <a:off x="742298" y="3446809"/>
+            <a:off x="726114" y="3374246"/>
             <a:ext cx="3026335" cy="369332"/>
           </a:xfrm>
           <a:prstGeom prst="rect">
@@ -14612,86 +17337,6 @@
                 </a:solidFill>
               </a:rPr>
               <a:t>Robert Poenaru</a:t>
-            </a:r>
-          </a:p>
-        </p:txBody>
-      </p:sp>
-      <p:sp>
-        <p:nvSpPr>
-          <p:cNvPr id="11" name="TextBox 10">
-            <a:extLst>
-              <a:ext uri="{FF2B5EF4-FFF2-40B4-BE49-F238E27FC236}">
-                <a16:creationId xmlns:a16="http://schemas.microsoft.com/office/drawing/2014/main" id="{36405886-364B-AF88-07E4-03438A1F06A2}"/>
-              </a:ext>
-            </a:extLst>
-          </p:cNvPr>
-          <p:cNvSpPr txBox="1"/>
-          <p:nvPr/>
-        </p:nvSpPr>
-        <p:spPr>
-          <a:xfrm>
-            <a:off x="3287568" y="3446809"/>
-            <a:ext cx="2055133" cy="369332"/>
-          </a:xfrm>
-          <a:prstGeom prst="rect">
-            <a:avLst/>
-          </a:prstGeom>
-          <a:noFill/>
-        </p:spPr>
-        <p:txBody>
-          <a:bodyPr wrap="square">
-            <a:spAutoFit/>
-          </a:bodyPr>
-          <a:lstStyle/>
-          <a:p>
-            <a:pPr algn="r"/>
-            <a:r>
-              <a:rPr lang="en-US" noProof="0" dirty="0">
-                <a:solidFill>
-                  <a:srgbClr val="FF7900"/>
-                </a:solidFill>
-              </a:rPr>
-              <a:t>Orange Services</a:t>
-            </a:r>
-          </a:p>
-        </p:txBody>
-      </p:sp>
-      <p:sp>
-        <p:nvSpPr>
-          <p:cNvPr id="13" name="TextBox 12">
-            <a:extLst>
-              <a:ext uri="{FF2B5EF4-FFF2-40B4-BE49-F238E27FC236}">
-                <a16:creationId xmlns:a16="http://schemas.microsoft.com/office/drawing/2014/main" id="{7D5E3356-98F1-2ACB-E6DA-10A7F11CC560}"/>
-              </a:ext>
-            </a:extLst>
-          </p:cNvPr>
-          <p:cNvSpPr txBox="1"/>
-          <p:nvPr/>
-        </p:nvSpPr>
-        <p:spPr>
-          <a:xfrm>
-            <a:off x="5778321" y="3446809"/>
-            <a:ext cx="2357846" cy="369332"/>
-          </a:xfrm>
-          <a:prstGeom prst="rect">
-            <a:avLst/>
-          </a:prstGeom>
-          <a:noFill/>
-        </p:spPr>
-        <p:txBody>
-          <a:bodyPr wrap="square">
-            <a:spAutoFit/>
-          </a:bodyPr>
-          <a:lstStyle/>
-          <a:p>
-            <a:pPr algn="r"/>
-            <a:r>
-              <a:rPr lang="en-US" noProof="0" dirty="0">
-                <a:solidFill>
-                  <a:srgbClr val="FF7900"/>
-                </a:solidFill>
-              </a:rPr>
-              <a:t>07 September 2025</a:t>
             </a:r>
           </a:p>
         </p:txBody>
@@ -14722,6 +17367,1656 @@
 </file>
 
 <file path=ppt/slides/slide10.xml><?xml version="1.0" encoding="utf-8"?>
+<p:sld xmlns:a="http://schemas.openxmlformats.org/drawingml/2006/main" xmlns:r="http://schemas.openxmlformats.org/officeDocument/2006/relationships" xmlns:p="http://schemas.openxmlformats.org/presentationml/2006/main">
+  <p:cSld>
+    <p:spTree>
+      <p:nvGrpSpPr>
+        <p:cNvPr id="1" name=""/>
+        <p:cNvGrpSpPr/>
+        <p:nvPr/>
+      </p:nvGrpSpPr>
+      <p:grpSpPr>
+        <a:xfrm>
+          <a:off x="0" y="0"/>
+          <a:ext cx="0" cy="0"/>
+          <a:chOff x="0" y="0"/>
+          <a:chExt cx="0" cy="0"/>
+        </a:xfrm>
+      </p:grpSpPr>
+      <p:sp>
+        <p:nvSpPr>
+          <p:cNvPr id="3" name="Titre 2"/>
+          <p:cNvSpPr>
+            <a:spLocks noGrp="1"/>
+          </p:cNvSpPr>
+          <p:nvPr>
+            <p:ph type="title"/>
+          </p:nvPr>
+        </p:nvSpPr>
+        <p:spPr>
+          <a:xfrm>
+            <a:off x="467544" y="411510"/>
+            <a:ext cx="8362131" cy="360040"/>
+          </a:xfrm>
+        </p:spPr>
+        <p:txBody>
+          <a:bodyPr/>
+          <a:lstStyle/>
+          <a:p>
+            <a:r>
+              <a:rPr lang="en-US" sz="2800" noProof="0" dirty="0" err="1"/>
+              <a:t>Titre</a:t>
+            </a:r>
+            <a:r>
+              <a:rPr lang="en-US" sz="2800" noProof="0" dirty="0"/>
+              <a:t> </a:t>
+            </a:r>
+            <a:r>
+              <a:rPr lang="en-US" sz="2800" noProof="0" dirty="0" err="1"/>
+              <a:t>Titre</a:t>
+            </a:r>
+            <a:r>
+              <a:rPr lang="en-US" sz="2800" noProof="0" dirty="0"/>
+              <a:t> </a:t>
+            </a:r>
+            <a:r>
+              <a:rPr lang="en-US" sz="2800" noProof="0" dirty="0" err="1"/>
+              <a:t>Titre</a:t>
+            </a:r>
+            <a:r>
+              <a:rPr lang="en-US" sz="2800" noProof="0" dirty="0"/>
+              <a:t> </a:t>
+            </a:r>
+            <a:r>
+              <a:rPr lang="en-US" sz="2800" noProof="0" dirty="0" err="1"/>
+              <a:t>Titre</a:t>
+            </a:r>
+            <a:r>
+              <a:rPr lang="en-US" sz="2800" noProof="0" dirty="0"/>
+              <a:t> </a:t>
+            </a:r>
+            <a:r>
+              <a:rPr lang="en-US" sz="2800" noProof="0" dirty="0" err="1"/>
+              <a:t>Titre</a:t>
+            </a:r>
+            <a:endParaRPr lang="en-US" sz="2800" noProof="0" dirty="0">
+              <a:solidFill>
+                <a:schemeClr val="bg1"/>
+              </a:solidFill>
+            </a:endParaRPr>
+          </a:p>
+        </p:txBody>
+      </p:sp>
+      <p:sp>
+        <p:nvSpPr>
+          <p:cNvPr id="4" name="Rectangle 3"/>
+          <p:cNvSpPr/>
+          <p:nvPr/>
+        </p:nvSpPr>
+        <p:spPr>
+          <a:xfrm>
+            <a:off x="269688" y="4731990"/>
+            <a:ext cx="1205968" cy="197362"/>
+          </a:xfrm>
+          <a:prstGeom prst="rect">
+            <a:avLst/>
+          </a:prstGeom>
+          <a:solidFill>
+            <a:schemeClr val="bg1"/>
+          </a:solidFill>
+          <a:ln>
+            <a:noFill/>
+          </a:ln>
+        </p:spPr>
+        <p:style>
+          <a:lnRef idx="2">
+            <a:schemeClr val="accent1">
+              <a:shade val="50000"/>
+            </a:schemeClr>
+          </a:lnRef>
+          <a:fillRef idx="1">
+            <a:schemeClr val="accent1"/>
+          </a:fillRef>
+          <a:effectRef idx="0">
+            <a:schemeClr val="accent1"/>
+          </a:effectRef>
+          <a:fontRef idx="minor">
+            <a:schemeClr val="lt1"/>
+          </a:fontRef>
+        </p:style>
+        <p:txBody>
+          <a:bodyPr rtlCol="0" anchor="ctr"/>
+          <a:lstStyle/>
+          <a:p>
+            <a:pPr algn="ctr"/>
+            <a:endParaRPr lang="en-US" sz="1600" noProof="0" dirty="0">
+              <a:solidFill>
+                <a:srgbClr val="000000"/>
+              </a:solidFill>
+            </a:endParaRPr>
+          </a:p>
+        </p:txBody>
+      </p:sp>
+      <p:graphicFrame>
+        <p:nvGraphicFramePr>
+          <p:cNvPr id="18" name="Chart 82"/>
+          <p:cNvGraphicFramePr/>
+          <p:nvPr/>
+        </p:nvGraphicFramePr>
+        <p:xfrm>
+          <a:off x="2399717" y="2268330"/>
+          <a:ext cx="1994260" cy="554786"/>
+        </p:xfrm>
+        <a:graphic>
+          <a:graphicData uri="http://schemas.openxmlformats.org/drawingml/2006/chart">
+            <c:chart xmlns:c="http://schemas.openxmlformats.org/drawingml/2006/chart" xmlns:r="http://schemas.openxmlformats.org/officeDocument/2006/relationships" r:id="rId2"/>
+          </a:graphicData>
+        </a:graphic>
+      </p:graphicFrame>
+      <p:graphicFrame>
+        <p:nvGraphicFramePr>
+          <p:cNvPr id="20" name="Chart 83"/>
+          <p:cNvGraphicFramePr/>
+          <p:nvPr/>
+        </p:nvGraphicFramePr>
+        <p:xfrm>
+          <a:off x="4529746" y="2268330"/>
+          <a:ext cx="1994260" cy="554786"/>
+        </p:xfrm>
+        <a:graphic>
+          <a:graphicData uri="http://schemas.openxmlformats.org/drawingml/2006/chart">
+            <c:chart xmlns:c="http://schemas.openxmlformats.org/drawingml/2006/chart" xmlns:r="http://schemas.openxmlformats.org/officeDocument/2006/relationships" r:id="rId3"/>
+          </a:graphicData>
+        </a:graphic>
+      </p:graphicFrame>
+      <p:graphicFrame>
+        <p:nvGraphicFramePr>
+          <p:cNvPr id="22" name="Chart 84"/>
+          <p:cNvGraphicFramePr/>
+          <p:nvPr/>
+        </p:nvGraphicFramePr>
+        <p:xfrm>
+          <a:off x="6659775" y="2268330"/>
+          <a:ext cx="1994260" cy="554786"/>
+        </p:xfrm>
+        <a:graphic>
+          <a:graphicData uri="http://schemas.openxmlformats.org/drawingml/2006/chart">
+            <c:chart xmlns:c="http://schemas.openxmlformats.org/drawingml/2006/chart" xmlns:r="http://schemas.openxmlformats.org/officeDocument/2006/relationships" r:id="rId4"/>
+          </a:graphicData>
+        </a:graphic>
+      </p:graphicFrame>
+      <p:graphicFrame>
+        <p:nvGraphicFramePr>
+          <p:cNvPr id="23" name="Chart 85"/>
+          <p:cNvGraphicFramePr/>
+          <p:nvPr/>
+        </p:nvGraphicFramePr>
+        <p:xfrm>
+          <a:off x="269688" y="2268330"/>
+          <a:ext cx="1994260" cy="554786"/>
+        </p:xfrm>
+        <a:graphic>
+          <a:graphicData uri="http://schemas.openxmlformats.org/drawingml/2006/chart">
+            <c:chart xmlns:c="http://schemas.openxmlformats.org/drawingml/2006/chart" xmlns:r="http://schemas.openxmlformats.org/officeDocument/2006/relationships" r:id="rId5"/>
+          </a:graphicData>
+        </a:graphic>
+      </p:graphicFrame>
+      <p:sp>
+        <p:nvSpPr>
+          <p:cNvPr id="26" name="TextBox 86"/>
+          <p:cNvSpPr txBox="1"/>
+          <p:nvPr/>
+        </p:nvSpPr>
+        <p:spPr>
+          <a:xfrm>
+            <a:off x="384938" y="2919884"/>
+            <a:ext cx="1695101" cy="1308050"/>
+          </a:xfrm>
+          <a:prstGeom prst="rect">
+            <a:avLst/>
+          </a:prstGeom>
+        </p:spPr>
+        <p:txBody>
+          <a:bodyPr wrap="square" lIns="0" tIns="0" rIns="0" bIns="0" rtlCol="0">
+            <a:spAutoFit/>
+          </a:bodyPr>
+          <a:lstStyle/>
+          <a:p>
+            <a:pPr defTabSz="712788" fontAlgn="base">
+              <a:spcBef>
+                <a:spcPct val="0"/>
+              </a:spcBef>
+              <a:spcAft>
+                <a:spcPct val="0"/>
+              </a:spcAft>
+            </a:pPr>
+            <a:r>
+              <a:rPr lang="en-US" sz="1200" noProof="0" dirty="0">
+                <a:ea typeface="ＭＳ Ｐゴシック" pitchFamily="34" charset="-128"/>
+              </a:rPr>
+              <a:t>Insert title</a:t>
+            </a:r>
+          </a:p>
+          <a:p>
+            <a:pPr defTabSz="712788" fontAlgn="base">
+              <a:spcBef>
+                <a:spcPts val="600"/>
+              </a:spcBef>
+              <a:spcAft>
+                <a:spcPct val="0"/>
+              </a:spcAft>
+            </a:pPr>
+            <a:r>
+              <a:rPr lang="en-US" sz="1050" noProof="0" dirty="0">
+                <a:latin typeface="Helvetica 55 Roman" panose="020B0604020202020204" pitchFamily="34" charset="0"/>
+                <a:ea typeface="ＭＳ Ｐゴシック" pitchFamily="34" charset="-128"/>
+              </a:rPr>
+              <a:t>Lorem ipsum dolor sit </a:t>
+            </a:r>
+            <a:r>
+              <a:rPr lang="en-US" sz="1050" noProof="0" dirty="0" err="1">
+                <a:latin typeface="Helvetica 55 Roman" panose="020B0604020202020204" pitchFamily="34" charset="0"/>
+                <a:ea typeface="ＭＳ Ｐゴシック" pitchFamily="34" charset="-128"/>
+              </a:rPr>
+              <a:t>amet</a:t>
+            </a:r>
+            <a:r>
+              <a:rPr lang="en-US" sz="1050" noProof="0" dirty="0">
+                <a:latin typeface="Helvetica 55 Roman" panose="020B0604020202020204" pitchFamily="34" charset="0"/>
+                <a:ea typeface="ＭＳ Ｐゴシック" pitchFamily="34" charset="-128"/>
+              </a:rPr>
+              <a:t>, </a:t>
+            </a:r>
+            <a:r>
+              <a:rPr lang="en-US" sz="1050" noProof="0" dirty="0" err="1">
+                <a:latin typeface="Helvetica 55 Roman" panose="020B0604020202020204" pitchFamily="34" charset="0"/>
+                <a:ea typeface="ＭＳ Ｐゴシック" pitchFamily="34" charset="-128"/>
+              </a:rPr>
+              <a:t>consectetur</a:t>
+            </a:r>
+            <a:r>
+              <a:rPr lang="en-US" sz="1050" noProof="0" dirty="0">
+                <a:latin typeface="Helvetica 55 Roman" panose="020B0604020202020204" pitchFamily="34" charset="0"/>
+                <a:ea typeface="ＭＳ Ｐゴシック" pitchFamily="34" charset="-128"/>
+              </a:rPr>
+              <a:t> </a:t>
+            </a:r>
+            <a:r>
+              <a:rPr lang="en-US" sz="1050" noProof="0" dirty="0" err="1">
+                <a:latin typeface="Helvetica 55 Roman" panose="020B0604020202020204" pitchFamily="34" charset="0"/>
+                <a:ea typeface="ＭＳ Ｐゴシック" pitchFamily="34" charset="-128"/>
+              </a:rPr>
+              <a:t>adipiscing</a:t>
+            </a:r>
+            <a:r>
+              <a:rPr lang="en-US" sz="1050" noProof="0" dirty="0">
+                <a:latin typeface="Helvetica 55 Roman" panose="020B0604020202020204" pitchFamily="34" charset="0"/>
+                <a:ea typeface="ＭＳ Ｐゴシック" pitchFamily="34" charset="-128"/>
+              </a:rPr>
+              <a:t> </a:t>
+            </a:r>
+            <a:r>
+              <a:rPr lang="en-US" sz="1050" noProof="0" dirty="0" err="1">
+                <a:latin typeface="Helvetica 55 Roman" panose="020B0604020202020204" pitchFamily="34" charset="0"/>
+                <a:ea typeface="ＭＳ Ｐゴシック" pitchFamily="34" charset="-128"/>
+              </a:rPr>
+              <a:t>elit</a:t>
+            </a:r>
+            <a:r>
+              <a:rPr lang="en-US" sz="1050" noProof="0" dirty="0">
+                <a:latin typeface="Helvetica 55 Roman" panose="020B0604020202020204" pitchFamily="34" charset="0"/>
+                <a:ea typeface="ＭＳ Ｐゴシック" pitchFamily="34" charset="-128"/>
+              </a:rPr>
+              <a:t>. </a:t>
+            </a:r>
+          </a:p>
+          <a:p>
+            <a:pPr defTabSz="712788" fontAlgn="base">
+              <a:spcBef>
+                <a:spcPts val="600"/>
+              </a:spcBef>
+              <a:spcAft>
+                <a:spcPct val="0"/>
+              </a:spcAft>
+            </a:pPr>
+            <a:r>
+              <a:rPr lang="en-US" sz="1050" noProof="0" dirty="0">
+                <a:latin typeface="Helvetica 55 Roman" panose="020B0604020202020204" pitchFamily="34" charset="0"/>
+                <a:ea typeface="ＭＳ Ｐゴシック" pitchFamily="34" charset="-128"/>
+              </a:rPr>
+              <a:t>Sed </a:t>
+            </a:r>
+            <a:r>
+              <a:rPr lang="en-US" sz="1050" noProof="0" dirty="0" err="1">
+                <a:latin typeface="Helvetica 55 Roman" panose="020B0604020202020204" pitchFamily="34" charset="0"/>
+                <a:ea typeface="ＭＳ Ｐゴシック" pitchFamily="34" charset="-128"/>
+              </a:rPr>
+              <a:t>rhoncus</a:t>
+            </a:r>
+            <a:r>
+              <a:rPr lang="en-US" sz="1050" noProof="0" dirty="0">
+                <a:latin typeface="Helvetica 55 Roman" panose="020B0604020202020204" pitchFamily="34" charset="0"/>
+                <a:ea typeface="ＭＳ Ｐゴシック" pitchFamily="34" charset="-128"/>
+              </a:rPr>
+              <a:t>, nisi </a:t>
+            </a:r>
+            <a:r>
+              <a:rPr lang="en-US" sz="1050" noProof="0" dirty="0" err="1">
+                <a:latin typeface="Helvetica 55 Roman" panose="020B0604020202020204" pitchFamily="34" charset="0"/>
+                <a:ea typeface="ＭＳ Ｐゴシック" pitchFamily="34" charset="-128"/>
+              </a:rPr>
+              <a:t>eu</a:t>
+            </a:r>
+            <a:r>
+              <a:rPr lang="en-US" sz="1050" noProof="0" dirty="0">
+                <a:latin typeface="Helvetica 55 Roman" panose="020B0604020202020204" pitchFamily="34" charset="0"/>
+                <a:ea typeface="ＭＳ Ｐゴシック" pitchFamily="34" charset="-128"/>
+              </a:rPr>
+              <a:t> </a:t>
+            </a:r>
+            <a:r>
+              <a:rPr lang="en-US" sz="1050" noProof="0" dirty="0" err="1">
+                <a:latin typeface="Helvetica 55 Roman" panose="020B0604020202020204" pitchFamily="34" charset="0"/>
+                <a:ea typeface="ＭＳ Ｐゴシック" pitchFamily="34" charset="-128"/>
+              </a:rPr>
+              <a:t>facilisis</a:t>
+            </a:r>
+            <a:r>
+              <a:rPr lang="en-US" sz="1050" noProof="0" dirty="0">
+                <a:latin typeface="Helvetica 55 Roman" panose="020B0604020202020204" pitchFamily="34" charset="0"/>
+                <a:ea typeface="ＭＳ Ｐゴシック" pitchFamily="34" charset="-128"/>
+              </a:rPr>
+              <a:t> </a:t>
+            </a:r>
+            <a:r>
+              <a:rPr lang="en-US" sz="1050" noProof="0" dirty="0" err="1">
+                <a:latin typeface="Helvetica 55 Roman" panose="020B0604020202020204" pitchFamily="34" charset="0"/>
+                <a:ea typeface="ＭＳ Ｐゴシック" pitchFamily="34" charset="-128"/>
+              </a:rPr>
+              <a:t>condimentum</a:t>
+            </a:r>
+            <a:r>
+              <a:rPr lang="en-US" sz="1050" noProof="0" dirty="0">
+                <a:latin typeface="Helvetica 55 Roman" panose="020B0604020202020204" pitchFamily="34" charset="0"/>
+                <a:ea typeface="ＭＳ Ｐゴシック" pitchFamily="34" charset="-128"/>
+              </a:rPr>
+              <a:t>, ligula </a:t>
+            </a:r>
+            <a:r>
+              <a:rPr lang="en-US" sz="1050" noProof="0" dirty="0" err="1">
+                <a:latin typeface="Helvetica 55 Roman" panose="020B0604020202020204" pitchFamily="34" charset="0"/>
+                <a:ea typeface="ＭＳ Ｐゴシック" pitchFamily="34" charset="-128"/>
+              </a:rPr>
+              <a:t>augue</a:t>
+            </a:r>
+            <a:r>
+              <a:rPr lang="en-US" sz="1050" noProof="0" dirty="0">
+                <a:latin typeface="Helvetica 55 Roman" panose="020B0604020202020204" pitchFamily="34" charset="0"/>
+                <a:ea typeface="ＭＳ Ｐゴシック" pitchFamily="34" charset="-128"/>
+              </a:rPr>
+              <a:t> </a:t>
+            </a:r>
+            <a:r>
+              <a:rPr lang="en-US" sz="1050" noProof="0" dirty="0" err="1">
+                <a:latin typeface="Helvetica 55 Roman" panose="020B0604020202020204" pitchFamily="34" charset="0"/>
+                <a:ea typeface="ＭＳ Ｐゴシック" pitchFamily="34" charset="-128"/>
+              </a:rPr>
+              <a:t>porttitor</a:t>
+            </a:r>
+            <a:r>
+              <a:rPr lang="en-US" sz="1050" noProof="0" dirty="0">
+                <a:latin typeface="Helvetica 55 Roman" panose="020B0604020202020204" pitchFamily="34" charset="0"/>
+                <a:ea typeface="ＭＳ Ｐゴシック" pitchFamily="34" charset="-128"/>
+              </a:rPr>
+              <a:t> </a:t>
+            </a:r>
+            <a:r>
+              <a:rPr lang="en-US" sz="1050" noProof="0" dirty="0" err="1">
+                <a:latin typeface="Helvetica 55 Roman" panose="020B0604020202020204" pitchFamily="34" charset="0"/>
+                <a:ea typeface="ＭＳ Ｐゴシック" pitchFamily="34" charset="-128"/>
+              </a:rPr>
+              <a:t>lacusamet</a:t>
+            </a:r>
+            <a:r>
+              <a:rPr lang="en-US" sz="1050" noProof="0" dirty="0">
+                <a:latin typeface="Helvetica 55 Roman" panose="020B0604020202020204" pitchFamily="34" charset="0"/>
+                <a:ea typeface="ＭＳ Ｐゴシック" pitchFamily="34" charset="-128"/>
+              </a:rPr>
+              <a:t>, ligula </a:t>
+            </a:r>
+            <a:r>
+              <a:rPr lang="en-US" sz="1050" noProof="0" dirty="0" err="1">
+                <a:latin typeface="Helvetica 55 Roman" panose="020B0604020202020204" pitchFamily="34" charset="0"/>
+                <a:ea typeface="ＭＳ Ｐゴシック" pitchFamily="34" charset="-128"/>
+              </a:rPr>
+              <a:t>consectetur</a:t>
+            </a:r>
+            <a:r>
+              <a:rPr lang="en-US" sz="1050" noProof="0" dirty="0">
+                <a:latin typeface="Helvetica 55 Roman" panose="020B0604020202020204" pitchFamily="34" charset="0"/>
+                <a:ea typeface="ＭＳ Ｐゴシック" pitchFamily="34" charset="-128"/>
+              </a:rPr>
+              <a:t> </a:t>
+            </a:r>
+            <a:r>
+              <a:rPr lang="en-US" sz="1050" noProof="0" dirty="0" err="1">
+                <a:latin typeface="Helvetica 55 Roman" panose="020B0604020202020204" pitchFamily="34" charset="0"/>
+                <a:ea typeface="ＭＳ Ｐゴシック" pitchFamily="34" charset="-128"/>
+              </a:rPr>
+              <a:t>porttitor</a:t>
+            </a:r>
+            <a:r>
+              <a:rPr lang="en-US" sz="1050" noProof="0" dirty="0">
+                <a:latin typeface="Helvetica 55 Roman" panose="020B0604020202020204" pitchFamily="34" charset="0"/>
+                <a:ea typeface="ＭＳ Ｐゴシック" pitchFamily="34" charset="-128"/>
+              </a:rPr>
+              <a:t>.</a:t>
+            </a:r>
+          </a:p>
+        </p:txBody>
+      </p:sp>
+      <p:sp>
+        <p:nvSpPr>
+          <p:cNvPr id="27" name="TextBox 87"/>
+          <p:cNvSpPr txBox="1"/>
+          <p:nvPr/>
+        </p:nvSpPr>
+        <p:spPr>
+          <a:xfrm>
+            <a:off x="6793537" y="1457658"/>
+            <a:ext cx="1263166" cy="738664"/>
+          </a:xfrm>
+          <a:prstGeom prst="rect">
+            <a:avLst/>
+          </a:prstGeom>
+        </p:spPr>
+        <p:txBody>
+          <a:bodyPr wrap="none" lIns="0" tIns="0" rIns="0" bIns="0" rtlCol="0">
+            <a:spAutoFit/>
+          </a:bodyPr>
+          <a:lstStyle/>
+          <a:p>
+            <a:pPr algn="ctr" defTabSz="712788" fontAlgn="base">
+              <a:spcBef>
+                <a:spcPct val="0"/>
+              </a:spcBef>
+              <a:spcAft>
+                <a:spcPct val="0"/>
+              </a:spcAft>
+            </a:pPr>
+            <a:r>
+              <a:rPr lang="en-US" sz="4800" spc="-100" noProof="0" dirty="0">
+                <a:ea typeface="ＭＳ Ｐゴシック" pitchFamily="34" charset="-128"/>
+              </a:rPr>
+              <a:t>85%</a:t>
+            </a:r>
+          </a:p>
+        </p:txBody>
+      </p:sp>
+      <p:sp>
+        <p:nvSpPr>
+          <p:cNvPr id="28" name="TextBox 88"/>
+          <p:cNvSpPr txBox="1"/>
+          <p:nvPr/>
+        </p:nvSpPr>
+        <p:spPr>
+          <a:xfrm>
+            <a:off x="312817" y="1457658"/>
+            <a:ext cx="1263166" cy="738664"/>
+          </a:xfrm>
+          <a:prstGeom prst="rect">
+            <a:avLst/>
+          </a:prstGeom>
+        </p:spPr>
+        <p:txBody>
+          <a:bodyPr wrap="none" lIns="0" tIns="0" rIns="0" bIns="0" rtlCol="0">
+            <a:spAutoFit/>
+          </a:bodyPr>
+          <a:lstStyle/>
+          <a:p>
+            <a:pPr algn="ctr" defTabSz="712788" fontAlgn="base">
+              <a:spcBef>
+                <a:spcPct val="0"/>
+              </a:spcBef>
+              <a:spcAft>
+                <a:spcPct val="0"/>
+              </a:spcAft>
+            </a:pPr>
+            <a:r>
+              <a:rPr lang="en-US" sz="4800" spc="-100" noProof="0" dirty="0">
+                <a:ea typeface="ＭＳ Ｐゴシック" pitchFamily="34" charset="-128"/>
+              </a:rPr>
+              <a:t>18%</a:t>
+            </a:r>
+          </a:p>
+        </p:txBody>
+      </p:sp>
+      <p:sp>
+        <p:nvSpPr>
+          <p:cNvPr id="29" name="TextBox 89"/>
+          <p:cNvSpPr txBox="1"/>
+          <p:nvPr/>
+        </p:nvSpPr>
+        <p:spPr>
+          <a:xfrm>
+            <a:off x="2545065" y="1457658"/>
+            <a:ext cx="1263166" cy="738664"/>
+          </a:xfrm>
+          <a:prstGeom prst="rect">
+            <a:avLst/>
+          </a:prstGeom>
+        </p:spPr>
+        <p:txBody>
+          <a:bodyPr wrap="none" lIns="0" tIns="0" rIns="0" bIns="0" rtlCol="0">
+            <a:spAutoFit/>
+          </a:bodyPr>
+          <a:lstStyle/>
+          <a:p>
+            <a:pPr algn="ctr" defTabSz="712788" fontAlgn="base">
+              <a:spcBef>
+                <a:spcPct val="0"/>
+              </a:spcBef>
+              <a:spcAft>
+                <a:spcPct val="0"/>
+              </a:spcAft>
+            </a:pPr>
+            <a:r>
+              <a:rPr lang="en-US" sz="4800" spc="-100" noProof="0" dirty="0">
+                <a:ea typeface="ＭＳ Ｐゴシック" pitchFamily="34" charset="-128"/>
+              </a:rPr>
+              <a:t>45%</a:t>
+            </a:r>
+          </a:p>
+        </p:txBody>
+      </p:sp>
+      <p:sp>
+        <p:nvSpPr>
+          <p:cNvPr id="30" name="TextBox 90"/>
+          <p:cNvSpPr txBox="1"/>
+          <p:nvPr/>
+        </p:nvSpPr>
+        <p:spPr>
+          <a:xfrm>
+            <a:off x="4639871" y="1457658"/>
+            <a:ext cx="1511533" cy="738664"/>
+          </a:xfrm>
+          <a:prstGeom prst="rect">
+            <a:avLst/>
+          </a:prstGeom>
+        </p:spPr>
+        <p:txBody>
+          <a:bodyPr wrap="square" lIns="0" tIns="0" rIns="0" bIns="0" rtlCol="0">
+            <a:spAutoFit/>
+          </a:bodyPr>
+          <a:lstStyle/>
+          <a:p>
+            <a:pPr defTabSz="712788" fontAlgn="base">
+              <a:spcBef>
+                <a:spcPct val="0"/>
+              </a:spcBef>
+              <a:spcAft>
+                <a:spcPct val="0"/>
+              </a:spcAft>
+            </a:pPr>
+            <a:r>
+              <a:rPr lang="en-US" sz="4800" spc="-100" noProof="0" dirty="0">
+                <a:ea typeface="ＭＳ Ｐゴシック" pitchFamily="34" charset="-128"/>
+              </a:rPr>
+              <a:t>75%</a:t>
+            </a:r>
+          </a:p>
+        </p:txBody>
+      </p:sp>
+      <p:sp>
+        <p:nvSpPr>
+          <p:cNvPr id="31" name="TextBox 94"/>
+          <p:cNvSpPr txBox="1"/>
+          <p:nvPr/>
+        </p:nvSpPr>
+        <p:spPr>
+          <a:xfrm>
+            <a:off x="2545065" y="2919884"/>
+            <a:ext cx="1695101" cy="1308050"/>
+          </a:xfrm>
+          <a:prstGeom prst="rect">
+            <a:avLst/>
+          </a:prstGeom>
+        </p:spPr>
+        <p:txBody>
+          <a:bodyPr wrap="square" lIns="0" tIns="0" rIns="0" bIns="0" rtlCol="0">
+            <a:spAutoFit/>
+          </a:bodyPr>
+          <a:lstStyle/>
+          <a:p>
+            <a:pPr defTabSz="712788" fontAlgn="base">
+              <a:spcBef>
+                <a:spcPct val="0"/>
+              </a:spcBef>
+              <a:spcAft>
+                <a:spcPct val="0"/>
+              </a:spcAft>
+            </a:pPr>
+            <a:r>
+              <a:rPr lang="en-US" sz="1200" noProof="0" dirty="0">
+                <a:ea typeface="ＭＳ Ｐゴシック" pitchFamily="34" charset="-128"/>
+              </a:rPr>
+              <a:t>Insert title</a:t>
+            </a:r>
+          </a:p>
+          <a:p>
+            <a:pPr defTabSz="712788" fontAlgn="base">
+              <a:spcBef>
+                <a:spcPts val="600"/>
+              </a:spcBef>
+              <a:spcAft>
+                <a:spcPct val="0"/>
+              </a:spcAft>
+            </a:pPr>
+            <a:r>
+              <a:rPr lang="en-US" sz="1050" noProof="0" dirty="0">
+                <a:latin typeface="Helvetica 55 Roman" panose="020B0604020202020204" pitchFamily="34" charset="0"/>
+                <a:ea typeface="ＭＳ Ｐゴシック" pitchFamily="34" charset="-128"/>
+              </a:rPr>
+              <a:t>Lorem ipsum dolor sit </a:t>
+            </a:r>
+            <a:r>
+              <a:rPr lang="en-US" sz="1050" noProof="0" dirty="0" err="1">
+                <a:latin typeface="Helvetica 55 Roman" panose="020B0604020202020204" pitchFamily="34" charset="0"/>
+                <a:ea typeface="ＭＳ Ｐゴシック" pitchFamily="34" charset="-128"/>
+              </a:rPr>
+              <a:t>amet</a:t>
+            </a:r>
+            <a:r>
+              <a:rPr lang="en-US" sz="1050" noProof="0" dirty="0">
+                <a:latin typeface="Helvetica 55 Roman" panose="020B0604020202020204" pitchFamily="34" charset="0"/>
+                <a:ea typeface="ＭＳ Ｐゴシック" pitchFamily="34" charset="-128"/>
+              </a:rPr>
+              <a:t>, </a:t>
+            </a:r>
+            <a:r>
+              <a:rPr lang="en-US" sz="1050" noProof="0" dirty="0" err="1">
+                <a:latin typeface="Helvetica 55 Roman" panose="020B0604020202020204" pitchFamily="34" charset="0"/>
+                <a:ea typeface="ＭＳ Ｐゴシック" pitchFamily="34" charset="-128"/>
+              </a:rPr>
+              <a:t>consectetur</a:t>
+            </a:r>
+            <a:r>
+              <a:rPr lang="en-US" sz="1050" noProof="0" dirty="0">
+                <a:latin typeface="Helvetica 55 Roman" panose="020B0604020202020204" pitchFamily="34" charset="0"/>
+                <a:ea typeface="ＭＳ Ｐゴシック" pitchFamily="34" charset="-128"/>
+              </a:rPr>
+              <a:t> </a:t>
+            </a:r>
+            <a:r>
+              <a:rPr lang="en-US" sz="1050" noProof="0" dirty="0" err="1">
+                <a:latin typeface="Helvetica 55 Roman" panose="020B0604020202020204" pitchFamily="34" charset="0"/>
+                <a:ea typeface="ＭＳ Ｐゴシック" pitchFamily="34" charset="-128"/>
+              </a:rPr>
+              <a:t>adipiscing</a:t>
+            </a:r>
+            <a:r>
+              <a:rPr lang="en-US" sz="1050" noProof="0" dirty="0">
+                <a:latin typeface="Helvetica 55 Roman" panose="020B0604020202020204" pitchFamily="34" charset="0"/>
+                <a:ea typeface="ＭＳ Ｐゴシック" pitchFamily="34" charset="-128"/>
+              </a:rPr>
+              <a:t> </a:t>
+            </a:r>
+            <a:r>
+              <a:rPr lang="en-US" sz="1050" noProof="0" dirty="0" err="1">
+                <a:latin typeface="Helvetica 55 Roman" panose="020B0604020202020204" pitchFamily="34" charset="0"/>
+                <a:ea typeface="ＭＳ Ｐゴシック" pitchFamily="34" charset="-128"/>
+              </a:rPr>
+              <a:t>elit</a:t>
+            </a:r>
+            <a:r>
+              <a:rPr lang="en-US" sz="1050" noProof="0" dirty="0">
+                <a:latin typeface="Helvetica 55 Roman" panose="020B0604020202020204" pitchFamily="34" charset="0"/>
+                <a:ea typeface="ＭＳ Ｐゴシック" pitchFamily="34" charset="-128"/>
+              </a:rPr>
+              <a:t>. </a:t>
+            </a:r>
+          </a:p>
+          <a:p>
+            <a:pPr defTabSz="712788" fontAlgn="base">
+              <a:spcBef>
+                <a:spcPts val="600"/>
+              </a:spcBef>
+              <a:spcAft>
+                <a:spcPct val="0"/>
+              </a:spcAft>
+            </a:pPr>
+            <a:r>
+              <a:rPr lang="en-US" sz="1050" noProof="0" dirty="0">
+                <a:latin typeface="Helvetica 55 Roman" panose="020B0604020202020204" pitchFamily="34" charset="0"/>
+                <a:ea typeface="ＭＳ Ｐゴシック" pitchFamily="34" charset="-128"/>
+              </a:rPr>
+              <a:t>Sed </a:t>
+            </a:r>
+            <a:r>
+              <a:rPr lang="en-US" sz="1050" noProof="0" dirty="0" err="1">
+                <a:latin typeface="Helvetica 55 Roman" panose="020B0604020202020204" pitchFamily="34" charset="0"/>
+                <a:ea typeface="ＭＳ Ｐゴシック" pitchFamily="34" charset="-128"/>
+              </a:rPr>
+              <a:t>rhoncus</a:t>
+            </a:r>
+            <a:r>
+              <a:rPr lang="en-US" sz="1050" noProof="0" dirty="0">
+                <a:latin typeface="Helvetica 55 Roman" panose="020B0604020202020204" pitchFamily="34" charset="0"/>
+                <a:ea typeface="ＭＳ Ｐゴシック" pitchFamily="34" charset="-128"/>
+              </a:rPr>
+              <a:t>, nisi </a:t>
+            </a:r>
+            <a:r>
+              <a:rPr lang="en-US" sz="1050" noProof="0" dirty="0" err="1">
+                <a:latin typeface="Helvetica 55 Roman" panose="020B0604020202020204" pitchFamily="34" charset="0"/>
+                <a:ea typeface="ＭＳ Ｐゴシック" pitchFamily="34" charset="-128"/>
+              </a:rPr>
+              <a:t>eu</a:t>
+            </a:r>
+            <a:r>
+              <a:rPr lang="en-US" sz="1050" noProof="0" dirty="0">
+                <a:latin typeface="Helvetica 55 Roman" panose="020B0604020202020204" pitchFamily="34" charset="0"/>
+                <a:ea typeface="ＭＳ Ｐゴシック" pitchFamily="34" charset="-128"/>
+              </a:rPr>
+              <a:t> </a:t>
+            </a:r>
+            <a:r>
+              <a:rPr lang="en-US" sz="1050" noProof="0" dirty="0" err="1">
+                <a:latin typeface="Helvetica 55 Roman" panose="020B0604020202020204" pitchFamily="34" charset="0"/>
+                <a:ea typeface="ＭＳ Ｐゴシック" pitchFamily="34" charset="-128"/>
+              </a:rPr>
+              <a:t>facilisis</a:t>
+            </a:r>
+            <a:r>
+              <a:rPr lang="en-US" sz="1050" noProof="0" dirty="0">
+                <a:latin typeface="Helvetica 55 Roman" panose="020B0604020202020204" pitchFamily="34" charset="0"/>
+                <a:ea typeface="ＭＳ Ｐゴシック" pitchFamily="34" charset="-128"/>
+              </a:rPr>
+              <a:t> </a:t>
+            </a:r>
+            <a:r>
+              <a:rPr lang="en-US" sz="1050" noProof="0" dirty="0" err="1">
+                <a:latin typeface="Helvetica 55 Roman" panose="020B0604020202020204" pitchFamily="34" charset="0"/>
+                <a:ea typeface="ＭＳ Ｐゴシック" pitchFamily="34" charset="-128"/>
+              </a:rPr>
+              <a:t>condimentum</a:t>
+            </a:r>
+            <a:r>
+              <a:rPr lang="en-US" sz="1050" noProof="0" dirty="0">
+                <a:latin typeface="Helvetica 55 Roman" panose="020B0604020202020204" pitchFamily="34" charset="0"/>
+                <a:ea typeface="ＭＳ Ｐゴシック" pitchFamily="34" charset="-128"/>
+              </a:rPr>
+              <a:t>, ligula </a:t>
+            </a:r>
+            <a:r>
+              <a:rPr lang="en-US" sz="1050" noProof="0" dirty="0" err="1">
+                <a:latin typeface="Helvetica 55 Roman" panose="020B0604020202020204" pitchFamily="34" charset="0"/>
+                <a:ea typeface="ＭＳ Ｐゴシック" pitchFamily="34" charset="-128"/>
+              </a:rPr>
+              <a:t>augue</a:t>
+            </a:r>
+            <a:r>
+              <a:rPr lang="en-US" sz="1050" noProof="0" dirty="0">
+                <a:latin typeface="Helvetica 55 Roman" panose="020B0604020202020204" pitchFamily="34" charset="0"/>
+                <a:ea typeface="ＭＳ Ｐゴシック" pitchFamily="34" charset="-128"/>
+              </a:rPr>
+              <a:t> </a:t>
+            </a:r>
+            <a:r>
+              <a:rPr lang="en-US" sz="1050" noProof="0" dirty="0" err="1">
+                <a:latin typeface="Helvetica 55 Roman" panose="020B0604020202020204" pitchFamily="34" charset="0"/>
+                <a:ea typeface="ＭＳ Ｐゴシック" pitchFamily="34" charset="-128"/>
+              </a:rPr>
+              <a:t>porttitor</a:t>
+            </a:r>
+            <a:r>
+              <a:rPr lang="en-US" sz="1050" noProof="0" dirty="0">
+                <a:latin typeface="Helvetica 55 Roman" panose="020B0604020202020204" pitchFamily="34" charset="0"/>
+                <a:ea typeface="ＭＳ Ｐゴシック" pitchFamily="34" charset="-128"/>
+              </a:rPr>
+              <a:t> </a:t>
+            </a:r>
+            <a:r>
+              <a:rPr lang="en-US" sz="1050" noProof="0" dirty="0" err="1">
+                <a:latin typeface="Helvetica 55 Roman" panose="020B0604020202020204" pitchFamily="34" charset="0"/>
+                <a:ea typeface="ＭＳ Ｐゴシック" pitchFamily="34" charset="-128"/>
+              </a:rPr>
+              <a:t>lacusamet</a:t>
+            </a:r>
+            <a:r>
+              <a:rPr lang="en-US" sz="1050" noProof="0" dirty="0">
+                <a:latin typeface="Helvetica 55 Roman" panose="020B0604020202020204" pitchFamily="34" charset="0"/>
+                <a:ea typeface="ＭＳ Ｐゴシック" pitchFamily="34" charset="-128"/>
+              </a:rPr>
+              <a:t>, ligula </a:t>
+            </a:r>
+            <a:r>
+              <a:rPr lang="en-US" sz="1050" noProof="0" dirty="0" err="1">
+                <a:latin typeface="Helvetica 55 Roman" panose="020B0604020202020204" pitchFamily="34" charset="0"/>
+                <a:ea typeface="ＭＳ Ｐゴシック" pitchFamily="34" charset="-128"/>
+              </a:rPr>
+              <a:t>consectetur</a:t>
+            </a:r>
+            <a:r>
+              <a:rPr lang="en-US" sz="1050" noProof="0" dirty="0">
+                <a:latin typeface="Helvetica 55 Roman" panose="020B0604020202020204" pitchFamily="34" charset="0"/>
+                <a:ea typeface="ＭＳ Ｐゴシック" pitchFamily="34" charset="-128"/>
+              </a:rPr>
+              <a:t> </a:t>
+            </a:r>
+            <a:r>
+              <a:rPr lang="en-US" sz="1050" noProof="0" dirty="0" err="1">
+                <a:latin typeface="Helvetica 55 Roman" panose="020B0604020202020204" pitchFamily="34" charset="0"/>
+                <a:ea typeface="ＭＳ Ｐゴシック" pitchFamily="34" charset="-128"/>
+              </a:rPr>
+              <a:t>porttitor</a:t>
+            </a:r>
+            <a:r>
+              <a:rPr lang="en-US" sz="1050" noProof="0" dirty="0">
+                <a:latin typeface="Helvetica 55 Roman" panose="020B0604020202020204" pitchFamily="34" charset="0"/>
+                <a:ea typeface="ＭＳ Ｐゴシック" pitchFamily="34" charset="-128"/>
+              </a:rPr>
+              <a:t>.</a:t>
+            </a:r>
+          </a:p>
+        </p:txBody>
+      </p:sp>
+      <p:sp>
+        <p:nvSpPr>
+          <p:cNvPr id="32" name="TextBox 95"/>
+          <p:cNvSpPr txBox="1"/>
+          <p:nvPr/>
+        </p:nvSpPr>
+        <p:spPr>
+          <a:xfrm>
+            <a:off x="4676384" y="2919884"/>
+            <a:ext cx="1695101" cy="1308050"/>
+          </a:xfrm>
+          <a:prstGeom prst="rect">
+            <a:avLst/>
+          </a:prstGeom>
+        </p:spPr>
+        <p:txBody>
+          <a:bodyPr wrap="square" lIns="0" tIns="0" rIns="0" bIns="0" rtlCol="0">
+            <a:spAutoFit/>
+          </a:bodyPr>
+          <a:lstStyle/>
+          <a:p>
+            <a:pPr defTabSz="712788" fontAlgn="base">
+              <a:spcBef>
+                <a:spcPct val="0"/>
+              </a:spcBef>
+              <a:spcAft>
+                <a:spcPct val="0"/>
+              </a:spcAft>
+            </a:pPr>
+            <a:r>
+              <a:rPr lang="en-US" sz="1200" noProof="0" dirty="0">
+                <a:ea typeface="ＭＳ Ｐゴシック" pitchFamily="34" charset="-128"/>
+              </a:rPr>
+              <a:t>Insert title</a:t>
+            </a:r>
+          </a:p>
+          <a:p>
+            <a:pPr defTabSz="712788" fontAlgn="base">
+              <a:spcBef>
+                <a:spcPts val="600"/>
+              </a:spcBef>
+              <a:spcAft>
+                <a:spcPct val="0"/>
+              </a:spcAft>
+            </a:pPr>
+            <a:r>
+              <a:rPr lang="en-US" sz="1050" noProof="0" dirty="0">
+                <a:latin typeface="Helvetica 55 Roman" panose="020B0604020202020204" pitchFamily="34" charset="0"/>
+                <a:ea typeface="ＭＳ Ｐゴシック" pitchFamily="34" charset="-128"/>
+              </a:rPr>
+              <a:t>Lorem ipsum dolor sit </a:t>
+            </a:r>
+            <a:r>
+              <a:rPr lang="en-US" sz="1050" noProof="0" dirty="0" err="1">
+                <a:latin typeface="Helvetica 55 Roman" panose="020B0604020202020204" pitchFamily="34" charset="0"/>
+                <a:ea typeface="ＭＳ Ｐゴシック" pitchFamily="34" charset="-128"/>
+              </a:rPr>
+              <a:t>amet</a:t>
+            </a:r>
+            <a:r>
+              <a:rPr lang="en-US" sz="1050" noProof="0" dirty="0">
+                <a:latin typeface="Helvetica 55 Roman" panose="020B0604020202020204" pitchFamily="34" charset="0"/>
+                <a:ea typeface="ＭＳ Ｐゴシック" pitchFamily="34" charset="-128"/>
+              </a:rPr>
+              <a:t>, </a:t>
+            </a:r>
+            <a:r>
+              <a:rPr lang="en-US" sz="1050" noProof="0" dirty="0" err="1">
+                <a:latin typeface="Helvetica 55 Roman" panose="020B0604020202020204" pitchFamily="34" charset="0"/>
+                <a:ea typeface="ＭＳ Ｐゴシック" pitchFamily="34" charset="-128"/>
+              </a:rPr>
+              <a:t>consectetur</a:t>
+            </a:r>
+            <a:r>
+              <a:rPr lang="en-US" sz="1050" noProof="0" dirty="0">
+                <a:latin typeface="Helvetica 55 Roman" panose="020B0604020202020204" pitchFamily="34" charset="0"/>
+                <a:ea typeface="ＭＳ Ｐゴシック" pitchFamily="34" charset="-128"/>
+              </a:rPr>
+              <a:t> </a:t>
+            </a:r>
+            <a:r>
+              <a:rPr lang="en-US" sz="1050" noProof="0" dirty="0" err="1">
+                <a:latin typeface="Helvetica 55 Roman" panose="020B0604020202020204" pitchFamily="34" charset="0"/>
+                <a:ea typeface="ＭＳ Ｐゴシック" pitchFamily="34" charset="-128"/>
+              </a:rPr>
+              <a:t>adipiscing</a:t>
+            </a:r>
+            <a:r>
+              <a:rPr lang="en-US" sz="1050" noProof="0" dirty="0">
+                <a:latin typeface="Helvetica 55 Roman" panose="020B0604020202020204" pitchFamily="34" charset="0"/>
+                <a:ea typeface="ＭＳ Ｐゴシック" pitchFamily="34" charset="-128"/>
+              </a:rPr>
+              <a:t> </a:t>
+            </a:r>
+            <a:r>
+              <a:rPr lang="en-US" sz="1050" noProof="0" dirty="0" err="1">
+                <a:latin typeface="Helvetica 55 Roman" panose="020B0604020202020204" pitchFamily="34" charset="0"/>
+                <a:ea typeface="ＭＳ Ｐゴシック" pitchFamily="34" charset="-128"/>
+              </a:rPr>
+              <a:t>elit</a:t>
+            </a:r>
+            <a:r>
+              <a:rPr lang="en-US" sz="1050" noProof="0" dirty="0">
+                <a:latin typeface="Helvetica 55 Roman" panose="020B0604020202020204" pitchFamily="34" charset="0"/>
+                <a:ea typeface="ＭＳ Ｐゴシック" pitchFamily="34" charset="-128"/>
+              </a:rPr>
+              <a:t>. </a:t>
+            </a:r>
+          </a:p>
+          <a:p>
+            <a:pPr defTabSz="712788" fontAlgn="base">
+              <a:spcBef>
+                <a:spcPts val="600"/>
+              </a:spcBef>
+              <a:spcAft>
+                <a:spcPct val="0"/>
+              </a:spcAft>
+            </a:pPr>
+            <a:r>
+              <a:rPr lang="en-US" sz="1050" noProof="0" dirty="0">
+                <a:latin typeface="Helvetica 55 Roman" panose="020B0604020202020204" pitchFamily="34" charset="0"/>
+                <a:ea typeface="ＭＳ Ｐゴシック" pitchFamily="34" charset="-128"/>
+              </a:rPr>
+              <a:t>Sed </a:t>
+            </a:r>
+            <a:r>
+              <a:rPr lang="en-US" sz="1050" noProof="0" dirty="0" err="1">
+                <a:latin typeface="Helvetica 55 Roman" panose="020B0604020202020204" pitchFamily="34" charset="0"/>
+                <a:ea typeface="ＭＳ Ｐゴシック" pitchFamily="34" charset="-128"/>
+              </a:rPr>
+              <a:t>rhoncus</a:t>
+            </a:r>
+            <a:r>
+              <a:rPr lang="en-US" sz="1050" noProof="0" dirty="0">
+                <a:latin typeface="Helvetica 55 Roman" panose="020B0604020202020204" pitchFamily="34" charset="0"/>
+                <a:ea typeface="ＭＳ Ｐゴシック" pitchFamily="34" charset="-128"/>
+              </a:rPr>
+              <a:t>, nisi </a:t>
+            </a:r>
+            <a:r>
+              <a:rPr lang="en-US" sz="1050" noProof="0" dirty="0" err="1">
+                <a:latin typeface="Helvetica 55 Roman" panose="020B0604020202020204" pitchFamily="34" charset="0"/>
+                <a:ea typeface="ＭＳ Ｐゴシック" pitchFamily="34" charset="-128"/>
+              </a:rPr>
+              <a:t>eu</a:t>
+            </a:r>
+            <a:r>
+              <a:rPr lang="en-US" sz="1050" noProof="0" dirty="0">
+                <a:latin typeface="Helvetica 55 Roman" panose="020B0604020202020204" pitchFamily="34" charset="0"/>
+                <a:ea typeface="ＭＳ Ｐゴシック" pitchFamily="34" charset="-128"/>
+              </a:rPr>
+              <a:t> </a:t>
+            </a:r>
+            <a:r>
+              <a:rPr lang="en-US" sz="1050" noProof="0" dirty="0" err="1">
+                <a:latin typeface="Helvetica 55 Roman" panose="020B0604020202020204" pitchFamily="34" charset="0"/>
+                <a:ea typeface="ＭＳ Ｐゴシック" pitchFamily="34" charset="-128"/>
+              </a:rPr>
+              <a:t>facilisis</a:t>
+            </a:r>
+            <a:r>
+              <a:rPr lang="en-US" sz="1050" noProof="0" dirty="0">
+                <a:latin typeface="Helvetica 55 Roman" panose="020B0604020202020204" pitchFamily="34" charset="0"/>
+                <a:ea typeface="ＭＳ Ｐゴシック" pitchFamily="34" charset="-128"/>
+              </a:rPr>
+              <a:t> </a:t>
+            </a:r>
+            <a:r>
+              <a:rPr lang="en-US" sz="1050" noProof="0" dirty="0" err="1">
+                <a:latin typeface="Helvetica 55 Roman" panose="020B0604020202020204" pitchFamily="34" charset="0"/>
+                <a:ea typeface="ＭＳ Ｐゴシック" pitchFamily="34" charset="-128"/>
+              </a:rPr>
+              <a:t>condimentum</a:t>
+            </a:r>
+            <a:r>
+              <a:rPr lang="en-US" sz="1050" noProof="0" dirty="0">
+                <a:latin typeface="Helvetica 55 Roman" panose="020B0604020202020204" pitchFamily="34" charset="0"/>
+                <a:ea typeface="ＭＳ Ｐゴシック" pitchFamily="34" charset="-128"/>
+              </a:rPr>
+              <a:t>, ligula </a:t>
+            </a:r>
+            <a:r>
+              <a:rPr lang="en-US" sz="1050" noProof="0" dirty="0" err="1">
+                <a:latin typeface="Helvetica 55 Roman" panose="020B0604020202020204" pitchFamily="34" charset="0"/>
+                <a:ea typeface="ＭＳ Ｐゴシック" pitchFamily="34" charset="-128"/>
+              </a:rPr>
+              <a:t>augue</a:t>
+            </a:r>
+            <a:r>
+              <a:rPr lang="en-US" sz="1050" noProof="0" dirty="0">
+                <a:latin typeface="Helvetica 55 Roman" panose="020B0604020202020204" pitchFamily="34" charset="0"/>
+                <a:ea typeface="ＭＳ Ｐゴシック" pitchFamily="34" charset="-128"/>
+              </a:rPr>
+              <a:t> </a:t>
+            </a:r>
+            <a:r>
+              <a:rPr lang="en-US" sz="1050" noProof="0" dirty="0" err="1">
+                <a:latin typeface="Helvetica 55 Roman" panose="020B0604020202020204" pitchFamily="34" charset="0"/>
+                <a:ea typeface="ＭＳ Ｐゴシック" pitchFamily="34" charset="-128"/>
+              </a:rPr>
+              <a:t>porttitor</a:t>
+            </a:r>
+            <a:r>
+              <a:rPr lang="en-US" sz="1050" noProof="0" dirty="0">
+                <a:latin typeface="Helvetica 55 Roman" panose="020B0604020202020204" pitchFamily="34" charset="0"/>
+                <a:ea typeface="ＭＳ Ｐゴシック" pitchFamily="34" charset="-128"/>
+              </a:rPr>
+              <a:t> </a:t>
+            </a:r>
+            <a:r>
+              <a:rPr lang="en-US" sz="1050" noProof="0" dirty="0" err="1">
+                <a:latin typeface="Helvetica 55 Roman" panose="020B0604020202020204" pitchFamily="34" charset="0"/>
+                <a:ea typeface="ＭＳ Ｐゴシック" pitchFamily="34" charset="-128"/>
+              </a:rPr>
+              <a:t>lacusamet</a:t>
+            </a:r>
+            <a:r>
+              <a:rPr lang="en-US" sz="1050" noProof="0" dirty="0">
+                <a:latin typeface="Helvetica 55 Roman" panose="020B0604020202020204" pitchFamily="34" charset="0"/>
+                <a:ea typeface="ＭＳ Ｐゴシック" pitchFamily="34" charset="-128"/>
+              </a:rPr>
+              <a:t>, ligula </a:t>
+            </a:r>
+            <a:r>
+              <a:rPr lang="en-US" sz="1050" noProof="0" dirty="0" err="1">
+                <a:latin typeface="Helvetica 55 Roman" panose="020B0604020202020204" pitchFamily="34" charset="0"/>
+                <a:ea typeface="ＭＳ Ｐゴシック" pitchFamily="34" charset="-128"/>
+              </a:rPr>
+              <a:t>consectetur</a:t>
+            </a:r>
+            <a:r>
+              <a:rPr lang="en-US" sz="1050" noProof="0" dirty="0">
+                <a:latin typeface="Helvetica 55 Roman" panose="020B0604020202020204" pitchFamily="34" charset="0"/>
+                <a:ea typeface="ＭＳ Ｐゴシック" pitchFamily="34" charset="-128"/>
+              </a:rPr>
+              <a:t> </a:t>
+            </a:r>
+            <a:r>
+              <a:rPr lang="en-US" sz="1050" noProof="0" dirty="0" err="1">
+                <a:latin typeface="Helvetica 55 Roman" panose="020B0604020202020204" pitchFamily="34" charset="0"/>
+                <a:ea typeface="ＭＳ Ｐゴシック" pitchFamily="34" charset="-128"/>
+              </a:rPr>
+              <a:t>porttitor</a:t>
+            </a:r>
+            <a:r>
+              <a:rPr lang="en-US" sz="1050" noProof="0" dirty="0">
+                <a:latin typeface="Helvetica 55 Roman" panose="020B0604020202020204" pitchFamily="34" charset="0"/>
+                <a:ea typeface="ＭＳ Ｐゴシック" pitchFamily="34" charset="-128"/>
+              </a:rPr>
+              <a:t>.</a:t>
+            </a:r>
+          </a:p>
+        </p:txBody>
+      </p:sp>
+      <p:sp>
+        <p:nvSpPr>
+          <p:cNvPr id="33" name="TextBox 96"/>
+          <p:cNvSpPr txBox="1"/>
+          <p:nvPr/>
+        </p:nvSpPr>
+        <p:spPr>
+          <a:xfrm>
+            <a:off x="6836511" y="2919884"/>
+            <a:ext cx="1695101" cy="1308050"/>
+          </a:xfrm>
+          <a:prstGeom prst="rect">
+            <a:avLst/>
+          </a:prstGeom>
+        </p:spPr>
+        <p:txBody>
+          <a:bodyPr wrap="square" lIns="0" tIns="0" rIns="0" bIns="0" rtlCol="0">
+            <a:spAutoFit/>
+          </a:bodyPr>
+          <a:lstStyle/>
+          <a:p>
+            <a:pPr defTabSz="712788" fontAlgn="base">
+              <a:spcBef>
+                <a:spcPct val="0"/>
+              </a:spcBef>
+              <a:spcAft>
+                <a:spcPct val="0"/>
+              </a:spcAft>
+            </a:pPr>
+            <a:r>
+              <a:rPr lang="en-US" sz="1200" noProof="0" dirty="0">
+                <a:ea typeface="ＭＳ Ｐゴシック" pitchFamily="34" charset="-128"/>
+              </a:rPr>
+              <a:t>Insert title</a:t>
+            </a:r>
+          </a:p>
+          <a:p>
+            <a:pPr defTabSz="712788" fontAlgn="base">
+              <a:spcBef>
+                <a:spcPts val="600"/>
+              </a:spcBef>
+              <a:spcAft>
+                <a:spcPct val="0"/>
+              </a:spcAft>
+            </a:pPr>
+            <a:r>
+              <a:rPr lang="en-US" sz="1050" noProof="0" dirty="0">
+                <a:latin typeface="Helvetica 55 Roman" panose="020B0604020202020204" pitchFamily="34" charset="0"/>
+                <a:ea typeface="ＭＳ Ｐゴシック" pitchFamily="34" charset="-128"/>
+              </a:rPr>
+              <a:t>Lorem ipsum dolor sit </a:t>
+            </a:r>
+            <a:r>
+              <a:rPr lang="en-US" sz="1050" noProof="0" dirty="0" err="1">
+                <a:latin typeface="Helvetica 55 Roman" panose="020B0604020202020204" pitchFamily="34" charset="0"/>
+                <a:ea typeface="ＭＳ Ｐゴシック" pitchFamily="34" charset="-128"/>
+              </a:rPr>
+              <a:t>amet</a:t>
+            </a:r>
+            <a:r>
+              <a:rPr lang="en-US" sz="1050" noProof="0" dirty="0">
+                <a:latin typeface="Helvetica 55 Roman" panose="020B0604020202020204" pitchFamily="34" charset="0"/>
+                <a:ea typeface="ＭＳ Ｐゴシック" pitchFamily="34" charset="-128"/>
+              </a:rPr>
+              <a:t>, </a:t>
+            </a:r>
+            <a:r>
+              <a:rPr lang="en-US" sz="1050" noProof="0" dirty="0" err="1">
+                <a:latin typeface="Helvetica 55 Roman" panose="020B0604020202020204" pitchFamily="34" charset="0"/>
+                <a:ea typeface="ＭＳ Ｐゴシック" pitchFamily="34" charset="-128"/>
+              </a:rPr>
+              <a:t>consectetur</a:t>
+            </a:r>
+            <a:r>
+              <a:rPr lang="en-US" sz="1050" noProof="0" dirty="0">
+                <a:latin typeface="Helvetica 55 Roman" panose="020B0604020202020204" pitchFamily="34" charset="0"/>
+                <a:ea typeface="ＭＳ Ｐゴシック" pitchFamily="34" charset="-128"/>
+              </a:rPr>
+              <a:t> </a:t>
+            </a:r>
+            <a:r>
+              <a:rPr lang="en-US" sz="1050" noProof="0" dirty="0" err="1">
+                <a:latin typeface="Helvetica 55 Roman" panose="020B0604020202020204" pitchFamily="34" charset="0"/>
+                <a:ea typeface="ＭＳ Ｐゴシック" pitchFamily="34" charset="-128"/>
+              </a:rPr>
+              <a:t>adipiscing</a:t>
+            </a:r>
+            <a:r>
+              <a:rPr lang="en-US" sz="1050" noProof="0" dirty="0">
+                <a:latin typeface="Helvetica 55 Roman" panose="020B0604020202020204" pitchFamily="34" charset="0"/>
+                <a:ea typeface="ＭＳ Ｐゴシック" pitchFamily="34" charset="-128"/>
+              </a:rPr>
+              <a:t> </a:t>
+            </a:r>
+            <a:r>
+              <a:rPr lang="en-US" sz="1050" noProof="0" dirty="0" err="1">
+                <a:latin typeface="Helvetica 55 Roman" panose="020B0604020202020204" pitchFamily="34" charset="0"/>
+                <a:ea typeface="ＭＳ Ｐゴシック" pitchFamily="34" charset="-128"/>
+              </a:rPr>
+              <a:t>elit</a:t>
+            </a:r>
+            <a:r>
+              <a:rPr lang="en-US" sz="1050" noProof="0" dirty="0">
+                <a:latin typeface="Helvetica 55 Roman" panose="020B0604020202020204" pitchFamily="34" charset="0"/>
+                <a:ea typeface="ＭＳ Ｐゴシック" pitchFamily="34" charset="-128"/>
+              </a:rPr>
+              <a:t>. </a:t>
+            </a:r>
+          </a:p>
+          <a:p>
+            <a:pPr defTabSz="712788" fontAlgn="base">
+              <a:spcBef>
+                <a:spcPts val="600"/>
+              </a:spcBef>
+              <a:spcAft>
+                <a:spcPct val="0"/>
+              </a:spcAft>
+            </a:pPr>
+            <a:r>
+              <a:rPr lang="en-US" sz="1050" noProof="0" dirty="0">
+                <a:latin typeface="Helvetica 55 Roman" panose="020B0604020202020204" pitchFamily="34" charset="0"/>
+                <a:ea typeface="ＭＳ Ｐゴシック" pitchFamily="34" charset="-128"/>
+              </a:rPr>
+              <a:t>Sed </a:t>
+            </a:r>
+            <a:r>
+              <a:rPr lang="en-US" sz="1050" noProof="0" dirty="0" err="1">
+                <a:latin typeface="Helvetica 55 Roman" panose="020B0604020202020204" pitchFamily="34" charset="0"/>
+                <a:ea typeface="ＭＳ Ｐゴシック" pitchFamily="34" charset="-128"/>
+              </a:rPr>
+              <a:t>rhoncus</a:t>
+            </a:r>
+            <a:r>
+              <a:rPr lang="en-US" sz="1050" noProof="0" dirty="0">
+                <a:latin typeface="Helvetica 55 Roman" panose="020B0604020202020204" pitchFamily="34" charset="0"/>
+                <a:ea typeface="ＭＳ Ｐゴシック" pitchFamily="34" charset="-128"/>
+              </a:rPr>
+              <a:t>, nisi </a:t>
+            </a:r>
+            <a:r>
+              <a:rPr lang="en-US" sz="1050" noProof="0" dirty="0" err="1">
+                <a:latin typeface="Helvetica 55 Roman" panose="020B0604020202020204" pitchFamily="34" charset="0"/>
+                <a:ea typeface="ＭＳ Ｐゴシック" pitchFamily="34" charset="-128"/>
+              </a:rPr>
+              <a:t>eu</a:t>
+            </a:r>
+            <a:r>
+              <a:rPr lang="en-US" sz="1050" noProof="0" dirty="0">
+                <a:latin typeface="Helvetica 55 Roman" panose="020B0604020202020204" pitchFamily="34" charset="0"/>
+                <a:ea typeface="ＭＳ Ｐゴシック" pitchFamily="34" charset="-128"/>
+              </a:rPr>
+              <a:t> </a:t>
+            </a:r>
+            <a:r>
+              <a:rPr lang="en-US" sz="1050" noProof="0" dirty="0" err="1">
+                <a:latin typeface="Helvetica 55 Roman" panose="020B0604020202020204" pitchFamily="34" charset="0"/>
+                <a:ea typeface="ＭＳ Ｐゴシック" pitchFamily="34" charset="-128"/>
+              </a:rPr>
+              <a:t>facilisis</a:t>
+            </a:r>
+            <a:r>
+              <a:rPr lang="en-US" sz="1050" noProof="0" dirty="0">
+                <a:latin typeface="Helvetica 55 Roman" panose="020B0604020202020204" pitchFamily="34" charset="0"/>
+                <a:ea typeface="ＭＳ Ｐゴシック" pitchFamily="34" charset="-128"/>
+              </a:rPr>
+              <a:t> </a:t>
+            </a:r>
+            <a:r>
+              <a:rPr lang="en-US" sz="1050" noProof="0" dirty="0" err="1">
+                <a:latin typeface="Helvetica 55 Roman" panose="020B0604020202020204" pitchFamily="34" charset="0"/>
+                <a:ea typeface="ＭＳ Ｐゴシック" pitchFamily="34" charset="-128"/>
+              </a:rPr>
+              <a:t>condimentum</a:t>
+            </a:r>
+            <a:r>
+              <a:rPr lang="en-US" sz="1050" noProof="0" dirty="0">
+                <a:latin typeface="Helvetica 55 Roman" panose="020B0604020202020204" pitchFamily="34" charset="0"/>
+                <a:ea typeface="ＭＳ Ｐゴシック" pitchFamily="34" charset="-128"/>
+              </a:rPr>
+              <a:t>, ligula </a:t>
+            </a:r>
+            <a:r>
+              <a:rPr lang="en-US" sz="1050" noProof="0" dirty="0" err="1">
+                <a:latin typeface="Helvetica 55 Roman" panose="020B0604020202020204" pitchFamily="34" charset="0"/>
+                <a:ea typeface="ＭＳ Ｐゴシック" pitchFamily="34" charset="-128"/>
+              </a:rPr>
+              <a:t>augue</a:t>
+            </a:r>
+            <a:r>
+              <a:rPr lang="en-US" sz="1050" noProof="0" dirty="0">
+                <a:latin typeface="Helvetica 55 Roman" panose="020B0604020202020204" pitchFamily="34" charset="0"/>
+                <a:ea typeface="ＭＳ Ｐゴシック" pitchFamily="34" charset="-128"/>
+              </a:rPr>
+              <a:t> </a:t>
+            </a:r>
+            <a:r>
+              <a:rPr lang="en-US" sz="1050" noProof="0" dirty="0" err="1">
+                <a:latin typeface="Helvetica 55 Roman" panose="020B0604020202020204" pitchFamily="34" charset="0"/>
+                <a:ea typeface="ＭＳ Ｐゴシック" pitchFamily="34" charset="-128"/>
+              </a:rPr>
+              <a:t>porttitor</a:t>
+            </a:r>
+            <a:r>
+              <a:rPr lang="en-US" sz="1050" noProof="0" dirty="0">
+                <a:latin typeface="Helvetica 55 Roman" panose="020B0604020202020204" pitchFamily="34" charset="0"/>
+                <a:ea typeface="ＭＳ Ｐゴシック" pitchFamily="34" charset="-128"/>
+              </a:rPr>
+              <a:t> </a:t>
+            </a:r>
+            <a:r>
+              <a:rPr lang="en-US" sz="1050" noProof="0" dirty="0" err="1">
+                <a:latin typeface="Helvetica 55 Roman" panose="020B0604020202020204" pitchFamily="34" charset="0"/>
+                <a:ea typeface="ＭＳ Ｐゴシック" pitchFamily="34" charset="-128"/>
+              </a:rPr>
+              <a:t>lacusamet</a:t>
+            </a:r>
+            <a:r>
+              <a:rPr lang="en-US" sz="1050" noProof="0" dirty="0">
+                <a:latin typeface="Helvetica 55 Roman" panose="020B0604020202020204" pitchFamily="34" charset="0"/>
+                <a:ea typeface="ＭＳ Ｐゴシック" pitchFamily="34" charset="-128"/>
+              </a:rPr>
+              <a:t>, ligula </a:t>
+            </a:r>
+            <a:r>
+              <a:rPr lang="en-US" sz="1050" noProof="0" dirty="0" err="1">
+                <a:latin typeface="Helvetica 55 Roman" panose="020B0604020202020204" pitchFamily="34" charset="0"/>
+                <a:ea typeface="ＭＳ Ｐゴシック" pitchFamily="34" charset="-128"/>
+              </a:rPr>
+              <a:t>consectetur</a:t>
+            </a:r>
+            <a:r>
+              <a:rPr lang="en-US" sz="1050" noProof="0" dirty="0">
+                <a:latin typeface="Helvetica 55 Roman" panose="020B0604020202020204" pitchFamily="34" charset="0"/>
+                <a:ea typeface="ＭＳ Ｐゴシック" pitchFamily="34" charset="-128"/>
+              </a:rPr>
+              <a:t> </a:t>
+            </a:r>
+            <a:r>
+              <a:rPr lang="en-US" sz="1050" noProof="0" dirty="0" err="1">
+                <a:latin typeface="Helvetica 55 Roman" panose="020B0604020202020204" pitchFamily="34" charset="0"/>
+                <a:ea typeface="ＭＳ Ｐゴシック" pitchFamily="34" charset="-128"/>
+              </a:rPr>
+              <a:t>porttitor</a:t>
+            </a:r>
+            <a:r>
+              <a:rPr lang="en-US" sz="1050" noProof="0" dirty="0">
+                <a:latin typeface="Helvetica 55 Roman" panose="020B0604020202020204" pitchFamily="34" charset="0"/>
+                <a:ea typeface="ＭＳ Ｐゴシック" pitchFamily="34" charset="-128"/>
+              </a:rPr>
+              <a:t>.</a:t>
+            </a:r>
+          </a:p>
+        </p:txBody>
+      </p:sp>
+      <p:cxnSp>
+        <p:nvCxnSpPr>
+          <p:cNvPr id="34" name="Straight Connector 91"/>
+          <p:cNvCxnSpPr/>
+          <p:nvPr/>
+        </p:nvCxnSpPr>
+        <p:spPr>
+          <a:xfrm>
+            <a:off x="2331832" y="1473894"/>
+            <a:ext cx="0" cy="2754040"/>
+          </a:xfrm>
+          <a:prstGeom prst="line">
+            <a:avLst/>
+          </a:prstGeom>
+          <a:ln w="25400">
+            <a:solidFill>
+              <a:schemeClr val="accent1"/>
+            </a:solidFill>
+          </a:ln>
+        </p:spPr>
+        <p:style>
+          <a:lnRef idx="1">
+            <a:schemeClr val="accent1"/>
+          </a:lnRef>
+          <a:fillRef idx="0">
+            <a:schemeClr val="accent1"/>
+          </a:fillRef>
+          <a:effectRef idx="0">
+            <a:schemeClr val="accent1"/>
+          </a:effectRef>
+          <a:fontRef idx="minor">
+            <a:schemeClr val="tx1"/>
+          </a:fontRef>
+        </p:style>
+      </p:cxnSp>
+      <p:cxnSp>
+        <p:nvCxnSpPr>
+          <p:cNvPr id="35" name="Straight Connector 92"/>
+          <p:cNvCxnSpPr/>
+          <p:nvPr/>
+        </p:nvCxnSpPr>
+        <p:spPr>
+          <a:xfrm>
+            <a:off x="4456303" y="1473894"/>
+            <a:ext cx="0" cy="2754040"/>
+          </a:xfrm>
+          <a:prstGeom prst="line">
+            <a:avLst/>
+          </a:prstGeom>
+          <a:ln w="25400">
+            <a:solidFill>
+              <a:schemeClr val="accent1"/>
+            </a:solidFill>
+          </a:ln>
+        </p:spPr>
+        <p:style>
+          <a:lnRef idx="1">
+            <a:schemeClr val="accent1"/>
+          </a:lnRef>
+          <a:fillRef idx="0">
+            <a:schemeClr val="accent1"/>
+          </a:fillRef>
+          <a:effectRef idx="0">
+            <a:schemeClr val="accent1"/>
+          </a:effectRef>
+          <a:fontRef idx="minor">
+            <a:schemeClr val="tx1"/>
+          </a:fontRef>
+        </p:style>
+      </p:cxnSp>
+      <p:cxnSp>
+        <p:nvCxnSpPr>
+          <p:cNvPr id="36" name="Straight Connector 93"/>
+          <p:cNvCxnSpPr/>
+          <p:nvPr/>
+        </p:nvCxnSpPr>
+        <p:spPr>
+          <a:xfrm>
+            <a:off x="6591890" y="1473894"/>
+            <a:ext cx="0" cy="2754040"/>
+          </a:xfrm>
+          <a:prstGeom prst="line">
+            <a:avLst/>
+          </a:prstGeom>
+          <a:ln w="25400">
+            <a:solidFill>
+              <a:schemeClr val="accent1"/>
+            </a:solidFill>
+          </a:ln>
+        </p:spPr>
+        <p:style>
+          <a:lnRef idx="1">
+            <a:schemeClr val="accent1"/>
+          </a:lnRef>
+          <a:fillRef idx="0">
+            <a:schemeClr val="accent1"/>
+          </a:fillRef>
+          <a:effectRef idx="0">
+            <a:schemeClr val="accent1"/>
+          </a:effectRef>
+          <a:fontRef idx="minor">
+            <a:schemeClr val="tx1"/>
+          </a:fontRef>
+        </p:style>
+      </p:cxnSp>
+    </p:spTree>
+    <p:extLst>
+      <p:ext uri="{BB962C8B-B14F-4D97-AF65-F5344CB8AC3E}">
+        <p14:creationId xmlns:p14="http://schemas.microsoft.com/office/powerpoint/2010/main" val="1317951383"/>
+      </p:ext>
+    </p:extLst>
+  </p:cSld>
+  <p:clrMapOvr>
+    <a:masterClrMapping/>
+  </p:clrMapOvr>
+  <mc:AlternateContent xmlns:mc="http://schemas.openxmlformats.org/markup-compatibility/2006" xmlns:p14="http://schemas.microsoft.com/office/powerpoint/2010/main">
+    <mc:Choice Requires="p14">
+      <p:transition spd="med" p14:dur="700">
+        <p:fade/>
+      </p:transition>
+    </mc:Choice>
+    <mc:Fallback xmlns="">
+      <p:transition spd="med">
+        <p:fade/>
+      </p:transition>
+    </mc:Fallback>
+  </mc:AlternateContent>
+</p:sld>
+</file>
+
+<file path=ppt/slides/slide11.xml><?xml version="1.0" encoding="utf-8"?>
+<p:sld xmlns:a="http://schemas.openxmlformats.org/drawingml/2006/main" xmlns:r="http://schemas.openxmlformats.org/officeDocument/2006/relationships" xmlns:p="http://schemas.openxmlformats.org/presentationml/2006/main">
+  <p:cSld>
+    <p:spTree>
+      <p:nvGrpSpPr>
+        <p:cNvPr id="1" name=""/>
+        <p:cNvGrpSpPr/>
+        <p:nvPr/>
+      </p:nvGrpSpPr>
+      <p:grpSpPr>
+        <a:xfrm>
+          <a:off x="0" y="0"/>
+          <a:ext cx="0" cy="0"/>
+          <a:chOff x="0" y="0"/>
+          <a:chExt cx="0" cy="0"/>
+        </a:xfrm>
+      </p:grpSpPr>
+      <p:sp>
+        <p:nvSpPr>
+          <p:cNvPr id="8" name="Text Placeholder 7"/>
+          <p:cNvSpPr>
+            <a:spLocks noGrp="1"/>
+          </p:cNvSpPr>
+          <p:nvPr>
+            <p:ph type="body" sz="quarter" idx="12"/>
+          </p:nvPr>
+        </p:nvSpPr>
+        <p:spPr>
+          <a:xfrm>
+            <a:off x="3576766" y="2437940"/>
+            <a:ext cx="3622523" cy="540820"/>
+          </a:xfrm>
+        </p:spPr>
+        <p:txBody>
+          <a:bodyPr>
+            <a:noAutofit/>
+          </a:bodyPr>
+          <a:lstStyle/>
+          <a:p>
+            <a:r>
+              <a:rPr lang="en-US" sz="4800" noProof="0" dirty="0"/>
+              <a:t>Conclusion</a:t>
+            </a:r>
+          </a:p>
+        </p:txBody>
+      </p:sp>
+      <p:sp>
+        <p:nvSpPr>
+          <p:cNvPr id="20" name="Rectangle 19"/>
+          <p:cNvSpPr/>
+          <p:nvPr/>
+        </p:nvSpPr>
+        <p:spPr>
+          <a:xfrm>
+            <a:off x="278780" y="4705351"/>
+            <a:ext cx="1204332" cy="279244"/>
+          </a:xfrm>
+          <a:prstGeom prst="rect">
+            <a:avLst/>
+          </a:prstGeom>
+          <a:solidFill>
+            <a:schemeClr val="bg1"/>
+          </a:solidFill>
+          <a:ln>
+            <a:noFill/>
+          </a:ln>
+        </p:spPr>
+        <p:style>
+          <a:lnRef idx="2">
+            <a:schemeClr val="accent1">
+              <a:shade val="50000"/>
+            </a:schemeClr>
+          </a:lnRef>
+          <a:fillRef idx="1">
+            <a:schemeClr val="accent1"/>
+          </a:fillRef>
+          <a:effectRef idx="0">
+            <a:schemeClr val="accent1"/>
+          </a:effectRef>
+          <a:fontRef idx="minor">
+            <a:schemeClr val="lt1"/>
+          </a:fontRef>
+        </p:style>
+        <p:txBody>
+          <a:bodyPr rtlCol="0" anchor="ctr"/>
+          <a:lstStyle/>
+          <a:p>
+            <a:pPr algn="ctr"/>
+            <a:endParaRPr lang="en-US" sz="1600" noProof="0" dirty="0">
+              <a:solidFill>
+                <a:srgbClr val="000000"/>
+              </a:solidFill>
+            </a:endParaRPr>
+          </a:p>
+        </p:txBody>
+      </p:sp>
+      <p:pic>
+        <p:nvPicPr>
+          <p:cNvPr id="3" name="Image 2">
+            <a:extLst>
+              <a:ext uri="{FF2B5EF4-FFF2-40B4-BE49-F238E27FC236}">
+                <a16:creationId xmlns:a16="http://schemas.microsoft.com/office/drawing/2014/main" id="{1C07A415-9EDA-7E92-8627-3A778F6277C8}"/>
+              </a:ext>
+            </a:extLst>
+          </p:cNvPr>
+          <p:cNvPicPr>
+            <a:picLocks noChangeAspect="1"/>
+          </p:cNvPicPr>
+          <p:nvPr/>
+        </p:nvPicPr>
+        <p:blipFill>
+          <a:blip r:embed="rId3">
+            <a:extLst>
+              <a:ext uri="{28A0092B-C50C-407E-A947-70E740481C1C}">
+                <a14:useLocalDpi xmlns:a14="http://schemas.microsoft.com/office/drawing/2010/main" val="0"/>
+              </a:ext>
+            </a:extLst>
+          </a:blip>
+          <a:stretch>
+            <a:fillRect/>
+          </a:stretch>
+        </p:blipFill>
+        <p:spPr>
+          <a:xfrm>
+            <a:off x="408517" y="1220333"/>
+            <a:ext cx="2976033" cy="2976033"/>
+          </a:xfrm>
+          <a:prstGeom prst="rect">
+            <a:avLst/>
+          </a:prstGeom>
+        </p:spPr>
+      </p:pic>
+    </p:spTree>
+    <p:extLst>
+      <p:ext uri="{BB962C8B-B14F-4D97-AF65-F5344CB8AC3E}">
+        <p14:creationId xmlns:p14="http://schemas.microsoft.com/office/powerpoint/2010/main" val="850927282"/>
+      </p:ext>
+    </p:extLst>
+  </p:cSld>
+  <p:clrMapOvr>
+    <a:masterClrMapping/>
+  </p:clrMapOvr>
+  <mc:AlternateContent xmlns:mc="http://schemas.openxmlformats.org/markup-compatibility/2006" xmlns:p14="http://schemas.microsoft.com/office/powerpoint/2010/main">
+    <mc:Choice Requires="p14">
+      <p:transition spd="med" p14:dur="700">
+        <p:fade/>
+      </p:transition>
+    </mc:Choice>
+    <mc:Fallback xmlns="">
+      <p:transition spd="med">
+        <p:fade/>
+      </p:transition>
+    </mc:Fallback>
+  </mc:AlternateContent>
+</p:sld>
+</file>
+
+<file path=ppt/slides/slide12.xml><?xml version="1.0" encoding="utf-8"?>
 <p:sld xmlns:a="http://schemas.openxmlformats.org/drawingml/2006/main" xmlns:r="http://schemas.openxmlformats.org/officeDocument/2006/relationships" xmlns:p="http://schemas.openxmlformats.org/presentationml/2006/main">
   <p:cSld>
     <p:spTree>
@@ -15196,15 +19491,15 @@
               </a:lnSpc>
             </a:pPr>
             <a:r>
-              <a:rPr lang="en-US" sz="1800" i="1" noProof="0" dirty="0">
+              <a:rPr lang="en-US" sz="1400" i="1" noProof="0" dirty="0">
                 <a:solidFill>
                   <a:schemeClr val="tx1"/>
                 </a:solidFill>
                 <a:latin typeface="Helvetica 55 Roman" panose="020B0604020202020204" pitchFamily="34" charset="0"/>
               </a:rPr>
-              <a:t>Topics of interest: ML, Adversarial Attacks, AI, MTD</a:t>
-            </a:r>
-            <a:endParaRPr lang="en-US" sz="2400" i="1" noProof="0" dirty="0">
+              <a:t>Topics of interest: Machine Learning, Moving Target Defense</a:t>
+            </a:r>
+            <a:endParaRPr lang="en-US" sz="1400" i="1" noProof="0" dirty="0">
               <a:solidFill>
                 <a:schemeClr val="tx1"/>
               </a:solidFill>
@@ -15365,6 +19660,7 @@
       <p:pic>
         <p:nvPicPr>
           <p:cNvPr id="13" name="Picture 12">
+            <a:hlinkClick r:id="rId4"/>
             <a:extLst>
               <a:ext uri="{FF2B5EF4-FFF2-40B4-BE49-F238E27FC236}">
                 <a16:creationId xmlns:a16="http://schemas.microsoft.com/office/drawing/2014/main" id="{5D58671D-0C40-FC1E-4395-810F1E40B3CA}"/>
@@ -15377,7 +19673,7 @@
           <p:nvPr/>
         </p:nvPicPr>
         <p:blipFill>
-          <a:blip r:embed="rId4"/>
+          <a:blip r:embed="rId5"/>
           <a:stretch>
             <a:fillRect/>
           </a:stretch>
@@ -15395,6 +19691,7 @@
       <p:pic>
         <p:nvPicPr>
           <p:cNvPr id="14" name="Picture 13">
+            <a:hlinkClick r:id="rId6"/>
             <a:extLst>
               <a:ext uri="{FF2B5EF4-FFF2-40B4-BE49-F238E27FC236}">
                 <a16:creationId xmlns:a16="http://schemas.microsoft.com/office/drawing/2014/main" id="{DDE96BC8-F001-48F6-94C2-4FC440FF726B}"/>
@@ -15407,7 +19704,7 @@
           <p:nvPr/>
         </p:nvPicPr>
         <p:blipFill>
-          <a:blip r:embed="rId5"/>
+          <a:blip r:embed="rId7"/>
           <a:stretch>
             <a:fillRect/>
           </a:stretch>
@@ -15471,7 +19768,7 @@
           <p:nvPr/>
         </p:nvPicPr>
         <p:blipFill>
-          <a:blip r:embed="rId6">
+          <a:blip r:embed="rId8">
             <a:extLst>
               <a:ext uri="{28A0092B-C50C-407E-A947-70E740481C1C}">
                 <a14:useLocalDpi xmlns:a14="http://schemas.microsoft.com/office/drawing/2010/main" val="0"/>
@@ -15802,7 +20099,7 @@
         <p:spPr>
           <a:xfrm>
             <a:off x="314325" y="1184275"/>
-            <a:ext cx="5242413" cy="2656205"/>
+            <a:ext cx="4743650" cy="2947987"/>
           </a:xfrm>
         </p:spPr>
         <p:txBody>
@@ -15819,12 +20116,15 @@
                 <a:solidFill>
                   <a:schemeClr val="bg2"/>
                 </a:solidFill>
+                <a:latin typeface="Helvetica" pitchFamily="2" charset="0"/>
               </a:rPr>
               <a:t>Artificial Intelligence</a:t>
             </a:r>
             <a:r>
-              <a:rPr lang="en-US" dirty="0"/>
-              <a:t> (AI) integrates in many products</a:t>
+              <a:rPr lang="en-US" dirty="0">
+                <a:latin typeface="Helvetica" pitchFamily="2" charset="0"/>
+              </a:rPr>
+              <a:t> (AI) integrates in many products and services</a:t>
             </a:r>
           </a:p>
           <a:p>
@@ -15838,12 +20138,30 @@
                 <a:solidFill>
                   <a:schemeClr val="bg2"/>
                 </a:solidFill>
+                <a:latin typeface="Helvetica" pitchFamily="2" charset="0"/>
               </a:rPr>
               <a:t>Large Language Models </a:t>
             </a:r>
             <a:r>
-              <a:rPr lang="en-US" dirty="0"/>
-              <a:t>are its most innovative components</a:t>
+              <a:rPr lang="en-US" dirty="0">
+                <a:latin typeface="Helvetica" pitchFamily="2" charset="0"/>
+              </a:rPr>
+              <a:t>are its most innovative </a:t>
+            </a:r>
+            <a:r>
+              <a:rPr lang="en-US" dirty="0">
+                <a:solidFill>
+                  <a:schemeClr val="bg2"/>
+                </a:solidFill>
+                <a:latin typeface="Helvetica" pitchFamily="2" charset="0"/>
+              </a:rPr>
+              <a:t>Machine Learning </a:t>
+            </a:r>
+            <a:r>
+              <a:rPr lang="en-US" dirty="0">
+                <a:latin typeface="Helvetica" pitchFamily="2" charset="0"/>
+              </a:rPr>
+              <a:t>systems</a:t>
             </a:r>
           </a:p>
           <a:p>
@@ -15853,7 +20171,9 @@
               </a:buClr>
             </a:pPr>
             <a:r>
-              <a:rPr lang="en-US" dirty="0"/>
+              <a:rPr lang="en-US" dirty="0">
+                <a:latin typeface="Helvetica" pitchFamily="2" charset="0"/>
+              </a:rPr>
               <a:t>Modern LLMs have achieved </a:t>
             </a:r>
             <a:r>
@@ -15861,11 +20181,14 @@
                 <a:solidFill>
                   <a:schemeClr val="bg2"/>
                 </a:solidFill>
+                <a:latin typeface="Helvetica" pitchFamily="2" charset="0"/>
               </a:rPr>
               <a:t>multimodality</a:t>
             </a:r>
             <a:r>
-              <a:rPr lang="en-US" dirty="0"/>
+              <a:rPr lang="en-US" dirty="0">
+                <a:latin typeface="Helvetica" pitchFamily="2" charset="0"/>
+              </a:rPr>
               <a:t>, increased flexibility and use case scenarios:</a:t>
             </a:r>
           </a:p>
@@ -15876,7 +20199,9 @@
               </a:buClr>
             </a:pPr>
             <a:r>
-              <a:rPr lang="en-US" dirty="0"/>
+              <a:rPr lang="en-US" dirty="0">
+                <a:latin typeface="Helvetica" pitchFamily="2" charset="0"/>
+              </a:rPr>
               <a:t>Healthcare</a:t>
             </a:r>
           </a:p>
@@ -15887,7 +20212,9 @@
               </a:buClr>
             </a:pPr>
             <a:r>
-              <a:rPr lang="en-US" dirty="0"/>
+              <a:rPr lang="en-US" dirty="0">
+                <a:latin typeface="Helvetica" pitchFamily="2" charset="0"/>
+              </a:rPr>
               <a:t>Software Development</a:t>
             </a:r>
           </a:p>
@@ -15898,7 +20225,9 @@
               </a:buClr>
             </a:pPr>
             <a:r>
-              <a:rPr lang="en-US" dirty="0"/>
+              <a:rPr lang="en-US" dirty="0">
+                <a:latin typeface="Helvetica" pitchFamily="2" charset="0"/>
+              </a:rPr>
               <a:t>Automotive</a:t>
             </a:r>
           </a:p>
@@ -15909,7 +20238,9 @@
               </a:buClr>
             </a:pPr>
             <a:r>
-              <a:rPr lang="en-US" dirty="0"/>
+              <a:rPr lang="en-US" dirty="0">
+                <a:latin typeface="Helvetica" pitchFamily="2" charset="0"/>
+              </a:rPr>
               <a:t>Content Creation</a:t>
             </a:r>
           </a:p>
@@ -15920,7 +20251,9 @@
               </a:buClr>
             </a:pPr>
             <a:r>
-              <a:rPr lang="en-US" dirty="0"/>
+              <a:rPr lang="en-US" dirty="0">
+                <a:latin typeface="Helvetica" pitchFamily="2" charset="0"/>
+              </a:rPr>
               <a:t>Marketing</a:t>
             </a:r>
           </a:p>
@@ -15931,7 +20264,9 @@
               </a:buClr>
             </a:pPr>
             <a:r>
-              <a:rPr lang="en-US" dirty="0"/>
+              <a:rPr lang="en-US" dirty="0">
+                <a:latin typeface="Helvetica" pitchFamily="2" charset="0"/>
+              </a:rPr>
               <a:t>Robotics</a:t>
             </a:r>
           </a:p>
@@ -15942,7 +20277,9 @@
               </a:buClr>
             </a:pPr>
             <a:r>
-              <a:rPr lang="en-US" i="1" dirty="0"/>
+              <a:rPr lang="en-US" dirty="0">
+                <a:latin typeface="Helvetica" pitchFamily="2" charset="0"/>
+              </a:rPr>
               <a:t>and much more…</a:t>
             </a:r>
           </a:p>
@@ -15952,7 +20289,9 @@
                 <a:srgbClr val="FF7900"/>
               </a:buClr>
             </a:pPr>
-            <a:endParaRPr lang="en-US" dirty="0"/>
+            <a:endParaRPr lang="en-US" dirty="0">
+              <a:latin typeface="Helvetica" pitchFamily="2" charset="0"/>
+            </a:endParaRPr>
           </a:p>
           <a:p>
             <a:pPr lvl="2">
@@ -15960,7 +20299,9 @@
                 <a:srgbClr val="FF7900"/>
               </a:buClr>
             </a:pPr>
-            <a:endParaRPr lang="en-US" dirty="0"/>
+            <a:endParaRPr lang="en-US" dirty="0">
+              <a:latin typeface="Helvetica" pitchFamily="2" charset="0"/>
+            </a:endParaRPr>
           </a:p>
         </p:txBody>
       </p:sp>
@@ -15987,7 +20328,7 @@
           <a:p>
             <a:r>
               <a:rPr lang="en-US" sz="2800" dirty="0"/>
-              <a:t>Artificial Intelligence</a:t>
+              <a:t>Artificial Intelligence and LLMs</a:t>
             </a:r>
           </a:p>
         </p:txBody>
@@ -16061,14 +20402,14 @@
           <p:nvPr>
             <p:extLst>
               <p:ext uri="{D42A27DB-BD31-4B8C-83A1-F6EECF244321}">
-                <p14:modId xmlns:p14="http://schemas.microsoft.com/office/powerpoint/2010/main" val="3933196721"/>
+                <p14:modId xmlns:p14="http://schemas.microsoft.com/office/powerpoint/2010/main" val="385513555"/>
               </p:ext>
             </p:extLst>
           </p:nvPr>
         </p:nvGraphicFramePr>
         <p:xfrm>
-          <a:off x="5265905" y="1011238"/>
-          <a:ext cx="3563769" cy="3592511"/>
+          <a:off x="4974849" y="876034"/>
+          <a:ext cx="3854826" cy="3727715"/>
         </p:xfrm>
         <a:graphic>
           <a:graphicData uri="http://schemas.openxmlformats.org/drawingml/2006/diagram">
@@ -16177,7 +20518,7 @@
         <p:spPr>
           <a:xfrm>
             <a:off x="314325" y="1184275"/>
-            <a:ext cx="8515350" cy="2656205"/>
+            <a:ext cx="4398352" cy="2656205"/>
           </a:xfrm>
         </p:spPr>
         <p:txBody>
@@ -16190,7 +20531,9 @@
               </a:buClr>
             </a:pPr>
             <a:r>
-              <a:rPr lang="en-US" dirty="0"/>
+              <a:rPr lang="en-US" dirty="0">
+                <a:latin typeface="Helvetica" pitchFamily="2" charset="0"/>
+              </a:rPr>
               <a:t>For tasks such as </a:t>
             </a:r>
             <a:r>
@@ -16198,10 +20541,55 @@
                 <a:solidFill>
                   <a:schemeClr val="bg2"/>
                 </a:solidFill>
+                <a:latin typeface="Helvetica" pitchFamily="2" charset="0"/>
               </a:rPr>
               <a:t>Natural Language Processing</a:t>
             </a:r>
-            <a:endParaRPr lang="en-US" b="1" dirty="0"/>
+            <a:r>
+              <a:rPr lang="en-US" dirty="0">
+                <a:latin typeface="Helvetica" pitchFamily="2" charset="0"/>
+              </a:rPr>
+              <a:t>, LLMs are the foundational components:</a:t>
+            </a:r>
+          </a:p>
+          <a:p>
+            <a:pPr lvl="3">
+              <a:buClr>
+                <a:srgbClr val="FF7900"/>
+              </a:buClr>
+            </a:pPr>
+            <a:r>
+              <a:rPr lang="en-US" dirty="0">
+                <a:latin typeface="Helvetica" pitchFamily="2" charset="0"/>
+              </a:rPr>
+              <a:t>Text summarization, classification</a:t>
+            </a:r>
+          </a:p>
+          <a:p>
+            <a:pPr lvl="3">
+              <a:buClr>
+                <a:srgbClr val="FF7900"/>
+              </a:buClr>
+            </a:pPr>
+            <a:r>
+              <a:rPr lang="en-US" dirty="0">
+                <a:latin typeface="Helvetica" pitchFamily="2" charset="0"/>
+              </a:rPr>
+              <a:t>Translation</a:t>
+            </a:r>
+          </a:p>
+          <a:p>
+            <a:pPr lvl="3">
+              <a:buClr>
+                <a:srgbClr val="FF7900"/>
+              </a:buClr>
+            </a:pPr>
+            <a:r>
+              <a:rPr lang="en-US" dirty="0">
+                <a:latin typeface="Helvetica" pitchFamily="2" charset="0"/>
+              </a:rPr>
+              <a:t>Question Answering</a:t>
+            </a:r>
           </a:p>
           <a:p>
             <a:pPr lvl="2">
@@ -16210,14 +20598,72 @@
               </a:buClr>
             </a:pPr>
             <a:r>
-              <a:rPr lang="en-US" dirty="0"/>
-              <a:t>All modern LLMs are based on the Transformer architecture</a:t>
-            </a:r>
-            <a:r>
-              <a:rPr lang="en-US" baseline="30000" dirty="0"/>
+              <a:rPr lang="en-US" dirty="0">
+                <a:latin typeface="Helvetica" pitchFamily="2" charset="0"/>
+              </a:rPr>
+              <a:t>Incredibly </a:t>
+            </a:r>
+            <a:r>
+              <a:rPr lang="en-US" dirty="0">
+                <a:solidFill>
+                  <a:schemeClr val="bg2"/>
+                </a:solidFill>
+                <a:latin typeface="Helvetica" pitchFamily="2" charset="0"/>
+              </a:rPr>
+              <a:t>versatile</a:t>
+            </a:r>
+            <a:r>
+              <a:rPr lang="en-US" dirty="0">
+                <a:latin typeface="Helvetica" pitchFamily="2" charset="0"/>
+              </a:rPr>
+              <a:t> and </a:t>
+            </a:r>
+            <a:r>
+              <a:rPr lang="en-US" dirty="0">
+                <a:solidFill>
+                  <a:schemeClr val="bg2"/>
+                </a:solidFill>
+                <a:latin typeface="Helvetica" pitchFamily="2" charset="0"/>
+              </a:rPr>
+              <a:t>scalable</a:t>
+            </a:r>
+          </a:p>
+          <a:p>
+            <a:pPr lvl="2">
+              <a:buClr>
+                <a:srgbClr val="FF7900"/>
+              </a:buClr>
+            </a:pPr>
+            <a:r>
+              <a:rPr lang="en-US" dirty="0">
+                <a:latin typeface="Helvetica" pitchFamily="2" charset="0"/>
+              </a:rPr>
+              <a:t>All modern LLMs are based on the </a:t>
+            </a:r>
+            <a:r>
+              <a:rPr lang="en-US" dirty="0">
+                <a:solidFill>
+                  <a:schemeClr val="bg2"/>
+                </a:solidFill>
+                <a:latin typeface="Helvetica" pitchFamily="2" charset="0"/>
+              </a:rPr>
+              <a:t>Transformer architecture</a:t>
+            </a:r>
+            <a:r>
+              <a:rPr lang="en-US" baseline="30000" dirty="0">
+                <a:solidFill>
+                  <a:schemeClr val="bg2"/>
+                </a:solidFill>
+                <a:latin typeface="Helvetica" pitchFamily="2" charset="0"/>
+              </a:rPr>
               <a:t>1</a:t>
             </a:r>
-            <a:endParaRPr lang="en-US" dirty="0"/>
+            <a:endParaRPr lang="en-US" dirty="0">
+              <a:solidFill>
+                <a:schemeClr val="bg2"/>
+              </a:solidFill>
+              <a:latin typeface="Helvetica" pitchFamily="2" charset="0"/>
+            </a:endParaRPr>
           </a:p>
         </p:txBody>
       </p:sp>
@@ -16347,6 +20793,36 @@
           </a:p>
         </p:txBody>
       </p:sp>
+      <p:pic>
+        <p:nvPicPr>
+          <p:cNvPr id="7" name="Picture 6">
+            <a:extLst>
+              <a:ext uri="{FF2B5EF4-FFF2-40B4-BE49-F238E27FC236}">
+                <a16:creationId xmlns:a16="http://schemas.microsoft.com/office/drawing/2014/main" id="{00DB9C9A-F7CA-BCFE-E1D1-30680B5D278E}"/>
+              </a:ext>
+            </a:extLst>
+          </p:cNvPr>
+          <p:cNvPicPr>
+            <a:picLocks noChangeAspect="1"/>
+          </p:cNvPicPr>
+          <p:nvPr/>
+        </p:nvPicPr>
+        <p:blipFill>
+          <a:blip r:embed="rId2"/>
+          <a:stretch>
+            <a:fillRect/>
+          </a:stretch>
+        </p:blipFill>
+        <p:spPr>
+          <a:xfrm>
+            <a:off x="4811746" y="1099666"/>
+            <a:ext cx="4127633" cy="2740814"/>
+          </a:xfrm>
+          <a:prstGeom prst="rect">
+            <a:avLst/>
+          </a:prstGeom>
+        </p:spPr>
+      </p:pic>
     </p:spTree>
     <p:extLst>
       <p:ext uri="{BB962C8B-B14F-4D97-AF65-F5344CB8AC3E}">
@@ -16373,6 +20849,903 @@
 </file>
 
 <file path=ppt/slides/slide6.xml><?xml version="1.0" encoding="utf-8"?>
+<p:sld xmlns:a="http://schemas.openxmlformats.org/drawingml/2006/main" xmlns:r="http://schemas.openxmlformats.org/officeDocument/2006/relationships" xmlns:p="http://schemas.openxmlformats.org/presentationml/2006/main">
+  <p:cSld>
+    <p:spTree>
+      <p:nvGrpSpPr>
+        <p:cNvPr id="1" name="">
+          <a:extLst>
+            <a:ext uri="{FF2B5EF4-FFF2-40B4-BE49-F238E27FC236}">
+              <a16:creationId xmlns:a16="http://schemas.microsoft.com/office/drawing/2014/main" id="{06CF85F0-412C-187C-4872-5A4227BFF87B}"/>
+            </a:ext>
+          </a:extLst>
+        </p:cNvPr>
+        <p:cNvGrpSpPr/>
+        <p:nvPr/>
+      </p:nvGrpSpPr>
+      <p:grpSpPr>
+        <a:xfrm>
+          <a:off x="0" y="0"/>
+          <a:ext cx="0" cy="0"/>
+          <a:chOff x="0" y="0"/>
+          <a:chExt cx="0" cy="0"/>
+        </a:xfrm>
+      </p:grpSpPr>
+      <p:sp>
+        <p:nvSpPr>
+          <p:cNvPr id="2" name="Content Placeholder 1">
+            <a:extLst>
+              <a:ext uri="{FF2B5EF4-FFF2-40B4-BE49-F238E27FC236}">
+                <a16:creationId xmlns:a16="http://schemas.microsoft.com/office/drawing/2014/main" id="{7E11F10E-8419-7A48-4A91-3385809A23D1}"/>
+              </a:ext>
+            </a:extLst>
+          </p:cNvPr>
+          <p:cNvSpPr>
+            <a:spLocks noGrp="1"/>
+          </p:cNvSpPr>
+          <p:nvPr>
+            <p:ph idx="1"/>
+          </p:nvPr>
+        </p:nvSpPr>
+        <p:spPr>
+          <a:xfrm>
+            <a:off x="314325" y="1184275"/>
+            <a:ext cx="8515350" cy="2656205"/>
+          </a:xfrm>
+        </p:spPr>
+        <p:txBody>
+          <a:bodyPr/>
+          <a:lstStyle/>
+          <a:p>
+            <a:pPr lvl="2">
+              <a:buClr>
+                <a:srgbClr val="FF7900"/>
+              </a:buClr>
+            </a:pPr>
+            <a:r>
+              <a:rPr lang="en-US" dirty="0">
+                <a:latin typeface="Helvetica" pitchFamily="2" charset="0"/>
+              </a:rPr>
+              <a:t>The architecture consists of an </a:t>
+            </a:r>
+            <a:r>
+              <a:rPr lang="en-US" dirty="0">
+                <a:solidFill>
+                  <a:schemeClr val="bg2"/>
+                </a:solidFill>
+                <a:latin typeface="Helvetica" pitchFamily="2" charset="0"/>
+              </a:rPr>
+              <a:t>encoder-decoder</a:t>
+            </a:r>
+            <a:r>
+              <a:rPr lang="en-US" dirty="0">
+                <a:latin typeface="Helvetica" pitchFamily="2" charset="0"/>
+              </a:rPr>
+              <a:t> backbone with </a:t>
+            </a:r>
+            <a:r>
+              <a:rPr lang="en-US" dirty="0">
+                <a:solidFill>
+                  <a:schemeClr val="bg2"/>
+                </a:solidFill>
+                <a:latin typeface="Helvetica" pitchFamily="2" charset="0"/>
+              </a:rPr>
+              <a:t>attention</a:t>
+            </a:r>
+            <a:r>
+              <a:rPr lang="en-US" dirty="0">
+                <a:latin typeface="Helvetica" pitchFamily="2" charset="0"/>
+              </a:rPr>
+              <a:t> mechanism and </a:t>
+            </a:r>
+            <a:r>
+              <a:rPr lang="en-US" dirty="0">
+                <a:solidFill>
+                  <a:schemeClr val="bg2"/>
+                </a:solidFill>
+                <a:latin typeface="Helvetica" pitchFamily="2" charset="0"/>
+              </a:rPr>
+              <a:t>positional encodings</a:t>
+            </a:r>
+          </a:p>
+        </p:txBody>
+      </p:sp>
+      <p:sp>
+        <p:nvSpPr>
+          <p:cNvPr id="3" name="Title 2">
+            <a:extLst>
+              <a:ext uri="{FF2B5EF4-FFF2-40B4-BE49-F238E27FC236}">
+                <a16:creationId xmlns:a16="http://schemas.microsoft.com/office/drawing/2014/main" id="{3C65315C-95DD-3F5F-2DC4-26A480F19D82}"/>
+              </a:ext>
+            </a:extLst>
+          </p:cNvPr>
+          <p:cNvSpPr>
+            <a:spLocks noGrp="1"/>
+          </p:cNvSpPr>
+          <p:nvPr>
+            <p:ph type="title"/>
+          </p:nvPr>
+        </p:nvSpPr>
+        <p:spPr/>
+        <p:txBody>
+          <a:bodyPr/>
+          <a:lstStyle/>
+          <a:p>
+            <a:r>
+              <a:rPr lang="en-US" sz="2800" dirty="0"/>
+              <a:t>Transformer Era</a:t>
+            </a:r>
+          </a:p>
+        </p:txBody>
+      </p:sp>
+      <p:sp>
+        <p:nvSpPr>
+          <p:cNvPr id="8" name="Rectangle 7">
+            <a:extLst>
+              <a:ext uri="{FF2B5EF4-FFF2-40B4-BE49-F238E27FC236}">
+                <a16:creationId xmlns:a16="http://schemas.microsoft.com/office/drawing/2014/main" id="{3E230CB8-9A06-C5A0-B140-98F3E2C205C8}"/>
+              </a:ext>
+            </a:extLst>
+          </p:cNvPr>
+          <p:cNvSpPr/>
+          <p:nvPr/>
+        </p:nvSpPr>
+        <p:spPr>
+          <a:xfrm>
+            <a:off x="310142" y="4548158"/>
+            <a:ext cx="1305910" cy="378330"/>
+          </a:xfrm>
+          <a:prstGeom prst="rect">
+            <a:avLst/>
+          </a:prstGeom>
+          <a:solidFill>
+            <a:schemeClr val="bg1"/>
+          </a:solidFill>
+          <a:ln>
+            <a:noFill/>
+          </a:ln>
+        </p:spPr>
+        <p:style>
+          <a:lnRef idx="2">
+            <a:schemeClr val="accent1">
+              <a:shade val="50000"/>
+            </a:schemeClr>
+          </a:lnRef>
+          <a:fillRef idx="1">
+            <a:schemeClr val="accent1"/>
+          </a:fillRef>
+          <a:effectRef idx="0">
+            <a:schemeClr val="accent1"/>
+          </a:effectRef>
+          <a:fontRef idx="minor">
+            <a:schemeClr val="lt1"/>
+          </a:fontRef>
+        </p:style>
+        <p:txBody>
+          <a:bodyPr rtlCol="0" anchor="ctr"/>
+          <a:lstStyle/>
+          <a:p>
+            <a:pPr algn="ctr"/>
+            <a:endParaRPr lang="en-US" sz="1600" noProof="0" dirty="0">
+              <a:solidFill>
+                <a:srgbClr val="000000"/>
+              </a:solidFill>
+            </a:endParaRPr>
+          </a:p>
+        </p:txBody>
+      </p:sp>
+      <p:graphicFrame>
+        <p:nvGraphicFramePr>
+          <p:cNvPr id="5" name="Diagram 4">
+            <a:extLst>
+              <a:ext uri="{FF2B5EF4-FFF2-40B4-BE49-F238E27FC236}">
+                <a16:creationId xmlns:a16="http://schemas.microsoft.com/office/drawing/2014/main" id="{8DE385CB-D994-2287-4E92-4BE718E19BEB}"/>
+              </a:ext>
+            </a:extLst>
+          </p:cNvPr>
+          <p:cNvGraphicFramePr/>
+          <p:nvPr>
+            <p:extLst>
+              <p:ext uri="{D42A27DB-BD31-4B8C-83A1-F6EECF244321}">
+                <p14:modId xmlns:p14="http://schemas.microsoft.com/office/powerpoint/2010/main" val="3009666482"/>
+              </p:ext>
+            </p:extLst>
+          </p:nvPr>
+        </p:nvGraphicFramePr>
+        <p:xfrm>
+          <a:off x="1098430" y="1648035"/>
+          <a:ext cx="6947140" cy="2168808"/>
+        </p:xfrm>
+        <a:graphic>
+          <a:graphicData uri="http://schemas.openxmlformats.org/drawingml/2006/diagram">
+            <dgm:relIds xmlns:dgm="http://schemas.openxmlformats.org/drawingml/2006/diagram" xmlns:r="http://schemas.openxmlformats.org/officeDocument/2006/relationships" r:dm="rId2" r:lo="rId3" r:qs="rId4" r:cs="rId5"/>
+          </a:graphicData>
+        </a:graphic>
+      </p:graphicFrame>
+    </p:spTree>
+    <p:extLst>
+      <p:ext uri="{BB962C8B-B14F-4D97-AF65-F5344CB8AC3E}">
+        <p14:creationId xmlns:p14="http://schemas.microsoft.com/office/powerpoint/2010/main" val="523560131"/>
+      </p:ext>
+    </p:extLst>
+  </p:cSld>
+  <p:clrMapOvr>
+    <a:masterClrMapping/>
+  </p:clrMapOvr>
+  <mc:AlternateContent xmlns:mc="http://schemas.openxmlformats.org/markup-compatibility/2006" xmlns:p14="http://schemas.microsoft.com/office/powerpoint/2010/main">
+    <mc:Choice Requires="p14">
+      <p:transition spd="med" p14:dur="700">
+        <p:fade/>
+      </p:transition>
+    </mc:Choice>
+    <mc:Fallback xmlns="">
+      <p:transition spd="med">
+        <p:fade/>
+      </p:transition>
+    </mc:Fallback>
+  </mc:AlternateContent>
+</p:sld>
+</file>
+
+<file path=ppt/slides/slide7.xml><?xml version="1.0" encoding="utf-8"?>
+<p:sld xmlns:a="http://schemas.openxmlformats.org/drawingml/2006/main" xmlns:r="http://schemas.openxmlformats.org/officeDocument/2006/relationships" xmlns:p="http://schemas.openxmlformats.org/presentationml/2006/main">
+  <p:cSld>
+    <p:spTree>
+      <p:nvGrpSpPr>
+        <p:cNvPr id="1" name="">
+          <a:extLst>
+            <a:ext uri="{FF2B5EF4-FFF2-40B4-BE49-F238E27FC236}">
+              <a16:creationId xmlns:a16="http://schemas.microsoft.com/office/drawing/2014/main" id="{38CDB5D8-A82C-A48D-C2DA-45CCA323856E}"/>
+            </a:ext>
+          </a:extLst>
+        </p:cNvPr>
+        <p:cNvGrpSpPr/>
+        <p:nvPr/>
+      </p:nvGrpSpPr>
+      <p:grpSpPr>
+        <a:xfrm>
+          <a:off x="0" y="0"/>
+          <a:ext cx="0" cy="0"/>
+          <a:chOff x="0" y="0"/>
+          <a:chExt cx="0" cy="0"/>
+        </a:xfrm>
+      </p:grpSpPr>
+      <mc:AlternateContent xmlns:mc="http://schemas.openxmlformats.org/markup-compatibility/2006">
+        <mc:Choice xmlns:a14="http://schemas.microsoft.com/office/drawing/2010/main" Requires="a14">
+          <p:sp>
+            <p:nvSpPr>
+              <p:cNvPr id="2" name="Content Placeholder 1">
+                <a:extLst>
+                  <a:ext uri="{FF2B5EF4-FFF2-40B4-BE49-F238E27FC236}">
+                    <a16:creationId xmlns:a16="http://schemas.microsoft.com/office/drawing/2014/main" id="{F1FEFB85-3FC1-92DF-89B3-1659487340A4}"/>
+                  </a:ext>
+                </a:extLst>
+              </p:cNvPr>
+              <p:cNvSpPr>
+                <a:spLocks noGrp="1"/>
+              </p:cNvSpPr>
+              <p:nvPr>
+                <p:ph idx="1"/>
+              </p:nvPr>
+            </p:nvSpPr>
+            <p:spPr>
+              <a:xfrm>
+                <a:off x="314325" y="1184275"/>
+                <a:ext cx="4779573" cy="2891706"/>
+              </a:xfrm>
+            </p:spPr>
+            <p:txBody>
+              <a:bodyPr/>
+              <a:lstStyle/>
+              <a:p>
+                <a:pPr marL="342900" lvl="2" indent="-342900">
+                  <a:buClr>
+                    <a:srgbClr val="FF7900"/>
+                  </a:buClr>
+                  <a:buFont typeface="+mj-lt"/>
+                  <a:buAutoNum type="arabicPeriod"/>
+                </a:pPr>
+                <a:r>
+                  <a:rPr lang="en-US" dirty="0">
+                    <a:latin typeface="Helvetica" pitchFamily="2" charset="0"/>
+                  </a:rPr>
+                  <a:t>Encoder block. Generates </a:t>
+                </a:r>
+                <a:r>
+                  <a:rPr lang="en-US" dirty="0">
+                    <a:solidFill>
+                      <a:schemeClr val="bg2"/>
+                    </a:solidFill>
+                    <a:latin typeface="Helvetica" pitchFamily="2" charset="0"/>
+                  </a:rPr>
+                  <a:t>Queries (Q)</a:t>
+                </a:r>
+                <a:r>
+                  <a:rPr lang="en-US" dirty="0">
+                    <a:latin typeface="Helvetica" pitchFamily="2" charset="0"/>
+                  </a:rPr>
+                  <a:t>, </a:t>
+                </a:r>
+                <a:r>
+                  <a:rPr lang="en-US" dirty="0">
+                    <a:solidFill>
+                      <a:schemeClr val="bg2"/>
+                    </a:solidFill>
+                    <a:latin typeface="Helvetica" pitchFamily="2" charset="0"/>
+                  </a:rPr>
+                  <a:t>Keys (K)</a:t>
+                </a:r>
+                <a:r>
+                  <a:rPr lang="en-US" dirty="0">
+                    <a:latin typeface="Helvetica" pitchFamily="2" charset="0"/>
+                  </a:rPr>
+                  <a:t> and </a:t>
+                </a:r>
+                <a:r>
+                  <a:rPr lang="en-US" dirty="0">
+                    <a:solidFill>
+                      <a:schemeClr val="bg2"/>
+                    </a:solidFill>
+                    <a:latin typeface="Helvetica" pitchFamily="2" charset="0"/>
+                  </a:rPr>
+                  <a:t>Values (V) </a:t>
+                </a:r>
+                <a:r>
+                  <a:rPr lang="en-US" dirty="0">
+                    <a:latin typeface="Helvetica" pitchFamily="2" charset="0"/>
+                  </a:rPr>
+                  <a:t>via 1x</a:t>
+                </a:r>
+                <a:r>
+                  <a:rPr lang="en-US" dirty="0">
+                    <a:solidFill>
+                      <a:schemeClr val="bg2"/>
+                    </a:solidFill>
+                    <a:latin typeface="Helvetica" pitchFamily="2" charset="0"/>
+                  </a:rPr>
+                  <a:t>MHA</a:t>
+                </a:r>
+                <a:r>
+                  <a:rPr lang="en-US" dirty="0">
+                    <a:latin typeface="Helvetica" pitchFamily="2" charset="0"/>
+                  </a:rPr>
+                  <a:t>), to be used as input in the decoder. </a:t>
+                </a:r>
+                <a14:m>
+                  <m:oMath xmlns:m="http://schemas.openxmlformats.org/officeDocument/2006/math">
+                    <m:r>
+                      <m:rPr>
+                        <m:sty m:val="p"/>
+                      </m:rPr>
+                      <a:rPr lang="en-US" b="0" i="0" smtClean="0">
+                        <a:latin typeface="Cambria Math" panose="02040503050406030204" pitchFamily="18" charset="0"/>
+                      </a:rPr>
+                      <m:t>N</m:t>
+                    </m:r>
+                  </m:oMath>
+                </a14:m>
+                <a:r>
+                  <a:rPr lang="en-US" dirty="0">
+                    <a:latin typeface="Helvetica" pitchFamily="2" charset="0"/>
+                  </a:rPr>
+                  <a:t> such blocks</a:t>
+                </a:r>
+                <a:endParaRPr lang="en-US" dirty="0">
+                  <a:solidFill>
+                    <a:schemeClr val="bg2"/>
+                  </a:solidFill>
+                  <a:latin typeface="Helvetica" pitchFamily="2" charset="0"/>
+                </a:endParaRPr>
+              </a:p>
+              <a:p>
+                <a:pPr marL="342900" lvl="2" indent="-342900">
+                  <a:buClr>
+                    <a:srgbClr val="FF7900"/>
+                  </a:buClr>
+                  <a:buFont typeface="+mj-lt"/>
+                  <a:buAutoNum type="arabicPeriod"/>
+                </a:pPr>
+                <a:r>
+                  <a:rPr lang="en-US" dirty="0">
+                    <a:latin typeface="Helvetica" pitchFamily="2" charset="0"/>
+                  </a:rPr>
+                  <a:t>Decoder block. Takes encoder output + targets and generates context-rich representations, generating probabilities (token by token). </a:t>
+                </a:r>
+                <a14:m>
+                  <m:oMath xmlns:m="http://schemas.openxmlformats.org/officeDocument/2006/math">
+                    <m:r>
+                      <m:rPr>
+                        <m:sty m:val="p"/>
+                      </m:rPr>
+                      <a:rPr lang="en-US" b="0" i="0">
+                        <a:latin typeface="Cambria Math" panose="02040503050406030204" pitchFamily="18" charset="0"/>
+                      </a:rPr>
+                      <m:t>N</m:t>
+                    </m:r>
+                    <m:r>
+                      <a:rPr lang="en-US" b="0" i="0" smtClean="0">
+                        <a:latin typeface="Cambria Math" panose="02040503050406030204" pitchFamily="18" charset="0"/>
+                      </a:rPr>
+                      <m:t> </m:t>
+                    </m:r>
+                  </m:oMath>
+                </a14:m>
+                <a:r>
+                  <a:rPr lang="en-US" dirty="0">
+                    <a:latin typeface="Helvetica" pitchFamily="2" charset="0"/>
+                  </a:rPr>
+                  <a:t>such blocks</a:t>
+                </a:r>
+              </a:p>
+              <a:p>
+                <a:pPr marL="342900" lvl="2" indent="-342900">
+                  <a:buClr>
+                    <a:srgbClr val="FF7900"/>
+                  </a:buClr>
+                  <a:buFont typeface="+mj-lt"/>
+                  <a:buAutoNum type="arabicPeriod"/>
+                </a:pPr>
+                <a:r>
+                  <a:rPr lang="en-US" dirty="0">
+                    <a:latin typeface="Helvetica" pitchFamily="2" charset="0"/>
+                  </a:rPr>
+                  <a:t>Multi-Head Attention applies (in parallel) the </a:t>
+                </a:r>
+                <a:r>
+                  <a:rPr lang="en-US" dirty="0">
+                    <a:solidFill>
+                      <a:schemeClr val="bg2"/>
+                    </a:solidFill>
+                    <a:latin typeface="Helvetica" pitchFamily="2" charset="0"/>
+                  </a:rPr>
+                  <a:t>scaled-dot-product attention </a:t>
+                </a:r>
+                <a:r>
+                  <a:rPr lang="en-US" dirty="0">
+                    <a:latin typeface="Helvetica" pitchFamily="2" charset="0"/>
+                  </a:rPr>
+                  <a:t>to Q,K,Vs such that every token captures semantic information </a:t>
+                </a:r>
+                <a:r>
+                  <a:rPr lang="en-US" dirty="0" err="1">
+                    <a:latin typeface="Helvetica" pitchFamily="2" charset="0"/>
+                  </a:rPr>
+                  <a:t>w.r.t.</a:t>
+                </a:r>
+                <a:r>
+                  <a:rPr lang="en-US" dirty="0">
+                    <a:latin typeface="Helvetica" pitchFamily="2" charset="0"/>
+                  </a:rPr>
+                  <a:t>  all other tokens.</a:t>
+                </a:r>
+              </a:p>
+              <a:p>
+                <a:pPr marL="342900" lvl="2" indent="-342900">
+                  <a:buClr>
+                    <a:srgbClr val="FF7900"/>
+                  </a:buClr>
+                  <a:buFont typeface="+mj-lt"/>
+                  <a:buAutoNum type="arabicPeriod"/>
+                </a:pPr>
+                <a:r>
+                  <a:rPr lang="en-US" dirty="0">
+                    <a:latin typeface="Helvetica" pitchFamily="2" charset="0"/>
+                  </a:rPr>
+                  <a:t>Two linear layers + non-linear activation in between</a:t>
+                </a:r>
+              </a:p>
+              <a:p>
+                <a:pPr marL="342900" lvl="2" indent="-342900">
+                  <a:buClr>
+                    <a:srgbClr val="FF7900"/>
+                  </a:buClr>
+                  <a:buFont typeface="+mj-lt"/>
+                  <a:buAutoNum type="arabicPeriod"/>
+                </a:pPr>
+                <a:r>
+                  <a:rPr lang="en-US" dirty="0">
+                    <a:latin typeface="Helvetica" pitchFamily="2" charset="0"/>
+                  </a:rPr>
+                  <a:t>Use sinusoidal functions to inject </a:t>
+                </a:r>
+                <a:r>
+                  <a:rPr lang="en-US" dirty="0">
+                    <a:solidFill>
+                      <a:schemeClr val="bg2"/>
+                    </a:solidFill>
+                    <a:latin typeface="Helvetica" pitchFamily="2" charset="0"/>
+                  </a:rPr>
+                  <a:t>positional information </a:t>
+                </a:r>
+                <a:r>
+                  <a:rPr lang="en-US" dirty="0">
+                    <a:latin typeface="Helvetica" pitchFamily="2" charset="0"/>
+                  </a:rPr>
+                  <a:t>(relative or absolute) for the sequence of tokens</a:t>
+                </a:r>
+              </a:p>
+            </p:txBody>
+          </p:sp>
+        </mc:Choice>
+        <mc:Fallback>
+          <p:sp>
+            <p:nvSpPr>
+              <p:cNvPr id="2" name="Content Placeholder 1">
+                <a:extLst>
+                  <a:ext uri="{FF2B5EF4-FFF2-40B4-BE49-F238E27FC236}">
+                    <a16:creationId xmlns:a16="http://schemas.microsoft.com/office/drawing/2014/main" id="{F1FEFB85-3FC1-92DF-89B3-1659487340A4}"/>
+                  </a:ext>
+                </a:extLst>
+              </p:cNvPr>
+              <p:cNvSpPr>
+                <a:spLocks noGrp="1" noRot="1" noChangeAspect="1" noMove="1" noResize="1" noEditPoints="1" noAdjustHandles="1" noChangeArrowheads="1" noChangeShapeType="1" noTextEdit="1"/>
+              </p:cNvSpPr>
+              <p:nvPr>
+                <p:ph idx="1"/>
+              </p:nvPr>
+            </p:nvSpPr>
+            <p:spPr>
+              <a:xfrm>
+                <a:off x="314325" y="1184275"/>
+                <a:ext cx="4779573" cy="2891706"/>
+              </a:xfrm>
+              <a:blipFill>
+                <a:blip r:embed="rId2"/>
+                <a:stretch>
+                  <a:fillRect l="-1852" t="-3057"/>
+                </a:stretch>
+              </a:blipFill>
+            </p:spPr>
+            <p:txBody>
+              <a:bodyPr/>
+              <a:lstStyle/>
+              <a:p>
+                <a:r>
+                  <a:rPr lang="en-US">
+                    <a:noFill/>
+                  </a:rPr>
+                  <a:t> </a:t>
+                </a:r>
+              </a:p>
+            </p:txBody>
+          </p:sp>
+        </mc:Fallback>
+      </mc:AlternateContent>
+      <p:sp>
+        <p:nvSpPr>
+          <p:cNvPr id="3" name="Title 2">
+            <a:extLst>
+              <a:ext uri="{FF2B5EF4-FFF2-40B4-BE49-F238E27FC236}">
+                <a16:creationId xmlns:a16="http://schemas.microsoft.com/office/drawing/2014/main" id="{F1754151-2DE4-8C30-7678-C60158163D02}"/>
+              </a:ext>
+            </a:extLst>
+          </p:cNvPr>
+          <p:cNvSpPr>
+            <a:spLocks noGrp="1"/>
+          </p:cNvSpPr>
+          <p:nvPr>
+            <p:ph type="title"/>
+          </p:nvPr>
+        </p:nvSpPr>
+        <p:spPr/>
+        <p:txBody>
+          <a:bodyPr/>
+          <a:lstStyle/>
+          <a:p>
+            <a:r>
+              <a:rPr lang="en-US" sz="2800" dirty="0"/>
+              <a:t>Transformer Era</a:t>
+            </a:r>
+          </a:p>
+        </p:txBody>
+      </p:sp>
+      <p:sp>
+        <p:nvSpPr>
+          <p:cNvPr id="8" name="Rectangle 7">
+            <a:extLst>
+              <a:ext uri="{FF2B5EF4-FFF2-40B4-BE49-F238E27FC236}">
+                <a16:creationId xmlns:a16="http://schemas.microsoft.com/office/drawing/2014/main" id="{56C9292C-B551-2785-4772-397EA5825C38}"/>
+              </a:ext>
+            </a:extLst>
+          </p:cNvPr>
+          <p:cNvSpPr/>
+          <p:nvPr/>
+        </p:nvSpPr>
+        <p:spPr>
+          <a:xfrm>
+            <a:off x="310142" y="4548158"/>
+            <a:ext cx="1305910" cy="378330"/>
+          </a:xfrm>
+          <a:prstGeom prst="rect">
+            <a:avLst/>
+          </a:prstGeom>
+          <a:solidFill>
+            <a:schemeClr val="bg1"/>
+          </a:solidFill>
+          <a:ln>
+            <a:noFill/>
+          </a:ln>
+        </p:spPr>
+        <p:style>
+          <a:lnRef idx="2">
+            <a:schemeClr val="accent1">
+              <a:shade val="50000"/>
+            </a:schemeClr>
+          </a:lnRef>
+          <a:fillRef idx="1">
+            <a:schemeClr val="accent1"/>
+          </a:fillRef>
+          <a:effectRef idx="0">
+            <a:schemeClr val="accent1"/>
+          </a:effectRef>
+          <a:fontRef idx="minor">
+            <a:schemeClr val="lt1"/>
+          </a:fontRef>
+        </p:style>
+        <p:txBody>
+          <a:bodyPr rtlCol="0" anchor="ctr"/>
+          <a:lstStyle/>
+          <a:p>
+            <a:pPr algn="ctr"/>
+            <a:endParaRPr lang="en-US" sz="1600" noProof="0" dirty="0">
+              <a:solidFill>
+                <a:srgbClr val="000000"/>
+              </a:solidFill>
+            </a:endParaRPr>
+          </a:p>
+        </p:txBody>
+      </p:sp>
+      <p:pic>
+        <p:nvPicPr>
+          <p:cNvPr id="6" name="Picture 5">
+            <a:extLst>
+              <a:ext uri="{FF2B5EF4-FFF2-40B4-BE49-F238E27FC236}">
+                <a16:creationId xmlns:a16="http://schemas.microsoft.com/office/drawing/2014/main" id="{5DD2D1DA-ABB6-9E0F-5EB9-CB29D1D734C8}"/>
+              </a:ext>
+            </a:extLst>
+          </p:cNvPr>
+          <p:cNvPicPr>
+            <a:picLocks noChangeAspect="1"/>
+          </p:cNvPicPr>
+          <p:nvPr/>
+        </p:nvPicPr>
+        <p:blipFill>
+          <a:blip r:embed="rId3"/>
+          <a:stretch>
+            <a:fillRect/>
+          </a:stretch>
+        </p:blipFill>
+        <p:spPr>
+          <a:xfrm>
+            <a:off x="5222228" y="189781"/>
+            <a:ext cx="3509514" cy="4763938"/>
+          </a:xfrm>
+          <a:prstGeom prst="rect">
+            <a:avLst/>
+          </a:prstGeom>
+        </p:spPr>
+      </p:pic>
+      <p:sp>
+        <p:nvSpPr>
+          <p:cNvPr id="11" name="TextBox 10">
+            <a:extLst>
+              <a:ext uri="{FF2B5EF4-FFF2-40B4-BE49-F238E27FC236}">
+                <a16:creationId xmlns:a16="http://schemas.microsoft.com/office/drawing/2014/main" id="{17D724E8-A5FE-3F60-C581-6F79B950281C}"/>
+              </a:ext>
+            </a:extLst>
+          </p:cNvPr>
+          <p:cNvSpPr txBox="1"/>
+          <p:nvPr/>
+        </p:nvSpPr>
+        <p:spPr>
+          <a:xfrm>
+            <a:off x="5753820" y="1880559"/>
+            <a:ext cx="99386" cy="215444"/>
+          </a:xfrm>
+          <a:prstGeom prst="rect">
+            <a:avLst/>
+          </a:prstGeom>
+        </p:spPr>
+        <p:txBody>
+          <a:bodyPr wrap="none" lIns="0" tIns="0" rIns="0" bIns="0" rtlCol="0">
+            <a:spAutoFit/>
+          </a:bodyPr>
+          <a:lstStyle/>
+          <a:p>
+            <a:r>
+              <a:rPr lang="en-US" sz="1400" dirty="0">
+                <a:solidFill>
+                  <a:schemeClr val="bg2"/>
+                </a:solidFill>
+              </a:rPr>
+              <a:t>1</a:t>
+            </a:r>
+            <a:endParaRPr lang="en-US" sz="1400" dirty="0"/>
+          </a:p>
+        </p:txBody>
+      </p:sp>
+      <p:sp>
+        <p:nvSpPr>
+          <p:cNvPr id="12" name="TextBox 11">
+            <a:extLst>
+              <a:ext uri="{FF2B5EF4-FFF2-40B4-BE49-F238E27FC236}">
+                <a16:creationId xmlns:a16="http://schemas.microsoft.com/office/drawing/2014/main" id="{2E54AE8C-AA62-4352-1A12-E3BE750648AF}"/>
+              </a:ext>
+            </a:extLst>
+          </p:cNvPr>
+          <p:cNvSpPr txBox="1"/>
+          <p:nvPr/>
+        </p:nvSpPr>
+        <p:spPr>
+          <a:xfrm>
+            <a:off x="7007177" y="1184275"/>
+            <a:ext cx="99386" cy="215444"/>
+          </a:xfrm>
+          <a:prstGeom prst="rect">
+            <a:avLst/>
+          </a:prstGeom>
+        </p:spPr>
+        <p:txBody>
+          <a:bodyPr wrap="none" lIns="0" tIns="0" rIns="0" bIns="0" rtlCol="0">
+            <a:spAutoFit/>
+          </a:bodyPr>
+          <a:lstStyle/>
+          <a:p>
+            <a:r>
+              <a:rPr lang="en-US" sz="1400" dirty="0">
+                <a:solidFill>
+                  <a:schemeClr val="bg2"/>
+                </a:solidFill>
+              </a:rPr>
+              <a:t>2</a:t>
+            </a:r>
+            <a:endParaRPr lang="en-US" sz="1400" dirty="0"/>
+          </a:p>
+        </p:txBody>
+      </p:sp>
+      <p:sp>
+        <p:nvSpPr>
+          <p:cNvPr id="13" name="TextBox 12">
+            <a:extLst>
+              <a:ext uri="{FF2B5EF4-FFF2-40B4-BE49-F238E27FC236}">
+                <a16:creationId xmlns:a16="http://schemas.microsoft.com/office/drawing/2014/main" id="{EFE01208-90BD-D66E-4B2E-159642A13B2F}"/>
+              </a:ext>
+            </a:extLst>
+          </p:cNvPr>
+          <p:cNvSpPr txBox="1"/>
+          <p:nvPr/>
+        </p:nvSpPr>
+        <p:spPr>
+          <a:xfrm>
+            <a:off x="6124755" y="3127075"/>
+            <a:ext cx="99386" cy="215444"/>
+          </a:xfrm>
+          <a:prstGeom prst="rect">
+            <a:avLst/>
+          </a:prstGeom>
+        </p:spPr>
+        <p:txBody>
+          <a:bodyPr wrap="none" lIns="0" tIns="0" rIns="0" bIns="0" rtlCol="0">
+            <a:spAutoFit/>
+          </a:bodyPr>
+          <a:lstStyle/>
+          <a:p>
+            <a:r>
+              <a:rPr lang="en-US" sz="1400" dirty="0">
+                <a:solidFill>
+                  <a:schemeClr val="bg2"/>
+                </a:solidFill>
+              </a:rPr>
+              <a:t>3</a:t>
+            </a:r>
+            <a:endParaRPr lang="en-US" sz="1400" dirty="0"/>
+          </a:p>
+        </p:txBody>
+      </p:sp>
+      <p:sp>
+        <p:nvSpPr>
+          <p:cNvPr id="14" name="TextBox 13">
+            <a:extLst>
+              <a:ext uri="{FF2B5EF4-FFF2-40B4-BE49-F238E27FC236}">
+                <a16:creationId xmlns:a16="http://schemas.microsoft.com/office/drawing/2014/main" id="{00798572-A5DD-8FFF-A5A0-514D004DBCA1}"/>
+              </a:ext>
+            </a:extLst>
+          </p:cNvPr>
+          <p:cNvSpPr txBox="1"/>
+          <p:nvPr/>
+        </p:nvSpPr>
+        <p:spPr>
+          <a:xfrm>
+            <a:off x="6124755" y="2356306"/>
+            <a:ext cx="99386" cy="215444"/>
+          </a:xfrm>
+          <a:prstGeom prst="rect">
+            <a:avLst/>
+          </a:prstGeom>
+        </p:spPr>
+        <p:txBody>
+          <a:bodyPr wrap="none" lIns="0" tIns="0" rIns="0" bIns="0" rtlCol="0">
+            <a:spAutoFit/>
+          </a:bodyPr>
+          <a:lstStyle/>
+          <a:p>
+            <a:r>
+              <a:rPr lang="en-US" sz="1400" dirty="0">
+                <a:solidFill>
+                  <a:schemeClr val="bg2"/>
+                </a:solidFill>
+              </a:rPr>
+              <a:t>4</a:t>
+            </a:r>
+            <a:endParaRPr lang="en-US" sz="1400" dirty="0"/>
+          </a:p>
+        </p:txBody>
+      </p:sp>
+      <p:sp>
+        <p:nvSpPr>
+          <p:cNvPr id="15" name="TextBox 14">
+            <a:extLst>
+              <a:ext uri="{FF2B5EF4-FFF2-40B4-BE49-F238E27FC236}">
+                <a16:creationId xmlns:a16="http://schemas.microsoft.com/office/drawing/2014/main" id="{9FE621D3-C454-2958-BA34-132F8B8C327A}"/>
+              </a:ext>
+            </a:extLst>
+          </p:cNvPr>
+          <p:cNvSpPr txBox="1"/>
+          <p:nvPr/>
+        </p:nvSpPr>
+        <p:spPr>
+          <a:xfrm>
+            <a:off x="5332562" y="3732758"/>
+            <a:ext cx="99386" cy="215444"/>
+          </a:xfrm>
+          <a:prstGeom prst="rect">
+            <a:avLst/>
+          </a:prstGeom>
+        </p:spPr>
+        <p:txBody>
+          <a:bodyPr wrap="none" lIns="0" tIns="0" rIns="0" bIns="0" rtlCol="0">
+            <a:spAutoFit/>
+          </a:bodyPr>
+          <a:lstStyle/>
+          <a:p>
+            <a:r>
+              <a:rPr lang="en-US" sz="1400" dirty="0">
+                <a:solidFill>
+                  <a:schemeClr val="bg2"/>
+                </a:solidFill>
+              </a:rPr>
+              <a:t>5</a:t>
+            </a:r>
+            <a:endParaRPr lang="en-US" sz="1400" dirty="0"/>
+          </a:p>
+        </p:txBody>
+      </p:sp>
+    </p:spTree>
+    <p:extLst>
+      <p:ext uri="{BB962C8B-B14F-4D97-AF65-F5344CB8AC3E}">
+        <p14:creationId xmlns:p14="http://schemas.microsoft.com/office/powerpoint/2010/main" val="1685142484"/>
+      </p:ext>
+    </p:extLst>
+  </p:cSld>
+  <p:clrMapOvr>
+    <a:masterClrMapping/>
+  </p:clrMapOvr>
+  <mc:AlternateContent xmlns:mc="http://schemas.openxmlformats.org/markup-compatibility/2006" xmlns:p14="http://schemas.microsoft.com/office/powerpoint/2010/main">
+    <mc:Choice Requires="p14">
+      <p:transition spd="med" p14:dur="700">
+        <p:fade/>
+      </p:transition>
+    </mc:Choice>
+    <mc:Fallback xmlns="">
+      <p:transition spd="med">
+        <p:fade/>
+      </p:transition>
+    </mc:Fallback>
+  </mc:AlternateContent>
+</p:sld>
+</file>
+
+<file path=ppt/slides/slide8.xml><?xml version="1.0" encoding="utf-8"?>
 <p:sld xmlns:a="http://schemas.openxmlformats.org/drawingml/2006/main" xmlns:r="http://schemas.openxmlformats.org/officeDocument/2006/relationships" xmlns:p="http://schemas.openxmlformats.org/presentationml/2006/main">
   <p:cSld>
     <p:spTree>
@@ -17809,7 +23182,7 @@
 </p:sld>
 </file>
 
-<file path=ppt/slides/slide7.xml><?xml version="1.0" encoding="utf-8"?>
+<file path=ppt/slides/slide9.xml><?xml version="1.0" encoding="utf-8"?>
 <p:sld xmlns:a="http://schemas.openxmlformats.org/drawingml/2006/main" xmlns:r="http://schemas.openxmlformats.org/officeDocument/2006/relationships" xmlns:p="http://schemas.openxmlformats.org/presentationml/2006/main">
   <p:cSld>
     <p:spTree>
@@ -18406,1656 +23779,6 @@
     <p:extLst>
       <p:ext uri="{BB962C8B-B14F-4D97-AF65-F5344CB8AC3E}">
         <p14:creationId xmlns:p14="http://schemas.microsoft.com/office/powerpoint/2010/main" val="1208178559"/>
-      </p:ext>
-    </p:extLst>
-  </p:cSld>
-  <p:clrMapOvr>
-    <a:masterClrMapping/>
-  </p:clrMapOvr>
-  <mc:AlternateContent xmlns:mc="http://schemas.openxmlformats.org/markup-compatibility/2006" xmlns:p14="http://schemas.microsoft.com/office/powerpoint/2010/main">
-    <mc:Choice Requires="p14">
-      <p:transition spd="med" p14:dur="700">
-        <p:fade/>
-      </p:transition>
-    </mc:Choice>
-    <mc:Fallback xmlns="">
-      <p:transition spd="med">
-        <p:fade/>
-      </p:transition>
-    </mc:Fallback>
-  </mc:AlternateContent>
-</p:sld>
-</file>
-
-<file path=ppt/slides/slide8.xml><?xml version="1.0" encoding="utf-8"?>
-<p:sld xmlns:a="http://schemas.openxmlformats.org/drawingml/2006/main" xmlns:r="http://schemas.openxmlformats.org/officeDocument/2006/relationships" xmlns:p="http://schemas.openxmlformats.org/presentationml/2006/main">
-  <p:cSld>
-    <p:spTree>
-      <p:nvGrpSpPr>
-        <p:cNvPr id="1" name=""/>
-        <p:cNvGrpSpPr/>
-        <p:nvPr/>
-      </p:nvGrpSpPr>
-      <p:grpSpPr>
-        <a:xfrm>
-          <a:off x="0" y="0"/>
-          <a:ext cx="0" cy="0"/>
-          <a:chOff x="0" y="0"/>
-          <a:chExt cx="0" cy="0"/>
-        </a:xfrm>
-      </p:grpSpPr>
-      <p:sp>
-        <p:nvSpPr>
-          <p:cNvPr id="3" name="Titre 2"/>
-          <p:cNvSpPr>
-            <a:spLocks noGrp="1"/>
-          </p:cNvSpPr>
-          <p:nvPr>
-            <p:ph type="title"/>
-          </p:nvPr>
-        </p:nvSpPr>
-        <p:spPr>
-          <a:xfrm>
-            <a:off x="467544" y="411510"/>
-            <a:ext cx="8362131" cy="360040"/>
-          </a:xfrm>
-        </p:spPr>
-        <p:txBody>
-          <a:bodyPr/>
-          <a:lstStyle/>
-          <a:p>
-            <a:r>
-              <a:rPr lang="en-US" sz="2800" noProof="0" dirty="0" err="1"/>
-              <a:t>Titre</a:t>
-            </a:r>
-            <a:r>
-              <a:rPr lang="en-US" sz="2800" noProof="0" dirty="0"/>
-              <a:t> </a:t>
-            </a:r>
-            <a:r>
-              <a:rPr lang="en-US" sz="2800" noProof="0" dirty="0" err="1"/>
-              <a:t>Titre</a:t>
-            </a:r>
-            <a:r>
-              <a:rPr lang="en-US" sz="2800" noProof="0" dirty="0"/>
-              <a:t> </a:t>
-            </a:r>
-            <a:r>
-              <a:rPr lang="en-US" sz="2800" noProof="0" dirty="0" err="1"/>
-              <a:t>Titre</a:t>
-            </a:r>
-            <a:r>
-              <a:rPr lang="en-US" sz="2800" noProof="0" dirty="0"/>
-              <a:t> </a:t>
-            </a:r>
-            <a:r>
-              <a:rPr lang="en-US" sz="2800" noProof="0" dirty="0" err="1"/>
-              <a:t>Titre</a:t>
-            </a:r>
-            <a:r>
-              <a:rPr lang="en-US" sz="2800" noProof="0" dirty="0"/>
-              <a:t> </a:t>
-            </a:r>
-            <a:r>
-              <a:rPr lang="en-US" sz="2800" noProof="0" dirty="0" err="1"/>
-              <a:t>Titre</a:t>
-            </a:r>
-            <a:endParaRPr lang="en-US" sz="2800" noProof="0" dirty="0">
-              <a:solidFill>
-                <a:schemeClr val="bg1"/>
-              </a:solidFill>
-            </a:endParaRPr>
-          </a:p>
-        </p:txBody>
-      </p:sp>
-      <p:sp>
-        <p:nvSpPr>
-          <p:cNvPr id="4" name="Rectangle 3"/>
-          <p:cNvSpPr/>
-          <p:nvPr/>
-        </p:nvSpPr>
-        <p:spPr>
-          <a:xfrm>
-            <a:off x="269688" y="4731990"/>
-            <a:ext cx="1205968" cy="197362"/>
-          </a:xfrm>
-          <a:prstGeom prst="rect">
-            <a:avLst/>
-          </a:prstGeom>
-          <a:solidFill>
-            <a:schemeClr val="bg1"/>
-          </a:solidFill>
-          <a:ln>
-            <a:noFill/>
-          </a:ln>
-        </p:spPr>
-        <p:style>
-          <a:lnRef idx="2">
-            <a:schemeClr val="accent1">
-              <a:shade val="50000"/>
-            </a:schemeClr>
-          </a:lnRef>
-          <a:fillRef idx="1">
-            <a:schemeClr val="accent1"/>
-          </a:fillRef>
-          <a:effectRef idx="0">
-            <a:schemeClr val="accent1"/>
-          </a:effectRef>
-          <a:fontRef idx="minor">
-            <a:schemeClr val="lt1"/>
-          </a:fontRef>
-        </p:style>
-        <p:txBody>
-          <a:bodyPr rtlCol="0" anchor="ctr"/>
-          <a:lstStyle/>
-          <a:p>
-            <a:pPr algn="ctr"/>
-            <a:endParaRPr lang="en-US" sz="1600" noProof="0" dirty="0">
-              <a:solidFill>
-                <a:srgbClr val="000000"/>
-              </a:solidFill>
-            </a:endParaRPr>
-          </a:p>
-        </p:txBody>
-      </p:sp>
-      <p:graphicFrame>
-        <p:nvGraphicFramePr>
-          <p:cNvPr id="18" name="Chart 82"/>
-          <p:cNvGraphicFramePr/>
-          <p:nvPr/>
-        </p:nvGraphicFramePr>
-        <p:xfrm>
-          <a:off x="2399717" y="2268330"/>
-          <a:ext cx="1994260" cy="554786"/>
-        </p:xfrm>
-        <a:graphic>
-          <a:graphicData uri="http://schemas.openxmlformats.org/drawingml/2006/chart">
-            <c:chart xmlns:c="http://schemas.openxmlformats.org/drawingml/2006/chart" xmlns:r="http://schemas.openxmlformats.org/officeDocument/2006/relationships" r:id="rId2"/>
-          </a:graphicData>
-        </a:graphic>
-      </p:graphicFrame>
-      <p:graphicFrame>
-        <p:nvGraphicFramePr>
-          <p:cNvPr id="20" name="Chart 83"/>
-          <p:cNvGraphicFramePr/>
-          <p:nvPr/>
-        </p:nvGraphicFramePr>
-        <p:xfrm>
-          <a:off x="4529746" y="2268330"/>
-          <a:ext cx="1994260" cy="554786"/>
-        </p:xfrm>
-        <a:graphic>
-          <a:graphicData uri="http://schemas.openxmlformats.org/drawingml/2006/chart">
-            <c:chart xmlns:c="http://schemas.openxmlformats.org/drawingml/2006/chart" xmlns:r="http://schemas.openxmlformats.org/officeDocument/2006/relationships" r:id="rId3"/>
-          </a:graphicData>
-        </a:graphic>
-      </p:graphicFrame>
-      <p:graphicFrame>
-        <p:nvGraphicFramePr>
-          <p:cNvPr id="22" name="Chart 84"/>
-          <p:cNvGraphicFramePr/>
-          <p:nvPr/>
-        </p:nvGraphicFramePr>
-        <p:xfrm>
-          <a:off x="6659775" y="2268330"/>
-          <a:ext cx="1994260" cy="554786"/>
-        </p:xfrm>
-        <a:graphic>
-          <a:graphicData uri="http://schemas.openxmlformats.org/drawingml/2006/chart">
-            <c:chart xmlns:c="http://schemas.openxmlformats.org/drawingml/2006/chart" xmlns:r="http://schemas.openxmlformats.org/officeDocument/2006/relationships" r:id="rId4"/>
-          </a:graphicData>
-        </a:graphic>
-      </p:graphicFrame>
-      <p:graphicFrame>
-        <p:nvGraphicFramePr>
-          <p:cNvPr id="23" name="Chart 85"/>
-          <p:cNvGraphicFramePr/>
-          <p:nvPr/>
-        </p:nvGraphicFramePr>
-        <p:xfrm>
-          <a:off x="269688" y="2268330"/>
-          <a:ext cx="1994260" cy="554786"/>
-        </p:xfrm>
-        <a:graphic>
-          <a:graphicData uri="http://schemas.openxmlformats.org/drawingml/2006/chart">
-            <c:chart xmlns:c="http://schemas.openxmlformats.org/drawingml/2006/chart" xmlns:r="http://schemas.openxmlformats.org/officeDocument/2006/relationships" r:id="rId5"/>
-          </a:graphicData>
-        </a:graphic>
-      </p:graphicFrame>
-      <p:sp>
-        <p:nvSpPr>
-          <p:cNvPr id="26" name="TextBox 86"/>
-          <p:cNvSpPr txBox="1"/>
-          <p:nvPr/>
-        </p:nvSpPr>
-        <p:spPr>
-          <a:xfrm>
-            <a:off x="384938" y="2919884"/>
-            <a:ext cx="1695101" cy="1308050"/>
-          </a:xfrm>
-          <a:prstGeom prst="rect">
-            <a:avLst/>
-          </a:prstGeom>
-        </p:spPr>
-        <p:txBody>
-          <a:bodyPr wrap="square" lIns="0" tIns="0" rIns="0" bIns="0" rtlCol="0">
-            <a:spAutoFit/>
-          </a:bodyPr>
-          <a:lstStyle/>
-          <a:p>
-            <a:pPr defTabSz="712788" fontAlgn="base">
-              <a:spcBef>
-                <a:spcPct val="0"/>
-              </a:spcBef>
-              <a:spcAft>
-                <a:spcPct val="0"/>
-              </a:spcAft>
-            </a:pPr>
-            <a:r>
-              <a:rPr lang="en-US" sz="1200" noProof="0" dirty="0">
-                <a:ea typeface="ＭＳ Ｐゴシック" pitchFamily="34" charset="-128"/>
-              </a:rPr>
-              <a:t>Insert title</a:t>
-            </a:r>
-          </a:p>
-          <a:p>
-            <a:pPr defTabSz="712788" fontAlgn="base">
-              <a:spcBef>
-                <a:spcPts val="600"/>
-              </a:spcBef>
-              <a:spcAft>
-                <a:spcPct val="0"/>
-              </a:spcAft>
-            </a:pPr>
-            <a:r>
-              <a:rPr lang="en-US" sz="1050" noProof="0" dirty="0">
-                <a:latin typeface="Helvetica 55 Roman" panose="020B0604020202020204" pitchFamily="34" charset="0"/>
-                <a:ea typeface="ＭＳ Ｐゴシック" pitchFamily="34" charset="-128"/>
-              </a:rPr>
-              <a:t>Lorem ipsum dolor sit </a:t>
-            </a:r>
-            <a:r>
-              <a:rPr lang="en-US" sz="1050" noProof="0" dirty="0" err="1">
-                <a:latin typeface="Helvetica 55 Roman" panose="020B0604020202020204" pitchFamily="34" charset="0"/>
-                <a:ea typeface="ＭＳ Ｐゴシック" pitchFamily="34" charset="-128"/>
-              </a:rPr>
-              <a:t>amet</a:t>
-            </a:r>
-            <a:r>
-              <a:rPr lang="en-US" sz="1050" noProof="0" dirty="0">
-                <a:latin typeface="Helvetica 55 Roman" panose="020B0604020202020204" pitchFamily="34" charset="0"/>
-                <a:ea typeface="ＭＳ Ｐゴシック" pitchFamily="34" charset="-128"/>
-              </a:rPr>
-              <a:t>, </a:t>
-            </a:r>
-            <a:r>
-              <a:rPr lang="en-US" sz="1050" noProof="0" dirty="0" err="1">
-                <a:latin typeface="Helvetica 55 Roman" panose="020B0604020202020204" pitchFamily="34" charset="0"/>
-                <a:ea typeface="ＭＳ Ｐゴシック" pitchFamily="34" charset="-128"/>
-              </a:rPr>
-              <a:t>consectetur</a:t>
-            </a:r>
-            <a:r>
-              <a:rPr lang="en-US" sz="1050" noProof="0" dirty="0">
-                <a:latin typeface="Helvetica 55 Roman" panose="020B0604020202020204" pitchFamily="34" charset="0"/>
-                <a:ea typeface="ＭＳ Ｐゴシック" pitchFamily="34" charset="-128"/>
-              </a:rPr>
-              <a:t> </a:t>
-            </a:r>
-            <a:r>
-              <a:rPr lang="en-US" sz="1050" noProof="0" dirty="0" err="1">
-                <a:latin typeface="Helvetica 55 Roman" panose="020B0604020202020204" pitchFamily="34" charset="0"/>
-                <a:ea typeface="ＭＳ Ｐゴシック" pitchFamily="34" charset="-128"/>
-              </a:rPr>
-              <a:t>adipiscing</a:t>
-            </a:r>
-            <a:r>
-              <a:rPr lang="en-US" sz="1050" noProof="0" dirty="0">
-                <a:latin typeface="Helvetica 55 Roman" panose="020B0604020202020204" pitchFamily="34" charset="0"/>
-                <a:ea typeface="ＭＳ Ｐゴシック" pitchFamily="34" charset="-128"/>
-              </a:rPr>
-              <a:t> </a:t>
-            </a:r>
-            <a:r>
-              <a:rPr lang="en-US" sz="1050" noProof="0" dirty="0" err="1">
-                <a:latin typeface="Helvetica 55 Roman" panose="020B0604020202020204" pitchFamily="34" charset="0"/>
-                <a:ea typeface="ＭＳ Ｐゴシック" pitchFamily="34" charset="-128"/>
-              </a:rPr>
-              <a:t>elit</a:t>
-            </a:r>
-            <a:r>
-              <a:rPr lang="en-US" sz="1050" noProof="0" dirty="0">
-                <a:latin typeface="Helvetica 55 Roman" panose="020B0604020202020204" pitchFamily="34" charset="0"/>
-                <a:ea typeface="ＭＳ Ｐゴシック" pitchFamily="34" charset="-128"/>
-              </a:rPr>
-              <a:t>. </a:t>
-            </a:r>
-          </a:p>
-          <a:p>
-            <a:pPr defTabSz="712788" fontAlgn="base">
-              <a:spcBef>
-                <a:spcPts val="600"/>
-              </a:spcBef>
-              <a:spcAft>
-                <a:spcPct val="0"/>
-              </a:spcAft>
-            </a:pPr>
-            <a:r>
-              <a:rPr lang="en-US" sz="1050" noProof="0" dirty="0">
-                <a:latin typeface="Helvetica 55 Roman" panose="020B0604020202020204" pitchFamily="34" charset="0"/>
-                <a:ea typeface="ＭＳ Ｐゴシック" pitchFamily="34" charset="-128"/>
-              </a:rPr>
-              <a:t>Sed </a:t>
-            </a:r>
-            <a:r>
-              <a:rPr lang="en-US" sz="1050" noProof="0" dirty="0" err="1">
-                <a:latin typeface="Helvetica 55 Roman" panose="020B0604020202020204" pitchFamily="34" charset="0"/>
-                <a:ea typeface="ＭＳ Ｐゴシック" pitchFamily="34" charset="-128"/>
-              </a:rPr>
-              <a:t>rhoncus</a:t>
-            </a:r>
-            <a:r>
-              <a:rPr lang="en-US" sz="1050" noProof="0" dirty="0">
-                <a:latin typeface="Helvetica 55 Roman" panose="020B0604020202020204" pitchFamily="34" charset="0"/>
-                <a:ea typeface="ＭＳ Ｐゴシック" pitchFamily="34" charset="-128"/>
-              </a:rPr>
-              <a:t>, nisi </a:t>
-            </a:r>
-            <a:r>
-              <a:rPr lang="en-US" sz="1050" noProof="0" dirty="0" err="1">
-                <a:latin typeface="Helvetica 55 Roman" panose="020B0604020202020204" pitchFamily="34" charset="0"/>
-                <a:ea typeface="ＭＳ Ｐゴシック" pitchFamily="34" charset="-128"/>
-              </a:rPr>
-              <a:t>eu</a:t>
-            </a:r>
-            <a:r>
-              <a:rPr lang="en-US" sz="1050" noProof="0" dirty="0">
-                <a:latin typeface="Helvetica 55 Roman" panose="020B0604020202020204" pitchFamily="34" charset="0"/>
-                <a:ea typeface="ＭＳ Ｐゴシック" pitchFamily="34" charset="-128"/>
-              </a:rPr>
-              <a:t> </a:t>
-            </a:r>
-            <a:r>
-              <a:rPr lang="en-US" sz="1050" noProof="0" dirty="0" err="1">
-                <a:latin typeface="Helvetica 55 Roman" panose="020B0604020202020204" pitchFamily="34" charset="0"/>
-                <a:ea typeface="ＭＳ Ｐゴシック" pitchFamily="34" charset="-128"/>
-              </a:rPr>
-              <a:t>facilisis</a:t>
-            </a:r>
-            <a:r>
-              <a:rPr lang="en-US" sz="1050" noProof="0" dirty="0">
-                <a:latin typeface="Helvetica 55 Roman" panose="020B0604020202020204" pitchFamily="34" charset="0"/>
-                <a:ea typeface="ＭＳ Ｐゴシック" pitchFamily="34" charset="-128"/>
-              </a:rPr>
-              <a:t> </a:t>
-            </a:r>
-            <a:r>
-              <a:rPr lang="en-US" sz="1050" noProof="0" dirty="0" err="1">
-                <a:latin typeface="Helvetica 55 Roman" panose="020B0604020202020204" pitchFamily="34" charset="0"/>
-                <a:ea typeface="ＭＳ Ｐゴシック" pitchFamily="34" charset="-128"/>
-              </a:rPr>
-              <a:t>condimentum</a:t>
-            </a:r>
-            <a:r>
-              <a:rPr lang="en-US" sz="1050" noProof="0" dirty="0">
-                <a:latin typeface="Helvetica 55 Roman" panose="020B0604020202020204" pitchFamily="34" charset="0"/>
-                <a:ea typeface="ＭＳ Ｐゴシック" pitchFamily="34" charset="-128"/>
-              </a:rPr>
-              <a:t>, ligula </a:t>
-            </a:r>
-            <a:r>
-              <a:rPr lang="en-US" sz="1050" noProof="0" dirty="0" err="1">
-                <a:latin typeface="Helvetica 55 Roman" panose="020B0604020202020204" pitchFamily="34" charset="0"/>
-                <a:ea typeface="ＭＳ Ｐゴシック" pitchFamily="34" charset="-128"/>
-              </a:rPr>
-              <a:t>augue</a:t>
-            </a:r>
-            <a:r>
-              <a:rPr lang="en-US" sz="1050" noProof="0" dirty="0">
-                <a:latin typeface="Helvetica 55 Roman" panose="020B0604020202020204" pitchFamily="34" charset="0"/>
-                <a:ea typeface="ＭＳ Ｐゴシック" pitchFamily="34" charset="-128"/>
-              </a:rPr>
-              <a:t> </a:t>
-            </a:r>
-            <a:r>
-              <a:rPr lang="en-US" sz="1050" noProof="0" dirty="0" err="1">
-                <a:latin typeface="Helvetica 55 Roman" panose="020B0604020202020204" pitchFamily="34" charset="0"/>
-                <a:ea typeface="ＭＳ Ｐゴシック" pitchFamily="34" charset="-128"/>
-              </a:rPr>
-              <a:t>porttitor</a:t>
-            </a:r>
-            <a:r>
-              <a:rPr lang="en-US" sz="1050" noProof="0" dirty="0">
-                <a:latin typeface="Helvetica 55 Roman" panose="020B0604020202020204" pitchFamily="34" charset="0"/>
-                <a:ea typeface="ＭＳ Ｐゴシック" pitchFamily="34" charset="-128"/>
-              </a:rPr>
-              <a:t> </a:t>
-            </a:r>
-            <a:r>
-              <a:rPr lang="en-US" sz="1050" noProof="0" dirty="0" err="1">
-                <a:latin typeface="Helvetica 55 Roman" panose="020B0604020202020204" pitchFamily="34" charset="0"/>
-                <a:ea typeface="ＭＳ Ｐゴシック" pitchFamily="34" charset="-128"/>
-              </a:rPr>
-              <a:t>lacusamet</a:t>
-            </a:r>
-            <a:r>
-              <a:rPr lang="en-US" sz="1050" noProof="0" dirty="0">
-                <a:latin typeface="Helvetica 55 Roman" panose="020B0604020202020204" pitchFamily="34" charset="0"/>
-                <a:ea typeface="ＭＳ Ｐゴシック" pitchFamily="34" charset="-128"/>
-              </a:rPr>
-              <a:t>, ligula </a:t>
-            </a:r>
-            <a:r>
-              <a:rPr lang="en-US" sz="1050" noProof="0" dirty="0" err="1">
-                <a:latin typeface="Helvetica 55 Roman" panose="020B0604020202020204" pitchFamily="34" charset="0"/>
-                <a:ea typeface="ＭＳ Ｐゴシック" pitchFamily="34" charset="-128"/>
-              </a:rPr>
-              <a:t>consectetur</a:t>
-            </a:r>
-            <a:r>
-              <a:rPr lang="en-US" sz="1050" noProof="0" dirty="0">
-                <a:latin typeface="Helvetica 55 Roman" panose="020B0604020202020204" pitchFamily="34" charset="0"/>
-                <a:ea typeface="ＭＳ Ｐゴシック" pitchFamily="34" charset="-128"/>
-              </a:rPr>
-              <a:t> </a:t>
-            </a:r>
-            <a:r>
-              <a:rPr lang="en-US" sz="1050" noProof="0" dirty="0" err="1">
-                <a:latin typeface="Helvetica 55 Roman" panose="020B0604020202020204" pitchFamily="34" charset="0"/>
-                <a:ea typeface="ＭＳ Ｐゴシック" pitchFamily="34" charset="-128"/>
-              </a:rPr>
-              <a:t>porttitor</a:t>
-            </a:r>
-            <a:r>
-              <a:rPr lang="en-US" sz="1050" noProof="0" dirty="0">
-                <a:latin typeface="Helvetica 55 Roman" panose="020B0604020202020204" pitchFamily="34" charset="0"/>
-                <a:ea typeface="ＭＳ Ｐゴシック" pitchFamily="34" charset="-128"/>
-              </a:rPr>
-              <a:t>.</a:t>
-            </a:r>
-          </a:p>
-        </p:txBody>
-      </p:sp>
-      <p:sp>
-        <p:nvSpPr>
-          <p:cNvPr id="27" name="TextBox 87"/>
-          <p:cNvSpPr txBox="1"/>
-          <p:nvPr/>
-        </p:nvSpPr>
-        <p:spPr>
-          <a:xfrm>
-            <a:off x="6793537" y="1457658"/>
-            <a:ext cx="1263166" cy="738664"/>
-          </a:xfrm>
-          <a:prstGeom prst="rect">
-            <a:avLst/>
-          </a:prstGeom>
-        </p:spPr>
-        <p:txBody>
-          <a:bodyPr wrap="none" lIns="0" tIns="0" rIns="0" bIns="0" rtlCol="0">
-            <a:spAutoFit/>
-          </a:bodyPr>
-          <a:lstStyle/>
-          <a:p>
-            <a:pPr algn="ctr" defTabSz="712788" fontAlgn="base">
-              <a:spcBef>
-                <a:spcPct val="0"/>
-              </a:spcBef>
-              <a:spcAft>
-                <a:spcPct val="0"/>
-              </a:spcAft>
-            </a:pPr>
-            <a:r>
-              <a:rPr lang="en-US" sz="4800" spc="-100" noProof="0" dirty="0">
-                <a:ea typeface="ＭＳ Ｐゴシック" pitchFamily="34" charset="-128"/>
-              </a:rPr>
-              <a:t>85%</a:t>
-            </a:r>
-          </a:p>
-        </p:txBody>
-      </p:sp>
-      <p:sp>
-        <p:nvSpPr>
-          <p:cNvPr id="28" name="TextBox 88"/>
-          <p:cNvSpPr txBox="1"/>
-          <p:nvPr/>
-        </p:nvSpPr>
-        <p:spPr>
-          <a:xfrm>
-            <a:off x="312817" y="1457658"/>
-            <a:ext cx="1263166" cy="738664"/>
-          </a:xfrm>
-          <a:prstGeom prst="rect">
-            <a:avLst/>
-          </a:prstGeom>
-        </p:spPr>
-        <p:txBody>
-          <a:bodyPr wrap="none" lIns="0" tIns="0" rIns="0" bIns="0" rtlCol="0">
-            <a:spAutoFit/>
-          </a:bodyPr>
-          <a:lstStyle/>
-          <a:p>
-            <a:pPr algn="ctr" defTabSz="712788" fontAlgn="base">
-              <a:spcBef>
-                <a:spcPct val="0"/>
-              </a:spcBef>
-              <a:spcAft>
-                <a:spcPct val="0"/>
-              </a:spcAft>
-            </a:pPr>
-            <a:r>
-              <a:rPr lang="en-US" sz="4800" spc="-100" noProof="0" dirty="0">
-                <a:ea typeface="ＭＳ Ｐゴシック" pitchFamily="34" charset="-128"/>
-              </a:rPr>
-              <a:t>18%</a:t>
-            </a:r>
-          </a:p>
-        </p:txBody>
-      </p:sp>
-      <p:sp>
-        <p:nvSpPr>
-          <p:cNvPr id="29" name="TextBox 89"/>
-          <p:cNvSpPr txBox="1"/>
-          <p:nvPr/>
-        </p:nvSpPr>
-        <p:spPr>
-          <a:xfrm>
-            <a:off x="2545065" y="1457658"/>
-            <a:ext cx="1263166" cy="738664"/>
-          </a:xfrm>
-          <a:prstGeom prst="rect">
-            <a:avLst/>
-          </a:prstGeom>
-        </p:spPr>
-        <p:txBody>
-          <a:bodyPr wrap="none" lIns="0" tIns="0" rIns="0" bIns="0" rtlCol="0">
-            <a:spAutoFit/>
-          </a:bodyPr>
-          <a:lstStyle/>
-          <a:p>
-            <a:pPr algn="ctr" defTabSz="712788" fontAlgn="base">
-              <a:spcBef>
-                <a:spcPct val="0"/>
-              </a:spcBef>
-              <a:spcAft>
-                <a:spcPct val="0"/>
-              </a:spcAft>
-            </a:pPr>
-            <a:r>
-              <a:rPr lang="en-US" sz="4800" spc="-100" noProof="0" dirty="0">
-                <a:ea typeface="ＭＳ Ｐゴシック" pitchFamily="34" charset="-128"/>
-              </a:rPr>
-              <a:t>45%</a:t>
-            </a:r>
-          </a:p>
-        </p:txBody>
-      </p:sp>
-      <p:sp>
-        <p:nvSpPr>
-          <p:cNvPr id="30" name="TextBox 90"/>
-          <p:cNvSpPr txBox="1"/>
-          <p:nvPr/>
-        </p:nvSpPr>
-        <p:spPr>
-          <a:xfrm>
-            <a:off x="4639871" y="1457658"/>
-            <a:ext cx="1511533" cy="738664"/>
-          </a:xfrm>
-          <a:prstGeom prst="rect">
-            <a:avLst/>
-          </a:prstGeom>
-        </p:spPr>
-        <p:txBody>
-          <a:bodyPr wrap="square" lIns="0" tIns="0" rIns="0" bIns="0" rtlCol="0">
-            <a:spAutoFit/>
-          </a:bodyPr>
-          <a:lstStyle/>
-          <a:p>
-            <a:pPr defTabSz="712788" fontAlgn="base">
-              <a:spcBef>
-                <a:spcPct val="0"/>
-              </a:spcBef>
-              <a:spcAft>
-                <a:spcPct val="0"/>
-              </a:spcAft>
-            </a:pPr>
-            <a:r>
-              <a:rPr lang="en-US" sz="4800" spc="-100" noProof="0" dirty="0">
-                <a:ea typeface="ＭＳ Ｐゴシック" pitchFamily="34" charset="-128"/>
-              </a:rPr>
-              <a:t>75%</a:t>
-            </a:r>
-          </a:p>
-        </p:txBody>
-      </p:sp>
-      <p:sp>
-        <p:nvSpPr>
-          <p:cNvPr id="31" name="TextBox 94"/>
-          <p:cNvSpPr txBox="1"/>
-          <p:nvPr/>
-        </p:nvSpPr>
-        <p:spPr>
-          <a:xfrm>
-            <a:off x="2545065" y="2919884"/>
-            <a:ext cx="1695101" cy="1308050"/>
-          </a:xfrm>
-          <a:prstGeom prst="rect">
-            <a:avLst/>
-          </a:prstGeom>
-        </p:spPr>
-        <p:txBody>
-          <a:bodyPr wrap="square" lIns="0" tIns="0" rIns="0" bIns="0" rtlCol="0">
-            <a:spAutoFit/>
-          </a:bodyPr>
-          <a:lstStyle/>
-          <a:p>
-            <a:pPr defTabSz="712788" fontAlgn="base">
-              <a:spcBef>
-                <a:spcPct val="0"/>
-              </a:spcBef>
-              <a:spcAft>
-                <a:spcPct val="0"/>
-              </a:spcAft>
-            </a:pPr>
-            <a:r>
-              <a:rPr lang="en-US" sz="1200" noProof="0" dirty="0">
-                <a:ea typeface="ＭＳ Ｐゴシック" pitchFamily="34" charset="-128"/>
-              </a:rPr>
-              <a:t>Insert title</a:t>
-            </a:r>
-          </a:p>
-          <a:p>
-            <a:pPr defTabSz="712788" fontAlgn="base">
-              <a:spcBef>
-                <a:spcPts val="600"/>
-              </a:spcBef>
-              <a:spcAft>
-                <a:spcPct val="0"/>
-              </a:spcAft>
-            </a:pPr>
-            <a:r>
-              <a:rPr lang="en-US" sz="1050" noProof="0" dirty="0">
-                <a:latin typeface="Helvetica 55 Roman" panose="020B0604020202020204" pitchFamily="34" charset="0"/>
-                <a:ea typeface="ＭＳ Ｐゴシック" pitchFamily="34" charset="-128"/>
-              </a:rPr>
-              <a:t>Lorem ipsum dolor sit </a:t>
-            </a:r>
-            <a:r>
-              <a:rPr lang="en-US" sz="1050" noProof="0" dirty="0" err="1">
-                <a:latin typeface="Helvetica 55 Roman" panose="020B0604020202020204" pitchFamily="34" charset="0"/>
-                <a:ea typeface="ＭＳ Ｐゴシック" pitchFamily="34" charset="-128"/>
-              </a:rPr>
-              <a:t>amet</a:t>
-            </a:r>
-            <a:r>
-              <a:rPr lang="en-US" sz="1050" noProof="0" dirty="0">
-                <a:latin typeface="Helvetica 55 Roman" panose="020B0604020202020204" pitchFamily="34" charset="0"/>
-                <a:ea typeface="ＭＳ Ｐゴシック" pitchFamily="34" charset="-128"/>
-              </a:rPr>
-              <a:t>, </a:t>
-            </a:r>
-            <a:r>
-              <a:rPr lang="en-US" sz="1050" noProof="0" dirty="0" err="1">
-                <a:latin typeface="Helvetica 55 Roman" panose="020B0604020202020204" pitchFamily="34" charset="0"/>
-                <a:ea typeface="ＭＳ Ｐゴシック" pitchFamily="34" charset="-128"/>
-              </a:rPr>
-              <a:t>consectetur</a:t>
-            </a:r>
-            <a:r>
-              <a:rPr lang="en-US" sz="1050" noProof="0" dirty="0">
-                <a:latin typeface="Helvetica 55 Roman" panose="020B0604020202020204" pitchFamily="34" charset="0"/>
-                <a:ea typeface="ＭＳ Ｐゴシック" pitchFamily="34" charset="-128"/>
-              </a:rPr>
-              <a:t> </a:t>
-            </a:r>
-            <a:r>
-              <a:rPr lang="en-US" sz="1050" noProof="0" dirty="0" err="1">
-                <a:latin typeface="Helvetica 55 Roman" panose="020B0604020202020204" pitchFamily="34" charset="0"/>
-                <a:ea typeface="ＭＳ Ｐゴシック" pitchFamily="34" charset="-128"/>
-              </a:rPr>
-              <a:t>adipiscing</a:t>
-            </a:r>
-            <a:r>
-              <a:rPr lang="en-US" sz="1050" noProof="0" dirty="0">
-                <a:latin typeface="Helvetica 55 Roman" panose="020B0604020202020204" pitchFamily="34" charset="0"/>
-                <a:ea typeface="ＭＳ Ｐゴシック" pitchFamily="34" charset="-128"/>
-              </a:rPr>
-              <a:t> </a:t>
-            </a:r>
-            <a:r>
-              <a:rPr lang="en-US" sz="1050" noProof="0" dirty="0" err="1">
-                <a:latin typeface="Helvetica 55 Roman" panose="020B0604020202020204" pitchFamily="34" charset="0"/>
-                <a:ea typeface="ＭＳ Ｐゴシック" pitchFamily="34" charset="-128"/>
-              </a:rPr>
-              <a:t>elit</a:t>
-            </a:r>
-            <a:r>
-              <a:rPr lang="en-US" sz="1050" noProof="0" dirty="0">
-                <a:latin typeface="Helvetica 55 Roman" panose="020B0604020202020204" pitchFamily="34" charset="0"/>
-                <a:ea typeface="ＭＳ Ｐゴシック" pitchFamily="34" charset="-128"/>
-              </a:rPr>
-              <a:t>. </a:t>
-            </a:r>
-          </a:p>
-          <a:p>
-            <a:pPr defTabSz="712788" fontAlgn="base">
-              <a:spcBef>
-                <a:spcPts val="600"/>
-              </a:spcBef>
-              <a:spcAft>
-                <a:spcPct val="0"/>
-              </a:spcAft>
-            </a:pPr>
-            <a:r>
-              <a:rPr lang="en-US" sz="1050" noProof="0" dirty="0">
-                <a:latin typeface="Helvetica 55 Roman" panose="020B0604020202020204" pitchFamily="34" charset="0"/>
-                <a:ea typeface="ＭＳ Ｐゴシック" pitchFamily="34" charset="-128"/>
-              </a:rPr>
-              <a:t>Sed </a:t>
-            </a:r>
-            <a:r>
-              <a:rPr lang="en-US" sz="1050" noProof="0" dirty="0" err="1">
-                <a:latin typeface="Helvetica 55 Roman" panose="020B0604020202020204" pitchFamily="34" charset="0"/>
-                <a:ea typeface="ＭＳ Ｐゴシック" pitchFamily="34" charset="-128"/>
-              </a:rPr>
-              <a:t>rhoncus</a:t>
-            </a:r>
-            <a:r>
-              <a:rPr lang="en-US" sz="1050" noProof="0" dirty="0">
-                <a:latin typeface="Helvetica 55 Roman" panose="020B0604020202020204" pitchFamily="34" charset="0"/>
-                <a:ea typeface="ＭＳ Ｐゴシック" pitchFamily="34" charset="-128"/>
-              </a:rPr>
-              <a:t>, nisi </a:t>
-            </a:r>
-            <a:r>
-              <a:rPr lang="en-US" sz="1050" noProof="0" dirty="0" err="1">
-                <a:latin typeface="Helvetica 55 Roman" panose="020B0604020202020204" pitchFamily="34" charset="0"/>
-                <a:ea typeface="ＭＳ Ｐゴシック" pitchFamily="34" charset="-128"/>
-              </a:rPr>
-              <a:t>eu</a:t>
-            </a:r>
-            <a:r>
-              <a:rPr lang="en-US" sz="1050" noProof="0" dirty="0">
-                <a:latin typeface="Helvetica 55 Roman" panose="020B0604020202020204" pitchFamily="34" charset="0"/>
-                <a:ea typeface="ＭＳ Ｐゴシック" pitchFamily="34" charset="-128"/>
-              </a:rPr>
-              <a:t> </a:t>
-            </a:r>
-            <a:r>
-              <a:rPr lang="en-US" sz="1050" noProof="0" dirty="0" err="1">
-                <a:latin typeface="Helvetica 55 Roman" panose="020B0604020202020204" pitchFamily="34" charset="0"/>
-                <a:ea typeface="ＭＳ Ｐゴシック" pitchFamily="34" charset="-128"/>
-              </a:rPr>
-              <a:t>facilisis</a:t>
-            </a:r>
-            <a:r>
-              <a:rPr lang="en-US" sz="1050" noProof="0" dirty="0">
-                <a:latin typeface="Helvetica 55 Roman" panose="020B0604020202020204" pitchFamily="34" charset="0"/>
-                <a:ea typeface="ＭＳ Ｐゴシック" pitchFamily="34" charset="-128"/>
-              </a:rPr>
-              <a:t> </a:t>
-            </a:r>
-            <a:r>
-              <a:rPr lang="en-US" sz="1050" noProof="0" dirty="0" err="1">
-                <a:latin typeface="Helvetica 55 Roman" panose="020B0604020202020204" pitchFamily="34" charset="0"/>
-                <a:ea typeface="ＭＳ Ｐゴシック" pitchFamily="34" charset="-128"/>
-              </a:rPr>
-              <a:t>condimentum</a:t>
-            </a:r>
-            <a:r>
-              <a:rPr lang="en-US" sz="1050" noProof="0" dirty="0">
-                <a:latin typeface="Helvetica 55 Roman" panose="020B0604020202020204" pitchFamily="34" charset="0"/>
-                <a:ea typeface="ＭＳ Ｐゴシック" pitchFamily="34" charset="-128"/>
-              </a:rPr>
-              <a:t>, ligula </a:t>
-            </a:r>
-            <a:r>
-              <a:rPr lang="en-US" sz="1050" noProof="0" dirty="0" err="1">
-                <a:latin typeface="Helvetica 55 Roman" panose="020B0604020202020204" pitchFamily="34" charset="0"/>
-                <a:ea typeface="ＭＳ Ｐゴシック" pitchFamily="34" charset="-128"/>
-              </a:rPr>
-              <a:t>augue</a:t>
-            </a:r>
-            <a:r>
-              <a:rPr lang="en-US" sz="1050" noProof="0" dirty="0">
-                <a:latin typeface="Helvetica 55 Roman" panose="020B0604020202020204" pitchFamily="34" charset="0"/>
-                <a:ea typeface="ＭＳ Ｐゴシック" pitchFamily="34" charset="-128"/>
-              </a:rPr>
-              <a:t> </a:t>
-            </a:r>
-            <a:r>
-              <a:rPr lang="en-US" sz="1050" noProof="0" dirty="0" err="1">
-                <a:latin typeface="Helvetica 55 Roman" panose="020B0604020202020204" pitchFamily="34" charset="0"/>
-                <a:ea typeface="ＭＳ Ｐゴシック" pitchFamily="34" charset="-128"/>
-              </a:rPr>
-              <a:t>porttitor</a:t>
-            </a:r>
-            <a:r>
-              <a:rPr lang="en-US" sz="1050" noProof="0" dirty="0">
-                <a:latin typeface="Helvetica 55 Roman" panose="020B0604020202020204" pitchFamily="34" charset="0"/>
-                <a:ea typeface="ＭＳ Ｐゴシック" pitchFamily="34" charset="-128"/>
-              </a:rPr>
-              <a:t> </a:t>
-            </a:r>
-            <a:r>
-              <a:rPr lang="en-US" sz="1050" noProof="0" dirty="0" err="1">
-                <a:latin typeface="Helvetica 55 Roman" panose="020B0604020202020204" pitchFamily="34" charset="0"/>
-                <a:ea typeface="ＭＳ Ｐゴシック" pitchFamily="34" charset="-128"/>
-              </a:rPr>
-              <a:t>lacusamet</a:t>
-            </a:r>
-            <a:r>
-              <a:rPr lang="en-US" sz="1050" noProof="0" dirty="0">
-                <a:latin typeface="Helvetica 55 Roman" panose="020B0604020202020204" pitchFamily="34" charset="0"/>
-                <a:ea typeface="ＭＳ Ｐゴシック" pitchFamily="34" charset="-128"/>
-              </a:rPr>
-              <a:t>, ligula </a:t>
-            </a:r>
-            <a:r>
-              <a:rPr lang="en-US" sz="1050" noProof="0" dirty="0" err="1">
-                <a:latin typeface="Helvetica 55 Roman" panose="020B0604020202020204" pitchFamily="34" charset="0"/>
-                <a:ea typeface="ＭＳ Ｐゴシック" pitchFamily="34" charset="-128"/>
-              </a:rPr>
-              <a:t>consectetur</a:t>
-            </a:r>
-            <a:r>
-              <a:rPr lang="en-US" sz="1050" noProof="0" dirty="0">
-                <a:latin typeface="Helvetica 55 Roman" panose="020B0604020202020204" pitchFamily="34" charset="0"/>
-                <a:ea typeface="ＭＳ Ｐゴシック" pitchFamily="34" charset="-128"/>
-              </a:rPr>
-              <a:t> </a:t>
-            </a:r>
-            <a:r>
-              <a:rPr lang="en-US" sz="1050" noProof="0" dirty="0" err="1">
-                <a:latin typeface="Helvetica 55 Roman" panose="020B0604020202020204" pitchFamily="34" charset="0"/>
-                <a:ea typeface="ＭＳ Ｐゴシック" pitchFamily="34" charset="-128"/>
-              </a:rPr>
-              <a:t>porttitor</a:t>
-            </a:r>
-            <a:r>
-              <a:rPr lang="en-US" sz="1050" noProof="0" dirty="0">
-                <a:latin typeface="Helvetica 55 Roman" panose="020B0604020202020204" pitchFamily="34" charset="0"/>
-                <a:ea typeface="ＭＳ Ｐゴシック" pitchFamily="34" charset="-128"/>
-              </a:rPr>
-              <a:t>.</a:t>
-            </a:r>
-          </a:p>
-        </p:txBody>
-      </p:sp>
-      <p:sp>
-        <p:nvSpPr>
-          <p:cNvPr id="32" name="TextBox 95"/>
-          <p:cNvSpPr txBox="1"/>
-          <p:nvPr/>
-        </p:nvSpPr>
-        <p:spPr>
-          <a:xfrm>
-            <a:off x="4676384" y="2919884"/>
-            <a:ext cx="1695101" cy="1308050"/>
-          </a:xfrm>
-          <a:prstGeom prst="rect">
-            <a:avLst/>
-          </a:prstGeom>
-        </p:spPr>
-        <p:txBody>
-          <a:bodyPr wrap="square" lIns="0" tIns="0" rIns="0" bIns="0" rtlCol="0">
-            <a:spAutoFit/>
-          </a:bodyPr>
-          <a:lstStyle/>
-          <a:p>
-            <a:pPr defTabSz="712788" fontAlgn="base">
-              <a:spcBef>
-                <a:spcPct val="0"/>
-              </a:spcBef>
-              <a:spcAft>
-                <a:spcPct val="0"/>
-              </a:spcAft>
-            </a:pPr>
-            <a:r>
-              <a:rPr lang="en-US" sz="1200" noProof="0" dirty="0">
-                <a:ea typeface="ＭＳ Ｐゴシック" pitchFamily="34" charset="-128"/>
-              </a:rPr>
-              <a:t>Insert title</a:t>
-            </a:r>
-          </a:p>
-          <a:p>
-            <a:pPr defTabSz="712788" fontAlgn="base">
-              <a:spcBef>
-                <a:spcPts val="600"/>
-              </a:spcBef>
-              <a:spcAft>
-                <a:spcPct val="0"/>
-              </a:spcAft>
-            </a:pPr>
-            <a:r>
-              <a:rPr lang="en-US" sz="1050" noProof="0" dirty="0">
-                <a:latin typeface="Helvetica 55 Roman" panose="020B0604020202020204" pitchFamily="34" charset="0"/>
-                <a:ea typeface="ＭＳ Ｐゴシック" pitchFamily="34" charset="-128"/>
-              </a:rPr>
-              <a:t>Lorem ipsum dolor sit </a:t>
-            </a:r>
-            <a:r>
-              <a:rPr lang="en-US" sz="1050" noProof="0" dirty="0" err="1">
-                <a:latin typeface="Helvetica 55 Roman" panose="020B0604020202020204" pitchFamily="34" charset="0"/>
-                <a:ea typeface="ＭＳ Ｐゴシック" pitchFamily="34" charset="-128"/>
-              </a:rPr>
-              <a:t>amet</a:t>
-            </a:r>
-            <a:r>
-              <a:rPr lang="en-US" sz="1050" noProof="0" dirty="0">
-                <a:latin typeface="Helvetica 55 Roman" panose="020B0604020202020204" pitchFamily="34" charset="0"/>
-                <a:ea typeface="ＭＳ Ｐゴシック" pitchFamily="34" charset="-128"/>
-              </a:rPr>
-              <a:t>, </a:t>
-            </a:r>
-            <a:r>
-              <a:rPr lang="en-US" sz="1050" noProof="0" dirty="0" err="1">
-                <a:latin typeface="Helvetica 55 Roman" panose="020B0604020202020204" pitchFamily="34" charset="0"/>
-                <a:ea typeface="ＭＳ Ｐゴシック" pitchFamily="34" charset="-128"/>
-              </a:rPr>
-              <a:t>consectetur</a:t>
-            </a:r>
-            <a:r>
-              <a:rPr lang="en-US" sz="1050" noProof="0" dirty="0">
-                <a:latin typeface="Helvetica 55 Roman" panose="020B0604020202020204" pitchFamily="34" charset="0"/>
-                <a:ea typeface="ＭＳ Ｐゴシック" pitchFamily="34" charset="-128"/>
-              </a:rPr>
-              <a:t> </a:t>
-            </a:r>
-            <a:r>
-              <a:rPr lang="en-US" sz="1050" noProof="0" dirty="0" err="1">
-                <a:latin typeface="Helvetica 55 Roman" panose="020B0604020202020204" pitchFamily="34" charset="0"/>
-                <a:ea typeface="ＭＳ Ｐゴシック" pitchFamily="34" charset="-128"/>
-              </a:rPr>
-              <a:t>adipiscing</a:t>
-            </a:r>
-            <a:r>
-              <a:rPr lang="en-US" sz="1050" noProof="0" dirty="0">
-                <a:latin typeface="Helvetica 55 Roman" panose="020B0604020202020204" pitchFamily="34" charset="0"/>
-                <a:ea typeface="ＭＳ Ｐゴシック" pitchFamily="34" charset="-128"/>
-              </a:rPr>
-              <a:t> </a:t>
-            </a:r>
-            <a:r>
-              <a:rPr lang="en-US" sz="1050" noProof="0" dirty="0" err="1">
-                <a:latin typeface="Helvetica 55 Roman" panose="020B0604020202020204" pitchFamily="34" charset="0"/>
-                <a:ea typeface="ＭＳ Ｐゴシック" pitchFamily="34" charset="-128"/>
-              </a:rPr>
-              <a:t>elit</a:t>
-            </a:r>
-            <a:r>
-              <a:rPr lang="en-US" sz="1050" noProof="0" dirty="0">
-                <a:latin typeface="Helvetica 55 Roman" panose="020B0604020202020204" pitchFamily="34" charset="0"/>
-                <a:ea typeface="ＭＳ Ｐゴシック" pitchFamily="34" charset="-128"/>
-              </a:rPr>
-              <a:t>. </a:t>
-            </a:r>
-          </a:p>
-          <a:p>
-            <a:pPr defTabSz="712788" fontAlgn="base">
-              <a:spcBef>
-                <a:spcPts val="600"/>
-              </a:spcBef>
-              <a:spcAft>
-                <a:spcPct val="0"/>
-              </a:spcAft>
-            </a:pPr>
-            <a:r>
-              <a:rPr lang="en-US" sz="1050" noProof="0" dirty="0">
-                <a:latin typeface="Helvetica 55 Roman" panose="020B0604020202020204" pitchFamily="34" charset="0"/>
-                <a:ea typeface="ＭＳ Ｐゴシック" pitchFamily="34" charset="-128"/>
-              </a:rPr>
-              <a:t>Sed </a:t>
-            </a:r>
-            <a:r>
-              <a:rPr lang="en-US" sz="1050" noProof="0" dirty="0" err="1">
-                <a:latin typeface="Helvetica 55 Roman" panose="020B0604020202020204" pitchFamily="34" charset="0"/>
-                <a:ea typeface="ＭＳ Ｐゴシック" pitchFamily="34" charset="-128"/>
-              </a:rPr>
-              <a:t>rhoncus</a:t>
-            </a:r>
-            <a:r>
-              <a:rPr lang="en-US" sz="1050" noProof="0" dirty="0">
-                <a:latin typeface="Helvetica 55 Roman" panose="020B0604020202020204" pitchFamily="34" charset="0"/>
-                <a:ea typeface="ＭＳ Ｐゴシック" pitchFamily="34" charset="-128"/>
-              </a:rPr>
-              <a:t>, nisi </a:t>
-            </a:r>
-            <a:r>
-              <a:rPr lang="en-US" sz="1050" noProof="0" dirty="0" err="1">
-                <a:latin typeface="Helvetica 55 Roman" panose="020B0604020202020204" pitchFamily="34" charset="0"/>
-                <a:ea typeface="ＭＳ Ｐゴシック" pitchFamily="34" charset="-128"/>
-              </a:rPr>
-              <a:t>eu</a:t>
-            </a:r>
-            <a:r>
-              <a:rPr lang="en-US" sz="1050" noProof="0" dirty="0">
-                <a:latin typeface="Helvetica 55 Roman" panose="020B0604020202020204" pitchFamily="34" charset="0"/>
-                <a:ea typeface="ＭＳ Ｐゴシック" pitchFamily="34" charset="-128"/>
-              </a:rPr>
-              <a:t> </a:t>
-            </a:r>
-            <a:r>
-              <a:rPr lang="en-US" sz="1050" noProof="0" dirty="0" err="1">
-                <a:latin typeface="Helvetica 55 Roman" panose="020B0604020202020204" pitchFamily="34" charset="0"/>
-                <a:ea typeface="ＭＳ Ｐゴシック" pitchFamily="34" charset="-128"/>
-              </a:rPr>
-              <a:t>facilisis</a:t>
-            </a:r>
-            <a:r>
-              <a:rPr lang="en-US" sz="1050" noProof="0" dirty="0">
-                <a:latin typeface="Helvetica 55 Roman" panose="020B0604020202020204" pitchFamily="34" charset="0"/>
-                <a:ea typeface="ＭＳ Ｐゴシック" pitchFamily="34" charset="-128"/>
-              </a:rPr>
-              <a:t> </a:t>
-            </a:r>
-            <a:r>
-              <a:rPr lang="en-US" sz="1050" noProof="0" dirty="0" err="1">
-                <a:latin typeface="Helvetica 55 Roman" panose="020B0604020202020204" pitchFamily="34" charset="0"/>
-                <a:ea typeface="ＭＳ Ｐゴシック" pitchFamily="34" charset="-128"/>
-              </a:rPr>
-              <a:t>condimentum</a:t>
-            </a:r>
-            <a:r>
-              <a:rPr lang="en-US" sz="1050" noProof="0" dirty="0">
-                <a:latin typeface="Helvetica 55 Roman" panose="020B0604020202020204" pitchFamily="34" charset="0"/>
-                <a:ea typeface="ＭＳ Ｐゴシック" pitchFamily="34" charset="-128"/>
-              </a:rPr>
-              <a:t>, ligula </a:t>
-            </a:r>
-            <a:r>
-              <a:rPr lang="en-US" sz="1050" noProof="0" dirty="0" err="1">
-                <a:latin typeface="Helvetica 55 Roman" panose="020B0604020202020204" pitchFamily="34" charset="0"/>
-                <a:ea typeface="ＭＳ Ｐゴシック" pitchFamily="34" charset="-128"/>
-              </a:rPr>
-              <a:t>augue</a:t>
-            </a:r>
-            <a:r>
-              <a:rPr lang="en-US" sz="1050" noProof="0" dirty="0">
-                <a:latin typeface="Helvetica 55 Roman" panose="020B0604020202020204" pitchFamily="34" charset="0"/>
-                <a:ea typeface="ＭＳ Ｐゴシック" pitchFamily="34" charset="-128"/>
-              </a:rPr>
-              <a:t> </a:t>
-            </a:r>
-            <a:r>
-              <a:rPr lang="en-US" sz="1050" noProof="0" dirty="0" err="1">
-                <a:latin typeface="Helvetica 55 Roman" panose="020B0604020202020204" pitchFamily="34" charset="0"/>
-                <a:ea typeface="ＭＳ Ｐゴシック" pitchFamily="34" charset="-128"/>
-              </a:rPr>
-              <a:t>porttitor</a:t>
-            </a:r>
-            <a:r>
-              <a:rPr lang="en-US" sz="1050" noProof="0" dirty="0">
-                <a:latin typeface="Helvetica 55 Roman" panose="020B0604020202020204" pitchFamily="34" charset="0"/>
-                <a:ea typeface="ＭＳ Ｐゴシック" pitchFamily="34" charset="-128"/>
-              </a:rPr>
-              <a:t> </a:t>
-            </a:r>
-            <a:r>
-              <a:rPr lang="en-US" sz="1050" noProof="0" dirty="0" err="1">
-                <a:latin typeface="Helvetica 55 Roman" panose="020B0604020202020204" pitchFamily="34" charset="0"/>
-                <a:ea typeface="ＭＳ Ｐゴシック" pitchFamily="34" charset="-128"/>
-              </a:rPr>
-              <a:t>lacusamet</a:t>
-            </a:r>
-            <a:r>
-              <a:rPr lang="en-US" sz="1050" noProof="0" dirty="0">
-                <a:latin typeface="Helvetica 55 Roman" panose="020B0604020202020204" pitchFamily="34" charset="0"/>
-                <a:ea typeface="ＭＳ Ｐゴシック" pitchFamily="34" charset="-128"/>
-              </a:rPr>
-              <a:t>, ligula </a:t>
-            </a:r>
-            <a:r>
-              <a:rPr lang="en-US" sz="1050" noProof="0" dirty="0" err="1">
-                <a:latin typeface="Helvetica 55 Roman" panose="020B0604020202020204" pitchFamily="34" charset="0"/>
-                <a:ea typeface="ＭＳ Ｐゴシック" pitchFamily="34" charset="-128"/>
-              </a:rPr>
-              <a:t>consectetur</a:t>
-            </a:r>
-            <a:r>
-              <a:rPr lang="en-US" sz="1050" noProof="0" dirty="0">
-                <a:latin typeface="Helvetica 55 Roman" panose="020B0604020202020204" pitchFamily="34" charset="0"/>
-                <a:ea typeface="ＭＳ Ｐゴシック" pitchFamily="34" charset="-128"/>
-              </a:rPr>
-              <a:t> </a:t>
-            </a:r>
-            <a:r>
-              <a:rPr lang="en-US" sz="1050" noProof="0" dirty="0" err="1">
-                <a:latin typeface="Helvetica 55 Roman" panose="020B0604020202020204" pitchFamily="34" charset="0"/>
-                <a:ea typeface="ＭＳ Ｐゴシック" pitchFamily="34" charset="-128"/>
-              </a:rPr>
-              <a:t>porttitor</a:t>
-            </a:r>
-            <a:r>
-              <a:rPr lang="en-US" sz="1050" noProof="0" dirty="0">
-                <a:latin typeface="Helvetica 55 Roman" panose="020B0604020202020204" pitchFamily="34" charset="0"/>
-                <a:ea typeface="ＭＳ Ｐゴシック" pitchFamily="34" charset="-128"/>
-              </a:rPr>
-              <a:t>.</a:t>
-            </a:r>
-          </a:p>
-        </p:txBody>
-      </p:sp>
-      <p:sp>
-        <p:nvSpPr>
-          <p:cNvPr id="33" name="TextBox 96"/>
-          <p:cNvSpPr txBox="1"/>
-          <p:nvPr/>
-        </p:nvSpPr>
-        <p:spPr>
-          <a:xfrm>
-            <a:off x="6836511" y="2919884"/>
-            <a:ext cx="1695101" cy="1308050"/>
-          </a:xfrm>
-          <a:prstGeom prst="rect">
-            <a:avLst/>
-          </a:prstGeom>
-        </p:spPr>
-        <p:txBody>
-          <a:bodyPr wrap="square" lIns="0" tIns="0" rIns="0" bIns="0" rtlCol="0">
-            <a:spAutoFit/>
-          </a:bodyPr>
-          <a:lstStyle/>
-          <a:p>
-            <a:pPr defTabSz="712788" fontAlgn="base">
-              <a:spcBef>
-                <a:spcPct val="0"/>
-              </a:spcBef>
-              <a:spcAft>
-                <a:spcPct val="0"/>
-              </a:spcAft>
-            </a:pPr>
-            <a:r>
-              <a:rPr lang="en-US" sz="1200" noProof="0" dirty="0">
-                <a:ea typeface="ＭＳ Ｐゴシック" pitchFamily="34" charset="-128"/>
-              </a:rPr>
-              <a:t>Insert title</a:t>
-            </a:r>
-          </a:p>
-          <a:p>
-            <a:pPr defTabSz="712788" fontAlgn="base">
-              <a:spcBef>
-                <a:spcPts val="600"/>
-              </a:spcBef>
-              <a:spcAft>
-                <a:spcPct val="0"/>
-              </a:spcAft>
-            </a:pPr>
-            <a:r>
-              <a:rPr lang="en-US" sz="1050" noProof="0" dirty="0">
-                <a:latin typeface="Helvetica 55 Roman" panose="020B0604020202020204" pitchFamily="34" charset="0"/>
-                <a:ea typeface="ＭＳ Ｐゴシック" pitchFamily="34" charset="-128"/>
-              </a:rPr>
-              <a:t>Lorem ipsum dolor sit </a:t>
-            </a:r>
-            <a:r>
-              <a:rPr lang="en-US" sz="1050" noProof="0" dirty="0" err="1">
-                <a:latin typeface="Helvetica 55 Roman" panose="020B0604020202020204" pitchFamily="34" charset="0"/>
-                <a:ea typeface="ＭＳ Ｐゴシック" pitchFamily="34" charset="-128"/>
-              </a:rPr>
-              <a:t>amet</a:t>
-            </a:r>
-            <a:r>
-              <a:rPr lang="en-US" sz="1050" noProof="0" dirty="0">
-                <a:latin typeface="Helvetica 55 Roman" panose="020B0604020202020204" pitchFamily="34" charset="0"/>
-                <a:ea typeface="ＭＳ Ｐゴシック" pitchFamily="34" charset="-128"/>
-              </a:rPr>
-              <a:t>, </a:t>
-            </a:r>
-            <a:r>
-              <a:rPr lang="en-US" sz="1050" noProof="0" dirty="0" err="1">
-                <a:latin typeface="Helvetica 55 Roman" panose="020B0604020202020204" pitchFamily="34" charset="0"/>
-                <a:ea typeface="ＭＳ Ｐゴシック" pitchFamily="34" charset="-128"/>
-              </a:rPr>
-              <a:t>consectetur</a:t>
-            </a:r>
-            <a:r>
-              <a:rPr lang="en-US" sz="1050" noProof="0" dirty="0">
-                <a:latin typeface="Helvetica 55 Roman" panose="020B0604020202020204" pitchFamily="34" charset="0"/>
-                <a:ea typeface="ＭＳ Ｐゴシック" pitchFamily="34" charset="-128"/>
-              </a:rPr>
-              <a:t> </a:t>
-            </a:r>
-            <a:r>
-              <a:rPr lang="en-US" sz="1050" noProof="0" dirty="0" err="1">
-                <a:latin typeface="Helvetica 55 Roman" panose="020B0604020202020204" pitchFamily="34" charset="0"/>
-                <a:ea typeface="ＭＳ Ｐゴシック" pitchFamily="34" charset="-128"/>
-              </a:rPr>
-              <a:t>adipiscing</a:t>
-            </a:r>
-            <a:r>
-              <a:rPr lang="en-US" sz="1050" noProof="0" dirty="0">
-                <a:latin typeface="Helvetica 55 Roman" panose="020B0604020202020204" pitchFamily="34" charset="0"/>
-                <a:ea typeface="ＭＳ Ｐゴシック" pitchFamily="34" charset="-128"/>
-              </a:rPr>
-              <a:t> </a:t>
-            </a:r>
-            <a:r>
-              <a:rPr lang="en-US" sz="1050" noProof="0" dirty="0" err="1">
-                <a:latin typeface="Helvetica 55 Roman" panose="020B0604020202020204" pitchFamily="34" charset="0"/>
-                <a:ea typeface="ＭＳ Ｐゴシック" pitchFamily="34" charset="-128"/>
-              </a:rPr>
-              <a:t>elit</a:t>
-            </a:r>
-            <a:r>
-              <a:rPr lang="en-US" sz="1050" noProof="0" dirty="0">
-                <a:latin typeface="Helvetica 55 Roman" panose="020B0604020202020204" pitchFamily="34" charset="0"/>
-                <a:ea typeface="ＭＳ Ｐゴシック" pitchFamily="34" charset="-128"/>
-              </a:rPr>
-              <a:t>. </a:t>
-            </a:r>
-          </a:p>
-          <a:p>
-            <a:pPr defTabSz="712788" fontAlgn="base">
-              <a:spcBef>
-                <a:spcPts val="600"/>
-              </a:spcBef>
-              <a:spcAft>
-                <a:spcPct val="0"/>
-              </a:spcAft>
-            </a:pPr>
-            <a:r>
-              <a:rPr lang="en-US" sz="1050" noProof="0" dirty="0">
-                <a:latin typeface="Helvetica 55 Roman" panose="020B0604020202020204" pitchFamily="34" charset="0"/>
-                <a:ea typeface="ＭＳ Ｐゴシック" pitchFamily="34" charset="-128"/>
-              </a:rPr>
-              <a:t>Sed </a:t>
-            </a:r>
-            <a:r>
-              <a:rPr lang="en-US" sz="1050" noProof="0" dirty="0" err="1">
-                <a:latin typeface="Helvetica 55 Roman" panose="020B0604020202020204" pitchFamily="34" charset="0"/>
-                <a:ea typeface="ＭＳ Ｐゴシック" pitchFamily="34" charset="-128"/>
-              </a:rPr>
-              <a:t>rhoncus</a:t>
-            </a:r>
-            <a:r>
-              <a:rPr lang="en-US" sz="1050" noProof="0" dirty="0">
-                <a:latin typeface="Helvetica 55 Roman" panose="020B0604020202020204" pitchFamily="34" charset="0"/>
-                <a:ea typeface="ＭＳ Ｐゴシック" pitchFamily="34" charset="-128"/>
-              </a:rPr>
-              <a:t>, nisi </a:t>
-            </a:r>
-            <a:r>
-              <a:rPr lang="en-US" sz="1050" noProof="0" dirty="0" err="1">
-                <a:latin typeface="Helvetica 55 Roman" panose="020B0604020202020204" pitchFamily="34" charset="0"/>
-                <a:ea typeface="ＭＳ Ｐゴシック" pitchFamily="34" charset="-128"/>
-              </a:rPr>
-              <a:t>eu</a:t>
-            </a:r>
-            <a:r>
-              <a:rPr lang="en-US" sz="1050" noProof="0" dirty="0">
-                <a:latin typeface="Helvetica 55 Roman" panose="020B0604020202020204" pitchFamily="34" charset="0"/>
-                <a:ea typeface="ＭＳ Ｐゴシック" pitchFamily="34" charset="-128"/>
-              </a:rPr>
-              <a:t> </a:t>
-            </a:r>
-            <a:r>
-              <a:rPr lang="en-US" sz="1050" noProof="0" dirty="0" err="1">
-                <a:latin typeface="Helvetica 55 Roman" panose="020B0604020202020204" pitchFamily="34" charset="0"/>
-                <a:ea typeface="ＭＳ Ｐゴシック" pitchFamily="34" charset="-128"/>
-              </a:rPr>
-              <a:t>facilisis</a:t>
-            </a:r>
-            <a:r>
-              <a:rPr lang="en-US" sz="1050" noProof="0" dirty="0">
-                <a:latin typeface="Helvetica 55 Roman" panose="020B0604020202020204" pitchFamily="34" charset="0"/>
-                <a:ea typeface="ＭＳ Ｐゴシック" pitchFamily="34" charset="-128"/>
-              </a:rPr>
-              <a:t> </a:t>
-            </a:r>
-            <a:r>
-              <a:rPr lang="en-US" sz="1050" noProof="0" dirty="0" err="1">
-                <a:latin typeface="Helvetica 55 Roman" panose="020B0604020202020204" pitchFamily="34" charset="0"/>
-                <a:ea typeface="ＭＳ Ｐゴシック" pitchFamily="34" charset="-128"/>
-              </a:rPr>
-              <a:t>condimentum</a:t>
-            </a:r>
-            <a:r>
-              <a:rPr lang="en-US" sz="1050" noProof="0" dirty="0">
-                <a:latin typeface="Helvetica 55 Roman" panose="020B0604020202020204" pitchFamily="34" charset="0"/>
-                <a:ea typeface="ＭＳ Ｐゴシック" pitchFamily="34" charset="-128"/>
-              </a:rPr>
-              <a:t>, ligula </a:t>
-            </a:r>
-            <a:r>
-              <a:rPr lang="en-US" sz="1050" noProof="0" dirty="0" err="1">
-                <a:latin typeface="Helvetica 55 Roman" panose="020B0604020202020204" pitchFamily="34" charset="0"/>
-                <a:ea typeface="ＭＳ Ｐゴシック" pitchFamily="34" charset="-128"/>
-              </a:rPr>
-              <a:t>augue</a:t>
-            </a:r>
-            <a:r>
-              <a:rPr lang="en-US" sz="1050" noProof="0" dirty="0">
-                <a:latin typeface="Helvetica 55 Roman" panose="020B0604020202020204" pitchFamily="34" charset="0"/>
-                <a:ea typeface="ＭＳ Ｐゴシック" pitchFamily="34" charset="-128"/>
-              </a:rPr>
-              <a:t> </a:t>
-            </a:r>
-            <a:r>
-              <a:rPr lang="en-US" sz="1050" noProof="0" dirty="0" err="1">
-                <a:latin typeface="Helvetica 55 Roman" panose="020B0604020202020204" pitchFamily="34" charset="0"/>
-                <a:ea typeface="ＭＳ Ｐゴシック" pitchFamily="34" charset="-128"/>
-              </a:rPr>
-              <a:t>porttitor</a:t>
-            </a:r>
-            <a:r>
-              <a:rPr lang="en-US" sz="1050" noProof="0" dirty="0">
-                <a:latin typeface="Helvetica 55 Roman" panose="020B0604020202020204" pitchFamily="34" charset="0"/>
-                <a:ea typeface="ＭＳ Ｐゴシック" pitchFamily="34" charset="-128"/>
-              </a:rPr>
-              <a:t> </a:t>
-            </a:r>
-            <a:r>
-              <a:rPr lang="en-US" sz="1050" noProof="0" dirty="0" err="1">
-                <a:latin typeface="Helvetica 55 Roman" panose="020B0604020202020204" pitchFamily="34" charset="0"/>
-                <a:ea typeface="ＭＳ Ｐゴシック" pitchFamily="34" charset="-128"/>
-              </a:rPr>
-              <a:t>lacusamet</a:t>
-            </a:r>
-            <a:r>
-              <a:rPr lang="en-US" sz="1050" noProof="0" dirty="0">
-                <a:latin typeface="Helvetica 55 Roman" panose="020B0604020202020204" pitchFamily="34" charset="0"/>
-                <a:ea typeface="ＭＳ Ｐゴシック" pitchFamily="34" charset="-128"/>
-              </a:rPr>
-              <a:t>, ligula </a:t>
-            </a:r>
-            <a:r>
-              <a:rPr lang="en-US" sz="1050" noProof="0" dirty="0" err="1">
-                <a:latin typeface="Helvetica 55 Roman" panose="020B0604020202020204" pitchFamily="34" charset="0"/>
-                <a:ea typeface="ＭＳ Ｐゴシック" pitchFamily="34" charset="-128"/>
-              </a:rPr>
-              <a:t>consectetur</a:t>
-            </a:r>
-            <a:r>
-              <a:rPr lang="en-US" sz="1050" noProof="0" dirty="0">
-                <a:latin typeface="Helvetica 55 Roman" panose="020B0604020202020204" pitchFamily="34" charset="0"/>
-                <a:ea typeface="ＭＳ Ｐゴシック" pitchFamily="34" charset="-128"/>
-              </a:rPr>
-              <a:t> </a:t>
-            </a:r>
-            <a:r>
-              <a:rPr lang="en-US" sz="1050" noProof="0" dirty="0" err="1">
-                <a:latin typeface="Helvetica 55 Roman" panose="020B0604020202020204" pitchFamily="34" charset="0"/>
-                <a:ea typeface="ＭＳ Ｐゴシック" pitchFamily="34" charset="-128"/>
-              </a:rPr>
-              <a:t>porttitor</a:t>
-            </a:r>
-            <a:r>
-              <a:rPr lang="en-US" sz="1050" noProof="0" dirty="0">
-                <a:latin typeface="Helvetica 55 Roman" panose="020B0604020202020204" pitchFamily="34" charset="0"/>
-                <a:ea typeface="ＭＳ Ｐゴシック" pitchFamily="34" charset="-128"/>
-              </a:rPr>
-              <a:t>.</a:t>
-            </a:r>
-          </a:p>
-        </p:txBody>
-      </p:sp>
-      <p:cxnSp>
-        <p:nvCxnSpPr>
-          <p:cNvPr id="34" name="Straight Connector 91"/>
-          <p:cNvCxnSpPr/>
-          <p:nvPr/>
-        </p:nvCxnSpPr>
-        <p:spPr>
-          <a:xfrm>
-            <a:off x="2331832" y="1473894"/>
-            <a:ext cx="0" cy="2754040"/>
-          </a:xfrm>
-          <a:prstGeom prst="line">
-            <a:avLst/>
-          </a:prstGeom>
-          <a:ln w="25400">
-            <a:solidFill>
-              <a:schemeClr val="accent1"/>
-            </a:solidFill>
-          </a:ln>
-        </p:spPr>
-        <p:style>
-          <a:lnRef idx="1">
-            <a:schemeClr val="accent1"/>
-          </a:lnRef>
-          <a:fillRef idx="0">
-            <a:schemeClr val="accent1"/>
-          </a:fillRef>
-          <a:effectRef idx="0">
-            <a:schemeClr val="accent1"/>
-          </a:effectRef>
-          <a:fontRef idx="minor">
-            <a:schemeClr val="tx1"/>
-          </a:fontRef>
-        </p:style>
-      </p:cxnSp>
-      <p:cxnSp>
-        <p:nvCxnSpPr>
-          <p:cNvPr id="35" name="Straight Connector 92"/>
-          <p:cNvCxnSpPr/>
-          <p:nvPr/>
-        </p:nvCxnSpPr>
-        <p:spPr>
-          <a:xfrm>
-            <a:off x="4456303" y="1473894"/>
-            <a:ext cx="0" cy="2754040"/>
-          </a:xfrm>
-          <a:prstGeom prst="line">
-            <a:avLst/>
-          </a:prstGeom>
-          <a:ln w="25400">
-            <a:solidFill>
-              <a:schemeClr val="accent1"/>
-            </a:solidFill>
-          </a:ln>
-        </p:spPr>
-        <p:style>
-          <a:lnRef idx="1">
-            <a:schemeClr val="accent1"/>
-          </a:lnRef>
-          <a:fillRef idx="0">
-            <a:schemeClr val="accent1"/>
-          </a:fillRef>
-          <a:effectRef idx="0">
-            <a:schemeClr val="accent1"/>
-          </a:effectRef>
-          <a:fontRef idx="minor">
-            <a:schemeClr val="tx1"/>
-          </a:fontRef>
-        </p:style>
-      </p:cxnSp>
-      <p:cxnSp>
-        <p:nvCxnSpPr>
-          <p:cNvPr id="36" name="Straight Connector 93"/>
-          <p:cNvCxnSpPr/>
-          <p:nvPr/>
-        </p:nvCxnSpPr>
-        <p:spPr>
-          <a:xfrm>
-            <a:off x="6591890" y="1473894"/>
-            <a:ext cx="0" cy="2754040"/>
-          </a:xfrm>
-          <a:prstGeom prst="line">
-            <a:avLst/>
-          </a:prstGeom>
-          <a:ln w="25400">
-            <a:solidFill>
-              <a:schemeClr val="accent1"/>
-            </a:solidFill>
-          </a:ln>
-        </p:spPr>
-        <p:style>
-          <a:lnRef idx="1">
-            <a:schemeClr val="accent1"/>
-          </a:lnRef>
-          <a:fillRef idx="0">
-            <a:schemeClr val="accent1"/>
-          </a:fillRef>
-          <a:effectRef idx="0">
-            <a:schemeClr val="accent1"/>
-          </a:effectRef>
-          <a:fontRef idx="minor">
-            <a:schemeClr val="tx1"/>
-          </a:fontRef>
-        </p:style>
-      </p:cxnSp>
-    </p:spTree>
-    <p:extLst>
-      <p:ext uri="{BB962C8B-B14F-4D97-AF65-F5344CB8AC3E}">
-        <p14:creationId xmlns:p14="http://schemas.microsoft.com/office/powerpoint/2010/main" val="1317951383"/>
-      </p:ext>
-    </p:extLst>
-  </p:cSld>
-  <p:clrMapOvr>
-    <a:masterClrMapping/>
-  </p:clrMapOvr>
-  <mc:AlternateContent xmlns:mc="http://schemas.openxmlformats.org/markup-compatibility/2006" xmlns:p14="http://schemas.microsoft.com/office/powerpoint/2010/main">
-    <mc:Choice Requires="p14">
-      <p:transition spd="med" p14:dur="700">
-        <p:fade/>
-      </p:transition>
-    </mc:Choice>
-    <mc:Fallback xmlns="">
-      <p:transition spd="med">
-        <p:fade/>
-      </p:transition>
-    </mc:Fallback>
-  </mc:AlternateContent>
-</p:sld>
-</file>
-
-<file path=ppt/slides/slide9.xml><?xml version="1.0" encoding="utf-8"?>
-<p:sld xmlns:a="http://schemas.openxmlformats.org/drawingml/2006/main" xmlns:r="http://schemas.openxmlformats.org/officeDocument/2006/relationships" xmlns:p="http://schemas.openxmlformats.org/presentationml/2006/main">
-  <p:cSld>
-    <p:spTree>
-      <p:nvGrpSpPr>
-        <p:cNvPr id="1" name=""/>
-        <p:cNvGrpSpPr/>
-        <p:nvPr/>
-      </p:nvGrpSpPr>
-      <p:grpSpPr>
-        <a:xfrm>
-          <a:off x="0" y="0"/>
-          <a:ext cx="0" cy="0"/>
-          <a:chOff x="0" y="0"/>
-          <a:chExt cx="0" cy="0"/>
-        </a:xfrm>
-      </p:grpSpPr>
-      <p:sp>
-        <p:nvSpPr>
-          <p:cNvPr id="8" name="Text Placeholder 7"/>
-          <p:cNvSpPr>
-            <a:spLocks noGrp="1"/>
-          </p:cNvSpPr>
-          <p:nvPr>
-            <p:ph type="body" sz="quarter" idx="12"/>
-          </p:nvPr>
-        </p:nvSpPr>
-        <p:spPr>
-          <a:xfrm>
-            <a:off x="3576766" y="2437940"/>
-            <a:ext cx="3622523" cy="540820"/>
-          </a:xfrm>
-        </p:spPr>
-        <p:txBody>
-          <a:bodyPr>
-            <a:noAutofit/>
-          </a:bodyPr>
-          <a:lstStyle/>
-          <a:p>
-            <a:r>
-              <a:rPr lang="en-US" sz="4800" noProof="0" dirty="0"/>
-              <a:t>Conclusion</a:t>
-            </a:r>
-          </a:p>
-        </p:txBody>
-      </p:sp>
-      <p:sp>
-        <p:nvSpPr>
-          <p:cNvPr id="20" name="Rectangle 19"/>
-          <p:cNvSpPr/>
-          <p:nvPr/>
-        </p:nvSpPr>
-        <p:spPr>
-          <a:xfrm>
-            <a:off x="278780" y="4705351"/>
-            <a:ext cx="1204332" cy="279244"/>
-          </a:xfrm>
-          <a:prstGeom prst="rect">
-            <a:avLst/>
-          </a:prstGeom>
-          <a:solidFill>
-            <a:schemeClr val="bg1"/>
-          </a:solidFill>
-          <a:ln>
-            <a:noFill/>
-          </a:ln>
-        </p:spPr>
-        <p:style>
-          <a:lnRef idx="2">
-            <a:schemeClr val="accent1">
-              <a:shade val="50000"/>
-            </a:schemeClr>
-          </a:lnRef>
-          <a:fillRef idx="1">
-            <a:schemeClr val="accent1"/>
-          </a:fillRef>
-          <a:effectRef idx="0">
-            <a:schemeClr val="accent1"/>
-          </a:effectRef>
-          <a:fontRef idx="minor">
-            <a:schemeClr val="lt1"/>
-          </a:fontRef>
-        </p:style>
-        <p:txBody>
-          <a:bodyPr rtlCol="0" anchor="ctr"/>
-          <a:lstStyle/>
-          <a:p>
-            <a:pPr algn="ctr"/>
-            <a:endParaRPr lang="en-US" sz="1600" noProof="0" dirty="0">
-              <a:solidFill>
-                <a:srgbClr val="000000"/>
-              </a:solidFill>
-            </a:endParaRPr>
-          </a:p>
-        </p:txBody>
-      </p:sp>
-      <p:pic>
-        <p:nvPicPr>
-          <p:cNvPr id="3" name="Image 2">
-            <a:extLst>
-              <a:ext uri="{FF2B5EF4-FFF2-40B4-BE49-F238E27FC236}">
-                <a16:creationId xmlns:a16="http://schemas.microsoft.com/office/drawing/2014/main" id="{1C07A415-9EDA-7E92-8627-3A778F6277C8}"/>
-              </a:ext>
-            </a:extLst>
-          </p:cNvPr>
-          <p:cNvPicPr>
-            <a:picLocks noChangeAspect="1"/>
-          </p:cNvPicPr>
-          <p:nvPr/>
-        </p:nvPicPr>
-        <p:blipFill>
-          <a:blip r:embed="rId3">
-            <a:extLst>
-              <a:ext uri="{28A0092B-C50C-407E-A947-70E740481C1C}">
-                <a14:useLocalDpi xmlns:a14="http://schemas.microsoft.com/office/drawing/2010/main" val="0"/>
-              </a:ext>
-            </a:extLst>
-          </a:blip>
-          <a:stretch>
-            <a:fillRect/>
-          </a:stretch>
-        </p:blipFill>
-        <p:spPr>
-          <a:xfrm>
-            <a:off x="408517" y="1220333"/>
-            <a:ext cx="2976033" cy="2976033"/>
-          </a:xfrm>
-          <a:prstGeom prst="rect">
-            <a:avLst/>
-          </a:prstGeom>
-        </p:spPr>
-      </p:pic>
-    </p:spTree>
-    <p:extLst>
-      <p:ext uri="{BB962C8B-B14F-4D97-AF65-F5344CB8AC3E}">
-        <p14:creationId xmlns:p14="http://schemas.microsoft.com/office/powerpoint/2010/main" val="850927282"/>
       </p:ext>
     </p:extLst>
   </p:cSld>
@@ -20963,17 +24686,6 @@
 </file>
 
 <file path=customXml/item1.xml><?xml version="1.0" encoding="utf-8"?>
-<p:properties xmlns:p="http://schemas.microsoft.com/office/2006/metadata/properties" xmlns:xsi="http://www.w3.org/2001/XMLSchema-instance" xmlns:pc="http://schemas.microsoft.com/office/infopath/2007/PartnerControls">
-  <documentManagement>
-    <TaxCatchAll xmlns="eff491a8-9e89-43ed-bdac-cae08270df65" xsi:nil="true"/>
-    <lcf76f155ced4ddcb4097134ff3c332f xmlns="171f1213-7bf6-4d86-990a-6b8ce816bd43">
-      <Terms xmlns="http://schemas.microsoft.com/office/infopath/2007/PartnerControls"/>
-    </lcf76f155ced4ddcb4097134ff3c332f>
-  </documentManagement>
-</p:properties>
-</file>
-
-<file path=customXml/item2.xml><?xml version="1.0" encoding="utf-8"?>
 <ct:contentTypeSchema xmlns:ct="http://schemas.microsoft.com/office/2006/metadata/contentType" xmlns:ma="http://schemas.microsoft.com/office/2006/metadata/properties/metaAttributes" ct:_="" ma:_="" ma:contentTypeName="Document" ma:contentTypeID="0x0101001CA32C140A078341B5F80E20CC80637A" ma:contentTypeVersion="16" ma:contentTypeDescription="Crée un document." ma:contentTypeScope="" ma:versionID="546d018dda1d24d933136aa4939ad88f">
   <xsd:schema xmlns:xsd="http://www.w3.org/2001/XMLSchema" xmlns:xs="http://www.w3.org/2001/XMLSchema" xmlns:p="http://schemas.microsoft.com/office/2006/metadata/properties" xmlns:ns2="171f1213-7bf6-4d86-990a-6b8ce816bd43" xmlns:ns3="eff491a8-9e89-43ed-bdac-cae08270df65" targetNamespace="http://schemas.microsoft.com/office/2006/metadata/properties" ma:root="true" ma:fieldsID="6e1ae2b7d1eaf98eb406aedefb875955" ns2:_="" ns3:_="">
     <xsd:import namespace="171f1213-7bf6-4d86-990a-6b8ce816bd43"/>
@@ -21214,6 +24926,17 @@
 </ct:contentTypeSchema>
 </file>
 
+<file path=customXml/item2.xml><?xml version="1.0" encoding="utf-8"?>
+<p:properties xmlns:p="http://schemas.microsoft.com/office/2006/metadata/properties" xmlns:xsi="http://www.w3.org/2001/XMLSchema-instance" xmlns:pc="http://schemas.microsoft.com/office/infopath/2007/PartnerControls">
+  <documentManagement>
+    <TaxCatchAll xmlns="eff491a8-9e89-43ed-bdac-cae08270df65" xsi:nil="true"/>
+    <lcf76f155ced4ddcb4097134ff3c332f xmlns="171f1213-7bf6-4d86-990a-6b8ce816bd43">
+      <Terms xmlns="http://schemas.microsoft.com/office/infopath/2007/PartnerControls"/>
+    </lcf76f155ced4ddcb4097134ff3c332f>
+  </documentManagement>
+</p:properties>
+</file>
+
 <file path=customXml/item3.xml><?xml version="1.0" encoding="utf-8"?>
 <?mso-contentType ?>
 <FormTemplates xmlns="http://schemas.microsoft.com/sharepoint/v3/contenttype/forms">
@@ -21224,24 +24947,6 @@
 </file>
 
 <file path=customXml/itemProps1.xml><?xml version="1.0" encoding="utf-8"?>
-<ds:datastoreItem xmlns:ds="http://schemas.openxmlformats.org/officeDocument/2006/customXml" ds:itemID="{54B223DC-0EA2-4B5D-8283-CB961A092825}">
-  <ds:schemaRefs>
-    <ds:schemaRef ds:uri="http://schemas.microsoft.com/office/2006/documentManagement/types"/>
-    <ds:schemaRef ds:uri="http://purl.org/dc/elements/1.1/"/>
-    <ds:schemaRef ds:uri="http://schemas.microsoft.com/office/2006/metadata/properties"/>
-    <ds:schemaRef ds:uri="http://schemas.microsoft.com/sharepoint/v3"/>
-    <ds:schemaRef ds:uri="http://purl.org/dc/terms/"/>
-    <ds:schemaRef ds:uri="http://schemas.openxmlformats.org/package/2006/metadata/core-properties"/>
-    <ds:schemaRef ds:uri="http://purl.org/dc/dcmitype/"/>
-    <ds:schemaRef ds:uri="http://schemas.microsoft.com/office/infopath/2007/PartnerControls"/>
-    <ds:schemaRef ds:uri="http://www.w3.org/XML/1998/namespace"/>
-    <ds:schemaRef ds:uri="eff491a8-9e89-43ed-bdac-cae08270df65"/>
-    <ds:schemaRef ds:uri="171f1213-7bf6-4d86-990a-6b8ce816bd43"/>
-  </ds:schemaRefs>
-</ds:datastoreItem>
-</file>
-
-<file path=customXml/itemProps2.xml><?xml version="1.0" encoding="utf-8"?>
 <ds:datastoreItem xmlns:ds="http://schemas.openxmlformats.org/officeDocument/2006/customXml" ds:itemID="{702E500B-C12C-4E9E-A03B-EBA9A45F5EED}">
   <ds:schemaRefs>
     <ds:schemaRef ds:uri="http://schemas.microsoft.com/office/2006/metadata/contentType"/>
@@ -21260,6 +24965,24 @@
 </ds:datastoreItem>
 </file>
 
+<file path=customXml/itemProps2.xml><?xml version="1.0" encoding="utf-8"?>
+<ds:datastoreItem xmlns:ds="http://schemas.openxmlformats.org/officeDocument/2006/customXml" ds:itemID="{54B223DC-0EA2-4B5D-8283-CB961A092825}">
+  <ds:schemaRefs>
+    <ds:schemaRef ds:uri="http://schemas.microsoft.com/office/2006/documentManagement/types"/>
+    <ds:schemaRef ds:uri="http://purl.org/dc/elements/1.1/"/>
+    <ds:schemaRef ds:uri="http://schemas.microsoft.com/office/2006/metadata/properties"/>
+    <ds:schemaRef ds:uri="http://schemas.microsoft.com/sharepoint/v3"/>
+    <ds:schemaRef ds:uri="http://purl.org/dc/terms/"/>
+    <ds:schemaRef ds:uri="http://schemas.openxmlformats.org/package/2006/metadata/core-properties"/>
+    <ds:schemaRef ds:uri="http://purl.org/dc/dcmitype/"/>
+    <ds:schemaRef ds:uri="http://schemas.microsoft.com/office/infopath/2007/PartnerControls"/>
+    <ds:schemaRef ds:uri="http://www.w3.org/XML/1998/namespace"/>
+    <ds:schemaRef ds:uri="eff491a8-9e89-43ed-bdac-cae08270df65"/>
+    <ds:schemaRef ds:uri="171f1213-7bf6-4d86-990a-6b8ce816bd43"/>
+  </ds:schemaRefs>
+</ds:datastoreItem>
+</file>
+
 <file path=customXml/itemProps3.xml><?xml version="1.0" encoding="utf-8"?>
 <ds:datastoreItem xmlns:ds="http://schemas.openxmlformats.org/officeDocument/2006/customXml" ds:itemID="{7BC9E46E-2939-4C92-A847-189854327AFD}">
   <ds:schemaRefs>

--- a/presentation/LORA-RPoenaru.pptx
+++ b/presentation/LORA-RPoenaru.pptx
@@ -6,7 +6,7 @@
     <p:sldMasterId id="2147483658" r:id="rId5"/>
   </p:sldMasterIdLst>
   <p:notesMasterIdLst>
-    <p:notesMasterId r:id="rId18"/>
+    <p:notesMasterId r:id="rId19"/>
   </p:notesMasterIdLst>
   <p:sldIdLst>
     <p:sldId id="300" r:id="rId6"/>
@@ -16,11 +16,12 @@
     <p:sldId id="302" r:id="rId10"/>
     <p:sldId id="303" r:id="rId11"/>
     <p:sldId id="304" r:id="rId12"/>
-    <p:sldId id="292" r:id="rId13"/>
-    <p:sldId id="293" r:id="rId14"/>
-    <p:sldId id="294" r:id="rId15"/>
-    <p:sldId id="298" r:id="rId16"/>
-    <p:sldId id="287" r:id="rId17"/>
+    <p:sldId id="305" r:id="rId13"/>
+    <p:sldId id="292" r:id="rId14"/>
+    <p:sldId id="293" r:id="rId15"/>
+    <p:sldId id="294" r:id="rId16"/>
+    <p:sldId id="298" r:id="rId17"/>
+    <p:sldId id="287" r:id="rId18"/>
   </p:sldIdLst>
   <p:sldSz cx="9144000" cy="5143500" type="screen16x9"/>
   <p:notesSz cx="6858000" cy="9144000"/>
@@ -7970,7 +7971,7 @@
                 </a:solidFill>
               </a:rPr>
               <a:pPr/>
-              <a:t>11</a:t>
+              <a:t>12</a:t>
             </a:fld>
             <a:endParaRPr lang="en-GB">
               <a:solidFill>
@@ -17455,6 +17456,624 @@
         </p:nvSpPr>
         <p:spPr>
           <a:xfrm>
+            <a:off x="312817" y="4731990"/>
+            <a:ext cx="1162839" cy="216024"/>
+          </a:xfrm>
+          <a:prstGeom prst="rect">
+            <a:avLst/>
+          </a:prstGeom>
+          <a:solidFill>
+            <a:schemeClr val="bg1"/>
+          </a:solidFill>
+          <a:ln>
+            <a:noFill/>
+          </a:ln>
+        </p:spPr>
+        <p:style>
+          <a:lnRef idx="2">
+            <a:schemeClr val="accent1">
+              <a:shade val="50000"/>
+            </a:schemeClr>
+          </a:lnRef>
+          <a:fillRef idx="1">
+            <a:schemeClr val="accent1"/>
+          </a:fillRef>
+          <a:effectRef idx="0">
+            <a:schemeClr val="accent1"/>
+          </a:effectRef>
+          <a:fontRef idx="minor">
+            <a:schemeClr val="lt1"/>
+          </a:fontRef>
+        </p:style>
+        <p:txBody>
+          <a:bodyPr rtlCol="0" anchor="ctr"/>
+          <a:lstStyle/>
+          <a:p>
+            <a:pPr algn="ctr"/>
+            <a:endParaRPr lang="en-US" sz="1600" noProof="0" dirty="0">
+              <a:solidFill>
+                <a:srgbClr val="000000"/>
+              </a:solidFill>
+            </a:endParaRPr>
+          </a:p>
+        </p:txBody>
+      </p:sp>
+      <p:graphicFrame>
+        <p:nvGraphicFramePr>
+          <p:cNvPr id="41" name="Content Placeholder 4"/>
+          <p:cNvGraphicFramePr>
+            <a:graphicFrameLocks noGrp="1"/>
+          </p:cNvGraphicFramePr>
+          <p:nvPr>
+            <p:ph sz="half" idx="4294967295"/>
+            <p:extLst>
+              <p:ext uri="{D42A27DB-BD31-4B8C-83A1-F6EECF244321}">
+                <p14:modId xmlns:p14="http://schemas.microsoft.com/office/powerpoint/2010/main" val="1700908945"/>
+              </p:ext>
+            </p:extLst>
+          </p:nvPr>
+        </p:nvGraphicFramePr>
+        <p:xfrm>
+          <a:off x="3934256" y="1151490"/>
+          <a:ext cx="4404865" cy="3632622"/>
+        </p:xfrm>
+        <a:graphic>
+          <a:graphicData uri="http://schemas.openxmlformats.org/drawingml/2006/chart">
+            <c:chart xmlns:c="http://schemas.openxmlformats.org/drawingml/2006/chart" xmlns:r="http://schemas.openxmlformats.org/officeDocument/2006/relationships" r:id="rId2"/>
+          </a:graphicData>
+        </a:graphic>
+      </p:graphicFrame>
+      <p:sp>
+        <p:nvSpPr>
+          <p:cNvPr id="42" name="Content Placeholder 5"/>
+          <p:cNvSpPr>
+            <a:spLocks noGrp="1"/>
+          </p:cNvSpPr>
+          <p:nvPr>
+            <p:ph sz="half" idx="1"/>
+          </p:nvPr>
+        </p:nvSpPr>
+        <p:spPr>
+          <a:xfrm>
+            <a:off x="467544" y="1419622"/>
+            <a:ext cx="2890647" cy="3369252"/>
+          </a:xfrm>
+        </p:spPr>
+        <p:txBody>
+          <a:bodyPr/>
+          <a:lstStyle/>
+          <a:p>
+            <a:pPr>
+              <a:buClr>
+                <a:srgbClr val="FFFFFF"/>
+              </a:buClr>
+            </a:pPr>
+            <a:r>
+              <a:rPr lang="en-US" noProof="0" dirty="0">
+                <a:solidFill>
+                  <a:srgbClr val="FF7900"/>
+                </a:solidFill>
+              </a:rPr>
+              <a:t>Lorem ipsum dolor sit </a:t>
+            </a:r>
+            <a:r>
+              <a:rPr lang="en-US" noProof="0" dirty="0" err="1">
+                <a:solidFill>
+                  <a:srgbClr val="FF7900"/>
+                </a:solidFill>
+              </a:rPr>
+              <a:t>amet</a:t>
+            </a:r>
+            <a:r>
+              <a:rPr lang="en-US" noProof="0" dirty="0">
+                <a:solidFill>
+                  <a:srgbClr val="FF7900"/>
+                </a:solidFill>
+              </a:rPr>
+              <a:t>, </a:t>
+            </a:r>
+            <a:r>
+              <a:rPr lang="en-US" noProof="0" dirty="0" err="1">
+                <a:solidFill>
+                  <a:srgbClr val="FF7900"/>
+                </a:solidFill>
+              </a:rPr>
+              <a:t>consectetur</a:t>
+            </a:r>
+            <a:r>
+              <a:rPr lang="en-US" noProof="0" dirty="0">
+                <a:solidFill>
+                  <a:srgbClr val="FF7900"/>
+                </a:solidFill>
+              </a:rPr>
+              <a:t> </a:t>
+            </a:r>
+            <a:r>
+              <a:rPr lang="en-US" noProof="0" dirty="0" err="1">
+                <a:solidFill>
+                  <a:srgbClr val="FF7900"/>
+                </a:solidFill>
+              </a:rPr>
+              <a:t>adipiscing</a:t>
+            </a:r>
+            <a:r>
+              <a:rPr lang="en-US" noProof="0" dirty="0">
+                <a:solidFill>
+                  <a:srgbClr val="FF7900"/>
+                </a:solidFill>
+              </a:rPr>
+              <a:t> </a:t>
+            </a:r>
+            <a:r>
+              <a:rPr lang="en-US" noProof="0" dirty="0" err="1">
+                <a:solidFill>
+                  <a:srgbClr val="FF7900"/>
+                </a:solidFill>
+              </a:rPr>
+              <a:t>elit</a:t>
+            </a:r>
+            <a:r>
+              <a:rPr lang="en-US" noProof="0" dirty="0">
+                <a:solidFill>
+                  <a:srgbClr val="FF7900"/>
+                </a:solidFill>
+              </a:rPr>
+              <a:t>. </a:t>
+            </a:r>
+            <a:br>
+              <a:rPr lang="en-US" noProof="0" dirty="0">
+                <a:solidFill>
+                  <a:srgbClr val="FF7900"/>
+                </a:solidFill>
+              </a:rPr>
+            </a:br>
+            <a:r>
+              <a:rPr lang="en-US" noProof="0" dirty="0">
+                <a:solidFill>
+                  <a:srgbClr val="FF7900"/>
+                </a:solidFill>
+              </a:rPr>
+              <a:t>Sed </a:t>
+            </a:r>
+            <a:r>
+              <a:rPr lang="en-US" noProof="0" dirty="0" err="1">
+                <a:solidFill>
+                  <a:srgbClr val="FF7900"/>
+                </a:solidFill>
+              </a:rPr>
+              <a:t>rhoncus</a:t>
+            </a:r>
+            <a:r>
+              <a:rPr lang="en-US" noProof="0" dirty="0">
+                <a:solidFill>
+                  <a:srgbClr val="FF7900"/>
+                </a:solidFill>
+              </a:rPr>
+              <a:t>, nisi </a:t>
+            </a:r>
+            <a:r>
+              <a:rPr lang="en-US" noProof="0" dirty="0" err="1">
+                <a:solidFill>
+                  <a:srgbClr val="FF7900"/>
+                </a:solidFill>
+              </a:rPr>
+              <a:t>eu</a:t>
+            </a:r>
+            <a:r>
+              <a:rPr lang="en-US" noProof="0" dirty="0">
+                <a:solidFill>
+                  <a:srgbClr val="FF7900"/>
+                </a:solidFill>
+              </a:rPr>
+              <a:t> </a:t>
+            </a:r>
+            <a:r>
+              <a:rPr lang="en-US" noProof="0" dirty="0" err="1">
+                <a:solidFill>
+                  <a:srgbClr val="FF7900"/>
+                </a:solidFill>
+              </a:rPr>
+              <a:t>facilisis</a:t>
+            </a:r>
+            <a:r>
+              <a:rPr lang="en-US" noProof="0" dirty="0">
+                <a:solidFill>
+                  <a:srgbClr val="FF7900"/>
+                </a:solidFill>
+              </a:rPr>
+              <a:t> </a:t>
+            </a:r>
+            <a:r>
+              <a:rPr lang="en-US" noProof="0" dirty="0" err="1">
+                <a:solidFill>
+                  <a:srgbClr val="FF7900"/>
+                </a:solidFill>
+              </a:rPr>
+              <a:t>condimentum</a:t>
+            </a:r>
+            <a:r>
+              <a:rPr lang="en-US" noProof="0" dirty="0">
+                <a:solidFill>
+                  <a:srgbClr val="FF7900"/>
+                </a:solidFill>
+              </a:rPr>
+              <a:t>, ligula </a:t>
+            </a:r>
+            <a:r>
+              <a:rPr lang="en-US" noProof="0" dirty="0" err="1">
+                <a:solidFill>
+                  <a:srgbClr val="FF7900"/>
+                </a:solidFill>
+              </a:rPr>
+              <a:t>augue</a:t>
+            </a:r>
+            <a:r>
+              <a:rPr lang="en-US" noProof="0" dirty="0">
+                <a:solidFill>
+                  <a:srgbClr val="FF7900"/>
+                </a:solidFill>
+              </a:rPr>
+              <a:t> </a:t>
+            </a:r>
+            <a:br>
+              <a:rPr lang="en-US" noProof="0" dirty="0">
+                <a:solidFill>
+                  <a:srgbClr val="FF7900"/>
+                </a:solidFill>
+              </a:rPr>
+            </a:br>
+            <a:r>
+              <a:rPr lang="en-US" noProof="0" dirty="0" err="1">
+                <a:solidFill>
+                  <a:srgbClr val="FF7900"/>
+                </a:solidFill>
+              </a:rPr>
+              <a:t>porttitor</a:t>
+            </a:r>
+            <a:r>
+              <a:rPr lang="en-US" noProof="0" dirty="0">
+                <a:solidFill>
+                  <a:srgbClr val="FF7900"/>
+                </a:solidFill>
+              </a:rPr>
+              <a:t> </a:t>
+            </a:r>
+            <a:r>
+              <a:rPr lang="en-US" noProof="0" dirty="0" err="1">
+                <a:solidFill>
+                  <a:srgbClr val="FF7900"/>
+                </a:solidFill>
+              </a:rPr>
+              <a:t>lacus</a:t>
+            </a:r>
+            <a:r>
+              <a:rPr lang="en-US" noProof="0" dirty="0">
+                <a:solidFill>
+                  <a:srgbClr val="FF7900"/>
+                </a:solidFill>
+              </a:rPr>
+              <a:t>.</a:t>
+            </a:r>
+          </a:p>
+          <a:p>
+            <a:pPr>
+              <a:spcBef>
+                <a:spcPts val="1200"/>
+              </a:spcBef>
+              <a:buClr>
+                <a:srgbClr val="FFFFFF"/>
+              </a:buClr>
+            </a:pPr>
+            <a:r>
+              <a:rPr lang="en-US" noProof="0" dirty="0" err="1">
+                <a:solidFill>
+                  <a:schemeClr val="tx1"/>
+                </a:solidFill>
+              </a:rPr>
+              <a:t>Nulla</a:t>
+            </a:r>
+            <a:r>
+              <a:rPr lang="en-US" noProof="0" dirty="0">
+                <a:solidFill>
+                  <a:schemeClr val="tx1"/>
+                </a:solidFill>
+              </a:rPr>
+              <a:t> sit </a:t>
+            </a:r>
+            <a:r>
+              <a:rPr lang="en-US" noProof="0" dirty="0" err="1">
+                <a:solidFill>
+                  <a:schemeClr val="tx1"/>
+                </a:solidFill>
+              </a:rPr>
+              <a:t>amet</a:t>
+            </a:r>
+            <a:r>
+              <a:rPr lang="en-US" noProof="0" dirty="0">
+                <a:solidFill>
+                  <a:schemeClr val="tx1"/>
+                </a:solidFill>
+              </a:rPr>
+              <a:t> </a:t>
+            </a:r>
+            <a:r>
+              <a:rPr lang="en-US" noProof="0" dirty="0" err="1">
+                <a:solidFill>
+                  <a:schemeClr val="tx1"/>
+                </a:solidFill>
+              </a:rPr>
+              <a:t>quam</a:t>
+            </a:r>
+            <a:r>
+              <a:rPr lang="en-US" noProof="0" dirty="0">
+                <a:solidFill>
+                  <a:schemeClr val="tx1"/>
+                </a:solidFill>
+              </a:rPr>
+              <a:t> </a:t>
+            </a:r>
+            <a:r>
+              <a:rPr lang="en-US" noProof="0" dirty="0" err="1">
+                <a:solidFill>
+                  <a:schemeClr val="tx1"/>
+                </a:solidFill>
+              </a:rPr>
+              <a:t>justo</a:t>
+            </a:r>
+            <a:r>
+              <a:rPr lang="en-US" noProof="0" dirty="0">
+                <a:solidFill>
+                  <a:schemeClr val="tx1"/>
+                </a:solidFill>
+              </a:rPr>
+              <a:t>:</a:t>
+            </a:r>
+          </a:p>
+          <a:p>
+            <a:pPr lvl="2">
+              <a:buClr>
+                <a:srgbClr val="FF7900"/>
+              </a:buClr>
+            </a:pPr>
+            <a:r>
+              <a:rPr lang="en-US" noProof="0" dirty="0"/>
+              <a:t>Lorem ipsum dolor sit </a:t>
+            </a:r>
+            <a:r>
+              <a:rPr lang="en-US" noProof="0" dirty="0" err="1"/>
+              <a:t>amet</a:t>
+            </a:r>
+            <a:r>
+              <a:rPr lang="en-US" noProof="0" dirty="0"/>
+              <a:t>, </a:t>
+            </a:r>
+            <a:r>
+              <a:rPr lang="en-US" noProof="0" dirty="0" err="1"/>
+              <a:t>consectetur</a:t>
+            </a:r>
+            <a:r>
+              <a:rPr lang="en-US" noProof="0" dirty="0"/>
+              <a:t> </a:t>
+            </a:r>
+            <a:r>
+              <a:rPr lang="en-US" noProof="0" dirty="0" err="1"/>
+              <a:t>adipiscing</a:t>
+            </a:r>
+            <a:r>
+              <a:rPr lang="en-US" noProof="0" dirty="0"/>
+              <a:t> </a:t>
+            </a:r>
+            <a:r>
+              <a:rPr lang="en-US" noProof="0" dirty="0" err="1"/>
+              <a:t>elit</a:t>
+            </a:r>
+            <a:r>
+              <a:rPr lang="en-US" noProof="0" dirty="0"/>
+              <a:t>. </a:t>
+            </a:r>
+            <a:br>
+              <a:rPr lang="en-US" noProof="0" dirty="0"/>
+            </a:br>
+            <a:r>
+              <a:rPr lang="en-US" noProof="0" dirty="0"/>
+              <a:t>Sed </a:t>
+            </a:r>
+            <a:r>
+              <a:rPr lang="en-US" noProof="0" dirty="0" err="1"/>
+              <a:t>rhoncus</a:t>
+            </a:r>
+            <a:endParaRPr lang="en-US" noProof="0" dirty="0"/>
+          </a:p>
+          <a:p>
+            <a:pPr lvl="2">
+              <a:buClr>
+                <a:srgbClr val="FF7900"/>
+              </a:buClr>
+            </a:pPr>
+            <a:r>
+              <a:rPr lang="en-US" noProof="0" dirty="0" err="1"/>
+              <a:t>Nulla</a:t>
+            </a:r>
+            <a:r>
+              <a:rPr lang="en-US" noProof="0" dirty="0"/>
+              <a:t> sit </a:t>
+            </a:r>
+            <a:r>
+              <a:rPr lang="en-US" noProof="0" dirty="0" err="1"/>
+              <a:t>amet</a:t>
+            </a:r>
+            <a:r>
+              <a:rPr lang="en-US" noProof="0" dirty="0"/>
+              <a:t> </a:t>
+            </a:r>
+            <a:r>
+              <a:rPr lang="en-US" noProof="0" dirty="0" err="1"/>
+              <a:t>quam</a:t>
+            </a:r>
+            <a:r>
+              <a:rPr lang="en-US" noProof="0" dirty="0"/>
+              <a:t> </a:t>
+            </a:r>
+            <a:r>
+              <a:rPr lang="en-US" noProof="0" dirty="0" err="1"/>
+              <a:t>justo</a:t>
+            </a:r>
+            <a:r>
+              <a:rPr lang="en-US" noProof="0" dirty="0"/>
+              <a:t> </a:t>
+            </a:r>
+            <a:r>
+              <a:rPr lang="en-US" noProof="0" dirty="0" err="1"/>
+              <a:t>eu</a:t>
+            </a:r>
+            <a:r>
+              <a:rPr lang="en-US" noProof="0" dirty="0"/>
+              <a:t> </a:t>
+            </a:r>
+            <a:br>
+              <a:rPr lang="en-US" noProof="0" dirty="0"/>
+            </a:br>
+            <a:r>
+              <a:rPr lang="en-US" noProof="0" dirty="0" err="1"/>
+              <a:t>iaculis</a:t>
+            </a:r>
+            <a:r>
+              <a:rPr lang="en-US" noProof="0" dirty="0"/>
+              <a:t> </a:t>
+            </a:r>
+            <a:r>
+              <a:rPr lang="en-US" noProof="0" dirty="0" err="1"/>
+              <a:t>tortor</a:t>
+            </a:r>
+            <a:r>
+              <a:rPr lang="en-US" noProof="0" dirty="0"/>
+              <a:t> nisi a </a:t>
+            </a:r>
+            <a:r>
+              <a:rPr lang="en-US" noProof="0" dirty="0" err="1"/>
+              <a:t>augue</a:t>
+            </a:r>
+            <a:r>
+              <a:rPr lang="en-US" noProof="0" dirty="0"/>
+              <a:t>.</a:t>
+            </a:r>
+          </a:p>
+        </p:txBody>
+      </p:sp>
+    </p:spTree>
+    <p:extLst>
+      <p:ext uri="{BB962C8B-B14F-4D97-AF65-F5344CB8AC3E}">
+        <p14:creationId xmlns:p14="http://schemas.microsoft.com/office/powerpoint/2010/main" val="1208178559"/>
+      </p:ext>
+    </p:extLst>
+  </p:cSld>
+  <p:clrMapOvr>
+    <a:masterClrMapping/>
+  </p:clrMapOvr>
+  <mc:AlternateContent xmlns:mc="http://schemas.openxmlformats.org/markup-compatibility/2006" xmlns:p14="http://schemas.microsoft.com/office/powerpoint/2010/main">
+    <mc:Choice Requires="p14">
+      <p:transition spd="med" p14:dur="700">
+        <p:fade/>
+      </p:transition>
+    </mc:Choice>
+    <mc:Fallback xmlns="">
+      <p:transition spd="med">
+        <p:fade/>
+      </p:transition>
+    </mc:Fallback>
+  </mc:AlternateContent>
+</p:sld>
+</file>
+
+<file path=ppt/slides/slide11.xml><?xml version="1.0" encoding="utf-8"?>
+<p:sld xmlns:a="http://schemas.openxmlformats.org/drawingml/2006/main" xmlns:r="http://schemas.openxmlformats.org/officeDocument/2006/relationships" xmlns:p="http://schemas.openxmlformats.org/presentationml/2006/main">
+  <p:cSld>
+    <p:spTree>
+      <p:nvGrpSpPr>
+        <p:cNvPr id="1" name=""/>
+        <p:cNvGrpSpPr/>
+        <p:nvPr/>
+      </p:nvGrpSpPr>
+      <p:grpSpPr>
+        <a:xfrm>
+          <a:off x="0" y="0"/>
+          <a:ext cx="0" cy="0"/>
+          <a:chOff x="0" y="0"/>
+          <a:chExt cx="0" cy="0"/>
+        </a:xfrm>
+      </p:grpSpPr>
+      <p:sp>
+        <p:nvSpPr>
+          <p:cNvPr id="3" name="Titre 2"/>
+          <p:cNvSpPr>
+            <a:spLocks noGrp="1"/>
+          </p:cNvSpPr>
+          <p:nvPr>
+            <p:ph type="title"/>
+          </p:nvPr>
+        </p:nvSpPr>
+        <p:spPr>
+          <a:xfrm>
+            <a:off x="467544" y="411510"/>
+            <a:ext cx="8362131" cy="360040"/>
+          </a:xfrm>
+        </p:spPr>
+        <p:txBody>
+          <a:bodyPr/>
+          <a:lstStyle/>
+          <a:p>
+            <a:r>
+              <a:rPr lang="en-US" sz="2800" noProof="0" dirty="0" err="1"/>
+              <a:t>Titre</a:t>
+            </a:r>
+            <a:r>
+              <a:rPr lang="en-US" sz="2800" noProof="0" dirty="0"/>
+              <a:t> </a:t>
+            </a:r>
+            <a:r>
+              <a:rPr lang="en-US" sz="2800" noProof="0" dirty="0" err="1"/>
+              <a:t>Titre</a:t>
+            </a:r>
+            <a:r>
+              <a:rPr lang="en-US" sz="2800" noProof="0" dirty="0"/>
+              <a:t> </a:t>
+            </a:r>
+            <a:r>
+              <a:rPr lang="en-US" sz="2800" noProof="0" dirty="0" err="1"/>
+              <a:t>Titre</a:t>
+            </a:r>
+            <a:r>
+              <a:rPr lang="en-US" sz="2800" noProof="0" dirty="0"/>
+              <a:t> </a:t>
+            </a:r>
+            <a:r>
+              <a:rPr lang="en-US" sz="2800" noProof="0" dirty="0" err="1"/>
+              <a:t>Titre</a:t>
+            </a:r>
+            <a:r>
+              <a:rPr lang="en-US" sz="2800" noProof="0" dirty="0"/>
+              <a:t> </a:t>
+            </a:r>
+            <a:r>
+              <a:rPr lang="en-US" sz="2800" noProof="0" dirty="0" err="1"/>
+              <a:t>Titre</a:t>
+            </a:r>
+            <a:endParaRPr lang="en-US" sz="2800" noProof="0" dirty="0">
+              <a:solidFill>
+                <a:schemeClr val="bg1"/>
+              </a:solidFill>
+            </a:endParaRPr>
+          </a:p>
+        </p:txBody>
+      </p:sp>
+      <p:sp>
+        <p:nvSpPr>
+          <p:cNvPr id="4" name="Rectangle 3"/>
+          <p:cNvSpPr/>
+          <p:nvPr/>
+        </p:nvSpPr>
+        <p:spPr>
+          <a:xfrm>
             <a:off x="269688" y="4731990"/>
             <a:ext cx="1205968" cy="197362"/>
           </a:xfrm>
@@ -18859,7 +19478,7 @@
 </p:sld>
 </file>
 
-<file path=ppt/slides/slide11.xml><?xml version="1.0" encoding="utf-8"?>
+<file path=ppt/slides/slide12.xml><?xml version="1.0" encoding="utf-8"?>
 <p:sld xmlns:a="http://schemas.openxmlformats.org/drawingml/2006/main" xmlns:r="http://schemas.openxmlformats.org/officeDocument/2006/relationships" xmlns:p="http://schemas.openxmlformats.org/presentationml/2006/main">
   <p:cSld>
     <p:spTree>
@@ -19016,7 +19635,7 @@
 </p:sld>
 </file>
 
-<file path=ppt/slides/slide12.xml><?xml version="1.0" encoding="utf-8"?>
+<file path=ppt/slides/slide13.xml><?xml version="1.0" encoding="utf-8"?>
 <p:sld xmlns:a="http://schemas.openxmlformats.org/drawingml/2006/main" xmlns:r="http://schemas.openxmlformats.org/officeDocument/2006/relationships" xmlns:p="http://schemas.openxmlformats.org/presentationml/2006/main">
   <p:cSld>
     <p:spTree>
@@ -21304,7 +21923,7 @@
                   <a:rPr lang="en-US" dirty="0">
                     <a:latin typeface="Helvetica" pitchFamily="2" charset="0"/>
                   </a:rPr>
-                  <a:t>to Q,K,Vs such that every token captures semantic information </a:t>
+                  <a:t>to Q,K,V such that every token captures semantic information </a:t>
                 </a:r>
                 <a:r>
                   <a:rPr lang="en-US" dirty="0" err="1">
@@ -21392,7 +22011,7 @@
               <a:blipFill>
                 <a:blip r:embed="rId2"/>
                 <a:stretch>
-                  <a:fillRect l="-1852" t="-3057"/>
+                  <a:fillRect l="-1852" t="-3057" r="-1587"/>
                 </a:stretch>
               </a:blipFill>
             </p:spPr>
@@ -21746,6 +22365,469 @@
 </file>
 
 <file path=ppt/slides/slide8.xml><?xml version="1.0" encoding="utf-8"?>
+<p:sld xmlns:a="http://schemas.openxmlformats.org/drawingml/2006/main" xmlns:r="http://schemas.openxmlformats.org/officeDocument/2006/relationships" xmlns:p="http://schemas.openxmlformats.org/presentationml/2006/main">
+  <p:cSld>
+    <p:spTree>
+      <p:nvGrpSpPr>
+        <p:cNvPr id="1" name="">
+          <a:extLst>
+            <a:ext uri="{FF2B5EF4-FFF2-40B4-BE49-F238E27FC236}">
+              <a16:creationId xmlns:a16="http://schemas.microsoft.com/office/drawing/2014/main" id="{0EC54891-D5F0-8FFA-E17E-30442C9AD350}"/>
+            </a:ext>
+          </a:extLst>
+        </p:cNvPr>
+        <p:cNvGrpSpPr/>
+        <p:nvPr/>
+      </p:nvGrpSpPr>
+      <p:grpSpPr>
+        <a:xfrm>
+          <a:off x="0" y="0"/>
+          <a:ext cx="0" cy="0"/>
+          <a:chOff x="0" y="0"/>
+          <a:chExt cx="0" cy="0"/>
+        </a:xfrm>
+      </p:grpSpPr>
+      <mc:AlternateContent xmlns:mc="http://schemas.openxmlformats.org/markup-compatibility/2006">
+        <mc:Choice xmlns:a14="http://schemas.microsoft.com/office/drawing/2010/main" Requires="a14">
+          <p:sp>
+            <p:nvSpPr>
+              <p:cNvPr id="2" name="Content Placeholder 1">
+                <a:extLst>
+                  <a:ext uri="{FF2B5EF4-FFF2-40B4-BE49-F238E27FC236}">
+                    <a16:creationId xmlns:a16="http://schemas.microsoft.com/office/drawing/2014/main" id="{4AD4B4BB-FF71-C3EF-523E-0CA6A2B23C85}"/>
+                  </a:ext>
+                </a:extLst>
+              </p:cNvPr>
+              <p:cNvSpPr>
+                <a:spLocks noGrp="1"/>
+              </p:cNvSpPr>
+              <p:nvPr>
+                <p:ph idx="1"/>
+              </p:nvPr>
+            </p:nvSpPr>
+            <p:spPr>
+              <a:xfrm>
+                <a:off x="314325" y="1184275"/>
+                <a:ext cx="4779573" cy="2891706"/>
+              </a:xfrm>
+            </p:spPr>
+            <p:txBody>
+              <a:bodyPr/>
+              <a:lstStyle/>
+              <a:p>
+                <a:pPr marL="342900" lvl="2" indent="-342900">
+                  <a:buClr>
+                    <a:srgbClr val="FF7900"/>
+                  </a:buClr>
+                  <a:buFont typeface="+mj-lt"/>
+                  <a:buAutoNum type="arabicPeriod"/>
+                </a:pPr>
+                <a:r>
+                  <a:rPr lang="en-US" dirty="0">
+                    <a:latin typeface="Helvetica" pitchFamily="2" charset="0"/>
+                  </a:rPr>
+                  <a:t>Encoder block. Generates </a:t>
+                </a:r>
+                <a:r>
+                  <a:rPr lang="en-US" dirty="0">
+                    <a:solidFill>
+                      <a:schemeClr val="bg2"/>
+                    </a:solidFill>
+                    <a:latin typeface="Helvetica" pitchFamily="2" charset="0"/>
+                  </a:rPr>
+                  <a:t>Queries (Q)</a:t>
+                </a:r>
+                <a:r>
+                  <a:rPr lang="en-US" dirty="0">
+                    <a:latin typeface="Helvetica" pitchFamily="2" charset="0"/>
+                  </a:rPr>
+                  <a:t>, </a:t>
+                </a:r>
+                <a:r>
+                  <a:rPr lang="en-US" dirty="0">
+                    <a:solidFill>
+                      <a:schemeClr val="bg2"/>
+                    </a:solidFill>
+                    <a:latin typeface="Helvetica" pitchFamily="2" charset="0"/>
+                  </a:rPr>
+                  <a:t>Keys (K)</a:t>
+                </a:r>
+                <a:r>
+                  <a:rPr lang="en-US" dirty="0">
+                    <a:latin typeface="Helvetica" pitchFamily="2" charset="0"/>
+                  </a:rPr>
+                  <a:t> and </a:t>
+                </a:r>
+                <a:r>
+                  <a:rPr lang="en-US" dirty="0">
+                    <a:solidFill>
+                      <a:schemeClr val="bg2"/>
+                    </a:solidFill>
+                    <a:latin typeface="Helvetica" pitchFamily="2" charset="0"/>
+                  </a:rPr>
+                  <a:t>Values (V) </a:t>
+                </a:r>
+                <a:r>
+                  <a:rPr lang="en-US" dirty="0">
+                    <a:latin typeface="Helvetica" pitchFamily="2" charset="0"/>
+                  </a:rPr>
+                  <a:t>via 1x</a:t>
+                </a:r>
+                <a:r>
+                  <a:rPr lang="en-US" dirty="0">
+                    <a:solidFill>
+                      <a:schemeClr val="bg2"/>
+                    </a:solidFill>
+                    <a:latin typeface="Helvetica" pitchFamily="2" charset="0"/>
+                  </a:rPr>
+                  <a:t>MHA</a:t>
+                </a:r>
+                <a:r>
+                  <a:rPr lang="en-US" dirty="0">
+                    <a:latin typeface="Helvetica" pitchFamily="2" charset="0"/>
+                  </a:rPr>
+                  <a:t>), to be used as input in the decoder. </a:t>
+                </a:r>
+                <a14:m>
+                  <m:oMath xmlns:m="http://schemas.openxmlformats.org/officeDocument/2006/math">
+                    <m:r>
+                      <m:rPr>
+                        <m:sty m:val="p"/>
+                      </m:rPr>
+                      <a:rPr lang="en-US" b="0" i="0" smtClean="0">
+                        <a:latin typeface="Cambria Math" panose="02040503050406030204" pitchFamily="18" charset="0"/>
+                      </a:rPr>
+                      <m:t>N</m:t>
+                    </m:r>
+                  </m:oMath>
+                </a14:m>
+                <a:r>
+                  <a:rPr lang="en-US" dirty="0">
+                    <a:latin typeface="Helvetica" pitchFamily="2" charset="0"/>
+                  </a:rPr>
+                  <a:t> such blocks</a:t>
+                </a:r>
+                <a:endParaRPr lang="en-US" dirty="0">
+                  <a:solidFill>
+                    <a:schemeClr val="bg2"/>
+                  </a:solidFill>
+                  <a:latin typeface="Helvetica" pitchFamily="2" charset="0"/>
+                </a:endParaRPr>
+              </a:p>
+              <a:p>
+                <a:pPr marL="342900" lvl="2" indent="-342900">
+                  <a:buClr>
+                    <a:srgbClr val="FF7900"/>
+                  </a:buClr>
+                  <a:buFont typeface="+mj-lt"/>
+                  <a:buAutoNum type="arabicPeriod"/>
+                </a:pPr>
+                <a:r>
+                  <a:rPr lang="en-US" dirty="0">
+                    <a:latin typeface="Helvetica" pitchFamily="2" charset="0"/>
+                  </a:rPr>
+                  <a:t>Decoder block. Takes encoder output + targets and generates context-rich representations, generating probabilities (token by token). </a:t>
+                </a:r>
+                <a14:m>
+                  <m:oMath xmlns:m="http://schemas.openxmlformats.org/officeDocument/2006/math">
+                    <m:r>
+                      <m:rPr>
+                        <m:sty m:val="p"/>
+                      </m:rPr>
+                      <a:rPr lang="en-US" b="0" i="0">
+                        <a:latin typeface="Cambria Math" panose="02040503050406030204" pitchFamily="18" charset="0"/>
+                      </a:rPr>
+                      <m:t>N</m:t>
+                    </m:r>
+                    <m:r>
+                      <a:rPr lang="en-US" b="0" i="0" smtClean="0">
+                        <a:latin typeface="Cambria Math" panose="02040503050406030204" pitchFamily="18" charset="0"/>
+                      </a:rPr>
+                      <m:t> </m:t>
+                    </m:r>
+                  </m:oMath>
+                </a14:m>
+                <a:r>
+                  <a:rPr lang="en-US" dirty="0">
+                    <a:latin typeface="Helvetica" pitchFamily="2" charset="0"/>
+                  </a:rPr>
+                  <a:t>such blocks</a:t>
+                </a:r>
+              </a:p>
+              <a:p>
+                <a:pPr marL="342900" lvl="2" indent="-342900">
+                  <a:buClr>
+                    <a:srgbClr val="FF7900"/>
+                  </a:buClr>
+                  <a:buFont typeface="+mj-lt"/>
+                  <a:buAutoNum type="arabicPeriod"/>
+                </a:pPr>
+                <a:r>
+                  <a:rPr lang="en-US" dirty="0">
+                    <a:latin typeface="Helvetica" pitchFamily="2" charset="0"/>
+                  </a:rPr>
+                  <a:t>Multi-Head Attention applies (in parallel) the </a:t>
+                </a:r>
+                <a:r>
+                  <a:rPr lang="en-US" dirty="0">
+                    <a:solidFill>
+                      <a:schemeClr val="bg2"/>
+                    </a:solidFill>
+                    <a:latin typeface="Helvetica" pitchFamily="2" charset="0"/>
+                  </a:rPr>
+                  <a:t>scaled-dot-product attention </a:t>
+                </a:r>
+                <a:r>
+                  <a:rPr lang="en-US" dirty="0">
+                    <a:latin typeface="Helvetica" pitchFamily="2" charset="0"/>
+                  </a:rPr>
+                  <a:t>to Q,K,V such that every token captures semantic information </a:t>
+                </a:r>
+                <a:r>
+                  <a:rPr lang="en-US" dirty="0" err="1">
+                    <a:latin typeface="Helvetica" pitchFamily="2" charset="0"/>
+                  </a:rPr>
+                  <a:t>w.r.t.</a:t>
+                </a:r>
+                <a:r>
+                  <a:rPr lang="en-US" dirty="0">
+                    <a:latin typeface="Helvetica" pitchFamily="2" charset="0"/>
+                  </a:rPr>
+                  <a:t>  all other tokens.</a:t>
+                </a:r>
+              </a:p>
+              <a:p>
+                <a:pPr marL="342900" lvl="2" indent="-342900">
+                  <a:buClr>
+                    <a:srgbClr val="FF7900"/>
+                  </a:buClr>
+                  <a:buFont typeface="+mj-lt"/>
+                  <a:buAutoNum type="arabicPeriod"/>
+                </a:pPr>
+                <a:r>
+                  <a:rPr lang="en-US" dirty="0">
+                    <a:latin typeface="Helvetica" pitchFamily="2" charset="0"/>
+                  </a:rPr>
+                  <a:t>Two linear layers + non-linear activation in between</a:t>
+                </a:r>
+              </a:p>
+              <a:p>
+                <a:pPr marL="342900" lvl="2" indent="-342900">
+                  <a:buClr>
+                    <a:srgbClr val="FF7900"/>
+                  </a:buClr>
+                  <a:buFont typeface="+mj-lt"/>
+                  <a:buAutoNum type="arabicPeriod"/>
+                </a:pPr>
+                <a:r>
+                  <a:rPr lang="en-US" dirty="0">
+                    <a:latin typeface="Helvetica" pitchFamily="2" charset="0"/>
+                  </a:rPr>
+                  <a:t>Use sinusoidal functions to inject </a:t>
+                </a:r>
+                <a:r>
+                  <a:rPr lang="en-US" dirty="0">
+                    <a:solidFill>
+                      <a:schemeClr val="bg2"/>
+                    </a:solidFill>
+                    <a:latin typeface="Helvetica" pitchFamily="2" charset="0"/>
+                  </a:rPr>
+                  <a:t>positional information </a:t>
+                </a:r>
+                <a:r>
+                  <a:rPr lang="en-US" dirty="0">
+                    <a:latin typeface="Helvetica" pitchFamily="2" charset="0"/>
+                  </a:rPr>
+                  <a:t>(relative or absolute) for the sequence of tokens</a:t>
+                </a:r>
+              </a:p>
+            </p:txBody>
+          </p:sp>
+        </mc:Choice>
+        <mc:Fallback>
+          <p:sp>
+            <p:nvSpPr>
+              <p:cNvPr id="2" name="Content Placeholder 1">
+                <a:extLst>
+                  <a:ext uri="{FF2B5EF4-FFF2-40B4-BE49-F238E27FC236}">
+                    <a16:creationId xmlns:a16="http://schemas.microsoft.com/office/drawing/2014/main" id="{4AD4B4BB-FF71-C3EF-523E-0CA6A2B23C85}"/>
+                  </a:ext>
+                </a:extLst>
+              </p:cNvPr>
+              <p:cNvSpPr>
+                <a:spLocks noGrp="1" noRot="1" noChangeAspect="1" noMove="1" noResize="1" noEditPoints="1" noAdjustHandles="1" noChangeArrowheads="1" noChangeShapeType="1" noTextEdit="1"/>
+              </p:cNvSpPr>
+              <p:nvPr>
+                <p:ph idx="1"/>
+              </p:nvPr>
+            </p:nvSpPr>
+            <p:spPr>
+              <a:xfrm>
+                <a:off x="314325" y="1184275"/>
+                <a:ext cx="4779573" cy="2891706"/>
+              </a:xfrm>
+              <a:blipFill>
+                <a:blip r:embed="rId2"/>
+                <a:stretch>
+                  <a:fillRect l="-1852" t="-3057" r="-1587"/>
+                </a:stretch>
+              </a:blipFill>
+            </p:spPr>
+            <p:txBody>
+              <a:bodyPr/>
+              <a:lstStyle/>
+              <a:p>
+                <a:r>
+                  <a:rPr lang="en-US">
+                    <a:noFill/>
+                  </a:rPr>
+                  <a:t> </a:t>
+                </a:r>
+              </a:p>
+            </p:txBody>
+          </p:sp>
+        </mc:Fallback>
+      </mc:AlternateContent>
+      <p:sp>
+        <p:nvSpPr>
+          <p:cNvPr id="3" name="Title 2">
+            <a:extLst>
+              <a:ext uri="{FF2B5EF4-FFF2-40B4-BE49-F238E27FC236}">
+                <a16:creationId xmlns:a16="http://schemas.microsoft.com/office/drawing/2014/main" id="{B92549FB-C910-5965-6181-4F5D35AAFA36}"/>
+              </a:ext>
+            </a:extLst>
+          </p:cNvPr>
+          <p:cNvSpPr>
+            <a:spLocks noGrp="1"/>
+          </p:cNvSpPr>
+          <p:nvPr>
+            <p:ph type="title"/>
+          </p:nvPr>
+        </p:nvSpPr>
+        <p:spPr/>
+        <p:txBody>
+          <a:bodyPr/>
+          <a:lstStyle/>
+          <a:p>
+            <a:r>
+              <a:rPr lang="en-US" sz="2800" dirty="0"/>
+              <a:t>Queries, Keys, Values…</a:t>
+            </a:r>
+          </a:p>
+        </p:txBody>
+      </p:sp>
+      <p:sp>
+        <p:nvSpPr>
+          <p:cNvPr id="8" name="Rectangle 7">
+            <a:extLst>
+              <a:ext uri="{FF2B5EF4-FFF2-40B4-BE49-F238E27FC236}">
+                <a16:creationId xmlns:a16="http://schemas.microsoft.com/office/drawing/2014/main" id="{970F0899-5C13-8B08-30CF-51C05E4D0DB5}"/>
+              </a:ext>
+            </a:extLst>
+          </p:cNvPr>
+          <p:cNvSpPr/>
+          <p:nvPr/>
+        </p:nvSpPr>
+        <p:spPr>
+          <a:xfrm>
+            <a:off x="310142" y="4548158"/>
+            <a:ext cx="1305910" cy="378330"/>
+          </a:xfrm>
+          <a:prstGeom prst="rect">
+            <a:avLst/>
+          </a:prstGeom>
+          <a:solidFill>
+            <a:schemeClr val="bg1"/>
+          </a:solidFill>
+          <a:ln>
+            <a:noFill/>
+          </a:ln>
+        </p:spPr>
+        <p:style>
+          <a:lnRef idx="2">
+            <a:schemeClr val="accent1">
+              <a:shade val="50000"/>
+            </a:schemeClr>
+          </a:lnRef>
+          <a:fillRef idx="1">
+            <a:schemeClr val="accent1"/>
+          </a:fillRef>
+          <a:effectRef idx="0">
+            <a:schemeClr val="accent1"/>
+          </a:effectRef>
+          <a:fontRef idx="minor">
+            <a:schemeClr val="lt1"/>
+          </a:fontRef>
+        </p:style>
+        <p:txBody>
+          <a:bodyPr rtlCol="0" anchor="ctr"/>
+          <a:lstStyle/>
+          <a:p>
+            <a:pPr algn="ctr"/>
+            <a:endParaRPr lang="en-US" sz="1600" noProof="0" dirty="0">
+              <a:solidFill>
+                <a:srgbClr val="000000"/>
+              </a:solidFill>
+            </a:endParaRPr>
+          </a:p>
+        </p:txBody>
+      </p:sp>
+      <p:pic>
+        <p:nvPicPr>
+          <p:cNvPr id="4" name="Picture 3">
+            <a:extLst>
+              <a:ext uri="{FF2B5EF4-FFF2-40B4-BE49-F238E27FC236}">
+                <a16:creationId xmlns:a16="http://schemas.microsoft.com/office/drawing/2014/main" id="{A0A81E64-19C5-E097-27D8-3F7C4331E37E}"/>
+              </a:ext>
+            </a:extLst>
+          </p:cNvPr>
+          <p:cNvPicPr>
+            <a:picLocks noChangeAspect="1"/>
+          </p:cNvPicPr>
+          <p:nvPr/>
+        </p:nvPicPr>
+        <p:blipFill>
+          <a:blip r:embed="rId3"/>
+          <a:stretch>
+            <a:fillRect/>
+          </a:stretch>
+        </p:blipFill>
+        <p:spPr>
+          <a:xfrm>
+            <a:off x="6122388" y="888520"/>
+            <a:ext cx="2355131" cy="2723791"/>
+          </a:xfrm>
+          <a:prstGeom prst="rect">
+            <a:avLst/>
+          </a:prstGeom>
+        </p:spPr>
+      </p:pic>
+    </p:spTree>
+    <p:extLst>
+      <p:ext uri="{BB962C8B-B14F-4D97-AF65-F5344CB8AC3E}">
+        <p14:creationId xmlns:p14="http://schemas.microsoft.com/office/powerpoint/2010/main" val="500512424"/>
+      </p:ext>
+    </p:extLst>
+  </p:cSld>
+  <p:clrMapOvr>
+    <a:masterClrMapping/>
+  </p:clrMapOvr>
+  <mc:AlternateContent xmlns:mc="http://schemas.openxmlformats.org/markup-compatibility/2006" xmlns:p14="http://schemas.microsoft.com/office/powerpoint/2010/main">
+    <mc:Choice Requires="p14">
+      <p:transition spd="med" p14:dur="700">
+        <p:fade/>
+      </p:transition>
+    </mc:Choice>
+    <mc:Fallback xmlns="">
+      <p:transition spd="med">
+        <p:fade/>
+      </p:transition>
+    </mc:Fallback>
+  </mc:AlternateContent>
+</p:sld>
+</file>
+
+<file path=ppt/slides/slide9.xml><?xml version="1.0" encoding="utf-8"?>
 <p:sld xmlns:a="http://schemas.openxmlformats.org/drawingml/2006/main" xmlns:r="http://schemas.openxmlformats.org/officeDocument/2006/relationships" xmlns:p="http://schemas.openxmlformats.org/presentationml/2006/main">
   <p:cSld>
     <p:spTree>
@@ -23161,624 +24243,6 @@
     <p:extLst>
       <p:ext uri="{BB962C8B-B14F-4D97-AF65-F5344CB8AC3E}">
         <p14:creationId xmlns:p14="http://schemas.microsoft.com/office/powerpoint/2010/main" val="3347888488"/>
-      </p:ext>
-    </p:extLst>
-  </p:cSld>
-  <p:clrMapOvr>
-    <a:masterClrMapping/>
-  </p:clrMapOvr>
-  <mc:AlternateContent xmlns:mc="http://schemas.openxmlformats.org/markup-compatibility/2006" xmlns:p14="http://schemas.microsoft.com/office/powerpoint/2010/main">
-    <mc:Choice Requires="p14">
-      <p:transition spd="med" p14:dur="700">
-        <p:fade/>
-      </p:transition>
-    </mc:Choice>
-    <mc:Fallback xmlns="">
-      <p:transition spd="med">
-        <p:fade/>
-      </p:transition>
-    </mc:Fallback>
-  </mc:AlternateContent>
-</p:sld>
-</file>
-
-<file path=ppt/slides/slide9.xml><?xml version="1.0" encoding="utf-8"?>
-<p:sld xmlns:a="http://schemas.openxmlformats.org/drawingml/2006/main" xmlns:r="http://schemas.openxmlformats.org/officeDocument/2006/relationships" xmlns:p="http://schemas.openxmlformats.org/presentationml/2006/main">
-  <p:cSld>
-    <p:spTree>
-      <p:nvGrpSpPr>
-        <p:cNvPr id="1" name=""/>
-        <p:cNvGrpSpPr/>
-        <p:nvPr/>
-      </p:nvGrpSpPr>
-      <p:grpSpPr>
-        <a:xfrm>
-          <a:off x="0" y="0"/>
-          <a:ext cx="0" cy="0"/>
-          <a:chOff x="0" y="0"/>
-          <a:chExt cx="0" cy="0"/>
-        </a:xfrm>
-      </p:grpSpPr>
-      <p:sp>
-        <p:nvSpPr>
-          <p:cNvPr id="3" name="Titre 2"/>
-          <p:cNvSpPr>
-            <a:spLocks noGrp="1"/>
-          </p:cNvSpPr>
-          <p:nvPr>
-            <p:ph type="title"/>
-          </p:nvPr>
-        </p:nvSpPr>
-        <p:spPr>
-          <a:xfrm>
-            <a:off x="467544" y="411510"/>
-            <a:ext cx="8362131" cy="360040"/>
-          </a:xfrm>
-        </p:spPr>
-        <p:txBody>
-          <a:bodyPr/>
-          <a:lstStyle/>
-          <a:p>
-            <a:r>
-              <a:rPr lang="en-US" sz="2800" noProof="0" dirty="0" err="1"/>
-              <a:t>Titre</a:t>
-            </a:r>
-            <a:r>
-              <a:rPr lang="en-US" sz="2800" noProof="0" dirty="0"/>
-              <a:t> </a:t>
-            </a:r>
-            <a:r>
-              <a:rPr lang="en-US" sz="2800" noProof="0" dirty="0" err="1"/>
-              <a:t>Titre</a:t>
-            </a:r>
-            <a:r>
-              <a:rPr lang="en-US" sz="2800" noProof="0" dirty="0"/>
-              <a:t> </a:t>
-            </a:r>
-            <a:r>
-              <a:rPr lang="en-US" sz="2800" noProof="0" dirty="0" err="1"/>
-              <a:t>Titre</a:t>
-            </a:r>
-            <a:r>
-              <a:rPr lang="en-US" sz="2800" noProof="0" dirty="0"/>
-              <a:t> </a:t>
-            </a:r>
-            <a:r>
-              <a:rPr lang="en-US" sz="2800" noProof="0" dirty="0" err="1"/>
-              <a:t>Titre</a:t>
-            </a:r>
-            <a:r>
-              <a:rPr lang="en-US" sz="2800" noProof="0" dirty="0"/>
-              <a:t> </a:t>
-            </a:r>
-            <a:r>
-              <a:rPr lang="en-US" sz="2800" noProof="0" dirty="0" err="1"/>
-              <a:t>Titre</a:t>
-            </a:r>
-            <a:endParaRPr lang="en-US" sz="2800" noProof="0" dirty="0">
-              <a:solidFill>
-                <a:schemeClr val="bg1"/>
-              </a:solidFill>
-            </a:endParaRPr>
-          </a:p>
-        </p:txBody>
-      </p:sp>
-      <p:sp>
-        <p:nvSpPr>
-          <p:cNvPr id="4" name="Rectangle 3"/>
-          <p:cNvSpPr/>
-          <p:nvPr/>
-        </p:nvSpPr>
-        <p:spPr>
-          <a:xfrm>
-            <a:off x="312817" y="4731990"/>
-            <a:ext cx="1162839" cy="216024"/>
-          </a:xfrm>
-          <a:prstGeom prst="rect">
-            <a:avLst/>
-          </a:prstGeom>
-          <a:solidFill>
-            <a:schemeClr val="bg1"/>
-          </a:solidFill>
-          <a:ln>
-            <a:noFill/>
-          </a:ln>
-        </p:spPr>
-        <p:style>
-          <a:lnRef idx="2">
-            <a:schemeClr val="accent1">
-              <a:shade val="50000"/>
-            </a:schemeClr>
-          </a:lnRef>
-          <a:fillRef idx="1">
-            <a:schemeClr val="accent1"/>
-          </a:fillRef>
-          <a:effectRef idx="0">
-            <a:schemeClr val="accent1"/>
-          </a:effectRef>
-          <a:fontRef idx="minor">
-            <a:schemeClr val="lt1"/>
-          </a:fontRef>
-        </p:style>
-        <p:txBody>
-          <a:bodyPr rtlCol="0" anchor="ctr"/>
-          <a:lstStyle/>
-          <a:p>
-            <a:pPr algn="ctr"/>
-            <a:endParaRPr lang="en-US" sz="1600" noProof="0" dirty="0">
-              <a:solidFill>
-                <a:srgbClr val="000000"/>
-              </a:solidFill>
-            </a:endParaRPr>
-          </a:p>
-        </p:txBody>
-      </p:sp>
-      <p:graphicFrame>
-        <p:nvGraphicFramePr>
-          <p:cNvPr id="41" name="Content Placeholder 4"/>
-          <p:cNvGraphicFramePr>
-            <a:graphicFrameLocks noGrp="1"/>
-          </p:cNvGraphicFramePr>
-          <p:nvPr>
-            <p:ph sz="half" idx="4294967295"/>
-            <p:extLst>
-              <p:ext uri="{D42A27DB-BD31-4B8C-83A1-F6EECF244321}">
-                <p14:modId xmlns:p14="http://schemas.microsoft.com/office/powerpoint/2010/main" val="1700908945"/>
-              </p:ext>
-            </p:extLst>
-          </p:nvPr>
-        </p:nvGraphicFramePr>
-        <p:xfrm>
-          <a:off x="3934256" y="1151490"/>
-          <a:ext cx="4404865" cy="3632622"/>
-        </p:xfrm>
-        <a:graphic>
-          <a:graphicData uri="http://schemas.openxmlformats.org/drawingml/2006/chart">
-            <c:chart xmlns:c="http://schemas.openxmlformats.org/drawingml/2006/chart" xmlns:r="http://schemas.openxmlformats.org/officeDocument/2006/relationships" r:id="rId2"/>
-          </a:graphicData>
-        </a:graphic>
-      </p:graphicFrame>
-      <p:sp>
-        <p:nvSpPr>
-          <p:cNvPr id="42" name="Content Placeholder 5"/>
-          <p:cNvSpPr>
-            <a:spLocks noGrp="1"/>
-          </p:cNvSpPr>
-          <p:nvPr>
-            <p:ph sz="half" idx="1"/>
-          </p:nvPr>
-        </p:nvSpPr>
-        <p:spPr>
-          <a:xfrm>
-            <a:off x="467544" y="1419622"/>
-            <a:ext cx="2890647" cy="3369252"/>
-          </a:xfrm>
-        </p:spPr>
-        <p:txBody>
-          <a:bodyPr/>
-          <a:lstStyle/>
-          <a:p>
-            <a:pPr>
-              <a:buClr>
-                <a:srgbClr val="FFFFFF"/>
-              </a:buClr>
-            </a:pPr>
-            <a:r>
-              <a:rPr lang="en-US" noProof="0" dirty="0">
-                <a:solidFill>
-                  <a:srgbClr val="FF7900"/>
-                </a:solidFill>
-              </a:rPr>
-              <a:t>Lorem ipsum dolor sit </a:t>
-            </a:r>
-            <a:r>
-              <a:rPr lang="en-US" noProof="0" dirty="0" err="1">
-                <a:solidFill>
-                  <a:srgbClr val="FF7900"/>
-                </a:solidFill>
-              </a:rPr>
-              <a:t>amet</a:t>
-            </a:r>
-            <a:r>
-              <a:rPr lang="en-US" noProof="0" dirty="0">
-                <a:solidFill>
-                  <a:srgbClr val="FF7900"/>
-                </a:solidFill>
-              </a:rPr>
-              <a:t>, </a:t>
-            </a:r>
-            <a:r>
-              <a:rPr lang="en-US" noProof="0" dirty="0" err="1">
-                <a:solidFill>
-                  <a:srgbClr val="FF7900"/>
-                </a:solidFill>
-              </a:rPr>
-              <a:t>consectetur</a:t>
-            </a:r>
-            <a:r>
-              <a:rPr lang="en-US" noProof="0" dirty="0">
-                <a:solidFill>
-                  <a:srgbClr val="FF7900"/>
-                </a:solidFill>
-              </a:rPr>
-              <a:t> </a:t>
-            </a:r>
-            <a:r>
-              <a:rPr lang="en-US" noProof="0" dirty="0" err="1">
-                <a:solidFill>
-                  <a:srgbClr val="FF7900"/>
-                </a:solidFill>
-              </a:rPr>
-              <a:t>adipiscing</a:t>
-            </a:r>
-            <a:r>
-              <a:rPr lang="en-US" noProof="0" dirty="0">
-                <a:solidFill>
-                  <a:srgbClr val="FF7900"/>
-                </a:solidFill>
-              </a:rPr>
-              <a:t> </a:t>
-            </a:r>
-            <a:r>
-              <a:rPr lang="en-US" noProof="0" dirty="0" err="1">
-                <a:solidFill>
-                  <a:srgbClr val="FF7900"/>
-                </a:solidFill>
-              </a:rPr>
-              <a:t>elit</a:t>
-            </a:r>
-            <a:r>
-              <a:rPr lang="en-US" noProof="0" dirty="0">
-                <a:solidFill>
-                  <a:srgbClr val="FF7900"/>
-                </a:solidFill>
-              </a:rPr>
-              <a:t>. </a:t>
-            </a:r>
-            <a:br>
-              <a:rPr lang="en-US" noProof="0" dirty="0">
-                <a:solidFill>
-                  <a:srgbClr val="FF7900"/>
-                </a:solidFill>
-              </a:rPr>
-            </a:br>
-            <a:r>
-              <a:rPr lang="en-US" noProof="0" dirty="0">
-                <a:solidFill>
-                  <a:srgbClr val="FF7900"/>
-                </a:solidFill>
-              </a:rPr>
-              <a:t>Sed </a:t>
-            </a:r>
-            <a:r>
-              <a:rPr lang="en-US" noProof="0" dirty="0" err="1">
-                <a:solidFill>
-                  <a:srgbClr val="FF7900"/>
-                </a:solidFill>
-              </a:rPr>
-              <a:t>rhoncus</a:t>
-            </a:r>
-            <a:r>
-              <a:rPr lang="en-US" noProof="0" dirty="0">
-                <a:solidFill>
-                  <a:srgbClr val="FF7900"/>
-                </a:solidFill>
-              </a:rPr>
-              <a:t>, nisi </a:t>
-            </a:r>
-            <a:r>
-              <a:rPr lang="en-US" noProof="0" dirty="0" err="1">
-                <a:solidFill>
-                  <a:srgbClr val="FF7900"/>
-                </a:solidFill>
-              </a:rPr>
-              <a:t>eu</a:t>
-            </a:r>
-            <a:r>
-              <a:rPr lang="en-US" noProof="0" dirty="0">
-                <a:solidFill>
-                  <a:srgbClr val="FF7900"/>
-                </a:solidFill>
-              </a:rPr>
-              <a:t> </a:t>
-            </a:r>
-            <a:r>
-              <a:rPr lang="en-US" noProof="0" dirty="0" err="1">
-                <a:solidFill>
-                  <a:srgbClr val="FF7900"/>
-                </a:solidFill>
-              </a:rPr>
-              <a:t>facilisis</a:t>
-            </a:r>
-            <a:r>
-              <a:rPr lang="en-US" noProof="0" dirty="0">
-                <a:solidFill>
-                  <a:srgbClr val="FF7900"/>
-                </a:solidFill>
-              </a:rPr>
-              <a:t> </a:t>
-            </a:r>
-            <a:r>
-              <a:rPr lang="en-US" noProof="0" dirty="0" err="1">
-                <a:solidFill>
-                  <a:srgbClr val="FF7900"/>
-                </a:solidFill>
-              </a:rPr>
-              <a:t>condimentum</a:t>
-            </a:r>
-            <a:r>
-              <a:rPr lang="en-US" noProof="0" dirty="0">
-                <a:solidFill>
-                  <a:srgbClr val="FF7900"/>
-                </a:solidFill>
-              </a:rPr>
-              <a:t>, ligula </a:t>
-            </a:r>
-            <a:r>
-              <a:rPr lang="en-US" noProof="0" dirty="0" err="1">
-                <a:solidFill>
-                  <a:srgbClr val="FF7900"/>
-                </a:solidFill>
-              </a:rPr>
-              <a:t>augue</a:t>
-            </a:r>
-            <a:r>
-              <a:rPr lang="en-US" noProof="0" dirty="0">
-                <a:solidFill>
-                  <a:srgbClr val="FF7900"/>
-                </a:solidFill>
-              </a:rPr>
-              <a:t> </a:t>
-            </a:r>
-            <a:br>
-              <a:rPr lang="en-US" noProof="0" dirty="0">
-                <a:solidFill>
-                  <a:srgbClr val="FF7900"/>
-                </a:solidFill>
-              </a:rPr>
-            </a:br>
-            <a:r>
-              <a:rPr lang="en-US" noProof="0" dirty="0" err="1">
-                <a:solidFill>
-                  <a:srgbClr val="FF7900"/>
-                </a:solidFill>
-              </a:rPr>
-              <a:t>porttitor</a:t>
-            </a:r>
-            <a:r>
-              <a:rPr lang="en-US" noProof="0" dirty="0">
-                <a:solidFill>
-                  <a:srgbClr val="FF7900"/>
-                </a:solidFill>
-              </a:rPr>
-              <a:t> </a:t>
-            </a:r>
-            <a:r>
-              <a:rPr lang="en-US" noProof="0" dirty="0" err="1">
-                <a:solidFill>
-                  <a:srgbClr val="FF7900"/>
-                </a:solidFill>
-              </a:rPr>
-              <a:t>lacus</a:t>
-            </a:r>
-            <a:r>
-              <a:rPr lang="en-US" noProof="0" dirty="0">
-                <a:solidFill>
-                  <a:srgbClr val="FF7900"/>
-                </a:solidFill>
-              </a:rPr>
-              <a:t>.</a:t>
-            </a:r>
-          </a:p>
-          <a:p>
-            <a:pPr>
-              <a:spcBef>
-                <a:spcPts val="1200"/>
-              </a:spcBef>
-              <a:buClr>
-                <a:srgbClr val="FFFFFF"/>
-              </a:buClr>
-            </a:pPr>
-            <a:r>
-              <a:rPr lang="en-US" noProof="0" dirty="0" err="1">
-                <a:solidFill>
-                  <a:schemeClr val="tx1"/>
-                </a:solidFill>
-              </a:rPr>
-              <a:t>Nulla</a:t>
-            </a:r>
-            <a:r>
-              <a:rPr lang="en-US" noProof="0" dirty="0">
-                <a:solidFill>
-                  <a:schemeClr val="tx1"/>
-                </a:solidFill>
-              </a:rPr>
-              <a:t> sit </a:t>
-            </a:r>
-            <a:r>
-              <a:rPr lang="en-US" noProof="0" dirty="0" err="1">
-                <a:solidFill>
-                  <a:schemeClr val="tx1"/>
-                </a:solidFill>
-              </a:rPr>
-              <a:t>amet</a:t>
-            </a:r>
-            <a:r>
-              <a:rPr lang="en-US" noProof="0" dirty="0">
-                <a:solidFill>
-                  <a:schemeClr val="tx1"/>
-                </a:solidFill>
-              </a:rPr>
-              <a:t> </a:t>
-            </a:r>
-            <a:r>
-              <a:rPr lang="en-US" noProof="0" dirty="0" err="1">
-                <a:solidFill>
-                  <a:schemeClr val="tx1"/>
-                </a:solidFill>
-              </a:rPr>
-              <a:t>quam</a:t>
-            </a:r>
-            <a:r>
-              <a:rPr lang="en-US" noProof="0" dirty="0">
-                <a:solidFill>
-                  <a:schemeClr val="tx1"/>
-                </a:solidFill>
-              </a:rPr>
-              <a:t> </a:t>
-            </a:r>
-            <a:r>
-              <a:rPr lang="en-US" noProof="0" dirty="0" err="1">
-                <a:solidFill>
-                  <a:schemeClr val="tx1"/>
-                </a:solidFill>
-              </a:rPr>
-              <a:t>justo</a:t>
-            </a:r>
-            <a:r>
-              <a:rPr lang="en-US" noProof="0" dirty="0">
-                <a:solidFill>
-                  <a:schemeClr val="tx1"/>
-                </a:solidFill>
-              </a:rPr>
-              <a:t>:</a:t>
-            </a:r>
-          </a:p>
-          <a:p>
-            <a:pPr lvl="2">
-              <a:buClr>
-                <a:srgbClr val="FF7900"/>
-              </a:buClr>
-            </a:pPr>
-            <a:r>
-              <a:rPr lang="en-US" noProof="0" dirty="0"/>
-              <a:t>Lorem ipsum dolor sit </a:t>
-            </a:r>
-            <a:r>
-              <a:rPr lang="en-US" noProof="0" dirty="0" err="1"/>
-              <a:t>amet</a:t>
-            </a:r>
-            <a:r>
-              <a:rPr lang="en-US" noProof="0" dirty="0"/>
-              <a:t>, </a:t>
-            </a:r>
-            <a:r>
-              <a:rPr lang="en-US" noProof="0" dirty="0" err="1"/>
-              <a:t>consectetur</a:t>
-            </a:r>
-            <a:r>
-              <a:rPr lang="en-US" noProof="0" dirty="0"/>
-              <a:t> </a:t>
-            </a:r>
-            <a:r>
-              <a:rPr lang="en-US" noProof="0" dirty="0" err="1"/>
-              <a:t>adipiscing</a:t>
-            </a:r>
-            <a:r>
-              <a:rPr lang="en-US" noProof="0" dirty="0"/>
-              <a:t> </a:t>
-            </a:r>
-            <a:r>
-              <a:rPr lang="en-US" noProof="0" dirty="0" err="1"/>
-              <a:t>elit</a:t>
-            </a:r>
-            <a:r>
-              <a:rPr lang="en-US" noProof="0" dirty="0"/>
-              <a:t>. </a:t>
-            </a:r>
-            <a:br>
-              <a:rPr lang="en-US" noProof="0" dirty="0"/>
-            </a:br>
-            <a:r>
-              <a:rPr lang="en-US" noProof="0" dirty="0"/>
-              <a:t>Sed </a:t>
-            </a:r>
-            <a:r>
-              <a:rPr lang="en-US" noProof="0" dirty="0" err="1"/>
-              <a:t>rhoncus</a:t>
-            </a:r>
-            <a:endParaRPr lang="en-US" noProof="0" dirty="0"/>
-          </a:p>
-          <a:p>
-            <a:pPr lvl="2">
-              <a:buClr>
-                <a:srgbClr val="FF7900"/>
-              </a:buClr>
-            </a:pPr>
-            <a:r>
-              <a:rPr lang="en-US" noProof="0" dirty="0" err="1"/>
-              <a:t>Nulla</a:t>
-            </a:r>
-            <a:r>
-              <a:rPr lang="en-US" noProof="0" dirty="0"/>
-              <a:t> sit </a:t>
-            </a:r>
-            <a:r>
-              <a:rPr lang="en-US" noProof="0" dirty="0" err="1"/>
-              <a:t>amet</a:t>
-            </a:r>
-            <a:r>
-              <a:rPr lang="en-US" noProof="0" dirty="0"/>
-              <a:t> </a:t>
-            </a:r>
-            <a:r>
-              <a:rPr lang="en-US" noProof="0" dirty="0" err="1"/>
-              <a:t>quam</a:t>
-            </a:r>
-            <a:r>
-              <a:rPr lang="en-US" noProof="0" dirty="0"/>
-              <a:t> </a:t>
-            </a:r>
-            <a:r>
-              <a:rPr lang="en-US" noProof="0" dirty="0" err="1"/>
-              <a:t>justo</a:t>
-            </a:r>
-            <a:r>
-              <a:rPr lang="en-US" noProof="0" dirty="0"/>
-              <a:t> </a:t>
-            </a:r>
-            <a:r>
-              <a:rPr lang="en-US" noProof="0" dirty="0" err="1"/>
-              <a:t>eu</a:t>
-            </a:r>
-            <a:r>
-              <a:rPr lang="en-US" noProof="0" dirty="0"/>
-              <a:t> </a:t>
-            </a:r>
-            <a:br>
-              <a:rPr lang="en-US" noProof="0" dirty="0"/>
-            </a:br>
-            <a:r>
-              <a:rPr lang="en-US" noProof="0" dirty="0" err="1"/>
-              <a:t>iaculis</a:t>
-            </a:r>
-            <a:r>
-              <a:rPr lang="en-US" noProof="0" dirty="0"/>
-              <a:t> </a:t>
-            </a:r>
-            <a:r>
-              <a:rPr lang="en-US" noProof="0" dirty="0" err="1"/>
-              <a:t>tortor</a:t>
-            </a:r>
-            <a:r>
-              <a:rPr lang="en-US" noProof="0" dirty="0"/>
-              <a:t> nisi a </a:t>
-            </a:r>
-            <a:r>
-              <a:rPr lang="en-US" noProof="0" dirty="0" err="1"/>
-              <a:t>augue</a:t>
-            </a:r>
-            <a:r>
-              <a:rPr lang="en-US" noProof="0" dirty="0"/>
-              <a:t>.</a:t>
-            </a:r>
-          </a:p>
-        </p:txBody>
-      </p:sp>
-    </p:spTree>
-    <p:extLst>
-      <p:ext uri="{BB962C8B-B14F-4D97-AF65-F5344CB8AC3E}">
-        <p14:creationId xmlns:p14="http://schemas.microsoft.com/office/powerpoint/2010/main" val="1208178559"/>
       </p:ext>
     </p:extLst>
   </p:cSld>
@@ -24686,6 +25150,17 @@
 </file>
 
 <file path=customXml/item1.xml><?xml version="1.0" encoding="utf-8"?>
+<p:properties xmlns:p="http://schemas.microsoft.com/office/2006/metadata/properties" xmlns:xsi="http://www.w3.org/2001/XMLSchema-instance" xmlns:pc="http://schemas.microsoft.com/office/infopath/2007/PartnerControls">
+  <documentManagement>
+    <TaxCatchAll xmlns="eff491a8-9e89-43ed-bdac-cae08270df65" xsi:nil="true"/>
+    <lcf76f155ced4ddcb4097134ff3c332f xmlns="171f1213-7bf6-4d86-990a-6b8ce816bd43">
+      <Terms xmlns="http://schemas.microsoft.com/office/infopath/2007/PartnerControls"/>
+    </lcf76f155ced4ddcb4097134ff3c332f>
+  </documentManagement>
+</p:properties>
+</file>
+
+<file path=customXml/item2.xml><?xml version="1.0" encoding="utf-8"?>
 <ct:contentTypeSchema xmlns:ct="http://schemas.microsoft.com/office/2006/metadata/contentType" xmlns:ma="http://schemas.microsoft.com/office/2006/metadata/properties/metaAttributes" ct:_="" ma:_="" ma:contentTypeName="Document" ma:contentTypeID="0x0101001CA32C140A078341B5F80E20CC80637A" ma:contentTypeVersion="16" ma:contentTypeDescription="Crée un document." ma:contentTypeScope="" ma:versionID="546d018dda1d24d933136aa4939ad88f">
   <xsd:schema xmlns:xsd="http://www.w3.org/2001/XMLSchema" xmlns:xs="http://www.w3.org/2001/XMLSchema" xmlns:p="http://schemas.microsoft.com/office/2006/metadata/properties" xmlns:ns2="171f1213-7bf6-4d86-990a-6b8ce816bd43" xmlns:ns3="eff491a8-9e89-43ed-bdac-cae08270df65" targetNamespace="http://schemas.microsoft.com/office/2006/metadata/properties" ma:root="true" ma:fieldsID="6e1ae2b7d1eaf98eb406aedefb875955" ns2:_="" ns3:_="">
     <xsd:import namespace="171f1213-7bf6-4d86-990a-6b8ce816bd43"/>
@@ -24926,17 +25401,6 @@
 </ct:contentTypeSchema>
 </file>
 
-<file path=customXml/item2.xml><?xml version="1.0" encoding="utf-8"?>
-<p:properties xmlns:p="http://schemas.microsoft.com/office/2006/metadata/properties" xmlns:xsi="http://www.w3.org/2001/XMLSchema-instance" xmlns:pc="http://schemas.microsoft.com/office/infopath/2007/PartnerControls">
-  <documentManagement>
-    <TaxCatchAll xmlns="eff491a8-9e89-43ed-bdac-cae08270df65" xsi:nil="true"/>
-    <lcf76f155ced4ddcb4097134ff3c332f xmlns="171f1213-7bf6-4d86-990a-6b8ce816bd43">
-      <Terms xmlns="http://schemas.microsoft.com/office/infopath/2007/PartnerControls"/>
-    </lcf76f155ced4ddcb4097134ff3c332f>
-  </documentManagement>
-</p:properties>
-</file>
-
 <file path=customXml/item3.xml><?xml version="1.0" encoding="utf-8"?>
 <?mso-contentType ?>
 <FormTemplates xmlns="http://schemas.microsoft.com/sharepoint/v3/contenttype/forms">
@@ -24947,6 +25411,24 @@
 </file>
 
 <file path=customXml/itemProps1.xml><?xml version="1.0" encoding="utf-8"?>
+<ds:datastoreItem xmlns:ds="http://schemas.openxmlformats.org/officeDocument/2006/customXml" ds:itemID="{54B223DC-0EA2-4B5D-8283-CB961A092825}">
+  <ds:schemaRefs>
+    <ds:schemaRef ds:uri="http://schemas.microsoft.com/office/2006/documentManagement/types"/>
+    <ds:schemaRef ds:uri="http://purl.org/dc/elements/1.1/"/>
+    <ds:schemaRef ds:uri="http://schemas.microsoft.com/office/2006/metadata/properties"/>
+    <ds:schemaRef ds:uri="http://schemas.microsoft.com/sharepoint/v3"/>
+    <ds:schemaRef ds:uri="http://purl.org/dc/terms/"/>
+    <ds:schemaRef ds:uri="http://schemas.openxmlformats.org/package/2006/metadata/core-properties"/>
+    <ds:schemaRef ds:uri="http://purl.org/dc/dcmitype/"/>
+    <ds:schemaRef ds:uri="http://schemas.microsoft.com/office/infopath/2007/PartnerControls"/>
+    <ds:schemaRef ds:uri="http://www.w3.org/XML/1998/namespace"/>
+    <ds:schemaRef ds:uri="eff491a8-9e89-43ed-bdac-cae08270df65"/>
+    <ds:schemaRef ds:uri="171f1213-7bf6-4d86-990a-6b8ce816bd43"/>
+  </ds:schemaRefs>
+</ds:datastoreItem>
+</file>
+
+<file path=customXml/itemProps2.xml><?xml version="1.0" encoding="utf-8"?>
 <ds:datastoreItem xmlns:ds="http://schemas.openxmlformats.org/officeDocument/2006/customXml" ds:itemID="{702E500B-C12C-4E9E-A03B-EBA9A45F5EED}">
   <ds:schemaRefs>
     <ds:schemaRef ds:uri="http://schemas.microsoft.com/office/2006/metadata/contentType"/>
@@ -24965,24 +25447,6 @@
 </ds:datastoreItem>
 </file>
 
-<file path=customXml/itemProps2.xml><?xml version="1.0" encoding="utf-8"?>
-<ds:datastoreItem xmlns:ds="http://schemas.openxmlformats.org/officeDocument/2006/customXml" ds:itemID="{54B223DC-0EA2-4B5D-8283-CB961A092825}">
-  <ds:schemaRefs>
-    <ds:schemaRef ds:uri="http://schemas.microsoft.com/office/2006/documentManagement/types"/>
-    <ds:schemaRef ds:uri="http://purl.org/dc/elements/1.1/"/>
-    <ds:schemaRef ds:uri="http://schemas.microsoft.com/office/2006/metadata/properties"/>
-    <ds:schemaRef ds:uri="http://schemas.microsoft.com/sharepoint/v3"/>
-    <ds:schemaRef ds:uri="http://purl.org/dc/terms/"/>
-    <ds:schemaRef ds:uri="http://schemas.openxmlformats.org/package/2006/metadata/core-properties"/>
-    <ds:schemaRef ds:uri="http://purl.org/dc/dcmitype/"/>
-    <ds:schemaRef ds:uri="http://schemas.microsoft.com/office/infopath/2007/PartnerControls"/>
-    <ds:schemaRef ds:uri="http://www.w3.org/XML/1998/namespace"/>
-    <ds:schemaRef ds:uri="eff491a8-9e89-43ed-bdac-cae08270df65"/>
-    <ds:schemaRef ds:uri="171f1213-7bf6-4d86-990a-6b8ce816bd43"/>
-  </ds:schemaRefs>
-</ds:datastoreItem>
-</file>
-
 <file path=customXml/itemProps3.xml><?xml version="1.0" encoding="utf-8"?>
 <ds:datastoreItem xmlns:ds="http://schemas.openxmlformats.org/officeDocument/2006/customXml" ds:itemID="{7BC9E46E-2939-4C92-A847-189854327AFD}">
   <ds:schemaRefs>

--- a/presentation/LORA-RPoenaru.pptx
+++ b/presentation/LORA-RPoenaru.pptx
@@ -6,7 +6,7 @@
     <p:sldMasterId id="2147483658" r:id="rId5"/>
   </p:sldMasterIdLst>
   <p:notesMasterIdLst>
-    <p:notesMasterId r:id="rId19"/>
+    <p:notesMasterId r:id="rId20"/>
   </p:notesMasterIdLst>
   <p:sldIdLst>
     <p:sldId id="300" r:id="rId6"/>
@@ -17,11 +17,12 @@
     <p:sldId id="303" r:id="rId11"/>
     <p:sldId id="304" r:id="rId12"/>
     <p:sldId id="305" r:id="rId13"/>
-    <p:sldId id="292" r:id="rId14"/>
-    <p:sldId id="293" r:id="rId15"/>
-    <p:sldId id="294" r:id="rId16"/>
-    <p:sldId id="298" r:id="rId17"/>
-    <p:sldId id="287" r:id="rId18"/>
+    <p:sldId id="306" r:id="rId14"/>
+    <p:sldId id="292" r:id="rId15"/>
+    <p:sldId id="293" r:id="rId16"/>
+    <p:sldId id="294" r:id="rId17"/>
+    <p:sldId id="298" r:id="rId18"/>
+    <p:sldId id="287" r:id="rId19"/>
   </p:sldIdLst>
   <p:sldSz cx="9144000" cy="5143500" type="screen16x9"/>
   <p:notesSz cx="6858000" cy="9144000"/>
@@ -2056,68 +2057,86 @@
 </file>
 
 <file path=ppt/diagrams/colors2.xml><?xml version="1.0" encoding="utf-8"?>
-<dgm:colorsDef xmlns:dgm="http://schemas.openxmlformats.org/drawingml/2006/diagram" xmlns:a="http://schemas.openxmlformats.org/drawingml/2006/main" uniqueId="urn:microsoft.com/office/officeart/2005/8/colors/accent1_2">
+<dgm:colorsDef xmlns:dgm="http://schemas.openxmlformats.org/drawingml/2006/diagram" xmlns:a="http://schemas.openxmlformats.org/drawingml/2006/main" uniqueId="urn:microsoft.com/office/officeart/2005/8/colors/accent1_1">
   <dgm:title val=""/>
   <dgm:desc val=""/>
   <dgm:catLst>
-    <dgm:cat type="accent1" pri="11200"/>
+    <dgm:cat type="accent1" pri="11100"/>
   </dgm:catLst>
   <dgm:styleLbl name="node0">
     <dgm:fillClrLst meth="repeat">
-      <a:schemeClr val="accent1"/>
+      <a:schemeClr val="lt1"/>
     </dgm:fillClrLst>
     <dgm:linClrLst meth="repeat">
-      <a:schemeClr val="lt1"/>
+      <a:schemeClr val="accent1">
+        <a:shade val="80000"/>
+      </a:schemeClr>
     </dgm:linClrLst>
     <dgm:effectClrLst/>
     <dgm:txLinClrLst/>
-    <dgm:txFillClrLst/>
+    <dgm:txFillClrLst meth="repeat">
+      <a:schemeClr val="dk1"/>
+    </dgm:txFillClrLst>
     <dgm:txEffectClrLst/>
   </dgm:styleLbl>
   <dgm:styleLbl name="alignNode1">
     <dgm:fillClrLst meth="repeat">
-      <a:schemeClr val="accent1"/>
+      <a:schemeClr val="lt1"/>
     </dgm:fillClrLst>
     <dgm:linClrLst meth="repeat">
-      <a:schemeClr val="accent1"/>
+      <a:schemeClr val="accent1">
+        <a:shade val="80000"/>
+      </a:schemeClr>
     </dgm:linClrLst>
     <dgm:effectClrLst/>
     <dgm:txLinClrLst/>
-    <dgm:txFillClrLst/>
+    <dgm:txFillClrLst meth="repeat">
+      <a:schemeClr val="dk1"/>
+    </dgm:txFillClrLst>
     <dgm:txEffectClrLst/>
   </dgm:styleLbl>
   <dgm:styleLbl name="node1">
     <dgm:fillClrLst meth="repeat">
-      <a:schemeClr val="accent1"/>
+      <a:schemeClr val="lt1"/>
     </dgm:fillClrLst>
     <dgm:linClrLst meth="repeat">
-      <a:schemeClr val="lt1"/>
+      <a:schemeClr val="accent1">
+        <a:shade val="80000"/>
+      </a:schemeClr>
     </dgm:linClrLst>
     <dgm:effectClrLst/>
     <dgm:txLinClrLst/>
-    <dgm:txFillClrLst/>
+    <dgm:txFillClrLst meth="repeat">
+      <a:schemeClr val="dk1"/>
+    </dgm:txFillClrLst>
     <dgm:txEffectClrLst/>
   </dgm:styleLbl>
   <dgm:styleLbl name="lnNode1">
     <dgm:fillClrLst meth="repeat">
-      <a:schemeClr val="accent1"/>
+      <a:schemeClr val="lt1"/>
     </dgm:fillClrLst>
     <dgm:linClrLst meth="repeat">
-      <a:schemeClr val="lt1"/>
+      <a:schemeClr val="accent1">
+        <a:shade val="80000"/>
+      </a:schemeClr>
     </dgm:linClrLst>
     <dgm:effectClrLst/>
     <dgm:txLinClrLst/>
-    <dgm:txFillClrLst/>
+    <dgm:txFillClrLst meth="repeat">
+      <a:schemeClr val="dk1"/>
+    </dgm:txFillClrLst>
     <dgm:txEffectClrLst/>
   </dgm:styleLbl>
   <dgm:styleLbl name="vennNode1">
     <dgm:fillClrLst meth="repeat">
-      <a:schemeClr val="accent1">
+      <a:schemeClr val="lt1">
         <a:alpha val="50000"/>
       </a:schemeClr>
     </dgm:fillClrLst>
     <dgm:linClrLst meth="repeat">
-      <a:schemeClr val="lt1"/>
+      <a:schemeClr val="accent1">
+        <a:shade val="80000"/>
+      </a:schemeClr>
     </dgm:linClrLst>
     <dgm:effectClrLst/>
     <dgm:txLinClrLst/>
@@ -2126,48 +2145,62 @@
   </dgm:styleLbl>
   <dgm:styleLbl name="node2">
     <dgm:fillClrLst meth="repeat">
-      <a:schemeClr val="accent1"/>
+      <a:schemeClr val="lt1"/>
     </dgm:fillClrLst>
     <dgm:linClrLst meth="repeat">
-      <a:schemeClr val="lt1"/>
+      <a:schemeClr val="accent1">
+        <a:shade val="80000"/>
+      </a:schemeClr>
     </dgm:linClrLst>
     <dgm:effectClrLst/>
     <dgm:txLinClrLst/>
-    <dgm:txFillClrLst/>
+    <dgm:txFillClrLst meth="repeat">
+      <a:schemeClr val="dk1"/>
+    </dgm:txFillClrLst>
     <dgm:txEffectClrLst/>
   </dgm:styleLbl>
   <dgm:styleLbl name="node3">
     <dgm:fillClrLst meth="repeat">
-      <a:schemeClr val="accent1"/>
+      <a:schemeClr val="lt1"/>
     </dgm:fillClrLst>
     <dgm:linClrLst meth="repeat">
-      <a:schemeClr val="lt1"/>
+      <a:schemeClr val="accent1">
+        <a:shade val="80000"/>
+      </a:schemeClr>
     </dgm:linClrLst>
     <dgm:effectClrLst/>
     <dgm:txLinClrLst/>
-    <dgm:txFillClrLst/>
+    <dgm:txFillClrLst meth="repeat">
+      <a:schemeClr val="dk1"/>
+    </dgm:txFillClrLst>
     <dgm:txEffectClrLst/>
   </dgm:styleLbl>
   <dgm:styleLbl name="node4">
     <dgm:fillClrLst meth="repeat">
-      <a:schemeClr val="accent1"/>
+      <a:schemeClr val="lt1"/>
     </dgm:fillClrLst>
     <dgm:linClrLst meth="repeat">
-      <a:schemeClr val="lt1"/>
+      <a:schemeClr val="accent1">
+        <a:shade val="80000"/>
+      </a:schemeClr>
     </dgm:linClrLst>
     <dgm:effectClrLst/>
     <dgm:txLinClrLst/>
-    <dgm:txFillClrLst/>
+    <dgm:txFillClrLst meth="repeat">
+      <a:schemeClr val="dk1"/>
+    </dgm:txFillClrLst>
     <dgm:txEffectClrLst/>
   </dgm:styleLbl>
   <dgm:styleLbl name="fgImgPlace1">
     <dgm:fillClrLst meth="repeat">
       <a:schemeClr val="accent1">
-        <a:tint val="50000"/>
+        <a:tint val="40000"/>
       </a:schemeClr>
     </dgm:fillClrLst>
     <dgm:linClrLst meth="repeat">
-      <a:schemeClr val="lt1"/>
+      <a:schemeClr val="accent1">
+        <a:shade val="80000"/>
+      </a:schemeClr>
     </dgm:linClrLst>
     <dgm:effectClrLst/>
     <dgm:txLinClrLst/>
@@ -2179,11 +2212,13 @@
   <dgm:styleLbl name="alignImgPlace1">
     <dgm:fillClrLst meth="repeat">
       <a:schemeClr val="accent1">
-        <a:tint val="50000"/>
+        <a:tint val="40000"/>
       </a:schemeClr>
     </dgm:fillClrLst>
     <dgm:linClrLst meth="repeat">
-      <a:schemeClr val="lt1"/>
+      <a:schemeClr val="accent1">
+        <a:shade val="80000"/>
+      </a:schemeClr>
     </dgm:linClrLst>
     <dgm:effectClrLst/>
     <dgm:txLinClrLst/>
@@ -2195,11 +2230,13 @@
   <dgm:styleLbl name="bgImgPlace1">
     <dgm:fillClrLst meth="repeat">
       <a:schemeClr val="accent1">
-        <a:tint val="50000"/>
+        <a:tint val="40000"/>
       </a:schemeClr>
     </dgm:fillClrLst>
     <dgm:linClrLst meth="repeat">
-      <a:schemeClr val="lt1"/>
+      <a:schemeClr val="accent1">
+        <a:shade val="80000"/>
+      </a:schemeClr>
     </dgm:linClrLst>
     <dgm:effectClrLst/>
     <dgm:txLinClrLst/>
@@ -2221,7 +2258,9 @@
     </dgm:linClrLst>
     <dgm:effectClrLst/>
     <dgm:txLinClrLst/>
-    <dgm:txFillClrLst/>
+    <dgm:txFillClrLst meth="repeat">
+      <a:schemeClr val="dk1"/>
+    </dgm:txFillClrLst>
     <dgm:txEffectClrLst/>
   </dgm:styleLbl>
   <dgm:styleLbl name="fgSibTrans2D1">
@@ -2237,7 +2276,9 @@
     </dgm:linClrLst>
     <dgm:effectClrLst/>
     <dgm:txLinClrLst/>
-    <dgm:txFillClrLst/>
+    <dgm:txFillClrLst meth="repeat">
+      <a:schemeClr val="dk1"/>
+    </dgm:txFillClrLst>
     <dgm:txEffectClrLst/>
   </dgm:styleLbl>
   <dgm:styleLbl name="bgSibTrans2D1">
@@ -2253,7 +2294,9 @@
     </dgm:linClrLst>
     <dgm:effectClrLst/>
     <dgm:txLinClrLst/>
-    <dgm:txFillClrLst/>
+    <dgm:txFillClrLst meth="repeat">
+      <a:schemeClr val="dk1"/>
+    </dgm:txFillClrLst>
     <dgm:txEffectClrLst/>
   </dgm:styleLbl>
   <dgm:styleLbl name="sibTrans1D1">
@@ -2275,9 +2318,7 @@
       <a:schemeClr val="accent1"/>
     </dgm:fillClrLst>
     <dgm:linClrLst meth="repeat">
-      <a:schemeClr val="accent1">
-        <a:tint val="50000"/>
-      </a:schemeClr>
+      <a:schemeClr val="accent1"/>
     </dgm:linClrLst>
     <dgm:effectClrLst/>
     <dgm:txLinClrLst/>
@@ -2288,62 +2329,82 @@
   </dgm:styleLbl>
   <dgm:styleLbl name="asst0">
     <dgm:fillClrLst meth="repeat">
-      <a:schemeClr val="accent1"/>
+      <a:schemeClr val="lt1"/>
     </dgm:fillClrLst>
     <dgm:linClrLst meth="repeat">
-      <a:schemeClr val="lt1"/>
+      <a:schemeClr val="accent1">
+        <a:shade val="80000"/>
+      </a:schemeClr>
     </dgm:linClrLst>
     <dgm:effectClrLst/>
     <dgm:txLinClrLst/>
-    <dgm:txFillClrLst/>
+    <dgm:txFillClrLst meth="repeat">
+      <a:schemeClr val="dk1"/>
+    </dgm:txFillClrLst>
     <dgm:txEffectClrLst/>
   </dgm:styleLbl>
   <dgm:styleLbl name="asst1">
     <dgm:fillClrLst meth="repeat">
-      <a:schemeClr val="accent1"/>
+      <a:schemeClr val="lt1"/>
     </dgm:fillClrLst>
     <dgm:linClrLst meth="repeat">
-      <a:schemeClr val="lt1"/>
+      <a:schemeClr val="accent1">
+        <a:shade val="80000"/>
+      </a:schemeClr>
     </dgm:linClrLst>
     <dgm:effectClrLst/>
     <dgm:txLinClrLst/>
-    <dgm:txFillClrLst/>
+    <dgm:txFillClrLst meth="repeat">
+      <a:schemeClr val="dk1"/>
+    </dgm:txFillClrLst>
     <dgm:txEffectClrLst/>
   </dgm:styleLbl>
   <dgm:styleLbl name="asst2">
     <dgm:fillClrLst meth="repeat">
-      <a:schemeClr val="accent1"/>
+      <a:schemeClr val="lt1"/>
     </dgm:fillClrLst>
     <dgm:linClrLst meth="repeat">
-      <a:schemeClr val="lt1"/>
+      <a:schemeClr val="accent1">
+        <a:shade val="80000"/>
+      </a:schemeClr>
     </dgm:linClrLst>
     <dgm:effectClrLst/>
     <dgm:txLinClrLst/>
-    <dgm:txFillClrLst/>
+    <dgm:txFillClrLst meth="repeat">
+      <a:schemeClr val="dk1"/>
+    </dgm:txFillClrLst>
     <dgm:txEffectClrLst/>
   </dgm:styleLbl>
   <dgm:styleLbl name="asst3">
     <dgm:fillClrLst meth="repeat">
-      <a:schemeClr val="accent1"/>
+      <a:schemeClr val="lt1"/>
     </dgm:fillClrLst>
     <dgm:linClrLst meth="repeat">
-      <a:schemeClr val="lt1"/>
+      <a:schemeClr val="accent1">
+        <a:shade val="80000"/>
+      </a:schemeClr>
     </dgm:linClrLst>
     <dgm:effectClrLst/>
     <dgm:txLinClrLst/>
-    <dgm:txFillClrLst/>
+    <dgm:txFillClrLst meth="repeat">
+      <a:schemeClr val="dk1"/>
+    </dgm:txFillClrLst>
     <dgm:txEffectClrLst/>
   </dgm:styleLbl>
   <dgm:styleLbl name="asst4">
     <dgm:fillClrLst meth="repeat">
-      <a:schemeClr val="accent1"/>
+      <a:schemeClr val="lt1"/>
     </dgm:fillClrLst>
     <dgm:linClrLst meth="repeat">
-      <a:schemeClr val="lt1"/>
+      <a:schemeClr val="accent1">
+        <a:shade val="80000"/>
+      </a:schemeClr>
     </dgm:linClrLst>
     <dgm:effectClrLst/>
     <dgm:txLinClrLst/>
-    <dgm:txFillClrLst/>
+    <dgm:txFillClrLst meth="repeat">
+      <a:schemeClr val="dk1"/>
+    </dgm:txFillClrLst>
     <dgm:txEffectClrLst/>
   </dgm:styleLbl>
   <dgm:styleLbl name="parChTrans2D1">
@@ -2359,9 +2420,7 @@
     </dgm:linClrLst>
     <dgm:effectClrLst/>
     <dgm:txLinClrLst/>
-    <dgm:txFillClrLst meth="repeat">
-      <a:schemeClr val="lt1"/>
-    </dgm:txFillClrLst>
+    <dgm:txFillClrLst/>
     <dgm:txEffectClrLst/>
   </dgm:styleLbl>
   <dgm:styleLbl name="parChTrans2D2">
@@ -2373,9 +2432,7 @@
     </dgm:linClrLst>
     <dgm:effectClrLst/>
     <dgm:txLinClrLst/>
-    <dgm:txFillClrLst meth="repeat">
-      <a:schemeClr val="lt1"/>
-    </dgm:txFillClrLst>
+    <dgm:txFillClrLst/>
     <dgm:txEffectClrLst/>
   </dgm:styleLbl>
   <dgm:styleLbl name="parChTrans2D3">
@@ -2387,9 +2444,7 @@
     </dgm:linClrLst>
     <dgm:effectClrLst/>
     <dgm:txLinClrLst/>
-    <dgm:txFillClrLst meth="repeat">
-      <a:schemeClr val="lt1"/>
-    </dgm:txFillClrLst>
+    <dgm:txFillClrLst/>
     <dgm:txEffectClrLst/>
   </dgm:styleLbl>
   <dgm:styleLbl name="parChTrans2D4">
@@ -2472,8 +2527,9 @@
   </dgm:styleLbl>
   <dgm:styleLbl name="fgAcc1">
     <dgm:fillClrLst meth="repeat">
-      <a:schemeClr val="lt1">
+      <a:schemeClr val="accent1">
         <a:alpha val="90000"/>
+        <a:tint val="40000"/>
       </a:schemeClr>
     </dgm:fillClrLst>
     <dgm:linClrLst meth="repeat">
@@ -2488,8 +2544,9 @@
   </dgm:styleLbl>
   <dgm:styleLbl name="conFgAcc1">
     <dgm:fillClrLst meth="repeat">
-      <a:schemeClr val="lt1">
+      <a:schemeClr val="accent1">
         <a:alpha val="90000"/>
+        <a:tint val="40000"/>
       </a:schemeClr>
     </dgm:fillClrLst>
     <dgm:linClrLst meth="repeat">
@@ -2504,8 +2561,9 @@
   </dgm:styleLbl>
   <dgm:styleLbl name="alignAcc1">
     <dgm:fillClrLst meth="repeat">
-      <a:schemeClr val="lt1">
+      <a:schemeClr val="accent1">
         <a:alpha val="90000"/>
+        <a:tint val="40000"/>
       </a:schemeClr>
     </dgm:fillClrLst>
     <dgm:linClrLst meth="repeat">
@@ -2520,8 +2578,9 @@
   </dgm:styleLbl>
   <dgm:styleLbl name="trAlignAcc1">
     <dgm:fillClrLst meth="repeat">
-      <a:schemeClr val="lt1">
+      <a:schemeClr val="accent1">
         <a:alpha val="40000"/>
+        <a:tint val="40000"/>
       </a:schemeClr>
     </dgm:fillClrLst>
     <dgm:linClrLst meth="repeat">
@@ -2536,8 +2595,9 @@
   </dgm:styleLbl>
   <dgm:styleLbl name="bgAcc1">
     <dgm:fillClrLst meth="repeat">
-      <a:schemeClr val="lt1">
+      <a:schemeClr val="accent1">
         <a:alpha val="90000"/>
+        <a:tint val="40000"/>
       </a:schemeClr>
     </dgm:fillClrLst>
     <dgm:linClrLst meth="repeat">
@@ -2594,7 +2654,7 @@
   </dgm:styleLbl>
   <dgm:styleLbl name="fgAccFollowNode1">
     <dgm:fillClrLst meth="repeat">
-      <a:schemeClr val="accent1">
+      <a:schemeClr val="lt1">
         <a:alpha val="90000"/>
         <a:tint val="40000"/>
       </a:schemeClr>
@@ -2602,7 +2662,6 @@
     <dgm:linClrLst meth="repeat">
       <a:schemeClr val="accent1">
         <a:alpha val="90000"/>
-        <a:tint val="40000"/>
       </a:schemeClr>
     </dgm:linClrLst>
     <dgm:effectClrLst/>
@@ -2614,7 +2673,7 @@
   </dgm:styleLbl>
   <dgm:styleLbl name="alignAccFollowNode1">
     <dgm:fillClrLst meth="repeat">
-      <a:schemeClr val="accent1">
+      <a:schemeClr val="lt1">
         <a:alpha val="90000"/>
         <a:tint val="40000"/>
       </a:schemeClr>
@@ -2622,7 +2681,6 @@
     <dgm:linClrLst meth="repeat">
       <a:schemeClr val="accent1">
         <a:alpha val="90000"/>
-        <a:tint val="40000"/>
       </a:schemeClr>
     </dgm:linClrLst>
     <dgm:effectClrLst/>
@@ -2634,7 +2692,7 @@
   </dgm:styleLbl>
   <dgm:styleLbl name="bgAccFollowNode1">
     <dgm:fillClrLst meth="repeat">
-      <a:schemeClr val="accent1">
+      <a:schemeClr val="lt1">
         <a:alpha val="90000"/>
         <a:tint val="40000"/>
       </a:schemeClr>
@@ -2642,7 +2700,6 @@
     <dgm:linClrLst meth="repeat">
       <a:schemeClr val="accent1">
         <a:alpha val="90000"/>
-        <a:tint val="40000"/>
       </a:schemeClr>
     </dgm:linClrLst>
     <dgm:effectClrLst/>
@@ -2654,8 +2711,9 @@
   </dgm:styleLbl>
   <dgm:styleLbl name="fgAcc0">
     <dgm:fillClrLst meth="repeat">
-      <a:schemeClr val="lt1">
+      <a:schemeClr val="accent1">
         <a:alpha val="90000"/>
+        <a:tint val="40000"/>
       </a:schemeClr>
     </dgm:fillClrLst>
     <dgm:linClrLst meth="repeat">
@@ -2670,8 +2728,9 @@
   </dgm:styleLbl>
   <dgm:styleLbl name="fgAcc2">
     <dgm:fillClrLst meth="repeat">
-      <a:schemeClr val="lt1">
+      <a:schemeClr val="accent1">
         <a:alpha val="90000"/>
+        <a:tint val="40000"/>
       </a:schemeClr>
     </dgm:fillClrLst>
     <dgm:linClrLst meth="repeat">
@@ -2686,8 +2745,9 @@
   </dgm:styleLbl>
   <dgm:styleLbl name="fgAcc3">
     <dgm:fillClrLst meth="repeat">
-      <a:schemeClr val="lt1">
+      <a:schemeClr val="accent1">
         <a:alpha val="90000"/>
+        <a:tint val="40000"/>
       </a:schemeClr>
     </dgm:fillClrLst>
     <dgm:linClrLst meth="repeat">
@@ -2702,8 +2762,9 @@
   </dgm:styleLbl>
   <dgm:styleLbl name="fgAcc4">
     <dgm:fillClrLst meth="repeat">
-      <a:schemeClr val="lt1">
+      <a:schemeClr val="accent1">
         <a:alpha val="90000"/>
+        <a:tint val="40000"/>
       </a:schemeClr>
     </dgm:fillClrLst>
     <dgm:linClrLst meth="repeat">
@@ -3009,7 +3070,7 @@
 <dgm:dataModel xmlns:dgm="http://schemas.openxmlformats.org/drawingml/2006/diagram" xmlns:a="http://schemas.openxmlformats.org/drawingml/2006/main">
   <dgm:ptLst>
     <dgm:pt modelId="{EF092976-5524-0645-80C9-E16ED49D103C}" type="doc">
-      <dgm:prSet loTypeId="urn:microsoft.com/office/officeart/2005/8/layout/equation1" loCatId="" qsTypeId="urn:microsoft.com/office/officeart/2005/8/quickstyle/simple1" qsCatId="simple" csTypeId="urn:microsoft.com/office/officeart/2005/8/colors/accent1_2" csCatId="accent1" phldr="1"/>
+      <dgm:prSet loTypeId="urn:microsoft.com/office/officeart/2005/8/layout/equation1" loCatId="" qsTypeId="urn:microsoft.com/office/officeart/2005/8/quickstyle/simple1" qsCatId="simple" csTypeId="urn:microsoft.com/office/officeart/2005/8/colors/accent1_1" csCatId="accent1" phldr="1"/>
       <dgm:spPr/>
     </dgm:pt>
     <dgm:pt modelId="{B72CEE0B-1CF3-E44E-BDD2-9F35C6C2F141}">
@@ -3542,7 +3603,7 @@
           <a:avLst/>
         </a:prstGeom>
         <a:solidFill>
-          <a:schemeClr val="accent1">
+          <a:schemeClr val="lt1">
             <a:hueOff val="0"/>
             <a:satOff val="0"/>
             <a:lumOff val="0"/>
@@ -3551,7 +3612,8 @@
         </a:solidFill>
         <a:ln w="25400" cap="flat" cmpd="sng" algn="ctr">
           <a:solidFill>
-            <a:schemeClr val="lt1">
+            <a:schemeClr val="accent1">
+              <a:shade val="80000"/>
               <a:hueOff val="0"/>
               <a:satOff val="0"/>
               <a:lumOff val="0"/>
@@ -3686,7 +3748,7 @@
           <a:avLst/>
         </a:prstGeom>
         <a:solidFill>
-          <a:schemeClr val="accent1">
+          <a:schemeClr val="lt1">
             <a:hueOff val="0"/>
             <a:satOff val="0"/>
             <a:lumOff val="0"/>
@@ -3695,7 +3757,8 @@
         </a:solidFill>
         <a:ln w="25400" cap="flat" cmpd="sng" algn="ctr">
           <a:solidFill>
-            <a:schemeClr val="lt1">
+            <a:schemeClr val="accent1">
+              <a:shade val="80000"/>
               <a:hueOff val="0"/>
               <a:satOff val="0"/>
               <a:lumOff val="0"/>
@@ -3830,7 +3893,7 @@
           <a:avLst/>
         </a:prstGeom>
         <a:solidFill>
-          <a:schemeClr val="accent1">
+          <a:schemeClr val="lt1">
             <a:hueOff val="0"/>
             <a:satOff val="0"/>
             <a:lumOff val="0"/>
@@ -3839,7 +3902,8 @@
         </a:solidFill>
         <a:ln w="25400" cap="flat" cmpd="sng" algn="ctr">
           <a:solidFill>
-            <a:schemeClr val="lt1">
+            <a:schemeClr val="accent1">
+              <a:shade val="80000"/>
               <a:hueOff val="0"/>
               <a:satOff val="0"/>
               <a:lumOff val="0"/>
@@ -3974,7 +4038,7 @@
           <a:avLst/>
         </a:prstGeom>
         <a:solidFill>
-          <a:schemeClr val="accent1">
+          <a:schemeClr val="lt1">
             <a:hueOff val="0"/>
             <a:satOff val="0"/>
             <a:lumOff val="0"/>
@@ -3983,7 +4047,8 @@
         </a:solidFill>
         <a:ln w="25400" cap="flat" cmpd="sng" algn="ctr">
           <a:solidFill>
-            <a:schemeClr val="lt1">
+            <a:schemeClr val="accent1">
+              <a:shade val="80000"/>
               <a:hueOff val="0"/>
               <a:satOff val="0"/>
               <a:lumOff val="0"/>
@@ -7971,7 +8036,7 @@
                 </a:solidFill>
               </a:rPr>
               <a:pPr/>
-              <a:t>12</a:t>
+              <a:t>13</a:t>
             </a:fld>
             <a:endParaRPr lang="en-GB">
               <a:solidFill>
@@ -17232,8 +17297,8 @@
         </p:nvSpPr>
         <p:spPr>
           <a:xfrm>
-            <a:off x="814145" y="2420856"/>
-            <a:ext cx="7250175" cy="1504802"/>
+            <a:off x="318127" y="566563"/>
+            <a:ext cx="8058122" cy="1504802"/>
           </a:xfrm>
         </p:spPr>
         <p:txBody>
@@ -17261,25 +17326,25 @@
         </p:nvSpPr>
         <p:spPr>
           <a:xfrm>
-            <a:off x="398858" y="645563"/>
-            <a:ext cx="4792979" cy="1231106"/>
+            <a:off x="318127" y="4020920"/>
+            <a:ext cx="2258078" cy="276999"/>
           </a:xfrm>
           <a:prstGeom prst="rect">
             <a:avLst/>
           </a:prstGeom>
         </p:spPr>
         <p:txBody>
-          <a:bodyPr wrap="none" lIns="0" tIns="0" rIns="0" bIns="0" rtlCol="0">
+          <a:bodyPr wrap="square" lIns="0" tIns="0" rIns="0" bIns="0" rtlCol="0">
             <a:spAutoFit/>
           </a:bodyPr>
           <a:lstStyle/>
           <a:p>
             <a:r>
-              <a:rPr lang="en-US" sz="4000" noProof="0" dirty="0"/>
+              <a:rPr lang="en-US" noProof="0" dirty="0"/>
               <a:t>Dev Test </a:t>
             </a:r>
             <a:r>
-              <a:rPr lang="en-US" sz="4000" noProof="0" dirty="0">
+              <a:rPr lang="en-US" noProof="0" dirty="0">
                 <a:solidFill>
                   <a:schemeClr val="bg2"/>
                 </a:solidFill>
@@ -17287,18 +17352,8 @@
               <a:t>Days</a:t>
             </a:r>
             <a:r>
-              <a:rPr lang="en-US" sz="4000" noProof="0" dirty="0"/>
+              <a:rPr lang="en-US" noProof="0" dirty="0"/>
               <a:t> 2025</a:t>
-            </a:r>
-          </a:p>
-          <a:p>
-            <a:r>
-              <a:rPr lang="en-US" sz="4000" noProof="0" dirty="0">
-                <a:solidFill>
-                  <a:schemeClr val="bg2"/>
-                </a:solidFill>
-              </a:rPr>
-              <a:t>Onsite edition</a:t>
             </a:r>
           </a:p>
         </p:txBody>
@@ -17317,8 +17372,8 @@
         </p:nvSpPr>
         <p:spPr>
           <a:xfrm>
-            <a:off x="726114" y="3374246"/>
-            <a:ext cx="3026335" cy="369332"/>
+            <a:off x="249114" y="2662883"/>
+            <a:ext cx="2938304" cy="369332"/>
           </a:xfrm>
           <a:prstGeom prst="rect">
             <a:avLst/>
@@ -17339,6 +17394,89 @@
               </a:rPr>
               <a:t>Robert Poenaru</a:t>
             </a:r>
+          </a:p>
+        </p:txBody>
+      </p:sp>
+      <p:pic>
+        <p:nvPicPr>
+          <p:cNvPr id="6" name="Picture 5">
+            <a:extLst>
+              <a:ext uri="{FF2B5EF4-FFF2-40B4-BE49-F238E27FC236}">
+                <a16:creationId xmlns:a16="http://schemas.microsoft.com/office/drawing/2014/main" id="{7A4D557E-73D5-CCBE-878B-2D2D70C83ED0}"/>
+              </a:ext>
+            </a:extLst>
+          </p:cNvPr>
+          <p:cNvPicPr>
+            <a:picLocks noChangeAspect="1"/>
+          </p:cNvPicPr>
+          <p:nvPr/>
+        </p:nvPicPr>
+        <p:blipFill>
+          <a:blip r:embed="rId2"/>
+          <a:stretch>
+            <a:fillRect/>
+          </a:stretch>
+        </p:blipFill>
+        <p:spPr>
+          <a:xfrm>
+            <a:off x="318127" y="4335512"/>
+            <a:ext cx="236628" cy="236628"/>
+          </a:xfrm>
+          <a:prstGeom prst="rect">
+            <a:avLst/>
+          </a:prstGeom>
+        </p:spPr>
+      </p:pic>
+      <p:sp>
+        <p:nvSpPr>
+          <p:cNvPr id="8" name="TextBox 7">
+            <a:hlinkClick r:id="rId3"/>
+            <a:extLst>
+              <a:ext uri="{FF2B5EF4-FFF2-40B4-BE49-F238E27FC236}">
+                <a16:creationId xmlns:a16="http://schemas.microsoft.com/office/drawing/2014/main" id="{54DAFE9B-5023-53EC-B87E-F97771A8B7F1}"/>
+              </a:ext>
+            </a:extLst>
+          </p:cNvPr>
+          <p:cNvSpPr txBox="1"/>
+          <p:nvPr/>
+        </p:nvSpPr>
+        <p:spPr>
+          <a:xfrm>
+            <a:off x="468188" y="4330716"/>
+            <a:ext cx="1411799" cy="246221"/>
+          </a:xfrm>
+          <a:prstGeom prst="rect">
+            <a:avLst/>
+          </a:prstGeom>
+          <a:noFill/>
+        </p:spPr>
+        <p:txBody>
+          <a:bodyPr wrap="square">
+            <a:spAutoFit/>
+          </a:bodyPr>
+          <a:lstStyle/>
+          <a:p>
+            <a:r>
+              <a:rPr lang="en-US" sz="1000" dirty="0" err="1">
+                <a:solidFill>
+                  <a:srgbClr val="FF7900"/>
+                </a:solidFill>
+              </a:rPr>
+              <a:t>sessionize</a:t>
+            </a:r>
+            <a:r>
+              <a:rPr lang="en-US" sz="1000" dirty="0">
+                <a:solidFill>
+                  <a:srgbClr val="FF7900"/>
+                </a:solidFill>
+              </a:rPr>
+              <a:t>/1039091</a:t>
+            </a:r>
+            <a:endParaRPr lang="en-US" sz="1000" noProof="0" dirty="0">
+              <a:solidFill>
+                <a:srgbClr val="FF7900"/>
+              </a:solidFill>
+            </a:endParaRPr>
           </a:p>
         </p:txBody>
       </p:sp>
@@ -17368,6 +17506,1443 @@
 </file>
 
 <file path=ppt/slides/slide10.xml><?xml version="1.0" encoding="utf-8"?>
+<p:sld xmlns:a="http://schemas.openxmlformats.org/drawingml/2006/main" xmlns:r="http://schemas.openxmlformats.org/officeDocument/2006/relationships" xmlns:p="http://schemas.openxmlformats.org/presentationml/2006/main">
+  <p:cSld>
+    <p:spTree>
+      <p:nvGrpSpPr>
+        <p:cNvPr id="1" name=""/>
+        <p:cNvGrpSpPr/>
+        <p:nvPr/>
+      </p:nvGrpSpPr>
+      <p:grpSpPr>
+        <a:xfrm>
+          <a:off x="0" y="0"/>
+          <a:ext cx="0" cy="0"/>
+          <a:chOff x="0" y="0"/>
+          <a:chExt cx="0" cy="0"/>
+        </a:xfrm>
+      </p:grpSpPr>
+      <p:sp>
+        <p:nvSpPr>
+          <p:cNvPr id="3" name="Rectangle 2"/>
+          <p:cNvSpPr/>
+          <p:nvPr/>
+        </p:nvSpPr>
+        <p:spPr>
+          <a:xfrm>
+            <a:off x="287856" y="1344820"/>
+            <a:ext cx="108000" cy="1154922"/>
+          </a:xfrm>
+          <a:prstGeom prst="rect">
+            <a:avLst/>
+          </a:prstGeom>
+          <a:solidFill>
+            <a:schemeClr val="accent2"/>
+          </a:solidFill>
+          <a:ln w="9525">
+            <a:solidFill>
+              <a:schemeClr val="accent2"/>
+            </a:solidFill>
+          </a:ln>
+          <a:effectLst/>
+        </p:spPr>
+        <p:style>
+          <a:lnRef idx="1">
+            <a:schemeClr val="accent3"/>
+          </a:lnRef>
+          <a:fillRef idx="2">
+            <a:schemeClr val="accent3"/>
+          </a:fillRef>
+          <a:effectRef idx="1">
+            <a:schemeClr val="accent3"/>
+          </a:effectRef>
+          <a:fontRef idx="minor">
+            <a:schemeClr val="dk1"/>
+          </a:fontRef>
+        </p:style>
+        <p:txBody>
+          <a:bodyPr lIns="216000" rIns="36000" rtlCol="0" anchor="ctr"/>
+          <a:lstStyle/>
+          <a:p>
+            <a:pPr algn="ctr" defTabSz="712788" fontAlgn="base">
+              <a:spcBef>
+                <a:spcPct val="0"/>
+              </a:spcBef>
+              <a:spcAft>
+                <a:spcPct val="0"/>
+              </a:spcAft>
+            </a:pPr>
+            <a:endParaRPr lang="en-US" sz="1200" b="1" noProof="0" dirty="0">
+              <a:solidFill>
+                <a:srgbClr val="FFFFFF"/>
+              </a:solidFill>
+            </a:endParaRPr>
+          </a:p>
+        </p:txBody>
+      </p:sp>
+      <p:sp>
+        <p:nvSpPr>
+          <p:cNvPr id="4" name="Rectangle 3"/>
+          <p:cNvSpPr/>
+          <p:nvPr/>
+        </p:nvSpPr>
+        <p:spPr>
+          <a:xfrm>
+            <a:off x="395856" y="1344820"/>
+            <a:ext cx="2880000" cy="1154922"/>
+          </a:xfrm>
+          <a:prstGeom prst="rect">
+            <a:avLst/>
+          </a:prstGeom>
+          <a:noFill/>
+          <a:ln w="9525">
+            <a:solidFill>
+              <a:schemeClr val="tx1">
+                <a:lumMod val="10000"/>
+                <a:lumOff val="90000"/>
+              </a:schemeClr>
+            </a:solidFill>
+          </a:ln>
+          <a:effectLst/>
+        </p:spPr>
+        <p:style>
+          <a:lnRef idx="2">
+            <a:schemeClr val="accent1">
+              <a:shade val="50000"/>
+            </a:schemeClr>
+          </a:lnRef>
+          <a:fillRef idx="1">
+            <a:schemeClr val="accent1"/>
+          </a:fillRef>
+          <a:effectRef idx="0">
+            <a:schemeClr val="accent1"/>
+          </a:effectRef>
+          <a:fontRef idx="minor">
+            <a:schemeClr val="lt1"/>
+          </a:fontRef>
+        </p:style>
+        <p:txBody>
+          <a:bodyPr lIns="72000" rIns="36000" rtlCol="0" anchor="ctr"/>
+          <a:lstStyle/>
+          <a:p>
+            <a:pPr marL="171450" indent="-171450" defTabSz="712788" fontAlgn="base">
+              <a:spcBef>
+                <a:spcPts val="200"/>
+              </a:spcBef>
+              <a:spcAft>
+                <a:spcPct val="0"/>
+              </a:spcAft>
+              <a:buClr>
+                <a:srgbClr val="FF6600"/>
+              </a:buClr>
+              <a:buSzPct val="75000"/>
+              <a:buFont typeface="Arial" panose="020B0604020202020204" pitchFamily="34" charset="0"/>
+              <a:buChar char="•"/>
+            </a:pPr>
+            <a:r>
+              <a:rPr lang="en-US" sz="1200" noProof="0" dirty="0">
+                <a:solidFill>
+                  <a:schemeClr val="tx1"/>
+                </a:solidFill>
+                <a:latin typeface="Helvetica 45 Light" panose="020B0403020202020204" pitchFamily="34" charset="0"/>
+              </a:rPr>
+              <a:t>This is an example</a:t>
+            </a:r>
+          </a:p>
+          <a:p>
+            <a:pPr marL="171450" indent="-171450" defTabSz="712788" fontAlgn="base">
+              <a:spcBef>
+                <a:spcPts val="200"/>
+              </a:spcBef>
+              <a:spcAft>
+                <a:spcPct val="0"/>
+              </a:spcAft>
+              <a:buClr>
+                <a:srgbClr val="FF6600"/>
+              </a:buClr>
+              <a:buSzPct val="75000"/>
+              <a:buFont typeface="Arial" panose="020B0604020202020204" pitchFamily="34" charset="0"/>
+              <a:buChar char="•"/>
+            </a:pPr>
+            <a:r>
+              <a:rPr lang="en-US" sz="1200" noProof="0" dirty="0">
+                <a:solidFill>
+                  <a:schemeClr val="tx1"/>
+                </a:solidFill>
+                <a:latin typeface="Helvetica 45 Light" panose="020B0403020202020204" pitchFamily="34" charset="0"/>
+              </a:rPr>
+              <a:t>This is an example </a:t>
+            </a:r>
+          </a:p>
+          <a:p>
+            <a:pPr marL="171450" indent="-171450" defTabSz="712788" fontAlgn="base">
+              <a:spcBef>
+                <a:spcPts val="200"/>
+              </a:spcBef>
+              <a:spcAft>
+                <a:spcPct val="0"/>
+              </a:spcAft>
+              <a:buClr>
+                <a:srgbClr val="FF6600"/>
+              </a:buClr>
+              <a:buSzPct val="75000"/>
+              <a:buFont typeface="Arial" panose="020B0604020202020204" pitchFamily="34" charset="0"/>
+              <a:buChar char="•"/>
+            </a:pPr>
+            <a:r>
+              <a:rPr lang="en-US" sz="1200" noProof="0" dirty="0">
+                <a:solidFill>
+                  <a:schemeClr val="tx1"/>
+                </a:solidFill>
+                <a:latin typeface="Helvetica 45 Light" panose="020B0403020202020204" pitchFamily="34" charset="0"/>
+              </a:rPr>
+              <a:t>This is an example  </a:t>
+            </a:r>
+          </a:p>
+          <a:p>
+            <a:pPr marL="171450" indent="-171450" defTabSz="712788" fontAlgn="base">
+              <a:spcBef>
+                <a:spcPts val="200"/>
+              </a:spcBef>
+              <a:spcAft>
+                <a:spcPct val="0"/>
+              </a:spcAft>
+              <a:buClr>
+                <a:srgbClr val="FF6600"/>
+              </a:buClr>
+              <a:buSzPct val="75000"/>
+              <a:buFont typeface="Arial" panose="020B0604020202020204" pitchFamily="34" charset="0"/>
+              <a:buChar char="•"/>
+            </a:pPr>
+            <a:endParaRPr lang="en-US" sz="1200" noProof="0" dirty="0">
+              <a:solidFill>
+                <a:schemeClr val="tx1"/>
+              </a:solidFill>
+              <a:latin typeface="Helvetica 45 Light" panose="020B0403020202020204" pitchFamily="34" charset="0"/>
+            </a:endParaRPr>
+          </a:p>
+        </p:txBody>
+      </p:sp>
+      <p:sp>
+        <p:nvSpPr>
+          <p:cNvPr id="5" name="Rectangle 4"/>
+          <p:cNvSpPr/>
+          <p:nvPr/>
+        </p:nvSpPr>
+        <p:spPr>
+          <a:xfrm>
+            <a:off x="3600224" y="1344820"/>
+            <a:ext cx="108000" cy="1154922"/>
+          </a:xfrm>
+          <a:prstGeom prst="rect">
+            <a:avLst/>
+          </a:prstGeom>
+          <a:solidFill>
+            <a:schemeClr val="accent4"/>
+          </a:solidFill>
+          <a:ln w="9525">
+            <a:solidFill>
+              <a:schemeClr val="accent4"/>
+            </a:solidFill>
+          </a:ln>
+          <a:effectLst/>
+        </p:spPr>
+        <p:style>
+          <a:lnRef idx="1">
+            <a:schemeClr val="accent3"/>
+          </a:lnRef>
+          <a:fillRef idx="2">
+            <a:schemeClr val="accent3"/>
+          </a:fillRef>
+          <a:effectRef idx="1">
+            <a:schemeClr val="accent3"/>
+          </a:effectRef>
+          <a:fontRef idx="minor">
+            <a:schemeClr val="dk1"/>
+          </a:fontRef>
+        </p:style>
+        <p:txBody>
+          <a:bodyPr lIns="216000" rIns="36000" rtlCol="0" anchor="ctr"/>
+          <a:lstStyle/>
+          <a:p>
+            <a:pPr algn="ctr" defTabSz="712788" fontAlgn="base">
+              <a:spcBef>
+                <a:spcPct val="0"/>
+              </a:spcBef>
+              <a:spcAft>
+                <a:spcPct val="0"/>
+              </a:spcAft>
+            </a:pPr>
+            <a:endParaRPr lang="en-US" sz="1200" b="1" noProof="0" dirty="0">
+              <a:solidFill>
+                <a:srgbClr val="FFFFFF"/>
+              </a:solidFill>
+            </a:endParaRPr>
+          </a:p>
+        </p:txBody>
+      </p:sp>
+      <p:sp>
+        <p:nvSpPr>
+          <p:cNvPr id="6" name="Rectangle 5"/>
+          <p:cNvSpPr/>
+          <p:nvPr/>
+        </p:nvSpPr>
+        <p:spPr>
+          <a:xfrm>
+            <a:off x="3708224" y="1344820"/>
+            <a:ext cx="2880000" cy="1154922"/>
+          </a:xfrm>
+          <a:prstGeom prst="rect">
+            <a:avLst/>
+          </a:prstGeom>
+          <a:noFill/>
+          <a:ln w="9525">
+            <a:solidFill>
+              <a:schemeClr val="tx1">
+                <a:lumMod val="10000"/>
+                <a:lumOff val="90000"/>
+              </a:schemeClr>
+            </a:solidFill>
+          </a:ln>
+          <a:effectLst/>
+        </p:spPr>
+        <p:style>
+          <a:lnRef idx="2">
+            <a:schemeClr val="accent1">
+              <a:shade val="50000"/>
+            </a:schemeClr>
+          </a:lnRef>
+          <a:fillRef idx="1">
+            <a:schemeClr val="accent1"/>
+          </a:fillRef>
+          <a:effectRef idx="0">
+            <a:schemeClr val="accent1"/>
+          </a:effectRef>
+          <a:fontRef idx="minor">
+            <a:schemeClr val="lt1"/>
+          </a:fontRef>
+        </p:style>
+        <p:txBody>
+          <a:bodyPr lIns="72000" rIns="36000" rtlCol="0" anchor="ctr"/>
+          <a:lstStyle/>
+          <a:p>
+            <a:pPr marL="171450" indent="-171450" defTabSz="712788" fontAlgn="base">
+              <a:spcBef>
+                <a:spcPts val="200"/>
+              </a:spcBef>
+              <a:spcAft>
+                <a:spcPct val="0"/>
+              </a:spcAft>
+              <a:buClr>
+                <a:srgbClr val="FF6600"/>
+              </a:buClr>
+              <a:buSzPct val="75000"/>
+              <a:buFont typeface="Arial" panose="020B0604020202020204" pitchFamily="34" charset="0"/>
+              <a:buChar char="•"/>
+            </a:pPr>
+            <a:r>
+              <a:rPr lang="en-US" sz="1200" noProof="0" dirty="0">
+                <a:solidFill>
+                  <a:schemeClr val="tx1"/>
+                </a:solidFill>
+                <a:latin typeface="Helvetica 45 Light" panose="020B0403020202020204" pitchFamily="34" charset="0"/>
+              </a:rPr>
+              <a:t>This is an example</a:t>
+            </a:r>
+          </a:p>
+          <a:p>
+            <a:pPr marL="171450" indent="-171450" defTabSz="712788" fontAlgn="base">
+              <a:spcBef>
+                <a:spcPts val="200"/>
+              </a:spcBef>
+              <a:spcAft>
+                <a:spcPct val="0"/>
+              </a:spcAft>
+              <a:buClr>
+                <a:srgbClr val="FF6600"/>
+              </a:buClr>
+              <a:buSzPct val="75000"/>
+              <a:buFont typeface="Arial" panose="020B0604020202020204" pitchFamily="34" charset="0"/>
+              <a:buChar char="•"/>
+            </a:pPr>
+            <a:r>
+              <a:rPr lang="en-US" sz="1200" noProof="0" dirty="0">
+                <a:solidFill>
+                  <a:schemeClr val="tx1"/>
+                </a:solidFill>
+                <a:latin typeface="Helvetica 45 Light" panose="020B0403020202020204" pitchFamily="34" charset="0"/>
+              </a:rPr>
+              <a:t>This is an example </a:t>
+            </a:r>
+          </a:p>
+          <a:p>
+            <a:pPr marL="171450" indent="-171450" defTabSz="712788" fontAlgn="base">
+              <a:spcBef>
+                <a:spcPts val="200"/>
+              </a:spcBef>
+              <a:spcAft>
+                <a:spcPct val="0"/>
+              </a:spcAft>
+              <a:buClr>
+                <a:srgbClr val="FF6600"/>
+              </a:buClr>
+              <a:buSzPct val="75000"/>
+              <a:buFont typeface="Arial" panose="020B0604020202020204" pitchFamily="34" charset="0"/>
+              <a:buChar char="•"/>
+            </a:pPr>
+            <a:r>
+              <a:rPr lang="en-US" sz="1200" noProof="0" dirty="0">
+                <a:solidFill>
+                  <a:schemeClr val="tx1"/>
+                </a:solidFill>
+                <a:latin typeface="Helvetica 45 Light" panose="020B0403020202020204" pitchFamily="34" charset="0"/>
+              </a:rPr>
+              <a:t>This is an example  </a:t>
+            </a:r>
+          </a:p>
+        </p:txBody>
+      </p:sp>
+      <p:sp>
+        <p:nvSpPr>
+          <p:cNvPr id="7" name="Rectangle 6"/>
+          <p:cNvSpPr/>
+          <p:nvPr/>
+        </p:nvSpPr>
+        <p:spPr>
+          <a:xfrm>
+            <a:off x="297728" y="2928996"/>
+            <a:ext cx="108000" cy="1154922"/>
+          </a:xfrm>
+          <a:prstGeom prst="rect">
+            <a:avLst/>
+          </a:prstGeom>
+          <a:solidFill>
+            <a:srgbClr val="FF7900"/>
+          </a:solidFill>
+          <a:ln w="9525">
+            <a:solidFill>
+              <a:schemeClr val="accent1"/>
+            </a:solidFill>
+          </a:ln>
+          <a:effectLst/>
+        </p:spPr>
+        <p:style>
+          <a:lnRef idx="1">
+            <a:schemeClr val="accent3"/>
+          </a:lnRef>
+          <a:fillRef idx="2">
+            <a:schemeClr val="accent3"/>
+          </a:fillRef>
+          <a:effectRef idx="1">
+            <a:schemeClr val="accent3"/>
+          </a:effectRef>
+          <a:fontRef idx="minor">
+            <a:schemeClr val="dk1"/>
+          </a:fontRef>
+        </p:style>
+        <p:txBody>
+          <a:bodyPr lIns="216000" rIns="36000" rtlCol="0" anchor="ctr"/>
+          <a:lstStyle/>
+          <a:p>
+            <a:pPr algn="ctr" defTabSz="712788" fontAlgn="base">
+              <a:spcBef>
+                <a:spcPct val="0"/>
+              </a:spcBef>
+              <a:spcAft>
+                <a:spcPct val="0"/>
+              </a:spcAft>
+            </a:pPr>
+            <a:endParaRPr lang="en-US" sz="1200" b="1" noProof="0" dirty="0">
+              <a:solidFill>
+                <a:srgbClr val="FFFFFF"/>
+              </a:solidFill>
+            </a:endParaRPr>
+          </a:p>
+        </p:txBody>
+      </p:sp>
+      <p:sp>
+        <p:nvSpPr>
+          <p:cNvPr id="8" name="Rectangle 7"/>
+          <p:cNvSpPr/>
+          <p:nvPr/>
+        </p:nvSpPr>
+        <p:spPr>
+          <a:xfrm>
+            <a:off x="405728" y="2928996"/>
+            <a:ext cx="2880000" cy="1154922"/>
+          </a:xfrm>
+          <a:prstGeom prst="rect">
+            <a:avLst/>
+          </a:prstGeom>
+          <a:noFill/>
+          <a:ln w="9525">
+            <a:solidFill>
+              <a:schemeClr val="tx1">
+                <a:lumMod val="10000"/>
+                <a:lumOff val="90000"/>
+              </a:schemeClr>
+            </a:solidFill>
+          </a:ln>
+          <a:effectLst/>
+        </p:spPr>
+        <p:style>
+          <a:lnRef idx="2">
+            <a:schemeClr val="accent1">
+              <a:shade val="50000"/>
+            </a:schemeClr>
+          </a:lnRef>
+          <a:fillRef idx="1">
+            <a:schemeClr val="accent1"/>
+          </a:fillRef>
+          <a:effectRef idx="0">
+            <a:schemeClr val="accent1"/>
+          </a:effectRef>
+          <a:fontRef idx="minor">
+            <a:schemeClr val="lt1"/>
+          </a:fontRef>
+        </p:style>
+        <p:txBody>
+          <a:bodyPr lIns="72000" rIns="36000" rtlCol="0" anchor="ctr"/>
+          <a:lstStyle/>
+          <a:p>
+            <a:pPr marL="171450" indent="-171450" defTabSz="712788" fontAlgn="base">
+              <a:spcBef>
+                <a:spcPts val="200"/>
+              </a:spcBef>
+              <a:spcAft>
+                <a:spcPct val="0"/>
+              </a:spcAft>
+              <a:buClr>
+                <a:srgbClr val="FF6600"/>
+              </a:buClr>
+              <a:buSzPct val="75000"/>
+              <a:buFont typeface="Arial" panose="020B0604020202020204" pitchFamily="34" charset="0"/>
+              <a:buChar char="•"/>
+            </a:pPr>
+            <a:r>
+              <a:rPr lang="en-US" sz="1200" noProof="0" dirty="0">
+                <a:solidFill>
+                  <a:schemeClr val="tx1"/>
+                </a:solidFill>
+                <a:latin typeface="Helvetica 45 Light" panose="020B0403020202020204" pitchFamily="34" charset="0"/>
+              </a:rPr>
+              <a:t>This is an example</a:t>
+            </a:r>
+          </a:p>
+          <a:p>
+            <a:pPr marL="527050" lvl="1" indent="-171450" defTabSz="712788" fontAlgn="base">
+              <a:spcBef>
+                <a:spcPts val="200"/>
+              </a:spcBef>
+              <a:spcAft>
+                <a:spcPct val="0"/>
+              </a:spcAft>
+              <a:buClr>
+                <a:srgbClr val="FF6600"/>
+              </a:buClr>
+              <a:buSzPct val="75000"/>
+              <a:buFont typeface="Arial" panose="020B0604020202020204" pitchFamily="34" charset="0"/>
+              <a:buChar char="•"/>
+            </a:pPr>
+            <a:r>
+              <a:rPr lang="en-US" sz="1200" noProof="0" dirty="0">
+                <a:solidFill>
+                  <a:schemeClr val="tx1"/>
+                </a:solidFill>
+                <a:latin typeface="Helvetica 45 Light" panose="020B0403020202020204" pitchFamily="34" charset="0"/>
+              </a:rPr>
+              <a:t>This is an example</a:t>
+            </a:r>
+          </a:p>
+        </p:txBody>
+      </p:sp>
+      <p:sp>
+        <p:nvSpPr>
+          <p:cNvPr id="9" name="Rectangle 8"/>
+          <p:cNvSpPr/>
+          <p:nvPr/>
+        </p:nvSpPr>
+        <p:spPr>
+          <a:xfrm>
+            <a:off x="3600224" y="2928996"/>
+            <a:ext cx="108000" cy="1154922"/>
+          </a:xfrm>
+          <a:prstGeom prst="rect">
+            <a:avLst/>
+          </a:prstGeom>
+          <a:solidFill>
+            <a:schemeClr val="bg1"/>
+          </a:solidFill>
+          <a:ln w="9525">
+            <a:solidFill>
+              <a:schemeClr val="tx1"/>
+            </a:solidFill>
+          </a:ln>
+          <a:effectLst/>
+        </p:spPr>
+        <p:style>
+          <a:lnRef idx="1">
+            <a:schemeClr val="accent3"/>
+          </a:lnRef>
+          <a:fillRef idx="2">
+            <a:schemeClr val="accent3"/>
+          </a:fillRef>
+          <a:effectRef idx="1">
+            <a:schemeClr val="accent3"/>
+          </a:effectRef>
+          <a:fontRef idx="minor">
+            <a:schemeClr val="dk1"/>
+          </a:fontRef>
+        </p:style>
+        <p:txBody>
+          <a:bodyPr lIns="216000" rIns="36000" rtlCol="0" anchor="ctr"/>
+          <a:lstStyle/>
+          <a:p>
+            <a:pPr algn="ctr" defTabSz="712788" fontAlgn="base">
+              <a:spcBef>
+                <a:spcPct val="0"/>
+              </a:spcBef>
+              <a:spcAft>
+                <a:spcPct val="0"/>
+              </a:spcAft>
+            </a:pPr>
+            <a:endParaRPr lang="en-US" sz="1200" b="1" noProof="0" dirty="0">
+              <a:solidFill>
+                <a:srgbClr val="FFFFFF"/>
+              </a:solidFill>
+            </a:endParaRPr>
+          </a:p>
+        </p:txBody>
+      </p:sp>
+      <p:sp>
+        <p:nvSpPr>
+          <p:cNvPr id="10" name="Rectangle 9"/>
+          <p:cNvSpPr/>
+          <p:nvPr/>
+        </p:nvSpPr>
+        <p:spPr>
+          <a:xfrm>
+            <a:off x="3708224" y="2928996"/>
+            <a:ext cx="2880000" cy="1154922"/>
+          </a:xfrm>
+          <a:prstGeom prst="rect">
+            <a:avLst/>
+          </a:prstGeom>
+          <a:noFill/>
+          <a:ln w="9525">
+            <a:solidFill>
+              <a:schemeClr val="tx1">
+                <a:lumMod val="10000"/>
+                <a:lumOff val="90000"/>
+              </a:schemeClr>
+            </a:solidFill>
+          </a:ln>
+          <a:effectLst/>
+        </p:spPr>
+        <p:style>
+          <a:lnRef idx="2">
+            <a:schemeClr val="accent1">
+              <a:shade val="50000"/>
+            </a:schemeClr>
+          </a:lnRef>
+          <a:fillRef idx="1">
+            <a:schemeClr val="accent1"/>
+          </a:fillRef>
+          <a:effectRef idx="0">
+            <a:schemeClr val="accent1"/>
+          </a:effectRef>
+          <a:fontRef idx="minor">
+            <a:schemeClr val="lt1"/>
+          </a:fontRef>
+        </p:style>
+        <p:txBody>
+          <a:bodyPr lIns="72000" rIns="36000" rtlCol="0" anchor="ctr"/>
+          <a:lstStyle/>
+          <a:p>
+            <a:pPr marL="171450" indent="-171450" defTabSz="712788" fontAlgn="base">
+              <a:spcBef>
+                <a:spcPts val="200"/>
+              </a:spcBef>
+              <a:spcAft>
+                <a:spcPct val="0"/>
+              </a:spcAft>
+              <a:buClr>
+                <a:srgbClr val="FF6600"/>
+              </a:buClr>
+              <a:buSzPct val="75000"/>
+              <a:buFont typeface="Arial" panose="020B0604020202020204" pitchFamily="34" charset="0"/>
+              <a:buChar char="•"/>
+            </a:pPr>
+            <a:r>
+              <a:rPr lang="en-US" sz="1200" noProof="0" dirty="0">
+                <a:solidFill>
+                  <a:schemeClr val="tx1"/>
+                </a:solidFill>
+                <a:latin typeface="Helvetica 45 Light" panose="020B0403020202020204" pitchFamily="34" charset="0"/>
+              </a:rPr>
+              <a:t>This is an example</a:t>
+            </a:r>
+          </a:p>
+          <a:p>
+            <a:pPr marL="527050" lvl="1" indent="-171450" defTabSz="712788" fontAlgn="base">
+              <a:spcBef>
+                <a:spcPts val="200"/>
+              </a:spcBef>
+              <a:spcAft>
+                <a:spcPct val="0"/>
+              </a:spcAft>
+              <a:buClr>
+                <a:srgbClr val="FF6600"/>
+              </a:buClr>
+              <a:buSzPct val="75000"/>
+              <a:buFont typeface="Arial" panose="020B0604020202020204" pitchFamily="34" charset="0"/>
+              <a:buChar char="•"/>
+            </a:pPr>
+            <a:r>
+              <a:rPr lang="en-US" sz="1200" noProof="0" dirty="0">
+                <a:solidFill>
+                  <a:schemeClr val="tx1"/>
+                </a:solidFill>
+                <a:latin typeface="Helvetica 45 Light" panose="020B0403020202020204" pitchFamily="34" charset="0"/>
+              </a:rPr>
+              <a:t>This is an example</a:t>
+            </a:r>
+          </a:p>
+          <a:p>
+            <a:pPr marL="171450" indent="-171450" defTabSz="712788" fontAlgn="base">
+              <a:spcBef>
+                <a:spcPts val="200"/>
+              </a:spcBef>
+              <a:spcAft>
+                <a:spcPct val="0"/>
+              </a:spcAft>
+              <a:buClr>
+                <a:srgbClr val="FF6600"/>
+              </a:buClr>
+              <a:buSzPct val="75000"/>
+              <a:buFont typeface="Arial" panose="020B0604020202020204" pitchFamily="34" charset="0"/>
+              <a:buChar char="•"/>
+            </a:pPr>
+            <a:r>
+              <a:rPr lang="en-US" sz="1200" noProof="0" dirty="0">
+                <a:solidFill>
+                  <a:schemeClr val="tx1"/>
+                </a:solidFill>
+                <a:latin typeface="Helvetica 45 Light" panose="020B0403020202020204" pitchFamily="34" charset="0"/>
+              </a:rPr>
+              <a:t>This an </a:t>
+            </a:r>
+            <a:r>
+              <a:rPr lang="en-US" sz="1200" noProof="0" dirty="0" err="1">
+                <a:solidFill>
+                  <a:schemeClr val="tx1"/>
+                </a:solidFill>
+                <a:latin typeface="Helvetica 45 Light" panose="020B0403020202020204" pitchFamily="34" charset="0"/>
+              </a:rPr>
+              <a:t>exzmple</a:t>
+            </a:r>
+            <a:endParaRPr lang="en-US" sz="1200" noProof="0" dirty="0">
+              <a:solidFill>
+                <a:schemeClr val="tx1"/>
+              </a:solidFill>
+              <a:latin typeface="Helvetica 45 Light" panose="020B0403020202020204" pitchFamily="34" charset="0"/>
+            </a:endParaRPr>
+          </a:p>
+        </p:txBody>
+      </p:sp>
+      <p:sp>
+        <p:nvSpPr>
+          <p:cNvPr id="11" name="Rectangle 10"/>
+          <p:cNvSpPr/>
+          <p:nvPr/>
+        </p:nvSpPr>
+        <p:spPr>
+          <a:xfrm>
+            <a:off x="6929496" y="0"/>
+            <a:ext cx="2214504" cy="5143500"/>
+          </a:xfrm>
+          <a:prstGeom prst="rect">
+            <a:avLst/>
+          </a:prstGeom>
+          <a:solidFill>
+            <a:schemeClr val="accent1"/>
+          </a:solidFill>
+          <a:ln>
+            <a:noFill/>
+          </a:ln>
+        </p:spPr>
+        <p:style>
+          <a:lnRef idx="2">
+            <a:schemeClr val="accent1">
+              <a:shade val="50000"/>
+            </a:schemeClr>
+          </a:lnRef>
+          <a:fillRef idx="1">
+            <a:schemeClr val="accent1"/>
+          </a:fillRef>
+          <a:effectRef idx="0">
+            <a:schemeClr val="accent1"/>
+          </a:effectRef>
+          <a:fontRef idx="minor">
+            <a:schemeClr val="lt1"/>
+          </a:fontRef>
+        </p:style>
+        <p:txBody>
+          <a:bodyPr lIns="360000" rIns="360000" rtlCol="0" anchor="ctr"/>
+          <a:lstStyle/>
+          <a:p>
+            <a:pPr defTabSz="712788" fontAlgn="base">
+              <a:spcBef>
+                <a:spcPct val="0"/>
+              </a:spcBef>
+              <a:spcAft>
+                <a:spcPct val="0"/>
+              </a:spcAft>
+            </a:pPr>
+            <a:r>
+              <a:rPr lang="en-US" sz="1600" noProof="0" dirty="0">
+                <a:solidFill>
+                  <a:srgbClr val="000000"/>
+                </a:solidFill>
+              </a:rPr>
+              <a:t>Lorem ipsum dolor sit </a:t>
+            </a:r>
+            <a:r>
+              <a:rPr lang="en-US" sz="1600" noProof="0" dirty="0" err="1">
+                <a:solidFill>
+                  <a:srgbClr val="000000"/>
+                </a:solidFill>
+              </a:rPr>
+              <a:t>amet</a:t>
+            </a:r>
+            <a:r>
+              <a:rPr lang="en-US" sz="1600" noProof="0" dirty="0">
+                <a:solidFill>
+                  <a:srgbClr val="000000"/>
+                </a:solidFill>
+              </a:rPr>
+              <a:t>, </a:t>
+            </a:r>
+            <a:r>
+              <a:rPr lang="en-US" sz="1600" noProof="0" dirty="0" err="1">
+                <a:solidFill>
+                  <a:srgbClr val="000000"/>
+                </a:solidFill>
+              </a:rPr>
+              <a:t>consectetur</a:t>
+            </a:r>
+            <a:r>
+              <a:rPr lang="en-US" sz="1600" noProof="0" dirty="0">
+                <a:solidFill>
+                  <a:srgbClr val="000000"/>
+                </a:solidFill>
+              </a:rPr>
+              <a:t> </a:t>
+            </a:r>
+            <a:r>
+              <a:rPr lang="en-US" sz="1600" noProof="0" dirty="0" err="1">
+                <a:solidFill>
+                  <a:srgbClr val="000000"/>
+                </a:solidFill>
+              </a:rPr>
+              <a:t>adipiscing</a:t>
+            </a:r>
+            <a:r>
+              <a:rPr lang="en-US" sz="1600" noProof="0" dirty="0">
+                <a:solidFill>
+                  <a:srgbClr val="000000"/>
+                </a:solidFill>
+              </a:rPr>
+              <a:t> </a:t>
+            </a:r>
+            <a:r>
+              <a:rPr lang="en-US" sz="1600" noProof="0" dirty="0" err="1">
+                <a:solidFill>
+                  <a:srgbClr val="000000"/>
+                </a:solidFill>
+              </a:rPr>
+              <a:t>elit</a:t>
+            </a:r>
+            <a:r>
+              <a:rPr lang="en-US" sz="1600" noProof="0" dirty="0">
+                <a:solidFill>
+                  <a:srgbClr val="000000"/>
+                </a:solidFill>
+              </a:rPr>
+              <a:t>. </a:t>
+            </a:r>
+            <a:br>
+              <a:rPr lang="en-US" sz="1600" noProof="0" dirty="0">
+                <a:solidFill>
+                  <a:srgbClr val="000000"/>
+                </a:solidFill>
+              </a:rPr>
+            </a:br>
+            <a:r>
+              <a:rPr lang="en-US" sz="1600" noProof="0" dirty="0">
+                <a:solidFill>
+                  <a:srgbClr val="000000"/>
+                </a:solidFill>
+              </a:rPr>
+              <a:t>Sed </a:t>
+            </a:r>
+            <a:r>
+              <a:rPr lang="en-US" sz="1600" noProof="0" dirty="0" err="1">
+                <a:solidFill>
+                  <a:srgbClr val="000000"/>
+                </a:solidFill>
+              </a:rPr>
+              <a:t>rhoncus</a:t>
+            </a:r>
+            <a:r>
+              <a:rPr lang="en-US" sz="1600" noProof="0" dirty="0">
+                <a:solidFill>
+                  <a:srgbClr val="000000"/>
+                </a:solidFill>
+              </a:rPr>
+              <a:t>, nisi </a:t>
+            </a:r>
+            <a:r>
+              <a:rPr lang="en-US" sz="1600" noProof="0" dirty="0" err="1">
+                <a:solidFill>
+                  <a:srgbClr val="000000"/>
+                </a:solidFill>
+              </a:rPr>
+              <a:t>eu</a:t>
+            </a:r>
+            <a:r>
+              <a:rPr lang="en-US" sz="1600" noProof="0" dirty="0">
+                <a:solidFill>
+                  <a:srgbClr val="000000"/>
+                </a:solidFill>
+              </a:rPr>
+              <a:t> </a:t>
+            </a:r>
+            <a:r>
+              <a:rPr lang="en-US" sz="1600" noProof="0" dirty="0" err="1">
+                <a:solidFill>
+                  <a:srgbClr val="000000"/>
+                </a:solidFill>
+              </a:rPr>
+              <a:t>facilisis</a:t>
+            </a:r>
+            <a:r>
+              <a:rPr lang="en-US" sz="1600" noProof="0" dirty="0">
+                <a:solidFill>
+                  <a:srgbClr val="000000"/>
+                </a:solidFill>
+              </a:rPr>
+              <a:t> </a:t>
+            </a:r>
+            <a:r>
+              <a:rPr lang="en-US" sz="1600" noProof="0" dirty="0" err="1">
+                <a:solidFill>
+                  <a:srgbClr val="000000"/>
+                </a:solidFill>
+              </a:rPr>
+              <a:t>condimentum</a:t>
+            </a:r>
+            <a:r>
+              <a:rPr lang="en-US" sz="1600" noProof="0" dirty="0">
+                <a:solidFill>
+                  <a:srgbClr val="000000"/>
+                </a:solidFill>
+              </a:rPr>
+              <a:t>, ligula </a:t>
+            </a:r>
+            <a:r>
+              <a:rPr lang="en-US" sz="1600" noProof="0" dirty="0" err="1">
+                <a:solidFill>
+                  <a:srgbClr val="000000"/>
+                </a:solidFill>
+              </a:rPr>
+              <a:t>augue</a:t>
+            </a:r>
+            <a:r>
+              <a:rPr lang="en-US" sz="1600" noProof="0" dirty="0">
+                <a:solidFill>
+                  <a:srgbClr val="000000"/>
+                </a:solidFill>
+              </a:rPr>
+              <a:t> </a:t>
+            </a:r>
+            <a:br>
+              <a:rPr lang="en-US" sz="1600" noProof="0" dirty="0">
+                <a:solidFill>
+                  <a:srgbClr val="000000"/>
+                </a:solidFill>
+              </a:rPr>
+            </a:br>
+            <a:r>
+              <a:rPr lang="en-US" sz="1600" noProof="0" dirty="0" err="1">
+                <a:solidFill>
+                  <a:srgbClr val="000000"/>
+                </a:solidFill>
+              </a:rPr>
+              <a:t>porttitor</a:t>
+            </a:r>
+            <a:r>
+              <a:rPr lang="en-US" sz="1600" noProof="0" dirty="0">
+                <a:solidFill>
+                  <a:srgbClr val="000000"/>
+                </a:solidFill>
+              </a:rPr>
+              <a:t> </a:t>
+            </a:r>
+            <a:r>
+              <a:rPr lang="en-US" sz="1600" noProof="0" dirty="0" err="1">
+                <a:solidFill>
+                  <a:srgbClr val="000000"/>
+                </a:solidFill>
+              </a:rPr>
+              <a:t>lacus</a:t>
+            </a:r>
+            <a:r>
+              <a:rPr lang="en-US" sz="1600" noProof="0" dirty="0">
+                <a:solidFill>
+                  <a:srgbClr val="000000"/>
+                </a:solidFill>
+              </a:rPr>
+              <a:t>. </a:t>
+            </a:r>
+            <a:r>
+              <a:rPr lang="en-US" sz="1600" noProof="0" dirty="0" err="1">
+                <a:solidFill>
+                  <a:srgbClr val="000000"/>
+                </a:solidFill>
+              </a:rPr>
+              <a:t>Nulla</a:t>
+            </a:r>
+            <a:r>
+              <a:rPr lang="en-US" sz="1600" noProof="0" dirty="0">
+                <a:solidFill>
+                  <a:srgbClr val="000000"/>
+                </a:solidFill>
+              </a:rPr>
+              <a:t> sit </a:t>
+            </a:r>
+            <a:r>
+              <a:rPr lang="en-US" sz="1600" noProof="0" dirty="0" err="1">
+                <a:solidFill>
+                  <a:srgbClr val="000000"/>
+                </a:solidFill>
+              </a:rPr>
+              <a:t>amet</a:t>
+            </a:r>
+            <a:r>
+              <a:rPr lang="en-US" sz="1600" noProof="0" dirty="0">
+                <a:solidFill>
+                  <a:srgbClr val="000000"/>
+                </a:solidFill>
+              </a:rPr>
+              <a:t> </a:t>
+            </a:r>
+            <a:r>
+              <a:rPr lang="en-US" sz="1600" noProof="0" dirty="0" err="1">
+                <a:solidFill>
+                  <a:srgbClr val="000000"/>
+                </a:solidFill>
+              </a:rPr>
+              <a:t>quam</a:t>
+            </a:r>
+            <a:r>
+              <a:rPr lang="en-US" sz="1600" noProof="0" dirty="0">
+                <a:solidFill>
+                  <a:srgbClr val="000000"/>
+                </a:solidFill>
+              </a:rPr>
+              <a:t> </a:t>
+            </a:r>
+            <a:r>
+              <a:rPr lang="en-US" sz="1600" noProof="0" dirty="0" err="1">
+                <a:solidFill>
+                  <a:srgbClr val="000000"/>
+                </a:solidFill>
+              </a:rPr>
+              <a:t>justo</a:t>
+            </a:r>
+            <a:r>
+              <a:rPr lang="en-US" sz="1600" noProof="0" dirty="0">
+                <a:solidFill>
+                  <a:srgbClr val="000000"/>
+                </a:solidFill>
+              </a:rPr>
+              <a:t> </a:t>
+            </a:r>
+            <a:r>
+              <a:rPr lang="en-US" sz="1600" noProof="0" dirty="0" err="1">
+                <a:solidFill>
+                  <a:srgbClr val="000000"/>
+                </a:solidFill>
+              </a:rPr>
+              <a:t>eu</a:t>
+            </a:r>
+            <a:r>
+              <a:rPr lang="en-US" sz="1600" noProof="0" dirty="0">
+                <a:solidFill>
+                  <a:srgbClr val="000000"/>
+                </a:solidFill>
+              </a:rPr>
+              <a:t> </a:t>
+            </a:r>
+            <a:br>
+              <a:rPr lang="en-US" sz="1600" noProof="0" dirty="0">
+                <a:solidFill>
+                  <a:srgbClr val="000000"/>
+                </a:solidFill>
+              </a:rPr>
+            </a:br>
+            <a:r>
+              <a:rPr lang="en-US" sz="1600" noProof="0" dirty="0" err="1">
+                <a:solidFill>
+                  <a:srgbClr val="000000"/>
+                </a:solidFill>
+              </a:rPr>
+              <a:t>iaculis</a:t>
+            </a:r>
+            <a:r>
+              <a:rPr lang="en-US" sz="1600" noProof="0" dirty="0">
+                <a:solidFill>
+                  <a:srgbClr val="000000"/>
+                </a:solidFill>
+              </a:rPr>
+              <a:t> </a:t>
+            </a:r>
+            <a:r>
+              <a:rPr lang="en-US" sz="1600" noProof="0" dirty="0" err="1">
+                <a:solidFill>
+                  <a:srgbClr val="000000"/>
+                </a:solidFill>
+              </a:rPr>
+              <a:t>tortor</a:t>
+            </a:r>
+            <a:r>
+              <a:rPr lang="en-US" sz="1600" noProof="0" dirty="0">
+                <a:solidFill>
+                  <a:srgbClr val="000000"/>
+                </a:solidFill>
+              </a:rPr>
+              <a:t> nisi a </a:t>
+            </a:r>
+            <a:r>
+              <a:rPr lang="en-US" sz="1600" noProof="0" dirty="0" err="1">
+                <a:solidFill>
+                  <a:srgbClr val="000000"/>
+                </a:solidFill>
+              </a:rPr>
+              <a:t>augue</a:t>
+            </a:r>
+            <a:r>
+              <a:rPr lang="en-US" sz="1600" noProof="0" dirty="0">
+                <a:solidFill>
+                  <a:srgbClr val="000000"/>
+                </a:solidFill>
+              </a:rPr>
+              <a:t>.</a:t>
+            </a:r>
+          </a:p>
+        </p:txBody>
+      </p:sp>
+      <p:sp>
+        <p:nvSpPr>
+          <p:cNvPr id="14" name="Titre 2"/>
+          <p:cNvSpPr txBox="1">
+            <a:spLocks/>
+          </p:cNvSpPr>
+          <p:nvPr/>
+        </p:nvSpPr>
+        <p:spPr bwMode="auto">
+          <a:xfrm>
+            <a:off x="467544" y="411510"/>
+            <a:ext cx="8362131" cy="360040"/>
+          </a:xfrm>
+          <a:prstGeom prst="rect">
+            <a:avLst/>
+          </a:prstGeom>
+          <a:noFill/>
+          <a:ln>
+            <a:noFill/>
+          </a:ln>
+          <a:extLst>
+            <a:ext uri="{909E8E84-426E-40DD-AFC4-6F175D3DCCD1}">
+              <a14:hiddenFill xmlns:a14="http://schemas.microsoft.com/office/drawing/2010/main">
+                <a:solidFill>
+                  <a:srgbClr val="FFFFFF"/>
+                </a:solidFill>
+              </a14:hiddenFill>
+            </a:ext>
+            <a:ext uri="{91240B29-F687-4F45-9708-019B960494DF}">
+              <a14:hiddenLine xmlns:a14="http://schemas.microsoft.com/office/drawing/2010/main" w="9525">
+                <a:solidFill>
+                  <a:srgbClr val="000000"/>
+                </a:solidFill>
+                <a:miter lim="800000"/>
+                <a:headEnd/>
+                <a:tailEnd/>
+              </a14:hiddenLine>
+            </a:ext>
+          </a:extLst>
+        </p:spPr>
+        <p:txBody>
+          <a:bodyPr vert="horz" wrap="square" lIns="0" tIns="0" rIns="0" bIns="0" numCol="1" anchor="t" anchorCtr="0" compatLnSpc="1">
+            <a:prstTxWarp prst="textNoShape">
+              <a:avLst/>
+            </a:prstTxWarp>
+          </a:bodyPr>
+          <a:lstStyle>
+            <a:lvl1pPr algn="l" defTabSz="514350" rtl="0" eaLnBrk="1" fontAlgn="base" hangingPunct="1">
+              <a:lnSpc>
+                <a:spcPct val="90000"/>
+              </a:lnSpc>
+              <a:spcBef>
+                <a:spcPct val="0"/>
+              </a:spcBef>
+              <a:spcAft>
+                <a:spcPts val="0"/>
+              </a:spcAft>
+              <a:defRPr sz="2000" kern="1200">
+                <a:solidFill>
+                  <a:srgbClr val="FF6600"/>
+                </a:solidFill>
+                <a:latin typeface="Helvetica 75 Bold" panose="020B0804020202020204" pitchFamily="34" charset="0"/>
+                <a:ea typeface="ＭＳ Ｐゴシック" pitchFamily="34" charset="-128"/>
+                <a:cs typeface="+mj-cs"/>
+              </a:defRPr>
+            </a:lvl1pPr>
+            <a:lvl2pPr algn="l" defTabSz="514350" rtl="0" eaLnBrk="1" fontAlgn="base" hangingPunct="1">
+              <a:lnSpc>
+                <a:spcPct val="90000"/>
+              </a:lnSpc>
+              <a:spcBef>
+                <a:spcPct val="0"/>
+              </a:spcBef>
+              <a:spcAft>
+                <a:spcPts val="1200"/>
+              </a:spcAft>
+              <a:defRPr sz="1600">
+                <a:solidFill>
+                  <a:schemeClr val="tx2"/>
+                </a:solidFill>
+                <a:latin typeface="Helvetica 75" pitchFamily="34" charset="0"/>
+                <a:ea typeface="ＭＳ Ｐゴシック" pitchFamily="34" charset="-128"/>
+              </a:defRPr>
+            </a:lvl2pPr>
+            <a:lvl3pPr algn="l" defTabSz="514350" rtl="0" eaLnBrk="1" fontAlgn="base" hangingPunct="1">
+              <a:lnSpc>
+                <a:spcPct val="90000"/>
+              </a:lnSpc>
+              <a:spcBef>
+                <a:spcPct val="0"/>
+              </a:spcBef>
+              <a:spcAft>
+                <a:spcPts val="1200"/>
+              </a:spcAft>
+              <a:defRPr sz="1600">
+                <a:solidFill>
+                  <a:schemeClr val="tx2"/>
+                </a:solidFill>
+                <a:latin typeface="Helvetica 75" pitchFamily="34" charset="0"/>
+                <a:ea typeface="ＭＳ Ｐゴシック" pitchFamily="34" charset="-128"/>
+              </a:defRPr>
+            </a:lvl3pPr>
+            <a:lvl4pPr algn="l" defTabSz="514350" rtl="0" eaLnBrk="1" fontAlgn="base" hangingPunct="1">
+              <a:lnSpc>
+                <a:spcPct val="90000"/>
+              </a:lnSpc>
+              <a:spcBef>
+                <a:spcPct val="0"/>
+              </a:spcBef>
+              <a:spcAft>
+                <a:spcPts val="1200"/>
+              </a:spcAft>
+              <a:defRPr sz="1600">
+                <a:solidFill>
+                  <a:schemeClr val="tx2"/>
+                </a:solidFill>
+                <a:latin typeface="Helvetica 75" pitchFamily="34" charset="0"/>
+                <a:ea typeface="ＭＳ Ｐゴシック" pitchFamily="34" charset="-128"/>
+              </a:defRPr>
+            </a:lvl4pPr>
+            <a:lvl5pPr algn="l" defTabSz="514350" rtl="0" eaLnBrk="1" fontAlgn="base" hangingPunct="1">
+              <a:lnSpc>
+                <a:spcPct val="90000"/>
+              </a:lnSpc>
+              <a:spcBef>
+                <a:spcPct val="0"/>
+              </a:spcBef>
+              <a:spcAft>
+                <a:spcPts val="1200"/>
+              </a:spcAft>
+              <a:defRPr sz="1600">
+                <a:solidFill>
+                  <a:schemeClr val="tx2"/>
+                </a:solidFill>
+                <a:latin typeface="Helvetica 75" pitchFamily="34" charset="0"/>
+                <a:ea typeface="ＭＳ Ｐゴシック" pitchFamily="34" charset="-128"/>
+              </a:defRPr>
+            </a:lvl5pPr>
+            <a:lvl6pPr marL="457200" algn="l" defTabSz="514350" rtl="0" eaLnBrk="1" fontAlgn="base" hangingPunct="1">
+              <a:lnSpc>
+                <a:spcPct val="90000"/>
+              </a:lnSpc>
+              <a:spcBef>
+                <a:spcPct val="0"/>
+              </a:spcBef>
+              <a:spcAft>
+                <a:spcPts val="1200"/>
+              </a:spcAft>
+              <a:defRPr sz="1600">
+                <a:solidFill>
+                  <a:schemeClr val="tx2"/>
+                </a:solidFill>
+                <a:latin typeface="Helvetica 75" pitchFamily="34" charset="0"/>
+                <a:ea typeface="ＭＳ Ｐゴシック" pitchFamily="34" charset="-128"/>
+              </a:defRPr>
+            </a:lvl6pPr>
+            <a:lvl7pPr marL="914400" algn="l" defTabSz="514350" rtl="0" eaLnBrk="1" fontAlgn="base" hangingPunct="1">
+              <a:lnSpc>
+                <a:spcPct val="90000"/>
+              </a:lnSpc>
+              <a:spcBef>
+                <a:spcPct val="0"/>
+              </a:spcBef>
+              <a:spcAft>
+                <a:spcPts val="1200"/>
+              </a:spcAft>
+              <a:defRPr sz="1600">
+                <a:solidFill>
+                  <a:schemeClr val="tx2"/>
+                </a:solidFill>
+                <a:latin typeface="Helvetica 75" pitchFamily="34" charset="0"/>
+                <a:ea typeface="ＭＳ Ｐゴシック" pitchFamily="34" charset="-128"/>
+              </a:defRPr>
+            </a:lvl7pPr>
+            <a:lvl8pPr marL="1371600" algn="l" defTabSz="514350" rtl="0" eaLnBrk="1" fontAlgn="base" hangingPunct="1">
+              <a:lnSpc>
+                <a:spcPct val="90000"/>
+              </a:lnSpc>
+              <a:spcBef>
+                <a:spcPct val="0"/>
+              </a:spcBef>
+              <a:spcAft>
+                <a:spcPts val="1200"/>
+              </a:spcAft>
+              <a:defRPr sz="1600">
+                <a:solidFill>
+                  <a:schemeClr val="tx2"/>
+                </a:solidFill>
+                <a:latin typeface="Helvetica 75" pitchFamily="34" charset="0"/>
+                <a:ea typeface="ＭＳ Ｐゴシック" pitchFamily="34" charset="-128"/>
+              </a:defRPr>
+            </a:lvl8pPr>
+            <a:lvl9pPr marL="1828800" algn="l" defTabSz="514350" rtl="0" eaLnBrk="1" fontAlgn="base" hangingPunct="1">
+              <a:lnSpc>
+                <a:spcPct val="90000"/>
+              </a:lnSpc>
+              <a:spcBef>
+                <a:spcPct val="0"/>
+              </a:spcBef>
+              <a:spcAft>
+                <a:spcPts val="1200"/>
+              </a:spcAft>
+              <a:defRPr sz="1600">
+                <a:solidFill>
+                  <a:schemeClr val="tx2"/>
+                </a:solidFill>
+                <a:latin typeface="Helvetica 75" pitchFamily="34" charset="0"/>
+                <a:ea typeface="ＭＳ Ｐゴシック" pitchFamily="34" charset="-128"/>
+              </a:defRPr>
+            </a:lvl9pPr>
+          </a:lstStyle>
+          <a:p>
+            <a:r>
+              <a:rPr lang="en-US" sz="2800" noProof="0" dirty="0"/>
+              <a:t>Title</a:t>
+            </a:r>
+            <a:endParaRPr lang="en-US" sz="2800" noProof="0" dirty="0">
+              <a:solidFill>
+                <a:schemeClr val="bg1"/>
+              </a:solidFill>
+            </a:endParaRPr>
+          </a:p>
+        </p:txBody>
+      </p:sp>
+      <p:sp>
+        <p:nvSpPr>
+          <p:cNvPr id="15" name="Rectangle 14"/>
+          <p:cNvSpPr/>
+          <p:nvPr/>
+        </p:nvSpPr>
+        <p:spPr>
+          <a:xfrm>
+            <a:off x="312817" y="4659982"/>
+            <a:ext cx="1162839" cy="216024"/>
+          </a:xfrm>
+          <a:prstGeom prst="rect">
+            <a:avLst/>
+          </a:prstGeom>
+          <a:solidFill>
+            <a:schemeClr val="bg1"/>
+          </a:solidFill>
+          <a:ln>
+            <a:noFill/>
+          </a:ln>
+        </p:spPr>
+        <p:style>
+          <a:lnRef idx="2">
+            <a:schemeClr val="accent1">
+              <a:shade val="50000"/>
+            </a:schemeClr>
+          </a:lnRef>
+          <a:fillRef idx="1">
+            <a:schemeClr val="accent1"/>
+          </a:fillRef>
+          <a:effectRef idx="0">
+            <a:schemeClr val="accent1"/>
+          </a:effectRef>
+          <a:fontRef idx="minor">
+            <a:schemeClr val="lt1"/>
+          </a:fontRef>
+        </p:style>
+        <p:txBody>
+          <a:bodyPr rtlCol="0" anchor="ctr"/>
+          <a:lstStyle/>
+          <a:p>
+            <a:pPr algn="ctr"/>
+            <a:endParaRPr lang="en-US" sz="1600" noProof="0" dirty="0">
+              <a:solidFill>
+                <a:srgbClr val="000000"/>
+              </a:solidFill>
+            </a:endParaRPr>
+          </a:p>
+        </p:txBody>
+      </p:sp>
+    </p:spTree>
+    <p:extLst>
+      <p:ext uri="{BB962C8B-B14F-4D97-AF65-F5344CB8AC3E}">
+        <p14:creationId xmlns:p14="http://schemas.microsoft.com/office/powerpoint/2010/main" val="3347888488"/>
+      </p:ext>
+    </p:extLst>
+  </p:cSld>
+  <p:clrMapOvr>
+    <a:masterClrMapping/>
+  </p:clrMapOvr>
+  <mc:AlternateContent xmlns:mc="http://schemas.openxmlformats.org/markup-compatibility/2006" xmlns:p14="http://schemas.microsoft.com/office/powerpoint/2010/main">
+    <mc:Choice Requires="p14">
+      <p:transition spd="med" p14:dur="700">
+        <p:fade/>
+      </p:transition>
+    </mc:Choice>
+    <mc:Fallback xmlns="">
+      <p:transition spd="med">
+        <p:fade/>
+      </p:transition>
+    </mc:Fallback>
+  </mc:AlternateContent>
+</p:sld>
+</file>
+
+<file path=ppt/slides/slide11.xml><?xml version="1.0" encoding="utf-8"?>
 <p:sld xmlns:a="http://schemas.openxmlformats.org/drawingml/2006/main" xmlns:r="http://schemas.openxmlformats.org/officeDocument/2006/relationships" xmlns:p="http://schemas.openxmlformats.org/presentationml/2006/main">
   <p:cSld>
     <p:spTree>
@@ -17985,7 +19560,7 @@
 </p:sld>
 </file>
 
-<file path=ppt/slides/slide11.xml><?xml version="1.0" encoding="utf-8"?>
+<file path=ppt/slides/slide12.xml><?xml version="1.0" encoding="utf-8"?>
 <p:sld xmlns:a="http://schemas.openxmlformats.org/drawingml/2006/main" xmlns:r="http://schemas.openxmlformats.org/officeDocument/2006/relationships" xmlns:p="http://schemas.openxmlformats.org/presentationml/2006/main">
   <p:cSld>
     <p:spTree>
@@ -19478,7 +21053,7 @@
 </p:sld>
 </file>
 
-<file path=ppt/slides/slide12.xml><?xml version="1.0" encoding="utf-8"?>
+<file path=ppt/slides/slide13.xml><?xml version="1.0" encoding="utf-8"?>
 <p:sld xmlns:a="http://schemas.openxmlformats.org/drawingml/2006/main" xmlns:r="http://schemas.openxmlformats.org/officeDocument/2006/relationships" xmlns:p="http://schemas.openxmlformats.org/presentationml/2006/main">
   <p:cSld>
     <p:spTree>
@@ -19635,7 +21210,7 @@
 </p:sld>
 </file>
 
-<file path=ppt/slides/slide13.xml><?xml version="1.0" encoding="utf-8"?>
+<file path=ppt/slides/slide14.xml><?xml version="1.0" encoding="utf-8"?>
 <p:sld xmlns:a="http://schemas.openxmlformats.org/drawingml/2006/main" xmlns:r="http://schemas.openxmlformats.org/officeDocument/2006/relationships" xmlns:p="http://schemas.openxmlformats.org/presentationml/2006/main">
   <p:cSld>
     <p:spTree>
@@ -20759,13 +22334,13 @@
                 </a:solidFill>
                 <a:latin typeface="Helvetica" pitchFamily="2" charset="0"/>
               </a:rPr>
-              <a:t>Large Language Models </a:t>
+              <a:t>Large Language Models</a:t>
             </a:r>
             <a:r>
               <a:rPr lang="en-US" dirty="0">
                 <a:latin typeface="Helvetica" pitchFamily="2" charset="0"/>
               </a:rPr>
-              <a:t>are its most innovative </a:t>
+              <a:t> (LLMs)</a:t>
             </a:r>
             <a:r>
               <a:rPr lang="en-US" dirty="0">
@@ -20774,13 +22349,28 @@
                 </a:solidFill>
                 <a:latin typeface="Helvetica" pitchFamily="2" charset="0"/>
               </a:rPr>
-              <a:t>Machine Learning </a:t>
+              <a:t> </a:t>
             </a:r>
             <a:r>
               <a:rPr lang="en-US" dirty="0">
                 <a:latin typeface="Helvetica" pitchFamily="2" charset="0"/>
               </a:rPr>
-              <a:t>systems</a:t>
+              <a:t>are the most innovative </a:t>
+            </a:r>
+            <a:r>
+              <a:rPr lang="en-US" dirty="0">
+                <a:solidFill>
+                  <a:schemeClr val="bg2"/>
+                </a:solidFill>
+                <a:latin typeface="Helvetica" pitchFamily="2" charset="0"/>
+              </a:rPr>
+              <a:t>Machine Learning </a:t>
+            </a:r>
+            <a:r>
+              <a:rPr lang="en-US" dirty="0">
+                <a:latin typeface="Helvetica" pitchFamily="2" charset="0"/>
+              </a:rPr>
+              <a:t>systems so far</a:t>
             </a:r>
           </a:p>
           <a:p>
@@ -21220,7 +22810,7 @@
               <a:rPr lang="en-US" dirty="0">
                 <a:latin typeface="Helvetica" pitchFamily="2" charset="0"/>
               </a:rPr>
-              <a:t>Incredibly </a:t>
+              <a:t>All modern LLMs are based on the </a:t>
             </a:r>
             <a:r>
               <a:rPr lang="en-US" dirty="0">
@@ -21229,22 +22819,16 @@
                 </a:solidFill>
                 <a:latin typeface="Helvetica" pitchFamily="2" charset="0"/>
               </a:rPr>
-              <a:t>versatile</a:t>
-            </a:r>
-            <a:r>
-              <a:rPr lang="en-US" dirty="0">
-                <a:latin typeface="Helvetica" pitchFamily="2" charset="0"/>
-              </a:rPr>
-              <a:t> and </a:t>
-            </a:r>
-            <a:r>
-              <a:rPr lang="en-US" dirty="0">
+              <a:t>Transformer architecture</a:t>
+            </a:r>
+            <a:r>
+              <a:rPr lang="en-US" baseline="30000" dirty="0">
                 <a:solidFill>
                   <a:schemeClr val="bg2"/>
                 </a:solidFill>
                 <a:latin typeface="Helvetica" pitchFamily="2" charset="0"/>
               </a:rPr>
-              <a:t>scalable</a:t>
+              <a:t>1</a:t>
             </a:r>
           </a:p>
           <a:p>
@@ -21257,7 +22841,7 @@
               <a:rPr lang="en-US" dirty="0">
                 <a:latin typeface="Helvetica" pitchFamily="2" charset="0"/>
               </a:rPr>
-              <a:t>All modern LLMs are based on the </a:t>
+              <a:t>Incredibly </a:t>
             </a:r>
             <a:r>
               <a:rPr lang="en-US" dirty="0">
@@ -21266,17 +22850,31 @@
                 </a:solidFill>
                 <a:latin typeface="Helvetica" pitchFamily="2" charset="0"/>
               </a:rPr>
-              <a:t>Transformer architecture</a:t>
-            </a:r>
-            <a:r>
-              <a:rPr lang="en-US" baseline="30000" dirty="0">
+              <a:t>versatile</a:t>
+            </a:r>
+            <a:r>
+              <a:rPr lang="en-US" dirty="0">
+                <a:latin typeface="Helvetica" pitchFamily="2" charset="0"/>
+              </a:rPr>
+              <a:t> and </a:t>
+            </a:r>
+            <a:r>
+              <a:rPr lang="en-US" dirty="0">
                 <a:solidFill>
                   <a:schemeClr val="bg2"/>
                 </a:solidFill>
                 <a:latin typeface="Helvetica" pitchFamily="2" charset="0"/>
               </a:rPr>
-              <a:t>1</a:t>
-            </a:r>
+              <a:t>scalable</a:t>
+            </a:r>
+          </a:p>
+          <a:p>
+            <a:pPr marL="217488" lvl="3" indent="0">
+              <a:buClr>
+                <a:srgbClr val="FF7900"/>
+              </a:buClr>
+              <a:buNone/>
+            </a:pPr>
             <a:endParaRPr lang="en-US" dirty="0">
               <a:solidFill>
                 <a:schemeClr val="bg2"/>
@@ -21309,7 +22907,7 @@
           <a:p>
             <a:r>
               <a:rPr lang="en-US" sz="2800" dirty="0"/>
-              <a:t>Language Models</a:t>
+              <a:t>Language Models as the Cornerstone of AI</a:t>
             </a:r>
           </a:p>
         </p:txBody>
@@ -21666,7 +23264,7 @@
           <p:nvPr>
             <p:extLst>
               <p:ext uri="{D42A27DB-BD31-4B8C-83A1-F6EECF244321}">
-                <p14:modId xmlns:p14="http://schemas.microsoft.com/office/powerpoint/2010/main" val="3009666482"/>
+                <p14:modId xmlns:p14="http://schemas.microsoft.com/office/powerpoint/2010/main" val="43037988"/>
               </p:ext>
             </p:extLst>
           </p:nvPr>
@@ -21923,7 +23521,7 @@
                   <a:rPr lang="en-US" dirty="0">
                     <a:latin typeface="Helvetica" pitchFamily="2" charset="0"/>
                   </a:rPr>
-                  <a:t>to Q,K,V such that every token captures semantic information </a:t>
+                  <a:t>(SDPA) to Q,K,V such that every token captures semantic information </a:t>
                 </a:r>
                 <a:r>
                   <a:rPr lang="en-US" dirty="0" err="1">
@@ -21950,7 +23548,22 @@
                   <a:rPr lang="en-US" dirty="0">
                     <a:latin typeface="Helvetica" pitchFamily="2" charset="0"/>
                   </a:rPr>
-                  <a:t>Two linear layers + non-linear activation in between</a:t>
+                  <a:t>Two linear layers + </a:t>
+                </a:r>
+                <a:r>
+                  <a:rPr lang="en-US" dirty="0">
+                    <a:solidFill>
+                      <a:schemeClr val="bg2"/>
+                    </a:solidFill>
+                    <a:latin typeface="Helvetica" pitchFamily="2" charset="0"/>
+                  </a:rPr>
+                  <a:t>non-linear </a:t>
+                </a:r>
+                <a:r>
+                  <a:rPr lang="en-US" dirty="0">
+                    <a:latin typeface="Helvetica" pitchFamily="2" charset="0"/>
+                  </a:rPr>
+                  <a:t>activation in between</a:t>
                 </a:r>
               </a:p>
               <a:p>
@@ -22011,7 +23624,7 @@
               <a:blipFill>
                 <a:blip r:embed="rId2"/>
                 <a:stretch>
-                  <a:fillRect l="-1852" t="-3057" r="-1587"/>
+                  <a:fillRect l="-1852" t="-3057"/>
                 </a:stretch>
               </a:blipFill>
             </p:spPr>
@@ -22339,6 +23952,49 @@
           </a:p>
         </p:txBody>
       </p:sp>
+      <p:sp>
+        <p:nvSpPr>
+          <p:cNvPr id="5" name="TextBox 4">
+            <a:extLst>
+              <a:ext uri="{FF2B5EF4-FFF2-40B4-BE49-F238E27FC236}">
+                <a16:creationId xmlns:a16="http://schemas.microsoft.com/office/drawing/2014/main" id="{A51CD63C-CBA9-3FA5-CC64-74E1A5D7311B}"/>
+              </a:ext>
+            </a:extLst>
+          </p:cNvPr>
+          <p:cNvSpPr txBox="1"/>
+          <p:nvPr/>
+        </p:nvSpPr>
+        <p:spPr>
+          <a:xfrm>
+            <a:off x="586063" y="4434779"/>
+            <a:ext cx="4572000" cy="246221"/>
+          </a:xfrm>
+          <a:prstGeom prst="rect">
+            <a:avLst/>
+          </a:prstGeom>
+          <a:noFill/>
+        </p:spPr>
+        <p:txBody>
+          <a:bodyPr wrap="square">
+            <a:spAutoFit/>
+          </a:bodyPr>
+          <a:lstStyle/>
+          <a:p>
+            <a:r>
+              <a:rPr lang="en-US" sz="1000" dirty="0"/>
+              <a:t>Source arXiv:1706.03762 [</a:t>
+            </a:r>
+            <a:r>
+              <a:rPr lang="en-US" sz="1000" dirty="0" err="1"/>
+              <a:t>cs.CL</a:t>
+            </a:r>
+            <a:r>
+              <a:rPr lang="en-US" sz="1000" dirty="0"/>
+              <a:t>] </a:t>
+            </a:r>
+          </a:p>
+        </p:txBody>
+      </p:sp>
     </p:spTree>
     <p:extLst>
       <p:ext uri="{BB962C8B-B14F-4D97-AF65-F5344CB8AC3E}">
@@ -22407,26 +24063,24 @@
             </p:nvSpPr>
             <p:spPr>
               <a:xfrm>
-                <a:off x="314325" y="1184275"/>
-                <a:ext cx="4779573" cy="2891706"/>
+                <a:off x="314326" y="1184275"/>
+                <a:ext cx="3826354" cy="2891706"/>
               </a:xfrm>
             </p:spPr>
             <p:txBody>
               <a:bodyPr/>
               <a:lstStyle/>
               <a:p>
-                <a:pPr marL="342900" lvl="2" indent="-342900">
+                <a:pPr lvl="2">
                   <a:buClr>
                     <a:srgbClr val="FF7900"/>
                   </a:buClr>
-                  <a:buFont typeface="+mj-lt"/>
-                  <a:buAutoNum type="arabicPeriod"/>
                 </a:pPr>
                 <a:r>
                   <a:rPr lang="en-US" dirty="0">
                     <a:latin typeface="Helvetica" pitchFamily="2" charset="0"/>
                   </a:rPr>
-                  <a:t>Encoder block. Generates </a:t>
+                  <a:t>Q, K, and Vs can be regarded as the input units that go into </a:t>
                 </a:r>
                 <a:r>
                   <a:rPr lang="en-US" dirty="0">
@@ -22435,13 +24089,13 @@
                     </a:solidFill>
                     <a:latin typeface="Helvetica" pitchFamily="2" charset="0"/>
                   </a:rPr>
-                  <a:t>Queries (Q)</a:t>
+                  <a:t>SDPA</a:t>
                 </a:r>
                 <a:r>
                   <a:rPr lang="en-US" dirty="0">
                     <a:latin typeface="Helvetica" pitchFamily="2" charset="0"/>
                   </a:rPr>
-                  <a:t>, </a:t>
+                  <a:t>, to capture </a:t>
                 </a:r>
                 <a:r>
                   <a:rPr lang="en-US" dirty="0">
@@ -22450,13 +24104,113 @@
                     </a:solidFill>
                     <a:latin typeface="Helvetica" pitchFamily="2" charset="0"/>
                   </a:rPr>
-                  <a:t>Keys (K)</a:t>
+                  <a:t>enriched semantic representations </a:t>
                 </a:r>
                 <a:r>
                   <a:rPr lang="en-US" dirty="0">
                     <a:latin typeface="Helvetica" pitchFamily="2" charset="0"/>
                   </a:rPr>
-                  <a:t> and </a:t>
+                  <a:t>(context and position aware)</a:t>
+                </a:r>
+              </a:p>
+              <a:p>
+                <a:pPr lvl="2">
+                  <a:buClr>
+                    <a:srgbClr val="FF7900"/>
+                  </a:buClr>
+                </a:pPr>
+                <a:r>
+                  <a:rPr lang="en-US" dirty="0">
+                    <a:latin typeface="Helvetica" pitchFamily="2" charset="0"/>
+                  </a:rPr>
+                  <a:t>Instead of working with token embeddings directly, they get projected (via learnable parameters) to Queries, Keys, and Values</a:t>
+                </a:r>
+              </a:p>
+              <a:p>
+                <a:pPr lvl="2">
+                  <a:buClr>
+                    <a:srgbClr val="FF7900"/>
+                  </a:buClr>
+                </a:pPr>
+                <a:endParaRPr lang="en-US" dirty="0">
+                  <a:latin typeface="Helvetica" pitchFamily="2" charset="0"/>
+                </a:endParaRPr>
+              </a:p>
+              <a:p>
+                <a:pPr lvl="2">
+                  <a:buClr>
+                    <a:srgbClr val="FF7900"/>
+                  </a:buClr>
+                </a:pPr>
+                <a:endParaRPr lang="en-US" dirty="0">
+                  <a:latin typeface="Helvetica" pitchFamily="2" charset="0"/>
+                </a:endParaRPr>
+              </a:p>
+              <a:p>
+                <a:pPr lvl="2">
+                  <a:buClr>
+                    <a:srgbClr val="FF7900"/>
+                  </a:buClr>
+                </a:pPr>
+                <a:r>
+                  <a:rPr lang="en-US" dirty="0">
+                    <a:latin typeface="Helvetica" pitchFamily="2" charset="0"/>
+                  </a:rPr>
+                  <a:t>Instead of applying a single attention, </a:t>
+                </a:r>
+                <a14:m>
+                  <m:oMath xmlns:m="http://schemas.openxmlformats.org/officeDocument/2006/math">
+                    <m:sSub>
+                      <m:sSubPr>
+                        <m:ctrlPr>
+                          <a:rPr lang="en-US" i="1" dirty="0" smtClean="0">
+                            <a:latin typeface="Cambria Math" panose="02040503050406030204" pitchFamily="18" charset="0"/>
+                          </a:rPr>
+                        </m:ctrlPr>
+                      </m:sSubPr>
+                      <m:e>
+                        <m:r>
+                          <a:rPr lang="en-US" i="1" dirty="0" smtClean="0">
+                            <a:latin typeface="Cambria Math" panose="02040503050406030204" pitchFamily="18" charset="0"/>
+                          </a:rPr>
+                          <m:t>𝑑</m:t>
+                        </m:r>
+                      </m:e>
+                      <m:sub>
+                        <m:r>
+                          <m:rPr>
+                            <m:nor/>
+                          </m:rPr>
+                          <a:rPr lang="en-US" i="0" dirty="0" smtClean="0">
+                            <a:latin typeface="Cambria Math" panose="02040503050406030204" pitchFamily="18" charset="0"/>
+                          </a:rPr>
+                          <m:t>model</m:t>
+                        </m:r>
+                      </m:sub>
+                    </m:sSub>
+                  </m:oMath>
+                </a14:m>
+                <a:r>
+                  <a:rPr lang="en-US" dirty="0">
+                    <a:latin typeface="Helvetica" pitchFamily="2" charset="0"/>
+                  </a:rPr>
+                  <a:t> is split across </a:t>
+                </a:r>
+                <a14:m>
+                  <m:oMath xmlns:m="http://schemas.openxmlformats.org/officeDocument/2006/math">
+                    <m:r>
+                      <a:rPr lang="en-US" i="1" dirty="0" smtClean="0">
+                        <a:latin typeface="Cambria Math" panose="02040503050406030204" pitchFamily="18" charset="0"/>
+                      </a:rPr>
+                      <m:t>𝑛</m:t>
+                    </m:r>
+                  </m:oMath>
+                </a14:m>
+                <a:r>
+                  <a:rPr lang="en-US" dirty="0">
+                    <a:latin typeface="Helvetica" pitchFamily="2" charset="0"/>
+                  </a:rPr>
+                  <a:t> </a:t>
                 </a:r>
                 <a:r>
                   <a:rPr lang="en-US" dirty="0">
@@ -22465,180 +24219,13 @@
                     </a:solidFill>
                     <a:latin typeface="Helvetica" pitchFamily="2" charset="0"/>
                   </a:rPr>
-                  <a:t>Values (V) </a:t>
+                  <a:t>heads</a:t>
                 </a:r>
                 <a:r>
                   <a:rPr lang="en-US" dirty="0">
                     <a:latin typeface="Helvetica" pitchFamily="2" charset="0"/>
                   </a:rPr>
-                  <a:t>via 1x</a:t>
-                </a:r>
-                <a:r>
-                  <a:rPr lang="en-US" dirty="0">
-                    <a:solidFill>
-                      <a:schemeClr val="bg2"/>
-                    </a:solidFill>
-                    <a:latin typeface="Helvetica" pitchFamily="2" charset="0"/>
-                  </a:rPr>
-                  <a:t>MHA</a:t>
-                </a:r>
-                <a:r>
-                  <a:rPr lang="en-US" dirty="0">
-                    <a:latin typeface="Helvetica" pitchFamily="2" charset="0"/>
-                  </a:rPr>
-                  <a:t>), to be used as input in the decoder. </a:t>
-                </a:r>
-                <a14:m>
-                  <m:oMath xmlns:m="http://schemas.openxmlformats.org/officeDocument/2006/math">
-                    <m:r>
-                      <m:rPr>
-                        <m:sty m:val="p"/>
-                      </m:rPr>
-                      <a:rPr lang="en-US" b="0" i="0" smtClean="0">
-                        <a:latin typeface="Cambria Math" panose="02040503050406030204" pitchFamily="18" charset="0"/>
-                      </a:rPr>
-                      <m:t>N</m:t>
-                    </m:r>
-                  </m:oMath>
-                </a14:m>
-                <a:r>
-                  <a:rPr lang="en-US" dirty="0">
-                    <a:latin typeface="Helvetica" pitchFamily="2" charset="0"/>
-                  </a:rPr>
-                  <a:t> such blocks</a:t>
-                </a:r>
-                <a:endParaRPr lang="en-US" dirty="0">
-                  <a:solidFill>
-                    <a:schemeClr val="bg2"/>
-                  </a:solidFill>
-                  <a:latin typeface="Helvetica" pitchFamily="2" charset="0"/>
-                </a:endParaRPr>
-              </a:p>
-              <a:p>
-                <a:pPr marL="342900" lvl="2" indent="-342900">
-                  <a:buClr>
-                    <a:srgbClr val="FF7900"/>
-                  </a:buClr>
-                  <a:buFont typeface="+mj-lt"/>
-                  <a:buAutoNum type="arabicPeriod"/>
-                </a:pPr>
-                <a:r>
-                  <a:rPr lang="en-US" dirty="0">
-                    <a:latin typeface="Helvetica" pitchFamily="2" charset="0"/>
-                  </a:rPr>
-                  <a:t>Decoder block. Takes encoder output + targets and generates context-rich representations, generating probabilities (token by token). </a:t>
-                </a:r>
-                <a14:m>
-                  <m:oMath xmlns:m="http://schemas.openxmlformats.org/officeDocument/2006/math">
-                    <m:r>
-                      <m:rPr>
-                        <m:sty m:val="p"/>
-                      </m:rPr>
-                      <a:rPr lang="en-US" b="0" i="0">
-                        <a:latin typeface="Cambria Math" panose="02040503050406030204" pitchFamily="18" charset="0"/>
-                      </a:rPr>
-                      <m:t>N</m:t>
-                    </m:r>
-                    <m:r>
-                      <a:rPr lang="en-US" b="0" i="0" smtClean="0">
-                        <a:latin typeface="Cambria Math" panose="02040503050406030204" pitchFamily="18" charset="0"/>
-                      </a:rPr>
-                      <m:t> </m:t>
-                    </m:r>
-                  </m:oMath>
-                </a14:m>
-                <a:r>
-                  <a:rPr lang="en-US" dirty="0">
-                    <a:latin typeface="Helvetica" pitchFamily="2" charset="0"/>
-                  </a:rPr>
-                  <a:t>such blocks</a:t>
-                </a:r>
-              </a:p>
-              <a:p>
-                <a:pPr marL="342900" lvl="2" indent="-342900">
-                  <a:buClr>
-                    <a:srgbClr val="FF7900"/>
-                  </a:buClr>
-                  <a:buFont typeface="+mj-lt"/>
-                  <a:buAutoNum type="arabicPeriod"/>
-                </a:pPr>
-                <a:r>
-                  <a:rPr lang="en-US" dirty="0">
-                    <a:latin typeface="Helvetica" pitchFamily="2" charset="0"/>
-                  </a:rPr>
-                  <a:t>Multi-Head Attention applies (in parallel) the </a:t>
-                </a:r>
-                <a:r>
-                  <a:rPr lang="en-US" dirty="0">
-                    <a:solidFill>
-                      <a:schemeClr val="bg2"/>
-                    </a:solidFill>
-                    <a:latin typeface="Helvetica" pitchFamily="2" charset="0"/>
-                  </a:rPr>
-                  <a:t>scaled-dot-product attention </a:t>
-                </a:r>
-                <a:r>
-                  <a:rPr lang="en-US" dirty="0">
-                    <a:latin typeface="Helvetica" pitchFamily="2" charset="0"/>
-                  </a:rPr>
-                  <a:t>to Q,K,V such that every token captures semantic information </a:t>
-                </a:r>
-                <a:r>
-                  <a:rPr lang="en-US" dirty="0" err="1">
-                    <a:latin typeface="Helvetica" pitchFamily="2" charset="0"/>
-                  </a:rPr>
-                  <a:t>w.r.t.</a:t>
-                </a:r>
-                <a:r>
-                  <a:rPr lang="en-US" dirty="0">
-                    <a:latin typeface="Helvetica" pitchFamily="2" charset="0"/>
-                  </a:rPr>
-                  <a:t>  all other tokens.</a:t>
-                </a:r>
-              </a:p>
-              <a:p>
-                <a:pPr marL="342900" lvl="2" indent="-342900">
-                  <a:buClr>
-                    <a:srgbClr val="FF7900"/>
-                  </a:buClr>
-                  <a:buFont typeface="+mj-lt"/>
-                  <a:buAutoNum type="arabicPeriod"/>
-                </a:pPr>
-                <a:r>
-                  <a:rPr lang="en-US" dirty="0">
-                    <a:latin typeface="Helvetica" pitchFamily="2" charset="0"/>
-                  </a:rPr>
-                  <a:t>Two linear layers + non-linear activation in between</a:t>
-                </a:r>
-              </a:p>
-              <a:p>
-                <a:pPr marL="342900" lvl="2" indent="-342900">
-                  <a:buClr>
-                    <a:srgbClr val="FF7900"/>
-                  </a:buClr>
-                  <a:buFont typeface="+mj-lt"/>
-                  <a:buAutoNum type="arabicPeriod"/>
-                </a:pPr>
-                <a:r>
-                  <a:rPr lang="en-US" dirty="0">
-                    <a:latin typeface="Helvetica" pitchFamily="2" charset="0"/>
-                  </a:rPr>
-                  <a:t>Use sinusoidal functions to inject </a:t>
-                </a:r>
-                <a:r>
-                  <a:rPr lang="en-US" dirty="0">
-                    <a:solidFill>
-                      <a:schemeClr val="bg2"/>
-                    </a:solidFill>
-                    <a:latin typeface="Helvetica" pitchFamily="2" charset="0"/>
-                  </a:rPr>
-                  <a:t>positional information </a:t>
-                </a:r>
-                <a:r>
-                  <a:rPr lang="en-US" dirty="0">
-                    <a:latin typeface="Helvetica" pitchFamily="2" charset="0"/>
-                  </a:rPr>
-                  <a:t>(relative or absolute) for the sequence of tokens</a:t>
+                  <a:t>, where each head processes SDPA on subspaces for Q, K, and V.</a:t>
                 </a:r>
               </a:p>
             </p:txBody>
@@ -22663,13 +24250,13 @@
             </p:nvSpPr>
             <p:spPr>
               <a:xfrm>
-                <a:off x="314325" y="1184275"/>
-                <a:ext cx="4779573" cy="2891706"/>
+                <a:off x="314326" y="1184275"/>
+                <a:ext cx="3826354" cy="2891706"/>
               </a:xfrm>
               <a:blipFill>
                 <a:blip r:embed="rId2"/>
                 <a:stretch>
-                  <a:fillRect l="-1852" t="-3057" r="-1587"/>
+                  <a:fillRect l="-2649" t="-3057" r="-3311"/>
                 </a:stretch>
               </a:blipFill>
             </p:spPr>
@@ -22772,12 +24359,384 @@
           </a:p>
         </p:txBody>
       </p:sp>
+      <mc:AlternateContent xmlns:mc="http://schemas.openxmlformats.org/markup-compatibility/2006">
+        <mc:Choice xmlns:a14="http://schemas.microsoft.com/office/drawing/2010/main" Requires="a14">
+          <p:sp>
+            <p:nvSpPr>
+              <p:cNvPr id="6" name="TextBox 5">
+                <a:extLst>
+                  <a:ext uri="{FF2B5EF4-FFF2-40B4-BE49-F238E27FC236}">
+                    <a16:creationId xmlns:a16="http://schemas.microsoft.com/office/drawing/2014/main" id="{407C02D9-F390-318B-CCF3-A930124919E0}"/>
+                  </a:ext>
+                </a:extLst>
+              </p:cNvPr>
+              <p:cNvSpPr txBox="1"/>
+              <p:nvPr/>
+            </p:nvSpPr>
+            <p:spPr>
+              <a:xfrm>
+                <a:off x="549637" y="2630128"/>
+                <a:ext cx="3267305" cy="505267"/>
+              </a:xfrm>
+              <a:prstGeom prst="rect">
+                <a:avLst/>
+              </a:prstGeom>
+            </p:spPr>
+            <p:txBody>
+              <a:bodyPr wrap="none" lIns="0" tIns="0" rIns="0" bIns="0" rtlCol="0">
+                <a:spAutoFit/>
+              </a:bodyPr>
+              <a:lstStyle/>
+              <a:p>
+                <a14:m>
+                  <m:oMathPara xmlns:m="http://schemas.openxmlformats.org/officeDocument/2006/math">
+                    <m:oMathParaPr>
+                      <m:jc m:val="centerGroup"/>
+                    </m:oMathParaPr>
+                    <m:oMath xmlns:m="http://schemas.openxmlformats.org/officeDocument/2006/math">
+                      <m:r>
+                        <m:rPr>
+                          <m:sty m:val="p"/>
+                        </m:rPr>
+                        <a:rPr lang="en-US" sz="1400" i="1">
+                          <a:solidFill>
+                            <a:schemeClr val="bg2"/>
+                          </a:solidFill>
+                          <a:latin typeface="Cambria Math" panose="02040503050406030204" pitchFamily="18" charset="0"/>
+                        </a:rPr>
+                        <m:t>S</m:t>
+                      </m:r>
+                      <m:r>
+                        <m:rPr>
+                          <m:sty m:val="p"/>
+                        </m:rPr>
+                        <a:rPr lang="en-US" sz="1400" b="0" i="1" smtClean="0">
+                          <a:solidFill>
+                            <a:schemeClr val="bg2"/>
+                          </a:solidFill>
+                          <a:latin typeface="Cambria Math" panose="02040503050406030204" pitchFamily="18" charset="0"/>
+                        </a:rPr>
+                        <m:t>DP</m:t>
+                      </m:r>
+                      <m:r>
+                        <a:rPr lang="en-US" sz="1400" b="0" i="1" smtClean="0">
+                          <a:solidFill>
+                            <a:schemeClr val="bg2"/>
+                          </a:solidFill>
+                          <a:latin typeface="Cambria Math" panose="02040503050406030204" pitchFamily="18" charset="0"/>
+                        </a:rPr>
+                        <m:t>_</m:t>
+                      </m:r>
+                      <m:r>
+                        <m:rPr>
+                          <m:sty m:val="p"/>
+                        </m:rPr>
+                        <a:rPr lang="en-US" sz="1400" b="0" i="1" smtClean="0">
+                          <a:solidFill>
+                            <a:schemeClr val="bg2"/>
+                          </a:solidFill>
+                          <a:latin typeface="Cambria Math" panose="02040503050406030204" pitchFamily="18" charset="0"/>
+                        </a:rPr>
+                        <m:t>Attn</m:t>
+                      </m:r>
+                      <m:r>
+                        <a:rPr lang="en-US" sz="1400" b="0" i="1" smtClean="0">
+                          <a:solidFill>
+                            <a:schemeClr val="bg2"/>
+                          </a:solidFill>
+                          <a:latin typeface="Cambria Math" panose="02040503050406030204" pitchFamily="18" charset="0"/>
+                        </a:rPr>
+                        <m:t>(</m:t>
+                      </m:r>
+                      <m:r>
+                        <m:rPr>
+                          <m:sty m:val="p"/>
+                        </m:rPr>
+                        <a:rPr lang="en-US" sz="1400" b="0" i="1" smtClean="0">
+                          <a:solidFill>
+                            <a:schemeClr val="bg2"/>
+                          </a:solidFill>
+                          <a:latin typeface="Cambria Math" panose="02040503050406030204" pitchFamily="18" charset="0"/>
+                        </a:rPr>
+                        <m:t>Q</m:t>
+                      </m:r>
+                      <m:r>
+                        <a:rPr lang="en-US" sz="1400" b="0" i="1" smtClean="0">
+                          <a:solidFill>
+                            <a:schemeClr val="bg2"/>
+                          </a:solidFill>
+                          <a:latin typeface="Cambria Math" panose="02040503050406030204" pitchFamily="18" charset="0"/>
+                        </a:rPr>
+                        <m:t>,</m:t>
+                      </m:r>
+                      <m:r>
+                        <m:rPr>
+                          <m:sty m:val="p"/>
+                        </m:rPr>
+                        <a:rPr lang="en-US" sz="1400" b="0" i="1" smtClean="0">
+                          <a:solidFill>
+                            <a:schemeClr val="bg2"/>
+                          </a:solidFill>
+                          <a:latin typeface="Cambria Math" panose="02040503050406030204" pitchFamily="18" charset="0"/>
+                        </a:rPr>
+                        <m:t>K</m:t>
+                      </m:r>
+                      <m:r>
+                        <a:rPr lang="en-US" sz="1400" b="0" i="1" smtClean="0">
+                          <a:solidFill>
+                            <a:schemeClr val="bg2"/>
+                          </a:solidFill>
+                          <a:latin typeface="Cambria Math" panose="02040503050406030204" pitchFamily="18" charset="0"/>
+                        </a:rPr>
+                        <m:t>,</m:t>
+                      </m:r>
+                      <m:r>
+                        <m:rPr>
+                          <m:sty m:val="p"/>
+                        </m:rPr>
+                        <a:rPr lang="en-US" sz="1400" b="0" i="1" smtClean="0">
+                          <a:solidFill>
+                            <a:schemeClr val="bg2"/>
+                          </a:solidFill>
+                          <a:latin typeface="Cambria Math" panose="02040503050406030204" pitchFamily="18" charset="0"/>
+                        </a:rPr>
+                        <m:t>V</m:t>
+                      </m:r>
+                      <m:r>
+                        <a:rPr lang="en-US" sz="1400" b="0" i="1" smtClean="0">
+                          <a:solidFill>
+                            <a:schemeClr val="bg2"/>
+                          </a:solidFill>
+                          <a:latin typeface="Cambria Math" panose="02040503050406030204" pitchFamily="18" charset="0"/>
+                        </a:rPr>
+                        <m:t>)=</m:t>
+                      </m:r>
+                      <m:r>
+                        <m:rPr>
+                          <m:sty m:val="p"/>
+                        </m:rPr>
+                        <a:rPr lang="en-US" sz="1400" b="0" i="1" smtClean="0">
+                          <a:solidFill>
+                            <a:schemeClr val="bg2"/>
+                          </a:solidFill>
+                          <a:latin typeface="Cambria Math" panose="02040503050406030204" pitchFamily="18" charset="0"/>
+                        </a:rPr>
+                        <m:t>softmax</m:t>
+                      </m:r>
+                      <m:d>
+                        <m:dPr>
+                          <m:ctrlPr>
+                            <a:rPr lang="en-US" sz="1400" b="0" i="1" smtClean="0">
+                              <a:solidFill>
+                                <a:schemeClr val="bg2"/>
+                              </a:solidFill>
+                              <a:latin typeface="Cambria Math" panose="02040503050406030204" pitchFamily="18" charset="0"/>
+                            </a:rPr>
+                          </m:ctrlPr>
+                        </m:dPr>
+                        <m:e>
+                          <m:f>
+                            <m:fPr>
+                              <m:type m:val="noBar"/>
+                              <m:ctrlPr>
+                                <a:rPr lang="en-US" sz="1400" b="0" i="1" smtClean="0">
+                                  <a:solidFill>
+                                    <a:schemeClr val="bg2"/>
+                                  </a:solidFill>
+                                  <a:latin typeface="Cambria Math" panose="02040503050406030204" pitchFamily="18" charset="0"/>
+                                </a:rPr>
+                              </m:ctrlPr>
+                            </m:fPr>
+                            <m:num>
+                              <m:r>
+                                <m:rPr>
+                                  <m:sty m:val="p"/>
+                                </m:rPr>
+                                <a:rPr lang="en-US" sz="1400" b="0" i="1" smtClean="0">
+                                  <a:solidFill>
+                                    <a:schemeClr val="bg2"/>
+                                  </a:solidFill>
+                                  <a:latin typeface="Cambria Math" panose="02040503050406030204" pitchFamily="18" charset="0"/>
+                                </a:rPr>
+                                <m:t>Q</m:t>
+                              </m:r>
+                              <m:sSup>
+                                <m:sSupPr>
+                                  <m:ctrlPr>
+                                    <a:rPr lang="en-US" sz="1400" b="0" i="1" smtClean="0">
+                                      <a:solidFill>
+                                        <a:schemeClr val="bg2"/>
+                                      </a:solidFill>
+                                      <a:latin typeface="Cambria Math" panose="02040503050406030204" pitchFamily="18" charset="0"/>
+                                    </a:rPr>
+                                  </m:ctrlPr>
+                                </m:sSupPr>
+                                <m:e>
+                                  <m:r>
+                                    <m:rPr>
+                                      <m:sty m:val="p"/>
+                                    </m:rPr>
+                                    <a:rPr lang="en-US" sz="1400" b="0" i="1" smtClean="0">
+                                      <a:solidFill>
+                                        <a:schemeClr val="bg2"/>
+                                      </a:solidFill>
+                                      <a:latin typeface="Cambria Math" panose="02040503050406030204" pitchFamily="18" charset="0"/>
+                                    </a:rPr>
+                                    <m:t>K</m:t>
+                                  </m:r>
+                                </m:e>
+                                <m:sup>
+                                  <m:r>
+                                    <m:rPr>
+                                      <m:sty m:val="p"/>
+                                    </m:rPr>
+                                    <a:rPr lang="en-US" sz="1400" b="0" i="1" smtClean="0">
+                                      <a:solidFill>
+                                        <a:schemeClr val="bg2"/>
+                                      </a:solidFill>
+                                      <a:latin typeface="Cambria Math" panose="02040503050406030204" pitchFamily="18" charset="0"/>
+                                    </a:rPr>
+                                    <m:t>T</m:t>
+                                  </m:r>
+                                </m:sup>
+                              </m:sSup>
+                            </m:num>
+                            <m:den>
+                              <m:rad>
+                                <m:radPr>
+                                  <m:degHide m:val="on"/>
+                                  <m:ctrlPr>
+                                    <a:rPr lang="en-US" sz="1400" b="0" i="1" smtClean="0">
+                                      <a:solidFill>
+                                        <a:schemeClr val="bg2"/>
+                                      </a:solidFill>
+                                      <a:latin typeface="Cambria Math" panose="02040503050406030204" pitchFamily="18" charset="0"/>
+                                    </a:rPr>
+                                  </m:ctrlPr>
+                                </m:radPr>
+                                <m:deg/>
+                                <m:e>
+                                  <m:sSub>
+                                    <m:sSubPr>
+                                      <m:ctrlPr>
+                                        <a:rPr lang="en-US" sz="1400" b="0" i="1" smtClean="0">
+                                          <a:solidFill>
+                                            <a:schemeClr val="bg2"/>
+                                          </a:solidFill>
+                                          <a:latin typeface="Cambria Math" panose="02040503050406030204" pitchFamily="18" charset="0"/>
+                                        </a:rPr>
+                                      </m:ctrlPr>
+                                    </m:sSubPr>
+                                    <m:e>
+                                      <m:r>
+                                        <m:rPr>
+                                          <m:sty m:val="p"/>
+                                        </m:rPr>
+                                        <a:rPr lang="en-US" sz="1400" b="0" i="1" smtClean="0">
+                                          <a:solidFill>
+                                            <a:schemeClr val="bg2"/>
+                                          </a:solidFill>
+                                          <a:latin typeface="Cambria Math" panose="02040503050406030204" pitchFamily="18" charset="0"/>
+                                        </a:rPr>
+                                        <m:t>d</m:t>
+                                      </m:r>
+                                    </m:e>
+                                    <m:sub>
+                                      <m:r>
+                                        <m:rPr>
+                                          <m:sty m:val="p"/>
+                                        </m:rPr>
+                                        <a:rPr lang="en-US" sz="1400" b="0" i="1" smtClean="0">
+                                          <a:solidFill>
+                                            <a:schemeClr val="bg2"/>
+                                          </a:solidFill>
+                                          <a:latin typeface="Cambria Math" panose="02040503050406030204" pitchFamily="18" charset="0"/>
+                                        </a:rPr>
+                                        <m:t>model</m:t>
+                                      </m:r>
+                                    </m:sub>
+                                  </m:sSub>
+                                </m:e>
+                              </m:rad>
+                            </m:den>
+                          </m:f>
+                        </m:e>
+                      </m:d>
+                      <m:r>
+                        <m:rPr>
+                          <m:sty m:val="p"/>
+                        </m:rPr>
+                        <a:rPr lang="en-US" sz="1400" b="0" i="1" smtClean="0">
+                          <a:solidFill>
+                            <a:schemeClr val="bg2"/>
+                          </a:solidFill>
+                          <a:latin typeface="Cambria Math" panose="02040503050406030204" pitchFamily="18" charset="0"/>
+                        </a:rPr>
+                        <m:t>V</m:t>
+                      </m:r>
+                    </m:oMath>
+                  </m:oMathPara>
+                </a14:m>
+                <a:endParaRPr lang="en-US" sz="1400" dirty="0" err="1">
+                  <a:solidFill>
+                    <a:schemeClr val="bg2"/>
+                  </a:solidFill>
+                </a:endParaRPr>
+              </a:p>
+            </p:txBody>
+          </p:sp>
+        </mc:Choice>
+        <mc:Fallback>
+          <p:sp>
+            <p:nvSpPr>
+              <p:cNvPr id="6" name="TextBox 5">
+                <a:extLst>
+                  <a:ext uri="{FF2B5EF4-FFF2-40B4-BE49-F238E27FC236}">
+                    <a16:creationId xmlns:a16="http://schemas.microsoft.com/office/drawing/2014/main" id="{407C02D9-F390-318B-CCF3-A930124919E0}"/>
+                  </a:ext>
+                </a:extLst>
+              </p:cNvPr>
+              <p:cNvSpPr txBox="1">
+                <a:spLocks noRot="1" noChangeAspect="1" noMove="1" noResize="1" noEditPoints="1" noAdjustHandles="1" noChangeArrowheads="1" noChangeShapeType="1" noTextEdit="1"/>
+              </p:cNvSpPr>
+              <p:nvPr/>
+            </p:nvSpPr>
+            <p:spPr>
+              <a:xfrm>
+                <a:off x="549637" y="2630128"/>
+                <a:ext cx="3267305" cy="505267"/>
+              </a:xfrm>
+              <a:prstGeom prst="rect">
+                <a:avLst/>
+              </a:prstGeom>
+              <a:blipFill>
+                <a:blip r:embed="rId3"/>
+                <a:stretch>
+                  <a:fillRect l="-388" b="-4878"/>
+                </a:stretch>
+              </a:blipFill>
+            </p:spPr>
+            <p:txBody>
+              <a:bodyPr/>
+              <a:lstStyle/>
+              <a:p>
+                <a:r>
+                  <a:rPr lang="en-US">
+                    <a:noFill/>
+                  </a:rPr>
+                  <a:t> </a:t>
+                </a:r>
+              </a:p>
+            </p:txBody>
+          </p:sp>
+        </mc:Fallback>
+      </mc:AlternateContent>
       <p:pic>
         <p:nvPicPr>
-          <p:cNvPr id="4" name="Picture 3">
+          <p:cNvPr id="7" name="Picture 6">
             <a:extLst>
               <a:ext uri="{FF2B5EF4-FFF2-40B4-BE49-F238E27FC236}">
-                <a16:creationId xmlns:a16="http://schemas.microsoft.com/office/drawing/2014/main" id="{A0A81E64-19C5-E097-27D8-3F7C4331E37E}"/>
+                <a16:creationId xmlns:a16="http://schemas.microsoft.com/office/drawing/2014/main" id="{CD2287EA-5DF7-5A55-3FEA-832E494E44EF}"/>
               </a:ext>
             </a:extLst>
           </p:cNvPr>
@@ -22787,15 +24746,45 @@
           <p:nvPr/>
         </p:nvPicPr>
         <p:blipFill>
-          <a:blip r:embed="rId3"/>
+          <a:blip r:embed="rId4"/>
           <a:stretch>
             <a:fillRect/>
           </a:stretch>
         </p:blipFill>
         <p:spPr>
           <a:xfrm>
-            <a:off x="6122388" y="888520"/>
-            <a:ext cx="2355131" cy="2723791"/>
+            <a:off x="4246582" y="1184275"/>
+            <a:ext cx="4826913" cy="2564889"/>
+          </a:xfrm>
+          <a:prstGeom prst="rect">
+            <a:avLst/>
+          </a:prstGeom>
+        </p:spPr>
+      </p:pic>
+      <p:pic>
+        <p:nvPicPr>
+          <p:cNvPr id="9" name="Picture 8">
+            <a:extLst>
+              <a:ext uri="{FF2B5EF4-FFF2-40B4-BE49-F238E27FC236}">
+                <a16:creationId xmlns:a16="http://schemas.microsoft.com/office/drawing/2014/main" id="{A1A1CCE5-A71D-09CA-AC97-998D87757CC6}"/>
+              </a:ext>
+            </a:extLst>
+          </p:cNvPr>
+          <p:cNvPicPr>
+            <a:picLocks noChangeAspect="1"/>
+          </p:cNvPicPr>
+          <p:nvPr/>
+        </p:nvPicPr>
+        <p:blipFill>
+          <a:blip r:embed="rId5"/>
+          <a:stretch>
+            <a:fillRect/>
+          </a:stretch>
+        </p:blipFill>
+        <p:spPr>
+          <a:xfrm>
+            <a:off x="5840074" y="3299286"/>
+            <a:ext cx="1216340" cy="1406740"/>
           </a:xfrm>
           <a:prstGeom prst="rect">
             <a:avLst/>
@@ -22832,7 +24821,13 @@
   <p:cSld>
     <p:spTree>
       <p:nvGrpSpPr>
-        <p:cNvPr id="1" name=""/>
+        <p:cNvPr id="1" name="">
+          <a:extLst>
+            <a:ext uri="{FF2B5EF4-FFF2-40B4-BE49-F238E27FC236}">
+              <a16:creationId xmlns:a16="http://schemas.microsoft.com/office/drawing/2014/main" id="{D9879B8A-2BF2-9531-6BE5-A5DB52EBA6FB}"/>
+            </a:ext>
+          </a:extLst>
+        </p:cNvPr>
         <p:cNvGrpSpPr/>
         <p:nvPr/>
       </p:nvGrpSpPr>
@@ -22844,1361 +24839,297 @@
           <a:chExt cx="0" cy="0"/>
         </a:xfrm>
       </p:grpSpPr>
+      <mc:AlternateContent xmlns:mc="http://schemas.openxmlformats.org/markup-compatibility/2006">
+        <mc:Choice xmlns:a14="http://schemas.microsoft.com/office/drawing/2010/main" Requires="a14">
+          <p:sp>
+            <p:nvSpPr>
+              <p:cNvPr id="2" name="Content Placeholder 1">
+                <a:extLst>
+                  <a:ext uri="{FF2B5EF4-FFF2-40B4-BE49-F238E27FC236}">
+                    <a16:creationId xmlns:a16="http://schemas.microsoft.com/office/drawing/2014/main" id="{77ED7380-D505-D44D-2B8A-3C12A5271C21}"/>
+                  </a:ext>
+                </a:extLst>
+              </p:cNvPr>
+              <p:cNvSpPr>
+                <a:spLocks noGrp="1"/>
+              </p:cNvSpPr>
+              <p:nvPr>
+                <p:ph idx="1"/>
+              </p:nvPr>
+            </p:nvSpPr>
+            <p:spPr>
+              <a:xfrm>
+                <a:off x="314326" y="1184275"/>
+                <a:ext cx="3826354" cy="2891706"/>
+              </a:xfrm>
+            </p:spPr>
+            <p:txBody>
+              <a:bodyPr/>
+              <a:lstStyle/>
+              <a:p>
+                <a:pPr lvl="2">
+                  <a:buClr>
+                    <a:srgbClr val="FF7900"/>
+                  </a:buClr>
+                </a:pPr>
+                <a:r>
+                  <a:rPr lang="en-US" dirty="0">
+                    <a:latin typeface="Helvetica" pitchFamily="2" charset="0"/>
+                  </a:rPr>
+                  <a:t>Q, K, and Vs can be regarded as the input units that go into </a:t>
+                </a:r>
+                <a:r>
+                  <a:rPr lang="en-US" dirty="0">
+                    <a:solidFill>
+                      <a:schemeClr val="bg2"/>
+                    </a:solidFill>
+                    <a:latin typeface="Helvetica" pitchFamily="2" charset="0"/>
+                  </a:rPr>
+                  <a:t>SDPA</a:t>
+                </a:r>
+                <a:r>
+                  <a:rPr lang="en-US" dirty="0">
+                    <a:latin typeface="Helvetica" pitchFamily="2" charset="0"/>
+                  </a:rPr>
+                  <a:t>, to capture </a:t>
+                </a:r>
+                <a:r>
+                  <a:rPr lang="en-US" dirty="0">
+                    <a:solidFill>
+                      <a:schemeClr val="bg2"/>
+                    </a:solidFill>
+                    <a:latin typeface="Helvetica" pitchFamily="2" charset="0"/>
+                  </a:rPr>
+                  <a:t>enriched semantic representations </a:t>
+                </a:r>
+                <a:r>
+                  <a:rPr lang="en-US" dirty="0">
+                    <a:latin typeface="Helvetica" pitchFamily="2" charset="0"/>
+                  </a:rPr>
+                  <a:t>(context and position aware)</a:t>
+                </a:r>
+              </a:p>
+              <a:p>
+                <a:pPr lvl="2">
+                  <a:buClr>
+                    <a:srgbClr val="FF7900"/>
+                  </a:buClr>
+                </a:pPr>
+                <a:r>
+                  <a:rPr lang="en-US" dirty="0">
+                    <a:latin typeface="Helvetica" pitchFamily="2" charset="0"/>
+                  </a:rPr>
+                  <a:t>Instead of working with token embeddings directly, they get projected (via </a:t>
+                </a:r>
+                <a:r>
+                  <a:rPr lang="en-US" dirty="0">
+                    <a:solidFill>
+                      <a:schemeClr val="bg2"/>
+                    </a:solidFill>
+                    <a:latin typeface="Helvetica" pitchFamily="2" charset="0"/>
+                  </a:rPr>
+                  <a:t>learnable parameters</a:t>
+                </a:r>
+                <a:r>
+                  <a:rPr lang="en-US" dirty="0">
+                    <a:latin typeface="Helvetica" pitchFamily="2" charset="0"/>
+                  </a:rPr>
+                  <a:t>) to Queries, Keys, and Values</a:t>
+                </a:r>
+              </a:p>
+              <a:p>
+                <a:pPr lvl="2">
+                  <a:buClr>
+                    <a:srgbClr val="FF7900"/>
+                  </a:buClr>
+                </a:pPr>
+                <a:endParaRPr lang="en-US" dirty="0">
+                  <a:latin typeface="Helvetica" pitchFamily="2" charset="0"/>
+                </a:endParaRPr>
+              </a:p>
+              <a:p>
+                <a:pPr lvl="2">
+                  <a:buClr>
+                    <a:srgbClr val="FF7900"/>
+                  </a:buClr>
+                </a:pPr>
+                <a:endParaRPr lang="en-US" dirty="0">
+                  <a:latin typeface="Helvetica" pitchFamily="2" charset="0"/>
+                </a:endParaRPr>
+              </a:p>
+              <a:p>
+                <a:pPr lvl="2">
+                  <a:buClr>
+                    <a:srgbClr val="FF7900"/>
+                  </a:buClr>
+                </a:pPr>
+                <a:r>
+                  <a:rPr lang="en-US" dirty="0">
+                    <a:latin typeface="Helvetica" pitchFamily="2" charset="0"/>
+                  </a:rPr>
+                  <a:t>Instead of applying a single attention, </a:t>
+                </a:r>
+                <a14:m>
+                  <m:oMath xmlns:m="http://schemas.openxmlformats.org/officeDocument/2006/math">
+                    <m:sSub>
+                      <m:sSubPr>
+                        <m:ctrlPr>
+                          <a:rPr lang="en-US" i="1" dirty="0" smtClean="0">
+                            <a:latin typeface="Cambria Math" panose="02040503050406030204" pitchFamily="18" charset="0"/>
+                          </a:rPr>
+                        </m:ctrlPr>
+                      </m:sSubPr>
+                      <m:e>
+                        <m:r>
+                          <a:rPr lang="en-US" i="1" dirty="0" smtClean="0">
+                            <a:latin typeface="Cambria Math" panose="02040503050406030204" pitchFamily="18" charset="0"/>
+                          </a:rPr>
+                          <m:t>𝑑</m:t>
+                        </m:r>
+                      </m:e>
+                      <m:sub>
+                        <m:r>
+                          <m:rPr>
+                            <m:nor/>
+                          </m:rPr>
+                          <a:rPr lang="en-US" i="0" dirty="0" smtClean="0">
+                            <a:latin typeface="Cambria Math" panose="02040503050406030204" pitchFamily="18" charset="0"/>
+                          </a:rPr>
+                          <m:t>model</m:t>
+                        </m:r>
+                      </m:sub>
+                    </m:sSub>
+                  </m:oMath>
+                </a14:m>
+                <a:r>
+                  <a:rPr lang="en-US" dirty="0">
+                    <a:latin typeface="Helvetica" pitchFamily="2" charset="0"/>
+                  </a:rPr>
+                  <a:t> is split across </a:t>
+                </a:r>
+                <a14:m>
+                  <m:oMath xmlns:m="http://schemas.openxmlformats.org/officeDocument/2006/math">
+                    <m:r>
+                      <a:rPr lang="en-US" i="1" dirty="0" smtClean="0">
+                        <a:latin typeface="Cambria Math" panose="02040503050406030204" pitchFamily="18" charset="0"/>
+                      </a:rPr>
+                      <m:t>𝑛</m:t>
+                    </m:r>
+                  </m:oMath>
+                </a14:m>
+                <a:r>
+                  <a:rPr lang="en-US" dirty="0">
+                    <a:latin typeface="Helvetica" pitchFamily="2" charset="0"/>
+                  </a:rPr>
+                  <a:t> </a:t>
+                </a:r>
+                <a:r>
+                  <a:rPr lang="en-US" dirty="0">
+                    <a:solidFill>
+                      <a:schemeClr val="bg2"/>
+                    </a:solidFill>
+                    <a:latin typeface="Helvetica" pitchFamily="2" charset="0"/>
+                  </a:rPr>
+                  <a:t>heads</a:t>
+                </a:r>
+                <a:r>
+                  <a:rPr lang="en-US" dirty="0">
+                    <a:latin typeface="Helvetica" pitchFamily="2" charset="0"/>
+                  </a:rPr>
+                  <a:t>, where each head processes SDPA on subspaces for Q, K, and V.</a:t>
+                </a:r>
+              </a:p>
+            </p:txBody>
+          </p:sp>
+        </mc:Choice>
+        <mc:Fallback>
+          <p:sp>
+            <p:nvSpPr>
+              <p:cNvPr id="2" name="Content Placeholder 1">
+                <a:extLst>
+                  <a:ext uri="{FF2B5EF4-FFF2-40B4-BE49-F238E27FC236}">
+                    <a16:creationId xmlns:a16="http://schemas.microsoft.com/office/drawing/2014/main" id="{77ED7380-D505-D44D-2B8A-3C12A5271C21}"/>
+                  </a:ext>
+                </a:extLst>
+              </p:cNvPr>
+              <p:cNvSpPr>
+                <a:spLocks noGrp="1" noRot="1" noChangeAspect="1" noMove="1" noResize="1" noEditPoints="1" noAdjustHandles="1" noChangeArrowheads="1" noChangeShapeType="1" noTextEdit="1"/>
+              </p:cNvSpPr>
+              <p:nvPr>
+                <p:ph idx="1"/>
+              </p:nvPr>
+            </p:nvSpPr>
+            <p:spPr>
+              <a:xfrm>
+                <a:off x="314326" y="1184275"/>
+                <a:ext cx="3826354" cy="2891706"/>
+              </a:xfrm>
+              <a:blipFill>
+                <a:blip r:embed="rId2"/>
+                <a:stretch>
+                  <a:fillRect l="-2649" t="-3057" r="-3311"/>
+                </a:stretch>
+              </a:blipFill>
+            </p:spPr>
+            <p:txBody>
+              <a:bodyPr/>
+              <a:lstStyle/>
+              <a:p>
+                <a:r>
+                  <a:rPr lang="en-US">
+                    <a:noFill/>
+                  </a:rPr>
+                  <a:t> </a:t>
+                </a:r>
+              </a:p>
+            </p:txBody>
+          </p:sp>
+        </mc:Fallback>
+      </mc:AlternateContent>
       <p:sp>
         <p:nvSpPr>
-          <p:cNvPr id="3" name="Rectangle 2"/>
+          <p:cNvPr id="3" name="Title 2">
+            <a:extLst>
+              <a:ext uri="{FF2B5EF4-FFF2-40B4-BE49-F238E27FC236}">
+                <a16:creationId xmlns:a16="http://schemas.microsoft.com/office/drawing/2014/main" id="{9D19818A-113B-F1AC-4BB0-1AFB2BFADF34}"/>
+              </a:ext>
+            </a:extLst>
+          </p:cNvPr>
+          <p:cNvSpPr>
+            <a:spLocks noGrp="1"/>
+          </p:cNvSpPr>
+          <p:nvPr>
+            <p:ph type="title"/>
+          </p:nvPr>
+        </p:nvSpPr>
+        <p:spPr/>
+        <p:txBody>
+          <a:bodyPr/>
+          <a:lstStyle/>
+          <a:p>
+            <a:r>
+              <a:rPr lang="en-US" sz="2800" dirty="0"/>
+              <a:t>Queries, Keys, Values…</a:t>
+            </a:r>
+          </a:p>
+        </p:txBody>
+      </p:sp>
+      <p:sp>
+        <p:nvSpPr>
+          <p:cNvPr id="8" name="Rectangle 7">
+            <a:extLst>
+              <a:ext uri="{FF2B5EF4-FFF2-40B4-BE49-F238E27FC236}">
+                <a16:creationId xmlns:a16="http://schemas.microsoft.com/office/drawing/2014/main" id="{C646DDF2-D775-8D76-39E6-E6E5F3664D19}"/>
+              </a:ext>
+            </a:extLst>
+          </p:cNvPr>
           <p:cNvSpPr/>
           <p:nvPr/>
         </p:nvSpPr>
         <p:spPr>
           <a:xfrm>
-            <a:off x="287856" y="1344820"/>
-            <a:ext cx="108000" cy="1154922"/>
-          </a:xfrm>
-          <a:prstGeom prst="rect">
-            <a:avLst/>
-          </a:prstGeom>
-          <a:solidFill>
-            <a:schemeClr val="accent2"/>
-          </a:solidFill>
-          <a:ln w="9525">
-            <a:solidFill>
-              <a:schemeClr val="accent2"/>
-            </a:solidFill>
-          </a:ln>
-          <a:effectLst/>
-        </p:spPr>
-        <p:style>
-          <a:lnRef idx="1">
-            <a:schemeClr val="accent3"/>
-          </a:lnRef>
-          <a:fillRef idx="2">
-            <a:schemeClr val="accent3"/>
-          </a:fillRef>
-          <a:effectRef idx="1">
-            <a:schemeClr val="accent3"/>
-          </a:effectRef>
-          <a:fontRef idx="minor">
-            <a:schemeClr val="dk1"/>
-          </a:fontRef>
-        </p:style>
-        <p:txBody>
-          <a:bodyPr lIns="216000" rIns="36000" rtlCol="0" anchor="ctr"/>
-          <a:lstStyle/>
-          <a:p>
-            <a:pPr algn="ctr" defTabSz="712788" fontAlgn="base">
-              <a:spcBef>
-                <a:spcPct val="0"/>
-              </a:spcBef>
-              <a:spcAft>
-                <a:spcPct val="0"/>
-              </a:spcAft>
-            </a:pPr>
-            <a:endParaRPr lang="en-US" sz="1200" b="1" noProof="0" dirty="0">
-              <a:solidFill>
-                <a:srgbClr val="FFFFFF"/>
-              </a:solidFill>
-            </a:endParaRPr>
-          </a:p>
-        </p:txBody>
-      </p:sp>
-      <p:sp>
-        <p:nvSpPr>
-          <p:cNvPr id="4" name="Rectangle 3"/>
-          <p:cNvSpPr/>
-          <p:nvPr/>
-        </p:nvSpPr>
-        <p:spPr>
-          <a:xfrm>
-            <a:off x="395856" y="1344820"/>
-            <a:ext cx="2880000" cy="1154922"/>
-          </a:xfrm>
-          <a:prstGeom prst="rect">
-            <a:avLst/>
-          </a:prstGeom>
-          <a:noFill/>
-          <a:ln w="9525">
-            <a:solidFill>
-              <a:schemeClr val="tx1">
-                <a:lumMod val="10000"/>
-                <a:lumOff val="90000"/>
-              </a:schemeClr>
-            </a:solidFill>
-          </a:ln>
-          <a:effectLst/>
-        </p:spPr>
-        <p:style>
-          <a:lnRef idx="2">
-            <a:schemeClr val="accent1">
-              <a:shade val="50000"/>
-            </a:schemeClr>
-          </a:lnRef>
-          <a:fillRef idx="1">
-            <a:schemeClr val="accent1"/>
-          </a:fillRef>
-          <a:effectRef idx="0">
-            <a:schemeClr val="accent1"/>
-          </a:effectRef>
-          <a:fontRef idx="minor">
-            <a:schemeClr val="lt1"/>
-          </a:fontRef>
-        </p:style>
-        <p:txBody>
-          <a:bodyPr lIns="72000" rIns="36000" rtlCol="0" anchor="ctr"/>
-          <a:lstStyle/>
-          <a:p>
-            <a:pPr marL="171450" indent="-171450" defTabSz="712788" fontAlgn="base">
-              <a:spcBef>
-                <a:spcPts val="200"/>
-              </a:spcBef>
-              <a:spcAft>
-                <a:spcPct val="0"/>
-              </a:spcAft>
-              <a:buClr>
-                <a:srgbClr val="FF6600"/>
-              </a:buClr>
-              <a:buSzPct val="75000"/>
-              <a:buFont typeface="Arial" panose="020B0604020202020204" pitchFamily="34" charset="0"/>
-              <a:buChar char="•"/>
-            </a:pPr>
-            <a:r>
-              <a:rPr lang="en-US" sz="1200" noProof="0" dirty="0">
-                <a:solidFill>
-                  <a:schemeClr val="tx1"/>
-                </a:solidFill>
-                <a:latin typeface="Helvetica 45 Light" panose="020B0403020202020204" pitchFamily="34" charset="0"/>
-              </a:rPr>
-              <a:t>This is an example</a:t>
-            </a:r>
-          </a:p>
-          <a:p>
-            <a:pPr marL="171450" indent="-171450" defTabSz="712788" fontAlgn="base">
-              <a:spcBef>
-                <a:spcPts val="200"/>
-              </a:spcBef>
-              <a:spcAft>
-                <a:spcPct val="0"/>
-              </a:spcAft>
-              <a:buClr>
-                <a:srgbClr val="FF6600"/>
-              </a:buClr>
-              <a:buSzPct val="75000"/>
-              <a:buFont typeface="Arial" panose="020B0604020202020204" pitchFamily="34" charset="0"/>
-              <a:buChar char="•"/>
-            </a:pPr>
-            <a:r>
-              <a:rPr lang="en-US" sz="1200" noProof="0" dirty="0">
-                <a:solidFill>
-                  <a:schemeClr val="tx1"/>
-                </a:solidFill>
-                <a:latin typeface="Helvetica 45 Light" panose="020B0403020202020204" pitchFamily="34" charset="0"/>
-              </a:rPr>
-              <a:t>This is an example </a:t>
-            </a:r>
-          </a:p>
-          <a:p>
-            <a:pPr marL="171450" indent="-171450" defTabSz="712788" fontAlgn="base">
-              <a:spcBef>
-                <a:spcPts val="200"/>
-              </a:spcBef>
-              <a:spcAft>
-                <a:spcPct val="0"/>
-              </a:spcAft>
-              <a:buClr>
-                <a:srgbClr val="FF6600"/>
-              </a:buClr>
-              <a:buSzPct val="75000"/>
-              <a:buFont typeface="Arial" panose="020B0604020202020204" pitchFamily="34" charset="0"/>
-              <a:buChar char="•"/>
-            </a:pPr>
-            <a:r>
-              <a:rPr lang="en-US" sz="1200" noProof="0" dirty="0">
-                <a:solidFill>
-                  <a:schemeClr val="tx1"/>
-                </a:solidFill>
-                <a:latin typeface="Helvetica 45 Light" panose="020B0403020202020204" pitchFamily="34" charset="0"/>
-              </a:rPr>
-              <a:t>This is an example  </a:t>
-            </a:r>
-          </a:p>
-          <a:p>
-            <a:pPr marL="171450" indent="-171450" defTabSz="712788" fontAlgn="base">
-              <a:spcBef>
-                <a:spcPts val="200"/>
-              </a:spcBef>
-              <a:spcAft>
-                <a:spcPct val="0"/>
-              </a:spcAft>
-              <a:buClr>
-                <a:srgbClr val="FF6600"/>
-              </a:buClr>
-              <a:buSzPct val="75000"/>
-              <a:buFont typeface="Arial" panose="020B0604020202020204" pitchFamily="34" charset="0"/>
-              <a:buChar char="•"/>
-            </a:pPr>
-            <a:endParaRPr lang="en-US" sz="1200" noProof="0" dirty="0">
-              <a:solidFill>
-                <a:schemeClr val="tx1"/>
-              </a:solidFill>
-              <a:latin typeface="Helvetica 45 Light" panose="020B0403020202020204" pitchFamily="34" charset="0"/>
-            </a:endParaRPr>
-          </a:p>
-        </p:txBody>
-      </p:sp>
-      <p:sp>
-        <p:nvSpPr>
-          <p:cNvPr id="5" name="Rectangle 4"/>
-          <p:cNvSpPr/>
-          <p:nvPr/>
-        </p:nvSpPr>
-        <p:spPr>
-          <a:xfrm>
-            <a:off x="3600224" y="1344820"/>
-            <a:ext cx="108000" cy="1154922"/>
-          </a:xfrm>
-          <a:prstGeom prst="rect">
-            <a:avLst/>
-          </a:prstGeom>
-          <a:solidFill>
-            <a:schemeClr val="accent4"/>
-          </a:solidFill>
-          <a:ln w="9525">
-            <a:solidFill>
-              <a:schemeClr val="accent4"/>
-            </a:solidFill>
-          </a:ln>
-          <a:effectLst/>
-        </p:spPr>
-        <p:style>
-          <a:lnRef idx="1">
-            <a:schemeClr val="accent3"/>
-          </a:lnRef>
-          <a:fillRef idx="2">
-            <a:schemeClr val="accent3"/>
-          </a:fillRef>
-          <a:effectRef idx="1">
-            <a:schemeClr val="accent3"/>
-          </a:effectRef>
-          <a:fontRef idx="minor">
-            <a:schemeClr val="dk1"/>
-          </a:fontRef>
-        </p:style>
-        <p:txBody>
-          <a:bodyPr lIns="216000" rIns="36000" rtlCol="0" anchor="ctr"/>
-          <a:lstStyle/>
-          <a:p>
-            <a:pPr algn="ctr" defTabSz="712788" fontAlgn="base">
-              <a:spcBef>
-                <a:spcPct val="0"/>
-              </a:spcBef>
-              <a:spcAft>
-                <a:spcPct val="0"/>
-              </a:spcAft>
-            </a:pPr>
-            <a:endParaRPr lang="en-US" sz="1200" b="1" noProof="0" dirty="0">
-              <a:solidFill>
-                <a:srgbClr val="FFFFFF"/>
-              </a:solidFill>
-            </a:endParaRPr>
-          </a:p>
-        </p:txBody>
-      </p:sp>
-      <p:sp>
-        <p:nvSpPr>
-          <p:cNvPr id="6" name="Rectangle 5"/>
-          <p:cNvSpPr/>
-          <p:nvPr/>
-        </p:nvSpPr>
-        <p:spPr>
-          <a:xfrm>
-            <a:off x="3708224" y="1344820"/>
-            <a:ext cx="2880000" cy="1154922"/>
-          </a:xfrm>
-          <a:prstGeom prst="rect">
-            <a:avLst/>
-          </a:prstGeom>
-          <a:noFill/>
-          <a:ln w="9525">
-            <a:solidFill>
-              <a:schemeClr val="tx1">
-                <a:lumMod val="10000"/>
-                <a:lumOff val="90000"/>
-              </a:schemeClr>
-            </a:solidFill>
-          </a:ln>
-          <a:effectLst/>
-        </p:spPr>
-        <p:style>
-          <a:lnRef idx="2">
-            <a:schemeClr val="accent1">
-              <a:shade val="50000"/>
-            </a:schemeClr>
-          </a:lnRef>
-          <a:fillRef idx="1">
-            <a:schemeClr val="accent1"/>
-          </a:fillRef>
-          <a:effectRef idx="0">
-            <a:schemeClr val="accent1"/>
-          </a:effectRef>
-          <a:fontRef idx="minor">
-            <a:schemeClr val="lt1"/>
-          </a:fontRef>
-        </p:style>
-        <p:txBody>
-          <a:bodyPr lIns="72000" rIns="36000" rtlCol="0" anchor="ctr"/>
-          <a:lstStyle/>
-          <a:p>
-            <a:pPr marL="171450" indent="-171450" defTabSz="712788" fontAlgn="base">
-              <a:spcBef>
-                <a:spcPts val="200"/>
-              </a:spcBef>
-              <a:spcAft>
-                <a:spcPct val="0"/>
-              </a:spcAft>
-              <a:buClr>
-                <a:srgbClr val="FF6600"/>
-              </a:buClr>
-              <a:buSzPct val="75000"/>
-              <a:buFont typeface="Arial" panose="020B0604020202020204" pitchFamily="34" charset="0"/>
-              <a:buChar char="•"/>
-            </a:pPr>
-            <a:r>
-              <a:rPr lang="en-US" sz="1200" noProof="0" dirty="0">
-                <a:solidFill>
-                  <a:schemeClr val="tx1"/>
-                </a:solidFill>
-                <a:latin typeface="Helvetica 45 Light" panose="020B0403020202020204" pitchFamily="34" charset="0"/>
-              </a:rPr>
-              <a:t>This is an example</a:t>
-            </a:r>
-          </a:p>
-          <a:p>
-            <a:pPr marL="171450" indent="-171450" defTabSz="712788" fontAlgn="base">
-              <a:spcBef>
-                <a:spcPts val="200"/>
-              </a:spcBef>
-              <a:spcAft>
-                <a:spcPct val="0"/>
-              </a:spcAft>
-              <a:buClr>
-                <a:srgbClr val="FF6600"/>
-              </a:buClr>
-              <a:buSzPct val="75000"/>
-              <a:buFont typeface="Arial" panose="020B0604020202020204" pitchFamily="34" charset="0"/>
-              <a:buChar char="•"/>
-            </a:pPr>
-            <a:r>
-              <a:rPr lang="en-US" sz="1200" noProof="0" dirty="0">
-                <a:solidFill>
-                  <a:schemeClr val="tx1"/>
-                </a:solidFill>
-                <a:latin typeface="Helvetica 45 Light" panose="020B0403020202020204" pitchFamily="34" charset="0"/>
-              </a:rPr>
-              <a:t>This is an example </a:t>
-            </a:r>
-          </a:p>
-          <a:p>
-            <a:pPr marL="171450" indent="-171450" defTabSz="712788" fontAlgn="base">
-              <a:spcBef>
-                <a:spcPts val="200"/>
-              </a:spcBef>
-              <a:spcAft>
-                <a:spcPct val="0"/>
-              </a:spcAft>
-              <a:buClr>
-                <a:srgbClr val="FF6600"/>
-              </a:buClr>
-              <a:buSzPct val="75000"/>
-              <a:buFont typeface="Arial" panose="020B0604020202020204" pitchFamily="34" charset="0"/>
-              <a:buChar char="•"/>
-            </a:pPr>
-            <a:r>
-              <a:rPr lang="en-US" sz="1200" noProof="0" dirty="0">
-                <a:solidFill>
-                  <a:schemeClr val="tx1"/>
-                </a:solidFill>
-                <a:latin typeface="Helvetica 45 Light" panose="020B0403020202020204" pitchFamily="34" charset="0"/>
-              </a:rPr>
-              <a:t>This is an example  </a:t>
-            </a:r>
-          </a:p>
-        </p:txBody>
-      </p:sp>
-      <p:sp>
-        <p:nvSpPr>
-          <p:cNvPr id="7" name="Rectangle 6"/>
-          <p:cNvSpPr/>
-          <p:nvPr/>
-        </p:nvSpPr>
-        <p:spPr>
-          <a:xfrm>
-            <a:off x="297728" y="2928996"/>
-            <a:ext cx="108000" cy="1154922"/>
-          </a:xfrm>
-          <a:prstGeom prst="rect">
-            <a:avLst/>
-          </a:prstGeom>
-          <a:solidFill>
-            <a:srgbClr val="FF7900"/>
-          </a:solidFill>
-          <a:ln w="9525">
-            <a:solidFill>
-              <a:schemeClr val="accent1"/>
-            </a:solidFill>
-          </a:ln>
-          <a:effectLst/>
-        </p:spPr>
-        <p:style>
-          <a:lnRef idx="1">
-            <a:schemeClr val="accent3"/>
-          </a:lnRef>
-          <a:fillRef idx="2">
-            <a:schemeClr val="accent3"/>
-          </a:fillRef>
-          <a:effectRef idx="1">
-            <a:schemeClr val="accent3"/>
-          </a:effectRef>
-          <a:fontRef idx="minor">
-            <a:schemeClr val="dk1"/>
-          </a:fontRef>
-        </p:style>
-        <p:txBody>
-          <a:bodyPr lIns="216000" rIns="36000" rtlCol="0" anchor="ctr"/>
-          <a:lstStyle/>
-          <a:p>
-            <a:pPr algn="ctr" defTabSz="712788" fontAlgn="base">
-              <a:spcBef>
-                <a:spcPct val="0"/>
-              </a:spcBef>
-              <a:spcAft>
-                <a:spcPct val="0"/>
-              </a:spcAft>
-            </a:pPr>
-            <a:endParaRPr lang="en-US" sz="1200" b="1" noProof="0" dirty="0">
-              <a:solidFill>
-                <a:srgbClr val="FFFFFF"/>
-              </a:solidFill>
-            </a:endParaRPr>
-          </a:p>
-        </p:txBody>
-      </p:sp>
-      <p:sp>
-        <p:nvSpPr>
-          <p:cNvPr id="8" name="Rectangle 7"/>
-          <p:cNvSpPr/>
-          <p:nvPr/>
-        </p:nvSpPr>
-        <p:spPr>
-          <a:xfrm>
-            <a:off x="405728" y="2928996"/>
-            <a:ext cx="2880000" cy="1154922"/>
-          </a:xfrm>
-          <a:prstGeom prst="rect">
-            <a:avLst/>
-          </a:prstGeom>
-          <a:noFill/>
-          <a:ln w="9525">
-            <a:solidFill>
-              <a:schemeClr val="tx1">
-                <a:lumMod val="10000"/>
-                <a:lumOff val="90000"/>
-              </a:schemeClr>
-            </a:solidFill>
-          </a:ln>
-          <a:effectLst/>
-        </p:spPr>
-        <p:style>
-          <a:lnRef idx="2">
-            <a:schemeClr val="accent1">
-              <a:shade val="50000"/>
-            </a:schemeClr>
-          </a:lnRef>
-          <a:fillRef idx="1">
-            <a:schemeClr val="accent1"/>
-          </a:fillRef>
-          <a:effectRef idx="0">
-            <a:schemeClr val="accent1"/>
-          </a:effectRef>
-          <a:fontRef idx="minor">
-            <a:schemeClr val="lt1"/>
-          </a:fontRef>
-        </p:style>
-        <p:txBody>
-          <a:bodyPr lIns="72000" rIns="36000" rtlCol="0" anchor="ctr"/>
-          <a:lstStyle/>
-          <a:p>
-            <a:pPr marL="171450" indent="-171450" defTabSz="712788" fontAlgn="base">
-              <a:spcBef>
-                <a:spcPts val="200"/>
-              </a:spcBef>
-              <a:spcAft>
-                <a:spcPct val="0"/>
-              </a:spcAft>
-              <a:buClr>
-                <a:srgbClr val="FF6600"/>
-              </a:buClr>
-              <a:buSzPct val="75000"/>
-              <a:buFont typeface="Arial" panose="020B0604020202020204" pitchFamily="34" charset="0"/>
-              <a:buChar char="•"/>
-            </a:pPr>
-            <a:r>
-              <a:rPr lang="en-US" sz="1200" noProof="0" dirty="0">
-                <a:solidFill>
-                  <a:schemeClr val="tx1"/>
-                </a:solidFill>
-                <a:latin typeface="Helvetica 45 Light" panose="020B0403020202020204" pitchFamily="34" charset="0"/>
-              </a:rPr>
-              <a:t>This is an example</a:t>
-            </a:r>
-          </a:p>
-          <a:p>
-            <a:pPr marL="527050" lvl="1" indent="-171450" defTabSz="712788" fontAlgn="base">
-              <a:spcBef>
-                <a:spcPts val="200"/>
-              </a:spcBef>
-              <a:spcAft>
-                <a:spcPct val="0"/>
-              </a:spcAft>
-              <a:buClr>
-                <a:srgbClr val="FF6600"/>
-              </a:buClr>
-              <a:buSzPct val="75000"/>
-              <a:buFont typeface="Arial" panose="020B0604020202020204" pitchFamily="34" charset="0"/>
-              <a:buChar char="•"/>
-            </a:pPr>
-            <a:r>
-              <a:rPr lang="en-US" sz="1200" noProof="0" dirty="0">
-                <a:solidFill>
-                  <a:schemeClr val="tx1"/>
-                </a:solidFill>
-                <a:latin typeface="Helvetica 45 Light" panose="020B0403020202020204" pitchFamily="34" charset="0"/>
-              </a:rPr>
-              <a:t>This is an example</a:t>
-            </a:r>
-          </a:p>
-        </p:txBody>
-      </p:sp>
-      <p:sp>
-        <p:nvSpPr>
-          <p:cNvPr id="9" name="Rectangle 8"/>
-          <p:cNvSpPr/>
-          <p:nvPr/>
-        </p:nvSpPr>
-        <p:spPr>
-          <a:xfrm>
-            <a:off x="3600224" y="2928996"/>
-            <a:ext cx="108000" cy="1154922"/>
-          </a:xfrm>
-          <a:prstGeom prst="rect">
-            <a:avLst/>
-          </a:prstGeom>
-          <a:solidFill>
-            <a:schemeClr val="bg1"/>
-          </a:solidFill>
-          <a:ln w="9525">
-            <a:solidFill>
-              <a:schemeClr val="tx1"/>
-            </a:solidFill>
-          </a:ln>
-          <a:effectLst/>
-        </p:spPr>
-        <p:style>
-          <a:lnRef idx="1">
-            <a:schemeClr val="accent3"/>
-          </a:lnRef>
-          <a:fillRef idx="2">
-            <a:schemeClr val="accent3"/>
-          </a:fillRef>
-          <a:effectRef idx="1">
-            <a:schemeClr val="accent3"/>
-          </a:effectRef>
-          <a:fontRef idx="minor">
-            <a:schemeClr val="dk1"/>
-          </a:fontRef>
-        </p:style>
-        <p:txBody>
-          <a:bodyPr lIns="216000" rIns="36000" rtlCol="0" anchor="ctr"/>
-          <a:lstStyle/>
-          <a:p>
-            <a:pPr algn="ctr" defTabSz="712788" fontAlgn="base">
-              <a:spcBef>
-                <a:spcPct val="0"/>
-              </a:spcBef>
-              <a:spcAft>
-                <a:spcPct val="0"/>
-              </a:spcAft>
-            </a:pPr>
-            <a:endParaRPr lang="en-US" sz="1200" b="1" noProof="0" dirty="0">
-              <a:solidFill>
-                <a:srgbClr val="FFFFFF"/>
-              </a:solidFill>
-            </a:endParaRPr>
-          </a:p>
-        </p:txBody>
-      </p:sp>
-      <p:sp>
-        <p:nvSpPr>
-          <p:cNvPr id="10" name="Rectangle 9"/>
-          <p:cNvSpPr/>
-          <p:nvPr/>
-        </p:nvSpPr>
-        <p:spPr>
-          <a:xfrm>
-            <a:off x="3708224" y="2928996"/>
-            <a:ext cx="2880000" cy="1154922"/>
-          </a:xfrm>
-          <a:prstGeom prst="rect">
-            <a:avLst/>
-          </a:prstGeom>
-          <a:noFill/>
-          <a:ln w="9525">
-            <a:solidFill>
-              <a:schemeClr val="tx1">
-                <a:lumMod val="10000"/>
-                <a:lumOff val="90000"/>
-              </a:schemeClr>
-            </a:solidFill>
-          </a:ln>
-          <a:effectLst/>
-        </p:spPr>
-        <p:style>
-          <a:lnRef idx="2">
-            <a:schemeClr val="accent1">
-              <a:shade val="50000"/>
-            </a:schemeClr>
-          </a:lnRef>
-          <a:fillRef idx="1">
-            <a:schemeClr val="accent1"/>
-          </a:fillRef>
-          <a:effectRef idx="0">
-            <a:schemeClr val="accent1"/>
-          </a:effectRef>
-          <a:fontRef idx="minor">
-            <a:schemeClr val="lt1"/>
-          </a:fontRef>
-        </p:style>
-        <p:txBody>
-          <a:bodyPr lIns="72000" rIns="36000" rtlCol="0" anchor="ctr"/>
-          <a:lstStyle/>
-          <a:p>
-            <a:pPr marL="171450" indent="-171450" defTabSz="712788" fontAlgn="base">
-              <a:spcBef>
-                <a:spcPts val="200"/>
-              </a:spcBef>
-              <a:spcAft>
-                <a:spcPct val="0"/>
-              </a:spcAft>
-              <a:buClr>
-                <a:srgbClr val="FF6600"/>
-              </a:buClr>
-              <a:buSzPct val="75000"/>
-              <a:buFont typeface="Arial" panose="020B0604020202020204" pitchFamily="34" charset="0"/>
-              <a:buChar char="•"/>
-            </a:pPr>
-            <a:r>
-              <a:rPr lang="en-US" sz="1200" noProof="0" dirty="0">
-                <a:solidFill>
-                  <a:schemeClr val="tx1"/>
-                </a:solidFill>
-                <a:latin typeface="Helvetica 45 Light" panose="020B0403020202020204" pitchFamily="34" charset="0"/>
-              </a:rPr>
-              <a:t>This is an example</a:t>
-            </a:r>
-          </a:p>
-          <a:p>
-            <a:pPr marL="527050" lvl="1" indent="-171450" defTabSz="712788" fontAlgn="base">
-              <a:spcBef>
-                <a:spcPts val="200"/>
-              </a:spcBef>
-              <a:spcAft>
-                <a:spcPct val="0"/>
-              </a:spcAft>
-              <a:buClr>
-                <a:srgbClr val="FF6600"/>
-              </a:buClr>
-              <a:buSzPct val="75000"/>
-              <a:buFont typeface="Arial" panose="020B0604020202020204" pitchFamily="34" charset="0"/>
-              <a:buChar char="•"/>
-            </a:pPr>
-            <a:r>
-              <a:rPr lang="en-US" sz="1200" noProof="0" dirty="0">
-                <a:solidFill>
-                  <a:schemeClr val="tx1"/>
-                </a:solidFill>
-                <a:latin typeface="Helvetica 45 Light" panose="020B0403020202020204" pitchFamily="34" charset="0"/>
-              </a:rPr>
-              <a:t>This is an example</a:t>
-            </a:r>
-          </a:p>
-          <a:p>
-            <a:pPr marL="171450" indent="-171450" defTabSz="712788" fontAlgn="base">
-              <a:spcBef>
-                <a:spcPts val="200"/>
-              </a:spcBef>
-              <a:spcAft>
-                <a:spcPct val="0"/>
-              </a:spcAft>
-              <a:buClr>
-                <a:srgbClr val="FF6600"/>
-              </a:buClr>
-              <a:buSzPct val="75000"/>
-              <a:buFont typeface="Arial" panose="020B0604020202020204" pitchFamily="34" charset="0"/>
-              <a:buChar char="•"/>
-            </a:pPr>
-            <a:r>
-              <a:rPr lang="en-US" sz="1200" noProof="0" dirty="0">
-                <a:solidFill>
-                  <a:schemeClr val="tx1"/>
-                </a:solidFill>
-                <a:latin typeface="Helvetica 45 Light" panose="020B0403020202020204" pitchFamily="34" charset="0"/>
-              </a:rPr>
-              <a:t>This an </a:t>
-            </a:r>
-            <a:r>
-              <a:rPr lang="en-US" sz="1200" noProof="0" dirty="0" err="1">
-                <a:solidFill>
-                  <a:schemeClr val="tx1"/>
-                </a:solidFill>
-                <a:latin typeface="Helvetica 45 Light" panose="020B0403020202020204" pitchFamily="34" charset="0"/>
-              </a:rPr>
-              <a:t>exzmple</a:t>
-            </a:r>
-            <a:endParaRPr lang="en-US" sz="1200" noProof="0" dirty="0">
-              <a:solidFill>
-                <a:schemeClr val="tx1"/>
-              </a:solidFill>
-              <a:latin typeface="Helvetica 45 Light" panose="020B0403020202020204" pitchFamily="34" charset="0"/>
-            </a:endParaRPr>
-          </a:p>
-        </p:txBody>
-      </p:sp>
-      <p:sp>
-        <p:nvSpPr>
-          <p:cNvPr id="11" name="Rectangle 10"/>
-          <p:cNvSpPr/>
-          <p:nvPr/>
-        </p:nvSpPr>
-        <p:spPr>
-          <a:xfrm>
-            <a:off x="6929496" y="0"/>
-            <a:ext cx="2214504" cy="5143500"/>
-          </a:xfrm>
-          <a:prstGeom prst="rect">
-            <a:avLst/>
-          </a:prstGeom>
-          <a:solidFill>
-            <a:schemeClr val="accent1"/>
-          </a:solidFill>
-          <a:ln>
-            <a:noFill/>
-          </a:ln>
-        </p:spPr>
-        <p:style>
-          <a:lnRef idx="2">
-            <a:schemeClr val="accent1">
-              <a:shade val="50000"/>
-            </a:schemeClr>
-          </a:lnRef>
-          <a:fillRef idx="1">
-            <a:schemeClr val="accent1"/>
-          </a:fillRef>
-          <a:effectRef idx="0">
-            <a:schemeClr val="accent1"/>
-          </a:effectRef>
-          <a:fontRef idx="minor">
-            <a:schemeClr val="lt1"/>
-          </a:fontRef>
-        </p:style>
-        <p:txBody>
-          <a:bodyPr lIns="360000" rIns="360000" rtlCol="0" anchor="ctr"/>
-          <a:lstStyle/>
-          <a:p>
-            <a:pPr defTabSz="712788" fontAlgn="base">
-              <a:spcBef>
-                <a:spcPct val="0"/>
-              </a:spcBef>
-              <a:spcAft>
-                <a:spcPct val="0"/>
-              </a:spcAft>
-            </a:pPr>
-            <a:r>
-              <a:rPr lang="en-US" sz="1600" noProof="0" dirty="0">
-                <a:solidFill>
-                  <a:srgbClr val="000000"/>
-                </a:solidFill>
-              </a:rPr>
-              <a:t>Lorem ipsum dolor sit </a:t>
-            </a:r>
-            <a:r>
-              <a:rPr lang="en-US" sz="1600" noProof="0" dirty="0" err="1">
-                <a:solidFill>
-                  <a:srgbClr val="000000"/>
-                </a:solidFill>
-              </a:rPr>
-              <a:t>amet</a:t>
-            </a:r>
-            <a:r>
-              <a:rPr lang="en-US" sz="1600" noProof="0" dirty="0">
-                <a:solidFill>
-                  <a:srgbClr val="000000"/>
-                </a:solidFill>
-              </a:rPr>
-              <a:t>, </a:t>
-            </a:r>
-            <a:r>
-              <a:rPr lang="en-US" sz="1600" noProof="0" dirty="0" err="1">
-                <a:solidFill>
-                  <a:srgbClr val="000000"/>
-                </a:solidFill>
-              </a:rPr>
-              <a:t>consectetur</a:t>
-            </a:r>
-            <a:r>
-              <a:rPr lang="en-US" sz="1600" noProof="0" dirty="0">
-                <a:solidFill>
-                  <a:srgbClr val="000000"/>
-                </a:solidFill>
-              </a:rPr>
-              <a:t> </a:t>
-            </a:r>
-            <a:r>
-              <a:rPr lang="en-US" sz="1600" noProof="0" dirty="0" err="1">
-                <a:solidFill>
-                  <a:srgbClr val="000000"/>
-                </a:solidFill>
-              </a:rPr>
-              <a:t>adipiscing</a:t>
-            </a:r>
-            <a:r>
-              <a:rPr lang="en-US" sz="1600" noProof="0" dirty="0">
-                <a:solidFill>
-                  <a:srgbClr val="000000"/>
-                </a:solidFill>
-              </a:rPr>
-              <a:t> </a:t>
-            </a:r>
-            <a:r>
-              <a:rPr lang="en-US" sz="1600" noProof="0" dirty="0" err="1">
-                <a:solidFill>
-                  <a:srgbClr val="000000"/>
-                </a:solidFill>
-              </a:rPr>
-              <a:t>elit</a:t>
-            </a:r>
-            <a:r>
-              <a:rPr lang="en-US" sz="1600" noProof="0" dirty="0">
-                <a:solidFill>
-                  <a:srgbClr val="000000"/>
-                </a:solidFill>
-              </a:rPr>
-              <a:t>. </a:t>
-            </a:r>
-            <a:br>
-              <a:rPr lang="en-US" sz="1600" noProof="0" dirty="0">
-                <a:solidFill>
-                  <a:srgbClr val="000000"/>
-                </a:solidFill>
-              </a:rPr>
-            </a:br>
-            <a:r>
-              <a:rPr lang="en-US" sz="1600" noProof="0" dirty="0">
-                <a:solidFill>
-                  <a:srgbClr val="000000"/>
-                </a:solidFill>
-              </a:rPr>
-              <a:t>Sed </a:t>
-            </a:r>
-            <a:r>
-              <a:rPr lang="en-US" sz="1600" noProof="0" dirty="0" err="1">
-                <a:solidFill>
-                  <a:srgbClr val="000000"/>
-                </a:solidFill>
-              </a:rPr>
-              <a:t>rhoncus</a:t>
-            </a:r>
-            <a:r>
-              <a:rPr lang="en-US" sz="1600" noProof="0" dirty="0">
-                <a:solidFill>
-                  <a:srgbClr val="000000"/>
-                </a:solidFill>
-              </a:rPr>
-              <a:t>, nisi </a:t>
-            </a:r>
-            <a:r>
-              <a:rPr lang="en-US" sz="1600" noProof="0" dirty="0" err="1">
-                <a:solidFill>
-                  <a:srgbClr val="000000"/>
-                </a:solidFill>
-              </a:rPr>
-              <a:t>eu</a:t>
-            </a:r>
-            <a:r>
-              <a:rPr lang="en-US" sz="1600" noProof="0" dirty="0">
-                <a:solidFill>
-                  <a:srgbClr val="000000"/>
-                </a:solidFill>
-              </a:rPr>
-              <a:t> </a:t>
-            </a:r>
-            <a:r>
-              <a:rPr lang="en-US" sz="1600" noProof="0" dirty="0" err="1">
-                <a:solidFill>
-                  <a:srgbClr val="000000"/>
-                </a:solidFill>
-              </a:rPr>
-              <a:t>facilisis</a:t>
-            </a:r>
-            <a:r>
-              <a:rPr lang="en-US" sz="1600" noProof="0" dirty="0">
-                <a:solidFill>
-                  <a:srgbClr val="000000"/>
-                </a:solidFill>
-              </a:rPr>
-              <a:t> </a:t>
-            </a:r>
-            <a:r>
-              <a:rPr lang="en-US" sz="1600" noProof="0" dirty="0" err="1">
-                <a:solidFill>
-                  <a:srgbClr val="000000"/>
-                </a:solidFill>
-              </a:rPr>
-              <a:t>condimentum</a:t>
-            </a:r>
-            <a:r>
-              <a:rPr lang="en-US" sz="1600" noProof="0" dirty="0">
-                <a:solidFill>
-                  <a:srgbClr val="000000"/>
-                </a:solidFill>
-              </a:rPr>
-              <a:t>, ligula </a:t>
-            </a:r>
-            <a:r>
-              <a:rPr lang="en-US" sz="1600" noProof="0" dirty="0" err="1">
-                <a:solidFill>
-                  <a:srgbClr val="000000"/>
-                </a:solidFill>
-              </a:rPr>
-              <a:t>augue</a:t>
-            </a:r>
-            <a:r>
-              <a:rPr lang="en-US" sz="1600" noProof="0" dirty="0">
-                <a:solidFill>
-                  <a:srgbClr val="000000"/>
-                </a:solidFill>
-              </a:rPr>
-              <a:t> </a:t>
-            </a:r>
-            <a:br>
-              <a:rPr lang="en-US" sz="1600" noProof="0" dirty="0">
-                <a:solidFill>
-                  <a:srgbClr val="000000"/>
-                </a:solidFill>
-              </a:rPr>
-            </a:br>
-            <a:r>
-              <a:rPr lang="en-US" sz="1600" noProof="0" dirty="0" err="1">
-                <a:solidFill>
-                  <a:srgbClr val="000000"/>
-                </a:solidFill>
-              </a:rPr>
-              <a:t>porttitor</a:t>
-            </a:r>
-            <a:r>
-              <a:rPr lang="en-US" sz="1600" noProof="0" dirty="0">
-                <a:solidFill>
-                  <a:srgbClr val="000000"/>
-                </a:solidFill>
-              </a:rPr>
-              <a:t> </a:t>
-            </a:r>
-            <a:r>
-              <a:rPr lang="en-US" sz="1600" noProof="0" dirty="0" err="1">
-                <a:solidFill>
-                  <a:srgbClr val="000000"/>
-                </a:solidFill>
-              </a:rPr>
-              <a:t>lacus</a:t>
-            </a:r>
-            <a:r>
-              <a:rPr lang="en-US" sz="1600" noProof="0" dirty="0">
-                <a:solidFill>
-                  <a:srgbClr val="000000"/>
-                </a:solidFill>
-              </a:rPr>
-              <a:t>. </a:t>
-            </a:r>
-            <a:r>
-              <a:rPr lang="en-US" sz="1600" noProof="0" dirty="0" err="1">
-                <a:solidFill>
-                  <a:srgbClr val="000000"/>
-                </a:solidFill>
-              </a:rPr>
-              <a:t>Nulla</a:t>
-            </a:r>
-            <a:r>
-              <a:rPr lang="en-US" sz="1600" noProof="0" dirty="0">
-                <a:solidFill>
-                  <a:srgbClr val="000000"/>
-                </a:solidFill>
-              </a:rPr>
-              <a:t> sit </a:t>
-            </a:r>
-            <a:r>
-              <a:rPr lang="en-US" sz="1600" noProof="0" dirty="0" err="1">
-                <a:solidFill>
-                  <a:srgbClr val="000000"/>
-                </a:solidFill>
-              </a:rPr>
-              <a:t>amet</a:t>
-            </a:r>
-            <a:r>
-              <a:rPr lang="en-US" sz="1600" noProof="0" dirty="0">
-                <a:solidFill>
-                  <a:srgbClr val="000000"/>
-                </a:solidFill>
-              </a:rPr>
-              <a:t> </a:t>
-            </a:r>
-            <a:r>
-              <a:rPr lang="en-US" sz="1600" noProof="0" dirty="0" err="1">
-                <a:solidFill>
-                  <a:srgbClr val="000000"/>
-                </a:solidFill>
-              </a:rPr>
-              <a:t>quam</a:t>
-            </a:r>
-            <a:r>
-              <a:rPr lang="en-US" sz="1600" noProof="0" dirty="0">
-                <a:solidFill>
-                  <a:srgbClr val="000000"/>
-                </a:solidFill>
-              </a:rPr>
-              <a:t> </a:t>
-            </a:r>
-            <a:r>
-              <a:rPr lang="en-US" sz="1600" noProof="0" dirty="0" err="1">
-                <a:solidFill>
-                  <a:srgbClr val="000000"/>
-                </a:solidFill>
-              </a:rPr>
-              <a:t>justo</a:t>
-            </a:r>
-            <a:r>
-              <a:rPr lang="en-US" sz="1600" noProof="0" dirty="0">
-                <a:solidFill>
-                  <a:srgbClr val="000000"/>
-                </a:solidFill>
-              </a:rPr>
-              <a:t> </a:t>
-            </a:r>
-            <a:r>
-              <a:rPr lang="en-US" sz="1600" noProof="0" dirty="0" err="1">
-                <a:solidFill>
-                  <a:srgbClr val="000000"/>
-                </a:solidFill>
-              </a:rPr>
-              <a:t>eu</a:t>
-            </a:r>
-            <a:r>
-              <a:rPr lang="en-US" sz="1600" noProof="0" dirty="0">
-                <a:solidFill>
-                  <a:srgbClr val="000000"/>
-                </a:solidFill>
-              </a:rPr>
-              <a:t> </a:t>
-            </a:r>
-            <a:br>
-              <a:rPr lang="en-US" sz="1600" noProof="0" dirty="0">
-                <a:solidFill>
-                  <a:srgbClr val="000000"/>
-                </a:solidFill>
-              </a:rPr>
-            </a:br>
-            <a:r>
-              <a:rPr lang="en-US" sz="1600" noProof="0" dirty="0" err="1">
-                <a:solidFill>
-                  <a:srgbClr val="000000"/>
-                </a:solidFill>
-              </a:rPr>
-              <a:t>iaculis</a:t>
-            </a:r>
-            <a:r>
-              <a:rPr lang="en-US" sz="1600" noProof="0" dirty="0">
-                <a:solidFill>
-                  <a:srgbClr val="000000"/>
-                </a:solidFill>
-              </a:rPr>
-              <a:t> </a:t>
-            </a:r>
-            <a:r>
-              <a:rPr lang="en-US" sz="1600" noProof="0" dirty="0" err="1">
-                <a:solidFill>
-                  <a:srgbClr val="000000"/>
-                </a:solidFill>
-              </a:rPr>
-              <a:t>tortor</a:t>
-            </a:r>
-            <a:r>
-              <a:rPr lang="en-US" sz="1600" noProof="0" dirty="0">
-                <a:solidFill>
-                  <a:srgbClr val="000000"/>
-                </a:solidFill>
-              </a:rPr>
-              <a:t> nisi a </a:t>
-            </a:r>
-            <a:r>
-              <a:rPr lang="en-US" sz="1600" noProof="0" dirty="0" err="1">
-                <a:solidFill>
-                  <a:srgbClr val="000000"/>
-                </a:solidFill>
-              </a:rPr>
-              <a:t>augue</a:t>
-            </a:r>
-            <a:r>
-              <a:rPr lang="en-US" sz="1600" noProof="0" dirty="0">
-                <a:solidFill>
-                  <a:srgbClr val="000000"/>
-                </a:solidFill>
-              </a:rPr>
-              <a:t>.</a:t>
-            </a:r>
-          </a:p>
-        </p:txBody>
-      </p:sp>
-      <p:sp>
-        <p:nvSpPr>
-          <p:cNvPr id="14" name="Titre 2"/>
-          <p:cNvSpPr txBox="1">
-            <a:spLocks/>
-          </p:cNvSpPr>
-          <p:nvPr/>
-        </p:nvSpPr>
-        <p:spPr bwMode="auto">
-          <a:xfrm>
-            <a:off x="467544" y="411510"/>
-            <a:ext cx="8362131" cy="360040"/>
-          </a:xfrm>
-          <a:prstGeom prst="rect">
-            <a:avLst/>
-          </a:prstGeom>
-          <a:noFill/>
-          <a:ln>
-            <a:noFill/>
-          </a:ln>
-          <a:extLst>
-            <a:ext uri="{909E8E84-426E-40DD-AFC4-6F175D3DCCD1}">
-              <a14:hiddenFill xmlns:a14="http://schemas.microsoft.com/office/drawing/2010/main">
-                <a:solidFill>
-                  <a:srgbClr val="FFFFFF"/>
-                </a:solidFill>
-              </a14:hiddenFill>
-            </a:ext>
-            <a:ext uri="{91240B29-F687-4F45-9708-019B960494DF}">
-              <a14:hiddenLine xmlns:a14="http://schemas.microsoft.com/office/drawing/2010/main" w="9525">
-                <a:solidFill>
-                  <a:srgbClr val="000000"/>
-                </a:solidFill>
-                <a:miter lim="800000"/>
-                <a:headEnd/>
-                <a:tailEnd/>
-              </a14:hiddenLine>
-            </a:ext>
-          </a:extLst>
-        </p:spPr>
-        <p:txBody>
-          <a:bodyPr vert="horz" wrap="square" lIns="0" tIns="0" rIns="0" bIns="0" numCol="1" anchor="t" anchorCtr="0" compatLnSpc="1">
-            <a:prstTxWarp prst="textNoShape">
-              <a:avLst/>
-            </a:prstTxWarp>
-          </a:bodyPr>
-          <a:lstStyle>
-            <a:lvl1pPr algn="l" defTabSz="514350" rtl="0" eaLnBrk="1" fontAlgn="base" hangingPunct="1">
-              <a:lnSpc>
-                <a:spcPct val="90000"/>
-              </a:lnSpc>
-              <a:spcBef>
-                <a:spcPct val="0"/>
-              </a:spcBef>
-              <a:spcAft>
-                <a:spcPts val="0"/>
-              </a:spcAft>
-              <a:defRPr sz="2000" kern="1200">
-                <a:solidFill>
-                  <a:srgbClr val="FF6600"/>
-                </a:solidFill>
-                <a:latin typeface="Helvetica 75 Bold" panose="020B0804020202020204" pitchFamily="34" charset="0"/>
-                <a:ea typeface="ＭＳ Ｐゴシック" pitchFamily="34" charset="-128"/>
-                <a:cs typeface="+mj-cs"/>
-              </a:defRPr>
-            </a:lvl1pPr>
-            <a:lvl2pPr algn="l" defTabSz="514350" rtl="0" eaLnBrk="1" fontAlgn="base" hangingPunct="1">
-              <a:lnSpc>
-                <a:spcPct val="90000"/>
-              </a:lnSpc>
-              <a:spcBef>
-                <a:spcPct val="0"/>
-              </a:spcBef>
-              <a:spcAft>
-                <a:spcPts val="1200"/>
-              </a:spcAft>
-              <a:defRPr sz="1600">
-                <a:solidFill>
-                  <a:schemeClr val="tx2"/>
-                </a:solidFill>
-                <a:latin typeface="Helvetica 75" pitchFamily="34" charset="0"/>
-                <a:ea typeface="ＭＳ Ｐゴシック" pitchFamily="34" charset="-128"/>
-              </a:defRPr>
-            </a:lvl2pPr>
-            <a:lvl3pPr algn="l" defTabSz="514350" rtl="0" eaLnBrk="1" fontAlgn="base" hangingPunct="1">
-              <a:lnSpc>
-                <a:spcPct val="90000"/>
-              </a:lnSpc>
-              <a:spcBef>
-                <a:spcPct val="0"/>
-              </a:spcBef>
-              <a:spcAft>
-                <a:spcPts val="1200"/>
-              </a:spcAft>
-              <a:defRPr sz="1600">
-                <a:solidFill>
-                  <a:schemeClr val="tx2"/>
-                </a:solidFill>
-                <a:latin typeface="Helvetica 75" pitchFamily="34" charset="0"/>
-                <a:ea typeface="ＭＳ Ｐゴシック" pitchFamily="34" charset="-128"/>
-              </a:defRPr>
-            </a:lvl3pPr>
-            <a:lvl4pPr algn="l" defTabSz="514350" rtl="0" eaLnBrk="1" fontAlgn="base" hangingPunct="1">
-              <a:lnSpc>
-                <a:spcPct val="90000"/>
-              </a:lnSpc>
-              <a:spcBef>
-                <a:spcPct val="0"/>
-              </a:spcBef>
-              <a:spcAft>
-                <a:spcPts val="1200"/>
-              </a:spcAft>
-              <a:defRPr sz="1600">
-                <a:solidFill>
-                  <a:schemeClr val="tx2"/>
-                </a:solidFill>
-                <a:latin typeface="Helvetica 75" pitchFamily="34" charset="0"/>
-                <a:ea typeface="ＭＳ Ｐゴシック" pitchFamily="34" charset="-128"/>
-              </a:defRPr>
-            </a:lvl4pPr>
-            <a:lvl5pPr algn="l" defTabSz="514350" rtl="0" eaLnBrk="1" fontAlgn="base" hangingPunct="1">
-              <a:lnSpc>
-                <a:spcPct val="90000"/>
-              </a:lnSpc>
-              <a:spcBef>
-                <a:spcPct val="0"/>
-              </a:spcBef>
-              <a:spcAft>
-                <a:spcPts val="1200"/>
-              </a:spcAft>
-              <a:defRPr sz="1600">
-                <a:solidFill>
-                  <a:schemeClr val="tx2"/>
-                </a:solidFill>
-                <a:latin typeface="Helvetica 75" pitchFamily="34" charset="0"/>
-                <a:ea typeface="ＭＳ Ｐゴシック" pitchFamily="34" charset="-128"/>
-              </a:defRPr>
-            </a:lvl5pPr>
-            <a:lvl6pPr marL="457200" algn="l" defTabSz="514350" rtl="0" eaLnBrk="1" fontAlgn="base" hangingPunct="1">
-              <a:lnSpc>
-                <a:spcPct val="90000"/>
-              </a:lnSpc>
-              <a:spcBef>
-                <a:spcPct val="0"/>
-              </a:spcBef>
-              <a:spcAft>
-                <a:spcPts val="1200"/>
-              </a:spcAft>
-              <a:defRPr sz="1600">
-                <a:solidFill>
-                  <a:schemeClr val="tx2"/>
-                </a:solidFill>
-                <a:latin typeface="Helvetica 75" pitchFamily="34" charset="0"/>
-                <a:ea typeface="ＭＳ Ｐゴシック" pitchFamily="34" charset="-128"/>
-              </a:defRPr>
-            </a:lvl6pPr>
-            <a:lvl7pPr marL="914400" algn="l" defTabSz="514350" rtl="0" eaLnBrk="1" fontAlgn="base" hangingPunct="1">
-              <a:lnSpc>
-                <a:spcPct val="90000"/>
-              </a:lnSpc>
-              <a:spcBef>
-                <a:spcPct val="0"/>
-              </a:spcBef>
-              <a:spcAft>
-                <a:spcPts val="1200"/>
-              </a:spcAft>
-              <a:defRPr sz="1600">
-                <a:solidFill>
-                  <a:schemeClr val="tx2"/>
-                </a:solidFill>
-                <a:latin typeface="Helvetica 75" pitchFamily="34" charset="0"/>
-                <a:ea typeface="ＭＳ Ｐゴシック" pitchFamily="34" charset="-128"/>
-              </a:defRPr>
-            </a:lvl7pPr>
-            <a:lvl8pPr marL="1371600" algn="l" defTabSz="514350" rtl="0" eaLnBrk="1" fontAlgn="base" hangingPunct="1">
-              <a:lnSpc>
-                <a:spcPct val="90000"/>
-              </a:lnSpc>
-              <a:spcBef>
-                <a:spcPct val="0"/>
-              </a:spcBef>
-              <a:spcAft>
-                <a:spcPts val="1200"/>
-              </a:spcAft>
-              <a:defRPr sz="1600">
-                <a:solidFill>
-                  <a:schemeClr val="tx2"/>
-                </a:solidFill>
-                <a:latin typeface="Helvetica 75" pitchFamily="34" charset="0"/>
-                <a:ea typeface="ＭＳ Ｐゴシック" pitchFamily="34" charset="-128"/>
-              </a:defRPr>
-            </a:lvl8pPr>
-            <a:lvl9pPr marL="1828800" algn="l" defTabSz="514350" rtl="0" eaLnBrk="1" fontAlgn="base" hangingPunct="1">
-              <a:lnSpc>
-                <a:spcPct val="90000"/>
-              </a:lnSpc>
-              <a:spcBef>
-                <a:spcPct val="0"/>
-              </a:spcBef>
-              <a:spcAft>
-                <a:spcPts val="1200"/>
-              </a:spcAft>
-              <a:defRPr sz="1600">
-                <a:solidFill>
-                  <a:schemeClr val="tx2"/>
-                </a:solidFill>
-                <a:latin typeface="Helvetica 75" pitchFamily="34" charset="0"/>
-                <a:ea typeface="ＭＳ Ｐゴシック" pitchFamily="34" charset="-128"/>
-              </a:defRPr>
-            </a:lvl9pPr>
-          </a:lstStyle>
-          <a:p>
-            <a:r>
-              <a:rPr lang="en-US" sz="2800" noProof="0" dirty="0"/>
-              <a:t>Title</a:t>
-            </a:r>
-            <a:endParaRPr lang="en-US" sz="2800" noProof="0" dirty="0">
-              <a:solidFill>
-                <a:schemeClr val="bg1"/>
-              </a:solidFill>
-            </a:endParaRPr>
-          </a:p>
-        </p:txBody>
-      </p:sp>
-      <p:sp>
-        <p:nvSpPr>
-          <p:cNvPr id="15" name="Rectangle 14"/>
-          <p:cNvSpPr/>
-          <p:nvPr/>
-        </p:nvSpPr>
-        <p:spPr>
-          <a:xfrm>
-            <a:off x="312817" y="4659982"/>
-            <a:ext cx="1162839" cy="216024"/>
+            <a:off x="310142" y="4548158"/>
+            <a:ext cx="1305910" cy="378330"/>
           </a:xfrm>
           <a:prstGeom prst="rect">
             <a:avLst/>
@@ -24239,10 +25170,529 @@
           </a:p>
         </p:txBody>
       </p:sp>
+      <mc:AlternateContent xmlns:mc="http://schemas.openxmlformats.org/markup-compatibility/2006">
+        <mc:Choice xmlns:a14="http://schemas.microsoft.com/office/drawing/2010/main" Requires="a14">
+          <p:sp>
+            <p:nvSpPr>
+              <p:cNvPr id="6" name="TextBox 5">
+                <a:extLst>
+                  <a:ext uri="{FF2B5EF4-FFF2-40B4-BE49-F238E27FC236}">
+                    <a16:creationId xmlns:a16="http://schemas.microsoft.com/office/drawing/2014/main" id="{86D4B245-4692-6990-B465-DB26DE957DB0}"/>
+                  </a:ext>
+                </a:extLst>
+              </p:cNvPr>
+              <p:cNvSpPr txBox="1"/>
+              <p:nvPr/>
+            </p:nvSpPr>
+            <p:spPr>
+              <a:xfrm>
+                <a:off x="549637" y="2630128"/>
+                <a:ext cx="3267305" cy="505267"/>
+              </a:xfrm>
+              <a:prstGeom prst="rect">
+                <a:avLst/>
+              </a:prstGeom>
+            </p:spPr>
+            <p:txBody>
+              <a:bodyPr wrap="none" lIns="0" tIns="0" rIns="0" bIns="0" rtlCol="0">
+                <a:spAutoFit/>
+              </a:bodyPr>
+              <a:lstStyle/>
+              <a:p>
+                <a14:m>
+                  <m:oMathPara xmlns:m="http://schemas.openxmlformats.org/officeDocument/2006/math">
+                    <m:oMathParaPr>
+                      <m:jc m:val="centerGroup"/>
+                    </m:oMathParaPr>
+                    <m:oMath xmlns:m="http://schemas.openxmlformats.org/officeDocument/2006/math">
+                      <m:r>
+                        <m:rPr>
+                          <m:sty m:val="p"/>
+                        </m:rPr>
+                        <a:rPr lang="en-US" sz="1400" i="1">
+                          <a:solidFill>
+                            <a:schemeClr val="bg2"/>
+                          </a:solidFill>
+                          <a:latin typeface="Cambria Math" panose="02040503050406030204" pitchFamily="18" charset="0"/>
+                        </a:rPr>
+                        <m:t>S</m:t>
+                      </m:r>
+                      <m:r>
+                        <m:rPr>
+                          <m:sty m:val="p"/>
+                        </m:rPr>
+                        <a:rPr lang="en-US" sz="1400" b="0" i="1" smtClean="0">
+                          <a:solidFill>
+                            <a:schemeClr val="bg2"/>
+                          </a:solidFill>
+                          <a:latin typeface="Cambria Math" panose="02040503050406030204" pitchFamily="18" charset="0"/>
+                        </a:rPr>
+                        <m:t>DP</m:t>
+                      </m:r>
+                      <m:r>
+                        <a:rPr lang="en-US" sz="1400" b="0" i="1" smtClean="0">
+                          <a:solidFill>
+                            <a:schemeClr val="bg2"/>
+                          </a:solidFill>
+                          <a:latin typeface="Cambria Math" panose="02040503050406030204" pitchFamily="18" charset="0"/>
+                        </a:rPr>
+                        <m:t>_</m:t>
+                      </m:r>
+                      <m:r>
+                        <m:rPr>
+                          <m:sty m:val="p"/>
+                        </m:rPr>
+                        <a:rPr lang="en-US" sz="1400" b="0" i="1" smtClean="0">
+                          <a:solidFill>
+                            <a:schemeClr val="bg2"/>
+                          </a:solidFill>
+                          <a:latin typeface="Cambria Math" panose="02040503050406030204" pitchFamily="18" charset="0"/>
+                        </a:rPr>
+                        <m:t>Attn</m:t>
+                      </m:r>
+                      <m:r>
+                        <a:rPr lang="en-US" sz="1400" b="0" i="1" smtClean="0">
+                          <a:solidFill>
+                            <a:schemeClr val="bg2"/>
+                          </a:solidFill>
+                          <a:latin typeface="Cambria Math" panose="02040503050406030204" pitchFamily="18" charset="0"/>
+                        </a:rPr>
+                        <m:t>(</m:t>
+                      </m:r>
+                      <m:r>
+                        <m:rPr>
+                          <m:sty m:val="p"/>
+                        </m:rPr>
+                        <a:rPr lang="en-US" sz="1400" b="0" i="1" smtClean="0">
+                          <a:solidFill>
+                            <a:schemeClr val="bg2"/>
+                          </a:solidFill>
+                          <a:latin typeface="Cambria Math" panose="02040503050406030204" pitchFamily="18" charset="0"/>
+                        </a:rPr>
+                        <m:t>Q</m:t>
+                      </m:r>
+                      <m:r>
+                        <a:rPr lang="en-US" sz="1400" b="0" i="1" smtClean="0">
+                          <a:solidFill>
+                            <a:schemeClr val="bg2"/>
+                          </a:solidFill>
+                          <a:latin typeface="Cambria Math" panose="02040503050406030204" pitchFamily="18" charset="0"/>
+                        </a:rPr>
+                        <m:t>,</m:t>
+                      </m:r>
+                      <m:r>
+                        <m:rPr>
+                          <m:sty m:val="p"/>
+                        </m:rPr>
+                        <a:rPr lang="en-US" sz="1400" b="0" i="1" smtClean="0">
+                          <a:solidFill>
+                            <a:schemeClr val="bg2"/>
+                          </a:solidFill>
+                          <a:latin typeface="Cambria Math" panose="02040503050406030204" pitchFamily="18" charset="0"/>
+                        </a:rPr>
+                        <m:t>K</m:t>
+                      </m:r>
+                      <m:r>
+                        <a:rPr lang="en-US" sz="1400" b="0" i="1" smtClean="0">
+                          <a:solidFill>
+                            <a:schemeClr val="bg2"/>
+                          </a:solidFill>
+                          <a:latin typeface="Cambria Math" panose="02040503050406030204" pitchFamily="18" charset="0"/>
+                        </a:rPr>
+                        <m:t>,</m:t>
+                      </m:r>
+                      <m:r>
+                        <m:rPr>
+                          <m:sty m:val="p"/>
+                        </m:rPr>
+                        <a:rPr lang="en-US" sz="1400" b="0" i="1" smtClean="0">
+                          <a:solidFill>
+                            <a:schemeClr val="bg2"/>
+                          </a:solidFill>
+                          <a:latin typeface="Cambria Math" panose="02040503050406030204" pitchFamily="18" charset="0"/>
+                        </a:rPr>
+                        <m:t>V</m:t>
+                      </m:r>
+                      <m:r>
+                        <a:rPr lang="en-US" sz="1400" b="0" i="1" smtClean="0">
+                          <a:solidFill>
+                            <a:schemeClr val="bg2"/>
+                          </a:solidFill>
+                          <a:latin typeface="Cambria Math" panose="02040503050406030204" pitchFamily="18" charset="0"/>
+                        </a:rPr>
+                        <m:t>)=</m:t>
+                      </m:r>
+                      <m:r>
+                        <m:rPr>
+                          <m:sty m:val="p"/>
+                        </m:rPr>
+                        <a:rPr lang="en-US" sz="1400" b="0" i="1" smtClean="0">
+                          <a:solidFill>
+                            <a:schemeClr val="bg2"/>
+                          </a:solidFill>
+                          <a:latin typeface="Cambria Math" panose="02040503050406030204" pitchFamily="18" charset="0"/>
+                        </a:rPr>
+                        <m:t>softmax</m:t>
+                      </m:r>
+                      <m:d>
+                        <m:dPr>
+                          <m:ctrlPr>
+                            <a:rPr lang="en-US" sz="1400" b="0" i="1" smtClean="0">
+                              <a:solidFill>
+                                <a:schemeClr val="bg2"/>
+                              </a:solidFill>
+                              <a:latin typeface="Cambria Math" panose="02040503050406030204" pitchFamily="18" charset="0"/>
+                            </a:rPr>
+                          </m:ctrlPr>
+                        </m:dPr>
+                        <m:e>
+                          <m:f>
+                            <m:fPr>
+                              <m:type m:val="noBar"/>
+                              <m:ctrlPr>
+                                <a:rPr lang="en-US" sz="1400" b="0" i="1" smtClean="0">
+                                  <a:solidFill>
+                                    <a:schemeClr val="bg2"/>
+                                  </a:solidFill>
+                                  <a:latin typeface="Cambria Math" panose="02040503050406030204" pitchFamily="18" charset="0"/>
+                                </a:rPr>
+                              </m:ctrlPr>
+                            </m:fPr>
+                            <m:num>
+                              <m:r>
+                                <m:rPr>
+                                  <m:sty m:val="p"/>
+                                </m:rPr>
+                                <a:rPr lang="en-US" sz="1400" b="0" i="1" smtClean="0">
+                                  <a:solidFill>
+                                    <a:schemeClr val="bg2"/>
+                                  </a:solidFill>
+                                  <a:latin typeface="Cambria Math" panose="02040503050406030204" pitchFamily="18" charset="0"/>
+                                </a:rPr>
+                                <m:t>Q</m:t>
+                              </m:r>
+                              <m:sSup>
+                                <m:sSupPr>
+                                  <m:ctrlPr>
+                                    <a:rPr lang="en-US" sz="1400" b="0" i="1" smtClean="0">
+                                      <a:solidFill>
+                                        <a:schemeClr val="bg2"/>
+                                      </a:solidFill>
+                                      <a:latin typeface="Cambria Math" panose="02040503050406030204" pitchFamily="18" charset="0"/>
+                                    </a:rPr>
+                                  </m:ctrlPr>
+                                </m:sSupPr>
+                                <m:e>
+                                  <m:r>
+                                    <m:rPr>
+                                      <m:sty m:val="p"/>
+                                    </m:rPr>
+                                    <a:rPr lang="en-US" sz="1400" b="0" i="1" smtClean="0">
+                                      <a:solidFill>
+                                        <a:schemeClr val="bg2"/>
+                                      </a:solidFill>
+                                      <a:latin typeface="Cambria Math" panose="02040503050406030204" pitchFamily="18" charset="0"/>
+                                    </a:rPr>
+                                    <m:t>K</m:t>
+                                  </m:r>
+                                </m:e>
+                                <m:sup>
+                                  <m:r>
+                                    <m:rPr>
+                                      <m:sty m:val="p"/>
+                                    </m:rPr>
+                                    <a:rPr lang="en-US" sz="1400" b="0" i="1" smtClean="0">
+                                      <a:solidFill>
+                                        <a:schemeClr val="bg2"/>
+                                      </a:solidFill>
+                                      <a:latin typeface="Cambria Math" panose="02040503050406030204" pitchFamily="18" charset="0"/>
+                                    </a:rPr>
+                                    <m:t>T</m:t>
+                                  </m:r>
+                                </m:sup>
+                              </m:sSup>
+                            </m:num>
+                            <m:den>
+                              <m:rad>
+                                <m:radPr>
+                                  <m:degHide m:val="on"/>
+                                  <m:ctrlPr>
+                                    <a:rPr lang="en-US" sz="1400" b="0" i="1" smtClean="0">
+                                      <a:solidFill>
+                                        <a:schemeClr val="bg2"/>
+                                      </a:solidFill>
+                                      <a:latin typeface="Cambria Math" panose="02040503050406030204" pitchFamily="18" charset="0"/>
+                                    </a:rPr>
+                                  </m:ctrlPr>
+                                </m:radPr>
+                                <m:deg/>
+                                <m:e>
+                                  <m:sSub>
+                                    <m:sSubPr>
+                                      <m:ctrlPr>
+                                        <a:rPr lang="en-US" sz="1400" b="0" i="1" smtClean="0">
+                                          <a:solidFill>
+                                            <a:schemeClr val="bg2"/>
+                                          </a:solidFill>
+                                          <a:latin typeface="Cambria Math" panose="02040503050406030204" pitchFamily="18" charset="0"/>
+                                        </a:rPr>
+                                      </m:ctrlPr>
+                                    </m:sSubPr>
+                                    <m:e>
+                                      <m:r>
+                                        <m:rPr>
+                                          <m:sty m:val="p"/>
+                                        </m:rPr>
+                                        <a:rPr lang="en-US" sz="1400" b="0" i="1" smtClean="0">
+                                          <a:solidFill>
+                                            <a:schemeClr val="bg2"/>
+                                          </a:solidFill>
+                                          <a:latin typeface="Cambria Math" panose="02040503050406030204" pitchFamily="18" charset="0"/>
+                                        </a:rPr>
+                                        <m:t>d</m:t>
+                                      </m:r>
+                                    </m:e>
+                                    <m:sub>
+                                      <m:r>
+                                        <m:rPr>
+                                          <m:sty m:val="p"/>
+                                        </m:rPr>
+                                        <a:rPr lang="en-US" sz="1400" b="0" i="1" smtClean="0">
+                                          <a:solidFill>
+                                            <a:schemeClr val="bg2"/>
+                                          </a:solidFill>
+                                          <a:latin typeface="Cambria Math" panose="02040503050406030204" pitchFamily="18" charset="0"/>
+                                        </a:rPr>
+                                        <m:t>model</m:t>
+                                      </m:r>
+                                    </m:sub>
+                                  </m:sSub>
+                                </m:e>
+                              </m:rad>
+                            </m:den>
+                          </m:f>
+                        </m:e>
+                      </m:d>
+                      <m:r>
+                        <m:rPr>
+                          <m:sty m:val="p"/>
+                        </m:rPr>
+                        <a:rPr lang="en-US" sz="1400" b="0" i="1" smtClean="0">
+                          <a:solidFill>
+                            <a:schemeClr val="bg2"/>
+                          </a:solidFill>
+                          <a:latin typeface="Cambria Math" panose="02040503050406030204" pitchFamily="18" charset="0"/>
+                        </a:rPr>
+                        <m:t>V</m:t>
+                      </m:r>
+                    </m:oMath>
+                  </m:oMathPara>
+                </a14:m>
+                <a:endParaRPr lang="en-US" sz="1400" dirty="0" err="1">
+                  <a:solidFill>
+                    <a:schemeClr val="bg2"/>
+                  </a:solidFill>
+                </a:endParaRPr>
+              </a:p>
+            </p:txBody>
+          </p:sp>
+        </mc:Choice>
+        <mc:Fallback>
+          <p:sp>
+            <p:nvSpPr>
+              <p:cNvPr id="6" name="TextBox 5">
+                <a:extLst>
+                  <a:ext uri="{FF2B5EF4-FFF2-40B4-BE49-F238E27FC236}">
+                    <a16:creationId xmlns:a16="http://schemas.microsoft.com/office/drawing/2014/main" id="{86D4B245-4692-6990-B465-DB26DE957DB0}"/>
+                  </a:ext>
+                </a:extLst>
+              </p:cNvPr>
+              <p:cNvSpPr txBox="1">
+                <a:spLocks noRot="1" noChangeAspect="1" noMove="1" noResize="1" noEditPoints="1" noAdjustHandles="1" noChangeArrowheads="1" noChangeShapeType="1" noTextEdit="1"/>
+              </p:cNvSpPr>
+              <p:nvPr/>
+            </p:nvSpPr>
+            <p:spPr>
+              <a:xfrm>
+                <a:off x="549637" y="2630128"/>
+                <a:ext cx="3267305" cy="505267"/>
+              </a:xfrm>
+              <a:prstGeom prst="rect">
+                <a:avLst/>
+              </a:prstGeom>
+              <a:blipFill>
+                <a:blip r:embed="rId3"/>
+                <a:stretch>
+                  <a:fillRect l="-388" b="-4878"/>
+                </a:stretch>
+              </a:blipFill>
+            </p:spPr>
+            <p:txBody>
+              <a:bodyPr/>
+              <a:lstStyle/>
+              <a:p>
+                <a:r>
+                  <a:rPr lang="en-US">
+                    <a:noFill/>
+                  </a:rPr>
+                  <a:t> </a:t>
+                </a:r>
+              </a:p>
+            </p:txBody>
+          </p:sp>
+        </mc:Fallback>
+      </mc:AlternateContent>
+      <p:pic>
+        <p:nvPicPr>
+          <p:cNvPr id="9" name="Picture 8">
+            <a:extLst>
+              <a:ext uri="{FF2B5EF4-FFF2-40B4-BE49-F238E27FC236}">
+                <a16:creationId xmlns:a16="http://schemas.microsoft.com/office/drawing/2014/main" id="{7768B5A5-AD5C-F703-C401-1D57EAC77395}"/>
+              </a:ext>
+            </a:extLst>
+          </p:cNvPr>
+          <p:cNvPicPr>
+            <a:picLocks noChangeAspect="1"/>
+          </p:cNvPicPr>
+          <p:nvPr/>
+        </p:nvPicPr>
+        <p:blipFill>
+          <a:blip r:embed="rId4"/>
+          <a:stretch>
+            <a:fillRect/>
+          </a:stretch>
+        </p:blipFill>
+        <p:spPr>
+          <a:xfrm>
+            <a:off x="6789033" y="1231720"/>
+            <a:ext cx="1940905" cy="2244725"/>
+          </a:xfrm>
+          <a:prstGeom prst="rect">
+            <a:avLst/>
+          </a:prstGeom>
+        </p:spPr>
+      </p:pic>
+      <p:pic>
+        <p:nvPicPr>
+          <p:cNvPr id="4" name="Picture 3">
+            <a:extLst>
+              <a:ext uri="{FF2B5EF4-FFF2-40B4-BE49-F238E27FC236}">
+                <a16:creationId xmlns:a16="http://schemas.microsoft.com/office/drawing/2014/main" id="{F012DA68-2D25-87BF-9997-6312459CF836}"/>
+              </a:ext>
+            </a:extLst>
+          </p:cNvPr>
+          <p:cNvPicPr>
+            <a:picLocks noChangeAspect="1"/>
+          </p:cNvPicPr>
+          <p:nvPr/>
+        </p:nvPicPr>
+        <p:blipFill>
+          <a:blip r:embed="rId5"/>
+          <a:stretch>
+            <a:fillRect/>
+          </a:stretch>
+        </p:blipFill>
+        <p:spPr>
+          <a:xfrm>
+            <a:off x="5183817" y="1239418"/>
+            <a:ext cx="1281478" cy="2245234"/>
+          </a:xfrm>
+          <a:prstGeom prst="rect">
+            <a:avLst/>
+          </a:prstGeom>
+        </p:spPr>
+      </p:pic>
+      <p:cxnSp>
+        <p:nvCxnSpPr>
+          <p:cNvPr id="10" name="Straight Arrow Connector 9">
+            <a:extLst>
+              <a:ext uri="{FF2B5EF4-FFF2-40B4-BE49-F238E27FC236}">
+                <a16:creationId xmlns:a16="http://schemas.microsoft.com/office/drawing/2014/main" id="{AE34723E-67A5-1D4F-B53D-7B01B99485E5}"/>
+              </a:ext>
+            </a:extLst>
+          </p:cNvPr>
+          <p:cNvCxnSpPr>
+            <a:cxnSpLocks/>
+          </p:cNvCxnSpPr>
+          <p:nvPr/>
+        </p:nvCxnSpPr>
+        <p:spPr>
+          <a:xfrm>
+            <a:off x="4080294" y="2882761"/>
+            <a:ext cx="923028" cy="1"/>
+          </a:xfrm>
+          <a:prstGeom prst="straightConnector1">
+            <a:avLst/>
+          </a:prstGeom>
+          <a:ln>
+            <a:tailEnd type="triangle"/>
+          </a:ln>
+        </p:spPr>
+        <p:style>
+          <a:lnRef idx="1">
+            <a:schemeClr val="accent1"/>
+          </a:lnRef>
+          <a:fillRef idx="0">
+            <a:schemeClr val="accent1"/>
+          </a:fillRef>
+          <a:effectRef idx="0">
+            <a:schemeClr val="accent1"/>
+          </a:effectRef>
+          <a:fontRef idx="minor">
+            <a:schemeClr val="tx1"/>
+          </a:fontRef>
+        </p:style>
+      </p:cxnSp>
+      <p:cxnSp>
+        <p:nvCxnSpPr>
+          <p:cNvPr id="18" name="Elbow Connector 17">
+            <a:extLst>
+              <a:ext uri="{FF2B5EF4-FFF2-40B4-BE49-F238E27FC236}">
+                <a16:creationId xmlns:a16="http://schemas.microsoft.com/office/drawing/2014/main" id="{AFA88B33-677F-C26D-99EB-2109A9A84E4A}"/>
+              </a:ext>
+            </a:extLst>
+          </p:cNvPr>
+          <p:cNvCxnSpPr>
+            <a:cxnSpLocks/>
+            <a:stCxn id="4" idx="0"/>
+            <a:endCxn id="9" idx="1"/>
+          </p:cNvCxnSpPr>
+          <p:nvPr/>
+        </p:nvCxnSpPr>
+        <p:spPr>
+          <a:xfrm rot="16200000" flipH="1">
+            <a:off x="5749461" y="1314512"/>
+            <a:ext cx="1114665" cy="964477"/>
+          </a:xfrm>
+          <a:prstGeom prst="bentConnector4">
+            <a:avLst>
+              <a:gd name="adj1" fmla="val -20508"/>
+              <a:gd name="adj2" fmla="val 83217"/>
+            </a:avLst>
+          </a:prstGeom>
+          <a:ln>
+            <a:tailEnd type="triangle"/>
+          </a:ln>
+        </p:spPr>
+        <p:style>
+          <a:lnRef idx="1">
+            <a:schemeClr val="accent1"/>
+          </a:lnRef>
+          <a:fillRef idx="0">
+            <a:schemeClr val="accent1"/>
+          </a:fillRef>
+          <a:effectRef idx="0">
+            <a:schemeClr val="accent1"/>
+          </a:effectRef>
+          <a:fontRef idx="minor">
+            <a:schemeClr val="tx1"/>
+          </a:fontRef>
+        </p:style>
+      </p:cxnSp>
     </p:spTree>
     <p:extLst>
       <p:ext uri="{BB962C8B-B14F-4D97-AF65-F5344CB8AC3E}">
-        <p14:creationId xmlns:p14="http://schemas.microsoft.com/office/powerpoint/2010/main" val="3347888488"/>
+        <p14:creationId xmlns:p14="http://schemas.microsoft.com/office/powerpoint/2010/main" val="1709787257"/>
       </p:ext>
     </p:extLst>
   </p:cSld>
@@ -25150,17 +26600,6 @@
 </file>
 
 <file path=customXml/item1.xml><?xml version="1.0" encoding="utf-8"?>
-<p:properties xmlns:p="http://schemas.microsoft.com/office/2006/metadata/properties" xmlns:xsi="http://www.w3.org/2001/XMLSchema-instance" xmlns:pc="http://schemas.microsoft.com/office/infopath/2007/PartnerControls">
-  <documentManagement>
-    <TaxCatchAll xmlns="eff491a8-9e89-43ed-bdac-cae08270df65" xsi:nil="true"/>
-    <lcf76f155ced4ddcb4097134ff3c332f xmlns="171f1213-7bf6-4d86-990a-6b8ce816bd43">
-      <Terms xmlns="http://schemas.microsoft.com/office/infopath/2007/PartnerControls"/>
-    </lcf76f155ced4ddcb4097134ff3c332f>
-  </documentManagement>
-</p:properties>
-</file>
-
-<file path=customXml/item2.xml><?xml version="1.0" encoding="utf-8"?>
 <ct:contentTypeSchema xmlns:ct="http://schemas.microsoft.com/office/2006/metadata/contentType" xmlns:ma="http://schemas.microsoft.com/office/2006/metadata/properties/metaAttributes" ct:_="" ma:_="" ma:contentTypeName="Document" ma:contentTypeID="0x0101001CA32C140A078341B5F80E20CC80637A" ma:contentTypeVersion="16" ma:contentTypeDescription="Crée un document." ma:contentTypeScope="" ma:versionID="546d018dda1d24d933136aa4939ad88f">
   <xsd:schema xmlns:xsd="http://www.w3.org/2001/XMLSchema" xmlns:xs="http://www.w3.org/2001/XMLSchema" xmlns:p="http://schemas.microsoft.com/office/2006/metadata/properties" xmlns:ns2="171f1213-7bf6-4d86-990a-6b8ce816bd43" xmlns:ns3="eff491a8-9e89-43ed-bdac-cae08270df65" targetNamespace="http://schemas.microsoft.com/office/2006/metadata/properties" ma:root="true" ma:fieldsID="6e1ae2b7d1eaf98eb406aedefb875955" ns2:_="" ns3:_="">
     <xsd:import namespace="171f1213-7bf6-4d86-990a-6b8ce816bd43"/>
@@ -25401,6 +26840,17 @@
 </ct:contentTypeSchema>
 </file>
 
+<file path=customXml/item2.xml><?xml version="1.0" encoding="utf-8"?>
+<p:properties xmlns:p="http://schemas.microsoft.com/office/2006/metadata/properties" xmlns:xsi="http://www.w3.org/2001/XMLSchema-instance" xmlns:pc="http://schemas.microsoft.com/office/infopath/2007/PartnerControls">
+  <documentManagement>
+    <TaxCatchAll xmlns="eff491a8-9e89-43ed-bdac-cae08270df65" xsi:nil="true"/>
+    <lcf76f155ced4ddcb4097134ff3c332f xmlns="171f1213-7bf6-4d86-990a-6b8ce816bd43">
+      <Terms xmlns="http://schemas.microsoft.com/office/infopath/2007/PartnerControls"/>
+    </lcf76f155ced4ddcb4097134ff3c332f>
+  </documentManagement>
+</p:properties>
+</file>
+
 <file path=customXml/item3.xml><?xml version="1.0" encoding="utf-8"?>
 <?mso-contentType ?>
 <FormTemplates xmlns="http://schemas.microsoft.com/sharepoint/v3/contenttype/forms">
@@ -25411,24 +26861,6 @@
 </file>
 
 <file path=customXml/itemProps1.xml><?xml version="1.0" encoding="utf-8"?>
-<ds:datastoreItem xmlns:ds="http://schemas.openxmlformats.org/officeDocument/2006/customXml" ds:itemID="{54B223DC-0EA2-4B5D-8283-CB961A092825}">
-  <ds:schemaRefs>
-    <ds:schemaRef ds:uri="http://schemas.microsoft.com/office/2006/documentManagement/types"/>
-    <ds:schemaRef ds:uri="http://purl.org/dc/elements/1.1/"/>
-    <ds:schemaRef ds:uri="http://schemas.microsoft.com/office/2006/metadata/properties"/>
-    <ds:schemaRef ds:uri="http://schemas.microsoft.com/sharepoint/v3"/>
-    <ds:schemaRef ds:uri="http://purl.org/dc/terms/"/>
-    <ds:schemaRef ds:uri="http://schemas.openxmlformats.org/package/2006/metadata/core-properties"/>
-    <ds:schemaRef ds:uri="http://purl.org/dc/dcmitype/"/>
-    <ds:schemaRef ds:uri="http://schemas.microsoft.com/office/infopath/2007/PartnerControls"/>
-    <ds:schemaRef ds:uri="http://www.w3.org/XML/1998/namespace"/>
-    <ds:schemaRef ds:uri="eff491a8-9e89-43ed-bdac-cae08270df65"/>
-    <ds:schemaRef ds:uri="171f1213-7bf6-4d86-990a-6b8ce816bd43"/>
-  </ds:schemaRefs>
-</ds:datastoreItem>
-</file>
-
-<file path=customXml/itemProps2.xml><?xml version="1.0" encoding="utf-8"?>
 <ds:datastoreItem xmlns:ds="http://schemas.openxmlformats.org/officeDocument/2006/customXml" ds:itemID="{702E500B-C12C-4E9E-A03B-EBA9A45F5EED}">
   <ds:schemaRefs>
     <ds:schemaRef ds:uri="http://schemas.microsoft.com/office/2006/metadata/contentType"/>
@@ -25447,6 +26879,24 @@
 </ds:datastoreItem>
 </file>
 
+<file path=customXml/itemProps2.xml><?xml version="1.0" encoding="utf-8"?>
+<ds:datastoreItem xmlns:ds="http://schemas.openxmlformats.org/officeDocument/2006/customXml" ds:itemID="{54B223DC-0EA2-4B5D-8283-CB961A092825}">
+  <ds:schemaRefs>
+    <ds:schemaRef ds:uri="http://schemas.microsoft.com/office/2006/documentManagement/types"/>
+    <ds:schemaRef ds:uri="http://purl.org/dc/elements/1.1/"/>
+    <ds:schemaRef ds:uri="http://schemas.microsoft.com/office/2006/metadata/properties"/>
+    <ds:schemaRef ds:uri="http://schemas.microsoft.com/sharepoint/v3"/>
+    <ds:schemaRef ds:uri="http://purl.org/dc/terms/"/>
+    <ds:schemaRef ds:uri="http://schemas.openxmlformats.org/package/2006/metadata/core-properties"/>
+    <ds:schemaRef ds:uri="http://purl.org/dc/dcmitype/"/>
+    <ds:schemaRef ds:uri="http://schemas.microsoft.com/office/infopath/2007/PartnerControls"/>
+    <ds:schemaRef ds:uri="http://www.w3.org/XML/1998/namespace"/>
+    <ds:schemaRef ds:uri="eff491a8-9e89-43ed-bdac-cae08270df65"/>
+    <ds:schemaRef ds:uri="171f1213-7bf6-4d86-990a-6b8ce816bd43"/>
+  </ds:schemaRefs>
+</ds:datastoreItem>
+</file>
+
 <file path=customXml/itemProps3.xml><?xml version="1.0" encoding="utf-8"?>
 <ds:datastoreItem xmlns:ds="http://schemas.openxmlformats.org/officeDocument/2006/customXml" ds:itemID="{7BC9E46E-2939-4C92-A847-189854327AFD}">
   <ds:schemaRefs>

--- a/presentation/LORA-RPoenaru.pptx
+++ b/presentation/LORA-RPoenaru.pptx
@@ -17566,50 +17566,7 @@
                   <a:rPr lang="en-US" dirty="0">
                     <a:latin typeface="Helvetica" pitchFamily="2" charset="0"/>
                   </a:rPr>
-                  <a:t>Q, K, and Vs can be regarded as the input units that go into </a:t>
-                </a:r>
-                <a:r>
-                  <a:rPr lang="en-US" dirty="0">
-                    <a:solidFill>
-                      <a:schemeClr val="bg2"/>
-                    </a:solidFill>
-                    <a:latin typeface="Helvetica" pitchFamily="2" charset="0"/>
-                  </a:rPr>
-                  <a:t>SDPA</a:t>
-                </a:r>
-                <a:r>
-                  <a:rPr lang="en-US" dirty="0">
-                    <a:latin typeface="Helvetica" pitchFamily="2" charset="0"/>
-                  </a:rPr>
-                  <a:t>, to capture </a:t>
-                </a:r>
-                <a:r>
-                  <a:rPr lang="en-US" dirty="0">
-                    <a:solidFill>
-                      <a:schemeClr val="bg2"/>
-                    </a:solidFill>
-                    <a:latin typeface="Helvetica" pitchFamily="2" charset="0"/>
-                  </a:rPr>
-                  <a:t>enriched semantic representations </a:t>
-                </a:r>
-                <a:r>
-                  <a:rPr lang="en-US" dirty="0">
-                    <a:latin typeface="Helvetica" pitchFamily="2" charset="0"/>
-                  </a:rPr>
-                  <a:t>(context and position aware)</a:t>
-                </a:r>
-              </a:p>
-              <a:p>
-                <a:pPr lvl="2">
-                  <a:buClr>
-                    <a:srgbClr val="FF7900"/>
-                  </a:buClr>
-                </a:pPr>
-                <a:r>
-                  <a:rPr lang="en-US" dirty="0">
-                    <a:latin typeface="Helvetica" pitchFamily="2" charset="0"/>
-                  </a:rPr>
-                  <a:t>Instead of working with token embeddings directly, they get projected (via </a:t>
+                  <a:t>Instead of working with token embeddings directly they get projected (via </a:t>
                 </a:r>
                 <a:r>
                   <a:rPr lang="en-US" dirty="0">
@@ -17729,6 +17686,49 @@
                   <a:t>, where each head processes SDPA on subspaces for Q, K, and V.</a:t>
                 </a:r>
               </a:p>
+              <a:p>
+                <a:pPr lvl="2">
+                  <a:buClr>
+                    <a:srgbClr val="FF7900"/>
+                  </a:buClr>
+                </a:pPr>
+                <a:r>
+                  <a:rPr lang="en-US" dirty="0">
+                    <a:latin typeface="Helvetica" pitchFamily="2" charset="0"/>
+                  </a:rPr>
+                  <a:t>Results from each head get </a:t>
+                </a:r>
+                <a:r>
+                  <a:rPr lang="en-US" dirty="0">
+                    <a:solidFill>
+                      <a:schemeClr val="bg2"/>
+                    </a:solidFill>
+                    <a:latin typeface="Helvetica" pitchFamily="2" charset="0"/>
+                  </a:rPr>
+                  <a:t>concatenated</a:t>
+                </a:r>
+                <a:r>
+                  <a:rPr lang="en-US" dirty="0">
+                    <a:latin typeface="Helvetica" pitchFamily="2" charset="0"/>
+                  </a:rPr>
+                  <a:t> back into the </a:t>
+                </a:r>
+                <a:r>
+                  <a:rPr lang="en-US" dirty="0">
+                    <a:solidFill>
+                      <a:schemeClr val="bg2"/>
+                    </a:solidFill>
+                    <a:latin typeface="Helvetica" pitchFamily="2" charset="0"/>
+                  </a:rPr>
+                  <a:t>MHA</a:t>
+                </a:r>
+                <a:r>
+                  <a:rPr lang="en-US" dirty="0">
+                    <a:latin typeface="Helvetica" pitchFamily="2" charset="0"/>
+                  </a:rPr>
+                  <a:t> output.</a:t>
+                </a:r>
+              </a:p>
             </p:txBody>
           </p:sp>
         </mc:Choice>
@@ -17876,8 +17876,8 @@
             </p:nvSpPr>
             <p:spPr>
               <a:xfrm>
-                <a:off x="549637" y="2630128"/>
-                <a:ext cx="3267305" cy="505267"/>
+                <a:off x="1091807" y="1796749"/>
+                <a:ext cx="2836096" cy="505267"/>
               </a:xfrm>
               <a:prstGeom prst="rect">
                 <a:avLst/>
@@ -17889,6 +17889,7 @@
               </a:bodyPr>
               <a:lstStyle/>
               <a:p>
+                <a:pPr/>
                 <a14:m>
                   <m:oMathPara xmlns:m="http://schemas.openxmlformats.org/officeDocument/2006/math">
                     <m:oMathParaPr>
@@ -17899,13 +17900,13 @@
                         <m:rPr>
                           <m:sty m:val="p"/>
                         </m:rPr>
-                        <a:rPr lang="en-US" sz="1400" i="1">
+                        <a:rPr lang="en-US" sz="1400" b="0" i="1" smtClean="0">
                           <a:solidFill>
                             <a:schemeClr val="bg2"/>
                           </a:solidFill>
                           <a:latin typeface="Cambria Math" panose="02040503050406030204" pitchFamily="18" charset="0"/>
                         </a:rPr>
-                        <m:t>S</m:t>
+                        <m:t>a</m:t>
                       </m:r>
                       <m:r>
                         <m:rPr>
@@ -17917,28 +17918,7 @@
                           </a:solidFill>
                           <a:latin typeface="Cambria Math" panose="02040503050406030204" pitchFamily="18" charset="0"/>
                         </a:rPr>
-                        <m:t>DP</m:t>
-                      </m:r>
-                      <m:r>
-                        <a:rPr lang="en-US" sz="1400" b="0" i="1" smtClean="0">
-                          <a:solidFill>
-                            <a:schemeClr val="bg2"/>
-                          </a:solidFill>
-                          <a:latin typeface="Cambria Math" panose="02040503050406030204" pitchFamily="18" charset="0"/>
-                        </a:rPr>
-                        <m:t>_</m:t>
-                      </m:r>
-                      <m:r>
-                        <m:rPr>
-                          <m:sty m:val="p"/>
-                        </m:rPr>
-                        <a:rPr lang="en-US" sz="1400" b="0" i="1" smtClean="0">
-                          <a:solidFill>
-                            <a:schemeClr val="bg2"/>
-                          </a:solidFill>
-                          <a:latin typeface="Cambria Math" panose="02040503050406030204" pitchFamily="18" charset="0"/>
-                        </a:rPr>
-                        <m:t>Attn</m:t>
+                        <m:t>ttn</m:t>
                       </m:r>
                       <m:r>
                         <a:rPr lang="en-US" sz="1400" b="0" i="1" smtClean="0">
@@ -18204,8 +18184,8 @@
             </p:nvSpPr>
             <p:spPr>
               <a:xfrm>
-                <a:off x="549637" y="2630128"/>
-                <a:ext cx="3267305" cy="505267"/>
+                <a:off x="1091807" y="1796749"/>
+                <a:ext cx="2836096" cy="505267"/>
               </a:xfrm>
               <a:prstGeom prst="rect">
                 <a:avLst/>
@@ -18213,7 +18193,7 @@
               <a:blipFill>
                 <a:blip r:embed="rId3"/>
                 <a:stretch>
-                  <a:fillRect l="-388" b="-4878"/>
+                  <a:fillRect r="-889" b="-2439"/>
                 </a:stretch>
               </a:blipFill>
             </p:spPr>
@@ -18308,7 +18288,7 @@
         </p:nvCxnSpPr>
         <p:spPr>
           <a:xfrm>
-            <a:off x="4080294" y="2882761"/>
+            <a:off x="4038865" y="2049383"/>
             <a:ext cx="923028" cy="1"/>
           </a:xfrm>
           <a:prstGeom prst="straightConnector1">
@@ -24308,7 +24288,52 @@
                   <a:rPr lang="en-US" dirty="0">
                     <a:latin typeface="Helvetica" pitchFamily="2" charset="0"/>
                   </a:rPr>
-                  <a:t>Encoder block. Generates </a:t>
+                  <a:t>Encoder block. Generate a context-rich representation of the input, which is then used as the </a:t>
+                </a:r>
+                <a:r>
+                  <a:rPr lang="en-US" dirty="0">
+                    <a:solidFill>
+                      <a:schemeClr val="bg2"/>
+                    </a:solidFill>
+                    <a:latin typeface="Helvetica" pitchFamily="2" charset="0"/>
+                  </a:rPr>
+                  <a:t>Keys (K) </a:t>
+                </a:r>
+                <a:r>
+                  <a:rPr lang="en-US" dirty="0">
+                    <a:latin typeface="Helvetica" pitchFamily="2" charset="0"/>
+                  </a:rPr>
+                  <a:t>and </a:t>
+                </a:r>
+                <a:r>
+                  <a:rPr lang="en-US" dirty="0">
+                    <a:solidFill>
+                      <a:schemeClr val="bg2"/>
+                    </a:solidFill>
+                    <a:latin typeface="Helvetica" pitchFamily="2" charset="0"/>
+                  </a:rPr>
+                  <a:t>Values (V) </a:t>
+                </a:r>
+                <a:r>
+                  <a:rPr lang="en-US" dirty="0">
+                    <a:latin typeface="Helvetica" pitchFamily="2" charset="0"/>
+                  </a:rPr>
+                  <a:t>for the decoder. N such blocks</a:t>
+                </a:r>
+              </a:p>
+              <a:p>
+                <a:pPr marL="342900" lvl="2" indent="-342900">
+                  <a:buClr>
+                    <a:srgbClr val="FF7900"/>
+                  </a:buClr>
+                  <a:buFont typeface="+mj-lt"/>
+                  <a:buAutoNum type="arabicPeriod"/>
+                </a:pPr>
+                <a:r>
+                  <a:rPr lang="en-US" dirty="0">
+                    <a:latin typeface="Helvetica" pitchFamily="2" charset="0"/>
+                  </a:rPr>
+                  <a:t>Decoder block. Takes targets and encoder output and generates context-rich representations via 2xMHA with target </a:t>
                 </a:r>
                 <a:r>
                   <a:rPr lang="en-US" dirty="0">
@@ -24323,92 +24348,7 @@
                   <a:rPr lang="en-US" dirty="0">
                     <a:latin typeface="Helvetica" pitchFamily="2" charset="0"/>
                   </a:rPr>
-                  <a:t>, </a:t>
-                </a:r>
-                <a:r>
-                  <a:rPr lang="en-US" dirty="0">
-                    <a:solidFill>
-                      <a:schemeClr val="bg2"/>
-                    </a:solidFill>
-                    <a:latin typeface="Helvetica" pitchFamily="2" charset="0"/>
-                  </a:rPr>
-                  <a:t>Keys (K)</a:t>
-                </a:r>
-                <a:r>
-                  <a:rPr lang="en-US" dirty="0">
-                    <a:latin typeface="Helvetica" pitchFamily="2" charset="0"/>
-                  </a:rPr>
-                  <a:t> and </a:t>
-                </a:r>
-                <a:r>
-                  <a:rPr lang="en-US" dirty="0">
-                    <a:solidFill>
-                      <a:schemeClr val="bg2"/>
-                    </a:solidFill>
-                    <a:latin typeface="Helvetica" pitchFamily="2" charset="0"/>
-                  </a:rPr>
-                  <a:t>Values (V) </a:t>
-                </a:r>
-                <a:r>
-                  <a:rPr lang="en-US" dirty="0">
-                    <a:latin typeface="Helvetica" pitchFamily="2" charset="0"/>
-                  </a:rPr>
-                  <a:t>via 1x</a:t>
-                </a:r>
-                <a:r>
-                  <a:rPr lang="en-US" dirty="0">
-                    <a:solidFill>
-                      <a:schemeClr val="bg2"/>
-                    </a:solidFill>
-                    <a:latin typeface="Helvetica" pitchFamily="2" charset="0"/>
-                  </a:rPr>
-                  <a:t>MHA</a:t>
-                </a:r>
-                <a:r>
-                  <a:rPr lang="en-US" dirty="0">
-                    <a:latin typeface="Helvetica" pitchFamily="2" charset="0"/>
-                  </a:rPr>
-                  <a:t>), to be used as input in the decoder. </a:t>
-                </a:r>
-                <a14:m>
-                  <m:oMath xmlns:m="http://schemas.openxmlformats.org/officeDocument/2006/math">
-                    <m:r>
-                      <m:rPr>
-                        <m:sty m:val="p"/>
-                      </m:rPr>
-                      <a:rPr lang="en-US" b="0" i="0" smtClean="0">
-                        <a:latin typeface="Cambria Math" panose="02040503050406030204" pitchFamily="18" charset="0"/>
-                      </a:rPr>
-                      <m:t>N</m:t>
-                    </m:r>
-                  </m:oMath>
-                </a14:m>
-                <a:r>
-                  <a:rPr lang="en-US" dirty="0">
-                    <a:latin typeface="Helvetica" pitchFamily="2" charset="0"/>
-                  </a:rPr>
-                  <a:t> such blocks</a:t>
-                </a:r>
-                <a:endParaRPr lang="en-US" dirty="0">
-                  <a:solidFill>
-                    <a:schemeClr val="bg2"/>
-                  </a:solidFill>
-                  <a:latin typeface="Helvetica" pitchFamily="2" charset="0"/>
-                </a:endParaRPr>
-              </a:p>
-              <a:p>
-                <a:pPr marL="342900" lvl="2" indent="-342900">
-                  <a:buClr>
-                    <a:srgbClr val="FF7900"/>
-                  </a:buClr>
-                  <a:buFont typeface="+mj-lt"/>
-                  <a:buAutoNum type="arabicPeriod"/>
-                </a:pPr>
-                <a:r>
-                  <a:rPr lang="en-US" dirty="0">
-                    <a:latin typeface="Helvetica" pitchFamily="2" charset="0"/>
-                  </a:rPr>
-                  <a:t>Decoder block. Takes encoder output + targets and generates context-rich representations, generating probabilities (token by token). </a:t>
+                  <a:t> and the encoder K,V. </a:t>
                 </a:r>
                 <a14:m>
                   <m:oMath xmlns:m="http://schemas.openxmlformats.org/officeDocument/2006/math">
@@ -24463,7 +24403,7 @@
                   <a:rPr lang="en-US" dirty="0">
                     <a:latin typeface="Helvetica" pitchFamily="2" charset="0"/>
                   </a:rPr>
-                  <a:t>(SDPA) to Q,K,V such that every token captures semantic information </a:t>
+                  <a:t>(SDPA) to QKV such that every token captures semantic information </a:t>
                 </a:r>
                 <a:r>
                   <a:rPr lang="en-US" dirty="0" err="1">
@@ -24475,7 +24415,7 @@
                   <a:rPr lang="en-US" dirty="0">
                     <a:latin typeface="Helvetica" pitchFamily="2" charset="0"/>
                   </a:rPr>
-                  <a:t>  all other tokens.</a:t>
+                  <a:t>  all other tokens</a:t>
                 </a:r>
               </a:p>
               <a:p>
@@ -24566,7 +24506,7 @@
               <a:blipFill>
                 <a:blip r:embed="rId2"/>
                 <a:stretch>
-                  <a:fillRect l="-1852" t="-3057"/>
+                  <a:fillRect l="-1852" t="-3057" r="-529"/>
                 </a:stretch>
               </a:blipFill>
             </p:spPr>
@@ -24933,6 +24873,118 @@
             <a:r>
               <a:rPr lang="en-US" sz="1000" dirty="0"/>
               <a:t>] </a:t>
+            </a:r>
+          </a:p>
+        </p:txBody>
+      </p:sp>
+      <p:sp>
+        <p:nvSpPr>
+          <p:cNvPr id="4" name="TextBox 3">
+            <a:extLst>
+              <a:ext uri="{FF2B5EF4-FFF2-40B4-BE49-F238E27FC236}">
+                <a16:creationId xmlns:a16="http://schemas.microsoft.com/office/drawing/2014/main" id="{07CE4825-F60F-2FEE-C589-1959B730E907}"/>
+              </a:ext>
+            </a:extLst>
+          </p:cNvPr>
+          <p:cNvSpPr txBox="1"/>
+          <p:nvPr/>
+        </p:nvSpPr>
+        <p:spPr>
+          <a:xfrm>
+            <a:off x="7223064" y="2833783"/>
+            <a:ext cx="169918" cy="215444"/>
+          </a:xfrm>
+          <a:prstGeom prst="rect">
+            <a:avLst/>
+          </a:prstGeom>
+        </p:spPr>
+        <p:txBody>
+          <a:bodyPr wrap="none" lIns="0" tIns="0" rIns="0" bIns="0" rtlCol="0">
+            <a:spAutoFit/>
+          </a:bodyPr>
+          <a:lstStyle/>
+          <a:p>
+            <a:r>
+              <a:rPr lang="en-US" sz="1400" dirty="0">
+                <a:solidFill>
+                  <a:schemeClr val="bg2"/>
+                </a:solidFill>
+              </a:rPr>
+              <a:t>3*</a:t>
+            </a:r>
+            <a:endParaRPr lang="en-US" sz="1400" dirty="0"/>
+          </a:p>
+        </p:txBody>
+      </p:sp>
+      <p:sp>
+        <p:nvSpPr>
+          <p:cNvPr id="7" name="TextBox 6">
+            <a:extLst>
+              <a:ext uri="{FF2B5EF4-FFF2-40B4-BE49-F238E27FC236}">
+                <a16:creationId xmlns:a16="http://schemas.microsoft.com/office/drawing/2014/main" id="{4E2101AE-BD71-FEA1-1D03-35DE17A079C8}"/>
+              </a:ext>
+            </a:extLst>
+          </p:cNvPr>
+          <p:cNvSpPr txBox="1"/>
+          <p:nvPr/>
+        </p:nvSpPr>
+        <p:spPr>
+          <a:xfrm>
+            <a:off x="7223064" y="2166637"/>
+            <a:ext cx="99386" cy="215444"/>
+          </a:xfrm>
+          <a:prstGeom prst="rect">
+            <a:avLst/>
+          </a:prstGeom>
+        </p:spPr>
+        <p:txBody>
+          <a:bodyPr wrap="none" lIns="0" tIns="0" rIns="0" bIns="0" rtlCol="0">
+            <a:spAutoFit/>
+          </a:bodyPr>
+          <a:lstStyle/>
+          <a:p>
+            <a:r>
+              <a:rPr lang="en-US" sz="1400" dirty="0">
+                <a:solidFill>
+                  <a:schemeClr val="bg2"/>
+                </a:solidFill>
+              </a:rPr>
+              <a:t>3</a:t>
+            </a:r>
+            <a:endParaRPr lang="en-US" sz="1400" dirty="0"/>
+          </a:p>
+        </p:txBody>
+      </p:sp>
+      <p:sp>
+        <p:nvSpPr>
+          <p:cNvPr id="9" name="TextBox 8">
+            <a:extLst>
+              <a:ext uri="{FF2B5EF4-FFF2-40B4-BE49-F238E27FC236}">
+                <a16:creationId xmlns:a16="http://schemas.microsoft.com/office/drawing/2014/main" id="{2B6F0C4A-9021-44CB-A900-AEA70FDEB681}"/>
+              </a:ext>
+            </a:extLst>
+          </p:cNvPr>
+          <p:cNvSpPr txBox="1"/>
+          <p:nvPr/>
+        </p:nvSpPr>
+        <p:spPr>
+          <a:xfrm>
+            <a:off x="310142" y="4722118"/>
+            <a:ext cx="4092467" cy="153888"/>
+          </a:xfrm>
+          <a:prstGeom prst="rect">
+            <a:avLst/>
+          </a:prstGeom>
+        </p:spPr>
+        <p:txBody>
+          <a:bodyPr wrap="none" lIns="0" tIns="0" rIns="0" bIns="0" rtlCol="0">
+            <a:spAutoFit/>
+          </a:bodyPr>
+          <a:lstStyle/>
+          <a:p>
+            <a:r>
+              <a:rPr lang="en-US" sz="1000" dirty="0"/>
+              <a:t>* Masked MHA allows current token to attend only to previous ones</a:t>
             </a:r>
           </a:p>
         </p:txBody>
@@ -25167,8 +25219,8 @@
             </p:nvSpPr>
             <p:spPr>
               <a:xfrm>
-                <a:off x="314326" y="1184275"/>
-                <a:ext cx="3826354" cy="2891706"/>
+                <a:off x="314325" y="1184275"/>
+                <a:ext cx="8376787" cy="2891706"/>
               </a:xfrm>
             </p:spPr>
             <p:txBody>
@@ -25289,7 +25341,7 @@
                   <a:rPr lang="en-US" dirty="0">
                     <a:latin typeface="Helvetica" pitchFamily="2" charset="0"/>
                   </a:rPr>
-                  <a:t>) will be used to generate Queries, Keys, Values</a:t>
+                  <a:t>) will be used to generate Queries, Keys, Values (QKV)</a:t>
                 </a:r>
               </a:p>
               <a:p>
@@ -25302,7 +25354,7 @@
                   <a:rPr lang="en-US" dirty="0">
                     <a:latin typeface="Helvetica" pitchFamily="2" charset="0"/>
                   </a:rPr>
-                  <a:t>Q, K, and Vs can be regarded as the </a:t>
+                  <a:t>QKV can be regarded as the </a:t>
                 </a:r>
                 <a:r>
                   <a:rPr lang="en-US" dirty="0">
@@ -25326,13 +25378,13 @@
                     </a:solidFill>
                     <a:latin typeface="Helvetica" pitchFamily="2" charset="0"/>
                   </a:rPr>
-                  <a:t>SDPA</a:t>
+                  <a:t>SDPA </a:t>
                 </a:r>
                 <a:r>
                   <a:rPr lang="en-US" dirty="0">
                     <a:latin typeface="Helvetica" pitchFamily="2" charset="0"/>
                   </a:rPr>
-                  <a:t>, to capture </a:t>
+                  <a:t>for capturing </a:t>
                 </a:r>
                 <a:r>
                   <a:rPr lang="en-US" dirty="0">
@@ -25372,13 +25424,13 @@
             </p:nvSpPr>
             <p:spPr>
               <a:xfrm>
-                <a:off x="314326" y="1184275"/>
-                <a:ext cx="3826354" cy="2891706"/>
+                <a:off x="314325" y="1184275"/>
+                <a:ext cx="8376787" cy="2891706"/>
               </a:xfrm>
               <a:blipFill>
                 <a:blip r:embed="rId2"/>
                 <a:stretch>
-                  <a:fillRect l="-2649" t="-3057" r="-3311"/>
+                  <a:fillRect l="-1210" t="-2620" r="-303"/>
                 </a:stretch>
               </a:blipFill>
             </p:spPr>
@@ -25503,8 +25555,8 @@
         </p:blipFill>
         <p:spPr>
           <a:xfrm>
-            <a:off x="4246582" y="1184275"/>
-            <a:ext cx="4826913" cy="2564889"/>
+            <a:off x="1923691" y="1923786"/>
+            <a:ext cx="5650841" cy="3002702"/>
           </a:xfrm>
           <a:prstGeom prst="rect">
             <a:avLst/>
@@ -26422,6 +26474,17 @@
 </file>
 
 <file path=customXml/item1.xml><?xml version="1.0" encoding="utf-8"?>
+<p:properties xmlns:p="http://schemas.microsoft.com/office/2006/metadata/properties" xmlns:xsi="http://www.w3.org/2001/XMLSchema-instance" xmlns:pc="http://schemas.microsoft.com/office/infopath/2007/PartnerControls">
+  <documentManagement>
+    <TaxCatchAll xmlns="eff491a8-9e89-43ed-bdac-cae08270df65" xsi:nil="true"/>
+    <lcf76f155ced4ddcb4097134ff3c332f xmlns="171f1213-7bf6-4d86-990a-6b8ce816bd43">
+      <Terms xmlns="http://schemas.microsoft.com/office/infopath/2007/PartnerControls"/>
+    </lcf76f155ced4ddcb4097134ff3c332f>
+  </documentManagement>
+</p:properties>
+</file>
+
+<file path=customXml/item2.xml><?xml version="1.0" encoding="utf-8"?>
 <ct:contentTypeSchema xmlns:ct="http://schemas.microsoft.com/office/2006/metadata/contentType" xmlns:ma="http://schemas.microsoft.com/office/2006/metadata/properties/metaAttributes" ct:_="" ma:_="" ma:contentTypeName="Document" ma:contentTypeID="0x0101001CA32C140A078341B5F80E20CC80637A" ma:contentTypeVersion="16" ma:contentTypeDescription="Crée un document." ma:contentTypeScope="" ma:versionID="546d018dda1d24d933136aa4939ad88f">
   <xsd:schema xmlns:xsd="http://www.w3.org/2001/XMLSchema" xmlns:xs="http://www.w3.org/2001/XMLSchema" xmlns:p="http://schemas.microsoft.com/office/2006/metadata/properties" xmlns:ns2="171f1213-7bf6-4d86-990a-6b8ce816bd43" xmlns:ns3="eff491a8-9e89-43ed-bdac-cae08270df65" targetNamespace="http://schemas.microsoft.com/office/2006/metadata/properties" ma:root="true" ma:fieldsID="6e1ae2b7d1eaf98eb406aedefb875955" ns2:_="" ns3:_="">
     <xsd:import namespace="171f1213-7bf6-4d86-990a-6b8ce816bd43"/>
@@ -26662,17 +26725,6 @@
 </ct:contentTypeSchema>
 </file>
 
-<file path=customXml/item2.xml><?xml version="1.0" encoding="utf-8"?>
-<p:properties xmlns:p="http://schemas.microsoft.com/office/2006/metadata/properties" xmlns:xsi="http://www.w3.org/2001/XMLSchema-instance" xmlns:pc="http://schemas.microsoft.com/office/infopath/2007/PartnerControls">
-  <documentManagement>
-    <TaxCatchAll xmlns="eff491a8-9e89-43ed-bdac-cae08270df65" xsi:nil="true"/>
-    <lcf76f155ced4ddcb4097134ff3c332f xmlns="171f1213-7bf6-4d86-990a-6b8ce816bd43">
-      <Terms xmlns="http://schemas.microsoft.com/office/infopath/2007/PartnerControls"/>
-    </lcf76f155ced4ddcb4097134ff3c332f>
-  </documentManagement>
-</p:properties>
-</file>
-
 <file path=customXml/item3.xml><?xml version="1.0" encoding="utf-8"?>
 <?mso-contentType ?>
 <FormTemplates xmlns="http://schemas.microsoft.com/sharepoint/v3/contenttype/forms">
@@ -26683,6 +26735,24 @@
 </file>
 
 <file path=customXml/itemProps1.xml><?xml version="1.0" encoding="utf-8"?>
+<ds:datastoreItem xmlns:ds="http://schemas.openxmlformats.org/officeDocument/2006/customXml" ds:itemID="{54B223DC-0EA2-4B5D-8283-CB961A092825}">
+  <ds:schemaRefs>
+    <ds:schemaRef ds:uri="http://schemas.microsoft.com/office/2006/documentManagement/types"/>
+    <ds:schemaRef ds:uri="http://purl.org/dc/elements/1.1/"/>
+    <ds:schemaRef ds:uri="http://schemas.microsoft.com/office/2006/metadata/properties"/>
+    <ds:schemaRef ds:uri="http://schemas.microsoft.com/sharepoint/v3"/>
+    <ds:schemaRef ds:uri="http://purl.org/dc/terms/"/>
+    <ds:schemaRef ds:uri="http://schemas.openxmlformats.org/package/2006/metadata/core-properties"/>
+    <ds:schemaRef ds:uri="http://purl.org/dc/dcmitype/"/>
+    <ds:schemaRef ds:uri="http://schemas.microsoft.com/office/infopath/2007/PartnerControls"/>
+    <ds:schemaRef ds:uri="http://www.w3.org/XML/1998/namespace"/>
+    <ds:schemaRef ds:uri="eff491a8-9e89-43ed-bdac-cae08270df65"/>
+    <ds:schemaRef ds:uri="171f1213-7bf6-4d86-990a-6b8ce816bd43"/>
+  </ds:schemaRefs>
+</ds:datastoreItem>
+</file>
+
+<file path=customXml/itemProps2.xml><?xml version="1.0" encoding="utf-8"?>
 <ds:datastoreItem xmlns:ds="http://schemas.openxmlformats.org/officeDocument/2006/customXml" ds:itemID="{702E500B-C12C-4E9E-A03B-EBA9A45F5EED}">
   <ds:schemaRefs>
     <ds:schemaRef ds:uri="http://schemas.microsoft.com/office/2006/metadata/contentType"/>
@@ -26701,24 +26771,6 @@
 </ds:datastoreItem>
 </file>
 
-<file path=customXml/itemProps2.xml><?xml version="1.0" encoding="utf-8"?>
-<ds:datastoreItem xmlns:ds="http://schemas.openxmlformats.org/officeDocument/2006/customXml" ds:itemID="{54B223DC-0EA2-4B5D-8283-CB961A092825}">
-  <ds:schemaRefs>
-    <ds:schemaRef ds:uri="http://schemas.microsoft.com/office/2006/documentManagement/types"/>
-    <ds:schemaRef ds:uri="http://purl.org/dc/elements/1.1/"/>
-    <ds:schemaRef ds:uri="http://schemas.microsoft.com/office/2006/metadata/properties"/>
-    <ds:schemaRef ds:uri="http://schemas.microsoft.com/sharepoint/v3"/>
-    <ds:schemaRef ds:uri="http://purl.org/dc/terms/"/>
-    <ds:schemaRef ds:uri="http://schemas.openxmlformats.org/package/2006/metadata/core-properties"/>
-    <ds:schemaRef ds:uri="http://purl.org/dc/dcmitype/"/>
-    <ds:schemaRef ds:uri="http://schemas.microsoft.com/office/infopath/2007/PartnerControls"/>
-    <ds:schemaRef ds:uri="http://www.w3.org/XML/1998/namespace"/>
-    <ds:schemaRef ds:uri="eff491a8-9e89-43ed-bdac-cae08270df65"/>
-    <ds:schemaRef ds:uri="171f1213-7bf6-4d86-990a-6b8ce816bd43"/>
-  </ds:schemaRefs>
-</ds:datastoreItem>
-</file>
-
 <file path=customXml/itemProps3.xml><?xml version="1.0" encoding="utf-8"?>
 <ds:datastoreItem xmlns:ds="http://schemas.openxmlformats.org/officeDocument/2006/customXml" ds:itemID="{7BC9E46E-2939-4C92-A847-189854327AFD}">
   <ds:schemaRefs>

--- a/presentation/LORA-RPoenaru.pptx
+++ b/presentation/LORA-RPoenaru.pptx
@@ -6,7 +6,7 @@
     <p:sldMasterId id="2147483658" r:id="rId5"/>
   </p:sldMasterIdLst>
   <p:notesMasterIdLst>
-    <p:notesMasterId r:id="rId21"/>
+    <p:notesMasterId r:id="rId26"/>
   </p:notesMasterIdLst>
   <p:sldIdLst>
     <p:sldId id="300" r:id="rId6"/>
@@ -19,11 +19,16 @@
     <p:sldId id="305" r:id="rId13"/>
     <p:sldId id="307" r:id="rId14"/>
     <p:sldId id="306" r:id="rId15"/>
-    <p:sldId id="292" r:id="rId16"/>
-    <p:sldId id="293" r:id="rId17"/>
-    <p:sldId id="294" r:id="rId18"/>
-    <p:sldId id="298" r:id="rId19"/>
-    <p:sldId id="287" r:id="rId20"/>
+    <p:sldId id="308" r:id="rId16"/>
+    <p:sldId id="309" r:id="rId17"/>
+    <p:sldId id="310" r:id="rId18"/>
+    <p:sldId id="311" r:id="rId19"/>
+    <p:sldId id="312" r:id="rId20"/>
+    <p:sldId id="292" r:id="rId21"/>
+    <p:sldId id="293" r:id="rId22"/>
+    <p:sldId id="294" r:id="rId23"/>
+    <p:sldId id="298" r:id="rId24"/>
+    <p:sldId id="287" r:id="rId25"/>
   </p:sldIdLst>
   <p:sldSz cx="9144000" cy="5143500" type="screen16x9"/>
   <p:notesSz cx="6858000" cy="9144000"/>
@@ -2864,6 +2869,753 @@
 </dgm:colorsDef>
 </file>
 
+<file path=ppt/diagrams/colors3.xml><?xml version="1.0" encoding="utf-8"?>
+<dgm:colorsDef xmlns:dgm="http://schemas.openxmlformats.org/drawingml/2006/diagram" xmlns:a="http://schemas.openxmlformats.org/drawingml/2006/main" uniqueId="urn:microsoft.com/office/officeart/2005/8/colors/accent1_2">
+  <dgm:title val=""/>
+  <dgm:desc val=""/>
+  <dgm:catLst>
+    <dgm:cat type="accent1" pri="11200"/>
+  </dgm:catLst>
+  <dgm:styleLbl name="node0">
+    <dgm:fillClrLst meth="repeat">
+      <a:schemeClr val="accent1"/>
+    </dgm:fillClrLst>
+    <dgm:linClrLst meth="repeat">
+      <a:schemeClr val="lt1"/>
+    </dgm:linClrLst>
+    <dgm:effectClrLst/>
+    <dgm:txLinClrLst/>
+    <dgm:txFillClrLst/>
+    <dgm:txEffectClrLst/>
+  </dgm:styleLbl>
+  <dgm:styleLbl name="alignNode1">
+    <dgm:fillClrLst meth="repeat">
+      <a:schemeClr val="accent1"/>
+    </dgm:fillClrLst>
+    <dgm:linClrLst meth="repeat">
+      <a:schemeClr val="accent1"/>
+    </dgm:linClrLst>
+    <dgm:effectClrLst/>
+    <dgm:txLinClrLst/>
+    <dgm:txFillClrLst/>
+    <dgm:txEffectClrLst/>
+  </dgm:styleLbl>
+  <dgm:styleLbl name="node1">
+    <dgm:fillClrLst meth="repeat">
+      <a:schemeClr val="accent1"/>
+    </dgm:fillClrLst>
+    <dgm:linClrLst meth="repeat">
+      <a:schemeClr val="lt1"/>
+    </dgm:linClrLst>
+    <dgm:effectClrLst/>
+    <dgm:txLinClrLst/>
+    <dgm:txFillClrLst/>
+    <dgm:txEffectClrLst/>
+  </dgm:styleLbl>
+  <dgm:styleLbl name="lnNode1">
+    <dgm:fillClrLst meth="repeat">
+      <a:schemeClr val="accent1"/>
+    </dgm:fillClrLst>
+    <dgm:linClrLst meth="repeat">
+      <a:schemeClr val="lt1"/>
+    </dgm:linClrLst>
+    <dgm:effectClrLst/>
+    <dgm:txLinClrLst/>
+    <dgm:txFillClrLst/>
+    <dgm:txEffectClrLst/>
+  </dgm:styleLbl>
+  <dgm:styleLbl name="vennNode1">
+    <dgm:fillClrLst meth="repeat">
+      <a:schemeClr val="accent1">
+        <a:alpha val="50000"/>
+      </a:schemeClr>
+    </dgm:fillClrLst>
+    <dgm:linClrLst meth="repeat">
+      <a:schemeClr val="lt1"/>
+    </dgm:linClrLst>
+    <dgm:effectClrLst/>
+    <dgm:txLinClrLst/>
+    <dgm:txFillClrLst/>
+    <dgm:txEffectClrLst/>
+  </dgm:styleLbl>
+  <dgm:styleLbl name="node2">
+    <dgm:fillClrLst meth="repeat">
+      <a:schemeClr val="accent1"/>
+    </dgm:fillClrLst>
+    <dgm:linClrLst meth="repeat">
+      <a:schemeClr val="lt1"/>
+    </dgm:linClrLst>
+    <dgm:effectClrLst/>
+    <dgm:txLinClrLst/>
+    <dgm:txFillClrLst/>
+    <dgm:txEffectClrLst/>
+  </dgm:styleLbl>
+  <dgm:styleLbl name="node3">
+    <dgm:fillClrLst meth="repeat">
+      <a:schemeClr val="accent1"/>
+    </dgm:fillClrLst>
+    <dgm:linClrLst meth="repeat">
+      <a:schemeClr val="lt1"/>
+    </dgm:linClrLst>
+    <dgm:effectClrLst/>
+    <dgm:txLinClrLst/>
+    <dgm:txFillClrLst/>
+    <dgm:txEffectClrLst/>
+  </dgm:styleLbl>
+  <dgm:styleLbl name="node4">
+    <dgm:fillClrLst meth="repeat">
+      <a:schemeClr val="accent1"/>
+    </dgm:fillClrLst>
+    <dgm:linClrLst meth="repeat">
+      <a:schemeClr val="lt1"/>
+    </dgm:linClrLst>
+    <dgm:effectClrLst/>
+    <dgm:txLinClrLst/>
+    <dgm:txFillClrLst/>
+    <dgm:txEffectClrLst/>
+  </dgm:styleLbl>
+  <dgm:styleLbl name="fgImgPlace1">
+    <dgm:fillClrLst meth="repeat">
+      <a:schemeClr val="accent1">
+        <a:tint val="50000"/>
+      </a:schemeClr>
+    </dgm:fillClrLst>
+    <dgm:linClrLst meth="repeat">
+      <a:schemeClr val="lt1"/>
+    </dgm:linClrLst>
+    <dgm:effectClrLst/>
+    <dgm:txLinClrLst/>
+    <dgm:txFillClrLst meth="repeat">
+      <a:schemeClr val="lt1"/>
+    </dgm:txFillClrLst>
+    <dgm:txEffectClrLst/>
+  </dgm:styleLbl>
+  <dgm:styleLbl name="alignImgPlace1">
+    <dgm:fillClrLst meth="repeat">
+      <a:schemeClr val="accent1">
+        <a:tint val="50000"/>
+      </a:schemeClr>
+    </dgm:fillClrLst>
+    <dgm:linClrLst meth="repeat">
+      <a:schemeClr val="lt1"/>
+    </dgm:linClrLst>
+    <dgm:effectClrLst/>
+    <dgm:txLinClrLst/>
+    <dgm:txFillClrLst meth="repeat">
+      <a:schemeClr val="lt1"/>
+    </dgm:txFillClrLst>
+    <dgm:txEffectClrLst/>
+  </dgm:styleLbl>
+  <dgm:styleLbl name="bgImgPlace1">
+    <dgm:fillClrLst meth="repeat">
+      <a:schemeClr val="accent1">
+        <a:tint val="50000"/>
+      </a:schemeClr>
+    </dgm:fillClrLst>
+    <dgm:linClrLst meth="repeat">
+      <a:schemeClr val="lt1"/>
+    </dgm:linClrLst>
+    <dgm:effectClrLst/>
+    <dgm:txLinClrLst/>
+    <dgm:txFillClrLst meth="repeat">
+      <a:schemeClr val="lt1"/>
+    </dgm:txFillClrLst>
+    <dgm:txEffectClrLst/>
+  </dgm:styleLbl>
+  <dgm:styleLbl name="sibTrans2D1">
+    <dgm:fillClrLst meth="repeat">
+      <a:schemeClr val="accent1">
+        <a:tint val="60000"/>
+      </a:schemeClr>
+    </dgm:fillClrLst>
+    <dgm:linClrLst meth="repeat">
+      <a:schemeClr val="accent1">
+        <a:tint val="60000"/>
+      </a:schemeClr>
+    </dgm:linClrLst>
+    <dgm:effectClrLst/>
+    <dgm:txLinClrLst/>
+    <dgm:txFillClrLst/>
+    <dgm:txEffectClrLst/>
+  </dgm:styleLbl>
+  <dgm:styleLbl name="fgSibTrans2D1">
+    <dgm:fillClrLst meth="repeat">
+      <a:schemeClr val="accent1">
+        <a:tint val="60000"/>
+      </a:schemeClr>
+    </dgm:fillClrLst>
+    <dgm:linClrLst meth="repeat">
+      <a:schemeClr val="accent1">
+        <a:tint val="60000"/>
+      </a:schemeClr>
+    </dgm:linClrLst>
+    <dgm:effectClrLst/>
+    <dgm:txLinClrLst/>
+    <dgm:txFillClrLst/>
+    <dgm:txEffectClrLst/>
+  </dgm:styleLbl>
+  <dgm:styleLbl name="bgSibTrans2D1">
+    <dgm:fillClrLst meth="repeat">
+      <a:schemeClr val="accent1">
+        <a:tint val="60000"/>
+      </a:schemeClr>
+    </dgm:fillClrLst>
+    <dgm:linClrLst meth="repeat">
+      <a:schemeClr val="accent1">
+        <a:tint val="60000"/>
+      </a:schemeClr>
+    </dgm:linClrLst>
+    <dgm:effectClrLst/>
+    <dgm:txLinClrLst/>
+    <dgm:txFillClrLst/>
+    <dgm:txEffectClrLst/>
+  </dgm:styleLbl>
+  <dgm:styleLbl name="sibTrans1D1">
+    <dgm:fillClrLst meth="repeat">
+      <a:schemeClr val="accent1"/>
+    </dgm:fillClrLst>
+    <dgm:linClrLst meth="repeat">
+      <a:schemeClr val="accent1"/>
+    </dgm:linClrLst>
+    <dgm:effectClrLst/>
+    <dgm:txLinClrLst/>
+    <dgm:txFillClrLst meth="repeat">
+      <a:schemeClr val="tx1"/>
+    </dgm:txFillClrLst>
+    <dgm:txEffectClrLst/>
+  </dgm:styleLbl>
+  <dgm:styleLbl name="callout">
+    <dgm:fillClrLst meth="repeat">
+      <a:schemeClr val="accent1"/>
+    </dgm:fillClrLst>
+    <dgm:linClrLst meth="repeat">
+      <a:schemeClr val="accent1">
+        <a:tint val="50000"/>
+      </a:schemeClr>
+    </dgm:linClrLst>
+    <dgm:effectClrLst/>
+    <dgm:txLinClrLst/>
+    <dgm:txFillClrLst meth="repeat">
+      <a:schemeClr val="tx1"/>
+    </dgm:txFillClrLst>
+    <dgm:txEffectClrLst/>
+  </dgm:styleLbl>
+  <dgm:styleLbl name="asst0">
+    <dgm:fillClrLst meth="repeat">
+      <a:schemeClr val="accent1"/>
+    </dgm:fillClrLst>
+    <dgm:linClrLst meth="repeat">
+      <a:schemeClr val="lt1"/>
+    </dgm:linClrLst>
+    <dgm:effectClrLst/>
+    <dgm:txLinClrLst/>
+    <dgm:txFillClrLst/>
+    <dgm:txEffectClrLst/>
+  </dgm:styleLbl>
+  <dgm:styleLbl name="asst1">
+    <dgm:fillClrLst meth="repeat">
+      <a:schemeClr val="accent1"/>
+    </dgm:fillClrLst>
+    <dgm:linClrLst meth="repeat">
+      <a:schemeClr val="lt1"/>
+    </dgm:linClrLst>
+    <dgm:effectClrLst/>
+    <dgm:txLinClrLst/>
+    <dgm:txFillClrLst/>
+    <dgm:txEffectClrLst/>
+  </dgm:styleLbl>
+  <dgm:styleLbl name="asst2">
+    <dgm:fillClrLst meth="repeat">
+      <a:schemeClr val="accent1"/>
+    </dgm:fillClrLst>
+    <dgm:linClrLst meth="repeat">
+      <a:schemeClr val="lt1"/>
+    </dgm:linClrLst>
+    <dgm:effectClrLst/>
+    <dgm:txLinClrLst/>
+    <dgm:txFillClrLst/>
+    <dgm:txEffectClrLst/>
+  </dgm:styleLbl>
+  <dgm:styleLbl name="asst3">
+    <dgm:fillClrLst meth="repeat">
+      <a:schemeClr val="accent1"/>
+    </dgm:fillClrLst>
+    <dgm:linClrLst meth="repeat">
+      <a:schemeClr val="lt1"/>
+    </dgm:linClrLst>
+    <dgm:effectClrLst/>
+    <dgm:txLinClrLst/>
+    <dgm:txFillClrLst/>
+    <dgm:txEffectClrLst/>
+  </dgm:styleLbl>
+  <dgm:styleLbl name="asst4">
+    <dgm:fillClrLst meth="repeat">
+      <a:schemeClr val="accent1"/>
+    </dgm:fillClrLst>
+    <dgm:linClrLst meth="repeat">
+      <a:schemeClr val="lt1"/>
+    </dgm:linClrLst>
+    <dgm:effectClrLst/>
+    <dgm:txLinClrLst/>
+    <dgm:txFillClrLst/>
+    <dgm:txEffectClrLst/>
+  </dgm:styleLbl>
+  <dgm:styleLbl name="parChTrans2D1">
+    <dgm:fillClrLst meth="repeat">
+      <a:schemeClr val="accent1">
+        <a:tint val="60000"/>
+      </a:schemeClr>
+    </dgm:fillClrLst>
+    <dgm:linClrLst meth="repeat">
+      <a:schemeClr val="accent1">
+        <a:tint val="60000"/>
+      </a:schemeClr>
+    </dgm:linClrLst>
+    <dgm:effectClrLst/>
+    <dgm:txLinClrLst/>
+    <dgm:txFillClrLst meth="repeat">
+      <a:schemeClr val="lt1"/>
+    </dgm:txFillClrLst>
+    <dgm:txEffectClrLst/>
+  </dgm:styleLbl>
+  <dgm:styleLbl name="parChTrans2D2">
+    <dgm:fillClrLst meth="repeat">
+      <a:schemeClr val="accent1"/>
+    </dgm:fillClrLst>
+    <dgm:linClrLst meth="repeat">
+      <a:schemeClr val="accent1"/>
+    </dgm:linClrLst>
+    <dgm:effectClrLst/>
+    <dgm:txLinClrLst/>
+    <dgm:txFillClrLst meth="repeat">
+      <a:schemeClr val="lt1"/>
+    </dgm:txFillClrLst>
+    <dgm:txEffectClrLst/>
+  </dgm:styleLbl>
+  <dgm:styleLbl name="parChTrans2D3">
+    <dgm:fillClrLst meth="repeat">
+      <a:schemeClr val="accent1"/>
+    </dgm:fillClrLst>
+    <dgm:linClrLst meth="repeat">
+      <a:schemeClr val="accent1"/>
+    </dgm:linClrLst>
+    <dgm:effectClrLst/>
+    <dgm:txLinClrLst/>
+    <dgm:txFillClrLst meth="repeat">
+      <a:schemeClr val="lt1"/>
+    </dgm:txFillClrLst>
+    <dgm:txEffectClrLst/>
+  </dgm:styleLbl>
+  <dgm:styleLbl name="parChTrans2D4">
+    <dgm:fillClrLst meth="repeat">
+      <a:schemeClr val="accent1"/>
+    </dgm:fillClrLst>
+    <dgm:linClrLst meth="repeat">
+      <a:schemeClr val="accent1"/>
+    </dgm:linClrLst>
+    <dgm:effectClrLst/>
+    <dgm:txLinClrLst/>
+    <dgm:txFillClrLst meth="repeat">
+      <a:schemeClr val="lt1"/>
+    </dgm:txFillClrLst>
+    <dgm:txEffectClrLst/>
+  </dgm:styleLbl>
+  <dgm:styleLbl name="parChTrans1D1">
+    <dgm:fillClrLst meth="repeat">
+      <a:schemeClr val="accent1"/>
+    </dgm:fillClrLst>
+    <dgm:linClrLst meth="repeat">
+      <a:schemeClr val="accent1">
+        <a:shade val="60000"/>
+      </a:schemeClr>
+    </dgm:linClrLst>
+    <dgm:effectClrLst/>
+    <dgm:txLinClrLst/>
+    <dgm:txFillClrLst meth="repeat">
+      <a:schemeClr val="tx1"/>
+    </dgm:txFillClrLst>
+    <dgm:txEffectClrLst/>
+  </dgm:styleLbl>
+  <dgm:styleLbl name="parChTrans1D2">
+    <dgm:fillClrLst meth="repeat">
+      <a:schemeClr val="accent1"/>
+    </dgm:fillClrLst>
+    <dgm:linClrLst meth="repeat">
+      <a:schemeClr val="accent1">
+        <a:shade val="60000"/>
+      </a:schemeClr>
+    </dgm:linClrLst>
+    <dgm:effectClrLst/>
+    <dgm:txLinClrLst/>
+    <dgm:txFillClrLst meth="repeat">
+      <a:schemeClr val="tx1"/>
+    </dgm:txFillClrLst>
+    <dgm:txEffectClrLst/>
+  </dgm:styleLbl>
+  <dgm:styleLbl name="parChTrans1D3">
+    <dgm:fillClrLst meth="repeat">
+      <a:schemeClr val="accent1"/>
+    </dgm:fillClrLst>
+    <dgm:linClrLst meth="repeat">
+      <a:schemeClr val="accent1">
+        <a:shade val="80000"/>
+      </a:schemeClr>
+    </dgm:linClrLst>
+    <dgm:effectClrLst/>
+    <dgm:txLinClrLst/>
+    <dgm:txFillClrLst meth="repeat">
+      <a:schemeClr val="tx1"/>
+    </dgm:txFillClrLst>
+    <dgm:txEffectClrLst/>
+  </dgm:styleLbl>
+  <dgm:styleLbl name="parChTrans1D4">
+    <dgm:fillClrLst meth="repeat">
+      <a:schemeClr val="accent1"/>
+    </dgm:fillClrLst>
+    <dgm:linClrLst meth="repeat">
+      <a:schemeClr val="accent1">
+        <a:shade val="80000"/>
+      </a:schemeClr>
+    </dgm:linClrLst>
+    <dgm:effectClrLst/>
+    <dgm:txLinClrLst/>
+    <dgm:txFillClrLst meth="repeat">
+      <a:schemeClr val="tx1"/>
+    </dgm:txFillClrLst>
+    <dgm:txEffectClrLst/>
+  </dgm:styleLbl>
+  <dgm:styleLbl name="fgAcc1">
+    <dgm:fillClrLst meth="repeat">
+      <a:schemeClr val="lt1">
+        <a:alpha val="90000"/>
+      </a:schemeClr>
+    </dgm:fillClrLst>
+    <dgm:linClrLst meth="repeat">
+      <a:schemeClr val="accent1"/>
+    </dgm:linClrLst>
+    <dgm:effectClrLst/>
+    <dgm:txLinClrLst/>
+    <dgm:txFillClrLst meth="repeat">
+      <a:schemeClr val="dk1"/>
+    </dgm:txFillClrLst>
+    <dgm:txEffectClrLst/>
+  </dgm:styleLbl>
+  <dgm:styleLbl name="conFgAcc1">
+    <dgm:fillClrLst meth="repeat">
+      <a:schemeClr val="lt1">
+        <a:alpha val="90000"/>
+      </a:schemeClr>
+    </dgm:fillClrLst>
+    <dgm:linClrLst meth="repeat">
+      <a:schemeClr val="accent1"/>
+    </dgm:linClrLst>
+    <dgm:effectClrLst/>
+    <dgm:txLinClrLst/>
+    <dgm:txFillClrLst meth="repeat">
+      <a:schemeClr val="dk1"/>
+    </dgm:txFillClrLst>
+    <dgm:txEffectClrLst/>
+  </dgm:styleLbl>
+  <dgm:styleLbl name="alignAcc1">
+    <dgm:fillClrLst meth="repeat">
+      <a:schemeClr val="lt1">
+        <a:alpha val="90000"/>
+      </a:schemeClr>
+    </dgm:fillClrLst>
+    <dgm:linClrLst meth="repeat">
+      <a:schemeClr val="accent1"/>
+    </dgm:linClrLst>
+    <dgm:effectClrLst/>
+    <dgm:txLinClrLst/>
+    <dgm:txFillClrLst meth="repeat">
+      <a:schemeClr val="dk1"/>
+    </dgm:txFillClrLst>
+    <dgm:txEffectClrLst/>
+  </dgm:styleLbl>
+  <dgm:styleLbl name="trAlignAcc1">
+    <dgm:fillClrLst meth="repeat">
+      <a:schemeClr val="lt1">
+        <a:alpha val="40000"/>
+      </a:schemeClr>
+    </dgm:fillClrLst>
+    <dgm:linClrLst meth="repeat">
+      <a:schemeClr val="accent1"/>
+    </dgm:linClrLst>
+    <dgm:effectClrLst/>
+    <dgm:txLinClrLst/>
+    <dgm:txFillClrLst meth="repeat">
+      <a:schemeClr val="dk1"/>
+    </dgm:txFillClrLst>
+    <dgm:txEffectClrLst/>
+  </dgm:styleLbl>
+  <dgm:styleLbl name="bgAcc1">
+    <dgm:fillClrLst meth="repeat">
+      <a:schemeClr val="lt1">
+        <a:alpha val="90000"/>
+      </a:schemeClr>
+    </dgm:fillClrLst>
+    <dgm:linClrLst meth="repeat">
+      <a:schemeClr val="accent1"/>
+    </dgm:linClrLst>
+    <dgm:effectClrLst/>
+    <dgm:txLinClrLst/>
+    <dgm:txFillClrLst meth="repeat">
+      <a:schemeClr val="dk1"/>
+    </dgm:txFillClrLst>
+    <dgm:txEffectClrLst/>
+  </dgm:styleLbl>
+  <dgm:styleLbl name="solidFgAcc1">
+    <dgm:fillClrLst meth="repeat">
+      <a:schemeClr val="lt1"/>
+    </dgm:fillClrLst>
+    <dgm:linClrLst meth="repeat">
+      <a:schemeClr val="accent1"/>
+    </dgm:linClrLst>
+    <dgm:effectClrLst/>
+    <dgm:txLinClrLst/>
+    <dgm:txFillClrLst meth="repeat">
+      <a:schemeClr val="dk1"/>
+    </dgm:txFillClrLst>
+    <dgm:txEffectClrLst/>
+  </dgm:styleLbl>
+  <dgm:styleLbl name="solidAlignAcc1">
+    <dgm:fillClrLst meth="repeat">
+      <a:schemeClr val="lt1"/>
+    </dgm:fillClrLst>
+    <dgm:linClrLst meth="repeat">
+      <a:schemeClr val="accent1"/>
+    </dgm:linClrLst>
+    <dgm:effectClrLst/>
+    <dgm:txLinClrLst/>
+    <dgm:txFillClrLst meth="repeat">
+      <a:schemeClr val="dk1"/>
+    </dgm:txFillClrLst>
+    <dgm:txEffectClrLst/>
+  </dgm:styleLbl>
+  <dgm:styleLbl name="solidBgAcc1">
+    <dgm:fillClrLst meth="repeat">
+      <a:schemeClr val="lt1"/>
+    </dgm:fillClrLst>
+    <dgm:linClrLst meth="repeat">
+      <a:schemeClr val="accent1"/>
+    </dgm:linClrLst>
+    <dgm:effectClrLst/>
+    <dgm:txLinClrLst/>
+    <dgm:txFillClrLst meth="repeat">
+      <a:schemeClr val="dk1"/>
+    </dgm:txFillClrLst>
+    <dgm:txEffectClrLst/>
+  </dgm:styleLbl>
+  <dgm:styleLbl name="fgAccFollowNode1">
+    <dgm:fillClrLst meth="repeat">
+      <a:schemeClr val="accent1">
+        <a:alpha val="90000"/>
+        <a:tint val="40000"/>
+      </a:schemeClr>
+    </dgm:fillClrLst>
+    <dgm:linClrLst meth="repeat">
+      <a:schemeClr val="accent1">
+        <a:alpha val="90000"/>
+        <a:tint val="40000"/>
+      </a:schemeClr>
+    </dgm:linClrLst>
+    <dgm:effectClrLst/>
+    <dgm:txLinClrLst/>
+    <dgm:txFillClrLst meth="repeat">
+      <a:schemeClr val="dk1"/>
+    </dgm:txFillClrLst>
+    <dgm:txEffectClrLst/>
+  </dgm:styleLbl>
+  <dgm:styleLbl name="alignAccFollowNode1">
+    <dgm:fillClrLst meth="repeat">
+      <a:schemeClr val="accent1">
+        <a:alpha val="90000"/>
+        <a:tint val="40000"/>
+      </a:schemeClr>
+    </dgm:fillClrLst>
+    <dgm:linClrLst meth="repeat">
+      <a:schemeClr val="accent1">
+        <a:alpha val="90000"/>
+        <a:tint val="40000"/>
+      </a:schemeClr>
+    </dgm:linClrLst>
+    <dgm:effectClrLst/>
+    <dgm:txLinClrLst/>
+    <dgm:txFillClrLst meth="repeat">
+      <a:schemeClr val="dk1"/>
+    </dgm:txFillClrLst>
+    <dgm:txEffectClrLst/>
+  </dgm:styleLbl>
+  <dgm:styleLbl name="bgAccFollowNode1">
+    <dgm:fillClrLst meth="repeat">
+      <a:schemeClr val="accent1">
+        <a:alpha val="90000"/>
+        <a:tint val="40000"/>
+      </a:schemeClr>
+    </dgm:fillClrLst>
+    <dgm:linClrLst meth="repeat">
+      <a:schemeClr val="accent1">
+        <a:alpha val="90000"/>
+        <a:tint val="40000"/>
+      </a:schemeClr>
+    </dgm:linClrLst>
+    <dgm:effectClrLst/>
+    <dgm:txLinClrLst/>
+    <dgm:txFillClrLst meth="repeat">
+      <a:schemeClr val="dk1"/>
+    </dgm:txFillClrLst>
+    <dgm:txEffectClrLst/>
+  </dgm:styleLbl>
+  <dgm:styleLbl name="fgAcc0">
+    <dgm:fillClrLst meth="repeat">
+      <a:schemeClr val="lt1">
+        <a:alpha val="90000"/>
+      </a:schemeClr>
+    </dgm:fillClrLst>
+    <dgm:linClrLst meth="repeat">
+      <a:schemeClr val="accent1"/>
+    </dgm:linClrLst>
+    <dgm:effectClrLst/>
+    <dgm:txLinClrLst/>
+    <dgm:txFillClrLst meth="repeat">
+      <a:schemeClr val="dk1"/>
+    </dgm:txFillClrLst>
+    <dgm:txEffectClrLst/>
+  </dgm:styleLbl>
+  <dgm:styleLbl name="fgAcc2">
+    <dgm:fillClrLst meth="repeat">
+      <a:schemeClr val="lt1">
+        <a:alpha val="90000"/>
+      </a:schemeClr>
+    </dgm:fillClrLst>
+    <dgm:linClrLst meth="repeat">
+      <a:schemeClr val="accent1"/>
+    </dgm:linClrLst>
+    <dgm:effectClrLst/>
+    <dgm:txLinClrLst/>
+    <dgm:txFillClrLst meth="repeat">
+      <a:schemeClr val="dk1"/>
+    </dgm:txFillClrLst>
+    <dgm:txEffectClrLst/>
+  </dgm:styleLbl>
+  <dgm:styleLbl name="fgAcc3">
+    <dgm:fillClrLst meth="repeat">
+      <a:schemeClr val="lt1">
+        <a:alpha val="90000"/>
+      </a:schemeClr>
+    </dgm:fillClrLst>
+    <dgm:linClrLst meth="repeat">
+      <a:schemeClr val="accent1"/>
+    </dgm:linClrLst>
+    <dgm:effectClrLst/>
+    <dgm:txLinClrLst/>
+    <dgm:txFillClrLst meth="repeat">
+      <a:schemeClr val="dk1"/>
+    </dgm:txFillClrLst>
+    <dgm:txEffectClrLst/>
+  </dgm:styleLbl>
+  <dgm:styleLbl name="fgAcc4">
+    <dgm:fillClrLst meth="repeat">
+      <a:schemeClr val="lt1">
+        <a:alpha val="90000"/>
+      </a:schemeClr>
+    </dgm:fillClrLst>
+    <dgm:linClrLst meth="repeat">
+      <a:schemeClr val="accent1"/>
+    </dgm:linClrLst>
+    <dgm:effectClrLst/>
+    <dgm:txLinClrLst/>
+    <dgm:txFillClrLst meth="repeat">
+      <a:schemeClr val="dk1"/>
+    </dgm:txFillClrLst>
+    <dgm:txEffectClrLst/>
+  </dgm:styleLbl>
+  <dgm:styleLbl name="bgShp">
+    <dgm:fillClrLst meth="repeat">
+      <a:schemeClr val="accent1">
+        <a:tint val="40000"/>
+      </a:schemeClr>
+    </dgm:fillClrLst>
+    <dgm:linClrLst meth="repeat">
+      <a:schemeClr val="accent1"/>
+    </dgm:linClrLst>
+    <dgm:effectClrLst/>
+    <dgm:txLinClrLst/>
+    <dgm:txFillClrLst meth="repeat">
+      <a:schemeClr val="dk1"/>
+    </dgm:txFillClrLst>
+    <dgm:txEffectClrLst/>
+  </dgm:styleLbl>
+  <dgm:styleLbl name="dkBgShp">
+    <dgm:fillClrLst meth="repeat">
+      <a:schemeClr val="accent1">
+        <a:shade val="80000"/>
+      </a:schemeClr>
+    </dgm:fillClrLst>
+    <dgm:linClrLst meth="repeat">
+      <a:schemeClr val="accent1"/>
+    </dgm:linClrLst>
+    <dgm:effectClrLst/>
+    <dgm:txLinClrLst/>
+    <dgm:txFillClrLst meth="repeat">
+      <a:schemeClr val="lt1"/>
+    </dgm:txFillClrLst>
+    <dgm:txEffectClrLst/>
+  </dgm:styleLbl>
+  <dgm:styleLbl name="trBgShp">
+    <dgm:fillClrLst meth="repeat">
+      <a:schemeClr val="accent1">
+        <a:tint val="50000"/>
+        <a:alpha val="40000"/>
+      </a:schemeClr>
+    </dgm:fillClrLst>
+    <dgm:linClrLst meth="repeat">
+      <a:schemeClr val="accent1"/>
+    </dgm:linClrLst>
+    <dgm:effectClrLst/>
+    <dgm:txLinClrLst/>
+    <dgm:txFillClrLst meth="repeat">
+      <a:schemeClr val="lt1"/>
+    </dgm:txFillClrLst>
+    <dgm:txEffectClrLst/>
+  </dgm:styleLbl>
+  <dgm:styleLbl name="fgShp">
+    <dgm:fillClrLst meth="repeat">
+      <a:schemeClr val="accent1">
+        <a:tint val="60000"/>
+      </a:schemeClr>
+    </dgm:fillClrLst>
+    <dgm:linClrLst meth="repeat">
+      <a:schemeClr val="lt1"/>
+    </dgm:linClrLst>
+    <dgm:effectClrLst/>
+    <dgm:txLinClrLst/>
+    <dgm:txFillClrLst meth="repeat">
+      <a:schemeClr val="dk1"/>
+    </dgm:txFillClrLst>
+    <dgm:txEffectClrLst/>
+  </dgm:styleLbl>
+  <dgm:styleLbl name="revTx">
+    <dgm:fillClrLst meth="repeat">
+      <a:schemeClr val="lt1">
+        <a:alpha val="0"/>
+      </a:schemeClr>
+    </dgm:fillClrLst>
+    <dgm:linClrLst meth="repeat">
+      <a:schemeClr val="dk1">
+        <a:alpha val="0"/>
+      </a:schemeClr>
+    </dgm:linClrLst>
+    <dgm:effectClrLst/>
+    <dgm:txLinClrLst/>
+    <dgm:txFillClrLst meth="repeat">
+      <a:schemeClr val="tx1"/>
+    </dgm:txFillClrLst>
+    <dgm:txEffectClrLst/>
+  </dgm:styleLbl>
+</dgm:colorsDef>
+</file>
+
 <file path=ppt/diagrams/data1.xml><?xml version="1.0" encoding="utf-8"?>
 <dgm:dataModel xmlns:dgm="http://schemas.openxmlformats.org/drawingml/2006/diagram" xmlns:a="http://schemas.openxmlformats.org/drawingml/2006/main">
   <dgm:ptLst>
@@ -3328,6 +4080,279 @@
   <dgm:extLst>
     <a:ext uri="http://schemas.microsoft.com/office/drawing/2008/diagram">
       <dsp:dataModelExt xmlns:dsp="http://schemas.microsoft.com/office/drawing/2008/diagram" relId="rId6" minVer="http://schemas.openxmlformats.org/drawingml/2006/diagram"/>
+    </a:ext>
+  </dgm:extLst>
+</dgm:dataModel>
+</file>
+
+<file path=ppt/diagrams/data3.xml><?xml version="1.0" encoding="utf-8"?>
+<dgm:dataModel xmlns:dgm="http://schemas.openxmlformats.org/drawingml/2006/diagram" xmlns:a="http://schemas.openxmlformats.org/drawingml/2006/main">
+  <dgm:ptLst>
+    <dgm:pt modelId="{A55EB740-896E-7D42-878C-4210AB2086B1}" type="doc">
+      <dgm:prSet loTypeId="urn:microsoft.com/office/officeart/2005/8/layout/cycle2" loCatId="" qsTypeId="urn:microsoft.com/office/officeart/2005/8/quickstyle/simple1" qsCatId="simple" csTypeId="urn:microsoft.com/office/officeart/2005/8/colors/accent1_2" csCatId="accent1" phldr="1"/>
+      <dgm:spPr/>
+      <dgm:t>
+        <a:bodyPr/>
+        <a:lstStyle/>
+        <a:p>
+          <a:endParaRPr lang="en-US"/>
+        </a:p>
+      </dgm:t>
+    </dgm:pt>
+    <dgm:pt modelId="{E4F5DF52-7909-494D-814C-BC101ACE636B}">
+      <dgm:prSet phldrT="[Text]"/>
+      <dgm:spPr/>
+      <dgm:t>
+        <a:bodyPr/>
+        <a:lstStyle/>
+        <a:p>
+          <a:r>
+            <a:rPr lang="en-US" dirty="0"/>
+            <a:t>Predict</a:t>
+          </a:r>
+        </a:p>
+      </dgm:t>
+    </dgm:pt>
+    <dgm:pt modelId="{B203E34B-F97F-D745-B8B3-F8CA21AB399F}" type="parTrans" cxnId="{F833D7DD-CD78-CA49-AD3B-7015AE382949}">
+      <dgm:prSet/>
+      <dgm:spPr/>
+      <dgm:t>
+        <a:bodyPr/>
+        <a:lstStyle/>
+        <a:p>
+          <a:endParaRPr lang="en-US"/>
+        </a:p>
+      </dgm:t>
+    </dgm:pt>
+    <dgm:pt modelId="{707DE678-6D05-2F4C-8113-7CDB632D5A6E}" type="sibTrans" cxnId="{F833D7DD-CD78-CA49-AD3B-7015AE382949}">
+      <dgm:prSet/>
+      <dgm:spPr/>
+      <dgm:t>
+        <a:bodyPr/>
+        <a:lstStyle/>
+        <a:p>
+          <a:endParaRPr lang="en-US"/>
+        </a:p>
+      </dgm:t>
+    </dgm:pt>
+    <dgm:pt modelId="{424A83DA-5EBC-7C4E-83F9-D7EE19BFED6A}">
+      <dgm:prSet phldrT="[Text]"/>
+      <dgm:spPr/>
+      <dgm:t>
+        <a:bodyPr/>
+        <a:lstStyle/>
+        <a:p>
+          <a:r>
+            <a:rPr lang="en-US" dirty="0"/>
+            <a:t>Adjust</a:t>
+          </a:r>
+        </a:p>
+      </dgm:t>
+    </dgm:pt>
+    <dgm:pt modelId="{1A61BD71-B86A-F04B-9D52-7145087AD8F8}" type="parTrans" cxnId="{C0BE6477-16CC-8F4C-819F-58F7AAF01C2D}">
+      <dgm:prSet/>
+      <dgm:spPr/>
+      <dgm:t>
+        <a:bodyPr/>
+        <a:lstStyle/>
+        <a:p>
+          <a:endParaRPr lang="en-US"/>
+        </a:p>
+      </dgm:t>
+    </dgm:pt>
+    <dgm:pt modelId="{6A394645-E7D1-194D-96AF-F3E3A9BF0EAF}" type="sibTrans" cxnId="{C0BE6477-16CC-8F4C-819F-58F7AAF01C2D}">
+      <dgm:prSet/>
+      <dgm:spPr/>
+      <dgm:t>
+        <a:bodyPr/>
+        <a:lstStyle/>
+        <a:p>
+          <a:endParaRPr lang="en-US"/>
+        </a:p>
+      </dgm:t>
+    </dgm:pt>
+    <dgm:pt modelId="{EB356138-E4ED-094F-916A-EB5E7AACA4A6}">
+      <dgm:prSet phldrT="[Text]"/>
+      <dgm:spPr/>
+      <dgm:t>
+        <a:bodyPr/>
+        <a:lstStyle/>
+        <a:p>
+          <a:r>
+            <a:rPr lang="en-US" dirty="0"/>
+            <a:t>Repeat</a:t>
+          </a:r>
+        </a:p>
+      </dgm:t>
+    </dgm:pt>
+    <dgm:pt modelId="{5FC44679-F4F7-AC49-A21E-40A0DA18A8D6}" type="parTrans" cxnId="{DE20E057-3261-9A49-B55A-FBF72036B274}">
+      <dgm:prSet/>
+      <dgm:spPr/>
+      <dgm:t>
+        <a:bodyPr/>
+        <a:lstStyle/>
+        <a:p>
+          <a:endParaRPr lang="en-US"/>
+        </a:p>
+      </dgm:t>
+    </dgm:pt>
+    <dgm:pt modelId="{245955F1-86A1-E743-827A-5479BD0D3B7F}" type="sibTrans" cxnId="{DE20E057-3261-9A49-B55A-FBF72036B274}">
+      <dgm:prSet/>
+      <dgm:spPr/>
+      <dgm:t>
+        <a:bodyPr/>
+        <a:lstStyle/>
+        <a:p>
+          <a:endParaRPr lang="en-US"/>
+        </a:p>
+      </dgm:t>
+    </dgm:pt>
+    <dgm:pt modelId="{AA91E068-01A6-7745-9752-C6CF7819A819}">
+      <dgm:prSet phldrT="[Text]"/>
+      <dgm:spPr/>
+      <dgm:t>
+        <a:bodyPr/>
+        <a:lstStyle/>
+        <a:p>
+          <a:r>
+            <a:rPr lang="en-US" dirty="0"/>
+            <a:t>Compare</a:t>
+          </a:r>
+        </a:p>
+      </dgm:t>
+    </dgm:pt>
+    <dgm:pt modelId="{0ED7241B-07CA-D54E-9855-338D8A961CDE}" type="parTrans" cxnId="{B86E084E-B356-E545-92A3-CD29C4EBE52D}">
+      <dgm:prSet/>
+      <dgm:spPr/>
+      <dgm:t>
+        <a:bodyPr/>
+        <a:lstStyle/>
+        <a:p>
+          <a:endParaRPr lang="en-US"/>
+        </a:p>
+      </dgm:t>
+    </dgm:pt>
+    <dgm:pt modelId="{0864B823-B755-4C49-BA00-F8606686DE51}" type="sibTrans" cxnId="{B86E084E-B356-E545-92A3-CD29C4EBE52D}">
+      <dgm:prSet/>
+      <dgm:spPr/>
+      <dgm:t>
+        <a:bodyPr/>
+        <a:lstStyle/>
+        <a:p>
+          <a:endParaRPr lang="en-US"/>
+        </a:p>
+      </dgm:t>
+    </dgm:pt>
+    <dgm:pt modelId="{87FCDBCA-71C0-2545-8BF6-3C6D116BAC60}" type="pres">
+      <dgm:prSet presAssocID="{A55EB740-896E-7D42-878C-4210AB2086B1}" presName="cycle" presStyleCnt="0">
+        <dgm:presLayoutVars>
+          <dgm:dir/>
+          <dgm:resizeHandles val="exact"/>
+        </dgm:presLayoutVars>
+      </dgm:prSet>
+      <dgm:spPr/>
+    </dgm:pt>
+    <dgm:pt modelId="{EA148D37-122D-0144-810F-7AD3FF8126D8}" type="pres">
+      <dgm:prSet presAssocID="{E4F5DF52-7909-494D-814C-BC101ACE636B}" presName="node" presStyleLbl="node1" presStyleIdx="0" presStyleCnt="4">
+        <dgm:presLayoutVars>
+          <dgm:bulletEnabled val="1"/>
+        </dgm:presLayoutVars>
+      </dgm:prSet>
+      <dgm:spPr/>
+    </dgm:pt>
+    <dgm:pt modelId="{BCC64E17-5830-9C45-9EC1-313D69F285F6}" type="pres">
+      <dgm:prSet presAssocID="{707DE678-6D05-2F4C-8113-7CDB632D5A6E}" presName="sibTrans" presStyleLbl="sibTrans2D1" presStyleIdx="0" presStyleCnt="4"/>
+      <dgm:spPr/>
+    </dgm:pt>
+    <dgm:pt modelId="{651B721B-7455-8943-B30F-1C4F6FCF3EBC}" type="pres">
+      <dgm:prSet presAssocID="{707DE678-6D05-2F4C-8113-7CDB632D5A6E}" presName="connectorText" presStyleLbl="sibTrans2D1" presStyleIdx="0" presStyleCnt="4"/>
+      <dgm:spPr/>
+    </dgm:pt>
+    <dgm:pt modelId="{930B1214-45A8-4345-962C-D229D3BD8304}" type="pres">
+      <dgm:prSet presAssocID="{AA91E068-01A6-7745-9752-C6CF7819A819}" presName="node" presStyleLbl="node1" presStyleIdx="1" presStyleCnt="4">
+        <dgm:presLayoutVars>
+          <dgm:bulletEnabled val="1"/>
+        </dgm:presLayoutVars>
+      </dgm:prSet>
+      <dgm:spPr/>
+    </dgm:pt>
+    <dgm:pt modelId="{675550ED-1612-D44C-ADC1-15F26EC024ED}" type="pres">
+      <dgm:prSet presAssocID="{0864B823-B755-4C49-BA00-F8606686DE51}" presName="sibTrans" presStyleLbl="sibTrans2D1" presStyleIdx="1" presStyleCnt="4"/>
+      <dgm:spPr/>
+    </dgm:pt>
+    <dgm:pt modelId="{EBE2E745-AD18-5843-AB63-3320B864F846}" type="pres">
+      <dgm:prSet presAssocID="{0864B823-B755-4C49-BA00-F8606686DE51}" presName="connectorText" presStyleLbl="sibTrans2D1" presStyleIdx="1" presStyleCnt="4"/>
+      <dgm:spPr/>
+    </dgm:pt>
+    <dgm:pt modelId="{0E6D6DF9-5035-9C48-BECF-BBA43C8953C0}" type="pres">
+      <dgm:prSet presAssocID="{424A83DA-5EBC-7C4E-83F9-D7EE19BFED6A}" presName="node" presStyleLbl="node1" presStyleIdx="2" presStyleCnt="4">
+        <dgm:presLayoutVars>
+          <dgm:bulletEnabled val="1"/>
+        </dgm:presLayoutVars>
+      </dgm:prSet>
+      <dgm:spPr/>
+    </dgm:pt>
+    <dgm:pt modelId="{2E876A35-7965-CD47-83CD-F5E4B773C953}" type="pres">
+      <dgm:prSet presAssocID="{6A394645-E7D1-194D-96AF-F3E3A9BF0EAF}" presName="sibTrans" presStyleLbl="sibTrans2D1" presStyleIdx="2" presStyleCnt="4"/>
+      <dgm:spPr/>
+    </dgm:pt>
+    <dgm:pt modelId="{B7AFA242-601E-BF40-9955-1692C02768D6}" type="pres">
+      <dgm:prSet presAssocID="{6A394645-E7D1-194D-96AF-F3E3A9BF0EAF}" presName="connectorText" presStyleLbl="sibTrans2D1" presStyleIdx="2" presStyleCnt="4"/>
+      <dgm:spPr/>
+    </dgm:pt>
+    <dgm:pt modelId="{9AE5E994-76C8-744A-98C4-5CF942A8C955}" type="pres">
+      <dgm:prSet presAssocID="{EB356138-E4ED-094F-916A-EB5E7AACA4A6}" presName="node" presStyleLbl="node1" presStyleIdx="3" presStyleCnt="4">
+        <dgm:presLayoutVars>
+          <dgm:bulletEnabled val="1"/>
+        </dgm:presLayoutVars>
+      </dgm:prSet>
+      <dgm:spPr/>
+    </dgm:pt>
+    <dgm:pt modelId="{BF8D1A83-EBD0-8647-904E-32FC923D814A}" type="pres">
+      <dgm:prSet presAssocID="{245955F1-86A1-E743-827A-5479BD0D3B7F}" presName="sibTrans" presStyleLbl="sibTrans2D1" presStyleIdx="3" presStyleCnt="4"/>
+      <dgm:spPr/>
+    </dgm:pt>
+    <dgm:pt modelId="{4FB5E443-EFEB-DB4C-A79F-88FEF53F79F9}" type="pres">
+      <dgm:prSet presAssocID="{245955F1-86A1-E743-827A-5479BD0D3B7F}" presName="connectorText" presStyleLbl="sibTrans2D1" presStyleIdx="3" presStyleCnt="4"/>
+      <dgm:spPr/>
+    </dgm:pt>
+  </dgm:ptLst>
+  <dgm:cxnLst>
+    <dgm:cxn modelId="{7BA56002-BCEA-2043-9D79-C6309D1FF5D6}" type="presOf" srcId="{EB356138-E4ED-094F-916A-EB5E7AACA4A6}" destId="{9AE5E994-76C8-744A-98C4-5CF942A8C955}" srcOrd="0" destOrd="0" presId="urn:microsoft.com/office/officeart/2005/8/layout/cycle2"/>
+    <dgm:cxn modelId="{7B0A782F-08AF-BF44-AE5D-2A2E9AE94F0C}" type="presOf" srcId="{0864B823-B755-4C49-BA00-F8606686DE51}" destId="{675550ED-1612-D44C-ADC1-15F26EC024ED}" srcOrd="0" destOrd="0" presId="urn:microsoft.com/office/officeart/2005/8/layout/cycle2"/>
+    <dgm:cxn modelId="{B86E084E-B356-E545-92A3-CD29C4EBE52D}" srcId="{A55EB740-896E-7D42-878C-4210AB2086B1}" destId="{AA91E068-01A6-7745-9752-C6CF7819A819}" srcOrd="1" destOrd="0" parTransId="{0ED7241B-07CA-D54E-9855-338D8A961CDE}" sibTransId="{0864B823-B755-4C49-BA00-F8606686DE51}"/>
+    <dgm:cxn modelId="{EE7E3B4E-204D-C646-B022-FF3C031C5467}" type="presOf" srcId="{707DE678-6D05-2F4C-8113-7CDB632D5A6E}" destId="{651B721B-7455-8943-B30F-1C4F6FCF3EBC}" srcOrd="1" destOrd="0" presId="urn:microsoft.com/office/officeart/2005/8/layout/cycle2"/>
+    <dgm:cxn modelId="{1AFE8B4F-E4BF-EE4F-B80E-6507EAC144AF}" type="presOf" srcId="{245955F1-86A1-E743-827A-5479BD0D3B7F}" destId="{4FB5E443-EFEB-DB4C-A79F-88FEF53F79F9}" srcOrd="1" destOrd="0" presId="urn:microsoft.com/office/officeart/2005/8/layout/cycle2"/>
+    <dgm:cxn modelId="{AF931054-2803-4E42-ACEE-D9C54B768506}" type="presOf" srcId="{E4F5DF52-7909-494D-814C-BC101ACE636B}" destId="{EA148D37-122D-0144-810F-7AD3FF8126D8}" srcOrd="0" destOrd="0" presId="urn:microsoft.com/office/officeart/2005/8/layout/cycle2"/>
+    <dgm:cxn modelId="{DE20E057-3261-9A49-B55A-FBF72036B274}" srcId="{A55EB740-896E-7D42-878C-4210AB2086B1}" destId="{EB356138-E4ED-094F-916A-EB5E7AACA4A6}" srcOrd="3" destOrd="0" parTransId="{5FC44679-F4F7-AC49-A21E-40A0DA18A8D6}" sibTransId="{245955F1-86A1-E743-827A-5479BD0D3B7F}"/>
+    <dgm:cxn modelId="{C0BE6477-16CC-8F4C-819F-58F7AAF01C2D}" srcId="{A55EB740-896E-7D42-878C-4210AB2086B1}" destId="{424A83DA-5EBC-7C4E-83F9-D7EE19BFED6A}" srcOrd="2" destOrd="0" parTransId="{1A61BD71-B86A-F04B-9D52-7145087AD8F8}" sibTransId="{6A394645-E7D1-194D-96AF-F3E3A9BF0EAF}"/>
+    <dgm:cxn modelId="{A491B892-F246-A74C-B517-0852CFC6DD61}" type="presOf" srcId="{0864B823-B755-4C49-BA00-F8606686DE51}" destId="{EBE2E745-AD18-5843-AB63-3320B864F846}" srcOrd="1" destOrd="0" presId="urn:microsoft.com/office/officeart/2005/8/layout/cycle2"/>
+    <dgm:cxn modelId="{18934C9F-B081-CB45-A65D-D312C73B8E22}" type="presOf" srcId="{AA91E068-01A6-7745-9752-C6CF7819A819}" destId="{930B1214-45A8-4345-962C-D229D3BD8304}" srcOrd="0" destOrd="0" presId="urn:microsoft.com/office/officeart/2005/8/layout/cycle2"/>
+    <dgm:cxn modelId="{E9A3E2A1-ED9F-CE41-9B34-A30F8000F87F}" type="presOf" srcId="{A55EB740-896E-7D42-878C-4210AB2086B1}" destId="{87FCDBCA-71C0-2545-8BF6-3C6D116BAC60}" srcOrd="0" destOrd="0" presId="urn:microsoft.com/office/officeart/2005/8/layout/cycle2"/>
+    <dgm:cxn modelId="{412928CC-A0EB-094A-8324-D593EB085905}" type="presOf" srcId="{707DE678-6D05-2F4C-8113-7CDB632D5A6E}" destId="{BCC64E17-5830-9C45-9EC1-313D69F285F6}" srcOrd="0" destOrd="0" presId="urn:microsoft.com/office/officeart/2005/8/layout/cycle2"/>
+    <dgm:cxn modelId="{D9337DCD-2E5F-E94F-BFCA-3DC0E48DD7D9}" type="presOf" srcId="{6A394645-E7D1-194D-96AF-F3E3A9BF0EAF}" destId="{2E876A35-7965-CD47-83CD-F5E4B773C953}" srcOrd="0" destOrd="0" presId="urn:microsoft.com/office/officeart/2005/8/layout/cycle2"/>
+    <dgm:cxn modelId="{DB5650D8-9502-4F42-ADBF-8D7C193C856E}" type="presOf" srcId="{424A83DA-5EBC-7C4E-83F9-D7EE19BFED6A}" destId="{0E6D6DF9-5035-9C48-BECF-BBA43C8953C0}" srcOrd="0" destOrd="0" presId="urn:microsoft.com/office/officeart/2005/8/layout/cycle2"/>
+    <dgm:cxn modelId="{F833D7DD-CD78-CA49-AD3B-7015AE382949}" srcId="{A55EB740-896E-7D42-878C-4210AB2086B1}" destId="{E4F5DF52-7909-494D-814C-BC101ACE636B}" srcOrd="0" destOrd="0" parTransId="{B203E34B-F97F-D745-B8B3-F8CA21AB399F}" sibTransId="{707DE678-6D05-2F4C-8113-7CDB632D5A6E}"/>
+    <dgm:cxn modelId="{9DB310F0-EF6A-024A-9C0F-343530A90D81}" type="presOf" srcId="{6A394645-E7D1-194D-96AF-F3E3A9BF0EAF}" destId="{B7AFA242-601E-BF40-9955-1692C02768D6}" srcOrd="1" destOrd="0" presId="urn:microsoft.com/office/officeart/2005/8/layout/cycle2"/>
+    <dgm:cxn modelId="{A68D9AF5-79DB-4249-8714-0D0B5108E7E2}" type="presOf" srcId="{245955F1-86A1-E743-827A-5479BD0D3B7F}" destId="{BF8D1A83-EBD0-8647-904E-32FC923D814A}" srcOrd="0" destOrd="0" presId="urn:microsoft.com/office/officeart/2005/8/layout/cycle2"/>
+    <dgm:cxn modelId="{34C355AE-ADE4-3B4F-8C13-9EC18AC1DBDF}" type="presParOf" srcId="{87FCDBCA-71C0-2545-8BF6-3C6D116BAC60}" destId="{EA148D37-122D-0144-810F-7AD3FF8126D8}" srcOrd="0" destOrd="0" presId="urn:microsoft.com/office/officeart/2005/8/layout/cycle2"/>
+    <dgm:cxn modelId="{FCA46C53-F2A0-D041-8A89-4B91FAE6E376}" type="presParOf" srcId="{87FCDBCA-71C0-2545-8BF6-3C6D116BAC60}" destId="{BCC64E17-5830-9C45-9EC1-313D69F285F6}" srcOrd="1" destOrd="0" presId="urn:microsoft.com/office/officeart/2005/8/layout/cycle2"/>
+    <dgm:cxn modelId="{6B22C630-747D-9E40-A95B-E8F9A8FD2423}" type="presParOf" srcId="{BCC64E17-5830-9C45-9EC1-313D69F285F6}" destId="{651B721B-7455-8943-B30F-1C4F6FCF3EBC}" srcOrd="0" destOrd="0" presId="urn:microsoft.com/office/officeart/2005/8/layout/cycle2"/>
+    <dgm:cxn modelId="{2207AE71-53C6-E440-8282-2C2D8BD5D934}" type="presParOf" srcId="{87FCDBCA-71C0-2545-8BF6-3C6D116BAC60}" destId="{930B1214-45A8-4345-962C-D229D3BD8304}" srcOrd="2" destOrd="0" presId="urn:microsoft.com/office/officeart/2005/8/layout/cycle2"/>
+    <dgm:cxn modelId="{9D3263EF-20D2-D347-84EE-A91991274B0A}" type="presParOf" srcId="{87FCDBCA-71C0-2545-8BF6-3C6D116BAC60}" destId="{675550ED-1612-D44C-ADC1-15F26EC024ED}" srcOrd="3" destOrd="0" presId="urn:microsoft.com/office/officeart/2005/8/layout/cycle2"/>
+    <dgm:cxn modelId="{17499FC4-E5CB-974E-B805-D8532A3B7011}" type="presParOf" srcId="{675550ED-1612-D44C-ADC1-15F26EC024ED}" destId="{EBE2E745-AD18-5843-AB63-3320B864F846}" srcOrd="0" destOrd="0" presId="urn:microsoft.com/office/officeart/2005/8/layout/cycle2"/>
+    <dgm:cxn modelId="{9E77BD1E-5BE5-524F-AAD8-FDCEA9C44150}" type="presParOf" srcId="{87FCDBCA-71C0-2545-8BF6-3C6D116BAC60}" destId="{0E6D6DF9-5035-9C48-BECF-BBA43C8953C0}" srcOrd="4" destOrd="0" presId="urn:microsoft.com/office/officeart/2005/8/layout/cycle2"/>
+    <dgm:cxn modelId="{6B590144-2C47-E24D-9E04-1B69726C3CD2}" type="presParOf" srcId="{87FCDBCA-71C0-2545-8BF6-3C6D116BAC60}" destId="{2E876A35-7965-CD47-83CD-F5E4B773C953}" srcOrd="5" destOrd="0" presId="urn:microsoft.com/office/officeart/2005/8/layout/cycle2"/>
+    <dgm:cxn modelId="{1AFF19EA-2579-D54F-82B4-CA113168675D}" type="presParOf" srcId="{2E876A35-7965-CD47-83CD-F5E4B773C953}" destId="{B7AFA242-601E-BF40-9955-1692C02768D6}" srcOrd="0" destOrd="0" presId="urn:microsoft.com/office/officeart/2005/8/layout/cycle2"/>
+    <dgm:cxn modelId="{C708EBB2-29C0-604E-8BFA-B87DA9716897}" type="presParOf" srcId="{87FCDBCA-71C0-2545-8BF6-3C6D116BAC60}" destId="{9AE5E994-76C8-744A-98C4-5CF942A8C955}" srcOrd="6" destOrd="0" presId="urn:microsoft.com/office/officeart/2005/8/layout/cycle2"/>
+    <dgm:cxn modelId="{B902815F-EB14-0944-A1C2-8E5A286820BA}" type="presParOf" srcId="{87FCDBCA-71C0-2545-8BF6-3C6D116BAC60}" destId="{BF8D1A83-EBD0-8647-904E-32FC923D814A}" srcOrd="7" destOrd="0" presId="urn:microsoft.com/office/officeart/2005/8/layout/cycle2"/>
+    <dgm:cxn modelId="{5FCCEF9A-039B-B94A-B2C9-BA1C16C19A07}" type="presParOf" srcId="{BF8D1A83-EBD0-8647-904E-32FC923D814A}" destId="{4FB5E443-EFEB-DB4C-A79F-88FEF53F79F9}" srcOrd="0" destOrd="0" presId="urn:microsoft.com/office/officeart/2005/8/layout/cycle2"/>
+  </dgm:cxnLst>
+  <dgm:bg/>
+  <dgm:whole/>
+  <dgm:extLst>
+    <a:ext uri="http://schemas.microsoft.com/office/drawing/2008/diagram">
+      <dsp:dataModelExt xmlns:dsp="http://schemas.microsoft.com/office/drawing/2008/diagram" relId="rId7" minVer="http://schemas.openxmlformats.org/drawingml/2006/diagram"/>
     </a:ext>
   </dgm:extLst>
 </dgm:dataModel>
@@ -4101,6 +5126,606 @@
       <dsp:txXfrm>
         <a:off x="5991994" y="690431"/>
         <a:ext cx="787945" cy="787945"/>
+      </dsp:txXfrm>
+    </dsp:sp>
+  </dsp:spTree>
+</dsp:drawing>
+</file>
+
+<file path=ppt/diagrams/drawing3.xml><?xml version="1.0" encoding="utf-8"?>
+<dsp:drawing xmlns:dgm="http://schemas.openxmlformats.org/drawingml/2006/diagram" xmlns:dsp="http://schemas.microsoft.com/office/drawing/2008/diagram" xmlns:a="http://schemas.openxmlformats.org/drawingml/2006/main">
+  <dsp:spTree>
+    <dsp:nvGrpSpPr>
+      <dsp:cNvPr id="0" name=""/>
+      <dsp:cNvGrpSpPr/>
+    </dsp:nvGrpSpPr>
+    <dsp:grpSpPr/>
+    <dsp:sp modelId="{EA148D37-122D-0144-810F-7AD3FF8126D8}">
+      <dsp:nvSpPr>
+        <dsp:cNvPr id="0" name=""/>
+        <dsp:cNvSpPr/>
+      </dsp:nvSpPr>
+      <dsp:spPr>
+        <a:xfrm>
+          <a:off x="1182914" y="307113"/>
+          <a:ext cx="1114930" cy="1114930"/>
+        </a:xfrm>
+        <a:prstGeom prst="ellipse">
+          <a:avLst/>
+        </a:prstGeom>
+        <a:solidFill>
+          <a:schemeClr val="accent1">
+            <a:hueOff val="0"/>
+            <a:satOff val="0"/>
+            <a:lumOff val="0"/>
+            <a:alphaOff val="0"/>
+          </a:schemeClr>
+        </a:solidFill>
+        <a:ln w="25400" cap="flat" cmpd="sng" algn="ctr">
+          <a:solidFill>
+            <a:schemeClr val="lt1">
+              <a:hueOff val="0"/>
+              <a:satOff val="0"/>
+              <a:lumOff val="0"/>
+              <a:alphaOff val="0"/>
+            </a:schemeClr>
+          </a:solidFill>
+          <a:prstDash val="solid"/>
+        </a:ln>
+        <a:effectLst/>
+      </dsp:spPr>
+      <dsp:style>
+        <a:lnRef idx="2">
+          <a:scrgbClr r="0" g="0" b="0"/>
+        </a:lnRef>
+        <a:fillRef idx="1">
+          <a:scrgbClr r="0" g="0" b="0"/>
+        </a:fillRef>
+        <a:effectRef idx="0">
+          <a:scrgbClr r="0" g="0" b="0"/>
+        </a:effectRef>
+        <a:fontRef idx="minor">
+          <a:schemeClr val="lt1"/>
+        </a:fontRef>
+      </dsp:style>
+      <dsp:txBody>
+        <a:bodyPr spcFirstLastPara="0" vert="horz" wrap="square" lIns="16510" tIns="16510" rIns="16510" bIns="16510" numCol="1" spcCol="1270" anchor="ctr" anchorCtr="0">
+          <a:noAutofit/>
+        </a:bodyPr>
+        <a:lstStyle/>
+        <a:p>
+          <a:pPr marL="0" lvl="0" indent="0" algn="ctr" defTabSz="577850">
+            <a:lnSpc>
+              <a:spcPct val="90000"/>
+            </a:lnSpc>
+            <a:spcBef>
+              <a:spcPct val="0"/>
+            </a:spcBef>
+            <a:spcAft>
+              <a:spcPct val="35000"/>
+            </a:spcAft>
+            <a:buNone/>
+          </a:pPr>
+          <a:r>
+            <a:rPr lang="en-US" sz="1300" kern="1200" dirty="0"/>
+            <a:t>Predict</a:t>
+          </a:r>
+        </a:p>
+      </dsp:txBody>
+      <dsp:txXfrm>
+        <a:off x="1346192" y="470391"/>
+        <a:ext cx="788374" cy="788374"/>
+      </dsp:txXfrm>
+    </dsp:sp>
+    <dsp:sp modelId="{BCC64E17-5830-9C45-9EC1-313D69F285F6}">
+      <dsp:nvSpPr>
+        <dsp:cNvPr id="0" name=""/>
+        <dsp:cNvSpPr/>
+      </dsp:nvSpPr>
+      <dsp:spPr>
+        <a:xfrm rot="2700000">
+          <a:off x="2178047" y="1261926"/>
+          <a:ext cx="295647" cy="376289"/>
+        </a:xfrm>
+        <a:prstGeom prst="rightArrow">
+          <a:avLst>
+            <a:gd name="adj1" fmla="val 60000"/>
+            <a:gd name="adj2" fmla="val 50000"/>
+          </a:avLst>
+        </a:prstGeom>
+        <a:solidFill>
+          <a:schemeClr val="accent1">
+            <a:tint val="60000"/>
+            <a:hueOff val="0"/>
+            <a:satOff val="0"/>
+            <a:lumOff val="0"/>
+            <a:alphaOff val="0"/>
+          </a:schemeClr>
+        </a:solidFill>
+        <a:ln>
+          <a:noFill/>
+        </a:ln>
+        <a:effectLst/>
+      </dsp:spPr>
+      <dsp:style>
+        <a:lnRef idx="0">
+          <a:scrgbClr r="0" g="0" b="0"/>
+        </a:lnRef>
+        <a:fillRef idx="1">
+          <a:scrgbClr r="0" g="0" b="0"/>
+        </a:fillRef>
+        <a:effectRef idx="0">
+          <a:scrgbClr r="0" g="0" b="0"/>
+        </a:effectRef>
+        <a:fontRef idx="minor">
+          <a:schemeClr val="lt1"/>
+        </a:fontRef>
+      </dsp:style>
+      <dsp:txBody>
+        <a:bodyPr spcFirstLastPara="0" vert="horz" wrap="square" lIns="0" tIns="0" rIns="0" bIns="0" numCol="1" spcCol="1270" anchor="ctr" anchorCtr="0">
+          <a:noAutofit/>
+        </a:bodyPr>
+        <a:lstStyle/>
+        <a:p>
+          <a:pPr marL="0" lvl="0" indent="0" algn="ctr" defTabSz="488950">
+            <a:lnSpc>
+              <a:spcPct val="90000"/>
+            </a:lnSpc>
+            <a:spcBef>
+              <a:spcPct val="0"/>
+            </a:spcBef>
+            <a:spcAft>
+              <a:spcPct val="35000"/>
+            </a:spcAft>
+            <a:buNone/>
+          </a:pPr>
+          <a:endParaRPr lang="en-US" sz="1100" kern="1200"/>
+        </a:p>
+      </dsp:txBody>
+      <dsp:txXfrm>
+        <a:off x="2191036" y="1305826"/>
+        <a:ext cx="206953" cy="225773"/>
+      </dsp:txXfrm>
+    </dsp:sp>
+    <dsp:sp modelId="{930B1214-45A8-4345-962C-D229D3BD8304}">
+      <dsp:nvSpPr>
+        <dsp:cNvPr id="0" name=""/>
+        <dsp:cNvSpPr/>
+      </dsp:nvSpPr>
+      <dsp:spPr>
+        <a:xfrm>
+          <a:off x="2365731" y="1489930"/>
+          <a:ext cx="1114930" cy="1114930"/>
+        </a:xfrm>
+        <a:prstGeom prst="ellipse">
+          <a:avLst/>
+        </a:prstGeom>
+        <a:solidFill>
+          <a:schemeClr val="accent1">
+            <a:hueOff val="0"/>
+            <a:satOff val="0"/>
+            <a:lumOff val="0"/>
+            <a:alphaOff val="0"/>
+          </a:schemeClr>
+        </a:solidFill>
+        <a:ln w="25400" cap="flat" cmpd="sng" algn="ctr">
+          <a:solidFill>
+            <a:schemeClr val="lt1">
+              <a:hueOff val="0"/>
+              <a:satOff val="0"/>
+              <a:lumOff val="0"/>
+              <a:alphaOff val="0"/>
+            </a:schemeClr>
+          </a:solidFill>
+          <a:prstDash val="solid"/>
+        </a:ln>
+        <a:effectLst/>
+      </dsp:spPr>
+      <dsp:style>
+        <a:lnRef idx="2">
+          <a:scrgbClr r="0" g="0" b="0"/>
+        </a:lnRef>
+        <a:fillRef idx="1">
+          <a:scrgbClr r="0" g="0" b="0"/>
+        </a:fillRef>
+        <a:effectRef idx="0">
+          <a:scrgbClr r="0" g="0" b="0"/>
+        </a:effectRef>
+        <a:fontRef idx="minor">
+          <a:schemeClr val="lt1"/>
+        </a:fontRef>
+      </dsp:style>
+      <dsp:txBody>
+        <a:bodyPr spcFirstLastPara="0" vert="horz" wrap="square" lIns="16510" tIns="16510" rIns="16510" bIns="16510" numCol="1" spcCol="1270" anchor="ctr" anchorCtr="0">
+          <a:noAutofit/>
+        </a:bodyPr>
+        <a:lstStyle/>
+        <a:p>
+          <a:pPr marL="0" lvl="0" indent="0" algn="ctr" defTabSz="577850">
+            <a:lnSpc>
+              <a:spcPct val="90000"/>
+            </a:lnSpc>
+            <a:spcBef>
+              <a:spcPct val="0"/>
+            </a:spcBef>
+            <a:spcAft>
+              <a:spcPct val="35000"/>
+            </a:spcAft>
+            <a:buNone/>
+          </a:pPr>
+          <a:r>
+            <a:rPr lang="en-US" sz="1300" kern="1200" dirty="0"/>
+            <a:t>Compare</a:t>
+          </a:r>
+        </a:p>
+      </dsp:txBody>
+      <dsp:txXfrm>
+        <a:off x="2529009" y="1653208"/>
+        <a:ext cx="788374" cy="788374"/>
+      </dsp:txXfrm>
+    </dsp:sp>
+    <dsp:sp modelId="{675550ED-1612-D44C-ADC1-15F26EC024ED}">
+      <dsp:nvSpPr>
+        <dsp:cNvPr id="0" name=""/>
+        <dsp:cNvSpPr/>
+      </dsp:nvSpPr>
+      <dsp:spPr>
+        <a:xfrm rot="8100000">
+          <a:off x="2189880" y="2444743"/>
+          <a:ext cx="295647" cy="376289"/>
+        </a:xfrm>
+        <a:prstGeom prst="rightArrow">
+          <a:avLst>
+            <a:gd name="adj1" fmla="val 60000"/>
+            <a:gd name="adj2" fmla="val 50000"/>
+          </a:avLst>
+        </a:prstGeom>
+        <a:solidFill>
+          <a:schemeClr val="accent1">
+            <a:tint val="60000"/>
+            <a:hueOff val="0"/>
+            <a:satOff val="0"/>
+            <a:lumOff val="0"/>
+            <a:alphaOff val="0"/>
+          </a:schemeClr>
+        </a:solidFill>
+        <a:ln>
+          <a:noFill/>
+        </a:ln>
+        <a:effectLst/>
+      </dsp:spPr>
+      <dsp:style>
+        <a:lnRef idx="0">
+          <a:scrgbClr r="0" g="0" b="0"/>
+        </a:lnRef>
+        <a:fillRef idx="1">
+          <a:scrgbClr r="0" g="0" b="0"/>
+        </a:fillRef>
+        <a:effectRef idx="0">
+          <a:scrgbClr r="0" g="0" b="0"/>
+        </a:effectRef>
+        <a:fontRef idx="minor">
+          <a:schemeClr val="lt1"/>
+        </a:fontRef>
+      </dsp:style>
+      <dsp:txBody>
+        <a:bodyPr spcFirstLastPara="0" vert="horz" wrap="square" lIns="0" tIns="0" rIns="0" bIns="0" numCol="1" spcCol="1270" anchor="ctr" anchorCtr="0">
+          <a:noAutofit/>
+        </a:bodyPr>
+        <a:lstStyle/>
+        <a:p>
+          <a:pPr marL="0" lvl="0" indent="0" algn="ctr" defTabSz="488950">
+            <a:lnSpc>
+              <a:spcPct val="90000"/>
+            </a:lnSpc>
+            <a:spcBef>
+              <a:spcPct val="0"/>
+            </a:spcBef>
+            <a:spcAft>
+              <a:spcPct val="35000"/>
+            </a:spcAft>
+            <a:buNone/>
+          </a:pPr>
+          <a:endParaRPr lang="en-US" sz="1100" kern="1200"/>
+        </a:p>
+      </dsp:txBody>
+      <dsp:txXfrm rot="10800000">
+        <a:off x="2265585" y="2488643"/>
+        <a:ext cx="206953" cy="225773"/>
+      </dsp:txXfrm>
+    </dsp:sp>
+    <dsp:sp modelId="{0E6D6DF9-5035-9C48-BECF-BBA43C8953C0}">
+      <dsp:nvSpPr>
+        <dsp:cNvPr id="0" name=""/>
+        <dsp:cNvSpPr/>
+      </dsp:nvSpPr>
+      <dsp:spPr>
+        <a:xfrm>
+          <a:off x="1182914" y="2672747"/>
+          <a:ext cx="1114930" cy="1114930"/>
+        </a:xfrm>
+        <a:prstGeom prst="ellipse">
+          <a:avLst/>
+        </a:prstGeom>
+        <a:solidFill>
+          <a:schemeClr val="accent1">
+            <a:hueOff val="0"/>
+            <a:satOff val="0"/>
+            <a:lumOff val="0"/>
+            <a:alphaOff val="0"/>
+          </a:schemeClr>
+        </a:solidFill>
+        <a:ln w="25400" cap="flat" cmpd="sng" algn="ctr">
+          <a:solidFill>
+            <a:schemeClr val="lt1">
+              <a:hueOff val="0"/>
+              <a:satOff val="0"/>
+              <a:lumOff val="0"/>
+              <a:alphaOff val="0"/>
+            </a:schemeClr>
+          </a:solidFill>
+          <a:prstDash val="solid"/>
+        </a:ln>
+        <a:effectLst/>
+      </dsp:spPr>
+      <dsp:style>
+        <a:lnRef idx="2">
+          <a:scrgbClr r="0" g="0" b="0"/>
+        </a:lnRef>
+        <a:fillRef idx="1">
+          <a:scrgbClr r="0" g="0" b="0"/>
+        </a:fillRef>
+        <a:effectRef idx="0">
+          <a:scrgbClr r="0" g="0" b="0"/>
+        </a:effectRef>
+        <a:fontRef idx="minor">
+          <a:schemeClr val="lt1"/>
+        </a:fontRef>
+      </dsp:style>
+      <dsp:txBody>
+        <a:bodyPr spcFirstLastPara="0" vert="horz" wrap="square" lIns="16510" tIns="16510" rIns="16510" bIns="16510" numCol="1" spcCol="1270" anchor="ctr" anchorCtr="0">
+          <a:noAutofit/>
+        </a:bodyPr>
+        <a:lstStyle/>
+        <a:p>
+          <a:pPr marL="0" lvl="0" indent="0" algn="ctr" defTabSz="577850">
+            <a:lnSpc>
+              <a:spcPct val="90000"/>
+            </a:lnSpc>
+            <a:spcBef>
+              <a:spcPct val="0"/>
+            </a:spcBef>
+            <a:spcAft>
+              <a:spcPct val="35000"/>
+            </a:spcAft>
+            <a:buNone/>
+          </a:pPr>
+          <a:r>
+            <a:rPr lang="en-US" sz="1300" kern="1200" dirty="0"/>
+            <a:t>Adjust</a:t>
+          </a:r>
+        </a:p>
+      </dsp:txBody>
+      <dsp:txXfrm>
+        <a:off x="1346192" y="2836025"/>
+        <a:ext cx="788374" cy="788374"/>
+      </dsp:txXfrm>
+    </dsp:sp>
+    <dsp:sp modelId="{2E876A35-7965-CD47-83CD-F5E4B773C953}">
+      <dsp:nvSpPr>
+        <dsp:cNvPr id="0" name=""/>
+        <dsp:cNvSpPr/>
+      </dsp:nvSpPr>
+      <dsp:spPr>
+        <a:xfrm rot="13500000">
+          <a:off x="1007063" y="2456576"/>
+          <a:ext cx="295647" cy="376289"/>
+        </a:xfrm>
+        <a:prstGeom prst="rightArrow">
+          <a:avLst>
+            <a:gd name="adj1" fmla="val 60000"/>
+            <a:gd name="adj2" fmla="val 50000"/>
+          </a:avLst>
+        </a:prstGeom>
+        <a:solidFill>
+          <a:schemeClr val="accent1">
+            <a:tint val="60000"/>
+            <a:hueOff val="0"/>
+            <a:satOff val="0"/>
+            <a:lumOff val="0"/>
+            <a:alphaOff val="0"/>
+          </a:schemeClr>
+        </a:solidFill>
+        <a:ln>
+          <a:noFill/>
+        </a:ln>
+        <a:effectLst/>
+      </dsp:spPr>
+      <dsp:style>
+        <a:lnRef idx="0">
+          <a:scrgbClr r="0" g="0" b="0"/>
+        </a:lnRef>
+        <a:fillRef idx="1">
+          <a:scrgbClr r="0" g="0" b="0"/>
+        </a:fillRef>
+        <a:effectRef idx="0">
+          <a:scrgbClr r="0" g="0" b="0"/>
+        </a:effectRef>
+        <a:fontRef idx="minor">
+          <a:schemeClr val="lt1"/>
+        </a:fontRef>
+      </dsp:style>
+      <dsp:txBody>
+        <a:bodyPr spcFirstLastPara="0" vert="horz" wrap="square" lIns="0" tIns="0" rIns="0" bIns="0" numCol="1" spcCol="1270" anchor="ctr" anchorCtr="0">
+          <a:noAutofit/>
+        </a:bodyPr>
+        <a:lstStyle/>
+        <a:p>
+          <a:pPr marL="0" lvl="0" indent="0" algn="ctr" defTabSz="488950">
+            <a:lnSpc>
+              <a:spcPct val="90000"/>
+            </a:lnSpc>
+            <a:spcBef>
+              <a:spcPct val="0"/>
+            </a:spcBef>
+            <a:spcAft>
+              <a:spcPct val="35000"/>
+            </a:spcAft>
+            <a:buNone/>
+          </a:pPr>
+          <a:endParaRPr lang="en-US" sz="1100" kern="1200"/>
+        </a:p>
+      </dsp:txBody>
+      <dsp:txXfrm rot="10800000">
+        <a:off x="1082768" y="2563192"/>
+        <a:ext cx="206953" cy="225773"/>
+      </dsp:txXfrm>
+    </dsp:sp>
+    <dsp:sp modelId="{9AE5E994-76C8-744A-98C4-5CF942A8C955}">
+      <dsp:nvSpPr>
+        <dsp:cNvPr id="0" name=""/>
+        <dsp:cNvSpPr/>
+      </dsp:nvSpPr>
+      <dsp:spPr>
+        <a:xfrm>
+          <a:off x="97" y="1489930"/>
+          <a:ext cx="1114930" cy="1114930"/>
+        </a:xfrm>
+        <a:prstGeom prst="ellipse">
+          <a:avLst/>
+        </a:prstGeom>
+        <a:solidFill>
+          <a:schemeClr val="accent1">
+            <a:hueOff val="0"/>
+            <a:satOff val="0"/>
+            <a:lumOff val="0"/>
+            <a:alphaOff val="0"/>
+          </a:schemeClr>
+        </a:solidFill>
+        <a:ln w="25400" cap="flat" cmpd="sng" algn="ctr">
+          <a:solidFill>
+            <a:schemeClr val="lt1">
+              <a:hueOff val="0"/>
+              <a:satOff val="0"/>
+              <a:lumOff val="0"/>
+              <a:alphaOff val="0"/>
+            </a:schemeClr>
+          </a:solidFill>
+          <a:prstDash val="solid"/>
+        </a:ln>
+        <a:effectLst/>
+      </dsp:spPr>
+      <dsp:style>
+        <a:lnRef idx="2">
+          <a:scrgbClr r="0" g="0" b="0"/>
+        </a:lnRef>
+        <a:fillRef idx="1">
+          <a:scrgbClr r="0" g="0" b="0"/>
+        </a:fillRef>
+        <a:effectRef idx="0">
+          <a:scrgbClr r="0" g="0" b="0"/>
+        </a:effectRef>
+        <a:fontRef idx="minor">
+          <a:schemeClr val="lt1"/>
+        </a:fontRef>
+      </dsp:style>
+      <dsp:txBody>
+        <a:bodyPr spcFirstLastPara="0" vert="horz" wrap="square" lIns="16510" tIns="16510" rIns="16510" bIns="16510" numCol="1" spcCol="1270" anchor="ctr" anchorCtr="0">
+          <a:noAutofit/>
+        </a:bodyPr>
+        <a:lstStyle/>
+        <a:p>
+          <a:pPr marL="0" lvl="0" indent="0" algn="ctr" defTabSz="577850">
+            <a:lnSpc>
+              <a:spcPct val="90000"/>
+            </a:lnSpc>
+            <a:spcBef>
+              <a:spcPct val="0"/>
+            </a:spcBef>
+            <a:spcAft>
+              <a:spcPct val="35000"/>
+            </a:spcAft>
+            <a:buNone/>
+          </a:pPr>
+          <a:r>
+            <a:rPr lang="en-US" sz="1300" kern="1200" dirty="0"/>
+            <a:t>Repeat</a:t>
+          </a:r>
+        </a:p>
+      </dsp:txBody>
+      <dsp:txXfrm>
+        <a:off x="163375" y="1653208"/>
+        <a:ext cx="788374" cy="788374"/>
+      </dsp:txXfrm>
+    </dsp:sp>
+    <dsp:sp modelId="{BF8D1A83-EBD0-8647-904E-32FC923D814A}">
+      <dsp:nvSpPr>
+        <dsp:cNvPr id="0" name=""/>
+        <dsp:cNvSpPr/>
+      </dsp:nvSpPr>
+      <dsp:spPr>
+        <a:xfrm rot="18900000">
+          <a:off x="995230" y="1273759"/>
+          <a:ext cx="295647" cy="376289"/>
+        </a:xfrm>
+        <a:prstGeom prst="rightArrow">
+          <a:avLst>
+            <a:gd name="adj1" fmla="val 60000"/>
+            <a:gd name="adj2" fmla="val 50000"/>
+          </a:avLst>
+        </a:prstGeom>
+        <a:solidFill>
+          <a:schemeClr val="accent1">
+            <a:tint val="60000"/>
+            <a:hueOff val="0"/>
+            <a:satOff val="0"/>
+            <a:lumOff val="0"/>
+            <a:alphaOff val="0"/>
+          </a:schemeClr>
+        </a:solidFill>
+        <a:ln>
+          <a:noFill/>
+        </a:ln>
+        <a:effectLst/>
+      </dsp:spPr>
+      <dsp:style>
+        <a:lnRef idx="0">
+          <a:scrgbClr r="0" g="0" b="0"/>
+        </a:lnRef>
+        <a:fillRef idx="1">
+          <a:scrgbClr r="0" g="0" b="0"/>
+        </a:fillRef>
+        <a:effectRef idx="0">
+          <a:scrgbClr r="0" g="0" b="0"/>
+        </a:effectRef>
+        <a:fontRef idx="minor">
+          <a:schemeClr val="lt1"/>
+        </a:fontRef>
+      </dsp:style>
+      <dsp:txBody>
+        <a:bodyPr spcFirstLastPara="0" vert="horz" wrap="square" lIns="0" tIns="0" rIns="0" bIns="0" numCol="1" spcCol="1270" anchor="ctr" anchorCtr="0">
+          <a:noAutofit/>
+        </a:bodyPr>
+        <a:lstStyle/>
+        <a:p>
+          <a:pPr marL="0" lvl="0" indent="0" algn="ctr" defTabSz="488950">
+            <a:lnSpc>
+              <a:spcPct val="90000"/>
+            </a:lnSpc>
+            <a:spcBef>
+              <a:spcPct val="0"/>
+            </a:spcBef>
+            <a:spcAft>
+              <a:spcPct val="35000"/>
+            </a:spcAft>
+            <a:buNone/>
+          </a:pPr>
+          <a:endParaRPr lang="en-US" sz="1100" kern="1200"/>
+        </a:p>
+      </dsp:txBody>
+      <dsp:txXfrm>
+        <a:off x="1008219" y="1380375"/>
+        <a:ext cx="206953" cy="225773"/>
       </dsp:txXfrm>
     </dsp:sp>
   </dsp:spTree>
@@ -5137,6 +6762,217 @@
 </dgm:layoutDef>
 </file>
 
+<file path=ppt/diagrams/layout3.xml><?xml version="1.0" encoding="utf-8"?>
+<dgm:layoutDef xmlns:dgm="http://schemas.openxmlformats.org/drawingml/2006/diagram" xmlns:a="http://schemas.openxmlformats.org/drawingml/2006/main" uniqueId="urn:microsoft.com/office/officeart/2005/8/layout/cycle2">
+  <dgm:title val=""/>
+  <dgm:desc val=""/>
+  <dgm:catLst>
+    <dgm:cat type="cycle" pri="1000"/>
+    <dgm:cat type="convert" pri="10000"/>
+  </dgm:catLst>
+  <dgm:sampData>
+    <dgm:dataModel>
+      <dgm:ptLst>
+        <dgm:pt modelId="0" type="doc"/>
+        <dgm:pt modelId="1">
+          <dgm:prSet phldr="1"/>
+        </dgm:pt>
+        <dgm:pt modelId="2">
+          <dgm:prSet phldr="1"/>
+        </dgm:pt>
+        <dgm:pt modelId="3">
+          <dgm:prSet phldr="1"/>
+        </dgm:pt>
+        <dgm:pt modelId="4">
+          <dgm:prSet phldr="1"/>
+        </dgm:pt>
+        <dgm:pt modelId="5">
+          <dgm:prSet phldr="1"/>
+        </dgm:pt>
+      </dgm:ptLst>
+      <dgm:cxnLst>
+        <dgm:cxn modelId="6" srcId="0" destId="1" srcOrd="0" destOrd="0"/>
+        <dgm:cxn modelId="7" srcId="0" destId="2" srcOrd="1" destOrd="0"/>
+        <dgm:cxn modelId="8" srcId="0" destId="3" srcOrd="2" destOrd="0"/>
+        <dgm:cxn modelId="9" srcId="0" destId="4" srcOrd="3" destOrd="0"/>
+        <dgm:cxn modelId="10" srcId="0" destId="5" srcOrd="4" destOrd="0"/>
+      </dgm:cxnLst>
+      <dgm:bg/>
+      <dgm:whole/>
+    </dgm:dataModel>
+  </dgm:sampData>
+  <dgm:styleData>
+    <dgm:dataModel>
+      <dgm:ptLst>
+        <dgm:pt modelId="0" type="doc"/>
+        <dgm:pt modelId="1"/>
+        <dgm:pt modelId="2"/>
+        <dgm:pt modelId="3"/>
+      </dgm:ptLst>
+      <dgm:cxnLst>
+        <dgm:cxn modelId="4" srcId="0" destId="1" srcOrd="0" destOrd="0"/>
+        <dgm:cxn modelId="5" srcId="0" destId="2" srcOrd="1" destOrd="0"/>
+        <dgm:cxn modelId="6" srcId="0" destId="3" srcOrd="2" destOrd="0"/>
+      </dgm:cxnLst>
+      <dgm:bg/>
+      <dgm:whole/>
+    </dgm:dataModel>
+  </dgm:styleData>
+  <dgm:clrData>
+    <dgm:dataModel>
+      <dgm:ptLst>
+        <dgm:pt modelId="0" type="doc"/>
+        <dgm:pt modelId="1"/>
+        <dgm:pt modelId="2"/>
+        <dgm:pt modelId="3"/>
+        <dgm:pt modelId="4"/>
+        <dgm:pt modelId="5"/>
+        <dgm:pt modelId="6"/>
+      </dgm:ptLst>
+      <dgm:cxnLst>
+        <dgm:cxn modelId="7" srcId="0" destId="1" srcOrd="0" destOrd="0"/>
+        <dgm:cxn modelId="8" srcId="0" destId="2" srcOrd="1" destOrd="0"/>
+        <dgm:cxn modelId="9" srcId="0" destId="3" srcOrd="2" destOrd="0"/>
+        <dgm:cxn modelId="10" srcId="0" destId="4" srcOrd="3" destOrd="0"/>
+        <dgm:cxn modelId="11" srcId="0" destId="5" srcOrd="4" destOrd="0"/>
+        <dgm:cxn modelId="12" srcId="0" destId="6" srcOrd="5" destOrd="0"/>
+      </dgm:cxnLst>
+      <dgm:bg/>
+      <dgm:whole/>
+    </dgm:dataModel>
+  </dgm:clrData>
+  <dgm:layoutNode name="cycle">
+    <dgm:varLst>
+      <dgm:dir/>
+      <dgm:resizeHandles val="exact"/>
+    </dgm:varLst>
+    <dgm:choose name="Name0">
+      <dgm:if name="Name1" func="var" arg="dir" op="equ" val="norm">
+        <dgm:choose name="Name2">
+          <dgm:if name="Name3" axis="ch" ptType="node" func="cnt" op="gt" val="2">
+            <dgm:alg type="cycle">
+              <dgm:param type="stAng" val="0"/>
+              <dgm:param type="spanAng" val="360"/>
+            </dgm:alg>
+          </dgm:if>
+          <dgm:else name="Name4">
+            <dgm:alg type="cycle">
+              <dgm:param type="stAng" val="-90"/>
+              <dgm:param type="spanAng" val="360"/>
+            </dgm:alg>
+          </dgm:else>
+        </dgm:choose>
+      </dgm:if>
+      <dgm:else name="Name5">
+        <dgm:choose name="Name6">
+          <dgm:if name="Name7" axis="ch" ptType="node" func="cnt" op="gt" val="2">
+            <dgm:alg type="cycle">
+              <dgm:param type="stAng" val="0"/>
+              <dgm:param type="spanAng" val="-360"/>
+            </dgm:alg>
+          </dgm:if>
+          <dgm:else name="Name8">
+            <dgm:alg type="cycle">
+              <dgm:param type="stAng" val="90"/>
+              <dgm:param type="spanAng" val="-360"/>
+            </dgm:alg>
+          </dgm:else>
+        </dgm:choose>
+      </dgm:else>
+    </dgm:choose>
+    <dgm:shape xmlns:r="http://schemas.openxmlformats.org/officeDocument/2006/relationships" r:blip="">
+      <dgm:adjLst/>
+    </dgm:shape>
+    <dgm:presOf/>
+    <dgm:constrLst>
+      <dgm:constr type="w" for="ch" ptType="node" refType="w"/>
+      <dgm:constr type="w" for="ch" ptType="sibTrans" refType="w" refFor="ch" refPtType="node" op="equ" fact="0.25"/>
+      <dgm:constr type="sibSp" refType="w" refFor="ch" refPtType="node" fact="0.5"/>
+      <dgm:constr type="primFontSz" for="ch" ptType="node" op="equ" val="65"/>
+      <dgm:constr type="primFontSz" for="des" forName="connectorText" op="equ" val="55"/>
+      <dgm:constr type="primFontSz" for="des" forName="connectorText" refType="primFontSz" refFor="ch" refPtType="node" op="lte" fact="0.8"/>
+    </dgm:constrLst>
+    <dgm:ruleLst/>
+    <dgm:forEach name="nodesForEach" axis="ch" ptType="node">
+      <dgm:layoutNode name="node">
+        <dgm:varLst>
+          <dgm:bulletEnabled val="1"/>
+        </dgm:varLst>
+        <dgm:alg type="tx">
+          <dgm:param type="txAnchorVertCh" val="mid"/>
+        </dgm:alg>
+        <dgm:shape xmlns:r="http://schemas.openxmlformats.org/officeDocument/2006/relationships" type="ellipse" r:blip="">
+          <dgm:adjLst/>
+        </dgm:shape>
+        <dgm:presOf axis="desOrSelf" ptType="node"/>
+        <dgm:constrLst>
+          <dgm:constr type="h" refType="w"/>
+          <dgm:constr type="lMarg" refType="primFontSz" fact="0.1"/>
+          <dgm:constr type="rMarg" refType="primFontSz" fact="0.1"/>
+          <dgm:constr type="tMarg" refType="primFontSz" fact="0.1"/>
+          <dgm:constr type="bMarg" refType="primFontSz" fact="0.1"/>
+        </dgm:constrLst>
+        <dgm:ruleLst>
+          <dgm:rule type="primFontSz" val="5" fact="NaN" max="NaN"/>
+        </dgm:ruleLst>
+      </dgm:layoutNode>
+      <dgm:choose name="Name9">
+        <dgm:if name="Name10" axis="par ch" ptType="doc node" func="cnt" op="gt" val="1">
+          <dgm:forEach name="sibTransForEach" axis="followSib" ptType="sibTrans" hideLastTrans="0" cnt="1">
+            <dgm:layoutNode name="sibTrans">
+              <dgm:choose name="Name11">
+                <dgm:if name="Name12" axis="par ch" ptType="doc node" func="cnt" op="lt" val="3">
+                  <dgm:alg type="conn">
+                    <dgm:param type="begPts" val="radial"/>
+                    <dgm:param type="endPts" val="radial"/>
+                  </dgm:alg>
+                </dgm:if>
+                <dgm:else name="Name13">
+                  <dgm:alg type="conn">
+                    <dgm:param type="begPts" val="auto"/>
+                    <dgm:param type="endPts" val="auto"/>
+                  </dgm:alg>
+                </dgm:else>
+              </dgm:choose>
+              <dgm:shape xmlns:r="http://schemas.openxmlformats.org/officeDocument/2006/relationships" type="conn" r:blip="">
+                <dgm:adjLst/>
+              </dgm:shape>
+              <dgm:presOf axis="self"/>
+              <dgm:constrLst>
+                <dgm:constr type="h" refType="w" fact="1.35"/>
+                <dgm:constr type="connDist"/>
+                <dgm:constr type="w" for="ch" refType="connDist" fact="0.45"/>
+                <dgm:constr type="h" for="ch" refType="h"/>
+              </dgm:constrLst>
+              <dgm:ruleLst/>
+              <dgm:layoutNode name="connectorText">
+                <dgm:alg type="tx">
+                  <dgm:param type="autoTxRot" val="grav"/>
+                </dgm:alg>
+                <dgm:shape xmlns:r="http://schemas.openxmlformats.org/officeDocument/2006/relationships" type="conn" r:blip="" hideGeom="1">
+                  <dgm:adjLst/>
+                </dgm:shape>
+                <dgm:presOf axis="self"/>
+                <dgm:constrLst>
+                  <dgm:constr type="lMarg"/>
+                  <dgm:constr type="rMarg"/>
+                  <dgm:constr type="tMarg"/>
+                  <dgm:constr type="bMarg"/>
+                </dgm:constrLst>
+                <dgm:ruleLst>
+                  <dgm:rule type="primFontSz" val="5" fact="NaN" max="NaN"/>
+                </dgm:ruleLst>
+              </dgm:layoutNode>
+            </dgm:layoutNode>
+          </dgm:forEach>
+        </dgm:if>
+        <dgm:else name="Name14"/>
+      </dgm:choose>
+    </dgm:forEach>
+  </dgm:layoutNode>
+</dgm:layoutDef>
+</file>
+
 <file path=ppt/diagrams/quickStyle1.xml><?xml version="1.0" encoding="utf-8"?>
 <dgm:styleDef xmlns:dgm="http://schemas.openxmlformats.org/drawingml/2006/diagram" xmlns:a="http://schemas.openxmlformats.org/drawingml/2006/main" uniqueId="urn:microsoft.com/office/officeart/2005/8/quickstyle/simple1">
   <dgm:title val=""/>
@@ -6172,6 +8008,1040 @@
 </file>
 
 <file path=ppt/diagrams/quickStyle2.xml><?xml version="1.0" encoding="utf-8"?>
+<dgm:styleDef xmlns:dgm="http://schemas.openxmlformats.org/drawingml/2006/diagram" xmlns:a="http://schemas.openxmlformats.org/drawingml/2006/main" uniqueId="urn:microsoft.com/office/officeart/2005/8/quickstyle/simple1">
+  <dgm:title val=""/>
+  <dgm:desc val=""/>
+  <dgm:catLst>
+    <dgm:cat type="simple" pri="10100"/>
+  </dgm:catLst>
+  <dgm:scene3d>
+    <a:camera prst="orthographicFront"/>
+    <a:lightRig rig="threePt" dir="t"/>
+  </dgm:scene3d>
+  <dgm:styleLbl name="node0">
+    <dgm:scene3d>
+      <a:camera prst="orthographicFront"/>
+      <a:lightRig rig="threePt" dir="t"/>
+    </dgm:scene3d>
+    <dgm:sp3d/>
+    <dgm:txPr/>
+    <dgm:style>
+      <a:lnRef idx="2">
+        <a:scrgbClr r="0" g="0" b="0"/>
+      </a:lnRef>
+      <a:fillRef idx="1">
+        <a:scrgbClr r="0" g="0" b="0"/>
+      </a:fillRef>
+      <a:effectRef idx="0">
+        <a:scrgbClr r="0" g="0" b="0"/>
+      </a:effectRef>
+      <a:fontRef idx="minor">
+        <a:schemeClr val="lt1"/>
+      </a:fontRef>
+    </dgm:style>
+  </dgm:styleLbl>
+  <dgm:styleLbl name="lnNode1">
+    <dgm:scene3d>
+      <a:camera prst="orthographicFront"/>
+      <a:lightRig rig="threePt" dir="t"/>
+    </dgm:scene3d>
+    <dgm:sp3d/>
+    <dgm:txPr/>
+    <dgm:style>
+      <a:lnRef idx="2">
+        <a:scrgbClr r="0" g="0" b="0"/>
+      </a:lnRef>
+      <a:fillRef idx="1">
+        <a:scrgbClr r="0" g="0" b="0"/>
+      </a:fillRef>
+      <a:effectRef idx="0">
+        <a:scrgbClr r="0" g="0" b="0"/>
+      </a:effectRef>
+      <a:fontRef idx="minor">
+        <a:schemeClr val="lt1"/>
+      </a:fontRef>
+    </dgm:style>
+  </dgm:styleLbl>
+  <dgm:styleLbl name="vennNode1">
+    <dgm:scene3d>
+      <a:camera prst="orthographicFront"/>
+      <a:lightRig rig="threePt" dir="t"/>
+    </dgm:scene3d>
+    <dgm:sp3d/>
+    <dgm:txPr/>
+    <dgm:style>
+      <a:lnRef idx="2">
+        <a:scrgbClr r="0" g="0" b="0"/>
+      </a:lnRef>
+      <a:fillRef idx="1">
+        <a:scrgbClr r="0" g="0" b="0"/>
+      </a:fillRef>
+      <a:effectRef idx="0">
+        <a:scrgbClr r="0" g="0" b="0"/>
+      </a:effectRef>
+      <a:fontRef idx="minor">
+        <a:schemeClr val="tx1"/>
+      </a:fontRef>
+    </dgm:style>
+  </dgm:styleLbl>
+  <dgm:styleLbl name="alignNode1">
+    <dgm:scene3d>
+      <a:camera prst="orthographicFront"/>
+      <a:lightRig rig="threePt" dir="t"/>
+    </dgm:scene3d>
+    <dgm:sp3d/>
+    <dgm:txPr/>
+    <dgm:style>
+      <a:lnRef idx="2">
+        <a:scrgbClr r="0" g="0" b="0"/>
+      </a:lnRef>
+      <a:fillRef idx="1">
+        <a:scrgbClr r="0" g="0" b="0"/>
+      </a:fillRef>
+      <a:effectRef idx="0">
+        <a:scrgbClr r="0" g="0" b="0"/>
+      </a:effectRef>
+      <a:fontRef idx="minor">
+        <a:schemeClr val="lt1"/>
+      </a:fontRef>
+    </dgm:style>
+  </dgm:styleLbl>
+  <dgm:styleLbl name="node1">
+    <dgm:scene3d>
+      <a:camera prst="orthographicFront"/>
+      <a:lightRig rig="threePt" dir="t"/>
+    </dgm:scene3d>
+    <dgm:sp3d/>
+    <dgm:txPr/>
+    <dgm:style>
+      <a:lnRef idx="2">
+        <a:scrgbClr r="0" g="0" b="0"/>
+      </a:lnRef>
+      <a:fillRef idx="1">
+        <a:scrgbClr r="0" g="0" b="0"/>
+      </a:fillRef>
+      <a:effectRef idx="0">
+        <a:scrgbClr r="0" g="0" b="0"/>
+      </a:effectRef>
+      <a:fontRef idx="minor">
+        <a:schemeClr val="lt1"/>
+      </a:fontRef>
+    </dgm:style>
+  </dgm:styleLbl>
+  <dgm:styleLbl name="node2">
+    <dgm:scene3d>
+      <a:camera prst="orthographicFront"/>
+      <a:lightRig rig="threePt" dir="t"/>
+    </dgm:scene3d>
+    <dgm:sp3d/>
+    <dgm:txPr/>
+    <dgm:style>
+      <a:lnRef idx="2">
+        <a:scrgbClr r="0" g="0" b="0"/>
+      </a:lnRef>
+      <a:fillRef idx="1">
+        <a:scrgbClr r="0" g="0" b="0"/>
+      </a:fillRef>
+      <a:effectRef idx="0">
+        <a:scrgbClr r="0" g="0" b="0"/>
+      </a:effectRef>
+      <a:fontRef idx="minor">
+        <a:schemeClr val="lt1"/>
+      </a:fontRef>
+    </dgm:style>
+  </dgm:styleLbl>
+  <dgm:styleLbl name="node3">
+    <dgm:scene3d>
+      <a:camera prst="orthographicFront"/>
+      <a:lightRig rig="threePt" dir="t"/>
+    </dgm:scene3d>
+    <dgm:sp3d/>
+    <dgm:txPr/>
+    <dgm:style>
+      <a:lnRef idx="2">
+        <a:scrgbClr r="0" g="0" b="0"/>
+      </a:lnRef>
+      <a:fillRef idx="1">
+        <a:scrgbClr r="0" g="0" b="0"/>
+      </a:fillRef>
+      <a:effectRef idx="0">
+        <a:scrgbClr r="0" g="0" b="0"/>
+      </a:effectRef>
+      <a:fontRef idx="minor">
+        <a:schemeClr val="lt1"/>
+      </a:fontRef>
+    </dgm:style>
+  </dgm:styleLbl>
+  <dgm:styleLbl name="node4">
+    <dgm:scene3d>
+      <a:camera prst="orthographicFront"/>
+      <a:lightRig rig="threePt" dir="t"/>
+    </dgm:scene3d>
+    <dgm:sp3d/>
+    <dgm:txPr/>
+    <dgm:style>
+      <a:lnRef idx="2">
+        <a:scrgbClr r="0" g="0" b="0"/>
+      </a:lnRef>
+      <a:fillRef idx="1">
+        <a:scrgbClr r="0" g="0" b="0"/>
+      </a:fillRef>
+      <a:effectRef idx="0">
+        <a:scrgbClr r="0" g="0" b="0"/>
+      </a:effectRef>
+      <a:fontRef idx="minor">
+        <a:schemeClr val="lt1"/>
+      </a:fontRef>
+    </dgm:style>
+  </dgm:styleLbl>
+  <dgm:styleLbl name="fgImgPlace1">
+    <dgm:scene3d>
+      <a:camera prst="orthographicFront"/>
+      <a:lightRig rig="threePt" dir="t"/>
+    </dgm:scene3d>
+    <dgm:sp3d/>
+    <dgm:txPr/>
+    <dgm:style>
+      <a:lnRef idx="2">
+        <a:scrgbClr r="0" g="0" b="0"/>
+      </a:lnRef>
+      <a:fillRef idx="1">
+        <a:scrgbClr r="0" g="0" b="0"/>
+      </a:fillRef>
+      <a:effectRef idx="0">
+        <a:scrgbClr r="0" g="0" b="0"/>
+      </a:effectRef>
+      <a:fontRef idx="minor"/>
+    </dgm:style>
+  </dgm:styleLbl>
+  <dgm:styleLbl name="alignImgPlace1">
+    <dgm:scene3d>
+      <a:camera prst="orthographicFront"/>
+      <a:lightRig rig="threePt" dir="t"/>
+    </dgm:scene3d>
+    <dgm:sp3d/>
+    <dgm:txPr/>
+    <dgm:style>
+      <a:lnRef idx="2">
+        <a:scrgbClr r="0" g="0" b="0"/>
+      </a:lnRef>
+      <a:fillRef idx="1">
+        <a:scrgbClr r="0" g="0" b="0"/>
+      </a:fillRef>
+      <a:effectRef idx="0">
+        <a:scrgbClr r="0" g="0" b="0"/>
+      </a:effectRef>
+      <a:fontRef idx="minor"/>
+    </dgm:style>
+  </dgm:styleLbl>
+  <dgm:styleLbl name="bgImgPlace1">
+    <dgm:scene3d>
+      <a:camera prst="orthographicFront"/>
+      <a:lightRig rig="threePt" dir="t"/>
+    </dgm:scene3d>
+    <dgm:sp3d/>
+    <dgm:txPr/>
+    <dgm:style>
+      <a:lnRef idx="2">
+        <a:scrgbClr r="0" g="0" b="0"/>
+      </a:lnRef>
+      <a:fillRef idx="1">
+        <a:scrgbClr r="0" g="0" b="0"/>
+      </a:fillRef>
+      <a:effectRef idx="0">
+        <a:scrgbClr r="0" g="0" b="0"/>
+      </a:effectRef>
+      <a:fontRef idx="minor"/>
+    </dgm:style>
+  </dgm:styleLbl>
+  <dgm:styleLbl name="sibTrans2D1">
+    <dgm:scene3d>
+      <a:camera prst="orthographicFront"/>
+      <a:lightRig rig="threePt" dir="t"/>
+    </dgm:scene3d>
+    <dgm:sp3d/>
+    <dgm:txPr/>
+    <dgm:style>
+      <a:lnRef idx="0">
+        <a:scrgbClr r="0" g="0" b="0"/>
+      </a:lnRef>
+      <a:fillRef idx="1">
+        <a:scrgbClr r="0" g="0" b="0"/>
+      </a:fillRef>
+      <a:effectRef idx="0">
+        <a:scrgbClr r="0" g="0" b="0"/>
+      </a:effectRef>
+      <a:fontRef idx="minor">
+        <a:schemeClr val="lt1"/>
+      </a:fontRef>
+    </dgm:style>
+  </dgm:styleLbl>
+  <dgm:styleLbl name="fgSibTrans2D1">
+    <dgm:scene3d>
+      <a:camera prst="orthographicFront"/>
+      <a:lightRig rig="threePt" dir="t"/>
+    </dgm:scene3d>
+    <dgm:sp3d/>
+    <dgm:txPr/>
+    <dgm:style>
+      <a:lnRef idx="0">
+        <a:scrgbClr r="0" g="0" b="0"/>
+      </a:lnRef>
+      <a:fillRef idx="1">
+        <a:scrgbClr r="0" g="0" b="0"/>
+      </a:fillRef>
+      <a:effectRef idx="0">
+        <a:scrgbClr r="0" g="0" b="0"/>
+      </a:effectRef>
+      <a:fontRef idx="minor">
+        <a:schemeClr val="lt1"/>
+      </a:fontRef>
+    </dgm:style>
+  </dgm:styleLbl>
+  <dgm:styleLbl name="bgSibTrans2D1">
+    <dgm:scene3d>
+      <a:camera prst="orthographicFront"/>
+      <a:lightRig rig="threePt" dir="t"/>
+    </dgm:scene3d>
+    <dgm:sp3d/>
+    <dgm:txPr/>
+    <dgm:style>
+      <a:lnRef idx="0">
+        <a:scrgbClr r="0" g="0" b="0"/>
+      </a:lnRef>
+      <a:fillRef idx="1">
+        <a:scrgbClr r="0" g="0" b="0"/>
+      </a:fillRef>
+      <a:effectRef idx="0">
+        <a:scrgbClr r="0" g="0" b="0"/>
+      </a:effectRef>
+      <a:fontRef idx="minor">
+        <a:schemeClr val="lt1"/>
+      </a:fontRef>
+    </dgm:style>
+  </dgm:styleLbl>
+  <dgm:styleLbl name="sibTrans1D1">
+    <dgm:scene3d>
+      <a:camera prst="orthographicFront"/>
+      <a:lightRig rig="threePt" dir="t"/>
+    </dgm:scene3d>
+    <dgm:sp3d/>
+    <dgm:txPr/>
+    <dgm:style>
+      <a:lnRef idx="1">
+        <a:scrgbClr r="0" g="0" b="0"/>
+      </a:lnRef>
+      <a:fillRef idx="0">
+        <a:scrgbClr r="0" g="0" b="0"/>
+      </a:fillRef>
+      <a:effectRef idx="0">
+        <a:scrgbClr r="0" g="0" b="0"/>
+      </a:effectRef>
+      <a:fontRef idx="minor"/>
+    </dgm:style>
+  </dgm:styleLbl>
+  <dgm:styleLbl name="callout">
+    <dgm:scene3d>
+      <a:camera prst="orthographicFront"/>
+      <a:lightRig rig="threePt" dir="t"/>
+    </dgm:scene3d>
+    <dgm:sp3d/>
+    <dgm:txPr/>
+    <dgm:style>
+      <a:lnRef idx="2">
+        <a:scrgbClr r="0" g="0" b="0"/>
+      </a:lnRef>
+      <a:fillRef idx="1">
+        <a:scrgbClr r="0" g="0" b="0"/>
+      </a:fillRef>
+      <a:effectRef idx="0">
+        <a:scrgbClr r="0" g="0" b="0"/>
+      </a:effectRef>
+      <a:fontRef idx="minor"/>
+    </dgm:style>
+  </dgm:styleLbl>
+  <dgm:styleLbl name="asst0">
+    <dgm:scene3d>
+      <a:camera prst="orthographicFront"/>
+      <a:lightRig rig="threePt" dir="t"/>
+    </dgm:scene3d>
+    <dgm:sp3d/>
+    <dgm:txPr/>
+    <dgm:style>
+      <a:lnRef idx="2">
+        <a:scrgbClr r="0" g="0" b="0"/>
+      </a:lnRef>
+      <a:fillRef idx="1">
+        <a:scrgbClr r="0" g="0" b="0"/>
+      </a:fillRef>
+      <a:effectRef idx="0">
+        <a:scrgbClr r="0" g="0" b="0"/>
+      </a:effectRef>
+      <a:fontRef idx="minor">
+        <a:schemeClr val="lt1"/>
+      </a:fontRef>
+    </dgm:style>
+  </dgm:styleLbl>
+  <dgm:styleLbl name="asst1">
+    <dgm:scene3d>
+      <a:camera prst="orthographicFront"/>
+      <a:lightRig rig="threePt" dir="t"/>
+    </dgm:scene3d>
+    <dgm:sp3d/>
+    <dgm:txPr/>
+    <dgm:style>
+      <a:lnRef idx="2">
+        <a:scrgbClr r="0" g="0" b="0"/>
+      </a:lnRef>
+      <a:fillRef idx="1">
+        <a:scrgbClr r="0" g="0" b="0"/>
+      </a:fillRef>
+      <a:effectRef idx="0">
+        <a:scrgbClr r="0" g="0" b="0"/>
+      </a:effectRef>
+      <a:fontRef idx="minor">
+        <a:schemeClr val="lt1"/>
+      </a:fontRef>
+    </dgm:style>
+  </dgm:styleLbl>
+  <dgm:styleLbl name="asst2">
+    <dgm:scene3d>
+      <a:camera prst="orthographicFront"/>
+      <a:lightRig rig="threePt" dir="t"/>
+    </dgm:scene3d>
+    <dgm:sp3d/>
+    <dgm:txPr/>
+    <dgm:style>
+      <a:lnRef idx="2">
+        <a:scrgbClr r="0" g="0" b="0"/>
+      </a:lnRef>
+      <a:fillRef idx="1">
+        <a:scrgbClr r="0" g="0" b="0"/>
+      </a:fillRef>
+      <a:effectRef idx="0">
+        <a:scrgbClr r="0" g="0" b="0"/>
+      </a:effectRef>
+      <a:fontRef idx="minor">
+        <a:schemeClr val="lt1"/>
+      </a:fontRef>
+    </dgm:style>
+  </dgm:styleLbl>
+  <dgm:styleLbl name="asst3">
+    <dgm:scene3d>
+      <a:camera prst="orthographicFront"/>
+      <a:lightRig rig="threePt" dir="t"/>
+    </dgm:scene3d>
+    <dgm:sp3d/>
+    <dgm:txPr/>
+    <dgm:style>
+      <a:lnRef idx="2">
+        <a:scrgbClr r="0" g="0" b="0"/>
+      </a:lnRef>
+      <a:fillRef idx="1">
+        <a:scrgbClr r="0" g="0" b="0"/>
+      </a:fillRef>
+      <a:effectRef idx="0">
+        <a:scrgbClr r="0" g="0" b="0"/>
+      </a:effectRef>
+      <a:fontRef idx="minor">
+        <a:schemeClr val="lt1"/>
+      </a:fontRef>
+    </dgm:style>
+  </dgm:styleLbl>
+  <dgm:styleLbl name="asst4">
+    <dgm:scene3d>
+      <a:camera prst="orthographicFront"/>
+      <a:lightRig rig="threePt" dir="t"/>
+    </dgm:scene3d>
+    <dgm:sp3d/>
+    <dgm:txPr/>
+    <dgm:style>
+      <a:lnRef idx="2">
+        <a:scrgbClr r="0" g="0" b="0"/>
+      </a:lnRef>
+      <a:fillRef idx="1">
+        <a:scrgbClr r="0" g="0" b="0"/>
+      </a:fillRef>
+      <a:effectRef idx="0">
+        <a:scrgbClr r="0" g="0" b="0"/>
+      </a:effectRef>
+      <a:fontRef idx="minor">
+        <a:schemeClr val="lt1"/>
+      </a:fontRef>
+    </dgm:style>
+  </dgm:styleLbl>
+  <dgm:styleLbl name="parChTrans2D1">
+    <dgm:scene3d>
+      <a:camera prst="orthographicFront"/>
+      <a:lightRig rig="threePt" dir="t"/>
+    </dgm:scene3d>
+    <dgm:sp3d/>
+    <dgm:txPr/>
+    <dgm:style>
+      <a:lnRef idx="2">
+        <a:scrgbClr r="0" g="0" b="0"/>
+      </a:lnRef>
+      <a:fillRef idx="1">
+        <a:scrgbClr r="0" g="0" b="0"/>
+      </a:fillRef>
+      <a:effectRef idx="0">
+        <a:scrgbClr r="0" g="0" b="0"/>
+      </a:effectRef>
+      <a:fontRef idx="minor">
+        <a:schemeClr val="lt1"/>
+      </a:fontRef>
+    </dgm:style>
+  </dgm:styleLbl>
+  <dgm:styleLbl name="parChTrans2D2">
+    <dgm:scene3d>
+      <a:camera prst="orthographicFront"/>
+      <a:lightRig rig="threePt" dir="t"/>
+    </dgm:scene3d>
+    <dgm:sp3d/>
+    <dgm:txPr/>
+    <dgm:style>
+      <a:lnRef idx="2">
+        <a:scrgbClr r="0" g="0" b="0"/>
+      </a:lnRef>
+      <a:fillRef idx="1">
+        <a:scrgbClr r="0" g="0" b="0"/>
+      </a:fillRef>
+      <a:effectRef idx="0">
+        <a:scrgbClr r="0" g="0" b="0"/>
+      </a:effectRef>
+      <a:fontRef idx="minor">
+        <a:schemeClr val="lt1"/>
+      </a:fontRef>
+    </dgm:style>
+  </dgm:styleLbl>
+  <dgm:styleLbl name="parChTrans2D3">
+    <dgm:scene3d>
+      <a:camera prst="orthographicFront"/>
+      <a:lightRig rig="threePt" dir="t"/>
+    </dgm:scene3d>
+    <dgm:sp3d/>
+    <dgm:txPr/>
+    <dgm:style>
+      <a:lnRef idx="2">
+        <a:scrgbClr r="0" g="0" b="0"/>
+      </a:lnRef>
+      <a:fillRef idx="1">
+        <a:scrgbClr r="0" g="0" b="0"/>
+      </a:fillRef>
+      <a:effectRef idx="0">
+        <a:scrgbClr r="0" g="0" b="0"/>
+      </a:effectRef>
+      <a:fontRef idx="minor">
+        <a:schemeClr val="lt1"/>
+      </a:fontRef>
+    </dgm:style>
+  </dgm:styleLbl>
+  <dgm:styleLbl name="parChTrans2D4">
+    <dgm:scene3d>
+      <a:camera prst="orthographicFront"/>
+      <a:lightRig rig="threePt" dir="t"/>
+    </dgm:scene3d>
+    <dgm:sp3d/>
+    <dgm:txPr/>
+    <dgm:style>
+      <a:lnRef idx="2">
+        <a:scrgbClr r="0" g="0" b="0"/>
+      </a:lnRef>
+      <a:fillRef idx="1">
+        <a:scrgbClr r="0" g="0" b="0"/>
+      </a:fillRef>
+      <a:effectRef idx="0">
+        <a:scrgbClr r="0" g="0" b="0"/>
+      </a:effectRef>
+      <a:fontRef idx="minor">
+        <a:schemeClr val="lt1"/>
+      </a:fontRef>
+    </dgm:style>
+  </dgm:styleLbl>
+  <dgm:styleLbl name="parChTrans1D1">
+    <dgm:scene3d>
+      <a:camera prst="orthographicFront"/>
+      <a:lightRig rig="threePt" dir="t"/>
+    </dgm:scene3d>
+    <dgm:sp3d/>
+    <dgm:txPr/>
+    <dgm:style>
+      <a:lnRef idx="2">
+        <a:scrgbClr r="0" g="0" b="0"/>
+      </a:lnRef>
+      <a:fillRef idx="0">
+        <a:scrgbClr r="0" g="0" b="0"/>
+      </a:fillRef>
+      <a:effectRef idx="0">
+        <a:scrgbClr r="0" g="0" b="0"/>
+      </a:effectRef>
+      <a:fontRef idx="minor"/>
+    </dgm:style>
+  </dgm:styleLbl>
+  <dgm:styleLbl name="parChTrans1D2">
+    <dgm:scene3d>
+      <a:camera prst="orthographicFront"/>
+      <a:lightRig rig="threePt" dir="t"/>
+    </dgm:scene3d>
+    <dgm:sp3d/>
+    <dgm:txPr/>
+    <dgm:style>
+      <a:lnRef idx="2">
+        <a:scrgbClr r="0" g="0" b="0"/>
+      </a:lnRef>
+      <a:fillRef idx="0">
+        <a:scrgbClr r="0" g="0" b="0"/>
+      </a:fillRef>
+      <a:effectRef idx="0">
+        <a:scrgbClr r="0" g="0" b="0"/>
+      </a:effectRef>
+      <a:fontRef idx="minor"/>
+    </dgm:style>
+  </dgm:styleLbl>
+  <dgm:styleLbl name="parChTrans1D3">
+    <dgm:scene3d>
+      <a:camera prst="orthographicFront"/>
+      <a:lightRig rig="threePt" dir="t"/>
+    </dgm:scene3d>
+    <dgm:sp3d/>
+    <dgm:txPr/>
+    <dgm:style>
+      <a:lnRef idx="2">
+        <a:scrgbClr r="0" g="0" b="0"/>
+      </a:lnRef>
+      <a:fillRef idx="0">
+        <a:scrgbClr r="0" g="0" b="0"/>
+      </a:fillRef>
+      <a:effectRef idx="0">
+        <a:scrgbClr r="0" g="0" b="0"/>
+      </a:effectRef>
+      <a:fontRef idx="minor"/>
+    </dgm:style>
+  </dgm:styleLbl>
+  <dgm:styleLbl name="parChTrans1D4">
+    <dgm:scene3d>
+      <a:camera prst="orthographicFront"/>
+      <a:lightRig rig="threePt" dir="t"/>
+    </dgm:scene3d>
+    <dgm:sp3d/>
+    <dgm:txPr/>
+    <dgm:style>
+      <a:lnRef idx="2">
+        <a:scrgbClr r="0" g="0" b="0"/>
+      </a:lnRef>
+      <a:fillRef idx="0">
+        <a:scrgbClr r="0" g="0" b="0"/>
+      </a:fillRef>
+      <a:effectRef idx="0">
+        <a:scrgbClr r="0" g="0" b="0"/>
+      </a:effectRef>
+      <a:fontRef idx="minor"/>
+    </dgm:style>
+  </dgm:styleLbl>
+  <dgm:styleLbl name="fgAcc1">
+    <dgm:scene3d>
+      <a:camera prst="orthographicFront"/>
+      <a:lightRig rig="threePt" dir="t"/>
+    </dgm:scene3d>
+    <dgm:sp3d/>
+    <dgm:txPr/>
+    <dgm:style>
+      <a:lnRef idx="2">
+        <a:scrgbClr r="0" g="0" b="0"/>
+      </a:lnRef>
+      <a:fillRef idx="1">
+        <a:scrgbClr r="0" g="0" b="0"/>
+      </a:fillRef>
+      <a:effectRef idx="0">
+        <a:scrgbClr r="0" g="0" b="0"/>
+      </a:effectRef>
+      <a:fontRef idx="minor"/>
+    </dgm:style>
+  </dgm:styleLbl>
+  <dgm:styleLbl name="conFgAcc1">
+    <dgm:scene3d>
+      <a:camera prst="orthographicFront"/>
+      <a:lightRig rig="threePt" dir="t"/>
+    </dgm:scene3d>
+    <dgm:sp3d/>
+    <dgm:txPr/>
+    <dgm:style>
+      <a:lnRef idx="2">
+        <a:scrgbClr r="0" g="0" b="0"/>
+      </a:lnRef>
+      <a:fillRef idx="1">
+        <a:scrgbClr r="0" g="0" b="0"/>
+      </a:fillRef>
+      <a:effectRef idx="0">
+        <a:scrgbClr r="0" g="0" b="0"/>
+      </a:effectRef>
+      <a:fontRef idx="minor"/>
+    </dgm:style>
+  </dgm:styleLbl>
+  <dgm:styleLbl name="alignAcc1">
+    <dgm:scene3d>
+      <a:camera prst="orthographicFront"/>
+      <a:lightRig rig="threePt" dir="t"/>
+    </dgm:scene3d>
+    <dgm:sp3d/>
+    <dgm:txPr/>
+    <dgm:style>
+      <a:lnRef idx="2">
+        <a:scrgbClr r="0" g="0" b="0"/>
+      </a:lnRef>
+      <a:fillRef idx="1">
+        <a:scrgbClr r="0" g="0" b="0"/>
+      </a:fillRef>
+      <a:effectRef idx="0">
+        <a:scrgbClr r="0" g="0" b="0"/>
+      </a:effectRef>
+      <a:fontRef idx="minor"/>
+    </dgm:style>
+  </dgm:styleLbl>
+  <dgm:styleLbl name="trAlignAcc1">
+    <dgm:scene3d>
+      <a:camera prst="orthographicFront"/>
+      <a:lightRig rig="threePt" dir="t"/>
+    </dgm:scene3d>
+    <dgm:sp3d/>
+    <dgm:txPr/>
+    <dgm:style>
+      <a:lnRef idx="1">
+        <a:scrgbClr r="0" g="0" b="0"/>
+      </a:lnRef>
+      <a:fillRef idx="1">
+        <a:scrgbClr r="0" g="0" b="0"/>
+      </a:fillRef>
+      <a:effectRef idx="0">
+        <a:scrgbClr r="0" g="0" b="0"/>
+      </a:effectRef>
+      <a:fontRef idx="minor"/>
+    </dgm:style>
+  </dgm:styleLbl>
+  <dgm:styleLbl name="bgAcc1">
+    <dgm:scene3d>
+      <a:camera prst="orthographicFront"/>
+      <a:lightRig rig="threePt" dir="t"/>
+    </dgm:scene3d>
+    <dgm:sp3d/>
+    <dgm:txPr/>
+    <dgm:style>
+      <a:lnRef idx="2">
+        <a:scrgbClr r="0" g="0" b="0"/>
+      </a:lnRef>
+      <a:fillRef idx="1">
+        <a:scrgbClr r="0" g="0" b="0"/>
+      </a:fillRef>
+      <a:effectRef idx="0">
+        <a:scrgbClr r="0" g="0" b="0"/>
+      </a:effectRef>
+      <a:fontRef idx="minor"/>
+    </dgm:style>
+  </dgm:styleLbl>
+  <dgm:styleLbl name="solidFgAcc1">
+    <dgm:scene3d>
+      <a:camera prst="orthographicFront"/>
+      <a:lightRig rig="threePt" dir="t"/>
+    </dgm:scene3d>
+    <dgm:sp3d/>
+    <dgm:txPr/>
+    <dgm:style>
+      <a:lnRef idx="2">
+        <a:scrgbClr r="0" g="0" b="0"/>
+      </a:lnRef>
+      <a:fillRef idx="1">
+        <a:scrgbClr r="0" g="0" b="0"/>
+      </a:fillRef>
+      <a:effectRef idx="0">
+        <a:scrgbClr r="0" g="0" b="0"/>
+      </a:effectRef>
+      <a:fontRef idx="minor"/>
+    </dgm:style>
+  </dgm:styleLbl>
+  <dgm:styleLbl name="solidAlignAcc1">
+    <dgm:scene3d>
+      <a:camera prst="orthographicFront"/>
+      <a:lightRig rig="threePt" dir="t"/>
+    </dgm:scene3d>
+    <dgm:sp3d/>
+    <dgm:txPr/>
+    <dgm:style>
+      <a:lnRef idx="2">
+        <a:scrgbClr r="0" g="0" b="0"/>
+      </a:lnRef>
+      <a:fillRef idx="1">
+        <a:scrgbClr r="0" g="0" b="0"/>
+      </a:fillRef>
+      <a:effectRef idx="0">
+        <a:scrgbClr r="0" g="0" b="0"/>
+      </a:effectRef>
+      <a:fontRef idx="minor"/>
+    </dgm:style>
+  </dgm:styleLbl>
+  <dgm:styleLbl name="solidBgAcc1">
+    <dgm:scene3d>
+      <a:camera prst="orthographicFront"/>
+      <a:lightRig rig="threePt" dir="t"/>
+    </dgm:scene3d>
+    <dgm:sp3d/>
+    <dgm:txPr/>
+    <dgm:style>
+      <a:lnRef idx="2">
+        <a:scrgbClr r="0" g="0" b="0"/>
+      </a:lnRef>
+      <a:fillRef idx="1">
+        <a:scrgbClr r="0" g="0" b="0"/>
+      </a:fillRef>
+      <a:effectRef idx="0">
+        <a:scrgbClr r="0" g="0" b="0"/>
+      </a:effectRef>
+      <a:fontRef idx="minor"/>
+    </dgm:style>
+  </dgm:styleLbl>
+  <dgm:styleLbl name="fgAccFollowNode1">
+    <dgm:scene3d>
+      <a:camera prst="orthographicFront"/>
+      <a:lightRig rig="threePt" dir="t"/>
+    </dgm:scene3d>
+    <dgm:sp3d/>
+    <dgm:txPr/>
+    <dgm:style>
+      <a:lnRef idx="2">
+        <a:scrgbClr r="0" g="0" b="0"/>
+      </a:lnRef>
+      <a:fillRef idx="1">
+        <a:scrgbClr r="0" g="0" b="0"/>
+      </a:fillRef>
+      <a:effectRef idx="0">
+        <a:scrgbClr r="0" g="0" b="0"/>
+      </a:effectRef>
+      <a:fontRef idx="minor"/>
+    </dgm:style>
+  </dgm:styleLbl>
+  <dgm:styleLbl name="alignAccFollowNode1">
+    <dgm:scene3d>
+      <a:camera prst="orthographicFront"/>
+      <a:lightRig rig="threePt" dir="t"/>
+    </dgm:scene3d>
+    <dgm:sp3d/>
+    <dgm:txPr/>
+    <dgm:style>
+      <a:lnRef idx="2">
+        <a:scrgbClr r="0" g="0" b="0"/>
+      </a:lnRef>
+      <a:fillRef idx="1">
+        <a:scrgbClr r="0" g="0" b="0"/>
+      </a:fillRef>
+      <a:effectRef idx="0">
+        <a:scrgbClr r="0" g="0" b="0"/>
+      </a:effectRef>
+      <a:fontRef idx="minor"/>
+    </dgm:style>
+  </dgm:styleLbl>
+  <dgm:styleLbl name="bgAccFollowNode1">
+    <dgm:scene3d>
+      <a:camera prst="orthographicFront"/>
+      <a:lightRig rig="threePt" dir="t"/>
+    </dgm:scene3d>
+    <dgm:sp3d/>
+    <dgm:txPr/>
+    <dgm:style>
+      <a:lnRef idx="2">
+        <a:scrgbClr r="0" g="0" b="0"/>
+      </a:lnRef>
+      <a:fillRef idx="1">
+        <a:scrgbClr r="0" g="0" b="0"/>
+      </a:fillRef>
+      <a:effectRef idx="0">
+        <a:scrgbClr r="0" g="0" b="0"/>
+      </a:effectRef>
+      <a:fontRef idx="minor"/>
+    </dgm:style>
+  </dgm:styleLbl>
+  <dgm:styleLbl name="fgAcc0">
+    <dgm:scene3d>
+      <a:camera prst="orthographicFront"/>
+      <a:lightRig rig="threePt" dir="t"/>
+    </dgm:scene3d>
+    <dgm:sp3d/>
+    <dgm:txPr/>
+    <dgm:style>
+      <a:lnRef idx="2">
+        <a:scrgbClr r="0" g="0" b="0"/>
+      </a:lnRef>
+      <a:fillRef idx="1">
+        <a:scrgbClr r="0" g="0" b="0"/>
+      </a:fillRef>
+      <a:effectRef idx="0">
+        <a:scrgbClr r="0" g="0" b="0"/>
+      </a:effectRef>
+      <a:fontRef idx="minor"/>
+    </dgm:style>
+  </dgm:styleLbl>
+  <dgm:styleLbl name="fgAcc2">
+    <dgm:scene3d>
+      <a:camera prst="orthographicFront"/>
+      <a:lightRig rig="threePt" dir="t"/>
+    </dgm:scene3d>
+    <dgm:sp3d/>
+    <dgm:txPr/>
+    <dgm:style>
+      <a:lnRef idx="2">
+        <a:scrgbClr r="0" g="0" b="0"/>
+      </a:lnRef>
+      <a:fillRef idx="1">
+        <a:scrgbClr r="0" g="0" b="0"/>
+      </a:fillRef>
+      <a:effectRef idx="0">
+        <a:scrgbClr r="0" g="0" b="0"/>
+      </a:effectRef>
+      <a:fontRef idx="minor"/>
+    </dgm:style>
+  </dgm:styleLbl>
+  <dgm:styleLbl name="fgAcc3">
+    <dgm:scene3d>
+      <a:camera prst="orthographicFront"/>
+      <a:lightRig rig="threePt" dir="t"/>
+    </dgm:scene3d>
+    <dgm:sp3d/>
+    <dgm:txPr/>
+    <dgm:style>
+      <a:lnRef idx="2">
+        <a:scrgbClr r="0" g="0" b="0"/>
+      </a:lnRef>
+      <a:fillRef idx="1">
+        <a:scrgbClr r="0" g="0" b="0"/>
+      </a:fillRef>
+      <a:effectRef idx="0">
+        <a:scrgbClr r="0" g="0" b="0"/>
+      </a:effectRef>
+      <a:fontRef idx="minor"/>
+    </dgm:style>
+  </dgm:styleLbl>
+  <dgm:styleLbl name="fgAcc4">
+    <dgm:scene3d>
+      <a:camera prst="orthographicFront"/>
+      <a:lightRig rig="threePt" dir="t"/>
+    </dgm:scene3d>
+    <dgm:sp3d/>
+    <dgm:txPr/>
+    <dgm:style>
+      <a:lnRef idx="2">
+        <a:scrgbClr r="0" g="0" b="0"/>
+      </a:lnRef>
+      <a:fillRef idx="1">
+        <a:scrgbClr r="0" g="0" b="0"/>
+      </a:fillRef>
+      <a:effectRef idx="0">
+        <a:scrgbClr r="0" g="0" b="0"/>
+      </a:effectRef>
+      <a:fontRef idx="minor"/>
+    </dgm:style>
+  </dgm:styleLbl>
+  <dgm:styleLbl name="bgShp">
+    <dgm:scene3d>
+      <a:camera prst="orthographicFront"/>
+      <a:lightRig rig="threePt" dir="t"/>
+    </dgm:scene3d>
+    <dgm:sp3d/>
+    <dgm:txPr/>
+    <dgm:style>
+      <a:lnRef idx="0">
+        <a:scrgbClr r="0" g="0" b="0"/>
+      </a:lnRef>
+      <a:fillRef idx="1">
+        <a:scrgbClr r="0" g="0" b="0"/>
+      </a:fillRef>
+      <a:effectRef idx="0">
+        <a:scrgbClr r="0" g="0" b="0"/>
+      </a:effectRef>
+      <a:fontRef idx="minor"/>
+    </dgm:style>
+  </dgm:styleLbl>
+  <dgm:styleLbl name="dkBgShp">
+    <dgm:scene3d>
+      <a:camera prst="orthographicFront"/>
+      <a:lightRig rig="threePt" dir="t"/>
+    </dgm:scene3d>
+    <dgm:sp3d/>
+    <dgm:txPr/>
+    <dgm:style>
+      <a:lnRef idx="0">
+        <a:scrgbClr r="0" g="0" b="0"/>
+      </a:lnRef>
+      <a:fillRef idx="1">
+        <a:scrgbClr r="0" g="0" b="0"/>
+      </a:fillRef>
+      <a:effectRef idx="0">
+        <a:scrgbClr r="0" g="0" b="0"/>
+      </a:effectRef>
+      <a:fontRef idx="minor"/>
+    </dgm:style>
+  </dgm:styleLbl>
+  <dgm:styleLbl name="trBgShp">
+    <dgm:scene3d>
+      <a:camera prst="orthographicFront"/>
+      <a:lightRig rig="threePt" dir="t"/>
+    </dgm:scene3d>
+    <dgm:sp3d/>
+    <dgm:txPr/>
+    <dgm:style>
+      <a:lnRef idx="0">
+        <a:scrgbClr r="0" g="0" b="0"/>
+      </a:lnRef>
+      <a:fillRef idx="1">
+        <a:scrgbClr r="0" g="0" b="0"/>
+      </a:fillRef>
+      <a:effectRef idx="0">
+        <a:scrgbClr r="0" g="0" b="0"/>
+      </a:effectRef>
+      <a:fontRef idx="minor"/>
+    </dgm:style>
+  </dgm:styleLbl>
+  <dgm:styleLbl name="fgShp">
+    <dgm:scene3d>
+      <a:camera prst="orthographicFront"/>
+      <a:lightRig rig="threePt" dir="t"/>
+    </dgm:scene3d>
+    <dgm:sp3d/>
+    <dgm:txPr/>
+    <dgm:style>
+      <a:lnRef idx="2">
+        <a:scrgbClr r="0" g="0" b="0"/>
+      </a:lnRef>
+      <a:fillRef idx="1">
+        <a:scrgbClr r="0" g="0" b="0"/>
+      </a:fillRef>
+      <a:effectRef idx="0">
+        <a:scrgbClr r="0" g="0" b="0"/>
+      </a:effectRef>
+      <a:fontRef idx="minor"/>
+    </dgm:style>
+  </dgm:styleLbl>
+  <dgm:styleLbl name="revTx">
+    <dgm:scene3d>
+      <a:camera prst="orthographicFront"/>
+      <a:lightRig rig="threePt" dir="t"/>
+    </dgm:scene3d>
+    <dgm:sp3d/>
+    <dgm:txPr/>
+    <dgm:style>
+      <a:lnRef idx="0">
+        <a:scrgbClr r="0" g="0" b="0"/>
+      </a:lnRef>
+      <a:fillRef idx="0">
+        <a:scrgbClr r="0" g="0" b="0"/>
+      </a:fillRef>
+      <a:effectRef idx="0">
+        <a:scrgbClr r="0" g="0" b="0"/>
+      </a:effectRef>
+      <a:fontRef idx="minor"/>
+    </dgm:style>
+  </dgm:styleLbl>
+</dgm:styleDef>
+</file>
+
+<file path=ppt/diagrams/quickStyle3.xml><?xml version="1.0" encoding="utf-8"?>
 <dgm:styleDef xmlns:dgm="http://schemas.openxmlformats.org/drawingml/2006/diagram" xmlns:a="http://schemas.openxmlformats.org/drawingml/2006/main" uniqueId="urn:microsoft.com/office/officeart/2005/8/quickstyle/simple1">
   <dgm:title val=""/>
   <dgm:desc val=""/>
@@ -8037,7 +10907,7 @@
                 </a:solidFill>
               </a:rPr>
               <a:pPr/>
-              <a:t>14</a:t>
+              <a:t>19</a:t>
             </a:fld>
             <a:endParaRPr lang="en-GB">
               <a:solidFill>
@@ -17726,7 +20596,7 @@
                   <a:rPr lang="en-US" dirty="0">
                     <a:latin typeface="Helvetica" pitchFamily="2" charset="0"/>
                   </a:rPr>
-                  <a:t> output.</a:t>
+                  <a:t> final output (.</a:t>
                 </a:r>
               </a:p>
             </p:txBody>
@@ -18432,6 +21302,2470 @@
   <p:cSld>
     <p:spTree>
       <p:nvGrpSpPr>
+        <p:cNvPr id="1" name="">
+          <a:extLst>
+            <a:ext uri="{FF2B5EF4-FFF2-40B4-BE49-F238E27FC236}">
+              <a16:creationId xmlns:a16="http://schemas.microsoft.com/office/drawing/2014/main" id="{B123417A-7033-20F0-CD3D-C929399751C9}"/>
+            </a:ext>
+          </a:extLst>
+        </p:cNvPr>
+        <p:cNvGrpSpPr/>
+        <p:nvPr/>
+      </p:nvGrpSpPr>
+      <p:grpSpPr>
+        <a:xfrm>
+          <a:off x="0" y="0"/>
+          <a:ext cx="0" cy="0"/>
+          <a:chOff x="0" y="0"/>
+          <a:chExt cx="0" cy="0"/>
+        </a:xfrm>
+      </p:grpSpPr>
+      <mc:AlternateContent xmlns:mc="http://schemas.openxmlformats.org/markup-compatibility/2006">
+        <mc:Choice xmlns:a14="http://schemas.microsoft.com/office/drawing/2010/main" Requires="a14">
+          <p:sp>
+            <p:nvSpPr>
+              <p:cNvPr id="2" name="Content Placeholder 1">
+                <a:extLst>
+                  <a:ext uri="{FF2B5EF4-FFF2-40B4-BE49-F238E27FC236}">
+                    <a16:creationId xmlns:a16="http://schemas.microsoft.com/office/drawing/2014/main" id="{B991953E-F7A7-F332-A80C-9105637668BF}"/>
+                  </a:ext>
+                </a:extLst>
+              </p:cNvPr>
+              <p:cNvSpPr>
+                <a:spLocks noGrp="1"/>
+              </p:cNvSpPr>
+              <p:nvPr>
+                <p:ph idx="1"/>
+              </p:nvPr>
+            </p:nvSpPr>
+            <p:spPr>
+              <a:xfrm>
+                <a:off x="314326" y="1184275"/>
+                <a:ext cx="8406980" cy="2891706"/>
+              </a:xfrm>
+            </p:spPr>
+            <p:txBody>
+              <a:bodyPr/>
+              <a:lstStyle/>
+              <a:p>
+                <a:pPr lvl="2">
+                  <a:buClr>
+                    <a:srgbClr val="FF7900"/>
+                  </a:buClr>
+                </a:pPr>
+                <a:r>
+                  <a:rPr lang="en-US" dirty="0">
+                    <a:latin typeface="Helvetica" pitchFamily="2" charset="0"/>
+                  </a:rPr>
+                  <a:t>Instead of working with token embeddings directly they get projected (via </a:t>
+                </a:r>
+                <a:r>
+                  <a:rPr lang="en-US" dirty="0">
+                    <a:solidFill>
+                      <a:schemeClr val="bg2"/>
+                    </a:solidFill>
+                    <a:latin typeface="Helvetica" pitchFamily="2" charset="0"/>
+                  </a:rPr>
+                  <a:t>learnable parameters</a:t>
+                </a:r>
+                <a:r>
+                  <a:rPr lang="en-US" dirty="0">
+                    <a:latin typeface="Helvetica" pitchFamily="2" charset="0"/>
+                  </a:rPr>
+                  <a:t>) to Queries, Keys, and Values</a:t>
+                </a:r>
+              </a:p>
+              <a:p>
+                <a:pPr lvl="2">
+                  <a:buClr>
+                    <a:srgbClr val="FF7900"/>
+                  </a:buClr>
+                </a:pPr>
+                <a:r>
+                  <a:rPr lang="en-US" dirty="0">
+                    <a:latin typeface="Helvetica" pitchFamily="2" charset="0"/>
+                  </a:rPr>
+                  <a:t>Instead of applying a single attention, </a:t>
+                </a:r>
+                <a14:m>
+                  <m:oMath xmlns:m="http://schemas.openxmlformats.org/officeDocument/2006/math">
+                    <m:sSub>
+                      <m:sSubPr>
+                        <m:ctrlPr>
+                          <a:rPr lang="en-US" i="1" dirty="0" smtClean="0">
+                            <a:latin typeface="Cambria Math" panose="02040503050406030204" pitchFamily="18" charset="0"/>
+                          </a:rPr>
+                        </m:ctrlPr>
+                      </m:sSubPr>
+                      <m:e>
+                        <m:r>
+                          <a:rPr lang="en-US" i="1" dirty="0" smtClean="0">
+                            <a:latin typeface="Cambria Math" panose="02040503050406030204" pitchFamily="18" charset="0"/>
+                          </a:rPr>
+                          <m:t>𝑑</m:t>
+                        </m:r>
+                      </m:e>
+                      <m:sub>
+                        <m:r>
+                          <m:rPr>
+                            <m:nor/>
+                          </m:rPr>
+                          <a:rPr lang="en-US" i="0" dirty="0" smtClean="0">
+                            <a:latin typeface="Cambria Math" panose="02040503050406030204" pitchFamily="18" charset="0"/>
+                          </a:rPr>
+                          <m:t>model</m:t>
+                        </m:r>
+                      </m:sub>
+                    </m:sSub>
+                  </m:oMath>
+                </a14:m>
+                <a:r>
+                  <a:rPr lang="en-US" dirty="0">
+                    <a:latin typeface="Helvetica" pitchFamily="2" charset="0"/>
+                  </a:rPr>
+                  <a:t> is split across </a:t>
+                </a:r>
+                <a14:m>
+                  <m:oMath xmlns:m="http://schemas.openxmlformats.org/officeDocument/2006/math">
+                    <m:r>
+                      <a:rPr lang="en-US" i="1" dirty="0" smtClean="0">
+                        <a:latin typeface="Cambria Math" panose="02040503050406030204" pitchFamily="18" charset="0"/>
+                      </a:rPr>
+                      <m:t>𝑛</m:t>
+                    </m:r>
+                  </m:oMath>
+                </a14:m>
+                <a:r>
+                  <a:rPr lang="en-US" dirty="0">
+                    <a:latin typeface="Helvetica" pitchFamily="2" charset="0"/>
+                  </a:rPr>
+                  <a:t> </a:t>
+                </a:r>
+                <a:r>
+                  <a:rPr lang="en-US" dirty="0">
+                    <a:solidFill>
+                      <a:schemeClr val="bg2"/>
+                    </a:solidFill>
+                    <a:latin typeface="Helvetica" pitchFamily="2" charset="0"/>
+                  </a:rPr>
+                  <a:t>heads</a:t>
+                </a:r>
+                <a:r>
+                  <a:rPr lang="en-US" dirty="0">
+                    <a:latin typeface="Helvetica" pitchFamily="2" charset="0"/>
+                  </a:rPr>
+                  <a:t>, where each head processes SDPA on subspaces for Q, K, and V.</a:t>
+                </a:r>
+              </a:p>
+              <a:p>
+                <a:pPr lvl="2">
+                  <a:buClr>
+                    <a:srgbClr val="FF7900"/>
+                  </a:buClr>
+                </a:pPr>
+                <a:r>
+                  <a:rPr lang="en-US" dirty="0">
+                    <a:latin typeface="Helvetica" pitchFamily="2" charset="0"/>
+                  </a:rPr>
+                  <a:t>Results from each head get </a:t>
+                </a:r>
+                <a:r>
+                  <a:rPr lang="en-US" dirty="0">
+                    <a:solidFill>
+                      <a:schemeClr val="bg2"/>
+                    </a:solidFill>
+                    <a:latin typeface="Helvetica" pitchFamily="2" charset="0"/>
+                  </a:rPr>
+                  <a:t>concatenated</a:t>
+                </a:r>
+                <a:r>
+                  <a:rPr lang="en-US" dirty="0">
+                    <a:latin typeface="Helvetica" pitchFamily="2" charset="0"/>
+                  </a:rPr>
+                  <a:t> back into the </a:t>
+                </a:r>
+                <a:r>
+                  <a:rPr lang="en-US" dirty="0">
+                    <a:solidFill>
+                      <a:schemeClr val="bg2"/>
+                    </a:solidFill>
+                    <a:latin typeface="Helvetica" pitchFamily="2" charset="0"/>
+                  </a:rPr>
+                  <a:t>MHA</a:t>
+                </a:r>
+                <a:r>
+                  <a:rPr lang="en-US" dirty="0">
+                    <a:latin typeface="Helvetica" pitchFamily="2" charset="0"/>
+                  </a:rPr>
+                  <a:t> final output (.</a:t>
+                </a:r>
+              </a:p>
+            </p:txBody>
+          </p:sp>
+        </mc:Choice>
+        <mc:Fallback>
+          <p:sp>
+            <p:nvSpPr>
+              <p:cNvPr id="2" name="Content Placeholder 1">
+                <a:extLst>
+                  <a:ext uri="{FF2B5EF4-FFF2-40B4-BE49-F238E27FC236}">
+                    <a16:creationId xmlns:a16="http://schemas.microsoft.com/office/drawing/2014/main" id="{B991953E-F7A7-F332-A80C-9105637668BF}"/>
+                  </a:ext>
+                </a:extLst>
+              </p:cNvPr>
+              <p:cNvSpPr>
+                <a:spLocks noGrp="1" noRot="1" noChangeAspect="1" noMove="1" noResize="1" noEditPoints="1" noAdjustHandles="1" noChangeArrowheads="1" noChangeShapeType="1" noTextEdit="1"/>
+              </p:cNvSpPr>
+              <p:nvPr>
+                <p:ph idx="1"/>
+              </p:nvPr>
+            </p:nvSpPr>
+            <p:spPr>
+              <a:xfrm>
+                <a:off x="314326" y="1184275"/>
+                <a:ext cx="8406980" cy="2891706"/>
+              </a:xfrm>
+              <a:blipFill>
+                <a:blip r:embed="rId2"/>
+                <a:stretch>
+                  <a:fillRect l="-1207" t="-3057" r="-1207"/>
+                </a:stretch>
+              </a:blipFill>
+            </p:spPr>
+            <p:txBody>
+              <a:bodyPr/>
+              <a:lstStyle/>
+              <a:p>
+                <a:r>
+                  <a:rPr lang="en-US">
+                    <a:noFill/>
+                  </a:rPr>
+                  <a:t> </a:t>
+                </a:r>
+              </a:p>
+            </p:txBody>
+          </p:sp>
+        </mc:Fallback>
+      </mc:AlternateContent>
+      <p:sp>
+        <p:nvSpPr>
+          <p:cNvPr id="3" name="Title 2">
+            <a:extLst>
+              <a:ext uri="{FF2B5EF4-FFF2-40B4-BE49-F238E27FC236}">
+                <a16:creationId xmlns:a16="http://schemas.microsoft.com/office/drawing/2014/main" id="{80BD676E-C263-34AD-E6B5-49D1A94AEFD4}"/>
+              </a:ext>
+            </a:extLst>
+          </p:cNvPr>
+          <p:cNvSpPr>
+            <a:spLocks noGrp="1"/>
+          </p:cNvSpPr>
+          <p:nvPr>
+            <p:ph type="title"/>
+          </p:nvPr>
+        </p:nvSpPr>
+        <p:spPr/>
+        <p:txBody>
+          <a:bodyPr/>
+          <a:lstStyle/>
+          <a:p>
+            <a:r>
+              <a:rPr lang="en-US" sz="2800" dirty="0"/>
+              <a:t>Model Parameters</a:t>
+            </a:r>
+          </a:p>
+        </p:txBody>
+      </p:sp>
+      <p:sp>
+        <p:nvSpPr>
+          <p:cNvPr id="8" name="Rectangle 7">
+            <a:extLst>
+              <a:ext uri="{FF2B5EF4-FFF2-40B4-BE49-F238E27FC236}">
+                <a16:creationId xmlns:a16="http://schemas.microsoft.com/office/drawing/2014/main" id="{941E5666-38A0-0375-4817-F3DEEACBB39E}"/>
+              </a:ext>
+            </a:extLst>
+          </p:cNvPr>
+          <p:cNvSpPr/>
+          <p:nvPr/>
+        </p:nvSpPr>
+        <p:spPr>
+          <a:xfrm>
+            <a:off x="310142" y="4548158"/>
+            <a:ext cx="1305910" cy="378330"/>
+          </a:xfrm>
+          <a:prstGeom prst="rect">
+            <a:avLst/>
+          </a:prstGeom>
+          <a:solidFill>
+            <a:schemeClr val="bg1"/>
+          </a:solidFill>
+          <a:ln>
+            <a:noFill/>
+          </a:ln>
+        </p:spPr>
+        <p:style>
+          <a:lnRef idx="2">
+            <a:schemeClr val="accent1">
+              <a:shade val="50000"/>
+            </a:schemeClr>
+          </a:lnRef>
+          <a:fillRef idx="1">
+            <a:schemeClr val="accent1"/>
+          </a:fillRef>
+          <a:effectRef idx="0">
+            <a:schemeClr val="accent1"/>
+          </a:effectRef>
+          <a:fontRef idx="minor">
+            <a:schemeClr val="lt1"/>
+          </a:fontRef>
+        </p:style>
+        <p:txBody>
+          <a:bodyPr rtlCol="0" anchor="ctr"/>
+          <a:lstStyle/>
+          <a:p>
+            <a:pPr algn="ctr"/>
+            <a:endParaRPr lang="en-US" sz="1600" noProof="0" dirty="0">
+              <a:solidFill>
+                <a:srgbClr val="000000"/>
+              </a:solidFill>
+            </a:endParaRPr>
+          </a:p>
+        </p:txBody>
+      </p:sp>
+    </p:spTree>
+    <p:extLst>
+      <p:ext uri="{BB962C8B-B14F-4D97-AF65-F5344CB8AC3E}">
+        <p14:creationId xmlns:p14="http://schemas.microsoft.com/office/powerpoint/2010/main" val="4062956192"/>
+      </p:ext>
+    </p:extLst>
+  </p:cSld>
+  <p:clrMapOvr>
+    <a:masterClrMapping/>
+  </p:clrMapOvr>
+  <mc:AlternateContent xmlns:mc="http://schemas.openxmlformats.org/markup-compatibility/2006" xmlns:p14="http://schemas.microsoft.com/office/powerpoint/2010/main">
+    <mc:Choice Requires="p14">
+      <p:transition spd="med" p14:dur="700">
+        <p:fade/>
+      </p:transition>
+    </mc:Choice>
+    <mc:Fallback xmlns="">
+      <p:transition spd="med">
+        <p:fade/>
+      </p:transition>
+    </mc:Fallback>
+  </mc:AlternateContent>
+</p:sld>
+</file>
+
+<file path=ppt/slides/slide12.xml><?xml version="1.0" encoding="utf-8"?>
+<p:sld xmlns:a="http://schemas.openxmlformats.org/drawingml/2006/main" xmlns:r="http://schemas.openxmlformats.org/officeDocument/2006/relationships" xmlns:p="http://schemas.openxmlformats.org/presentationml/2006/main">
+  <p:cSld>
+    <p:spTree>
+      <p:nvGrpSpPr>
+        <p:cNvPr id="1" name="">
+          <a:extLst>
+            <a:ext uri="{FF2B5EF4-FFF2-40B4-BE49-F238E27FC236}">
+              <a16:creationId xmlns:a16="http://schemas.microsoft.com/office/drawing/2014/main" id="{C06D5ED4-8A69-EA8E-488C-BB3288CD04C1}"/>
+            </a:ext>
+          </a:extLst>
+        </p:cNvPr>
+        <p:cNvGrpSpPr/>
+        <p:nvPr/>
+      </p:nvGrpSpPr>
+      <p:grpSpPr>
+        <a:xfrm>
+          <a:off x="0" y="0"/>
+          <a:ext cx="0" cy="0"/>
+          <a:chOff x="0" y="0"/>
+          <a:chExt cx="0" cy="0"/>
+        </a:xfrm>
+      </p:grpSpPr>
+      <mc:AlternateContent xmlns:mc="http://schemas.openxmlformats.org/markup-compatibility/2006">
+        <mc:Choice xmlns:a14="http://schemas.microsoft.com/office/drawing/2010/main" Requires="a14">
+          <p:sp>
+            <p:nvSpPr>
+              <p:cNvPr id="2" name="Content Placeholder 1">
+                <a:extLst>
+                  <a:ext uri="{FF2B5EF4-FFF2-40B4-BE49-F238E27FC236}">
+                    <a16:creationId xmlns:a16="http://schemas.microsoft.com/office/drawing/2014/main" id="{C6F3863A-DCCA-7BC5-6F2E-0DF76952F840}"/>
+                  </a:ext>
+                </a:extLst>
+              </p:cNvPr>
+              <p:cNvSpPr>
+                <a:spLocks noGrp="1"/>
+              </p:cNvSpPr>
+              <p:nvPr>
+                <p:ph idx="1"/>
+              </p:nvPr>
+            </p:nvSpPr>
+            <p:spPr>
+              <a:xfrm>
+                <a:off x="314326" y="1184275"/>
+                <a:ext cx="8406980" cy="2891706"/>
+              </a:xfrm>
+            </p:spPr>
+            <p:txBody>
+              <a:bodyPr/>
+              <a:lstStyle/>
+              <a:p>
+                <a:pPr lvl="2">
+                  <a:buClr>
+                    <a:srgbClr val="FF7900"/>
+                  </a:buClr>
+                </a:pPr>
+                <a:r>
+                  <a:rPr lang="en-US" dirty="0">
+                    <a:latin typeface="Helvetica" pitchFamily="2" charset="0"/>
+                  </a:rPr>
+                  <a:t>Instead of working with token embeddings directly they get projected (via </a:t>
+                </a:r>
+                <a:r>
+                  <a:rPr lang="en-US" dirty="0">
+                    <a:solidFill>
+                      <a:schemeClr val="bg2"/>
+                    </a:solidFill>
+                    <a:latin typeface="Helvetica" pitchFamily="2" charset="0"/>
+                  </a:rPr>
+                  <a:t>learnable parameters</a:t>
+                </a:r>
+                <a:r>
+                  <a:rPr lang="en-US" dirty="0">
+                    <a:latin typeface="Helvetica" pitchFamily="2" charset="0"/>
+                  </a:rPr>
+                  <a:t>) to Queries, Keys, and Values</a:t>
+                </a:r>
+              </a:p>
+              <a:p>
+                <a:pPr lvl="2">
+                  <a:buClr>
+                    <a:srgbClr val="FF7900"/>
+                  </a:buClr>
+                </a:pPr>
+                <a:r>
+                  <a:rPr lang="en-US" dirty="0">
+                    <a:latin typeface="Helvetica" pitchFamily="2" charset="0"/>
+                  </a:rPr>
+                  <a:t>Instead of applying a single attention, </a:t>
+                </a:r>
+                <a14:m>
+                  <m:oMath xmlns:m="http://schemas.openxmlformats.org/officeDocument/2006/math">
+                    <m:sSub>
+                      <m:sSubPr>
+                        <m:ctrlPr>
+                          <a:rPr lang="en-US" i="1" dirty="0" smtClean="0">
+                            <a:latin typeface="Cambria Math" panose="02040503050406030204" pitchFamily="18" charset="0"/>
+                          </a:rPr>
+                        </m:ctrlPr>
+                      </m:sSubPr>
+                      <m:e>
+                        <m:r>
+                          <a:rPr lang="en-US" i="1" dirty="0" smtClean="0">
+                            <a:latin typeface="Cambria Math" panose="02040503050406030204" pitchFamily="18" charset="0"/>
+                          </a:rPr>
+                          <m:t>𝑑</m:t>
+                        </m:r>
+                      </m:e>
+                      <m:sub>
+                        <m:r>
+                          <m:rPr>
+                            <m:nor/>
+                          </m:rPr>
+                          <a:rPr lang="en-US" i="0" dirty="0" smtClean="0">
+                            <a:latin typeface="Cambria Math" panose="02040503050406030204" pitchFamily="18" charset="0"/>
+                          </a:rPr>
+                          <m:t>model</m:t>
+                        </m:r>
+                      </m:sub>
+                    </m:sSub>
+                  </m:oMath>
+                </a14:m>
+                <a:r>
+                  <a:rPr lang="en-US" dirty="0">
+                    <a:latin typeface="Helvetica" pitchFamily="2" charset="0"/>
+                  </a:rPr>
+                  <a:t> is split across </a:t>
+                </a:r>
+                <a14:m>
+                  <m:oMath xmlns:m="http://schemas.openxmlformats.org/officeDocument/2006/math">
+                    <m:r>
+                      <a:rPr lang="en-US" i="1" dirty="0" smtClean="0">
+                        <a:latin typeface="Cambria Math" panose="02040503050406030204" pitchFamily="18" charset="0"/>
+                      </a:rPr>
+                      <m:t>𝑛</m:t>
+                    </m:r>
+                  </m:oMath>
+                </a14:m>
+                <a:r>
+                  <a:rPr lang="en-US" dirty="0">
+                    <a:latin typeface="Helvetica" pitchFamily="2" charset="0"/>
+                  </a:rPr>
+                  <a:t> </a:t>
+                </a:r>
+                <a:r>
+                  <a:rPr lang="en-US" dirty="0">
+                    <a:solidFill>
+                      <a:schemeClr val="bg2"/>
+                    </a:solidFill>
+                    <a:latin typeface="Helvetica" pitchFamily="2" charset="0"/>
+                  </a:rPr>
+                  <a:t>heads</a:t>
+                </a:r>
+                <a:r>
+                  <a:rPr lang="en-US" dirty="0">
+                    <a:latin typeface="Helvetica" pitchFamily="2" charset="0"/>
+                  </a:rPr>
+                  <a:t>, where each head processes SDPA on subspaces for Q, K, and V.</a:t>
+                </a:r>
+              </a:p>
+              <a:p>
+                <a:pPr lvl="2">
+                  <a:buClr>
+                    <a:srgbClr val="FF7900"/>
+                  </a:buClr>
+                </a:pPr>
+                <a:r>
+                  <a:rPr lang="en-US" dirty="0">
+                    <a:latin typeface="Helvetica" pitchFamily="2" charset="0"/>
+                  </a:rPr>
+                  <a:t>Results from each head get </a:t>
+                </a:r>
+                <a:r>
+                  <a:rPr lang="en-US" dirty="0">
+                    <a:solidFill>
+                      <a:schemeClr val="bg2"/>
+                    </a:solidFill>
+                    <a:latin typeface="Helvetica" pitchFamily="2" charset="0"/>
+                  </a:rPr>
+                  <a:t>concatenated</a:t>
+                </a:r>
+                <a:r>
+                  <a:rPr lang="en-US" dirty="0">
+                    <a:latin typeface="Helvetica" pitchFamily="2" charset="0"/>
+                  </a:rPr>
+                  <a:t> back into the </a:t>
+                </a:r>
+                <a:r>
+                  <a:rPr lang="en-US" dirty="0">
+                    <a:solidFill>
+                      <a:schemeClr val="bg2"/>
+                    </a:solidFill>
+                    <a:latin typeface="Helvetica" pitchFamily="2" charset="0"/>
+                  </a:rPr>
+                  <a:t>MHA</a:t>
+                </a:r>
+                <a:r>
+                  <a:rPr lang="en-US" dirty="0">
+                    <a:latin typeface="Helvetica" pitchFamily="2" charset="0"/>
+                  </a:rPr>
+                  <a:t> final output (.</a:t>
+                </a:r>
+              </a:p>
+            </p:txBody>
+          </p:sp>
+        </mc:Choice>
+        <mc:Fallback>
+          <p:sp>
+            <p:nvSpPr>
+              <p:cNvPr id="2" name="Content Placeholder 1">
+                <a:extLst>
+                  <a:ext uri="{FF2B5EF4-FFF2-40B4-BE49-F238E27FC236}">
+                    <a16:creationId xmlns:a16="http://schemas.microsoft.com/office/drawing/2014/main" id="{C6F3863A-DCCA-7BC5-6F2E-0DF76952F840}"/>
+                  </a:ext>
+                </a:extLst>
+              </p:cNvPr>
+              <p:cNvSpPr>
+                <a:spLocks noGrp="1" noRot="1" noChangeAspect="1" noMove="1" noResize="1" noEditPoints="1" noAdjustHandles="1" noChangeArrowheads="1" noChangeShapeType="1" noTextEdit="1"/>
+              </p:cNvSpPr>
+              <p:nvPr>
+                <p:ph idx="1"/>
+              </p:nvPr>
+            </p:nvSpPr>
+            <p:spPr>
+              <a:xfrm>
+                <a:off x="314326" y="1184275"/>
+                <a:ext cx="8406980" cy="2891706"/>
+              </a:xfrm>
+              <a:blipFill>
+                <a:blip r:embed="rId2"/>
+                <a:stretch>
+                  <a:fillRect l="-1207" t="-3057" r="-1207"/>
+                </a:stretch>
+              </a:blipFill>
+            </p:spPr>
+            <p:txBody>
+              <a:bodyPr/>
+              <a:lstStyle/>
+              <a:p>
+                <a:r>
+                  <a:rPr lang="en-US">
+                    <a:noFill/>
+                  </a:rPr>
+                  <a:t> </a:t>
+                </a:r>
+              </a:p>
+            </p:txBody>
+          </p:sp>
+        </mc:Fallback>
+      </mc:AlternateContent>
+      <p:sp>
+        <p:nvSpPr>
+          <p:cNvPr id="3" name="Title 2">
+            <a:extLst>
+              <a:ext uri="{FF2B5EF4-FFF2-40B4-BE49-F238E27FC236}">
+                <a16:creationId xmlns:a16="http://schemas.microsoft.com/office/drawing/2014/main" id="{D8108107-D212-F620-7579-F23F11CC10BF}"/>
+              </a:ext>
+            </a:extLst>
+          </p:cNvPr>
+          <p:cNvSpPr>
+            <a:spLocks noGrp="1"/>
+          </p:cNvSpPr>
+          <p:nvPr>
+            <p:ph type="title"/>
+          </p:nvPr>
+        </p:nvSpPr>
+        <p:spPr/>
+        <p:txBody>
+          <a:bodyPr/>
+          <a:lstStyle/>
+          <a:p>
+            <a:r>
+              <a:rPr lang="en-US" sz="2800" dirty="0"/>
+              <a:t>Model Parameters</a:t>
+            </a:r>
+          </a:p>
+        </p:txBody>
+      </p:sp>
+      <p:sp>
+        <p:nvSpPr>
+          <p:cNvPr id="8" name="Rectangle 7">
+            <a:extLst>
+              <a:ext uri="{FF2B5EF4-FFF2-40B4-BE49-F238E27FC236}">
+                <a16:creationId xmlns:a16="http://schemas.microsoft.com/office/drawing/2014/main" id="{CC536B6A-B795-4543-D8C4-4F2C0D610E97}"/>
+              </a:ext>
+            </a:extLst>
+          </p:cNvPr>
+          <p:cNvSpPr/>
+          <p:nvPr/>
+        </p:nvSpPr>
+        <p:spPr>
+          <a:xfrm>
+            <a:off x="310142" y="4548158"/>
+            <a:ext cx="1305910" cy="378330"/>
+          </a:xfrm>
+          <a:prstGeom prst="rect">
+            <a:avLst/>
+          </a:prstGeom>
+          <a:solidFill>
+            <a:schemeClr val="bg1"/>
+          </a:solidFill>
+          <a:ln>
+            <a:noFill/>
+          </a:ln>
+        </p:spPr>
+        <p:style>
+          <a:lnRef idx="2">
+            <a:schemeClr val="accent1">
+              <a:shade val="50000"/>
+            </a:schemeClr>
+          </a:lnRef>
+          <a:fillRef idx="1">
+            <a:schemeClr val="accent1"/>
+          </a:fillRef>
+          <a:effectRef idx="0">
+            <a:schemeClr val="accent1"/>
+          </a:effectRef>
+          <a:fontRef idx="minor">
+            <a:schemeClr val="lt1"/>
+          </a:fontRef>
+        </p:style>
+        <p:txBody>
+          <a:bodyPr rtlCol="0" anchor="ctr"/>
+          <a:lstStyle/>
+          <a:p>
+            <a:pPr algn="ctr"/>
+            <a:endParaRPr lang="en-US" sz="1600" noProof="0" dirty="0">
+              <a:solidFill>
+                <a:srgbClr val="000000"/>
+              </a:solidFill>
+            </a:endParaRPr>
+          </a:p>
+        </p:txBody>
+      </p:sp>
+    </p:spTree>
+    <p:extLst>
+      <p:ext uri="{BB962C8B-B14F-4D97-AF65-F5344CB8AC3E}">
+        <p14:creationId xmlns:p14="http://schemas.microsoft.com/office/powerpoint/2010/main" val="2527616323"/>
+      </p:ext>
+    </p:extLst>
+  </p:cSld>
+  <p:clrMapOvr>
+    <a:masterClrMapping/>
+  </p:clrMapOvr>
+  <mc:AlternateContent xmlns:mc="http://schemas.openxmlformats.org/markup-compatibility/2006" xmlns:p14="http://schemas.microsoft.com/office/powerpoint/2010/main">
+    <mc:Choice Requires="p14">
+      <p:transition spd="med" p14:dur="700">
+        <p:fade/>
+      </p:transition>
+    </mc:Choice>
+    <mc:Fallback xmlns="">
+      <p:transition spd="med">
+        <p:fade/>
+      </p:transition>
+    </mc:Fallback>
+  </mc:AlternateContent>
+</p:sld>
+</file>
+
+<file path=ppt/slides/slide13.xml><?xml version="1.0" encoding="utf-8"?>
+<p:sld xmlns:a="http://schemas.openxmlformats.org/drawingml/2006/main" xmlns:r="http://schemas.openxmlformats.org/officeDocument/2006/relationships" xmlns:p="http://schemas.openxmlformats.org/presentationml/2006/main">
+  <p:cSld>
+    <p:spTree>
+      <p:nvGrpSpPr>
+        <p:cNvPr id="1" name="">
+          <a:extLst>
+            <a:ext uri="{FF2B5EF4-FFF2-40B4-BE49-F238E27FC236}">
+              <a16:creationId xmlns:a16="http://schemas.microsoft.com/office/drawing/2014/main" id="{32994D57-7ACF-D8DD-3991-EEE5921DEB1E}"/>
+            </a:ext>
+          </a:extLst>
+        </p:cNvPr>
+        <p:cNvGrpSpPr/>
+        <p:nvPr/>
+      </p:nvGrpSpPr>
+      <p:grpSpPr>
+        <a:xfrm>
+          <a:off x="0" y="0"/>
+          <a:ext cx="0" cy="0"/>
+          <a:chOff x="0" y="0"/>
+          <a:chExt cx="0" cy="0"/>
+        </a:xfrm>
+      </p:grpSpPr>
+      <mc:AlternateContent xmlns:mc="http://schemas.openxmlformats.org/markup-compatibility/2006">
+        <mc:Choice xmlns:a14="http://schemas.microsoft.com/office/drawing/2010/main" Requires="a14">
+          <p:sp>
+            <p:nvSpPr>
+              <p:cNvPr id="2" name="Content Placeholder 1">
+                <a:extLst>
+                  <a:ext uri="{FF2B5EF4-FFF2-40B4-BE49-F238E27FC236}">
+                    <a16:creationId xmlns:a16="http://schemas.microsoft.com/office/drawing/2014/main" id="{9C0882F5-7639-E23E-FD85-CB457C5C48D2}"/>
+                  </a:ext>
+                </a:extLst>
+              </p:cNvPr>
+              <p:cNvSpPr>
+                <a:spLocks noGrp="1"/>
+              </p:cNvSpPr>
+              <p:nvPr>
+                <p:ph idx="1"/>
+              </p:nvPr>
+            </p:nvSpPr>
+            <p:spPr>
+              <a:xfrm>
+                <a:off x="314326" y="1184275"/>
+                <a:ext cx="8406980" cy="2891706"/>
+              </a:xfrm>
+            </p:spPr>
+            <p:txBody>
+              <a:bodyPr/>
+              <a:lstStyle/>
+              <a:p>
+                <a:pPr lvl="2">
+                  <a:buClr>
+                    <a:srgbClr val="FF7900"/>
+                  </a:buClr>
+                </a:pPr>
+                <a:r>
+                  <a:rPr lang="en-US" dirty="0">
+                    <a:latin typeface="Helvetica" pitchFamily="2" charset="0"/>
+                  </a:rPr>
+                  <a:t>Instead of working with token embeddings directly they get projected (via </a:t>
+                </a:r>
+                <a:r>
+                  <a:rPr lang="en-US" dirty="0">
+                    <a:solidFill>
+                      <a:schemeClr val="bg2"/>
+                    </a:solidFill>
+                    <a:latin typeface="Helvetica" pitchFamily="2" charset="0"/>
+                  </a:rPr>
+                  <a:t>learnable parameters</a:t>
+                </a:r>
+                <a:r>
+                  <a:rPr lang="en-US" dirty="0">
+                    <a:latin typeface="Helvetica" pitchFamily="2" charset="0"/>
+                  </a:rPr>
+                  <a:t>) to Queries, Keys, and Values</a:t>
+                </a:r>
+              </a:p>
+              <a:p>
+                <a:pPr lvl="2">
+                  <a:buClr>
+                    <a:srgbClr val="FF7900"/>
+                  </a:buClr>
+                </a:pPr>
+                <a:r>
+                  <a:rPr lang="en-US" dirty="0">
+                    <a:latin typeface="Helvetica" pitchFamily="2" charset="0"/>
+                  </a:rPr>
+                  <a:t>Instead of applying a single attention, </a:t>
+                </a:r>
+                <a14:m>
+                  <m:oMath xmlns:m="http://schemas.openxmlformats.org/officeDocument/2006/math">
+                    <m:sSub>
+                      <m:sSubPr>
+                        <m:ctrlPr>
+                          <a:rPr lang="en-US" i="1" dirty="0" smtClean="0">
+                            <a:latin typeface="Cambria Math" panose="02040503050406030204" pitchFamily="18" charset="0"/>
+                          </a:rPr>
+                        </m:ctrlPr>
+                      </m:sSubPr>
+                      <m:e>
+                        <m:r>
+                          <a:rPr lang="en-US" i="1" dirty="0" smtClean="0">
+                            <a:latin typeface="Cambria Math" panose="02040503050406030204" pitchFamily="18" charset="0"/>
+                          </a:rPr>
+                          <m:t>𝑑</m:t>
+                        </m:r>
+                      </m:e>
+                      <m:sub>
+                        <m:r>
+                          <m:rPr>
+                            <m:nor/>
+                          </m:rPr>
+                          <a:rPr lang="en-US" i="0" dirty="0" smtClean="0">
+                            <a:latin typeface="Cambria Math" panose="02040503050406030204" pitchFamily="18" charset="0"/>
+                          </a:rPr>
+                          <m:t>model</m:t>
+                        </m:r>
+                      </m:sub>
+                    </m:sSub>
+                  </m:oMath>
+                </a14:m>
+                <a:r>
+                  <a:rPr lang="en-US" dirty="0">
+                    <a:latin typeface="Helvetica" pitchFamily="2" charset="0"/>
+                  </a:rPr>
+                  <a:t> is split across </a:t>
+                </a:r>
+                <a14:m>
+                  <m:oMath xmlns:m="http://schemas.openxmlformats.org/officeDocument/2006/math">
+                    <m:r>
+                      <a:rPr lang="en-US" i="1" dirty="0" smtClean="0">
+                        <a:latin typeface="Cambria Math" panose="02040503050406030204" pitchFamily="18" charset="0"/>
+                      </a:rPr>
+                      <m:t>𝑛</m:t>
+                    </m:r>
+                  </m:oMath>
+                </a14:m>
+                <a:r>
+                  <a:rPr lang="en-US" dirty="0">
+                    <a:latin typeface="Helvetica" pitchFamily="2" charset="0"/>
+                  </a:rPr>
+                  <a:t> </a:t>
+                </a:r>
+                <a:r>
+                  <a:rPr lang="en-US" dirty="0">
+                    <a:solidFill>
+                      <a:schemeClr val="bg2"/>
+                    </a:solidFill>
+                    <a:latin typeface="Helvetica" pitchFamily="2" charset="0"/>
+                  </a:rPr>
+                  <a:t>heads</a:t>
+                </a:r>
+                <a:r>
+                  <a:rPr lang="en-US" dirty="0">
+                    <a:latin typeface="Helvetica" pitchFamily="2" charset="0"/>
+                  </a:rPr>
+                  <a:t>, where each head processes SDPA on subspaces for Q, K, and V.</a:t>
+                </a:r>
+              </a:p>
+              <a:p>
+                <a:pPr lvl="2">
+                  <a:buClr>
+                    <a:srgbClr val="FF7900"/>
+                  </a:buClr>
+                </a:pPr>
+                <a:r>
+                  <a:rPr lang="en-US" dirty="0">
+                    <a:latin typeface="Helvetica" pitchFamily="2" charset="0"/>
+                  </a:rPr>
+                  <a:t>Results from each head get </a:t>
+                </a:r>
+                <a:r>
+                  <a:rPr lang="en-US" dirty="0">
+                    <a:solidFill>
+                      <a:schemeClr val="bg2"/>
+                    </a:solidFill>
+                    <a:latin typeface="Helvetica" pitchFamily="2" charset="0"/>
+                  </a:rPr>
+                  <a:t>concatenated</a:t>
+                </a:r>
+                <a:r>
+                  <a:rPr lang="en-US" dirty="0">
+                    <a:latin typeface="Helvetica" pitchFamily="2" charset="0"/>
+                  </a:rPr>
+                  <a:t> back into the </a:t>
+                </a:r>
+                <a:r>
+                  <a:rPr lang="en-US" dirty="0">
+                    <a:solidFill>
+                      <a:schemeClr val="bg2"/>
+                    </a:solidFill>
+                    <a:latin typeface="Helvetica" pitchFamily="2" charset="0"/>
+                  </a:rPr>
+                  <a:t>MHA</a:t>
+                </a:r>
+                <a:r>
+                  <a:rPr lang="en-US" dirty="0">
+                    <a:latin typeface="Helvetica" pitchFamily="2" charset="0"/>
+                  </a:rPr>
+                  <a:t> final output (.</a:t>
+                </a:r>
+              </a:p>
+            </p:txBody>
+          </p:sp>
+        </mc:Choice>
+        <mc:Fallback>
+          <p:sp>
+            <p:nvSpPr>
+              <p:cNvPr id="2" name="Content Placeholder 1">
+                <a:extLst>
+                  <a:ext uri="{FF2B5EF4-FFF2-40B4-BE49-F238E27FC236}">
+                    <a16:creationId xmlns:a16="http://schemas.microsoft.com/office/drawing/2014/main" id="{9C0882F5-7639-E23E-FD85-CB457C5C48D2}"/>
+                  </a:ext>
+                </a:extLst>
+              </p:cNvPr>
+              <p:cNvSpPr>
+                <a:spLocks noGrp="1" noRot="1" noChangeAspect="1" noMove="1" noResize="1" noEditPoints="1" noAdjustHandles="1" noChangeArrowheads="1" noChangeShapeType="1" noTextEdit="1"/>
+              </p:cNvSpPr>
+              <p:nvPr>
+                <p:ph idx="1"/>
+              </p:nvPr>
+            </p:nvSpPr>
+            <p:spPr>
+              <a:xfrm>
+                <a:off x="314326" y="1184275"/>
+                <a:ext cx="8406980" cy="2891706"/>
+              </a:xfrm>
+              <a:blipFill>
+                <a:blip r:embed="rId2"/>
+                <a:stretch>
+                  <a:fillRect l="-1207" t="-3057" r="-1207"/>
+                </a:stretch>
+              </a:blipFill>
+            </p:spPr>
+            <p:txBody>
+              <a:bodyPr/>
+              <a:lstStyle/>
+              <a:p>
+                <a:r>
+                  <a:rPr lang="en-US">
+                    <a:noFill/>
+                  </a:rPr>
+                  <a:t> </a:t>
+                </a:r>
+              </a:p>
+            </p:txBody>
+          </p:sp>
+        </mc:Fallback>
+      </mc:AlternateContent>
+      <p:sp>
+        <p:nvSpPr>
+          <p:cNvPr id="3" name="Title 2">
+            <a:extLst>
+              <a:ext uri="{FF2B5EF4-FFF2-40B4-BE49-F238E27FC236}">
+                <a16:creationId xmlns:a16="http://schemas.microsoft.com/office/drawing/2014/main" id="{28E9BB09-3BEA-72FC-04F6-501F581614CC}"/>
+              </a:ext>
+            </a:extLst>
+          </p:cNvPr>
+          <p:cNvSpPr>
+            <a:spLocks noGrp="1"/>
+          </p:cNvSpPr>
+          <p:nvPr>
+            <p:ph type="title"/>
+          </p:nvPr>
+        </p:nvSpPr>
+        <p:spPr/>
+        <p:txBody>
+          <a:bodyPr/>
+          <a:lstStyle/>
+          <a:p>
+            <a:r>
+              <a:rPr lang="en-US" sz="2800" dirty="0"/>
+              <a:t>Model Parameters</a:t>
+            </a:r>
+          </a:p>
+        </p:txBody>
+      </p:sp>
+      <p:sp>
+        <p:nvSpPr>
+          <p:cNvPr id="8" name="Rectangle 7">
+            <a:extLst>
+              <a:ext uri="{FF2B5EF4-FFF2-40B4-BE49-F238E27FC236}">
+                <a16:creationId xmlns:a16="http://schemas.microsoft.com/office/drawing/2014/main" id="{579B6C15-0507-002A-0824-EC3417AC966E}"/>
+              </a:ext>
+            </a:extLst>
+          </p:cNvPr>
+          <p:cNvSpPr/>
+          <p:nvPr/>
+        </p:nvSpPr>
+        <p:spPr>
+          <a:xfrm>
+            <a:off x="310142" y="4548158"/>
+            <a:ext cx="1305910" cy="378330"/>
+          </a:xfrm>
+          <a:prstGeom prst="rect">
+            <a:avLst/>
+          </a:prstGeom>
+          <a:solidFill>
+            <a:schemeClr val="bg1"/>
+          </a:solidFill>
+          <a:ln>
+            <a:noFill/>
+          </a:ln>
+        </p:spPr>
+        <p:style>
+          <a:lnRef idx="2">
+            <a:schemeClr val="accent1">
+              <a:shade val="50000"/>
+            </a:schemeClr>
+          </a:lnRef>
+          <a:fillRef idx="1">
+            <a:schemeClr val="accent1"/>
+          </a:fillRef>
+          <a:effectRef idx="0">
+            <a:schemeClr val="accent1"/>
+          </a:effectRef>
+          <a:fontRef idx="minor">
+            <a:schemeClr val="lt1"/>
+          </a:fontRef>
+        </p:style>
+        <p:txBody>
+          <a:bodyPr rtlCol="0" anchor="ctr"/>
+          <a:lstStyle/>
+          <a:p>
+            <a:pPr algn="ctr"/>
+            <a:endParaRPr lang="en-US" sz="1600" noProof="0" dirty="0">
+              <a:solidFill>
+                <a:srgbClr val="000000"/>
+              </a:solidFill>
+            </a:endParaRPr>
+          </a:p>
+        </p:txBody>
+      </p:sp>
+    </p:spTree>
+    <p:extLst>
+      <p:ext uri="{BB962C8B-B14F-4D97-AF65-F5344CB8AC3E}">
+        <p14:creationId xmlns:p14="http://schemas.microsoft.com/office/powerpoint/2010/main" val="37411331"/>
+      </p:ext>
+    </p:extLst>
+  </p:cSld>
+  <p:clrMapOvr>
+    <a:masterClrMapping/>
+  </p:clrMapOvr>
+  <mc:AlternateContent xmlns:mc="http://schemas.openxmlformats.org/markup-compatibility/2006" xmlns:p14="http://schemas.microsoft.com/office/powerpoint/2010/main">
+    <mc:Choice Requires="p14">
+      <p:transition spd="med" p14:dur="700">
+        <p:fade/>
+      </p:transition>
+    </mc:Choice>
+    <mc:Fallback xmlns="">
+      <p:transition spd="med">
+        <p:fade/>
+      </p:transition>
+    </mc:Fallback>
+  </mc:AlternateContent>
+</p:sld>
+</file>
+
+<file path=ppt/slides/slide14.xml><?xml version="1.0" encoding="utf-8"?>
+<p:sld xmlns:a="http://schemas.openxmlformats.org/drawingml/2006/main" xmlns:r="http://schemas.openxmlformats.org/officeDocument/2006/relationships" xmlns:p="http://schemas.openxmlformats.org/presentationml/2006/main">
+  <p:cSld>
+    <p:spTree>
+      <p:nvGrpSpPr>
+        <p:cNvPr id="1" name="">
+          <a:extLst>
+            <a:ext uri="{FF2B5EF4-FFF2-40B4-BE49-F238E27FC236}">
+              <a16:creationId xmlns:a16="http://schemas.microsoft.com/office/drawing/2014/main" id="{B8BC9FF7-62EC-2CD1-97AD-8AADE2AD0343}"/>
+            </a:ext>
+          </a:extLst>
+        </p:cNvPr>
+        <p:cNvGrpSpPr/>
+        <p:nvPr/>
+      </p:nvGrpSpPr>
+      <p:grpSpPr>
+        <a:xfrm>
+          <a:off x="0" y="0"/>
+          <a:ext cx="0" cy="0"/>
+          <a:chOff x="0" y="0"/>
+          <a:chExt cx="0" cy="0"/>
+        </a:xfrm>
+      </p:grpSpPr>
+      <mc:AlternateContent xmlns:mc="http://schemas.openxmlformats.org/markup-compatibility/2006">
+        <mc:Choice xmlns:a14="http://schemas.microsoft.com/office/drawing/2010/main" Requires="a14">
+          <p:sp>
+            <p:nvSpPr>
+              <p:cNvPr id="2" name="Content Placeholder 1">
+                <a:extLst>
+                  <a:ext uri="{FF2B5EF4-FFF2-40B4-BE49-F238E27FC236}">
+                    <a16:creationId xmlns:a16="http://schemas.microsoft.com/office/drawing/2014/main" id="{7198D760-340A-B897-A0E1-3ACFAC015E12}"/>
+                  </a:ext>
+                </a:extLst>
+              </p:cNvPr>
+              <p:cNvSpPr>
+                <a:spLocks noGrp="1"/>
+              </p:cNvSpPr>
+              <p:nvPr>
+                <p:ph idx="1"/>
+              </p:nvPr>
+            </p:nvSpPr>
+            <p:spPr>
+              <a:xfrm>
+                <a:off x="314326" y="1184275"/>
+                <a:ext cx="8406980" cy="2891706"/>
+              </a:xfrm>
+            </p:spPr>
+            <p:txBody>
+              <a:bodyPr/>
+              <a:lstStyle/>
+              <a:p>
+                <a:pPr lvl="2">
+                  <a:buClr>
+                    <a:srgbClr val="FF7900"/>
+                  </a:buClr>
+                </a:pPr>
+                <a:r>
+                  <a:rPr lang="en-US" dirty="0">
+                    <a:latin typeface="Helvetica" pitchFamily="2" charset="0"/>
+                  </a:rPr>
+                  <a:t>Instead of working with token embeddings directly they get projected (via </a:t>
+                </a:r>
+                <a:r>
+                  <a:rPr lang="en-US" dirty="0">
+                    <a:solidFill>
+                      <a:schemeClr val="bg2"/>
+                    </a:solidFill>
+                    <a:latin typeface="Helvetica" pitchFamily="2" charset="0"/>
+                  </a:rPr>
+                  <a:t>learnable parameters</a:t>
+                </a:r>
+                <a:r>
+                  <a:rPr lang="en-US" dirty="0">
+                    <a:latin typeface="Helvetica" pitchFamily="2" charset="0"/>
+                  </a:rPr>
+                  <a:t>) to Queries, Keys, and Values</a:t>
+                </a:r>
+              </a:p>
+              <a:p>
+                <a:pPr lvl="2">
+                  <a:buClr>
+                    <a:srgbClr val="FF7900"/>
+                  </a:buClr>
+                </a:pPr>
+                <a:r>
+                  <a:rPr lang="en-US" dirty="0">
+                    <a:latin typeface="Helvetica" pitchFamily="2" charset="0"/>
+                  </a:rPr>
+                  <a:t>Instead of applying a single attention, </a:t>
+                </a:r>
+                <a14:m>
+                  <m:oMath xmlns:m="http://schemas.openxmlformats.org/officeDocument/2006/math">
+                    <m:sSub>
+                      <m:sSubPr>
+                        <m:ctrlPr>
+                          <a:rPr lang="en-US" i="1" dirty="0" smtClean="0">
+                            <a:latin typeface="Cambria Math" panose="02040503050406030204" pitchFamily="18" charset="0"/>
+                          </a:rPr>
+                        </m:ctrlPr>
+                      </m:sSubPr>
+                      <m:e>
+                        <m:r>
+                          <a:rPr lang="en-US" i="1" dirty="0" smtClean="0">
+                            <a:latin typeface="Cambria Math" panose="02040503050406030204" pitchFamily="18" charset="0"/>
+                          </a:rPr>
+                          <m:t>𝑑</m:t>
+                        </m:r>
+                      </m:e>
+                      <m:sub>
+                        <m:r>
+                          <m:rPr>
+                            <m:nor/>
+                          </m:rPr>
+                          <a:rPr lang="en-US" i="0" dirty="0" smtClean="0">
+                            <a:latin typeface="Cambria Math" panose="02040503050406030204" pitchFamily="18" charset="0"/>
+                          </a:rPr>
+                          <m:t>model</m:t>
+                        </m:r>
+                      </m:sub>
+                    </m:sSub>
+                  </m:oMath>
+                </a14:m>
+                <a:r>
+                  <a:rPr lang="en-US" dirty="0">
+                    <a:latin typeface="Helvetica" pitchFamily="2" charset="0"/>
+                  </a:rPr>
+                  <a:t> is split across </a:t>
+                </a:r>
+                <a14:m>
+                  <m:oMath xmlns:m="http://schemas.openxmlformats.org/officeDocument/2006/math">
+                    <m:r>
+                      <a:rPr lang="en-US" i="1" dirty="0" smtClean="0">
+                        <a:latin typeface="Cambria Math" panose="02040503050406030204" pitchFamily="18" charset="0"/>
+                      </a:rPr>
+                      <m:t>𝑛</m:t>
+                    </m:r>
+                  </m:oMath>
+                </a14:m>
+                <a:r>
+                  <a:rPr lang="en-US" dirty="0">
+                    <a:latin typeface="Helvetica" pitchFamily="2" charset="0"/>
+                  </a:rPr>
+                  <a:t> </a:t>
+                </a:r>
+                <a:r>
+                  <a:rPr lang="en-US" dirty="0">
+                    <a:solidFill>
+                      <a:schemeClr val="bg2"/>
+                    </a:solidFill>
+                    <a:latin typeface="Helvetica" pitchFamily="2" charset="0"/>
+                  </a:rPr>
+                  <a:t>heads</a:t>
+                </a:r>
+                <a:r>
+                  <a:rPr lang="en-US" dirty="0">
+                    <a:latin typeface="Helvetica" pitchFamily="2" charset="0"/>
+                  </a:rPr>
+                  <a:t>, where each head processes SDPA on subspaces for Q, K, and V.</a:t>
+                </a:r>
+              </a:p>
+              <a:p>
+                <a:pPr lvl="2">
+                  <a:buClr>
+                    <a:srgbClr val="FF7900"/>
+                  </a:buClr>
+                </a:pPr>
+                <a:r>
+                  <a:rPr lang="en-US" dirty="0">
+                    <a:latin typeface="Helvetica" pitchFamily="2" charset="0"/>
+                  </a:rPr>
+                  <a:t>Results from each head get </a:t>
+                </a:r>
+                <a:r>
+                  <a:rPr lang="en-US" dirty="0">
+                    <a:solidFill>
+                      <a:schemeClr val="bg2"/>
+                    </a:solidFill>
+                    <a:latin typeface="Helvetica" pitchFamily="2" charset="0"/>
+                  </a:rPr>
+                  <a:t>concatenated</a:t>
+                </a:r>
+                <a:r>
+                  <a:rPr lang="en-US" dirty="0">
+                    <a:latin typeface="Helvetica" pitchFamily="2" charset="0"/>
+                  </a:rPr>
+                  <a:t> back into the </a:t>
+                </a:r>
+                <a:r>
+                  <a:rPr lang="en-US" dirty="0">
+                    <a:solidFill>
+                      <a:schemeClr val="bg2"/>
+                    </a:solidFill>
+                    <a:latin typeface="Helvetica" pitchFamily="2" charset="0"/>
+                  </a:rPr>
+                  <a:t>MHA</a:t>
+                </a:r>
+                <a:r>
+                  <a:rPr lang="en-US" dirty="0">
+                    <a:latin typeface="Helvetica" pitchFamily="2" charset="0"/>
+                  </a:rPr>
+                  <a:t> final output (.</a:t>
+                </a:r>
+              </a:p>
+            </p:txBody>
+          </p:sp>
+        </mc:Choice>
+        <mc:Fallback>
+          <p:sp>
+            <p:nvSpPr>
+              <p:cNvPr id="2" name="Content Placeholder 1">
+                <a:extLst>
+                  <a:ext uri="{FF2B5EF4-FFF2-40B4-BE49-F238E27FC236}">
+                    <a16:creationId xmlns:a16="http://schemas.microsoft.com/office/drawing/2014/main" id="{7198D760-340A-B897-A0E1-3ACFAC015E12}"/>
+                  </a:ext>
+                </a:extLst>
+              </p:cNvPr>
+              <p:cNvSpPr>
+                <a:spLocks noGrp="1" noRot="1" noChangeAspect="1" noMove="1" noResize="1" noEditPoints="1" noAdjustHandles="1" noChangeArrowheads="1" noChangeShapeType="1" noTextEdit="1"/>
+              </p:cNvSpPr>
+              <p:nvPr>
+                <p:ph idx="1"/>
+              </p:nvPr>
+            </p:nvSpPr>
+            <p:spPr>
+              <a:xfrm>
+                <a:off x="314326" y="1184275"/>
+                <a:ext cx="8406980" cy="2891706"/>
+              </a:xfrm>
+              <a:blipFill>
+                <a:blip r:embed="rId2"/>
+                <a:stretch>
+                  <a:fillRect l="-1207" t="-3057" r="-1207"/>
+                </a:stretch>
+              </a:blipFill>
+            </p:spPr>
+            <p:txBody>
+              <a:bodyPr/>
+              <a:lstStyle/>
+              <a:p>
+                <a:r>
+                  <a:rPr lang="en-US">
+                    <a:noFill/>
+                  </a:rPr>
+                  <a:t> </a:t>
+                </a:r>
+              </a:p>
+            </p:txBody>
+          </p:sp>
+        </mc:Fallback>
+      </mc:AlternateContent>
+      <p:sp>
+        <p:nvSpPr>
+          <p:cNvPr id="3" name="Title 2">
+            <a:extLst>
+              <a:ext uri="{FF2B5EF4-FFF2-40B4-BE49-F238E27FC236}">
+                <a16:creationId xmlns:a16="http://schemas.microsoft.com/office/drawing/2014/main" id="{0A078A64-F3CC-4651-52F8-07E5750377C1}"/>
+              </a:ext>
+            </a:extLst>
+          </p:cNvPr>
+          <p:cNvSpPr>
+            <a:spLocks noGrp="1"/>
+          </p:cNvSpPr>
+          <p:nvPr>
+            <p:ph type="title"/>
+          </p:nvPr>
+        </p:nvSpPr>
+        <p:spPr/>
+        <p:txBody>
+          <a:bodyPr/>
+          <a:lstStyle/>
+          <a:p>
+            <a:r>
+              <a:rPr lang="en-US" sz="2800" dirty="0"/>
+              <a:t>Model Parameters</a:t>
+            </a:r>
+          </a:p>
+        </p:txBody>
+      </p:sp>
+      <p:sp>
+        <p:nvSpPr>
+          <p:cNvPr id="8" name="Rectangle 7">
+            <a:extLst>
+              <a:ext uri="{FF2B5EF4-FFF2-40B4-BE49-F238E27FC236}">
+                <a16:creationId xmlns:a16="http://schemas.microsoft.com/office/drawing/2014/main" id="{448D3150-C727-7A8A-8643-7C2CCF3BCBE4}"/>
+              </a:ext>
+            </a:extLst>
+          </p:cNvPr>
+          <p:cNvSpPr/>
+          <p:nvPr/>
+        </p:nvSpPr>
+        <p:spPr>
+          <a:xfrm>
+            <a:off x="310142" y="4548158"/>
+            <a:ext cx="1305910" cy="378330"/>
+          </a:xfrm>
+          <a:prstGeom prst="rect">
+            <a:avLst/>
+          </a:prstGeom>
+          <a:solidFill>
+            <a:schemeClr val="bg1"/>
+          </a:solidFill>
+          <a:ln>
+            <a:noFill/>
+          </a:ln>
+        </p:spPr>
+        <p:style>
+          <a:lnRef idx="2">
+            <a:schemeClr val="accent1">
+              <a:shade val="50000"/>
+            </a:schemeClr>
+          </a:lnRef>
+          <a:fillRef idx="1">
+            <a:schemeClr val="accent1"/>
+          </a:fillRef>
+          <a:effectRef idx="0">
+            <a:schemeClr val="accent1"/>
+          </a:effectRef>
+          <a:fontRef idx="minor">
+            <a:schemeClr val="lt1"/>
+          </a:fontRef>
+        </p:style>
+        <p:txBody>
+          <a:bodyPr rtlCol="0" anchor="ctr"/>
+          <a:lstStyle/>
+          <a:p>
+            <a:pPr algn="ctr"/>
+            <a:endParaRPr lang="en-US" sz="1600" noProof="0" dirty="0">
+              <a:solidFill>
+                <a:srgbClr val="000000"/>
+              </a:solidFill>
+            </a:endParaRPr>
+          </a:p>
+        </p:txBody>
+      </p:sp>
+    </p:spTree>
+    <p:extLst>
+      <p:ext uri="{BB962C8B-B14F-4D97-AF65-F5344CB8AC3E}">
+        <p14:creationId xmlns:p14="http://schemas.microsoft.com/office/powerpoint/2010/main" val="3693351641"/>
+      </p:ext>
+    </p:extLst>
+  </p:cSld>
+  <p:clrMapOvr>
+    <a:masterClrMapping/>
+  </p:clrMapOvr>
+  <mc:AlternateContent xmlns:mc="http://schemas.openxmlformats.org/markup-compatibility/2006" xmlns:p14="http://schemas.microsoft.com/office/powerpoint/2010/main">
+    <mc:Choice Requires="p14">
+      <p:transition spd="med" p14:dur="700">
+        <p:fade/>
+      </p:transition>
+    </mc:Choice>
+    <mc:Fallback xmlns="">
+      <p:transition spd="med">
+        <p:fade/>
+      </p:transition>
+    </mc:Fallback>
+  </mc:AlternateContent>
+</p:sld>
+</file>
+
+<file path=ppt/slides/slide15.xml><?xml version="1.0" encoding="utf-8"?>
+<p:sld xmlns:a="http://schemas.openxmlformats.org/drawingml/2006/main" xmlns:r="http://schemas.openxmlformats.org/officeDocument/2006/relationships" xmlns:p="http://schemas.openxmlformats.org/presentationml/2006/main">
+  <p:cSld>
+    <p:spTree>
+      <p:nvGrpSpPr>
+        <p:cNvPr id="1" name="">
+          <a:extLst>
+            <a:ext uri="{FF2B5EF4-FFF2-40B4-BE49-F238E27FC236}">
+              <a16:creationId xmlns:a16="http://schemas.microsoft.com/office/drawing/2014/main" id="{49FEFF35-6FEF-1C3D-9F49-A0E57F254524}"/>
+            </a:ext>
+          </a:extLst>
+        </p:cNvPr>
+        <p:cNvGrpSpPr/>
+        <p:nvPr/>
+      </p:nvGrpSpPr>
+      <p:grpSpPr>
+        <a:xfrm>
+          <a:off x="0" y="0"/>
+          <a:ext cx="0" cy="0"/>
+          <a:chOff x="0" y="0"/>
+          <a:chExt cx="0" cy="0"/>
+        </a:xfrm>
+      </p:grpSpPr>
+      <mc:AlternateContent xmlns:mc="http://schemas.openxmlformats.org/markup-compatibility/2006">
+        <mc:Choice xmlns:a14="http://schemas.microsoft.com/office/drawing/2010/main" Requires="a14">
+          <p:sp>
+            <p:nvSpPr>
+              <p:cNvPr id="2" name="Content Placeholder 1">
+                <a:extLst>
+                  <a:ext uri="{FF2B5EF4-FFF2-40B4-BE49-F238E27FC236}">
+                    <a16:creationId xmlns:a16="http://schemas.microsoft.com/office/drawing/2014/main" id="{585820D0-F958-7B1A-CA55-C3F289E282BB}"/>
+                  </a:ext>
+                </a:extLst>
+              </p:cNvPr>
+              <p:cNvSpPr>
+                <a:spLocks noGrp="1"/>
+              </p:cNvSpPr>
+              <p:nvPr>
+                <p:ph idx="1"/>
+              </p:nvPr>
+            </p:nvSpPr>
+            <p:spPr>
+              <a:xfrm>
+                <a:off x="314326" y="1184275"/>
+                <a:ext cx="4714874" cy="2891706"/>
+              </a:xfrm>
+            </p:spPr>
+            <p:txBody>
+              <a:bodyPr/>
+              <a:lstStyle/>
+              <a:p>
+                <a:pPr lvl="3">
+                  <a:buClr>
+                    <a:srgbClr val="FF7900"/>
+                  </a:buClr>
+                  <a:buFont typeface="Wingdings" pitchFamily="2" charset="2"/>
+                  <a:buChar char="§"/>
+                </a:pPr>
+                <a:r>
+                  <a:rPr lang="en-US" dirty="0">
+                    <a:latin typeface="Helvetica" pitchFamily="2" charset="0"/>
+                  </a:rPr>
+                  <a:t>Training an LLM will consist of an </a:t>
+                </a:r>
+                <a:r>
+                  <a:rPr lang="en-US" dirty="0">
+                    <a:solidFill>
+                      <a:schemeClr val="bg2"/>
+                    </a:solidFill>
+                    <a:latin typeface="Helvetica" pitchFamily="2" charset="0"/>
+                  </a:rPr>
+                  <a:t>optimization </a:t>
+                </a:r>
+                <a:r>
+                  <a:rPr lang="en-US" dirty="0">
+                    <a:latin typeface="Helvetica" pitchFamily="2" charset="0"/>
+                  </a:rPr>
+                  <a:t>technique, where a </a:t>
+                </a:r>
+                <a:r>
+                  <a:rPr lang="en-US" dirty="0">
+                    <a:solidFill>
+                      <a:schemeClr val="bg2"/>
+                    </a:solidFill>
+                    <a:latin typeface="Helvetica" pitchFamily="2" charset="0"/>
+                  </a:rPr>
+                  <a:t>loss function </a:t>
+                </a:r>
+                <a:r>
+                  <a:rPr lang="en-US" dirty="0">
+                    <a:latin typeface="Helvetica" pitchFamily="2" charset="0"/>
+                  </a:rPr>
+                  <a:t>needs to be </a:t>
+                </a:r>
+                <a:r>
+                  <a:rPr lang="en-US" dirty="0">
+                    <a:solidFill>
+                      <a:schemeClr val="bg2"/>
+                    </a:solidFill>
+                    <a:latin typeface="Helvetica" pitchFamily="2" charset="0"/>
+                  </a:rPr>
+                  <a:t>minimized </a:t>
+                </a:r>
+                <a:r>
+                  <a:rPr lang="en-US" dirty="0">
+                    <a:latin typeface="Helvetica" pitchFamily="2" charset="0"/>
+                  </a:rPr>
+                  <a:t>through an iterative cycle</a:t>
+                </a:r>
+              </a:p>
+              <a:p>
+                <a:pPr lvl="3">
+                  <a:buClr>
+                    <a:srgbClr val="FF7900"/>
+                  </a:buClr>
+                  <a:buFont typeface="Wingdings" pitchFamily="2" charset="2"/>
+                  <a:buChar char="§"/>
+                </a:pPr>
+                <a:r>
+                  <a:rPr lang="en-US" dirty="0">
+                    <a:latin typeface="Helvetica" pitchFamily="2" charset="0"/>
+                  </a:rPr>
+                  <a:t>The loss function is defined in terms of the </a:t>
+                </a:r>
+                <a:r>
+                  <a:rPr lang="en-US" dirty="0">
+                    <a:solidFill>
+                      <a:schemeClr val="bg2"/>
+                    </a:solidFill>
+                    <a:latin typeface="Helvetica" pitchFamily="2" charset="0"/>
+                  </a:rPr>
+                  <a:t>model parameters (</a:t>
+                </a:r>
+                <a14:m>
+                  <m:oMath xmlns:m="http://schemas.openxmlformats.org/officeDocument/2006/math">
+                    <m:r>
+                      <a:rPr lang="en-US" i="1" dirty="0" smtClean="0">
+                        <a:solidFill>
+                          <a:schemeClr val="bg2"/>
+                        </a:solidFill>
+                        <a:latin typeface="Cambria Math" panose="02040503050406030204" pitchFamily="18" charset="0"/>
+                      </a:rPr>
+                      <m:t>𝜃</m:t>
+                    </m:r>
+                  </m:oMath>
+                </a14:m>
+                <a:r>
+                  <a:rPr lang="en-US" dirty="0">
+                    <a:solidFill>
+                      <a:schemeClr val="bg2"/>
+                    </a:solidFill>
+                    <a:latin typeface="Helvetica" pitchFamily="2" charset="0"/>
+                  </a:rPr>
+                  <a:t>)</a:t>
+                </a:r>
+                <a:r>
+                  <a:rPr lang="en-US" dirty="0">
+                    <a:latin typeface="Helvetica" pitchFamily="2" charset="0"/>
+                  </a:rPr>
+                  <a:t>: all trainable matrices within the transformer layer stack.</a:t>
+                </a:r>
+              </a:p>
+              <a:p>
+                <a:pPr lvl="3">
+                  <a:buClr>
+                    <a:srgbClr val="FF7900"/>
+                  </a:buClr>
+                  <a:buFont typeface="Wingdings" pitchFamily="2" charset="2"/>
+                  <a:buChar char="§"/>
+                </a:pPr>
+                <a:r>
+                  <a:rPr lang="en-US" dirty="0">
+                    <a:latin typeface="Helvetica" pitchFamily="2" charset="0"/>
+                  </a:rPr>
+                  <a:t>After each training loop, all parameters get updated according to their </a:t>
+                </a:r>
+                <a:r>
+                  <a:rPr lang="en-US" dirty="0">
+                    <a:solidFill>
+                      <a:schemeClr val="bg2"/>
+                    </a:solidFill>
+                    <a:latin typeface="Helvetica" pitchFamily="2" charset="0"/>
+                  </a:rPr>
+                  <a:t>gradients</a:t>
+                </a:r>
+                <a:r>
+                  <a:rPr lang="en-US" dirty="0">
+                    <a:latin typeface="Helvetica" pitchFamily="2" charset="0"/>
+                  </a:rPr>
+                  <a:t> (</a:t>
+                </a:r>
+                <a:r>
+                  <a:rPr lang="en-US" dirty="0">
+                    <a:solidFill>
+                      <a:schemeClr val="bg2"/>
+                    </a:solidFill>
+                    <a:latin typeface="Helvetica" pitchFamily="2" charset="0"/>
+                  </a:rPr>
+                  <a:t>calculated via backpropagation</a:t>
+                </a:r>
+                <a:r>
+                  <a:rPr lang="en-US" dirty="0">
+                    <a:latin typeface="Helvetica" pitchFamily="2" charset="0"/>
+                  </a:rPr>
+                  <a:t>)</a:t>
+                </a:r>
+              </a:p>
+            </p:txBody>
+          </p:sp>
+        </mc:Choice>
+        <mc:Fallback>
+          <p:sp>
+            <p:nvSpPr>
+              <p:cNvPr id="2" name="Content Placeholder 1">
+                <a:extLst>
+                  <a:ext uri="{FF2B5EF4-FFF2-40B4-BE49-F238E27FC236}">
+                    <a16:creationId xmlns:a16="http://schemas.microsoft.com/office/drawing/2014/main" id="{585820D0-F958-7B1A-CA55-C3F289E282BB}"/>
+                  </a:ext>
+                </a:extLst>
+              </p:cNvPr>
+              <p:cNvSpPr>
+                <a:spLocks noGrp="1" noRot="1" noChangeAspect="1" noMove="1" noResize="1" noEditPoints="1" noAdjustHandles="1" noChangeArrowheads="1" noChangeShapeType="1" noTextEdit="1"/>
+              </p:cNvSpPr>
+              <p:nvPr>
+                <p:ph idx="1"/>
+              </p:nvPr>
+            </p:nvSpPr>
+            <p:spPr>
+              <a:xfrm>
+                <a:off x="314326" y="1184275"/>
+                <a:ext cx="4714874" cy="2891706"/>
+              </a:xfrm>
+              <a:blipFill>
+                <a:blip r:embed="rId2"/>
+                <a:stretch>
+                  <a:fillRect t="-3057" r="-1613"/>
+                </a:stretch>
+              </a:blipFill>
+            </p:spPr>
+            <p:txBody>
+              <a:bodyPr/>
+              <a:lstStyle/>
+              <a:p>
+                <a:r>
+                  <a:rPr lang="en-US">
+                    <a:noFill/>
+                  </a:rPr>
+                  <a:t> </a:t>
+                </a:r>
+              </a:p>
+            </p:txBody>
+          </p:sp>
+        </mc:Fallback>
+      </mc:AlternateContent>
+      <p:sp>
+        <p:nvSpPr>
+          <p:cNvPr id="3" name="Title 2">
+            <a:extLst>
+              <a:ext uri="{FF2B5EF4-FFF2-40B4-BE49-F238E27FC236}">
+                <a16:creationId xmlns:a16="http://schemas.microsoft.com/office/drawing/2014/main" id="{127D0DF2-754C-FB92-2E5A-E0F4E94FF191}"/>
+              </a:ext>
+            </a:extLst>
+          </p:cNvPr>
+          <p:cNvSpPr>
+            <a:spLocks noGrp="1"/>
+          </p:cNvSpPr>
+          <p:nvPr>
+            <p:ph type="title"/>
+          </p:nvPr>
+        </p:nvSpPr>
+        <p:spPr/>
+        <p:txBody>
+          <a:bodyPr/>
+          <a:lstStyle/>
+          <a:p>
+            <a:r>
+              <a:rPr lang="en-US" sz="2800" dirty="0"/>
+              <a:t>Model Parameters</a:t>
+            </a:r>
+          </a:p>
+        </p:txBody>
+      </p:sp>
+      <p:sp>
+        <p:nvSpPr>
+          <p:cNvPr id="8" name="Rectangle 7">
+            <a:extLst>
+              <a:ext uri="{FF2B5EF4-FFF2-40B4-BE49-F238E27FC236}">
+                <a16:creationId xmlns:a16="http://schemas.microsoft.com/office/drawing/2014/main" id="{A60E990E-3329-BE02-3D6C-4220DE5641E7}"/>
+              </a:ext>
+            </a:extLst>
+          </p:cNvPr>
+          <p:cNvSpPr/>
+          <p:nvPr/>
+        </p:nvSpPr>
+        <p:spPr>
+          <a:xfrm>
+            <a:off x="310142" y="4548158"/>
+            <a:ext cx="1305910" cy="378330"/>
+          </a:xfrm>
+          <a:prstGeom prst="rect">
+            <a:avLst/>
+          </a:prstGeom>
+          <a:solidFill>
+            <a:schemeClr val="bg1"/>
+          </a:solidFill>
+          <a:ln>
+            <a:noFill/>
+          </a:ln>
+        </p:spPr>
+        <p:style>
+          <a:lnRef idx="2">
+            <a:schemeClr val="accent1">
+              <a:shade val="50000"/>
+            </a:schemeClr>
+          </a:lnRef>
+          <a:fillRef idx="1">
+            <a:schemeClr val="accent1"/>
+          </a:fillRef>
+          <a:effectRef idx="0">
+            <a:schemeClr val="accent1"/>
+          </a:effectRef>
+          <a:fontRef idx="minor">
+            <a:schemeClr val="lt1"/>
+          </a:fontRef>
+        </p:style>
+        <p:txBody>
+          <a:bodyPr rtlCol="0" anchor="ctr"/>
+          <a:lstStyle/>
+          <a:p>
+            <a:pPr algn="ctr"/>
+            <a:endParaRPr lang="en-US" sz="1600" noProof="0" dirty="0">
+              <a:solidFill>
+                <a:srgbClr val="000000"/>
+              </a:solidFill>
+            </a:endParaRPr>
+          </a:p>
+        </p:txBody>
+      </p:sp>
+      <p:graphicFrame>
+        <p:nvGraphicFramePr>
+          <p:cNvPr id="4" name="Diagram 3">
+            <a:extLst>
+              <a:ext uri="{FF2B5EF4-FFF2-40B4-BE49-F238E27FC236}">
+                <a16:creationId xmlns:a16="http://schemas.microsoft.com/office/drawing/2014/main" id="{60E22BE9-36F2-7774-E649-1B796FC7A408}"/>
+              </a:ext>
+            </a:extLst>
+          </p:cNvPr>
+          <p:cNvGraphicFramePr/>
+          <p:nvPr>
+            <p:extLst>
+              <p:ext uri="{D42A27DB-BD31-4B8C-83A1-F6EECF244321}">
+                <p14:modId xmlns:p14="http://schemas.microsoft.com/office/powerpoint/2010/main" val="561234130"/>
+              </p:ext>
+            </p:extLst>
+          </p:nvPr>
+        </p:nvGraphicFramePr>
+        <p:xfrm>
+          <a:off x="5369941" y="508958"/>
+          <a:ext cx="3480759" cy="4094792"/>
+        </p:xfrm>
+        <a:graphic>
+          <a:graphicData uri="http://schemas.openxmlformats.org/drawingml/2006/diagram">
+            <dgm:relIds xmlns:dgm="http://schemas.openxmlformats.org/drawingml/2006/diagram" xmlns:r="http://schemas.openxmlformats.org/officeDocument/2006/relationships" r:dm="rId3" r:lo="rId4" r:qs="rId5" r:cs="rId6"/>
+          </a:graphicData>
+        </a:graphic>
+      </p:graphicFrame>
+      <mc:AlternateContent xmlns:mc="http://schemas.openxmlformats.org/markup-compatibility/2006">
+        <mc:Choice xmlns:a14="http://schemas.microsoft.com/office/drawing/2010/main" Requires="a14">
+          <p:sp>
+            <p:nvSpPr>
+              <p:cNvPr id="5" name="TextBox 4">
+                <a:extLst>
+                  <a:ext uri="{FF2B5EF4-FFF2-40B4-BE49-F238E27FC236}">
+                    <a16:creationId xmlns:a16="http://schemas.microsoft.com/office/drawing/2014/main" id="{899FE77D-1857-7760-78ED-F520F18395FF}"/>
+                  </a:ext>
+                </a:extLst>
+              </p:cNvPr>
+              <p:cNvSpPr txBox="1"/>
+              <p:nvPr/>
+            </p:nvSpPr>
+            <p:spPr>
+              <a:xfrm>
+                <a:off x="6828512" y="1490584"/>
+                <a:ext cx="563616" cy="215444"/>
+              </a:xfrm>
+              <a:prstGeom prst="rect">
+                <a:avLst/>
+              </a:prstGeom>
+            </p:spPr>
+            <p:txBody>
+              <a:bodyPr wrap="none" lIns="0" tIns="0" rIns="0" bIns="0" rtlCol="0">
+                <a:spAutoFit/>
+              </a:bodyPr>
+              <a:lstStyle/>
+              <a:p>
+                <a14:m>
+                  <m:oMathPara xmlns:m="http://schemas.openxmlformats.org/officeDocument/2006/math">
+                    <m:oMathParaPr>
+                      <m:jc m:val="centerGroup"/>
+                    </m:oMathParaPr>
+                    <m:oMath xmlns:m="http://schemas.openxmlformats.org/officeDocument/2006/math">
+                      <m:r>
+                        <a:rPr lang="en-US" sz="1400" b="0" i="1" smtClean="0">
+                          <a:latin typeface="Cambria Math" panose="02040503050406030204" pitchFamily="18" charset="0"/>
+                        </a:rPr>
+                        <m:t>𝑃</m:t>
+                      </m:r>
+                      <m:d>
+                        <m:dPr>
+                          <m:ctrlPr>
+                            <a:rPr lang="en-US" sz="1400" b="0" i="1" smtClean="0">
+                              <a:latin typeface="Cambria Math" panose="02040503050406030204" pitchFamily="18" charset="0"/>
+                            </a:rPr>
+                          </m:ctrlPr>
+                        </m:dPr>
+                        <m:e>
+                          <m:r>
+                            <a:rPr lang="en-US" sz="1400" b="0" i="1" smtClean="0">
+                              <a:latin typeface="Cambria Math" panose="02040503050406030204" pitchFamily="18" charset="0"/>
+                            </a:rPr>
+                            <m:t>𝑦</m:t>
+                          </m:r>
+                        </m:e>
+                        <m:e>
+                          <m:r>
+                            <a:rPr lang="en-US" sz="1400" b="0" i="1" smtClean="0">
+                              <a:latin typeface="Cambria Math" panose="02040503050406030204" pitchFamily="18" charset="0"/>
+                            </a:rPr>
+                            <m:t>𝑐</m:t>
+                          </m:r>
+                        </m:e>
+                      </m:d>
+                    </m:oMath>
+                  </m:oMathPara>
+                </a14:m>
+                <a:endParaRPr lang="en-US" sz="1400" dirty="0" err="1"/>
+              </a:p>
+            </p:txBody>
+          </p:sp>
+        </mc:Choice>
+        <mc:Fallback>
+          <p:sp>
+            <p:nvSpPr>
+              <p:cNvPr id="5" name="TextBox 4">
+                <a:extLst>
+                  <a:ext uri="{FF2B5EF4-FFF2-40B4-BE49-F238E27FC236}">
+                    <a16:creationId xmlns:a16="http://schemas.microsoft.com/office/drawing/2014/main" id="{899FE77D-1857-7760-78ED-F520F18395FF}"/>
+                  </a:ext>
+                </a:extLst>
+              </p:cNvPr>
+              <p:cNvSpPr txBox="1">
+                <a:spLocks noRot="1" noChangeAspect="1" noMove="1" noResize="1" noEditPoints="1" noAdjustHandles="1" noChangeArrowheads="1" noChangeShapeType="1" noTextEdit="1"/>
+              </p:cNvSpPr>
+              <p:nvPr/>
+            </p:nvSpPr>
+            <p:spPr>
+              <a:xfrm>
+                <a:off x="6828512" y="1490584"/>
+                <a:ext cx="563616" cy="215444"/>
+              </a:xfrm>
+              <a:prstGeom prst="rect">
+                <a:avLst/>
+              </a:prstGeom>
+              <a:blipFill>
+                <a:blip r:embed="rId8"/>
+                <a:stretch>
+                  <a:fillRect l="-4348" b="-22222"/>
+                </a:stretch>
+              </a:blipFill>
+            </p:spPr>
+            <p:txBody>
+              <a:bodyPr/>
+              <a:lstStyle/>
+              <a:p>
+                <a:r>
+                  <a:rPr lang="en-US">
+                    <a:noFill/>
+                  </a:rPr>
+                  <a:t> </a:t>
+                </a:r>
+              </a:p>
+            </p:txBody>
+          </p:sp>
+        </mc:Fallback>
+      </mc:AlternateContent>
+      <mc:AlternateContent xmlns:mc="http://schemas.openxmlformats.org/markup-compatibility/2006">
+        <mc:Choice xmlns:a14="http://schemas.microsoft.com/office/drawing/2010/main" Requires="a14">
+          <p:sp>
+            <p:nvSpPr>
+              <p:cNvPr id="6" name="TextBox 5">
+                <a:extLst>
+                  <a:ext uri="{FF2B5EF4-FFF2-40B4-BE49-F238E27FC236}">
+                    <a16:creationId xmlns:a16="http://schemas.microsoft.com/office/drawing/2014/main" id="{5C34C4F1-5791-98C2-DB17-FD7136D2F103}"/>
+                  </a:ext>
+                </a:extLst>
+              </p:cNvPr>
+              <p:cNvSpPr txBox="1"/>
+              <p:nvPr/>
+            </p:nvSpPr>
+            <p:spPr>
+              <a:xfrm>
+                <a:off x="7886687" y="2630128"/>
+                <a:ext cx="772969" cy="215444"/>
+              </a:xfrm>
+              <a:prstGeom prst="rect">
+                <a:avLst/>
+              </a:prstGeom>
+            </p:spPr>
+            <p:txBody>
+              <a:bodyPr wrap="none" lIns="0" tIns="0" rIns="0" bIns="0" rtlCol="0">
+                <a:spAutoFit/>
+              </a:bodyPr>
+              <a:lstStyle/>
+              <a:p>
+                <a14:m>
+                  <m:oMathPara xmlns:m="http://schemas.openxmlformats.org/officeDocument/2006/math">
+                    <m:oMathParaPr>
+                      <m:jc m:val="centerGroup"/>
+                    </m:oMathParaPr>
+                    <m:oMath xmlns:m="http://schemas.openxmlformats.org/officeDocument/2006/math">
+                      <m:r>
+                        <a:rPr lang="en-US" sz="1400" b="0" i="1" dirty="0" smtClean="0">
+                          <a:latin typeface="Cambria Math" panose="02040503050406030204" pitchFamily="18" charset="0"/>
+                        </a:rPr>
+                        <m:t>ℒ</m:t>
+                      </m:r>
+                      <m:r>
+                        <a:rPr lang="en-US" sz="1400" b="0" i="1" dirty="0" smtClean="0">
+                          <a:latin typeface="Cambria Math" panose="02040503050406030204" pitchFamily="18" charset="0"/>
+                        </a:rPr>
+                        <m:t>(</m:t>
+                      </m:r>
+                      <m:r>
+                        <m:rPr>
+                          <m:sty m:val="p"/>
+                        </m:rPr>
+                        <a:rPr lang="en-US" sz="1400" b="0" i="1" dirty="0" smtClean="0">
+                          <a:latin typeface="Cambria Math" panose="02040503050406030204" pitchFamily="18" charset="0"/>
+                        </a:rPr>
+                        <m:t>y</m:t>
+                      </m:r>
+                      <m:r>
+                        <a:rPr lang="en-US" sz="1400" b="0" i="1" dirty="0" smtClean="0">
+                          <a:latin typeface="Cambria Math" panose="02040503050406030204" pitchFamily="18" charset="0"/>
+                        </a:rPr>
+                        <m:t>,</m:t>
+                      </m:r>
+                      <m:r>
+                        <m:rPr>
+                          <m:sty m:val="p"/>
+                        </m:rPr>
+                        <a:rPr lang="en-US" sz="1400" b="0" i="1" dirty="0" smtClean="0">
+                          <a:latin typeface="Cambria Math" panose="02040503050406030204" pitchFamily="18" charset="0"/>
+                        </a:rPr>
+                        <m:t>y</m:t>
+                      </m:r>
+                      <m:r>
+                        <a:rPr lang="en-US" sz="1400" b="0" i="1" dirty="0" smtClean="0">
+                          <a:latin typeface="Cambria Math" panose="02040503050406030204" pitchFamily="18" charset="0"/>
+                        </a:rPr>
+                        <m:t>’;</m:t>
+                      </m:r>
+                      <m:r>
+                        <a:rPr lang="en-US" sz="1400" b="0" i="1" dirty="0" smtClean="0">
+                          <a:latin typeface="Cambria Math" panose="02040503050406030204" pitchFamily="18" charset="0"/>
+                        </a:rPr>
+                        <m:t>𝜃</m:t>
+                      </m:r>
+                      <m:r>
+                        <a:rPr lang="en-US" sz="1400" b="0" i="1" dirty="0" smtClean="0">
+                          <a:latin typeface="Cambria Math" panose="02040503050406030204" pitchFamily="18" charset="0"/>
+                        </a:rPr>
+                        <m:t>)</m:t>
+                      </m:r>
+                    </m:oMath>
+                  </m:oMathPara>
+                </a14:m>
+              </a:p>
+            </p:txBody>
+          </p:sp>
+        </mc:Choice>
+        <mc:Fallback>
+          <p:sp>
+            <p:nvSpPr>
+              <p:cNvPr id="6" name="TextBox 5">
+                <a:extLst>
+                  <a:ext uri="{FF2B5EF4-FFF2-40B4-BE49-F238E27FC236}">
+                    <a16:creationId xmlns:a16="http://schemas.microsoft.com/office/drawing/2014/main" id="{5C34C4F1-5791-98C2-DB17-FD7136D2F103}"/>
+                  </a:ext>
+                </a:extLst>
+              </p:cNvPr>
+              <p:cNvSpPr txBox="1">
+                <a:spLocks noRot="1" noChangeAspect="1" noMove="1" noResize="1" noEditPoints="1" noAdjustHandles="1" noChangeArrowheads="1" noChangeShapeType="1" noTextEdit="1"/>
+              </p:cNvSpPr>
+              <p:nvPr/>
+            </p:nvSpPr>
+            <p:spPr>
+              <a:xfrm>
+                <a:off x="7886687" y="2630128"/>
+                <a:ext cx="772969" cy="215444"/>
+              </a:xfrm>
+              <a:prstGeom prst="rect">
+                <a:avLst/>
+              </a:prstGeom>
+              <a:blipFill>
+                <a:blip r:embed="rId9"/>
+                <a:stretch>
+                  <a:fillRect l="-4839" t="-21053" r="-14516" b="-42105"/>
+                </a:stretch>
+              </a:blipFill>
+            </p:spPr>
+            <p:txBody>
+              <a:bodyPr/>
+              <a:lstStyle/>
+              <a:p>
+                <a:r>
+                  <a:rPr lang="en-US">
+                    <a:noFill/>
+                  </a:rPr>
+                  <a:t> </a:t>
+                </a:r>
+              </a:p>
+            </p:txBody>
+          </p:sp>
+        </mc:Fallback>
+      </mc:AlternateContent>
+      <mc:AlternateContent xmlns:mc="http://schemas.openxmlformats.org/markup-compatibility/2006">
+        <mc:Choice xmlns:a14="http://schemas.microsoft.com/office/drawing/2010/main" Requires="a14">
+          <p:sp>
+            <p:nvSpPr>
+              <p:cNvPr id="7" name="TextBox 6">
+                <a:extLst>
+                  <a:ext uri="{FF2B5EF4-FFF2-40B4-BE49-F238E27FC236}">
+                    <a16:creationId xmlns:a16="http://schemas.microsoft.com/office/drawing/2014/main" id="{210C0B36-0866-44FD-555C-AE11933BBDAC}"/>
+                  </a:ext>
+                </a:extLst>
+              </p:cNvPr>
+              <p:cNvSpPr txBox="1"/>
+              <p:nvPr/>
+            </p:nvSpPr>
+            <p:spPr>
+              <a:xfrm>
+                <a:off x="1718800" y="3023210"/>
+                <a:ext cx="1389226" cy="414216"/>
+              </a:xfrm>
+              <a:prstGeom prst="rect">
+                <a:avLst/>
+              </a:prstGeom>
+            </p:spPr>
+            <p:txBody>
+              <a:bodyPr wrap="none" lIns="0" tIns="0" rIns="0" bIns="0" rtlCol="0">
+                <a:spAutoFit/>
+              </a:bodyPr>
+              <a:lstStyle/>
+              <a:p>
+                <a14:m>
+                  <m:oMathPara xmlns:m="http://schemas.openxmlformats.org/officeDocument/2006/math">
+                    <m:oMathParaPr>
+                      <m:jc m:val="centerGroup"/>
+                    </m:oMathParaPr>
+                    <m:oMath xmlns:m="http://schemas.openxmlformats.org/officeDocument/2006/math">
+                      <m:r>
+                        <m:rPr>
+                          <m:sty m:val="p"/>
+                        </m:rPr>
+                        <a:rPr lang="en-US" sz="1400" b="0" i="1" smtClean="0">
+                          <a:solidFill>
+                            <a:schemeClr val="bg2"/>
+                          </a:solidFill>
+                          <a:latin typeface="Cambria Math" panose="02040503050406030204" pitchFamily="18" charset="0"/>
+                        </a:rPr>
+                        <m:t>W</m:t>
+                      </m:r>
+                      <m:r>
+                        <m:rPr>
+                          <m:sty m:val="p"/>
+                        </m:rPr>
+                        <a:rPr lang="en-US" sz="1400" b="0" i="1" baseline="-25000" smtClean="0">
+                          <a:solidFill>
+                            <a:schemeClr val="bg2"/>
+                          </a:solidFill>
+                          <a:latin typeface="Cambria Math" panose="02040503050406030204" pitchFamily="18" charset="0"/>
+                        </a:rPr>
+                        <m:t>i</m:t>
+                      </m:r>
+                      <m:r>
+                        <a:rPr lang="en-US" sz="1400" b="0" i="1" smtClean="0">
+                          <a:solidFill>
+                            <a:schemeClr val="bg2"/>
+                          </a:solidFill>
+                          <a:latin typeface="Cambria Math" panose="02040503050406030204" pitchFamily="18" charset="0"/>
+                        </a:rPr>
+                        <m:t>=</m:t>
+                      </m:r>
+                      <m:r>
+                        <m:rPr>
+                          <m:sty m:val="p"/>
+                        </m:rPr>
+                        <a:rPr lang="en-US" sz="1400" b="0" i="1" smtClean="0">
+                          <a:solidFill>
+                            <a:schemeClr val="bg2"/>
+                          </a:solidFill>
+                          <a:latin typeface="Cambria Math" panose="02040503050406030204" pitchFamily="18" charset="0"/>
+                        </a:rPr>
+                        <m:t>Wi</m:t>
+                      </m:r>
+                      <m:r>
+                        <a:rPr lang="en-US" sz="1400" b="0" i="1" smtClean="0">
+                          <a:solidFill>
+                            <a:schemeClr val="bg2"/>
+                          </a:solidFill>
+                          <a:latin typeface="Cambria Math" panose="02040503050406030204" pitchFamily="18" charset="0"/>
+                        </a:rPr>
+                        <m:t>- </m:t>
+                      </m:r>
+                      <m:r>
+                        <m:rPr>
+                          <m:sty m:val="p"/>
+                        </m:rPr>
+                        <a:rPr lang="en-US" sz="1400" i="1">
+                          <a:solidFill>
+                            <a:schemeClr val="bg2"/>
+                          </a:solidFill>
+                          <a:latin typeface="Cambria Math" panose="02040503050406030204" pitchFamily="18" charset="0"/>
+                        </a:rPr>
+                        <m:t>α</m:t>
+                      </m:r>
+                      <m:d>
+                        <m:dPr>
+                          <m:ctrlPr>
+                            <a:rPr lang="en-US" sz="1400" i="1" smtClean="0">
+                              <a:solidFill>
+                                <a:schemeClr val="bg2"/>
+                              </a:solidFill>
+                              <a:latin typeface="Cambria Math" panose="02040503050406030204" pitchFamily="18" charset="0"/>
+                            </a:rPr>
+                          </m:ctrlPr>
+                        </m:dPr>
+                        <m:e>
+                          <m:f>
+                            <m:fPr>
+                              <m:ctrlPr>
+                                <a:rPr lang="en-US" sz="1400" i="1">
+                                  <a:solidFill>
+                                    <a:schemeClr val="bg2"/>
+                                  </a:solidFill>
+                                  <a:latin typeface="Cambria Math" panose="02040503050406030204" pitchFamily="18" charset="0"/>
+                                </a:rPr>
+                              </m:ctrlPr>
+                            </m:fPr>
+                            <m:num>
+                              <m:r>
+                                <a:rPr lang="en-US" sz="1400" i="1">
+                                  <a:solidFill>
+                                    <a:schemeClr val="bg2"/>
+                                  </a:solidFill>
+                                  <a:latin typeface="Cambria Math" panose="02040503050406030204" pitchFamily="18" charset="0"/>
+                                </a:rPr>
+                                <m:t>𝜕</m:t>
+                              </m:r>
+                              <m:r>
+                                <a:rPr lang="en-US" sz="1400" i="1">
+                                  <a:solidFill>
+                                    <a:schemeClr val="bg2"/>
+                                  </a:solidFill>
+                                  <a:latin typeface="Cambria Math" panose="02040503050406030204" pitchFamily="18" charset="0"/>
+                                </a:rPr>
+                                <m:t>ℒ</m:t>
+                              </m:r>
+                            </m:num>
+                            <m:den>
+                              <m:r>
+                                <a:rPr lang="en-US" sz="1400" i="1">
+                                  <a:solidFill>
+                                    <a:schemeClr val="bg2"/>
+                                  </a:solidFill>
+                                  <a:latin typeface="Cambria Math" panose="02040503050406030204" pitchFamily="18" charset="0"/>
+                                </a:rPr>
+                                <m:t>𝜕</m:t>
+                              </m:r>
+                              <m:r>
+                                <m:rPr>
+                                  <m:nor/>
+                                </m:rPr>
+                                <a:rPr lang="en-US" sz="1400">
+                                  <a:solidFill>
+                                    <a:schemeClr val="bg2"/>
+                                  </a:solidFill>
+                                  <a:latin typeface="Cambria Math" panose="02040503050406030204" pitchFamily="18" charset="0"/>
+                                </a:rPr>
+                                <m:t>W</m:t>
+                              </m:r>
+                              <m:r>
+                                <m:rPr>
+                                  <m:nor/>
+                                </m:rPr>
+                                <a:rPr lang="en-US" sz="1400" baseline="-25000">
+                                  <a:solidFill>
+                                    <a:schemeClr val="bg2"/>
+                                  </a:solidFill>
+                                  <a:latin typeface="Cambria Math" panose="02040503050406030204" pitchFamily="18" charset="0"/>
+                                </a:rPr>
+                                <m:t>i</m:t>
+                              </m:r>
+                            </m:den>
+                          </m:f>
+                        </m:e>
+                      </m:d>
+                    </m:oMath>
+                  </m:oMathPara>
+                </a14:m>
+                <a:endParaRPr lang="en-US" sz="1400" dirty="0" err="1">
+                  <a:solidFill>
+                    <a:schemeClr val="bg2"/>
+                  </a:solidFill>
+                </a:endParaRPr>
+              </a:p>
+            </p:txBody>
+          </p:sp>
+        </mc:Choice>
+        <mc:Fallback>
+          <p:sp>
+            <p:nvSpPr>
+              <p:cNvPr id="7" name="TextBox 6">
+                <a:extLst>
+                  <a:ext uri="{FF2B5EF4-FFF2-40B4-BE49-F238E27FC236}">
+                    <a16:creationId xmlns:a16="http://schemas.microsoft.com/office/drawing/2014/main" id="{210C0B36-0866-44FD-555C-AE11933BBDAC}"/>
+                  </a:ext>
+                </a:extLst>
+              </p:cNvPr>
+              <p:cNvSpPr txBox="1">
+                <a:spLocks noRot="1" noChangeAspect="1" noMove="1" noResize="1" noEditPoints="1" noAdjustHandles="1" noChangeArrowheads="1" noChangeShapeType="1" noTextEdit="1"/>
+              </p:cNvSpPr>
+              <p:nvPr/>
+            </p:nvSpPr>
+            <p:spPr>
+              <a:xfrm>
+                <a:off x="1718800" y="3023210"/>
+                <a:ext cx="1389226" cy="414216"/>
+              </a:xfrm>
+              <a:prstGeom prst="rect">
+                <a:avLst/>
+              </a:prstGeom>
+              <a:blipFill>
+                <a:blip r:embed="rId10"/>
+                <a:stretch>
+                  <a:fillRect l="-2727" t="-6061" b="-15152"/>
+                </a:stretch>
+              </a:blipFill>
+            </p:spPr>
+            <p:txBody>
+              <a:bodyPr/>
+              <a:lstStyle/>
+              <a:p>
+                <a:r>
+                  <a:rPr lang="en-US">
+                    <a:noFill/>
+                  </a:rPr>
+                  <a:t> </a:t>
+                </a:r>
+              </a:p>
+            </p:txBody>
+          </p:sp>
+        </mc:Fallback>
+      </mc:AlternateContent>
+      <mc:AlternateContent xmlns:mc="http://schemas.openxmlformats.org/markup-compatibility/2006">
+        <mc:Choice xmlns:a14="http://schemas.microsoft.com/office/drawing/2010/main" Requires="a14">
+          <p:sp>
+            <p:nvSpPr>
+              <p:cNvPr id="11" name="TextBox 10">
+                <a:extLst>
+                  <a:ext uri="{FF2B5EF4-FFF2-40B4-BE49-F238E27FC236}">
+                    <a16:creationId xmlns:a16="http://schemas.microsoft.com/office/drawing/2014/main" id="{8B56B781-1ECD-90C0-AB3F-508FE6180EDB}"/>
+                  </a:ext>
+                </a:extLst>
+              </p:cNvPr>
+              <p:cNvSpPr txBox="1"/>
+              <p:nvPr/>
+            </p:nvSpPr>
+            <p:spPr>
+              <a:xfrm>
+                <a:off x="6936394" y="3817806"/>
+                <a:ext cx="347852" cy="409664"/>
+              </a:xfrm>
+              <a:prstGeom prst="rect">
+                <a:avLst/>
+              </a:prstGeom>
+            </p:spPr>
+            <p:txBody>
+              <a:bodyPr wrap="none" lIns="0" tIns="0" rIns="0" bIns="0" rtlCol="0">
+                <a:spAutoFit/>
+              </a:bodyPr>
+              <a:lstStyle/>
+              <a:p>
+                <a:pPr/>
+                <a14:m>
+                  <m:oMathPara xmlns:m="http://schemas.openxmlformats.org/officeDocument/2006/math">
+                    <m:oMathParaPr>
+                      <m:jc m:val="centerGroup"/>
+                    </m:oMathParaPr>
+                    <m:oMath xmlns:m="http://schemas.openxmlformats.org/officeDocument/2006/math">
+                      <m:f>
+                        <m:fPr>
+                          <m:ctrlPr>
+                            <a:rPr lang="en-US" sz="1400" i="1">
+                              <a:latin typeface="Cambria Math" panose="02040503050406030204" pitchFamily="18" charset="0"/>
+                            </a:rPr>
+                          </m:ctrlPr>
+                        </m:fPr>
+                        <m:num>
+                          <m:r>
+                            <a:rPr lang="en-US" sz="1400" i="1">
+                              <a:latin typeface="Cambria Math" panose="02040503050406030204" pitchFamily="18" charset="0"/>
+                            </a:rPr>
+                            <m:t>𝜕</m:t>
+                          </m:r>
+                          <m:r>
+                            <a:rPr lang="en-US" sz="1400" i="1">
+                              <a:latin typeface="Cambria Math" panose="02040503050406030204" pitchFamily="18" charset="0"/>
+                            </a:rPr>
+                            <m:t>ℒ</m:t>
+                          </m:r>
+                        </m:num>
+                        <m:den>
+                          <m:r>
+                            <a:rPr lang="en-US" sz="1400" i="1">
+                              <a:latin typeface="Cambria Math" panose="02040503050406030204" pitchFamily="18" charset="0"/>
+                            </a:rPr>
+                            <m:t>𝜕</m:t>
+                          </m:r>
+                          <m:r>
+                            <m:rPr>
+                              <m:nor/>
+                            </m:rPr>
+                            <a:rPr lang="en-US" sz="1400">
+                              <a:latin typeface="Cambria Math" panose="02040503050406030204" pitchFamily="18" charset="0"/>
+                            </a:rPr>
+                            <m:t>W</m:t>
+                          </m:r>
+                          <m:r>
+                            <m:rPr>
+                              <m:nor/>
+                            </m:rPr>
+                            <a:rPr lang="en-US" sz="1400" baseline="-25000">
+                              <a:latin typeface="Cambria Math" panose="02040503050406030204" pitchFamily="18" charset="0"/>
+                            </a:rPr>
+                            <m:t>i</m:t>
+                          </m:r>
+                        </m:den>
+                      </m:f>
+                    </m:oMath>
+                  </m:oMathPara>
+                </a14:m>
+                <a:endParaRPr lang="en-US" sz="1400" dirty="0"/>
+              </a:p>
+            </p:txBody>
+          </p:sp>
+        </mc:Choice>
+        <mc:Fallback>
+          <p:sp>
+            <p:nvSpPr>
+              <p:cNvPr id="11" name="TextBox 10">
+                <a:extLst>
+                  <a:ext uri="{FF2B5EF4-FFF2-40B4-BE49-F238E27FC236}">
+                    <a16:creationId xmlns:a16="http://schemas.microsoft.com/office/drawing/2014/main" id="{8B56B781-1ECD-90C0-AB3F-508FE6180EDB}"/>
+                  </a:ext>
+                </a:extLst>
+              </p:cNvPr>
+              <p:cNvSpPr txBox="1">
+                <a:spLocks noRot="1" noChangeAspect="1" noMove="1" noResize="1" noEditPoints="1" noAdjustHandles="1" noChangeArrowheads="1" noChangeShapeType="1" noTextEdit="1"/>
+              </p:cNvSpPr>
+              <p:nvPr/>
+            </p:nvSpPr>
+            <p:spPr>
+              <a:xfrm>
+                <a:off x="6936394" y="3817806"/>
+                <a:ext cx="347852" cy="409664"/>
+              </a:xfrm>
+              <a:prstGeom prst="rect">
+                <a:avLst/>
+              </a:prstGeom>
+              <a:blipFill>
+                <a:blip r:embed="rId11"/>
+                <a:stretch>
+                  <a:fillRect l="-14286" t="-3030" r="-7143" b="-18182"/>
+                </a:stretch>
+              </a:blipFill>
+            </p:spPr>
+            <p:txBody>
+              <a:bodyPr/>
+              <a:lstStyle/>
+              <a:p>
+                <a:r>
+                  <a:rPr lang="en-US">
+                    <a:noFill/>
+                  </a:rPr>
+                  <a:t> </a:t>
+                </a:r>
+              </a:p>
+            </p:txBody>
+          </p:sp>
+        </mc:Fallback>
+      </mc:AlternateContent>
+    </p:spTree>
+    <p:extLst>
+      <p:ext uri="{BB962C8B-B14F-4D97-AF65-F5344CB8AC3E}">
+        <p14:creationId xmlns:p14="http://schemas.microsoft.com/office/powerpoint/2010/main" val="2564132690"/>
+      </p:ext>
+    </p:extLst>
+  </p:cSld>
+  <p:clrMapOvr>
+    <a:masterClrMapping/>
+  </p:clrMapOvr>
+  <mc:AlternateContent xmlns:mc="http://schemas.openxmlformats.org/markup-compatibility/2006" xmlns:p14="http://schemas.microsoft.com/office/powerpoint/2010/main">
+    <mc:Choice Requires="p14">
+      <p:transition spd="med" p14:dur="700">
+        <p:fade/>
+      </p:transition>
+    </mc:Choice>
+    <mc:Fallback xmlns="">
+      <p:transition spd="med">
+        <p:fade/>
+      </p:transition>
+    </mc:Fallback>
+  </mc:AlternateContent>
+</p:sld>
+</file>
+
+<file path=ppt/slides/slide16.xml><?xml version="1.0" encoding="utf-8"?>
+<p:sld xmlns:a="http://schemas.openxmlformats.org/drawingml/2006/main" xmlns:r="http://schemas.openxmlformats.org/officeDocument/2006/relationships" xmlns:p="http://schemas.openxmlformats.org/presentationml/2006/main">
+  <p:cSld>
+    <p:spTree>
+      <p:nvGrpSpPr>
         <p:cNvPr id="1" name=""/>
         <p:cNvGrpSpPr/>
         <p:nvPr/>
@@ -19864,7 +25198,7 @@
 </p:sld>
 </file>
 
-<file path=ppt/slides/slide12.xml><?xml version="1.0" encoding="utf-8"?>
+<file path=ppt/slides/slide17.xml><?xml version="1.0" encoding="utf-8"?>
 <p:sld xmlns:a="http://schemas.openxmlformats.org/drawingml/2006/main" xmlns:r="http://schemas.openxmlformats.org/officeDocument/2006/relationships" xmlns:p="http://schemas.openxmlformats.org/presentationml/2006/main">
   <p:cSld>
     <p:spTree>
@@ -20482,7 +25816,7 @@
 </p:sld>
 </file>
 
-<file path=ppt/slides/slide13.xml><?xml version="1.0" encoding="utf-8"?>
+<file path=ppt/slides/slide18.xml><?xml version="1.0" encoding="utf-8"?>
 <p:sld xmlns:a="http://schemas.openxmlformats.org/drawingml/2006/main" xmlns:r="http://schemas.openxmlformats.org/officeDocument/2006/relationships" xmlns:p="http://schemas.openxmlformats.org/presentationml/2006/main">
   <p:cSld>
     <p:spTree>
@@ -21975,7 +27309,7 @@
 </p:sld>
 </file>
 
-<file path=ppt/slides/slide14.xml><?xml version="1.0" encoding="utf-8"?>
+<file path=ppt/slides/slide19.xml><?xml version="1.0" encoding="utf-8"?>
 <p:sld xmlns:a="http://schemas.openxmlformats.org/drawingml/2006/main" xmlns:r="http://schemas.openxmlformats.org/officeDocument/2006/relationships" xmlns:p="http://schemas.openxmlformats.org/presentationml/2006/main">
   <p:cSld>
     <p:spTree>
@@ -22111,392 +27445,6 @@
     <p:extLst>
       <p:ext uri="{BB962C8B-B14F-4D97-AF65-F5344CB8AC3E}">
         <p14:creationId xmlns:p14="http://schemas.microsoft.com/office/powerpoint/2010/main" val="850927282"/>
-      </p:ext>
-    </p:extLst>
-  </p:cSld>
-  <p:clrMapOvr>
-    <a:masterClrMapping/>
-  </p:clrMapOvr>
-  <mc:AlternateContent xmlns:mc="http://schemas.openxmlformats.org/markup-compatibility/2006" xmlns:p14="http://schemas.microsoft.com/office/powerpoint/2010/main">
-    <mc:Choice Requires="p14">
-      <p:transition spd="med" p14:dur="700">
-        <p:fade/>
-      </p:transition>
-    </mc:Choice>
-    <mc:Fallback xmlns="">
-      <p:transition spd="med">
-        <p:fade/>
-      </p:transition>
-    </mc:Fallback>
-  </mc:AlternateContent>
-</p:sld>
-</file>
-
-<file path=ppt/slides/slide15.xml><?xml version="1.0" encoding="utf-8"?>
-<p:sld xmlns:a="http://schemas.openxmlformats.org/drawingml/2006/main" xmlns:r="http://schemas.openxmlformats.org/officeDocument/2006/relationships" xmlns:p="http://schemas.openxmlformats.org/presentationml/2006/main">
-  <p:cSld>
-    <p:spTree>
-      <p:nvGrpSpPr>
-        <p:cNvPr id="1" name=""/>
-        <p:cNvGrpSpPr/>
-        <p:nvPr/>
-      </p:nvGrpSpPr>
-      <p:grpSpPr>
-        <a:xfrm>
-          <a:off x="0" y="0"/>
-          <a:ext cx="0" cy="0"/>
-          <a:chOff x="0" y="0"/>
-          <a:chExt cx="0" cy="0"/>
-        </a:xfrm>
-      </p:grpSpPr>
-      <p:sp>
-        <p:nvSpPr>
-          <p:cNvPr id="10" name="Titre 1"/>
-          <p:cNvSpPr>
-            <a:spLocks noGrp="1"/>
-          </p:cNvSpPr>
-          <p:nvPr>
-            <p:ph type="ctrTitle"/>
-          </p:nvPr>
-        </p:nvSpPr>
-        <p:spPr>
-          <a:xfrm>
-            <a:off x="966546" y="2044926"/>
-            <a:ext cx="7060580" cy="592936"/>
-          </a:xfrm>
-        </p:spPr>
-        <p:txBody>
-          <a:bodyPr/>
-          <a:lstStyle/>
-          <a:p>
-            <a:r>
-              <a:rPr lang="en-US" sz="4000" noProof="0" dirty="0"/>
-              <a:t>Thank you for your attention!</a:t>
-            </a:r>
-          </a:p>
-        </p:txBody>
-      </p:sp>
-      <p:sp>
-        <p:nvSpPr>
-          <p:cNvPr id="6" name="ZoneTexte 5">
-            <a:extLst>
-              <a:ext uri="{FF2B5EF4-FFF2-40B4-BE49-F238E27FC236}">
-                <a16:creationId xmlns:a16="http://schemas.microsoft.com/office/drawing/2014/main" id="{14E03C28-6479-4B73-85F6-57F7D3D3765F}"/>
-              </a:ext>
-            </a:extLst>
-          </p:cNvPr>
-          <p:cNvSpPr txBox="1"/>
-          <p:nvPr/>
-        </p:nvSpPr>
-        <p:spPr>
-          <a:xfrm>
-            <a:off x="351226" y="369720"/>
-            <a:ext cx="8520271" cy="584775"/>
-          </a:xfrm>
-          <a:prstGeom prst="rect">
-            <a:avLst/>
-          </a:prstGeom>
-          <a:noFill/>
-        </p:spPr>
-        <p:txBody>
-          <a:bodyPr wrap="square" rtlCol="0">
-            <a:spAutoFit/>
-          </a:bodyPr>
-          <a:lstStyle/>
-          <a:p>
-            <a:r>
-              <a:rPr lang="en-US" sz="3200" noProof="0" dirty="0">
-                <a:solidFill>
-                  <a:schemeClr val="bg2"/>
-                </a:solidFill>
-                <a:latin typeface="Helvetica 75 Bold" panose="020B0804020202020204" pitchFamily="34" charset="0"/>
-              </a:rPr>
-              <a:t>Dev Test </a:t>
-            </a:r>
-            <a:r>
-              <a:rPr lang="en-US" sz="3200" noProof="0" dirty="0">
-                <a:latin typeface="Helvetica 75 Bold" panose="020B0804020202020204" pitchFamily="34" charset="0"/>
-              </a:rPr>
-              <a:t>Days </a:t>
-            </a:r>
-            <a:r>
-              <a:rPr lang="en-US" sz="3200" noProof="0" dirty="0">
-                <a:solidFill>
-                  <a:schemeClr val="bg2"/>
-                </a:solidFill>
-                <a:latin typeface="Helvetica 75 Bold" panose="020B0804020202020204" pitchFamily="34" charset="0"/>
-              </a:rPr>
-              <a:t>2025 </a:t>
-            </a:r>
-            <a:r>
-              <a:rPr lang="en-US" sz="3200" noProof="0" dirty="0">
-                <a:latin typeface="Helvetica 75 Bold" panose="020B0804020202020204" pitchFamily="34" charset="0"/>
-              </a:rPr>
-              <a:t>Edition</a:t>
-            </a:r>
-            <a:endParaRPr lang="en-US" sz="3200" noProof="0" dirty="0">
-              <a:solidFill>
-                <a:schemeClr val="bg2"/>
-              </a:solidFill>
-              <a:latin typeface="Helvetica 75 Bold" panose="020B0804020202020204" pitchFamily="34" charset="0"/>
-            </a:endParaRPr>
-          </a:p>
-        </p:txBody>
-      </p:sp>
-      <p:sp>
-        <p:nvSpPr>
-          <p:cNvPr id="13" name="Rectangle 12">
-            <a:extLst>
-              <a:ext uri="{FF2B5EF4-FFF2-40B4-BE49-F238E27FC236}">
-                <a16:creationId xmlns:a16="http://schemas.microsoft.com/office/drawing/2014/main" id="{A8ACE433-BD23-3F53-9F4E-9577F747BCA0}"/>
-              </a:ext>
-            </a:extLst>
-          </p:cNvPr>
-          <p:cNvSpPr/>
-          <p:nvPr/>
-        </p:nvSpPr>
-        <p:spPr>
-          <a:xfrm>
-            <a:off x="8027126" y="3520440"/>
-            <a:ext cx="1005840" cy="1489166"/>
-          </a:xfrm>
-          <a:prstGeom prst="rect">
-            <a:avLst/>
-          </a:prstGeom>
-          <a:solidFill>
-            <a:schemeClr val="bg1"/>
-          </a:solidFill>
-          <a:ln>
-            <a:noFill/>
-          </a:ln>
-        </p:spPr>
-        <p:style>
-          <a:lnRef idx="2">
-            <a:schemeClr val="accent1">
-              <a:shade val="50000"/>
-            </a:schemeClr>
-          </a:lnRef>
-          <a:fillRef idx="1">
-            <a:schemeClr val="accent1"/>
-          </a:fillRef>
-          <a:effectRef idx="0">
-            <a:schemeClr val="accent1"/>
-          </a:effectRef>
-          <a:fontRef idx="minor">
-            <a:schemeClr val="lt1"/>
-          </a:fontRef>
-        </p:style>
-        <p:txBody>
-          <a:bodyPr rtlCol="0" anchor="ctr"/>
-          <a:lstStyle/>
-          <a:p>
-            <a:pPr algn="ctr"/>
-            <a:endParaRPr lang="en-US" sz="1600" noProof="0" dirty="0">
-              <a:solidFill>
-                <a:srgbClr val="000000"/>
-              </a:solidFill>
-            </a:endParaRPr>
-          </a:p>
-        </p:txBody>
-      </p:sp>
-      <p:sp>
-        <p:nvSpPr>
-          <p:cNvPr id="2" name="TextBox 1">
-            <a:extLst>
-              <a:ext uri="{FF2B5EF4-FFF2-40B4-BE49-F238E27FC236}">
-                <a16:creationId xmlns:a16="http://schemas.microsoft.com/office/drawing/2014/main" id="{ADB43214-688B-965E-6394-B7B317C00600}"/>
-              </a:ext>
-            </a:extLst>
-          </p:cNvPr>
-          <p:cNvSpPr txBox="1"/>
-          <p:nvPr/>
-        </p:nvSpPr>
-        <p:spPr>
-          <a:xfrm>
-            <a:off x="1284046" y="4312101"/>
-            <a:ext cx="676467" cy="215444"/>
-          </a:xfrm>
-          <a:prstGeom prst="rect">
-            <a:avLst/>
-          </a:prstGeom>
-        </p:spPr>
-        <p:txBody>
-          <a:bodyPr wrap="none" lIns="0" tIns="0" rIns="0" bIns="0" rtlCol="0">
-            <a:spAutoFit/>
-          </a:bodyPr>
-          <a:lstStyle/>
-          <a:p>
-            <a:r>
-              <a:rPr lang="en-US" sz="1400" noProof="0" dirty="0" err="1"/>
-              <a:t>basavyr</a:t>
-            </a:r>
-            <a:endParaRPr lang="en-US" sz="1400" noProof="0" dirty="0"/>
-          </a:p>
-        </p:txBody>
-      </p:sp>
-      <p:sp>
-        <p:nvSpPr>
-          <p:cNvPr id="4" name="TextBox 3">
-            <a:extLst>
-              <a:ext uri="{FF2B5EF4-FFF2-40B4-BE49-F238E27FC236}">
-                <a16:creationId xmlns:a16="http://schemas.microsoft.com/office/drawing/2014/main" id="{238B7662-69EC-D19C-60F1-7CCE2688215D}"/>
-              </a:ext>
-            </a:extLst>
-          </p:cNvPr>
-          <p:cNvSpPr txBox="1"/>
-          <p:nvPr/>
-        </p:nvSpPr>
-        <p:spPr>
-          <a:xfrm>
-            <a:off x="3442591" y="4312101"/>
-            <a:ext cx="2462213" cy="215444"/>
-          </a:xfrm>
-          <a:prstGeom prst="rect">
-            <a:avLst/>
-          </a:prstGeom>
-        </p:spPr>
-        <p:txBody>
-          <a:bodyPr wrap="none" lIns="0" tIns="0" rIns="0" bIns="0" rtlCol="0">
-            <a:spAutoFit/>
-          </a:bodyPr>
-          <a:lstStyle/>
-          <a:p>
-            <a:r>
-              <a:rPr lang="en-US" sz="1400" noProof="0" dirty="0" err="1"/>
-              <a:t>robert.poenaru@orange.com</a:t>
-            </a:r>
-            <a:endParaRPr lang="en-US" sz="1400" noProof="0" dirty="0"/>
-          </a:p>
-        </p:txBody>
-      </p:sp>
-      <p:pic>
-        <p:nvPicPr>
-          <p:cNvPr id="5" name="Picture 4">
-            <a:extLst>
-              <a:ext uri="{FF2B5EF4-FFF2-40B4-BE49-F238E27FC236}">
-                <a16:creationId xmlns:a16="http://schemas.microsoft.com/office/drawing/2014/main" id="{8D38A1BA-B72A-B025-52C2-AC9B394AF29B}"/>
-              </a:ext>
-            </a:extLst>
-          </p:cNvPr>
-          <p:cNvPicPr>
-            <a:picLocks noChangeAspect="1"/>
-          </p:cNvPicPr>
-          <p:nvPr/>
-        </p:nvPicPr>
-        <p:blipFill>
-          <a:blip r:embed="rId2"/>
-          <a:stretch>
-            <a:fillRect/>
-          </a:stretch>
-        </p:blipFill>
-        <p:spPr>
-          <a:xfrm>
-            <a:off x="2742277" y="4102323"/>
-            <a:ext cx="635000" cy="635000"/>
-          </a:xfrm>
-          <a:prstGeom prst="rect">
-            <a:avLst/>
-          </a:prstGeom>
-        </p:spPr>
-      </p:pic>
-      <p:pic>
-        <p:nvPicPr>
-          <p:cNvPr id="7" name="Picture 6">
-            <a:extLst>
-              <a:ext uri="{FF2B5EF4-FFF2-40B4-BE49-F238E27FC236}">
-                <a16:creationId xmlns:a16="http://schemas.microsoft.com/office/drawing/2014/main" id="{0C52C980-6C91-BE40-1E35-6D583738C996}"/>
-              </a:ext>
-            </a:extLst>
-          </p:cNvPr>
-          <p:cNvPicPr>
-            <a:picLocks noChangeAspect="1"/>
-          </p:cNvPicPr>
-          <p:nvPr/>
-        </p:nvPicPr>
-        <p:blipFill>
-          <a:blip r:embed="rId3"/>
-          <a:stretch>
-            <a:fillRect/>
-          </a:stretch>
-        </p:blipFill>
-        <p:spPr>
-          <a:xfrm>
-            <a:off x="649046" y="4102323"/>
-            <a:ext cx="635000" cy="635000"/>
-          </a:xfrm>
-          <a:prstGeom prst="rect">
-            <a:avLst/>
-          </a:prstGeom>
-        </p:spPr>
-      </p:pic>
-      <p:pic>
-        <p:nvPicPr>
-          <p:cNvPr id="8" name="Picture 7">
-            <a:extLst>
-              <a:ext uri="{FF2B5EF4-FFF2-40B4-BE49-F238E27FC236}">
-                <a16:creationId xmlns:a16="http://schemas.microsoft.com/office/drawing/2014/main" id="{628D7A90-F140-4483-8CEB-4340B5104571}"/>
-              </a:ext>
-            </a:extLst>
-          </p:cNvPr>
-          <p:cNvPicPr>
-            <a:picLocks noChangeAspect="1"/>
-          </p:cNvPicPr>
-          <p:nvPr/>
-        </p:nvPicPr>
-        <p:blipFill>
-          <a:blip r:embed="rId4"/>
-          <a:stretch>
-            <a:fillRect/>
-          </a:stretch>
-        </p:blipFill>
-        <p:spPr>
-          <a:xfrm>
-            <a:off x="6334562" y="4134980"/>
-            <a:ext cx="569686" cy="569686"/>
-          </a:xfrm>
-          <a:prstGeom prst="rect">
-            <a:avLst/>
-          </a:prstGeom>
-        </p:spPr>
-      </p:pic>
-      <p:sp>
-        <p:nvSpPr>
-          <p:cNvPr id="9" name="TextBox 8">
-            <a:extLst>
-              <a:ext uri="{FF2B5EF4-FFF2-40B4-BE49-F238E27FC236}">
-                <a16:creationId xmlns:a16="http://schemas.microsoft.com/office/drawing/2014/main" id="{DDB73FF7-418F-6C1E-BFB9-661C559FA8F5}"/>
-              </a:ext>
-            </a:extLst>
-          </p:cNvPr>
-          <p:cNvSpPr txBox="1"/>
-          <p:nvPr/>
-        </p:nvSpPr>
-        <p:spPr>
-          <a:xfrm>
-            <a:off x="7006207" y="4332714"/>
-            <a:ext cx="1352934" cy="215444"/>
-          </a:xfrm>
-          <a:prstGeom prst="rect">
-            <a:avLst/>
-          </a:prstGeom>
-        </p:spPr>
-        <p:txBody>
-          <a:bodyPr wrap="none" lIns="0" tIns="0" rIns="0" bIns="0" rtlCol="0">
-            <a:spAutoFit/>
-          </a:bodyPr>
-          <a:lstStyle/>
-          <a:p>
-            <a:r>
-              <a:rPr lang="en-US" sz="1400" noProof="0" dirty="0"/>
-              <a:t>Robert-Poenaru</a:t>
-            </a:r>
-          </a:p>
-        </p:txBody>
-      </p:sp>
-    </p:spTree>
-    <p:extLst>
-      <p:ext uri="{BB962C8B-B14F-4D97-AF65-F5344CB8AC3E}">
-        <p14:creationId xmlns:p14="http://schemas.microsoft.com/office/powerpoint/2010/main" val="985760704"/>
       </p:ext>
     </p:extLst>
   </p:cSld>
@@ -22933,6 +27881,392 @@
     <p:extLst>
       <p:ext uri="{BB962C8B-B14F-4D97-AF65-F5344CB8AC3E}">
         <p14:creationId xmlns:p14="http://schemas.microsoft.com/office/powerpoint/2010/main" val="2893187636"/>
+      </p:ext>
+    </p:extLst>
+  </p:cSld>
+  <p:clrMapOvr>
+    <a:masterClrMapping/>
+  </p:clrMapOvr>
+  <mc:AlternateContent xmlns:mc="http://schemas.openxmlformats.org/markup-compatibility/2006" xmlns:p14="http://schemas.microsoft.com/office/powerpoint/2010/main">
+    <mc:Choice Requires="p14">
+      <p:transition spd="med" p14:dur="700">
+        <p:fade/>
+      </p:transition>
+    </mc:Choice>
+    <mc:Fallback xmlns="">
+      <p:transition spd="med">
+        <p:fade/>
+      </p:transition>
+    </mc:Fallback>
+  </mc:AlternateContent>
+</p:sld>
+</file>
+
+<file path=ppt/slides/slide20.xml><?xml version="1.0" encoding="utf-8"?>
+<p:sld xmlns:a="http://schemas.openxmlformats.org/drawingml/2006/main" xmlns:r="http://schemas.openxmlformats.org/officeDocument/2006/relationships" xmlns:p="http://schemas.openxmlformats.org/presentationml/2006/main">
+  <p:cSld>
+    <p:spTree>
+      <p:nvGrpSpPr>
+        <p:cNvPr id="1" name=""/>
+        <p:cNvGrpSpPr/>
+        <p:nvPr/>
+      </p:nvGrpSpPr>
+      <p:grpSpPr>
+        <a:xfrm>
+          <a:off x="0" y="0"/>
+          <a:ext cx="0" cy="0"/>
+          <a:chOff x="0" y="0"/>
+          <a:chExt cx="0" cy="0"/>
+        </a:xfrm>
+      </p:grpSpPr>
+      <p:sp>
+        <p:nvSpPr>
+          <p:cNvPr id="10" name="Titre 1"/>
+          <p:cNvSpPr>
+            <a:spLocks noGrp="1"/>
+          </p:cNvSpPr>
+          <p:nvPr>
+            <p:ph type="ctrTitle"/>
+          </p:nvPr>
+        </p:nvSpPr>
+        <p:spPr>
+          <a:xfrm>
+            <a:off x="966546" y="2044926"/>
+            <a:ext cx="7060580" cy="592936"/>
+          </a:xfrm>
+        </p:spPr>
+        <p:txBody>
+          <a:bodyPr/>
+          <a:lstStyle/>
+          <a:p>
+            <a:r>
+              <a:rPr lang="en-US" sz="4000" noProof="0" dirty="0"/>
+              <a:t>Thank you for your attention!</a:t>
+            </a:r>
+          </a:p>
+        </p:txBody>
+      </p:sp>
+      <p:sp>
+        <p:nvSpPr>
+          <p:cNvPr id="6" name="ZoneTexte 5">
+            <a:extLst>
+              <a:ext uri="{FF2B5EF4-FFF2-40B4-BE49-F238E27FC236}">
+                <a16:creationId xmlns:a16="http://schemas.microsoft.com/office/drawing/2014/main" id="{14E03C28-6479-4B73-85F6-57F7D3D3765F}"/>
+              </a:ext>
+            </a:extLst>
+          </p:cNvPr>
+          <p:cNvSpPr txBox="1"/>
+          <p:nvPr/>
+        </p:nvSpPr>
+        <p:spPr>
+          <a:xfrm>
+            <a:off x="351226" y="369720"/>
+            <a:ext cx="8520271" cy="584775"/>
+          </a:xfrm>
+          <a:prstGeom prst="rect">
+            <a:avLst/>
+          </a:prstGeom>
+          <a:noFill/>
+        </p:spPr>
+        <p:txBody>
+          <a:bodyPr wrap="square" rtlCol="0">
+            <a:spAutoFit/>
+          </a:bodyPr>
+          <a:lstStyle/>
+          <a:p>
+            <a:r>
+              <a:rPr lang="en-US" sz="3200" noProof="0" dirty="0">
+                <a:solidFill>
+                  <a:schemeClr val="bg2"/>
+                </a:solidFill>
+                <a:latin typeface="Helvetica 75 Bold" panose="020B0804020202020204" pitchFamily="34" charset="0"/>
+              </a:rPr>
+              <a:t>Dev Test </a:t>
+            </a:r>
+            <a:r>
+              <a:rPr lang="en-US" sz="3200" noProof="0" dirty="0">
+                <a:latin typeface="Helvetica 75 Bold" panose="020B0804020202020204" pitchFamily="34" charset="0"/>
+              </a:rPr>
+              <a:t>Days </a:t>
+            </a:r>
+            <a:r>
+              <a:rPr lang="en-US" sz="3200" noProof="0" dirty="0">
+                <a:solidFill>
+                  <a:schemeClr val="bg2"/>
+                </a:solidFill>
+                <a:latin typeface="Helvetica 75 Bold" panose="020B0804020202020204" pitchFamily="34" charset="0"/>
+              </a:rPr>
+              <a:t>2025 </a:t>
+            </a:r>
+            <a:r>
+              <a:rPr lang="en-US" sz="3200" noProof="0" dirty="0">
+                <a:latin typeface="Helvetica 75 Bold" panose="020B0804020202020204" pitchFamily="34" charset="0"/>
+              </a:rPr>
+              <a:t>Edition</a:t>
+            </a:r>
+            <a:endParaRPr lang="en-US" sz="3200" noProof="0" dirty="0">
+              <a:solidFill>
+                <a:schemeClr val="bg2"/>
+              </a:solidFill>
+              <a:latin typeface="Helvetica 75 Bold" panose="020B0804020202020204" pitchFamily="34" charset="0"/>
+            </a:endParaRPr>
+          </a:p>
+        </p:txBody>
+      </p:sp>
+      <p:sp>
+        <p:nvSpPr>
+          <p:cNvPr id="13" name="Rectangle 12">
+            <a:extLst>
+              <a:ext uri="{FF2B5EF4-FFF2-40B4-BE49-F238E27FC236}">
+                <a16:creationId xmlns:a16="http://schemas.microsoft.com/office/drawing/2014/main" id="{A8ACE433-BD23-3F53-9F4E-9577F747BCA0}"/>
+              </a:ext>
+            </a:extLst>
+          </p:cNvPr>
+          <p:cNvSpPr/>
+          <p:nvPr/>
+        </p:nvSpPr>
+        <p:spPr>
+          <a:xfrm>
+            <a:off x="8027126" y="3520440"/>
+            <a:ext cx="1005840" cy="1489166"/>
+          </a:xfrm>
+          <a:prstGeom prst="rect">
+            <a:avLst/>
+          </a:prstGeom>
+          <a:solidFill>
+            <a:schemeClr val="bg1"/>
+          </a:solidFill>
+          <a:ln>
+            <a:noFill/>
+          </a:ln>
+        </p:spPr>
+        <p:style>
+          <a:lnRef idx="2">
+            <a:schemeClr val="accent1">
+              <a:shade val="50000"/>
+            </a:schemeClr>
+          </a:lnRef>
+          <a:fillRef idx="1">
+            <a:schemeClr val="accent1"/>
+          </a:fillRef>
+          <a:effectRef idx="0">
+            <a:schemeClr val="accent1"/>
+          </a:effectRef>
+          <a:fontRef idx="minor">
+            <a:schemeClr val="lt1"/>
+          </a:fontRef>
+        </p:style>
+        <p:txBody>
+          <a:bodyPr rtlCol="0" anchor="ctr"/>
+          <a:lstStyle/>
+          <a:p>
+            <a:pPr algn="ctr"/>
+            <a:endParaRPr lang="en-US" sz="1600" noProof="0" dirty="0">
+              <a:solidFill>
+                <a:srgbClr val="000000"/>
+              </a:solidFill>
+            </a:endParaRPr>
+          </a:p>
+        </p:txBody>
+      </p:sp>
+      <p:sp>
+        <p:nvSpPr>
+          <p:cNvPr id="2" name="TextBox 1">
+            <a:extLst>
+              <a:ext uri="{FF2B5EF4-FFF2-40B4-BE49-F238E27FC236}">
+                <a16:creationId xmlns:a16="http://schemas.microsoft.com/office/drawing/2014/main" id="{ADB43214-688B-965E-6394-B7B317C00600}"/>
+              </a:ext>
+            </a:extLst>
+          </p:cNvPr>
+          <p:cNvSpPr txBox="1"/>
+          <p:nvPr/>
+        </p:nvSpPr>
+        <p:spPr>
+          <a:xfrm>
+            <a:off x="1284046" y="4312101"/>
+            <a:ext cx="676467" cy="215444"/>
+          </a:xfrm>
+          <a:prstGeom prst="rect">
+            <a:avLst/>
+          </a:prstGeom>
+        </p:spPr>
+        <p:txBody>
+          <a:bodyPr wrap="none" lIns="0" tIns="0" rIns="0" bIns="0" rtlCol="0">
+            <a:spAutoFit/>
+          </a:bodyPr>
+          <a:lstStyle/>
+          <a:p>
+            <a:r>
+              <a:rPr lang="en-US" sz="1400" noProof="0" dirty="0" err="1"/>
+              <a:t>basavyr</a:t>
+            </a:r>
+            <a:endParaRPr lang="en-US" sz="1400" noProof="0" dirty="0"/>
+          </a:p>
+        </p:txBody>
+      </p:sp>
+      <p:sp>
+        <p:nvSpPr>
+          <p:cNvPr id="4" name="TextBox 3">
+            <a:extLst>
+              <a:ext uri="{FF2B5EF4-FFF2-40B4-BE49-F238E27FC236}">
+                <a16:creationId xmlns:a16="http://schemas.microsoft.com/office/drawing/2014/main" id="{238B7662-69EC-D19C-60F1-7CCE2688215D}"/>
+              </a:ext>
+            </a:extLst>
+          </p:cNvPr>
+          <p:cNvSpPr txBox="1"/>
+          <p:nvPr/>
+        </p:nvSpPr>
+        <p:spPr>
+          <a:xfrm>
+            <a:off x="3442591" y="4312101"/>
+            <a:ext cx="2462213" cy="215444"/>
+          </a:xfrm>
+          <a:prstGeom prst="rect">
+            <a:avLst/>
+          </a:prstGeom>
+        </p:spPr>
+        <p:txBody>
+          <a:bodyPr wrap="none" lIns="0" tIns="0" rIns="0" bIns="0" rtlCol="0">
+            <a:spAutoFit/>
+          </a:bodyPr>
+          <a:lstStyle/>
+          <a:p>
+            <a:r>
+              <a:rPr lang="en-US" sz="1400" noProof="0" dirty="0" err="1"/>
+              <a:t>robert.poenaru@orange.com</a:t>
+            </a:r>
+            <a:endParaRPr lang="en-US" sz="1400" noProof="0" dirty="0"/>
+          </a:p>
+        </p:txBody>
+      </p:sp>
+      <p:pic>
+        <p:nvPicPr>
+          <p:cNvPr id="5" name="Picture 4">
+            <a:extLst>
+              <a:ext uri="{FF2B5EF4-FFF2-40B4-BE49-F238E27FC236}">
+                <a16:creationId xmlns:a16="http://schemas.microsoft.com/office/drawing/2014/main" id="{8D38A1BA-B72A-B025-52C2-AC9B394AF29B}"/>
+              </a:ext>
+            </a:extLst>
+          </p:cNvPr>
+          <p:cNvPicPr>
+            <a:picLocks noChangeAspect="1"/>
+          </p:cNvPicPr>
+          <p:nvPr/>
+        </p:nvPicPr>
+        <p:blipFill>
+          <a:blip r:embed="rId2"/>
+          <a:stretch>
+            <a:fillRect/>
+          </a:stretch>
+        </p:blipFill>
+        <p:spPr>
+          <a:xfrm>
+            <a:off x="2742277" y="4102323"/>
+            <a:ext cx="635000" cy="635000"/>
+          </a:xfrm>
+          <a:prstGeom prst="rect">
+            <a:avLst/>
+          </a:prstGeom>
+        </p:spPr>
+      </p:pic>
+      <p:pic>
+        <p:nvPicPr>
+          <p:cNvPr id="7" name="Picture 6">
+            <a:extLst>
+              <a:ext uri="{FF2B5EF4-FFF2-40B4-BE49-F238E27FC236}">
+                <a16:creationId xmlns:a16="http://schemas.microsoft.com/office/drawing/2014/main" id="{0C52C980-6C91-BE40-1E35-6D583738C996}"/>
+              </a:ext>
+            </a:extLst>
+          </p:cNvPr>
+          <p:cNvPicPr>
+            <a:picLocks noChangeAspect="1"/>
+          </p:cNvPicPr>
+          <p:nvPr/>
+        </p:nvPicPr>
+        <p:blipFill>
+          <a:blip r:embed="rId3"/>
+          <a:stretch>
+            <a:fillRect/>
+          </a:stretch>
+        </p:blipFill>
+        <p:spPr>
+          <a:xfrm>
+            <a:off x="649046" y="4102323"/>
+            <a:ext cx="635000" cy="635000"/>
+          </a:xfrm>
+          <a:prstGeom prst="rect">
+            <a:avLst/>
+          </a:prstGeom>
+        </p:spPr>
+      </p:pic>
+      <p:pic>
+        <p:nvPicPr>
+          <p:cNvPr id="8" name="Picture 7">
+            <a:extLst>
+              <a:ext uri="{FF2B5EF4-FFF2-40B4-BE49-F238E27FC236}">
+                <a16:creationId xmlns:a16="http://schemas.microsoft.com/office/drawing/2014/main" id="{628D7A90-F140-4483-8CEB-4340B5104571}"/>
+              </a:ext>
+            </a:extLst>
+          </p:cNvPr>
+          <p:cNvPicPr>
+            <a:picLocks noChangeAspect="1"/>
+          </p:cNvPicPr>
+          <p:nvPr/>
+        </p:nvPicPr>
+        <p:blipFill>
+          <a:blip r:embed="rId4"/>
+          <a:stretch>
+            <a:fillRect/>
+          </a:stretch>
+        </p:blipFill>
+        <p:spPr>
+          <a:xfrm>
+            <a:off x="6334562" y="4134980"/>
+            <a:ext cx="569686" cy="569686"/>
+          </a:xfrm>
+          <a:prstGeom prst="rect">
+            <a:avLst/>
+          </a:prstGeom>
+        </p:spPr>
+      </p:pic>
+      <p:sp>
+        <p:nvSpPr>
+          <p:cNvPr id="9" name="TextBox 8">
+            <a:extLst>
+              <a:ext uri="{FF2B5EF4-FFF2-40B4-BE49-F238E27FC236}">
+                <a16:creationId xmlns:a16="http://schemas.microsoft.com/office/drawing/2014/main" id="{DDB73FF7-418F-6C1E-BFB9-661C559FA8F5}"/>
+              </a:ext>
+            </a:extLst>
+          </p:cNvPr>
+          <p:cNvSpPr txBox="1"/>
+          <p:nvPr/>
+        </p:nvSpPr>
+        <p:spPr>
+          <a:xfrm>
+            <a:off x="7006207" y="4332714"/>
+            <a:ext cx="1352934" cy="215444"/>
+          </a:xfrm>
+          <a:prstGeom prst="rect">
+            <a:avLst/>
+          </a:prstGeom>
+        </p:spPr>
+        <p:txBody>
+          <a:bodyPr wrap="none" lIns="0" tIns="0" rIns="0" bIns="0" rtlCol="0">
+            <a:spAutoFit/>
+          </a:bodyPr>
+          <a:lstStyle/>
+          <a:p>
+            <a:r>
+              <a:rPr lang="en-US" sz="1400" noProof="0" dirty="0"/>
+              <a:t>Robert-Poenaru</a:t>
+            </a:r>
+          </a:p>
+        </p:txBody>
+      </p:sp>
+    </p:spTree>
+    <p:extLst>
+      <p:ext uri="{BB962C8B-B14F-4D97-AF65-F5344CB8AC3E}">
+        <p14:creationId xmlns:p14="http://schemas.microsoft.com/office/powerpoint/2010/main" val="985760704"/>
       </p:ext>
     </p:extLst>
   </p:cSld>
@@ -24269,8 +29603,8 @@
             </p:nvSpPr>
             <p:spPr>
               <a:xfrm>
-                <a:off x="314325" y="1184275"/>
-                <a:ext cx="4779573" cy="2891706"/>
+                <a:off x="314324" y="1184275"/>
+                <a:ext cx="5064245" cy="2891706"/>
               </a:xfrm>
             </p:spPr>
             <p:txBody>
@@ -24500,13 +29834,13 @@
             </p:nvSpPr>
             <p:spPr>
               <a:xfrm>
-                <a:off x="314325" y="1184275"/>
-                <a:ext cx="4779573" cy="2891706"/>
+                <a:off x="314324" y="1184275"/>
+                <a:ext cx="5064245" cy="2891706"/>
               </a:xfrm>
               <a:blipFill>
                 <a:blip r:embed="rId2"/>
                 <a:stretch>
-                  <a:fillRect l="-1852" t="-3057" r="-529"/>
+                  <a:fillRect l="-1750" t="-3057" r="-1500"/>
                 </a:stretch>
               </a:blipFill>
             </p:spPr>
@@ -24631,7 +29965,7 @@
         </p:blipFill>
         <p:spPr>
           <a:xfrm>
-            <a:off x="5222228" y="107834"/>
+            <a:off x="5429262" y="107834"/>
             <a:ext cx="3509514" cy="4763938"/>
           </a:xfrm>
           <a:prstGeom prst="rect">
@@ -24653,7 +29987,7 @@
         </p:nvSpPr>
         <p:spPr>
           <a:xfrm>
-            <a:off x="5753820" y="1798612"/>
+            <a:off x="5960854" y="1798612"/>
             <a:ext cx="99386" cy="215444"/>
           </a:xfrm>
           <a:prstGeom prst="rect">
@@ -24692,7 +30026,7 @@
         </p:nvSpPr>
         <p:spPr>
           <a:xfrm>
-            <a:off x="7007177" y="1102328"/>
+            <a:off x="7214211" y="1102328"/>
             <a:ext cx="99386" cy="215444"/>
           </a:xfrm>
           <a:prstGeom prst="rect">
@@ -24731,7 +30065,7 @@
         </p:nvSpPr>
         <p:spPr>
           <a:xfrm>
-            <a:off x="6124755" y="3045128"/>
+            <a:off x="6331789" y="3045128"/>
             <a:ext cx="99386" cy="215444"/>
           </a:xfrm>
           <a:prstGeom prst="rect">
@@ -24770,7 +30104,7 @@
         </p:nvSpPr>
         <p:spPr>
           <a:xfrm>
-            <a:off x="6124755" y="2274359"/>
+            <a:off x="6331789" y="2274359"/>
             <a:ext cx="99386" cy="215444"/>
           </a:xfrm>
           <a:prstGeom prst="rect">
@@ -24809,7 +30143,7 @@
         </p:nvSpPr>
         <p:spPr>
           <a:xfrm>
-            <a:off x="5332562" y="3650811"/>
+            <a:off x="5539596" y="3650811"/>
             <a:ext cx="99386" cy="215444"/>
           </a:xfrm>
           <a:prstGeom prst="rect">
@@ -24848,7 +30182,7 @@
         </p:nvSpPr>
         <p:spPr>
           <a:xfrm>
-            <a:off x="5124295" y="4871772"/>
+            <a:off x="5330736" y="4871772"/>
             <a:ext cx="2269280" cy="246221"/>
           </a:xfrm>
           <a:prstGeom prst="rect">
@@ -24891,7 +30225,7 @@
         </p:nvSpPr>
         <p:spPr>
           <a:xfrm>
-            <a:off x="7223064" y="2833783"/>
+            <a:off x="7430098" y="2833783"/>
             <a:ext cx="169918" cy="215444"/>
           </a:xfrm>
           <a:prstGeom prst="rect">
@@ -24930,7 +30264,7 @@
         </p:nvSpPr>
         <p:spPr>
           <a:xfrm>
-            <a:off x="7223064" y="2166637"/>
+            <a:off x="7430098" y="2166637"/>
             <a:ext cx="99386" cy="215444"/>
           </a:xfrm>
           <a:prstGeom prst="rect">

--- a/presentation/LORA-RPoenaru.pptx
+++ b/presentation/LORA-RPoenaru.pptx
@@ -19,11 +19,11 @@
     <p:sldId id="305" r:id="rId13"/>
     <p:sldId id="307" r:id="rId14"/>
     <p:sldId id="306" r:id="rId15"/>
-    <p:sldId id="308" r:id="rId16"/>
-    <p:sldId id="309" r:id="rId17"/>
-    <p:sldId id="310" r:id="rId18"/>
-    <p:sldId id="311" r:id="rId19"/>
-    <p:sldId id="312" r:id="rId20"/>
+    <p:sldId id="312" r:id="rId16"/>
+    <p:sldId id="308" r:id="rId17"/>
+    <p:sldId id="309" r:id="rId18"/>
+    <p:sldId id="310" r:id="rId19"/>
+    <p:sldId id="311" r:id="rId20"/>
     <p:sldId id="292" r:id="rId21"/>
     <p:sldId id="293" r:id="rId22"/>
     <p:sldId id="294" r:id="rId23"/>
@@ -21305,1442 +21305,6 @@
         <p:cNvPr id="1" name="">
           <a:extLst>
             <a:ext uri="{FF2B5EF4-FFF2-40B4-BE49-F238E27FC236}">
-              <a16:creationId xmlns:a16="http://schemas.microsoft.com/office/drawing/2014/main" id="{B123417A-7033-20F0-CD3D-C929399751C9}"/>
-            </a:ext>
-          </a:extLst>
-        </p:cNvPr>
-        <p:cNvGrpSpPr/>
-        <p:nvPr/>
-      </p:nvGrpSpPr>
-      <p:grpSpPr>
-        <a:xfrm>
-          <a:off x="0" y="0"/>
-          <a:ext cx="0" cy="0"/>
-          <a:chOff x="0" y="0"/>
-          <a:chExt cx="0" cy="0"/>
-        </a:xfrm>
-      </p:grpSpPr>
-      <mc:AlternateContent xmlns:mc="http://schemas.openxmlformats.org/markup-compatibility/2006">
-        <mc:Choice xmlns:a14="http://schemas.microsoft.com/office/drawing/2010/main" Requires="a14">
-          <p:sp>
-            <p:nvSpPr>
-              <p:cNvPr id="2" name="Content Placeholder 1">
-                <a:extLst>
-                  <a:ext uri="{FF2B5EF4-FFF2-40B4-BE49-F238E27FC236}">
-                    <a16:creationId xmlns:a16="http://schemas.microsoft.com/office/drawing/2014/main" id="{B991953E-F7A7-F332-A80C-9105637668BF}"/>
-                  </a:ext>
-                </a:extLst>
-              </p:cNvPr>
-              <p:cNvSpPr>
-                <a:spLocks noGrp="1"/>
-              </p:cNvSpPr>
-              <p:nvPr>
-                <p:ph idx="1"/>
-              </p:nvPr>
-            </p:nvSpPr>
-            <p:spPr>
-              <a:xfrm>
-                <a:off x="314326" y="1184275"/>
-                <a:ext cx="8406980" cy="2891706"/>
-              </a:xfrm>
-            </p:spPr>
-            <p:txBody>
-              <a:bodyPr/>
-              <a:lstStyle/>
-              <a:p>
-                <a:pPr lvl="2">
-                  <a:buClr>
-                    <a:srgbClr val="FF7900"/>
-                  </a:buClr>
-                </a:pPr>
-                <a:r>
-                  <a:rPr lang="en-US" dirty="0">
-                    <a:latin typeface="Helvetica" pitchFamily="2" charset="0"/>
-                  </a:rPr>
-                  <a:t>Instead of working with token embeddings directly they get projected (via </a:t>
-                </a:r>
-                <a:r>
-                  <a:rPr lang="en-US" dirty="0">
-                    <a:solidFill>
-                      <a:schemeClr val="bg2"/>
-                    </a:solidFill>
-                    <a:latin typeface="Helvetica" pitchFamily="2" charset="0"/>
-                  </a:rPr>
-                  <a:t>learnable parameters</a:t>
-                </a:r>
-                <a:r>
-                  <a:rPr lang="en-US" dirty="0">
-                    <a:latin typeface="Helvetica" pitchFamily="2" charset="0"/>
-                  </a:rPr>
-                  <a:t>) to Queries, Keys, and Values</a:t>
-                </a:r>
-              </a:p>
-              <a:p>
-                <a:pPr lvl="2">
-                  <a:buClr>
-                    <a:srgbClr val="FF7900"/>
-                  </a:buClr>
-                </a:pPr>
-                <a:r>
-                  <a:rPr lang="en-US" dirty="0">
-                    <a:latin typeface="Helvetica" pitchFamily="2" charset="0"/>
-                  </a:rPr>
-                  <a:t>Instead of applying a single attention, </a:t>
-                </a:r>
-                <a14:m>
-                  <m:oMath xmlns:m="http://schemas.openxmlformats.org/officeDocument/2006/math">
-                    <m:sSub>
-                      <m:sSubPr>
-                        <m:ctrlPr>
-                          <a:rPr lang="en-US" i="1" dirty="0" smtClean="0">
-                            <a:latin typeface="Cambria Math" panose="02040503050406030204" pitchFamily="18" charset="0"/>
-                          </a:rPr>
-                        </m:ctrlPr>
-                      </m:sSubPr>
-                      <m:e>
-                        <m:r>
-                          <a:rPr lang="en-US" i="1" dirty="0" smtClean="0">
-                            <a:latin typeface="Cambria Math" panose="02040503050406030204" pitchFamily="18" charset="0"/>
-                          </a:rPr>
-                          <m:t>𝑑</m:t>
-                        </m:r>
-                      </m:e>
-                      <m:sub>
-                        <m:r>
-                          <m:rPr>
-                            <m:nor/>
-                          </m:rPr>
-                          <a:rPr lang="en-US" i="0" dirty="0" smtClean="0">
-                            <a:latin typeface="Cambria Math" panose="02040503050406030204" pitchFamily="18" charset="0"/>
-                          </a:rPr>
-                          <m:t>model</m:t>
-                        </m:r>
-                      </m:sub>
-                    </m:sSub>
-                  </m:oMath>
-                </a14:m>
-                <a:r>
-                  <a:rPr lang="en-US" dirty="0">
-                    <a:latin typeface="Helvetica" pitchFamily="2" charset="0"/>
-                  </a:rPr>
-                  <a:t> is split across </a:t>
-                </a:r>
-                <a14:m>
-                  <m:oMath xmlns:m="http://schemas.openxmlformats.org/officeDocument/2006/math">
-                    <m:r>
-                      <a:rPr lang="en-US" i="1" dirty="0" smtClean="0">
-                        <a:latin typeface="Cambria Math" panose="02040503050406030204" pitchFamily="18" charset="0"/>
-                      </a:rPr>
-                      <m:t>𝑛</m:t>
-                    </m:r>
-                  </m:oMath>
-                </a14:m>
-                <a:r>
-                  <a:rPr lang="en-US" dirty="0">
-                    <a:latin typeface="Helvetica" pitchFamily="2" charset="0"/>
-                  </a:rPr>
-                  <a:t> </a:t>
-                </a:r>
-                <a:r>
-                  <a:rPr lang="en-US" dirty="0">
-                    <a:solidFill>
-                      <a:schemeClr val="bg2"/>
-                    </a:solidFill>
-                    <a:latin typeface="Helvetica" pitchFamily="2" charset="0"/>
-                  </a:rPr>
-                  <a:t>heads</a:t>
-                </a:r>
-                <a:r>
-                  <a:rPr lang="en-US" dirty="0">
-                    <a:latin typeface="Helvetica" pitchFamily="2" charset="0"/>
-                  </a:rPr>
-                  <a:t>, where each head processes SDPA on subspaces for Q, K, and V.</a:t>
-                </a:r>
-              </a:p>
-              <a:p>
-                <a:pPr lvl="2">
-                  <a:buClr>
-                    <a:srgbClr val="FF7900"/>
-                  </a:buClr>
-                </a:pPr>
-                <a:r>
-                  <a:rPr lang="en-US" dirty="0">
-                    <a:latin typeface="Helvetica" pitchFamily="2" charset="0"/>
-                  </a:rPr>
-                  <a:t>Results from each head get </a:t>
-                </a:r>
-                <a:r>
-                  <a:rPr lang="en-US" dirty="0">
-                    <a:solidFill>
-                      <a:schemeClr val="bg2"/>
-                    </a:solidFill>
-                    <a:latin typeface="Helvetica" pitchFamily="2" charset="0"/>
-                  </a:rPr>
-                  <a:t>concatenated</a:t>
-                </a:r>
-                <a:r>
-                  <a:rPr lang="en-US" dirty="0">
-                    <a:latin typeface="Helvetica" pitchFamily="2" charset="0"/>
-                  </a:rPr>
-                  <a:t> back into the </a:t>
-                </a:r>
-                <a:r>
-                  <a:rPr lang="en-US" dirty="0">
-                    <a:solidFill>
-                      <a:schemeClr val="bg2"/>
-                    </a:solidFill>
-                    <a:latin typeface="Helvetica" pitchFamily="2" charset="0"/>
-                  </a:rPr>
-                  <a:t>MHA</a:t>
-                </a:r>
-                <a:r>
-                  <a:rPr lang="en-US" dirty="0">
-                    <a:latin typeface="Helvetica" pitchFamily="2" charset="0"/>
-                  </a:rPr>
-                  <a:t> final output (.</a:t>
-                </a:r>
-              </a:p>
-            </p:txBody>
-          </p:sp>
-        </mc:Choice>
-        <mc:Fallback>
-          <p:sp>
-            <p:nvSpPr>
-              <p:cNvPr id="2" name="Content Placeholder 1">
-                <a:extLst>
-                  <a:ext uri="{FF2B5EF4-FFF2-40B4-BE49-F238E27FC236}">
-                    <a16:creationId xmlns:a16="http://schemas.microsoft.com/office/drawing/2014/main" id="{B991953E-F7A7-F332-A80C-9105637668BF}"/>
-                  </a:ext>
-                </a:extLst>
-              </p:cNvPr>
-              <p:cNvSpPr>
-                <a:spLocks noGrp="1" noRot="1" noChangeAspect="1" noMove="1" noResize="1" noEditPoints="1" noAdjustHandles="1" noChangeArrowheads="1" noChangeShapeType="1" noTextEdit="1"/>
-              </p:cNvSpPr>
-              <p:nvPr>
-                <p:ph idx="1"/>
-              </p:nvPr>
-            </p:nvSpPr>
-            <p:spPr>
-              <a:xfrm>
-                <a:off x="314326" y="1184275"/>
-                <a:ext cx="8406980" cy="2891706"/>
-              </a:xfrm>
-              <a:blipFill>
-                <a:blip r:embed="rId2"/>
-                <a:stretch>
-                  <a:fillRect l="-1207" t="-3057" r="-1207"/>
-                </a:stretch>
-              </a:blipFill>
-            </p:spPr>
-            <p:txBody>
-              <a:bodyPr/>
-              <a:lstStyle/>
-              <a:p>
-                <a:r>
-                  <a:rPr lang="en-US">
-                    <a:noFill/>
-                  </a:rPr>
-                  <a:t> </a:t>
-                </a:r>
-              </a:p>
-            </p:txBody>
-          </p:sp>
-        </mc:Fallback>
-      </mc:AlternateContent>
-      <p:sp>
-        <p:nvSpPr>
-          <p:cNvPr id="3" name="Title 2">
-            <a:extLst>
-              <a:ext uri="{FF2B5EF4-FFF2-40B4-BE49-F238E27FC236}">
-                <a16:creationId xmlns:a16="http://schemas.microsoft.com/office/drawing/2014/main" id="{80BD676E-C263-34AD-E6B5-49D1A94AEFD4}"/>
-              </a:ext>
-            </a:extLst>
-          </p:cNvPr>
-          <p:cNvSpPr>
-            <a:spLocks noGrp="1"/>
-          </p:cNvSpPr>
-          <p:nvPr>
-            <p:ph type="title"/>
-          </p:nvPr>
-        </p:nvSpPr>
-        <p:spPr/>
-        <p:txBody>
-          <a:bodyPr/>
-          <a:lstStyle/>
-          <a:p>
-            <a:r>
-              <a:rPr lang="en-US" sz="2800" dirty="0"/>
-              <a:t>Model Parameters</a:t>
-            </a:r>
-          </a:p>
-        </p:txBody>
-      </p:sp>
-      <p:sp>
-        <p:nvSpPr>
-          <p:cNvPr id="8" name="Rectangle 7">
-            <a:extLst>
-              <a:ext uri="{FF2B5EF4-FFF2-40B4-BE49-F238E27FC236}">
-                <a16:creationId xmlns:a16="http://schemas.microsoft.com/office/drawing/2014/main" id="{941E5666-38A0-0375-4817-F3DEEACBB39E}"/>
-              </a:ext>
-            </a:extLst>
-          </p:cNvPr>
-          <p:cNvSpPr/>
-          <p:nvPr/>
-        </p:nvSpPr>
-        <p:spPr>
-          <a:xfrm>
-            <a:off x="310142" y="4548158"/>
-            <a:ext cx="1305910" cy="378330"/>
-          </a:xfrm>
-          <a:prstGeom prst="rect">
-            <a:avLst/>
-          </a:prstGeom>
-          <a:solidFill>
-            <a:schemeClr val="bg1"/>
-          </a:solidFill>
-          <a:ln>
-            <a:noFill/>
-          </a:ln>
-        </p:spPr>
-        <p:style>
-          <a:lnRef idx="2">
-            <a:schemeClr val="accent1">
-              <a:shade val="50000"/>
-            </a:schemeClr>
-          </a:lnRef>
-          <a:fillRef idx="1">
-            <a:schemeClr val="accent1"/>
-          </a:fillRef>
-          <a:effectRef idx="0">
-            <a:schemeClr val="accent1"/>
-          </a:effectRef>
-          <a:fontRef idx="minor">
-            <a:schemeClr val="lt1"/>
-          </a:fontRef>
-        </p:style>
-        <p:txBody>
-          <a:bodyPr rtlCol="0" anchor="ctr"/>
-          <a:lstStyle/>
-          <a:p>
-            <a:pPr algn="ctr"/>
-            <a:endParaRPr lang="en-US" sz="1600" noProof="0" dirty="0">
-              <a:solidFill>
-                <a:srgbClr val="000000"/>
-              </a:solidFill>
-            </a:endParaRPr>
-          </a:p>
-        </p:txBody>
-      </p:sp>
-    </p:spTree>
-    <p:extLst>
-      <p:ext uri="{BB962C8B-B14F-4D97-AF65-F5344CB8AC3E}">
-        <p14:creationId xmlns:p14="http://schemas.microsoft.com/office/powerpoint/2010/main" val="4062956192"/>
-      </p:ext>
-    </p:extLst>
-  </p:cSld>
-  <p:clrMapOvr>
-    <a:masterClrMapping/>
-  </p:clrMapOvr>
-  <mc:AlternateContent xmlns:mc="http://schemas.openxmlformats.org/markup-compatibility/2006" xmlns:p14="http://schemas.microsoft.com/office/powerpoint/2010/main">
-    <mc:Choice Requires="p14">
-      <p:transition spd="med" p14:dur="700">
-        <p:fade/>
-      </p:transition>
-    </mc:Choice>
-    <mc:Fallback xmlns="">
-      <p:transition spd="med">
-        <p:fade/>
-      </p:transition>
-    </mc:Fallback>
-  </mc:AlternateContent>
-</p:sld>
-</file>
-
-<file path=ppt/slides/slide12.xml><?xml version="1.0" encoding="utf-8"?>
-<p:sld xmlns:a="http://schemas.openxmlformats.org/drawingml/2006/main" xmlns:r="http://schemas.openxmlformats.org/officeDocument/2006/relationships" xmlns:p="http://schemas.openxmlformats.org/presentationml/2006/main">
-  <p:cSld>
-    <p:spTree>
-      <p:nvGrpSpPr>
-        <p:cNvPr id="1" name="">
-          <a:extLst>
-            <a:ext uri="{FF2B5EF4-FFF2-40B4-BE49-F238E27FC236}">
-              <a16:creationId xmlns:a16="http://schemas.microsoft.com/office/drawing/2014/main" id="{C06D5ED4-8A69-EA8E-488C-BB3288CD04C1}"/>
-            </a:ext>
-          </a:extLst>
-        </p:cNvPr>
-        <p:cNvGrpSpPr/>
-        <p:nvPr/>
-      </p:nvGrpSpPr>
-      <p:grpSpPr>
-        <a:xfrm>
-          <a:off x="0" y="0"/>
-          <a:ext cx="0" cy="0"/>
-          <a:chOff x="0" y="0"/>
-          <a:chExt cx="0" cy="0"/>
-        </a:xfrm>
-      </p:grpSpPr>
-      <mc:AlternateContent xmlns:mc="http://schemas.openxmlformats.org/markup-compatibility/2006">
-        <mc:Choice xmlns:a14="http://schemas.microsoft.com/office/drawing/2010/main" Requires="a14">
-          <p:sp>
-            <p:nvSpPr>
-              <p:cNvPr id="2" name="Content Placeholder 1">
-                <a:extLst>
-                  <a:ext uri="{FF2B5EF4-FFF2-40B4-BE49-F238E27FC236}">
-                    <a16:creationId xmlns:a16="http://schemas.microsoft.com/office/drawing/2014/main" id="{C6F3863A-DCCA-7BC5-6F2E-0DF76952F840}"/>
-                  </a:ext>
-                </a:extLst>
-              </p:cNvPr>
-              <p:cNvSpPr>
-                <a:spLocks noGrp="1"/>
-              </p:cNvSpPr>
-              <p:nvPr>
-                <p:ph idx="1"/>
-              </p:nvPr>
-            </p:nvSpPr>
-            <p:spPr>
-              <a:xfrm>
-                <a:off x="314326" y="1184275"/>
-                <a:ext cx="8406980" cy="2891706"/>
-              </a:xfrm>
-            </p:spPr>
-            <p:txBody>
-              <a:bodyPr/>
-              <a:lstStyle/>
-              <a:p>
-                <a:pPr lvl="2">
-                  <a:buClr>
-                    <a:srgbClr val="FF7900"/>
-                  </a:buClr>
-                </a:pPr>
-                <a:r>
-                  <a:rPr lang="en-US" dirty="0">
-                    <a:latin typeface="Helvetica" pitchFamily="2" charset="0"/>
-                  </a:rPr>
-                  <a:t>Instead of working with token embeddings directly they get projected (via </a:t>
-                </a:r>
-                <a:r>
-                  <a:rPr lang="en-US" dirty="0">
-                    <a:solidFill>
-                      <a:schemeClr val="bg2"/>
-                    </a:solidFill>
-                    <a:latin typeface="Helvetica" pitchFamily="2" charset="0"/>
-                  </a:rPr>
-                  <a:t>learnable parameters</a:t>
-                </a:r>
-                <a:r>
-                  <a:rPr lang="en-US" dirty="0">
-                    <a:latin typeface="Helvetica" pitchFamily="2" charset="0"/>
-                  </a:rPr>
-                  <a:t>) to Queries, Keys, and Values</a:t>
-                </a:r>
-              </a:p>
-              <a:p>
-                <a:pPr lvl="2">
-                  <a:buClr>
-                    <a:srgbClr val="FF7900"/>
-                  </a:buClr>
-                </a:pPr>
-                <a:r>
-                  <a:rPr lang="en-US" dirty="0">
-                    <a:latin typeface="Helvetica" pitchFamily="2" charset="0"/>
-                  </a:rPr>
-                  <a:t>Instead of applying a single attention, </a:t>
-                </a:r>
-                <a14:m>
-                  <m:oMath xmlns:m="http://schemas.openxmlformats.org/officeDocument/2006/math">
-                    <m:sSub>
-                      <m:sSubPr>
-                        <m:ctrlPr>
-                          <a:rPr lang="en-US" i="1" dirty="0" smtClean="0">
-                            <a:latin typeface="Cambria Math" panose="02040503050406030204" pitchFamily="18" charset="0"/>
-                          </a:rPr>
-                        </m:ctrlPr>
-                      </m:sSubPr>
-                      <m:e>
-                        <m:r>
-                          <a:rPr lang="en-US" i="1" dirty="0" smtClean="0">
-                            <a:latin typeface="Cambria Math" panose="02040503050406030204" pitchFamily="18" charset="0"/>
-                          </a:rPr>
-                          <m:t>𝑑</m:t>
-                        </m:r>
-                      </m:e>
-                      <m:sub>
-                        <m:r>
-                          <m:rPr>
-                            <m:nor/>
-                          </m:rPr>
-                          <a:rPr lang="en-US" i="0" dirty="0" smtClean="0">
-                            <a:latin typeface="Cambria Math" panose="02040503050406030204" pitchFamily="18" charset="0"/>
-                          </a:rPr>
-                          <m:t>model</m:t>
-                        </m:r>
-                      </m:sub>
-                    </m:sSub>
-                  </m:oMath>
-                </a14:m>
-                <a:r>
-                  <a:rPr lang="en-US" dirty="0">
-                    <a:latin typeface="Helvetica" pitchFamily="2" charset="0"/>
-                  </a:rPr>
-                  <a:t> is split across </a:t>
-                </a:r>
-                <a14:m>
-                  <m:oMath xmlns:m="http://schemas.openxmlformats.org/officeDocument/2006/math">
-                    <m:r>
-                      <a:rPr lang="en-US" i="1" dirty="0" smtClean="0">
-                        <a:latin typeface="Cambria Math" panose="02040503050406030204" pitchFamily="18" charset="0"/>
-                      </a:rPr>
-                      <m:t>𝑛</m:t>
-                    </m:r>
-                  </m:oMath>
-                </a14:m>
-                <a:r>
-                  <a:rPr lang="en-US" dirty="0">
-                    <a:latin typeface="Helvetica" pitchFamily="2" charset="0"/>
-                  </a:rPr>
-                  <a:t> </a:t>
-                </a:r>
-                <a:r>
-                  <a:rPr lang="en-US" dirty="0">
-                    <a:solidFill>
-                      <a:schemeClr val="bg2"/>
-                    </a:solidFill>
-                    <a:latin typeface="Helvetica" pitchFamily="2" charset="0"/>
-                  </a:rPr>
-                  <a:t>heads</a:t>
-                </a:r>
-                <a:r>
-                  <a:rPr lang="en-US" dirty="0">
-                    <a:latin typeface="Helvetica" pitchFamily="2" charset="0"/>
-                  </a:rPr>
-                  <a:t>, where each head processes SDPA on subspaces for Q, K, and V.</a:t>
-                </a:r>
-              </a:p>
-              <a:p>
-                <a:pPr lvl="2">
-                  <a:buClr>
-                    <a:srgbClr val="FF7900"/>
-                  </a:buClr>
-                </a:pPr>
-                <a:r>
-                  <a:rPr lang="en-US" dirty="0">
-                    <a:latin typeface="Helvetica" pitchFamily="2" charset="0"/>
-                  </a:rPr>
-                  <a:t>Results from each head get </a:t>
-                </a:r>
-                <a:r>
-                  <a:rPr lang="en-US" dirty="0">
-                    <a:solidFill>
-                      <a:schemeClr val="bg2"/>
-                    </a:solidFill>
-                    <a:latin typeface="Helvetica" pitchFamily="2" charset="0"/>
-                  </a:rPr>
-                  <a:t>concatenated</a:t>
-                </a:r>
-                <a:r>
-                  <a:rPr lang="en-US" dirty="0">
-                    <a:latin typeface="Helvetica" pitchFamily="2" charset="0"/>
-                  </a:rPr>
-                  <a:t> back into the </a:t>
-                </a:r>
-                <a:r>
-                  <a:rPr lang="en-US" dirty="0">
-                    <a:solidFill>
-                      <a:schemeClr val="bg2"/>
-                    </a:solidFill>
-                    <a:latin typeface="Helvetica" pitchFamily="2" charset="0"/>
-                  </a:rPr>
-                  <a:t>MHA</a:t>
-                </a:r>
-                <a:r>
-                  <a:rPr lang="en-US" dirty="0">
-                    <a:latin typeface="Helvetica" pitchFamily="2" charset="0"/>
-                  </a:rPr>
-                  <a:t> final output (.</a:t>
-                </a:r>
-              </a:p>
-            </p:txBody>
-          </p:sp>
-        </mc:Choice>
-        <mc:Fallback>
-          <p:sp>
-            <p:nvSpPr>
-              <p:cNvPr id="2" name="Content Placeholder 1">
-                <a:extLst>
-                  <a:ext uri="{FF2B5EF4-FFF2-40B4-BE49-F238E27FC236}">
-                    <a16:creationId xmlns:a16="http://schemas.microsoft.com/office/drawing/2014/main" id="{C6F3863A-DCCA-7BC5-6F2E-0DF76952F840}"/>
-                  </a:ext>
-                </a:extLst>
-              </p:cNvPr>
-              <p:cNvSpPr>
-                <a:spLocks noGrp="1" noRot="1" noChangeAspect="1" noMove="1" noResize="1" noEditPoints="1" noAdjustHandles="1" noChangeArrowheads="1" noChangeShapeType="1" noTextEdit="1"/>
-              </p:cNvSpPr>
-              <p:nvPr>
-                <p:ph idx="1"/>
-              </p:nvPr>
-            </p:nvSpPr>
-            <p:spPr>
-              <a:xfrm>
-                <a:off x="314326" y="1184275"/>
-                <a:ext cx="8406980" cy="2891706"/>
-              </a:xfrm>
-              <a:blipFill>
-                <a:blip r:embed="rId2"/>
-                <a:stretch>
-                  <a:fillRect l="-1207" t="-3057" r="-1207"/>
-                </a:stretch>
-              </a:blipFill>
-            </p:spPr>
-            <p:txBody>
-              <a:bodyPr/>
-              <a:lstStyle/>
-              <a:p>
-                <a:r>
-                  <a:rPr lang="en-US">
-                    <a:noFill/>
-                  </a:rPr>
-                  <a:t> </a:t>
-                </a:r>
-              </a:p>
-            </p:txBody>
-          </p:sp>
-        </mc:Fallback>
-      </mc:AlternateContent>
-      <p:sp>
-        <p:nvSpPr>
-          <p:cNvPr id="3" name="Title 2">
-            <a:extLst>
-              <a:ext uri="{FF2B5EF4-FFF2-40B4-BE49-F238E27FC236}">
-                <a16:creationId xmlns:a16="http://schemas.microsoft.com/office/drawing/2014/main" id="{D8108107-D212-F620-7579-F23F11CC10BF}"/>
-              </a:ext>
-            </a:extLst>
-          </p:cNvPr>
-          <p:cNvSpPr>
-            <a:spLocks noGrp="1"/>
-          </p:cNvSpPr>
-          <p:nvPr>
-            <p:ph type="title"/>
-          </p:nvPr>
-        </p:nvSpPr>
-        <p:spPr/>
-        <p:txBody>
-          <a:bodyPr/>
-          <a:lstStyle/>
-          <a:p>
-            <a:r>
-              <a:rPr lang="en-US" sz="2800" dirty="0"/>
-              <a:t>Model Parameters</a:t>
-            </a:r>
-          </a:p>
-        </p:txBody>
-      </p:sp>
-      <p:sp>
-        <p:nvSpPr>
-          <p:cNvPr id="8" name="Rectangle 7">
-            <a:extLst>
-              <a:ext uri="{FF2B5EF4-FFF2-40B4-BE49-F238E27FC236}">
-                <a16:creationId xmlns:a16="http://schemas.microsoft.com/office/drawing/2014/main" id="{CC536B6A-B795-4543-D8C4-4F2C0D610E97}"/>
-              </a:ext>
-            </a:extLst>
-          </p:cNvPr>
-          <p:cNvSpPr/>
-          <p:nvPr/>
-        </p:nvSpPr>
-        <p:spPr>
-          <a:xfrm>
-            <a:off x="310142" y="4548158"/>
-            <a:ext cx="1305910" cy="378330"/>
-          </a:xfrm>
-          <a:prstGeom prst="rect">
-            <a:avLst/>
-          </a:prstGeom>
-          <a:solidFill>
-            <a:schemeClr val="bg1"/>
-          </a:solidFill>
-          <a:ln>
-            <a:noFill/>
-          </a:ln>
-        </p:spPr>
-        <p:style>
-          <a:lnRef idx="2">
-            <a:schemeClr val="accent1">
-              <a:shade val="50000"/>
-            </a:schemeClr>
-          </a:lnRef>
-          <a:fillRef idx="1">
-            <a:schemeClr val="accent1"/>
-          </a:fillRef>
-          <a:effectRef idx="0">
-            <a:schemeClr val="accent1"/>
-          </a:effectRef>
-          <a:fontRef idx="minor">
-            <a:schemeClr val="lt1"/>
-          </a:fontRef>
-        </p:style>
-        <p:txBody>
-          <a:bodyPr rtlCol="0" anchor="ctr"/>
-          <a:lstStyle/>
-          <a:p>
-            <a:pPr algn="ctr"/>
-            <a:endParaRPr lang="en-US" sz="1600" noProof="0" dirty="0">
-              <a:solidFill>
-                <a:srgbClr val="000000"/>
-              </a:solidFill>
-            </a:endParaRPr>
-          </a:p>
-        </p:txBody>
-      </p:sp>
-    </p:spTree>
-    <p:extLst>
-      <p:ext uri="{BB962C8B-B14F-4D97-AF65-F5344CB8AC3E}">
-        <p14:creationId xmlns:p14="http://schemas.microsoft.com/office/powerpoint/2010/main" val="2527616323"/>
-      </p:ext>
-    </p:extLst>
-  </p:cSld>
-  <p:clrMapOvr>
-    <a:masterClrMapping/>
-  </p:clrMapOvr>
-  <mc:AlternateContent xmlns:mc="http://schemas.openxmlformats.org/markup-compatibility/2006" xmlns:p14="http://schemas.microsoft.com/office/powerpoint/2010/main">
-    <mc:Choice Requires="p14">
-      <p:transition spd="med" p14:dur="700">
-        <p:fade/>
-      </p:transition>
-    </mc:Choice>
-    <mc:Fallback xmlns="">
-      <p:transition spd="med">
-        <p:fade/>
-      </p:transition>
-    </mc:Fallback>
-  </mc:AlternateContent>
-</p:sld>
-</file>
-
-<file path=ppt/slides/slide13.xml><?xml version="1.0" encoding="utf-8"?>
-<p:sld xmlns:a="http://schemas.openxmlformats.org/drawingml/2006/main" xmlns:r="http://schemas.openxmlformats.org/officeDocument/2006/relationships" xmlns:p="http://schemas.openxmlformats.org/presentationml/2006/main">
-  <p:cSld>
-    <p:spTree>
-      <p:nvGrpSpPr>
-        <p:cNvPr id="1" name="">
-          <a:extLst>
-            <a:ext uri="{FF2B5EF4-FFF2-40B4-BE49-F238E27FC236}">
-              <a16:creationId xmlns:a16="http://schemas.microsoft.com/office/drawing/2014/main" id="{32994D57-7ACF-D8DD-3991-EEE5921DEB1E}"/>
-            </a:ext>
-          </a:extLst>
-        </p:cNvPr>
-        <p:cNvGrpSpPr/>
-        <p:nvPr/>
-      </p:nvGrpSpPr>
-      <p:grpSpPr>
-        <a:xfrm>
-          <a:off x="0" y="0"/>
-          <a:ext cx="0" cy="0"/>
-          <a:chOff x="0" y="0"/>
-          <a:chExt cx="0" cy="0"/>
-        </a:xfrm>
-      </p:grpSpPr>
-      <mc:AlternateContent xmlns:mc="http://schemas.openxmlformats.org/markup-compatibility/2006">
-        <mc:Choice xmlns:a14="http://schemas.microsoft.com/office/drawing/2010/main" Requires="a14">
-          <p:sp>
-            <p:nvSpPr>
-              <p:cNvPr id="2" name="Content Placeholder 1">
-                <a:extLst>
-                  <a:ext uri="{FF2B5EF4-FFF2-40B4-BE49-F238E27FC236}">
-                    <a16:creationId xmlns:a16="http://schemas.microsoft.com/office/drawing/2014/main" id="{9C0882F5-7639-E23E-FD85-CB457C5C48D2}"/>
-                  </a:ext>
-                </a:extLst>
-              </p:cNvPr>
-              <p:cNvSpPr>
-                <a:spLocks noGrp="1"/>
-              </p:cNvSpPr>
-              <p:nvPr>
-                <p:ph idx="1"/>
-              </p:nvPr>
-            </p:nvSpPr>
-            <p:spPr>
-              <a:xfrm>
-                <a:off x="314326" y="1184275"/>
-                <a:ext cx="8406980" cy="2891706"/>
-              </a:xfrm>
-            </p:spPr>
-            <p:txBody>
-              <a:bodyPr/>
-              <a:lstStyle/>
-              <a:p>
-                <a:pPr lvl="2">
-                  <a:buClr>
-                    <a:srgbClr val="FF7900"/>
-                  </a:buClr>
-                </a:pPr>
-                <a:r>
-                  <a:rPr lang="en-US" dirty="0">
-                    <a:latin typeface="Helvetica" pitchFamily="2" charset="0"/>
-                  </a:rPr>
-                  <a:t>Instead of working with token embeddings directly they get projected (via </a:t>
-                </a:r>
-                <a:r>
-                  <a:rPr lang="en-US" dirty="0">
-                    <a:solidFill>
-                      <a:schemeClr val="bg2"/>
-                    </a:solidFill>
-                    <a:latin typeface="Helvetica" pitchFamily="2" charset="0"/>
-                  </a:rPr>
-                  <a:t>learnable parameters</a:t>
-                </a:r>
-                <a:r>
-                  <a:rPr lang="en-US" dirty="0">
-                    <a:latin typeface="Helvetica" pitchFamily="2" charset="0"/>
-                  </a:rPr>
-                  <a:t>) to Queries, Keys, and Values</a:t>
-                </a:r>
-              </a:p>
-              <a:p>
-                <a:pPr lvl="2">
-                  <a:buClr>
-                    <a:srgbClr val="FF7900"/>
-                  </a:buClr>
-                </a:pPr>
-                <a:r>
-                  <a:rPr lang="en-US" dirty="0">
-                    <a:latin typeface="Helvetica" pitchFamily="2" charset="0"/>
-                  </a:rPr>
-                  <a:t>Instead of applying a single attention, </a:t>
-                </a:r>
-                <a14:m>
-                  <m:oMath xmlns:m="http://schemas.openxmlformats.org/officeDocument/2006/math">
-                    <m:sSub>
-                      <m:sSubPr>
-                        <m:ctrlPr>
-                          <a:rPr lang="en-US" i="1" dirty="0" smtClean="0">
-                            <a:latin typeface="Cambria Math" panose="02040503050406030204" pitchFamily="18" charset="0"/>
-                          </a:rPr>
-                        </m:ctrlPr>
-                      </m:sSubPr>
-                      <m:e>
-                        <m:r>
-                          <a:rPr lang="en-US" i="1" dirty="0" smtClean="0">
-                            <a:latin typeface="Cambria Math" panose="02040503050406030204" pitchFamily="18" charset="0"/>
-                          </a:rPr>
-                          <m:t>𝑑</m:t>
-                        </m:r>
-                      </m:e>
-                      <m:sub>
-                        <m:r>
-                          <m:rPr>
-                            <m:nor/>
-                          </m:rPr>
-                          <a:rPr lang="en-US" i="0" dirty="0" smtClean="0">
-                            <a:latin typeface="Cambria Math" panose="02040503050406030204" pitchFamily="18" charset="0"/>
-                          </a:rPr>
-                          <m:t>model</m:t>
-                        </m:r>
-                      </m:sub>
-                    </m:sSub>
-                  </m:oMath>
-                </a14:m>
-                <a:r>
-                  <a:rPr lang="en-US" dirty="0">
-                    <a:latin typeface="Helvetica" pitchFamily="2" charset="0"/>
-                  </a:rPr>
-                  <a:t> is split across </a:t>
-                </a:r>
-                <a14:m>
-                  <m:oMath xmlns:m="http://schemas.openxmlformats.org/officeDocument/2006/math">
-                    <m:r>
-                      <a:rPr lang="en-US" i="1" dirty="0" smtClean="0">
-                        <a:latin typeface="Cambria Math" panose="02040503050406030204" pitchFamily="18" charset="0"/>
-                      </a:rPr>
-                      <m:t>𝑛</m:t>
-                    </m:r>
-                  </m:oMath>
-                </a14:m>
-                <a:r>
-                  <a:rPr lang="en-US" dirty="0">
-                    <a:latin typeface="Helvetica" pitchFamily="2" charset="0"/>
-                  </a:rPr>
-                  <a:t> </a:t>
-                </a:r>
-                <a:r>
-                  <a:rPr lang="en-US" dirty="0">
-                    <a:solidFill>
-                      <a:schemeClr val="bg2"/>
-                    </a:solidFill>
-                    <a:latin typeface="Helvetica" pitchFamily="2" charset="0"/>
-                  </a:rPr>
-                  <a:t>heads</a:t>
-                </a:r>
-                <a:r>
-                  <a:rPr lang="en-US" dirty="0">
-                    <a:latin typeface="Helvetica" pitchFamily="2" charset="0"/>
-                  </a:rPr>
-                  <a:t>, where each head processes SDPA on subspaces for Q, K, and V.</a:t>
-                </a:r>
-              </a:p>
-              <a:p>
-                <a:pPr lvl="2">
-                  <a:buClr>
-                    <a:srgbClr val="FF7900"/>
-                  </a:buClr>
-                </a:pPr>
-                <a:r>
-                  <a:rPr lang="en-US" dirty="0">
-                    <a:latin typeface="Helvetica" pitchFamily="2" charset="0"/>
-                  </a:rPr>
-                  <a:t>Results from each head get </a:t>
-                </a:r>
-                <a:r>
-                  <a:rPr lang="en-US" dirty="0">
-                    <a:solidFill>
-                      <a:schemeClr val="bg2"/>
-                    </a:solidFill>
-                    <a:latin typeface="Helvetica" pitchFamily="2" charset="0"/>
-                  </a:rPr>
-                  <a:t>concatenated</a:t>
-                </a:r>
-                <a:r>
-                  <a:rPr lang="en-US" dirty="0">
-                    <a:latin typeface="Helvetica" pitchFamily="2" charset="0"/>
-                  </a:rPr>
-                  <a:t> back into the </a:t>
-                </a:r>
-                <a:r>
-                  <a:rPr lang="en-US" dirty="0">
-                    <a:solidFill>
-                      <a:schemeClr val="bg2"/>
-                    </a:solidFill>
-                    <a:latin typeface="Helvetica" pitchFamily="2" charset="0"/>
-                  </a:rPr>
-                  <a:t>MHA</a:t>
-                </a:r>
-                <a:r>
-                  <a:rPr lang="en-US" dirty="0">
-                    <a:latin typeface="Helvetica" pitchFamily="2" charset="0"/>
-                  </a:rPr>
-                  <a:t> final output (.</a:t>
-                </a:r>
-              </a:p>
-            </p:txBody>
-          </p:sp>
-        </mc:Choice>
-        <mc:Fallback>
-          <p:sp>
-            <p:nvSpPr>
-              <p:cNvPr id="2" name="Content Placeholder 1">
-                <a:extLst>
-                  <a:ext uri="{FF2B5EF4-FFF2-40B4-BE49-F238E27FC236}">
-                    <a16:creationId xmlns:a16="http://schemas.microsoft.com/office/drawing/2014/main" id="{9C0882F5-7639-E23E-FD85-CB457C5C48D2}"/>
-                  </a:ext>
-                </a:extLst>
-              </p:cNvPr>
-              <p:cNvSpPr>
-                <a:spLocks noGrp="1" noRot="1" noChangeAspect="1" noMove="1" noResize="1" noEditPoints="1" noAdjustHandles="1" noChangeArrowheads="1" noChangeShapeType="1" noTextEdit="1"/>
-              </p:cNvSpPr>
-              <p:nvPr>
-                <p:ph idx="1"/>
-              </p:nvPr>
-            </p:nvSpPr>
-            <p:spPr>
-              <a:xfrm>
-                <a:off x="314326" y="1184275"/>
-                <a:ext cx="8406980" cy="2891706"/>
-              </a:xfrm>
-              <a:blipFill>
-                <a:blip r:embed="rId2"/>
-                <a:stretch>
-                  <a:fillRect l="-1207" t="-3057" r="-1207"/>
-                </a:stretch>
-              </a:blipFill>
-            </p:spPr>
-            <p:txBody>
-              <a:bodyPr/>
-              <a:lstStyle/>
-              <a:p>
-                <a:r>
-                  <a:rPr lang="en-US">
-                    <a:noFill/>
-                  </a:rPr>
-                  <a:t> </a:t>
-                </a:r>
-              </a:p>
-            </p:txBody>
-          </p:sp>
-        </mc:Fallback>
-      </mc:AlternateContent>
-      <p:sp>
-        <p:nvSpPr>
-          <p:cNvPr id="3" name="Title 2">
-            <a:extLst>
-              <a:ext uri="{FF2B5EF4-FFF2-40B4-BE49-F238E27FC236}">
-                <a16:creationId xmlns:a16="http://schemas.microsoft.com/office/drawing/2014/main" id="{28E9BB09-3BEA-72FC-04F6-501F581614CC}"/>
-              </a:ext>
-            </a:extLst>
-          </p:cNvPr>
-          <p:cNvSpPr>
-            <a:spLocks noGrp="1"/>
-          </p:cNvSpPr>
-          <p:nvPr>
-            <p:ph type="title"/>
-          </p:nvPr>
-        </p:nvSpPr>
-        <p:spPr/>
-        <p:txBody>
-          <a:bodyPr/>
-          <a:lstStyle/>
-          <a:p>
-            <a:r>
-              <a:rPr lang="en-US" sz="2800" dirty="0"/>
-              <a:t>Model Parameters</a:t>
-            </a:r>
-          </a:p>
-        </p:txBody>
-      </p:sp>
-      <p:sp>
-        <p:nvSpPr>
-          <p:cNvPr id="8" name="Rectangle 7">
-            <a:extLst>
-              <a:ext uri="{FF2B5EF4-FFF2-40B4-BE49-F238E27FC236}">
-                <a16:creationId xmlns:a16="http://schemas.microsoft.com/office/drawing/2014/main" id="{579B6C15-0507-002A-0824-EC3417AC966E}"/>
-              </a:ext>
-            </a:extLst>
-          </p:cNvPr>
-          <p:cNvSpPr/>
-          <p:nvPr/>
-        </p:nvSpPr>
-        <p:spPr>
-          <a:xfrm>
-            <a:off x="310142" y="4548158"/>
-            <a:ext cx="1305910" cy="378330"/>
-          </a:xfrm>
-          <a:prstGeom prst="rect">
-            <a:avLst/>
-          </a:prstGeom>
-          <a:solidFill>
-            <a:schemeClr val="bg1"/>
-          </a:solidFill>
-          <a:ln>
-            <a:noFill/>
-          </a:ln>
-        </p:spPr>
-        <p:style>
-          <a:lnRef idx="2">
-            <a:schemeClr val="accent1">
-              <a:shade val="50000"/>
-            </a:schemeClr>
-          </a:lnRef>
-          <a:fillRef idx="1">
-            <a:schemeClr val="accent1"/>
-          </a:fillRef>
-          <a:effectRef idx="0">
-            <a:schemeClr val="accent1"/>
-          </a:effectRef>
-          <a:fontRef idx="minor">
-            <a:schemeClr val="lt1"/>
-          </a:fontRef>
-        </p:style>
-        <p:txBody>
-          <a:bodyPr rtlCol="0" anchor="ctr"/>
-          <a:lstStyle/>
-          <a:p>
-            <a:pPr algn="ctr"/>
-            <a:endParaRPr lang="en-US" sz="1600" noProof="0" dirty="0">
-              <a:solidFill>
-                <a:srgbClr val="000000"/>
-              </a:solidFill>
-            </a:endParaRPr>
-          </a:p>
-        </p:txBody>
-      </p:sp>
-    </p:spTree>
-    <p:extLst>
-      <p:ext uri="{BB962C8B-B14F-4D97-AF65-F5344CB8AC3E}">
-        <p14:creationId xmlns:p14="http://schemas.microsoft.com/office/powerpoint/2010/main" val="37411331"/>
-      </p:ext>
-    </p:extLst>
-  </p:cSld>
-  <p:clrMapOvr>
-    <a:masterClrMapping/>
-  </p:clrMapOvr>
-  <mc:AlternateContent xmlns:mc="http://schemas.openxmlformats.org/markup-compatibility/2006" xmlns:p14="http://schemas.microsoft.com/office/powerpoint/2010/main">
-    <mc:Choice Requires="p14">
-      <p:transition spd="med" p14:dur="700">
-        <p:fade/>
-      </p:transition>
-    </mc:Choice>
-    <mc:Fallback xmlns="">
-      <p:transition spd="med">
-        <p:fade/>
-      </p:transition>
-    </mc:Fallback>
-  </mc:AlternateContent>
-</p:sld>
-</file>
-
-<file path=ppt/slides/slide14.xml><?xml version="1.0" encoding="utf-8"?>
-<p:sld xmlns:a="http://schemas.openxmlformats.org/drawingml/2006/main" xmlns:r="http://schemas.openxmlformats.org/officeDocument/2006/relationships" xmlns:p="http://schemas.openxmlformats.org/presentationml/2006/main">
-  <p:cSld>
-    <p:spTree>
-      <p:nvGrpSpPr>
-        <p:cNvPr id="1" name="">
-          <a:extLst>
-            <a:ext uri="{FF2B5EF4-FFF2-40B4-BE49-F238E27FC236}">
-              <a16:creationId xmlns:a16="http://schemas.microsoft.com/office/drawing/2014/main" id="{B8BC9FF7-62EC-2CD1-97AD-8AADE2AD0343}"/>
-            </a:ext>
-          </a:extLst>
-        </p:cNvPr>
-        <p:cNvGrpSpPr/>
-        <p:nvPr/>
-      </p:nvGrpSpPr>
-      <p:grpSpPr>
-        <a:xfrm>
-          <a:off x="0" y="0"/>
-          <a:ext cx="0" cy="0"/>
-          <a:chOff x="0" y="0"/>
-          <a:chExt cx="0" cy="0"/>
-        </a:xfrm>
-      </p:grpSpPr>
-      <mc:AlternateContent xmlns:mc="http://schemas.openxmlformats.org/markup-compatibility/2006">
-        <mc:Choice xmlns:a14="http://schemas.microsoft.com/office/drawing/2010/main" Requires="a14">
-          <p:sp>
-            <p:nvSpPr>
-              <p:cNvPr id="2" name="Content Placeholder 1">
-                <a:extLst>
-                  <a:ext uri="{FF2B5EF4-FFF2-40B4-BE49-F238E27FC236}">
-                    <a16:creationId xmlns:a16="http://schemas.microsoft.com/office/drawing/2014/main" id="{7198D760-340A-B897-A0E1-3ACFAC015E12}"/>
-                  </a:ext>
-                </a:extLst>
-              </p:cNvPr>
-              <p:cNvSpPr>
-                <a:spLocks noGrp="1"/>
-              </p:cNvSpPr>
-              <p:nvPr>
-                <p:ph idx="1"/>
-              </p:nvPr>
-            </p:nvSpPr>
-            <p:spPr>
-              <a:xfrm>
-                <a:off x="314326" y="1184275"/>
-                <a:ext cx="8406980" cy="2891706"/>
-              </a:xfrm>
-            </p:spPr>
-            <p:txBody>
-              <a:bodyPr/>
-              <a:lstStyle/>
-              <a:p>
-                <a:pPr lvl="2">
-                  <a:buClr>
-                    <a:srgbClr val="FF7900"/>
-                  </a:buClr>
-                </a:pPr>
-                <a:r>
-                  <a:rPr lang="en-US" dirty="0">
-                    <a:latin typeface="Helvetica" pitchFamily="2" charset="0"/>
-                  </a:rPr>
-                  <a:t>Instead of working with token embeddings directly they get projected (via </a:t>
-                </a:r>
-                <a:r>
-                  <a:rPr lang="en-US" dirty="0">
-                    <a:solidFill>
-                      <a:schemeClr val="bg2"/>
-                    </a:solidFill>
-                    <a:latin typeface="Helvetica" pitchFamily="2" charset="0"/>
-                  </a:rPr>
-                  <a:t>learnable parameters</a:t>
-                </a:r>
-                <a:r>
-                  <a:rPr lang="en-US" dirty="0">
-                    <a:latin typeface="Helvetica" pitchFamily="2" charset="0"/>
-                  </a:rPr>
-                  <a:t>) to Queries, Keys, and Values</a:t>
-                </a:r>
-              </a:p>
-              <a:p>
-                <a:pPr lvl="2">
-                  <a:buClr>
-                    <a:srgbClr val="FF7900"/>
-                  </a:buClr>
-                </a:pPr>
-                <a:r>
-                  <a:rPr lang="en-US" dirty="0">
-                    <a:latin typeface="Helvetica" pitchFamily="2" charset="0"/>
-                  </a:rPr>
-                  <a:t>Instead of applying a single attention, </a:t>
-                </a:r>
-                <a14:m>
-                  <m:oMath xmlns:m="http://schemas.openxmlformats.org/officeDocument/2006/math">
-                    <m:sSub>
-                      <m:sSubPr>
-                        <m:ctrlPr>
-                          <a:rPr lang="en-US" i="1" dirty="0" smtClean="0">
-                            <a:latin typeface="Cambria Math" panose="02040503050406030204" pitchFamily="18" charset="0"/>
-                          </a:rPr>
-                        </m:ctrlPr>
-                      </m:sSubPr>
-                      <m:e>
-                        <m:r>
-                          <a:rPr lang="en-US" i="1" dirty="0" smtClean="0">
-                            <a:latin typeface="Cambria Math" panose="02040503050406030204" pitchFamily="18" charset="0"/>
-                          </a:rPr>
-                          <m:t>𝑑</m:t>
-                        </m:r>
-                      </m:e>
-                      <m:sub>
-                        <m:r>
-                          <m:rPr>
-                            <m:nor/>
-                          </m:rPr>
-                          <a:rPr lang="en-US" i="0" dirty="0" smtClean="0">
-                            <a:latin typeface="Cambria Math" panose="02040503050406030204" pitchFamily="18" charset="0"/>
-                          </a:rPr>
-                          <m:t>model</m:t>
-                        </m:r>
-                      </m:sub>
-                    </m:sSub>
-                  </m:oMath>
-                </a14:m>
-                <a:r>
-                  <a:rPr lang="en-US" dirty="0">
-                    <a:latin typeface="Helvetica" pitchFamily="2" charset="0"/>
-                  </a:rPr>
-                  <a:t> is split across </a:t>
-                </a:r>
-                <a14:m>
-                  <m:oMath xmlns:m="http://schemas.openxmlformats.org/officeDocument/2006/math">
-                    <m:r>
-                      <a:rPr lang="en-US" i="1" dirty="0" smtClean="0">
-                        <a:latin typeface="Cambria Math" panose="02040503050406030204" pitchFamily="18" charset="0"/>
-                      </a:rPr>
-                      <m:t>𝑛</m:t>
-                    </m:r>
-                  </m:oMath>
-                </a14:m>
-                <a:r>
-                  <a:rPr lang="en-US" dirty="0">
-                    <a:latin typeface="Helvetica" pitchFamily="2" charset="0"/>
-                  </a:rPr>
-                  <a:t> </a:t>
-                </a:r>
-                <a:r>
-                  <a:rPr lang="en-US" dirty="0">
-                    <a:solidFill>
-                      <a:schemeClr val="bg2"/>
-                    </a:solidFill>
-                    <a:latin typeface="Helvetica" pitchFamily="2" charset="0"/>
-                  </a:rPr>
-                  <a:t>heads</a:t>
-                </a:r>
-                <a:r>
-                  <a:rPr lang="en-US" dirty="0">
-                    <a:latin typeface="Helvetica" pitchFamily="2" charset="0"/>
-                  </a:rPr>
-                  <a:t>, where each head processes SDPA on subspaces for Q, K, and V.</a:t>
-                </a:r>
-              </a:p>
-              <a:p>
-                <a:pPr lvl="2">
-                  <a:buClr>
-                    <a:srgbClr val="FF7900"/>
-                  </a:buClr>
-                </a:pPr>
-                <a:r>
-                  <a:rPr lang="en-US" dirty="0">
-                    <a:latin typeface="Helvetica" pitchFamily="2" charset="0"/>
-                  </a:rPr>
-                  <a:t>Results from each head get </a:t>
-                </a:r>
-                <a:r>
-                  <a:rPr lang="en-US" dirty="0">
-                    <a:solidFill>
-                      <a:schemeClr val="bg2"/>
-                    </a:solidFill>
-                    <a:latin typeface="Helvetica" pitchFamily="2" charset="0"/>
-                  </a:rPr>
-                  <a:t>concatenated</a:t>
-                </a:r>
-                <a:r>
-                  <a:rPr lang="en-US" dirty="0">
-                    <a:latin typeface="Helvetica" pitchFamily="2" charset="0"/>
-                  </a:rPr>
-                  <a:t> back into the </a:t>
-                </a:r>
-                <a:r>
-                  <a:rPr lang="en-US" dirty="0">
-                    <a:solidFill>
-                      <a:schemeClr val="bg2"/>
-                    </a:solidFill>
-                    <a:latin typeface="Helvetica" pitchFamily="2" charset="0"/>
-                  </a:rPr>
-                  <a:t>MHA</a:t>
-                </a:r>
-                <a:r>
-                  <a:rPr lang="en-US" dirty="0">
-                    <a:latin typeface="Helvetica" pitchFamily="2" charset="0"/>
-                  </a:rPr>
-                  <a:t> final output (.</a:t>
-                </a:r>
-              </a:p>
-            </p:txBody>
-          </p:sp>
-        </mc:Choice>
-        <mc:Fallback>
-          <p:sp>
-            <p:nvSpPr>
-              <p:cNvPr id="2" name="Content Placeholder 1">
-                <a:extLst>
-                  <a:ext uri="{FF2B5EF4-FFF2-40B4-BE49-F238E27FC236}">
-                    <a16:creationId xmlns:a16="http://schemas.microsoft.com/office/drawing/2014/main" id="{7198D760-340A-B897-A0E1-3ACFAC015E12}"/>
-                  </a:ext>
-                </a:extLst>
-              </p:cNvPr>
-              <p:cNvSpPr>
-                <a:spLocks noGrp="1" noRot="1" noChangeAspect="1" noMove="1" noResize="1" noEditPoints="1" noAdjustHandles="1" noChangeArrowheads="1" noChangeShapeType="1" noTextEdit="1"/>
-              </p:cNvSpPr>
-              <p:nvPr>
-                <p:ph idx="1"/>
-              </p:nvPr>
-            </p:nvSpPr>
-            <p:spPr>
-              <a:xfrm>
-                <a:off x="314326" y="1184275"/>
-                <a:ext cx="8406980" cy="2891706"/>
-              </a:xfrm>
-              <a:blipFill>
-                <a:blip r:embed="rId2"/>
-                <a:stretch>
-                  <a:fillRect l="-1207" t="-3057" r="-1207"/>
-                </a:stretch>
-              </a:blipFill>
-            </p:spPr>
-            <p:txBody>
-              <a:bodyPr/>
-              <a:lstStyle/>
-              <a:p>
-                <a:r>
-                  <a:rPr lang="en-US">
-                    <a:noFill/>
-                  </a:rPr>
-                  <a:t> </a:t>
-                </a:r>
-              </a:p>
-            </p:txBody>
-          </p:sp>
-        </mc:Fallback>
-      </mc:AlternateContent>
-      <p:sp>
-        <p:nvSpPr>
-          <p:cNvPr id="3" name="Title 2">
-            <a:extLst>
-              <a:ext uri="{FF2B5EF4-FFF2-40B4-BE49-F238E27FC236}">
-                <a16:creationId xmlns:a16="http://schemas.microsoft.com/office/drawing/2014/main" id="{0A078A64-F3CC-4651-52F8-07E5750377C1}"/>
-              </a:ext>
-            </a:extLst>
-          </p:cNvPr>
-          <p:cNvSpPr>
-            <a:spLocks noGrp="1"/>
-          </p:cNvSpPr>
-          <p:nvPr>
-            <p:ph type="title"/>
-          </p:nvPr>
-        </p:nvSpPr>
-        <p:spPr/>
-        <p:txBody>
-          <a:bodyPr/>
-          <a:lstStyle/>
-          <a:p>
-            <a:r>
-              <a:rPr lang="en-US" sz="2800" dirty="0"/>
-              <a:t>Model Parameters</a:t>
-            </a:r>
-          </a:p>
-        </p:txBody>
-      </p:sp>
-      <p:sp>
-        <p:nvSpPr>
-          <p:cNvPr id="8" name="Rectangle 7">
-            <a:extLst>
-              <a:ext uri="{FF2B5EF4-FFF2-40B4-BE49-F238E27FC236}">
-                <a16:creationId xmlns:a16="http://schemas.microsoft.com/office/drawing/2014/main" id="{448D3150-C727-7A8A-8643-7C2CCF3BCBE4}"/>
-              </a:ext>
-            </a:extLst>
-          </p:cNvPr>
-          <p:cNvSpPr/>
-          <p:nvPr/>
-        </p:nvSpPr>
-        <p:spPr>
-          <a:xfrm>
-            <a:off x="310142" y="4548158"/>
-            <a:ext cx="1305910" cy="378330"/>
-          </a:xfrm>
-          <a:prstGeom prst="rect">
-            <a:avLst/>
-          </a:prstGeom>
-          <a:solidFill>
-            <a:schemeClr val="bg1"/>
-          </a:solidFill>
-          <a:ln>
-            <a:noFill/>
-          </a:ln>
-        </p:spPr>
-        <p:style>
-          <a:lnRef idx="2">
-            <a:schemeClr val="accent1">
-              <a:shade val="50000"/>
-            </a:schemeClr>
-          </a:lnRef>
-          <a:fillRef idx="1">
-            <a:schemeClr val="accent1"/>
-          </a:fillRef>
-          <a:effectRef idx="0">
-            <a:schemeClr val="accent1"/>
-          </a:effectRef>
-          <a:fontRef idx="minor">
-            <a:schemeClr val="lt1"/>
-          </a:fontRef>
-        </p:style>
-        <p:txBody>
-          <a:bodyPr rtlCol="0" anchor="ctr"/>
-          <a:lstStyle/>
-          <a:p>
-            <a:pPr algn="ctr"/>
-            <a:endParaRPr lang="en-US" sz="1600" noProof="0" dirty="0">
-              <a:solidFill>
-                <a:srgbClr val="000000"/>
-              </a:solidFill>
-            </a:endParaRPr>
-          </a:p>
-        </p:txBody>
-      </p:sp>
-    </p:spTree>
-    <p:extLst>
-      <p:ext uri="{BB962C8B-B14F-4D97-AF65-F5344CB8AC3E}">
-        <p14:creationId xmlns:p14="http://schemas.microsoft.com/office/powerpoint/2010/main" val="3693351641"/>
-      </p:ext>
-    </p:extLst>
-  </p:cSld>
-  <p:clrMapOvr>
-    <a:masterClrMapping/>
-  </p:clrMapOvr>
-  <mc:AlternateContent xmlns:mc="http://schemas.openxmlformats.org/markup-compatibility/2006" xmlns:p14="http://schemas.microsoft.com/office/powerpoint/2010/main">
-    <mc:Choice Requires="p14">
-      <p:transition spd="med" p14:dur="700">
-        <p:fade/>
-      </p:transition>
-    </mc:Choice>
-    <mc:Fallback xmlns="">
-      <p:transition spd="med">
-        <p:fade/>
-      </p:transition>
-    </mc:Fallback>
-  </mc:AlternateContent>
-</p:sld>
-</file>
-
-<file path=ppt/slides/slide15.xml><?xml version="1.0" encoding="utf-8"?>
-<p:sld xmlns:a="http://schemas.openxmlformats.org/drawingml/2006/main" xmlns:r="http://schemas.openxmlformats.org/officeDocument/2006/relationships" xmlns:p="http://schemas.openxmlformats.org/presentationml/2006/main">
-  <p:cSld>
-    <p:spTree>
-      <p:nvGrpSpPr>
-        <p:cNvPr id="1" name="">
-          <a:extLst>
-            <a:ext uri="{FF2B5EF4-FFF2-40B4-BE49-F238E27FC236}">
               <a16:creationId xmlns:a16="http://schemas.microsoft.com/office/drawing/2014/main" id="{49FEFF35-6FEF-1C3D-9F49-A0E57F254524}"/>
             </a:ext>
           </a:extLst>
@@ -23740,6 +22304,1252 @@
     <p:extLst>
       <p:ext uri="{BB962C8B-B14F-4D97-AF65-F5344CB8AC3E}">
         <p14:creationId xmlns:p14="http://schemas.microsoft.com/office/powerpoint/2010/main" val="2564132690"/>
+      </p:ext>
+    </p:extLst>
+  </p:cSld>
+  <p:clrMapOvr>
+    <a:masterClrMapping/>
+  </p:clrMapOvr>
+  <mc:AlternateContent xmlns:mc="http://schemas.openxmlformats.org/markup-compatibility/2006" xmlns:p14="http://schemas.microsoft.com/office/powerpoint/2010/main">
+    <mc:Choice Requires="p14">
+      <p:transition spd="med" p14:dur="700">
+        <p:fade/>
+      </p:transition>
+    </mc:Choice>
+    <mc:Fallback xmlns="">
+      <p:transition spd="med">
+        <p:fade/>
+      </p:transition>
+    </mc:Fallback>
+  </mc:AlternateContent>
+</p:sld>
+</file>
+
+<file path=ppt/slides/slide12.xml><?xml version="1.0" encoding="utf-8"?>
+<p:sld xmlns:a="http://schemas.openxmlformats.org/drawingml/2006/main" xmlns:r="http://schemas.openxmlformats.org/officeDocument/2006/relationships" xmlns:p="http://schemas.openxmlformats.org/presentationml/2006/main">
+  <p:cSld>
+    <p:spTree>
+      <p:nvGrpSpPr>
+        <p:cNvPr id="1" name="">
+          <a:extLst>
+            <a:ext uri="{FF2B5EF4-FFF2-40B4-BE49-F238E27FC236}">
+              <a16:creationId xmlns:a16="http://schemas.microsoft.com/office/drawing/2014/main" id="{B123417A-7033-20F0-CD3D-C929399751C9}"/>
+            </a:ext>
+          </a:extLst>
+        </p:cNvPr>
+        <p:cNvGrpSpPr/>
+        <p:nvPr/>
+      </p:nvGrpSpPr>
+      <p:grpSpPr>
+        <a:xfrm>
+          <a:off x="0" y="0"/>
+          <a:ext cx="0" cy="0"/>
+          <a:chOff x="0" y="0"/>
+          <a:chExt cx="0" cy="0"/>
+        </a:xfrm>
+      </p:grpSpPr>
+      <p:sp>
+        <p:nvSpPr>
+          <p:cNvPr id="2" name="Content Placeholder 1">
+            <a:extLst>
+              <a:ext uri="{FF2B5EF4-FFF2-40B4-BE49-F238E27FC236}">
+                <a16:creationId xmlns:a16="http://schemas.microsoft.com/office/drawing/2014/main" id="{B991953E-F7A7-F332-A80C-9105637668BF}"/>
+              </a:ext>
+            </a:extLst>
+          </p:cNvPr>
+          <p:cNvSpPr>
+            <a:spLocks noGrp="1"/>
+          </p:cNvSpPr>
+          <p:nvPr>
+            <p:ph idx="1"/>
+          </p:nvPr>
+        </p:nvSpPr>
+        <p:spPr>
+          <a:xfrm>
+            <a:off x="314326" y="1184275"/>
+            <a:ext cx="8406980" cy="2891706"/>
+          </a:xfrm>
+        </p:spPr>
+        <p:txBody>
+          <a:bodyPr/>
+          <a:lstStyle/>
+          <a:p>
+            <a:pPr lvl="2">
+              <a:buClr>
+                <a:srgbClr val="FF7900"/>
+              </a:buClr>
+            </a:pPr>
+            <a:endParaRPr lang="en-US" dirty="0">
+              <a:latin typeface="Helvetica" pitchFamily="2" charset="0"/>
+            </a:endParaRPr>
+          </a:p>
+        </p:txBody>
+      </p:sp>
+      <p:sp>
+        <p:nvSpPr>
+          <p:cNvPr id="3" name="Title 2">
+            <a:extLst>
+              <a:ext uri="{FF2B5EF4-FFF2-40B4-BE49-F238E27FC236}">
+                <a16:creationId xmlns:a16="http://schemas.microsoft.com/office/drawing/2014/main" id="{80BD676E-C263-34AD-E6B5-49D1A94AEFD4}"/>
+              </a:ext>
+            </a:extLst>
+          </p:cNvPr>
+          <p:cNvSpPr>
+            <a:spLocks noGrp="1"/>
+          </p:cNvSpPr>
+          <p:nvPr>
+            <p:ph type="title"/>
+          </p:nvPr>
+        </p:nvSpPr>
+        <p:spPr/>
+        <p:txBody>
+          <a:bodyPr/>
+          <a:lstStyle/>
+          <a:p>
+            <a:r>
+              <a:rPr lang="en-US" sz="2800" dirty="0"/>
+              <a:t>Model Parameters</a:t>
+            </a:r>
+          </a:p>
+        </p:txBody>
+      </p:sp>
+      <p:sp>
+        <p:nvSpPr>
+          <p:cNvPr id="8" name="Rectangle 7">
+            <a:extLst>
+              <a:ext uri="{FF2B5EF4-FFF2-40B4-BE49-F238E27FC236}">
+                <a16:creationId xmlns:a16="http://schemas.microsoft.com/office/drawing/2014/main" id="{941E5666-38A0-0375-4817-F3DEEACBB39E}"/>
+              </a:ext>
+            </a:extLst>
+          </p:cNvPr>
+          <p:cNvSpPr/>
+          <p:nvPr/>
+        </p:nvSpPr>
+        <p:spPr>
+          <a:xfrm>
+            <a:off x="310142" y="4548158"/>
+            <a:ext cx="1305910" cy="378330"/>
+          </a:xfrm>
+          <a:prstGeom prst="rect">
+            <a:avLst/>
+          </a:prstGeom>
+          <a:solidFill>
+            <a:schemeClr val="bg1"/>
+          </a:solidFill>
+          <a:ln>
+            <a:noFill/>
+          </a:ln>
+        </p:spPr>
+        <p:style>
+          <a:lnRef idx="2">
+            <a:schemeClr val="accent1">
+              <a:shade val="50000"/>
+            </a:schemeClr>
+          </a:lnRef>
+          <a:fillRef idx="1">
+            <a:schemeClr val="accent1"/>
+          </a:fillRef>
+          <a:effectRef idx="0">
+            <a:schemeClr val="accent1"/>
+          </a:effectRef>
+          <a:fontRef idx="minor">
+            <a:schemeClr val="lt1"/>
+          </a:fontRef>
+        </p:style>
+        <p:txBody>
+          <a:bodyPr rtlCol="0" anchor="ctr"/>
+          <a:lstStyle/>
+          <a:p>
+            <a:pPr algn="ctr"/>
+            <a:endParaRPr lang="en-US" sz="1600" noProof="0" dirty="0">
+              <a:solidFill>
+                <a:srgbClr val="000000"/>
+              </a:solidFill>
+            </a:endParaRPr>
+          </a:p>
+        </p:txBody>
+      </p:sp>
+    </p:spTree>
+    <p:extLst>
+      <p:ext uri="{BB962C8B-B14F-4D97-AF65-F5344CB8AC3E}">
+        <p14:creationId xmlns:p14="http://schemas.microsoft.com/office/powerpoint/2010/main" val="4062956192"/>
+      </p:ext>
+    </p:extLst>
+  </p:cSld>
+  <p:clrMapOvr>
+    <a:masterClrMapping/>
+  </p:clrMapOvr>
+  <mc:AlternateContent xmlns:mc="http://schemas.openxmlformats.org/markup-compatibility/2006" xmlns:p14="http://schemas.microsoft.com/office/powerpoint/2010/main">
+    <mc:Choice Requires="p14">
+      <p:transition spd="med" p14:dur="700">
+        <p:fade/>
+      </p:transition>
+    </mc:Choice>
+    <mc:Fallback xmlns="">
+      <p:transition spd="med">
+        <p:fade/>
+      </p:transition>
+    </mc:Fallback>
+  </mc:AlternateContent>
+</p:sld>
+</file>
+
+<file path=ppt/slides/slide13.xml><?xml version="1.0" encoding="utf-8"?>
+<p:sld xmlns:a="http://schemas.openxmlformats.org/drawingml/2006/main" xmlns:r="http://schemas.openxmlformats.org/officeDocument/2006/relationships" xmlns:p="http://schemas.openxmlformats.org/presentationml/2006/main">
+  <p:cSld>
+    <p:spTree>
+      <p:nvGrpSpPr>
+        <p:cNvPr id="1" name="">
+          <a:extLst>
+            <a:ext uri="{FF2B5EF4-FFF2-40B4-BE49-F238E27FC236}">
+              <a16:creationId xmlns:a16="http://schemas.microsoft.com/office/drawing/2014/main" id="{C06D5ED4-8A69-EA8E-488C-BB3288CD04C1}"/>
+            </a:ext>
+          </a:extLst>
+        </p:cNvPr>
+        <p:cNvGrpSpPr/>
+        <p:nvPr/>
+      </p:nvGrpSpPr>
+      <p:grpSpPr>
+        <a:xfrm>
+          <a:off x="0" y="0"/>
+          <a:ext cx="0" cy="0"/>
+          <a:chOff x="0" y="0"/>
+          <a:chExt cx="0" cy="0"/>
+        </a:xfrm>
+      </p:grpSpPr>
+      <mc:AlternateContent xmlns:mc="http://schemas.openxmlformats.org/markup-compatibility/2006">
+        <mc:Choice xmlns:a14="http://schemas.microsoft.com/office/drawing/2010/main" Requires="a14">
+          <p:sp>
+            <p:nvSpPr>
+              <p:cNvPr id="2" name="Content Placeholder 1">
+                <a:extLst>
+                  <a:ext uri="{FF2B5EF4-FFF2-40B4-BE49-F238E27FC236}">
+                    <a16:creationId xmlns:a16="http://schemas.microsoft.com/office/drawing/2014/main" id="{C6F3863A-DCCA-7BC5-6F2E-0DF76952F840}"/>
+                  </a:ext>
+                </a:extLst>
+              </p:cNvPr>
+              <p:cNvSpPr>
+                <a:spLocks noGrp="1"/>
+              </p:cNvSpPr>
+              <p:nvPr>
+                <p:ph idx="1"/>
+              </p:nvPr>
+            </p:nvSpPr>
+            <p:spPr>
+              <a:xfrm>
+                <a:off x="314326" y="1184275"/>
+                <a:ext cx="8406980" cy="2891706"/>
+              </a:xfrm>
+            </p:spPr>
+            <p:txBody>
+              <a:bodyPr/>
+              <a:lstStyle/>
+              <a:p>
+                <a:pPr lvl="2">
+                  <a:buClr>
+                    <a:srgbClr val="FF7900"/>
+                  </a:buClr>
+                </a:pPr>
+                <a:r>
+                  <a:rPr lang="en-US" dirty="0">
+                    <a:latin typeface="Helvetica" pitchFamily="2" charset="0"/>
+                  </a:rPr>
+                  <a:t>Instead of working with token embeddings directly they get projected (via </a:t>
+                </a:r>
+                <a:r>
+                  <a:rPr lang="en-US" dirty="0">
+                    <a:solidFill>
+                      <a:schemeClr val="bg2"/>
+                    </a:solidFill>
+                    <a:latin typeface="Helvetica" pitchFamily="2" charset="0"/>
+                  </a:rPr>
+                  <a:t>learnable parameters</a:t>
+                </a:r>
+                <a:r>
+                  <a:rPr lang="en-US" dirty="0">
+                    <a:latin typeface="Helvetica" pitchFamily="2" charset="0"/>
+                  </a:rPr>
+                  <a:t>) to Queries, Keys, and Values</a:t>
+                </a:r>
+              </a:p>
+              <a:p>
+                <a:pPr lvl="2">
+                  <a:buClr>
+                    <a:srgbClr val="FF7900"/>
+                  </a:buClr>
+                </a:pPr>
+                <a:r>
+                  <a:rPr lang="en-US" dirty="0">
+                    <a:latin typeface="Helvetica" pitchFamily="2" charset="0"/>
+                  </a:rPr>
+                  <a:t>Instead of applying a single attention, </a:t>
+                </a:r>
+                <a14:m>
+                  <m:oMath xmlns:m="http://schemas.openxmlformats.org/officeDocument/2006/math">
+                    <m:sSub>
+                      <m:sSubPr>
+                        <m:ctrlPr>
+                          <a:rPr lang="en-US" i="1" dirty="0" smtClean="0">
+                            <a:latin typeface="Cambria Math" panose="02040503050406030204" pitchFamily="18" charset="0"/>
+                          </a:rPr>
+                        </m:ctrlPr>
+                      </m:sSubPr>
+                      <m:e>
+                        <m:r>
+                          <a:rPr lang="en-US" i="1" dirty="0" smtClean="0">
+                            <a:latin typeface="Cambria Math" panose="02040503050406030204" pitchFamily="18" charset="0"/>
+                          </a:rPr>
+                          <m:t>𝑑</m:t>
+                        </m:r>
+                      </m:e>
+                      <m:sub>
+                        <m:r>
+                          <m:rPr>
+                            <m:nor/>
+                          </m:rPr>
+                          <a:rPr lang="en-US" i="0" dirty="0" smtClean="0">
+                            <a:latin typeface="Cambria Math" panose="02040503050406030204" pitchFamily="18" charset="0"/>
+                          </a:rPr>
+                          <m:t>model</m:t>
+                        </m:r>
+                      </m:sub>
+                    </m:sSub>
+                  </m:oMath>
+                </a14:m>
+                <a:r>
+                  <a:rPr lang="en-US" dirty="0">
+                    <a:latin typeface="Helvetica" pitchFamily="2" charset="0"/>
+                  </a:rPr>
+                  <a:t> is split across </a:t>
+                </a:r>
+                <a14:m>
+                  <m:oMath xmlns:m="http://schemas.openxmlformats.org/officeDocument/2006/math">
+                    <m:r>
+                      <a:rPr lang="en-US" i="1" dirty="0" smtClean="0">
+                        <a:latin typeface="Cambria Math" panose="02040503050406030204" pitchFamily="18" charset="0"/>
+                      </a:rPr>
+                      <m:t>𝑛</m:t>
+                    </m:r>
+                  </m:oMath>
+                </a14:m>
+                <a:r>
+                  <a:rPr lang="en-US" dirty="0">
+                    <a:latin typeface="Helvetica" pitchFamily="2" charset="0"/>
+                  </a:rPr>
+                  <a:t> </a:t>
+                </a:r>
+                <a:r>
+                  <a:rPr lang="en-US" dirty="0">
+                    <a:solidFill>
+                      <a:schemeClr val="bg2"/>
+                    </a:solidFill>
+                    <a:latin typeface="Helvetica" pitchFamily="2" charset="0"/>
+                  </a:rPr>
+                  <a:t>heads</a:t>
+                </a:r>
+                <a:r>
+                  <a:rPr lang="en-US" dirty="0">
+                    <a:latin typeface="Helvetica" pitchFamily="2" charset="0"/>
+                  </a:rPr>
+                  <a:t>, where each head processes SDPA on subspaces for Q, K, and V.</a:t>
+                </a:r>
+              </a:p>
+              <a:p>
+                <a:pPr lvl="2">
+                  <a:buClr>
+                    <a:srgbClr val="FF7900"/>
+                  </a:buClr>
+                </a:pPr>
+                <a:r>
+                  <a:rPr lang="en-US" dirty="0">
+                    <a:latin typeface="Helvetica" pitchFamily="2" charset="0"/>
+                  </a:rPr>
+                  <a:t>Results from each head get </a:t>
+                </a:r>
+                <a:r>
+                  <a:rPr lang="en-US" dirty="0">
+                    <a:solidFill>
+                      <a:schemeClr val="bg2"/>
+                    </a:solidFill>
+                    <a:latin typeface="Helvetica" pitchFamily="2" charset="0"/>
+                  </a:rPr>
+                  <a:t>concatenated</a:t>
+                </a:r>
+                <a:r>
+                  <a:rPr lang="en-US" dirty="0">
+                    <a:latin typeface="Helvetica" pitchFamily="2" charset="0"/>
+                  </a:rPr>
+                  <a:t> back into the </a:t>
+                </a:r>
+                <a:r>
+                  <a:rPr lang="en-US" dirty="0">
+                    <a:solidFill>
+                      <a:schemeClr val="bg2"/>
+                    </a:solidFill>
+                    <a:latin typeface="Helvetica" pitchFamily="2" charset="0"/>
+                  </a:rPr>
+                  <a:t>MHA</a:t>
+                </a:r>
+                <a:r>
+                  <a:rPr lang="en-US" dirty="0">
+                    <a:latin typeface="Helvetica" pitchFamily="2" charset="0"/>
+                  </a:rPr>
+                  <a:t> final output (.</a:t>
+                </a:r>
+              </a:p>
+            </p:txBody>
+          </p:sp>
+        </mc:Choice>
+        <mc:Fallback>
+          <p:sp>
+            <p:nvSpPr>
+              <p:cNvPr id="2" name="Content Placeholder 1">
+                <a:extLst>
+                  <a:ext uri="{FF2B5EF4-FFF2-40B4-BE49-F238E27FC236}">
+                    <a16:creationId xmlns:a16="http://schemas.microsoft.com/office/drawing/2014/main" id="{C6F3863A-DCCA-7BC5-6F2E-0DF76952F840}"/>
+                  </a:ext>
+                </a:extLst>
+              </p:cNvPr>
+              <p:cNvSpPr>
+                <a:spLocks noGrp="1" noRot="1" noChangeAspect="1" noMove="1" noResize="1" noEditPoints="1" noAdjustHandles="1" noChangeArrowheads="1" noChangeShapeType="1" noTextEdit="1"/>
+              </p:cNvSpPr>
+              <p:nvPr>
+                <p:ph idx="1"/>
+              </p:nvPr>
+            </p:nvSpPr>
+            <p:spPr>
+              <a:xfrm>
+                <a:off x="314326" y="1184275"/>
+                <a:ext cx="8406980" cy="2891706"/>
+              </a:xfrm>
+              <a:blipFill>
+                <a:blip r:embed="rId2"/>
+                <a:stretch>
+                  <a:fillRect l="-1207" t="-3057" r="-1207"/>
+                </a:stretch>
+              </a:blipFill>
+            </p:spPr>
+            <p:txBody>
+              <a:bodyPr/>
+              <a:lstStyle/>
+              <a:p>
+                <a:r>
+                  <a:rPr lang="en-US">
+                    <a:noFill/>
+                  </a:rPr>
+                  <a:t> </a:t>
+                </a:r>
+              </a:p>
+            </p:txBody>
+          </p:sp>
+        </mc:Fallback>
+      </mc:AlternateContent>
+      <p:sp>
+        <p:nvSpPr>
+          <p:cNvPr id="3" name="Title 2">
+            <a:extLst>
+              <a:ext uri="{FF2B5EF4-FFF2-40B4-BE49-F238E27FC236}">
+                <a16:creationId xmlns:a16="http://schemas.microsoft.com/office/drawing/2014/main" id="{D8108107-D212-F620-7579-F23F11CC10BF}"/>
+              </a:ext>
+            </a:extLst>
+          </p:cNvPr>
+          <p:cNvSpPr>
+            <a:spLocks noGrp="1"/>
+          </p:cNvSpPr>
+          <p:nvPr>
+            <p:ph type="title"/>
+          </p:nvPr>
+        </p:nvSpPr>
+        <p:spPr/>
+        <p:txBody>
+          <a:bodyPr/>
+          <a:lstStyle/>
+          <a:p>
+            <a:r>
+              <a:rPr lang="en-US" sz="2800" dirty="0"/>
+              <a:t>Model Parameters</a:t>
+            </a:r>
+          </a:p>
+        </p:txBody>
+      </p:sp>
+      <p:sp>
+        <p:nvSpPr>
+          <p:cNvPr id="8" name="Rectangle 7">
+            <a:extLst>
+              <a:ext uri="{FF2B5EF4-FFF2-40B4-BE49-F238E27FC236}">
+                <a16:creationId xmlns:a16="http://schemas.microsoft.com/office/drawing/2014/main" id="{CC536B6A-B795-4543-D8C4-4F2C0D610E97}"/>
+              </a:ext>
+            </a:extLst>
+          </p:cNvPr>
+          <p:cNvSpPr/>
+          <p:nvPr/>
+        </p:nvSpPr>
+        <p:spPr>
+          <a:xfrm>
+            <a:off x="310142" y="4548158"/>
+            <a:ext cx="1305910" cy="378330"/>
+          </a:xfrm>
+          <a:prstGeom prst="rect">
+            <a:avLst/>
+          </a:prstGeom>
+          <a:solidFill>
+            <a:schemeClr val="bg1"/>
+          </a:solidFill>
+          <a:ln>
+            <a:noFill/>
+          </a:ln>
+        </p:spPr>
+        <p:style>
+          <a:lnRef idx="2">
+            <a:schemeClr val="accent1">
+              <a:shade val="50000"/>
+            </a:schemeClr>
+          </a:lnRef>
+          <a:fillRef idx="1">
+            <a:schemeClr val="accent1"/>
+          </a:fillRef>
+          <a:effectRef idx="0">
+            <a:schemeClr val="accent1"/>
+          </a:effectRef>
+          <a:fontRef idx="minor">
+            <a:schemeClr val="lt1"/>
+          </a:fontRef>
+        </p:style>
+        <p:txBody>
+          <a:bodyPr rtlCol="0" anchor="ctr"/>
+          <a:lstStyle/>
+          <a:p>
+            <a:pPr algn="ctr"/>
+            <a:endParaRPr lang="en-US" sz="1600" noProof="0" dirty="0">
+              <a:solidFill>
+                <a:srgbClr val="000000"/>
+              </a:solidFill>
+            </a:endParaRPr>
+          </a:p>
+        </p:txBody>
+      </p:sp>
+    </p:spTree>
+    <p:extLst>
+      <p:ext uri="{BB962C8B-B14F-4D97-AF65-F5344CB8AC3E}">
+        <p14:creationId xmlns:p14="http://schemas.microsoft.com/office/powerpoint/2010/main" val="2527616323"/>
+      </p:ext>
+    </p:extLst>
+  </p:cSld>
+  <p:clrMapOvr>
+    <a:masterClrMapping/>
+  </p:clrMapOvr>
+  <mc:AlternateContent xmlns:mc="http://schemas.openxmlformats.org/markup-compatibility/2006" xmlns:p14="http://schemas.microsoft.com/office/powerpoint/2010/main">
+    <mc:Choice Requires="p14">
+      <p:transition spd="med" p14:dur="700">
+        <p:fade/>
+      </p:transition>
+    </mc:Choice>
+    <mc:Fallback xmlns="">
+      <p:transition spd="med">
+        <p:fade/>
+      </p:transition>
+    </mc:Fallback>
+  </mc:AlternateContent>
+</p:sld>
+</file>
+
+<file path=ppt/slides/slide14.xml><?xml version="1.0" encoding="utf-8"?>
+<p:sld xmlns:a="http://schemas.openxmlformats.org/drawingml/2006/main" xmlns:r="http://schemas.openxmlformats.org/officeDocument/2006/relationships" xmlns:p="http://schemas.openxmlformats.org/presentationml/2006/main">
+  <p:cSld>
+    <p:spTree>
+      <p:nvGrpSpPr>
+        <p:cNvPr id="1" name="">
+          <a:extLst>
+            <a:ext uri="{FF2B5EF4-FFF2-40B4-BE49-F238E27FC236}">
+              <a16:creationId xmlns:a16="http://schemas.microsoft.com/office/drawing/2014/main" id="{32994D57-7ACF-D8DD-3991-EEE5921DEB1E}"/>
+            </a:ext>
+          </a:extLst>
+        </p:cNvPr>
+        <p:cNvGrpSpPr/>
+        <p:nvPr/>
+      </p:nvGrpSpPr>
+      <p:grpSpPr>
+        <a:xfrm>
+          <a:off x="0" y="0"/>
+          <a:ext cx="0" cy="0"/>
+          <a:chOff x="0" y="0"/>
+          <a:chExt cx="0" cy="0"/>
+        </a:xfrm>
+      </p:grpSpPr>
+      <mc:AlternateContent xmlns:mc="http://schemas.openxmlformats.org/markup-compatibility/2006">
+        <mc:Choice xmlns:a14="http://schemas.microsoft.com/office/drawing/2010/main" Requires="a14">
+          <p:sp>
+            <p:nvSpPr>
+              <p:cNvPr id="2" name="Content Placeholder 1">
+                <a:extLst>
+                  <a:ext uri="{FF2B5EF4-FFF2-40B4-BE49-F238E27FC236}">
+                    <a16:creationId xmlns:a16="http://schemas.microsoft.com/office/drawing/2014/main" id="{9C0882F5-7639-E23E-FD85-CB457C5C48D2}"/>
+                  </a:ext>
+                </a:extLst>
+              </p:cNvPr>
+              <p:cNvSpPr>
+                <a:spLocks noGrp="1"/>
+              </p:cNvSpPr>
+              <p:nvPr>
+                <p:ph idx="1"/>
+              </p:nvPr>
+            </p:nvSpPr>
+            <p:spPr>
+              <a:xfrm>
+                <a:off x="314326" y="1184275"/>
+                <a:ext cx="8406980" cy="2891706"/>
+              </a:xfrm>
+            </p:spPr>
+            <p:txBody>
+              <a:bodyPr/>
+              <a:lstStyle/>
+              <a:p>
+                <a:pPr lvl="2">
+                  <a:buClr>
+                    <a:srgbClr val="FF7900"/>
+                  </a:buClr>
+                </a:pPr>
+                <a:r>
+                  <a:rPr lang="en-US" dirty="0">
+                    <a:latin typeface="Helvetica" pitchFamily="2" charset="0"/>
+                  </a:rPr>
+                  <a:t>Instead of working with token embeddings directly they get projected (via </a:t>
+                </a:r>
+                <a:r>
+                  <a:rPr lang="en-US" dirty="0">
+                    <a:solidFill>
+                      <a:schemeClr val="bg2"/>
+                    </a:solidFill>
+                    <a:latin typeface="Helvetica" pitchFamily="2" charset="0"/>
+                  </a:rPr>
+                  <a:t>learnable parameters</a:t>
+                </a:r>
+                <a:r>
+                  <a:rPr lang="en-US" dirty="0">
+                    <a:latin typeface="Helvetica" pitchFamily="2" charset="0"/>
+                  </a:rPr>
+                  <a:t>) to Queries, Keys, and Values</a:t>
+                </a:r>
+              </a:p>
+              <a:p>
+                <a:pPr lvl="2">
+                  <a:buClr>
+                    <a:srgbClr val="FF7900"/>
+                  </a:buClr>
+                </a:pPr>
+                <a:r>
+                  <a:rPr lang="en-US" dirty="0">
+                    <a:latin typeface="Helvetica" pitchFamily="2" charset="0"/>
+                  </a:rPr>
+                  <a:t>Instead of applying a single attention, </a:t>
+                </a:r>
+                <a14:m>
+                  <m:oMath xmlns:m="http://schemas.openxmlformats.org/officeDocument/2006/math">
+                    <m:sSub>
+                      <m:sSubPr>
+                        <m:ctrlPr>
+                          <a:rPr lang="en-US" i="1" dirty="0" smtClean="0">
+                            <a:latin typeface="Cambria Math" panose="02040503050406030204" pitchFamily="18" charset="0"/>
+                          </a:rPr>
+                        </m:ctrlPr>
+                      </m:sSubPr>
+                      <m:e>
+                        <m:r>
+                          <a:rPr lang="en-US" i="1" dirty="0" smtClean="0">
+                            <a:latin typeface="Cambria Math" panose="02040503050406030204" pitchFamily="18" charset="0"/>
+                          </a:rPr>
+                          <m:t>𝑑</m:t>
+                        </m:r>
+                      </m:e>
+                      <m:sub>
+                        <m:r>
+                          <m:rPr>
+                            <m:nor/>
+                          </m:rPr>
+                          <a:rPr lang="en-US" i="0" dirty="0" smtClean="0">
+                            <a:latin typeface="Cambria Math" panose="02040503050406030204" pitchFamily="18" charset="0"/>
+                          </a:rPr>
+                          <m:t>model</m:t>
+                        </m:r>
+                      </m:sub>
+                    </m:sSub>
+                  </m:oMath>
+                </a14:m>
+                <a:r>
+                  <a:rPr lang="en-US" dirty="0">
+                    <a:latin typeface="Helvetica" pitchFamily="2" charset="0"/>
+                  </a:rPr>
+                  <a:t> is split across </a:t>
+                </a:r>
+                <a14:m>
+                  <m:oMath xmlns:m="http://schemas.openxmlformats.org/officeDocument/2006/math">
+                    <m:r>
+                      <a:rPr lang="en-US" i="1" dirty="0" smtClean="0">
+                        <a:latin typeface="Cambria Math" panose="02040503050406030204" pitchFamily="18" charset="0"/>
+                      </a:rPr>
+                      <m:t>𝑛</m:t>
+                    </m:r>
+                  </m:oMath>
+                </a14:m>
+                <a:r>
+                  <a:rPr lang="en-US" dirty="0">
+                    <a:latin typeface="Helvetica" pitchFamily="2" charset="0"/>
+                  </a:rPr>
+                  <a:t> </a:t>
+                </a:r>
+                <a:r>
+                  <a:rPr lang="en-US" dirty="0">
+                    <a:solidFill>
+                      <a:schemeClr val="bg2"/>
+                    </a:solidFill>
+                    <a:latin typeface="Helvetica" pitchFamily="2" charset="0"/>
+                  </a:rPr>
+                  <a:t>heads</a:t>
+                </a:r>
+                <a:r>
+                  <a:rPr lang="en-US" dirty="0">
+                    <a:latin typeface="Helvetica" pitchFamily="2" charset="0"/>
+                  </a:rPr>
+                  <a:t>, where each head processes SDPA on subspaces for Q, K, and V.</a:t>
+                </a:r>
+              </a:p>
+              <a:p>
+                <a:pPr lvl="2">
+                  <a:buClr>
+                    <a:srgbClr val="FF7900"/>
+                  </a:buClr>
+                </a:pPr>
+                <a:r>
+                  <a:rPr lang="en-US" dirty="0">
+                    <a:latin typeface="Helvetica" pitchFamily="2" charset="0"/>
+                  </a:rPr>
+                  <a:t>Results from each head get </a:t>
+                </a:r>
+                <a:r>
+                  <a:rPr lang="en-US" dirty="0">
+                    <a:solidFill>
+                      <a:schemeClr val="bg2"/>
+                    </a:solidFill>
+                    <a:latin typeface="Helvetica" pitchFamily="2" charset="0"/>
+                  </a:rPr>
+                  <a:t>concatenated</a:t>
+                </a:r>
+                <a:r>
+                  <a:rPr lang="en-US" dirty="0">
+                    <a:latin typeface="Helvetica" pitchFamily="2" charset="0"/>
+                  </a:rPr>
+                  <a:t> back into the </a:t>
+                </a:r>
+                <a:r>
+                  <a:rPr lang="en-US" dirty="0">
+                    <a:solidFill>
+                      <a:schemeClr val="bg2"/>
+                    </a:solidFill>
+                    <a:latin typeface="Helvetica" pitchFamily="2" charset="0"/>
+                  </a:rPr>
+                  <a:t>MHA</a:t>
+                </a:r>
+                <a:r>
+                  <a:rPr lang="en-US" dirty="0">
+                    <a:latin typeface="Helvetica" pitchFamily="2" charset="0"/>
+                  </a:rPr>
+                  <a:t> final output (.</a:t>
+                </a:r>
+              </a:p>
+            </p:txBody>
+          </p:sp>
+        </mc:Choice>
+        <mc:Fallback>
+          <p:sp>
+            <p:nvSpPr>
+              <p:cNvPr id="2" name="Content Placeholder 1">
+                <a:extLst>
+                  <a:ext uri="{FF2B5EF4-FFF2-40B4-BE49-F238E27FC236}">
+                    <a16:creationId xmlns:a16="http://schemas.microsoft.com/office/drawing/2014/main" id="{9C0882F5-7639-E23E-FD85-CB457C5C48D2}"/>
+                  </a:ext>
+                </a:extLst>
+              </p:cNvPr>
+              <p:cNvSpPr>
+                <a:spLocks noGrp="1" noRot="1" noChangeAspect="1" noMove="1" noResize="1" noEditPoints="1" noAdjustHandles="1" noChangeArrowheads="1" noChangeShapeType="1" noTextEdit="1"/>
+              </p:cNvSpPr>
+              <p:nvPr>
+                <p:ph idx="1"/>
+              </p:nvPr>
+            </p:nvSpPr>
+            <p:spPr>
+              <a:xfrm>
+                <a:off x="314326" y="1184275"/>
+                <a:ext cx="8406980" cy="2891706"/>
+              </a:xfrm>
+              <a:blipFill>
+                <a:blip r:embed="rId2"/>
+                <a:stretch>
+                  <a:fillRect l="-1207" t="-3057" r="-1207"/>
+                </a:stretch>
+              </a:blipFill>
+            </p:spPr>
+            <p:txBody>
+              <a:bodyPr/>
+              <a:lstStyle/>
+              <a:p>
+                <a:r>
+                  <a:rPr lang="en-US">
+                    <a:noFill/>
+                  </a:rPr>
+                  <a:t> </a:t>
+                </a:r>
+              </a:p>
+            </p:txBody>
+          </p:sp>
+        </mc:Fallback>
+      </mc:AlternateContent>
+      <p:sp>
+        <p:nvSpPr>
+          <p:cNvPr id="3" name="Title 2">
+            <a:extLst>
+              <a:ext uri="{FF2B5EF4-FFF2-40B4-BE49-F238E27FC236}">
+                <a16:creationId xmlns:a16="http://schemas.microsoft.com/office/drawing/2014/main" id="{28E9BB09-3BEA-72FC-04F6-501F581614CC}"/>
+              </a:ext>
+            </a:extLst>
+          </p:cNvPr>
+          <p:cNvSpPr>
+            <a:spLocks noGrp="1"/>
+          </p:cNvSpPr>
+          <p:nvPr>
+            <p:ph type="title"/>
+          </p:nvPr>
+        </p:nvSpPr>
+        <p:spPr/>
+        <p:txBody>
+          <a:bodyPr/>
+          <a:lstStyle/>
+          <a:p>
+            <a:r>
+              <a:rPr lang="en-US" sz="2800" dirty="0"/>
+              <a:t>Model Parameters</a:t>
+            </a:r>
+          </a:p>
+        </p:txBody>
+      </p:sp>
+      <p:sp>
+        <p:nvSpPr>
+          <p:cNvPr id="8" name="Rectangle 7">
+            <a:extLst>
+              <a:ext uri="{FF2B5EF4-FFF2-40B4-BE49-F238E27FC236}">
+                <a16:creationId xmlns:a16="http://schemas.microsoft.com/office/drawing/2014/main" id="{579B6C15-0507-002A-0824-EC3417AC966E}"/>
+              </a:ext>
+            </a:extLst>
+          </p:cNvPr>
+          <p:cNvSpPr/>
+          <p:nvPr/>
+        </p:nvSpPr>
+        <p:spPr>
+          <a:xfrm>
+            <a:off x="310142" y="4548158"/>
+            <a:ext cx="1305910" cy="378330"/>
+          </a:xfrm>
+          <a:prstGeom prst="rect">
+            <a:avLst/>
+          </a:prstGeom>
+          <a:solidFill>
+            <a:schemeClr val="bg1"/>
+          </a:solidFill>
+          <a:ln>
+            <a:noFill/>
+          </a:ln>
+        </p:spPr>
+        <p:style>
+          <a:lnRef idx="2">
+            <a:schemeClr val="accent1">
+              <a:shade val="50000"/>
+            </a:schemeClr>
+          </a:lnRef>
+          <a:fillRef idx="1">
+            <a:schemeClr val="accent1"/>
+          </a:fillRef>
+          <a:effectRef idx="0">
+            <a:schemeClr val="accent1"/>
+          </a:effectRef>
+          <a:fontRef idx="minor">
+            <a:schemeClr val="lt1"/>
+          </a:fontRef>
+        </p:style>
+        <p:txBody>
+          <a:bodyPr rtlCol="0" anchor="ctr"/>
+          <a:lstStyle/>
+          <a:p>
+            <a:pPr algn="ctr"/>
+            <a:endParaRPr lang="en-US" sz="1600" noProof="0" dirty="0">
+              <a:solidFill>
+                <a:srgbClr val="000000"/>
+              </a:solidFill>
+            </a:endParaRPr>
+          </a:p>
+        </p:txBody>
+      </p:sp>
+    </p:spTree>
+    <p:extLst>
+      <p:ext uri="{BB962C8B-B14F-4D97-AF65-F5344CB8AC3E}">
+        <p14:creationId xmlns:p14="http://schemas.microsoft.com/office/powerpoint/2010/main" val="37411331"/>
+      </p:ext>
+    </p:extLst>
+  </p:cSld>
+  <p:clrMapOvr>
+    <a:masterClrMapping/>
+  </p:clrMapOvr>
+  <mc:AlternateContent xmlns:mc="http://schemas.openxmlformats.org/markup-compatibility/2006" xmlns:p14="http://schemas.microsoft.com/office/powerpoint/2010/main">
+    <mc:Choice Requires="p14">
+      <p:transition spd="med" p14:dur="700">
+        <p:fade/>
+      </p:transition>
+    </mc:Choice>
+    <mc:Fallback xmlns="">
+      <p:transition spd="med">
+        <p:fade/>
+      </p:transition>
+    </mc:Fallback>
+  </mc:AlternateContent>
+</p:sld>
+</file>
+
+<file path=ppt/slides/slide15.xml><?xml version="1.0" encoding="utf-8"?>
+<p:sld xmlns:a="http://schemas.openxmlformats.org/drawingml/2006/main" xmlns:r="http://schemas.openxmlformats.org/officeDocument/2006/relationships" xmlns:p="http://schemas.openxmlformats.org/presentationml/2006/main">
+  <p:cSld>
+    <p:spTree>
+      <p:nvGrpSpPr>
+        <p:cNvPr id="1" name="">
+          <a:extLst>
+            <a:ext uri="{FF2B5EF4-FFF2-40B4-BE49-F238E27FC236}">
+              <a16:creationId xmlns:a16="http://schemas.microsoft.com/office/drawing/2014/main" id="{B8BC9FF7-62EC-2CD1-97AD-8AADE2AD0343}"/>
+            </a:ext>
+          </a:extLst>
+        </p:cNvPr>
+        <p:cNvGrpSpPr/>
+        <p:nvPr/>
+      </p:nvGrpSpPr>
+      <p:grpSpPr>
+        <a:xfrm>
+          <a:off x="0" y="0"/>
+          <a:ext cx="0" cy="0"/>
+          <a:chOff x="0" y="0"/>
+          <a:chExt cx="0" cy="0"/>
+        </a:xfrm>
+      </p:grpSpPr>
+      <mc:AlternateContent xmlns:mc="http://schemas.openxmlformats.org/markup-compatibility/2006">
+        <mc:Choice xmlns:a14="http://schemas.microsoft.com/office/drawing/2010/main" Requires="a14">
+          <p:sp>
+            <p:nvSpPr>
+              <p:cNvPr id="2" name="Content Placeholder 1">
+                <a:extLst>
+                  <a:ext uri="{FF2B5EF4-FFF2-40B4-BE49-F238E27FC236}">
+                    <a16:creationId xmlns:a16="http://schemas.microsoft.com/office/drawing/2014/main" id="{7198D760-340A-B897-A0E1-3ACFAC015E12}"/>
+                  </a:ext>
+                </a:extLst>
+              </p:cNvPr>
+              <p:cNvSpPr>
+                <a:spLocks noGrp="1"/>
+              </p:cNvSpPr>
+              <p:nvPr>
+                <p:ph idx="1"/>
+              </p:nvPr>
+            </p:nvSpPr>
+            <p:spPr>
+              <a:xfrm>
+                <a:off x="314326" y="1184275"/>
+                <a:ext cx="8406980" cy="2891706"/>
+              </a:xfrm>
+            </p:spPr>
+            <p:txBody>
+              <a:bodyPr/>
+              <a:lstStyle/>
+              <a:p>
+                <a:pPr lvl="2">
+                  <a:buClr>
+                    <a:srgbClr val="FF7900"/>
+                  </a:buClr>
+                </a:pPr>
+                <a:r>
+                  <a:rPr lang="en-US" dirty="0">
+                    <a:latin typeface="Helvetica" pitchFamily="2" charset="0"/>
+                  </a:rPr>
+                  <a:t>Instead of working with token embeddings directly they get projected (via </a:t>
+                </a:r>
+                <a:r>
+                  <a:rPr lang="en-US" dirty="0">
+                    <a:solidFill>
+                      <a:schemeClr val="bg2"/>
+                    </a:solidFill>
+                    <a:latin typeface="Helvetica" pitchFamily="2" charset="0"/>
+                  </a:rPr>
+                  <a:t>learnable parameters</a:t>
+                </a:r>
+                <a:r>
+                  <a:rPr lang="en-US" dirty="0">
+                    <a:latin typeface="Helvetica" pitchFamily="2" charset="0"/>
+                  </a:rPr>
+                  <a:t>) to Queries, Keys, and Values</a:t>
+                </a:r>
+              </a:p>
+              <a:p>
+                <a:pPr lvl="2">
+                  <a:buClr>
+                    <a:srgbClr val="FF7900"/>
+                  </a:buClr>
+                </a:pPr>
+                <a:r>
+                  <a:rPr lang="en-US" dirty="0">
+                    <a:latin typeface="Helvetica" pitchFamily="2" charset="0"/>
+                  </a:rPr>
+                  <a:t>Instead of applying a single attention, </a:t>
+                </a:r>
+                <a14:m>
+                  <m:oMath xmlns:m="http://schemas.openxmlformats.org/officeDocument/2006/math">
+                    <m:sSub>
+                      <m:sSubPr>
+                        <m:ctrlPr>
+                          <a:rPr lang="en-US" i="1" dirty="0" smtClean="0">
+                            <a:latin typeface="Cambria Math" panose="02040503050406030204" pitchFamily="18" charset="0"/>
+                          </a:rPr>
+                        </m:ctrlPr>
+                      </m:sSubPr>
+                      <m:e>
+                        <m:r>
+                          <a:rPr lang="en-US" i="1" dirty="0" smtClean="0">
+                            <a:latin typeface="Cambria Math" panose="02040503050406030204" pitchFamily="18" charset="0"/>
+                          </a:rPr>
+                          <m:t>𝑑</m:t>
+                        </m:r>
+                      </m:e>
+                      <m:sub>
+                        <m:r>
+                          <m:rPr>
+                            <m:nor/>
+                          </m:rPr>
+                          <a:rPr lang="en-US" i="0" dirty="0" smtClean="0">
+                            <a:latin typeface="Cambria Math" panose="02040503050406030204" pitchFamily="18" charset="0"/>
+                          </a:rPr>
+                          <m:t>model</m:t>
+                        </m:r>
+                      </m:sub>
+                    </m:sSub>
+                  </m:oMath>
+                </a14:m>
+                <a:r>
+                  <a:rPr lang="en-US" dirty="0">
+                    <a:latin typeface="Helvetica" pitchFamily="2" charset="0"/>
+                  </a:rPr>
+                  <a:t> is split across </a:t>
+                </a:r>
+                <a14:m>
+                  <m:oMath xmlns:m="http://schemas.openxmlformats.org/officeDocument/2006/math">
+                    <m:r>
+                      <a:rPr lang="en-US" i="1" dirty="0" smtClean="0">
+                        <a:latin typeface="Cambria Math" panose="02040503050406030204" pitchFamily="18" charset="0"/>
+                      </a:rPr>
+                      <m:t>𝑛</m:t>
+                    </m:r>
+                  </m:oMath>
+                </a14:m>
+                <a:r>
+                  <a:rPr lang="en-US" dirty="0">
+                    <a:latin typeface="Helvetica" pitchFamily="2" charset="0"/>
+                  </a:rPr>
+                  <a:t> </a:t>
+                </a:r>
+                <a:r>
+                  <a:rPr lang="en-US" dirty="0">
+                    <a:solidFill>
+                      <a:schemeClr val="bg2"/>
+                    </a:solidFill>
+                    <a:latin typeface="Helvetica" pitchFamily="2" charset="0"/>
+                  </a:rPr>
+                  <a:t>heads</a:t>
+                </a:r>
+                <a:r>
+                  <a:rPr lang="en-US" dirty="0">
+                    <a:latin typeface="Helvetica" pitchFamily="2" charset="0"/>
+                  </a:rPr>
+                  <a:t>, where each head processes SDPA on subspaces for Q, K, and V.</a:t>
+                </a:r>
+              </a:p>
+              <a:p>
+                <a:pPr lvl="2">
+                  <a:buClr>
+                    <a:srgbClr val="FF7900"/>
+                  </a:buClr>
+                </a:pPr>
+                <a:r>
+                  <a:rPr lang="en-US" dirty="0">
+                    <a:latin typeface="Helvetica" pitchFamily="2" charset="0"/>
+                  </a:rPr>
+                  <a:t>Results from each head get </a:t>
+                </a:r>
+                <a:r>
+                  <a:rPr lang="en-US" dirty="0">
+                    <a:solidFill>
+                      <a:schemeClr val="bg2"/>
+                    </a:solidFill>
+                    <a:latin typeface="Helvetica" pitchFamily="2" charset="0"/>
+                  </a:rPr>
+                  <a:t>concatenated</a:t>
+                </a:r>
+                <a:r>
+                  <a:rPr lang="en-US" dirty="0">
+                    <a:latin typeface="Helvetica" pitchFamily="2" charset="0"/>
+                  </a:rPr>
+                  <a:t> back into the </a:t>
+                </a:r>
+                <a:r>
+                  <a:rPr lang="en-US" dirty="0">
+                    <a:solidFill>
+                      <a:schemeClr val="bg2"/>
+                    </a:solidFill>
+                    <a:latin typeface="Helvetica" pitchFamily="2" charset="0"/>
+                  </a:rPr>
+                  <a:t>MHA</a:t>
+                </a:r>
+                <a:r>
+                  <a:rPr lang="en-US" dirty="0">
+                    <a:latin typeface="Helvetica" pitchFamily="2" charset="0"/>
+                  </a:rPr>
+                  <a:t> final output (.</a:t>
+                </a:r>
+              </a:p>
+            </p:txBody>
+          </p:sp>
+        </mc:Choice>
+        <mc:Fallback>
+          <p:sp>
+            <p:nvSpPr>
+              <p:cNvPr id="2" name="Content Placeholder 1">
+                <a:extLst>
+                  <a:ext uri="{FF2B5EF4-FFF2-40B4-BE49-F238E27FC236}">
+                    <a16:creationId xmlns:a16="http://schemas.microsoft.com/office/drawing/2014/main" id="{7198D760-340A-B897-A0E1-3ACFAC015E12}"/>
+                  </a:ext>
+                </a:extLst>
+              </p:cNvPr>
+              <p:cNvSpPr>
+                <a:spLocks noGrp="1" noRot="1" noChangeAspect="1" noMove="1" noResize="1" noEditPoints="1" noAdjustHandles="1" noChangeArrowheads="1" noChangeShapeType="1" noTextEdit="1"/>
+              </p:cNvSpPr>
+              <p:nvPr>
+                <p:ph idx="1"/>
+              </p:nvPr>
+            </p:nvSpPr>
+            <p:spPr>
+              <a:xfrm>
+                <a:off x="314326" y="1184275"/>
+                <a:ext cx="8406980" cy="2891706"/>
+              </a:xfrm>
+              <a:blipFill>
+                <a:blip r:embed="rId2"/>
+                <a:stretch>
+                  <a:fillRect l="-1207" t="-3057" r="-1207"/>
+                </a:stretch>
+              </a:blipFill>
+            </p:spPr>
+            <p:txBody>
+              <a:bodyPr/>
+              <a:lstStyle/>
+              <a:p>
+                <a:r>
+                  <a:rPr lang="en-US">
+                    <a:noFill/>
+                  </a:rPr>
+                  <a:t> </a:t>
+                </a:r>
+              </a:p>
+            </p:txBody>
+          </p:sp>
+        </mc:Fallback>
+      </mc:AlternateContent>
+      <p:sp>
+        <p:nvSpPr>
+          <p:cNvPr id="3" name="Title 2">
+            <a:extLst>
+              <a:ext uri="{FF2B5EF4-FFF2-40B4-BE49-F238E27FC236}">
+                <a16:creationId xmlns:a16="http://schemas.microsoft.com/office/drawing/2014/main" id="{0A078A64-F3CC-4651-52F8-07E5750377C1}"/>
+              </a:ext>
+            </a:extLst>
+          </p:cNvPr>
+          <p:cNvSpPr>
+            <a:spLocks noGrp="1"/>
+          </p:cNvSpPr>
+          <p:nvPr>
+            <p:ph type="title"/>
+          </p:nvPr>
+        </p:nvSpPr>
+        <p:spPr/>
+        <p:txBody>
+          <a:bodyPr/>
+          <a:lstStyle/>
+          <a:p>
+            <a:r>
+              <a:rPr lang="en-US" sz="2800" dirty="0"/>
+              <a:t>Model Parameters</a:t>
+            </a:r>
+          </a:p>
+        </p:txBody>
+      </p:sp>
+      <p:sp>
+        <p:nvSpPr>
+          <p:cNvPr id="8" name="Rectangle 7">
+            <a:extLst>
+              <a:ext uri="{FF2B5EF4-FFF2-40B4-BE49-F238E27FC236}">
+                <a16:creationId xmlns:a16="http://schemas.microsoft.com/office/drawing/2014/main" id="{448D3150-C727-7A8A-8643-7C2CCF3BCBE4}"/>
+              </a:ext>
+            </a:extLst>
+          </p:cNvPr>
+          <p:cNvSpPr/>
+          <p:nvPr/>
+        </p:nvSpPr>
+        <p:spPr>
+          <a:xfrm>
+            <a:off x="310142" y="4548158"/>
+            <a:ext cx="1305910" cy="378330"/>
+          </a:xfrm>
+          <a:prstGeom prst="rect">
+            <a:avLst/>
+          </a:prstGeom>
+          <a:solidFill>
+            <a:schemeClr val="bg1"/>
+          </a:solidFill>
+          <a:ln>
+            <a:noFill/>
+          </a:ln>
+        </p:spPr>
+        <p:style>
+          <a:lnRef idx="2">
+            <a:schemeClr val="accent1">
+              <a:shade val="50000"/>
+            </a:schemeClr>
+          </a:lnRef>
+          <a:fillRef idx="1">
+            <a:schemeClr val="accent1"/>
+          </a:fillRef>
+          <a:effectRef idx="0">
+            <a:schemeClr val="accent1"/>
+          </a:effectRef>
+          <a:fontRef idx="minor">
+            <a:schemeClr val="lt1"/>
+          </a:fontRef>
+        </p:style>
+        <p:txBody>
+          <a:bodyPr rtlCol="0" anchor="ctr"/>
+          <a:lstStyle/>
+          <a:p>
+            <a:pPr algn="ctr"/>
+            <a:endParaRPr lang="en-US" sz="1600" noProof="0" dirty="0">
+              <a:solidFill>
+                <a:srgbClr val="000000"/>
+              </a:solidFill>
+            </a:endParaRPr>
+          </a:p>
+        </p:txBody>
+      </p:sp>
+    </p:spTree>
+    <p:extLst>
+      <p:ext uri="{BB962C8B-B14F-4D97-AF65-F5344CB8AC3E}">
+        <p14:creationId xmlns:p14="http://schemas.microsoft.com/office/powerpoint/2010/main" val="3693351641"/>
       </p:ext>
     </p:extLst>
   </p:cSld>
